--- a/Apresentação - Estimativas .pptx
+++ b/Apresentação - Estimativas .pptx
@@ -5,10 +5,10 @@
     <p:sldMasterId id="2147483648" r:id="rId2"/>
   </p:sldMasterIdLst>
   <p:notesMasterIdLst>
-    <p:notesMasterId r:id="rId9"/>
+    <p:notesMasterId r:id="rId16"/>
   </p:notesMasterIdLst>
   <p:handoutMasterIdLst>
-    <p:handoutMasterId r:id="rId10"/>
+    <p:handoutMasterId r:id="rId17"/>
   </p:handoutMasterIdLst>
   <p:sldIdLst>
     <p:sldId id="265" r:id="rId3"/>
@@ -16,7 +16,14 @@
     <p:sldId id="267" r:id="rId5"/>
     <p:sldId id="257" r:id="rId6"/>
     <p:sldId id="271" r:id="rId7"/>
-    <p:sldId id="268" r:id="rId8"/>
+    <p:sldId id="263" r:id="rId8"/>
+    <p:sldId id="268" r:id="rId9"/>
+    <p:sldId id="262" r:id="rId10"/>
+    <p:sldId id="273" r:id="rId11"/>
+    <p:sldId id="264" r:id="rId12"/>
+    <p:sldId id="272" r:id="rId13"/>
+    <p:sldId id="269" r:id="rId14"/>
+    <p:sldId id="270" r:id="rId15"/>
   </p:sldIdLst>
   <p:sldSz cx="12192000" cy="6858000"/>
   <p:notesSz cx="6858000" cy="9144000"/>
@@ -135,6 +142,3949 @@
     </p:ext>
   </p:extLst>
 </p:presentation>
+</file>
+
+<file path=ppt/charts/chart1.xml><?xml version="1.0" encoding="utf-8"?>
+<c:chartSpace xmlns:c="http://schemas.openxmlformats.org/drawingml/2006/chart" xmlns:a="http://schemas.openxmlformats.org/drawingml/2006/main" xmlns:r="http://schemas.openxmlformats.org/officeDocument/2006/relationships">
+  <c:date1904 val="0"/>
+  <c:lang val="pt-BR"/>
+  <c:roundedCorners val="0"/>
+  <mc:AlternateContent xmlns:mc="http://schemas.openxmlformats.org/markup-compatibility/2006">
+    <mc:Choice xmlns:c14="http://schemas.microsoft.com/office/drawing/2007/8/2/chart" Requires="c14">
+      <c14:style val="103"/>
+    </mc:Choice>
+    <mc:Fallback>
+      <c:style val="3"/>
+    </mc:Fallback>
+  </mc:AlternateContent>
+  <c:chart>
+    <c:autoTitleDeleted val="1"/>
+    <c:plotArea>
+      <c:layout/>
+      <c:barChart>
+        <c:barDir val="col"/>
+        <c:grouping val="clustered"/>
+        <c:varyColors val="0"/>
+        <c:ser>
+          <c:idx val="0"/>
+          <c:order val="0"/>
+          <c:tx>
+            <c:strRef>
+              <c:f>Sheet1!$B$1</c:f>
+              <c:strCache>
+                <c:ptCount val="1"/>
+                <c:pt idx="0">
+                  <c:v>Série 1</c:v>
+                </c:pt>
+              </c:strCache>
+            </c:strRef>
+          </c:tx>
+          <c:spPr>
+            <a:solidFill>
+              <a:schemeClr val="accent1">
+                <a:shade val="65000"/>
+              </a:schemeClr>
+            </a:solidFill>
+            <a:ln>
+              <a:noFill/>
+            </a:ln>
+            <a:effectLst/>
+          </c:spPr>
+          <c:invertIfNegative val="0"/>
+          <c:cat>
+            <c:strRef>
+              <c:f>Sheet1!$A$2:$A$5</c:f>
+              <c:strCache>
+                <c:ptCount val="4"/>
+                <c:pt idx="0">
+                  <c:v>Categoria 1</c:v>
+                </c:pt>
+                <c:pt idx="1">
+                  <c:v>Categoria 2</c:v>
+                </c:pt>
+                <c:pt idx="2">
+                  <c:v>Categoria 3</c:v>
+                </c:pt>
+                <c:pt idx="3">
+                  <c:v>Categoria 4</c:v>
+                </c:pt>
+              </c:strCache>
+            </c:strRef>
+          </c:cat>
+          <c:val>
+            <c:numRef>
+              <c:f>Sheet1!$B$2:$B$5</c:f>
+              <c:numCache>
+                <c:formatCode>General</c:formatCode>
+                <c:ptCount val="4"/>
+                <c:pt idx="0">
+                  <c:v>4.3</c:v>
+                </c:pt>
+                <c:pt idx="1">
+                  <c:v>2.5</c:v>
+                </c:pt>
+                <c:pt idx="2">
+                  <c:v>3.5</c:v>
+                </c:pt>
+                <c:pt idx="3">
+                  <c:v>4.5</c:v>
+                </c:pt>
+              </c:numCache>
+            </c:numRef>
+          </c:val>
+        </c:ser>
+        <c:ser>
+          <c:idx val="1"/>
+          <c:order val="1"/>
+          <c:tx>
+            <c:strRef>
+              <c:f>Sheet1!$C$1</c:f>
+              <c:strCache>
+                <c:ptCount val="1"/>
+                <c:pt idx="0">
+                  <c:v>Série 2</c:v>
+                </c:pt>
+              </c:strCache>
+            </c:strRef>
+          </c:tx>
+          <c:spPr>
+            <a:solidFill>
+              <a:schemeClr val="accent1"/>
+            </a:solidFill>
+            <a:ln>
+              <a:noFill/>
+            </a:ln>
+            <a:effectLst/>
+          </c:spPr>
+          <c:invertIfNegative val="0"/>
+          <c:cat>
+            <c:strRef>
+              <c:f>Sheet1!$A$2:$A$5</c:f>
+              <c:strCache>
+                <c:ptCount val="4"/>
+                <c:pt idx="0">
+                  <c:v>Categoria 1</c:v>
+                </c:pt>
+                <c:pt idx="1">
+                  <c:v>Categoria 2</c:v>
+                </c:pt>
+                <c:pt idx="2">
+                  <c:v>Categoria 3</c:v>
+                </c:pt>
+                <c:pt idx="3">
+                  <c:v>Categoria 4</c:v>
+                </c:pt>
+              </c:strCache>
+            </c:strRef>
+          </c:cat>
+          <c:val>
+            <c:numRef>
+              <c:f>Sheet1!$C$2:$C$5</c:f>
+              <c:numCache>
+                <c:formatCode>General</c:formatCode>
+                <c:ptCount val="4"/>
+                <c:pt idx="0">
+                  <c:v>2.4</c:v>
+                </c:pt>
+                <c:pt idx="1">
+                  <c:v>4.4000000000000004</c:v>
+                </c:pt>
+                <c:pt idx="2">
+                  <c:v>1.8</c:v>
+                </c:pt>
+                <c:pt idx="3">
+                  <c:v>2.8</c:v>
+                </c:pt>
+              </c:numCache>
+            </c:numRef>
+          </c:val>
+        </c:ser>
+        <c:ser>
+          <c:idx val="2"/>
+          <c:order val="2"/>
+          <c:tx>
+            <c:strRef>
+              <c:f>Sheet1!$D$1</c:f>
+              <c:strCache>
+                <c:ptCount val="1"/>
+                <c:pt idx="0">
+                  <c:v>Série 3</c:v>
+                </c:pt>
+              </c:strCache>
+            </c:strRef>
+          </c:tx>
+          <c:spPr>
+            <a:solidFill>
+              <a:schemeClr val="accent1">
+                <a:tint val="65000"/>
+              </a:schemeClr>
+            </a:solidFill>
+            <a:ln>
+              <a:noFill/>
+            </a:ln>
+            <a:effectLst/>
+          </c:spPr>
+          <c:invertIfNegative val="0"/>
+          <c:cat>
+            <c:strRef>
+              <c:f>Sheet1!$A$2:$A$5</c:f>
+              <c:strCache>
+                <c:ptCount val="4"/>
+                <c:pt idx="0">
+                  <c:v>Categoria 1</c:v>
+                </c:pt>
+                <c:pt idx="1">
+                  <c:v>Categoria 2</c:v>
+                </c:pt>
+                <c:pt idx="2">
+                  <c:v>Categoria 3</c:v>
+                </c:pt>
+                <c:pt idx="3">
+                  <c:v>Categoria 4</c:v>
+                </c:pt>
+              </c:strCache>
+            </c:strRef>
+          </c:cat>
+          <c:val>
+            <c:numRef>
+              <c:f>Sheet1!$D$2:$D$5</c:f>
+              <c:numCache>
+                <c:formatCode>General</c:formatCode>
+                <c:ptCount val="4"/>
+                <c:pt idx="0">
+                  <c:v>2</c:v>
+                </c:pt>
+                <c:pt idx="1">
+                  <c:v>2</c:v>
+                </c:pt>
+                <c:pt idx="2">
+                  <c:v>3</c:v>
+                </c:pt>
+                <c:pt idx="3">
+                  <c:v>5</c:v>
+                </c:pt>
+              </c:numCache>
+            </c:numRef>
+          </c:val>
+        </c:ser>
+        <c:dLbls>
+          <c:showLegendKey val="0"/>
+          <c:showVal val="0"/>
+          <c:showCatName val="0"/>
+          <c:showSerName val="0"/>
+          <c:showPercent val="0"/>
+          <c:showBubbleSize val="0"/>
+        </c:dLbls>
+        <c:gapWidth val="75"/>
+        <c:overlap val="-25"/>
+        <c:axId val="116737536"/>
+        <c:axId val="70788800"/>
+      </c:barChart>
+      <c:catAx>
+        <c:axId val="116737536"/>
+        <c:scaling>
+          <c:orientation val="minMax"/>
+        </c:scaling>
+        <c:delete val="0"/>
+        <c:axPos val="b"/>
+        <c:numFmt formatCode="General" sourceLinked="1"/>
+        <c:majorTickMark val="none"/>
+        <c:minorTickMark val="none"/>
+        <c:tickLblPos val="nextTo"/>
+        <c:spPr>
+          <a:noFill/>
+          <a:ln w="9525" cap="flat" cmpd="sng" algn="ctr">
+            <a:solidFill>
+              <a:schemeClr val="tx1">
+                <a:lumMod val="15000"/>
+                <a:lumOff val="85000"/>
+              </a:schemeClr>
+            </a:solidFill>
+            <a:round/>
+          </a:ln>
+          <a:effectLst/>
+        </c:spPr>
+        <c:txPr>
+          <a:bodyPr rot="-60000000" spcFirstLastPara="1" vertOverflow="ellipsis" vert="horz" wrap="square" anchor="ctr" anchorCtr="1"/>
+          <a:lstStyle/>
+          <a:p>
+            <a:pPr>
+              <a:defRPr sz="1197" b="0" i="0" u="none" strike="noStrike" kern="1200" baseline="0">
+                <a:solidFill>
+                  <a:schemeClr val="tx1">
+                    <a:lumMod val="65000"/>
+                    <a:lumOff val="35000"/>
+                  </a:schemeClr>
+                </a:solidFill>
+                <a:latin typeface="+mn-lt"/>
+                <a:ea typeface="+mn-ea"/>
+                <a:cs typeface="+mn-cs"/>
+              </a:defRPr>
+            </a:pPr>
+            <a:endParaRPr lang="pt-BR"/>
+          </a:p>
+        </c:txPr>
+        <c:crossAx val="70788800"/>
+        <c:crosses val="autoZero"/>
+        <c:auto val="1"/>
+        <c:lblAlgn val="ctr"/>
+        <c:lblOffset val="100"/>
+        <c:noMultiLvlLbl val="0"/>
+      </c:catAx>
+      <c:valAx>
+        <c:axId val="70788800"/>
+        <c:scaling>
+          <c:orientation val="minMax"/>
+        </c:scaling>
+        <c:delete val="0"/>
+        <c:axPos val="l"/>
+        <c:majorGridlines>
+          <c:spPr>
+            <a:ln w="9525" cap="flat" cmpd="sng" algn="ctr">
+              <a:solidFill>
+                <a:schemeClr val="tx1">
+                  <a:lumMod val="15000"/>
+                  <a:lumOff val="85000"/>
+                </a:schemeClr>
+              </a:solidFill>
+              <a:round/>
+            </a:ln>
+            <a:effectLst/>
+          </c:spPr>
+        </c:majorGridlines>
+        <c:numFmt formatCode="General" sourceLinked="1"/>
+        <c:majorTickMark val="none"/>
+        <c:minorTickMark val="none"/>
+        <c:tickLblPos val="nextTo"/>
+        <c:spPr>
+          <a:noFill/>
+          <a:ln>
+            <a:noFill/>
+          </a:ln>
+          <a:effectLst/>
+        </c:spPr>
+        <c:txPr>
+          <a:bodyPr rot="-60000000" spcFirstLastPara="1" vertOverflow="ellipsis" vert="horz" wrap="square" anchor="ctr" anchorCtr="1"/>
+          <a:lstStyle/>
+          <a:p>
+            <a:pPr>
+              <a:defRPr sz="1197" b="0" i="0" u="none" strike="noStrike" kern="1200" baseline="0">
+                <a:solidFill>
+                  <a:schemeClr val="tx1">
+                    <a:lumMod val="65000"/>
+                    <a:lumOff val="35000"/>
+                  </a:schemeClr>
+                </a:solidFill>
+                <a:latin typeface="+mn-lt"/>
+                <a:ea typeface="+mn-ea"/>
+                <a:cs typeface="+mn-cs"/>
+              </a:defRPr>
+            </a:pPr>
+            <a:endParaRPr lang="pt-BR"/>
+          </a:p>
+        </c:txPr>
+        <c:crossAx val="116737536"/>
+        <c:crosses val="autoZero"/>
+        <c:crossBetween val="between"/>
+      </c:valAx>
+      <c:spPr>
+        <a:noFill/>
+        <a:ln>
+          <a:noFill/>
+        </a:ln>
+        <a:effectLst/>
+      </c:spPr>
+    </c:plotArea>
+    <c:legend>
+      <c:legendPos val="b"/>
+      <c:layout/>
+      <c:overlay val="0"/>
+      <c:spPr>
+        <a:noFill/>
+        <a:ln>
+          <a:noFill/>
+        </a:ln>
+        <a:effectLst/>
+      </c:spPr>
+      <c:txPr>
+        <a:bodyPr rot="0" spcFirstLastPara="1" vertOverflow="ellipsis" vert="horz" wrap="square" anchor="ctr" anchorCtr="1"/>
+        <a:lstStyle/>
+        <a:p>
+          <a:pPr>
+            <a:defRPr sz="1197" b="0" i="0" u="none" strike="noStrike" kern="1200" baseline="0">
+              <a:solidFill>
+                <a:schemeClr val="tx1">
+                  <a:lumMod val="65000"/>
+                  <a:lumOff val="35000"/>
+                </a:schemeClr>
+              </a:solidFill>
+              <a:latin typeface="+mn-lt"/>
+              <a:ea typeface="+mn-ea"/>
+              <a:cs typeface="+mn-cs"/>
+            </a:defRPr>
+          </a:pPr>
+          <a:endParaRPr lang="pt-BR"/>
+        </a:p>
+      </c:txPr>
+    </c:legend>
+    <c:plotVisOnly val="1"/>
+    <c:dispBlanksAs val="gap"/>
+    <c:showDLblsOverMax val="0"/>
+  </c:chart>
+  <c:spPr>
+    <a:noFill/>
+    <a:ln>
+      <a:noFill/>
+    </a:ln>
+    <a:effectLst/>
+  </c:spPr>
+  <c:txPr>
+    <a:bodyPr/>
+    <a:lstStyle/>
+    <a:p>
+      <a:pPr>
+        <a:defRPr/>
+      </a:pPr>
+      <a:endParaRPr lang="pt-BR"/>
+    </a:p>
+  </c:txPr>
+  <c:externalData r:id="rId1">
+    <c:autoUpdate val="0"/>
+  </c:externalData>
+</c:chartSpace>
+</file>
+
+<file path=ppt/charts/colors1.xml><?xml version="1.0" encoding="utf-8"?>
+<cs:colorStyle xmlns:cs="http://schemas.microsoft.com/office/drawing/2012/chartStyle" xmlns:a="http://schemas.openxmlformats.org/drawingml/2006/main" meth="withinLinear" id="14">
+  <a:schemeClr val="accent1"/>
+</cs:colorStyle>
+</file>
+
+<file path=ppt/charts/style1.xml><?xml version="1.0" encoding="utf-8"?>
+<cs:chartStyle xmlns:cs="http://schemas.microsoft.com/office/drawing/2012/chartStyle" xmlns:a="http://schemas.openxmlformats.org/drawingml/2006/main" id="201">
+  <cs:axisTitle>
+    <cs:lnRef idx="0"/>
+    <cs:fillRef idx="0"/>
+    <cs:effectRef idx="0"/>
+    <cs:fontRef idx="minor">
+      <a:schemeClr val="tx1">
+        <a:lumMod val="65000"/>
+        <a:lumOff val="35000"/>
+      </a:schemeClr>
+    </cs:fontRef>
+    <cs:defRPr sz="1330" kern="1200"/>
+  </cs:axisTitle>
+  <cs:categoryAxis>
+    <cs:lnRef idx="0"/>
+    <cs:fillRef idx="0"/>
+    <cs:effectRef idx="0"/>
+    <cs:fontRef idx="minor">
+      <a:schemeClr val="tx1">
+        <a:lumMod val="65000"/>
+        <a:lumOff val="35000"/>
+      </a:schemeClr>
+    </cs:fontRef>
+    <cs:spPr>
+      <a:ln w="9525" cap="flat" cmpd="sng" algn="ctr">
+        <a:solidFill>
+          <a:schemeClr val="tx1">
+            <a:lumMod val="15000"/>
+            <a:lumOff val="85000"/>
+          </a:schemeClr>
+        </a:solidFill>
+        <a:round/>
+      </a:ln>
+    </cs:spPr>
+    <cs:defRPr sz="1197" kern="1200"/>
+  </cs:categoryAxis>
+  <cs:chartArea mods="allowNoFillOverride allowNoLineOverride">
+    <cs:lnRef idx="0"/>
+    <cs:fillRef idx="0"/>
+    <cs:effectRef idx="0"/>
+    <cs:fontRef idx="minor">
+      <a:schemeClr val="tx1"/>
+    </cs:fontRef>
+    <cs:spPr>
+      <a:solidFill>
+        <a:schemeClr val="bg1"/>
+      </a:solidFill>
+      <a:ln w="9525" cap="flat" cmpd="sng" algn="ctr">
+        <a:solidFill>
+          <a:schemeClr val="tx1">
+            <a:lumMod val="15000"/>
+            <a:lumOff val="85000"/>
+          </a:schemeClr>
+        </a:solidFill>
+        <a:round/>
+      </a:ln>
+    </cs:spPr>
+    <cs:defRPr sz="1330" kern="1200"/>
+  </cs:chartArea>
+  <cs:dataLabel>
+    <cs:lnRef idx="0"/>
+    <cs:fillRef idx="0"/>
+    <cs:effectRef idx="0"/>
+    <cs:fontRef idx="minor">
+      <a:schemeClr val="tx1">
+        <a:lumMod val="75000"/>
+        <a:lumOff val="25000"/>
+      </a:schemeClr>
+    </cs:fontRef>
+    <cs:defRPr sz="1197" kern="1200"/>
+  </cs:dataLabel>
+  <cs:dataLabelCallout>
+    <cs:lnRef idx="0"/>
+    <cs:fillRef idx="0"/>
+    <cs:effectRef idx="0"/>
+    <cs:fontRef idx="minor">
+      <a:schemeClr val="dk1">
+        <a:lumMod val="65000"/>
+        <a:lumOff val="35000"/>
+      </a:schemeClr>
+    </cs:fontRef>
+    <cs:spPr>
+      <a:solidFill>
+        <a:schemeClr val="lt1"/>
+      </a:solidFill>
+      <a:ln>
+        <a:solidFill>
+          <a:schemeClr val="dk1">
+            <a:lumMod val="25000"/>
+            <a:lumOff val="75000"/>
+          </a:schemeClr>
+        </a:solidFill>
+      </a:ln>
+    </cs:spPr>
+    <cs:defRPr sz="1197" kern="1200"/>
+  </cs:dataLabelCallout>
+  <cs:dataPoint>
+    <cs:lnRef idx="0"/>
+    <cs:fillRef idx="1">
+      <cs:styleClr val="auto"/>
+    </cs:fillRef>
+    <cs:effectRef idx="0"/>
+    <cs:fontRef idx="minor">
+      <a:schemeClr val="tx1"/>
+    </cs:fontRef>
+  </cs:dataPoint>
+  <cs:dataPoint3D>
+    <cs:lnRef idx="0"/>
+    <cs:fillRef idx="1">
+      <cs:styleClr val="auto"/>
+    </cs:fillRef>
+    <cs:effectRef idx="0"/>
+    <cs:fontRef idx="minor">
+      <a:schemeClr val="tx1"/>
+    </cs:fontRef>
+  </cs:dataPoint3D>
+  <cs:dataPointLine>
+    <cs:lnRef idx="0">
+      <cs:styleClr val="auto"/>
+    </cs:lnRef>
+    <cs:fillRef idx="1"/>
+    <cs:effectRef idx="0"/>
+    <cs:fontRef idx="minor">
+      <a:schemeClr val="tx1"/>
+    </cs:fontRef>
+    <cs:spPr>
+      <a:ln w="28575" cap="rnd">
+        <a:solidFill>
+          <a:schemeClr val="phClr"/>
+        </a:solidFill>
+        <a:round/>
+      </a:ln>
+    </cs:spPr>
+  </cs:dataPointLine>
+  <cs:dataPointMarker>
+    <cs:lnRef idx="0">
+      <cs:styleClr val="auto"/>
+    </cs:lnRef>
+    <cs:fillRef idx="1">
+      <cs:styleClr val="auto"/>
+    </cs:fillRef>
+    <cs:effectRef idx="0"/>
+    <cs:fontRef idx="minor">
+      <a:schemeClr val="tx1"/>
+    </cs:fontRef>
+    <cs:spPr>
+      <a:ln w="9525">
+        <a:solidFill>
+          <a:schemeClr val="phClr"/>
+        </a:solidFill>
+      </a:ln>
+    </cs:spPr>
+  </cs:dataPointMarker>
+  <cs:dataPointMarkerLayout symbol="circle" size="5"/>
+  <cs:dataPointWireframe>
+    <cs:lnRef idx="0">
+      <cs:styleClr val="auto"/>
+    </cs:lnRef>
+    <cs:fillRef idx="1"/>
+    <cs:effectRef idx="0"/>
+    <cs:fontRef idx="minor">
+      <a:schemeClr val="tx1"/>
+    </cs:fontRef>
+    <cs:spPr>
+      <a:ln w="9525" cap="rnd">
+        <a:solidFill>
+          <a:schemeClr val="phClr"/>
+        </a:solidFill>
+        <a:round/>
+      </a:ln>
+    </cs:spPr>
+  </cs:dataPointWireframe>
+  <cs:dataTable>
+    <cs:lnRef idx="0"/>
+    <cs:fillRef idx="0"/>
+    <cs:effectRef idx="0"/>
+    <cs:fontRef idx="minor">
+      <a:schemeClr val="tx1">
+        <a:lumMod val="65000"/>
+        <a:lumOff val="35000"/>
+      </a:schemeClr>
+    </cs:fontRef>
+    <cs:spPr>
+      <a:noFill/>
+      <a:ln w="9525" cap="flat" cmpd="sng" algn="ctr">
+        <a:solidFill>
+          <a:schemeClr val="tx1">
+            <a:lumMod val="15000"/>
+            <a:lumOff val="85000"/>
+          </a:schemeClr>
+        </a:solidFill>
+        <a:round/>
+      </a:ln>
+    </cs:spPr>
+    <cs:defRPr sz="1197" kern="1200"/>
+  </cs:dataTable>
+  <cs:downBar>
+    <cs:lnRef idx="0"/>
+    <cs:fillRef idx="0"/>
+    <cs:effectRef idx="0"/>
+    <cs:fontRef idx="minor">
+      <a:schemeClr val="dk1"/>
+    </cs:fontRef>
+    <cs:spPr>
+      <a:solidFill>
+        <a:schemeClr val="dk1">
+          <a:lumMod val="65000"/>
+          <a:lumOff val="35000"/>
+        </a:schemeClr>
+      </a:solidFill>
+      <a:ln w="9525">
+        <a:solidFill>
+          <a:schemeClr val="tx1">
+            <a:lumMod val="65000"/>
+            <a:lumOff val="35000"/>
+          </a:schemeClr>
+        </a:solidFill>
+      </a:ln>
+    </cs:spPr>
+  </cs:downBar>
+  <cs:dropLine>
+    <cs:lnRef idx="0"/>
+    <cs:fillRef idx="0"/>
+    <cs:effectRef idx="0"/>
+    <cs:fontRef idx="minor">
+      <a:schemeClr val="tx1"/>
+    </cs:fontRef>
+    <cs:spPr>
+      <a:ln w="9525" cap="flat" cmpd="sng" algn="ctr">
+        <a:solidFill>
+          <a:schemeClr val="tx1">
+            <a:lumMod val="35000"/>
+            <a:lumOff val="65000"/>
+          </a:schemeClr>
+        </a:solidFill>
+        <a:round/>
+      </a:ln>
+    </cs:spPr>
+  </cs:dropLine>
+  <cs:errorBar>
+    <cs:lnRef idx="0"/>
+    <cs:fillRef idx="0"/>
+    <cs:effectRef idx="0"/>
+    <cs:fontRef idx="minor">
+      <a:schemeClr val="tx1"/>
+    </cs:fontRef>
+    <cs:spPr>
+      <a:ln w="9525" cap="flat" cmpd="sng" algn="ctr">
+        <a:solidFill>
+          <a:schemeClr val="tx1">
+            <a:lumMod val="65000"/>
+            <a:lumOff val="35000"/>
+          </a:schemeClr>
+        </a:solidFill>
+        <a:round/>
+      </a:ln>
+    </cs:spPr>
+  </cs:errorBar>
+  <cs:floor>
+    <cs:lnRef idx="0"/>
+    <cs:fillRef idx="0"/>
+    <cs:effectRef idx="0"/>
+    <cs:fontRef idx="minor">
+      <a:schemeClr val="tx1"/>
+    </cs:fontRef>
+    <cs:spPr>
+      <a:noFill/>
+      <a:ln>
+        <a:noFill/>
+      </a:ln>
+    </cs:spPr>
+  </cs:floor>
+  <cs:gridlineMajor>
+    <cs:lnRef idx="0"/>
+    <cs:fillRef idx="0"/>
+    <cs:effectRef idx="0"/>
+    <cs:fontRef idx="minor">
+      <a:schemeClr val="tx1"/>
+    </cs:fontRef>
+    <cs:spPr>
+      <a:ln w="9525" cap="flat" cmpd="sng" algn="ctr">
+        <a:solidFill>
+          <a:schemeClr val="tx1">
+            <a:lumMod val="15000"/>
+            <a:lumOff val="85000"/>
+          </a:schemeClr>
+        </a:solidFill>
+        <a:round/>
+      </a:ln>
+    </cs:spPr>
+  </cs:gridlineMajor>
+  <cs:gridlineMinor>
+    <cs:lnRef idx="0"/>
+    <cs:fillRef idx="0"/>
+    <cs:effectRef idx="0"/>
+    <cs:fontRef idx="minor">
+      <a:schemeClr val="tx1"/>
+    </cs:fontRef>
+    <cs:spPr>
+      <a:ln w="9525" cap="flat" cmpd="sng" algn="ctr">
+        <a:solidFill>
+          <a:schemeClr val="tx1">
+            <a:lumMod val="5000"/>
+            <a:lumOff val="95000"/>
+          </a:schemeClr>
+        </a:solidFill>
+        <a:round/>
+      </a:ln>
+    </cs:spPr>
+  </cs:gridlineMinor>
+  <cs:hiLoLine>
+    <cs:lnRef idx="0"/>
+    <cs:fillRef idx="0"/>
+    <cs:effectRef idx="0"/>
+    <cs:fontRef idx="minor">
+      <a:schemeClr val="tx1"/>
+    </cs:fontRef>
+    <cs:spPr>
+      <a:ln w="9525" cap="flat" cmpd="sng" algn="ctr">
+        <a:solidFill>
+          <a:schemeClr val="tx1">
+            <a:lumMod val="75000"/>
+            <a:lumOff val="25000"/>
+          </a:schemeClr>
+        </a:solidFill>
+        <a:round/>
+      </a:ln>
+    </cs:spPr>
+  </cs:hiLoLine>
+  <cs:leaderLine>
+    <cs:lnRef idx="0"/>
+    <cs:fillRef idx="0"/>
+    <cs:effectRef idx="0"/>
+    <cs:fontRef idx="minor">
+      <a:schemeClr val="tx1"/>
+    </cs:fontRef>
+    <cs:spPr>
+      <a:ln w="9525" cap="flat" cmpd="sng" algn="ctr">
+        <a:solidFill>
+          <a:schemeClr val="tx1">
+            <a:lumMod val="35000"/>
+            <a:lumOff val="65000"/>
+          </a:schemeClr>
+        </a:solidFill>
+        <a:round/>
+      </a:ln>
+    </cs:spPr>
+  </cs:leaderLine>
+  <cs:legend>
+    <cs:lnRef idx="0"/>
+    <cs:fillRef idx="0"/>
+    <cs:effectRef idx="0"/>
+    <cs:fontRef idx="minor">
+      <a:schemeClr val="tx1">
+        <a:lumMod val="65000"/>
+        <a:lumOff val="35000"/>
+      </a:schemeClr>
+    </cs:fontRef>
+    <cs:defRPr sz="1197" kern="1200"/>
+  </cs:legend>
+  <cs:plotArea mods="allowNoFillOverride allowNoLineOverride">
+    <cs:lnRef idx="0"/>
+    <cs:fillRef idx="0"/>
+    <cs:effectRef idx="0"/>
+    <cs:fontRef idx="minor">
+      <a:schemeClr val="tx1"/>
+    </cs:fontRef>
+  </cs:plotArea>
+  <cs:plotArea3D mods="allowNoFillOverride allowNoLineOverride">
+    <cs:lnRef idx="0"/>
+    <cs:fillRef idx="0"/>
+    <cs:effectRef idx="0"/>
+    <cs:fontRef idx="minor">
+      <a:schemeClr val="tx1"/>
+    </cs:fontRef>
+  </cs:plotArea3D>
+  <cs:seriesAxis>
+    <cs:lnRef idx="0"/>
+    <cs:fillRef idx="0"/>
+    <cs:effectRef idx="0"/>
+    <cs:fontRef idx="minor">
+      <a:schemeClr val="tx1">
+        <a:lumMod val="65000"/>
+        <a:lumOff val="35000"/>
+      </a:schemeClr>
+    </cs:fontRef>
+    <cs:defRPr sz="1197" kern="1200"/>
+  </cs:seriesAxis>
+  <cs:seriesLine>
+    <cs:lnRef idx="0"/>
+    <cs:fillRef idx="0"/>
+    <cs:effectRef idx="0"/>
+    <cs:fontRef idx="minor">
+      <a:schemeClr val="tx1"/>
+    </cs:fontRef>
+    <cs:spPr>
+      <a:ln w="9525" cap="flat" cmpd="sng" algn="ctr">
+        <a:solidFill>
+          <a:schemeClr val="tx1">
+            <a:lumMod val="35000"/>
+            <a:lumOff val="65000"/>
+          </a:schemeClr>
+        </a:solidFill>
+        <a:round/>
+      </a:ln>
+    </cs:spPr>
+  </cs:seriesLine>
+  <cs:title>
+    <cs:lnRef idx="0"/>
+    <cs:fillRef idx="0"/>
+    <cs:effectRef idx="0"/>
+    <cs:fontRef idx="minor">
+      <a:schemeClr val="tx1">
+        <a:lumMod val="65000"/>
+        <a:lumOff val="35000"/>
+      </a:schemeClr>
+    </cs:fontRef>
+    <cs:defRPr sz="1862" b="0" kern="1200" spc="0" baseline="0"/>
+  </cs:title>
+  <cs:trendline>
+    <cs:lnRef idx="0">
+      <cs:styleClr val="auto"/>
+    </cs:lnRef>
+    <cs:fillRef idx="0"/>
+    <cs:effectRef idx="0"/>
+    <cs:fontRef idx="minor">
+      <a:schemeClr val="tx1"/>
+    </cs:fontRef>
+    <cs:spPr>
+      <a:ln w="19050" cap="rnd">
+        <a:solidFill>
+          <a:schemeClr val="phClr"/>
+        </a:solidFill>
+        <a:prstDash val="sysDot"/>
+      </a:ln>
+    </cs:spPr>
+  </cs:trendline>
+  <cs:trendlineLabel>
+    <cs:lnRef idx="0"/>
+    <cs:fillRef idx="0"/>
+    <cs:effectRef idx="0"/>
+    <cs:fontRef idx="minor">
+      <a:schemeClr val="tx1">
+        <a:lumMod val="65000"/>
+        <a:lumOff val="35000"/>
+      </a:schemeClr>
+    </cs:fontRef>
+    <cs:defRPr sz="1197" kern="1200"/>
+  </cs:trendlineLabel>
+  <cs:upBar>
+    <cs:lnRef idx="0"/>
+    <cs:fillRef idx="0"/>
+    <cs:effectRef idx="0"/>
+    <cs:fontRef idx="minor">
+      <a:schemeClr val="dk1"/>
+    </cs:fontRef>
+    <cs:spPr>
+      <a:solidFill>
+        <a:schemeClr val="lt1"/>
+      </a:solidFill>
+      <a:ln w="9525">
+        <a:solidFill>
+          <a:schemeClr val="tx1">
+            <a:lumMod val="15000"/>
+            <a:lumOff val="85000"/>
+          </a:schemeClr>
+        </a:solidFill>
+      </a:ln>
+    </cs:spPr>
+  </cs:upBar>
+  <cs:valueAxis>
+    <cs:lnRef idx="0"/>
+    <cs:fillRef idx="0"/>
+    <cs:effectRef idx="0"/>
+    <cs:fontRef idx="minor">
+      <a:schemeClr val="tx1">
+        <a:lumMod val="65000"/>
+        <a:lumOff val="35000"/>
+      </a:schemeClr>
+    </cs:fontRef>
+    <cs:defRPr sz="1197" kern="1200"/>
+  </cs:valueAxis>
+  <cs:wall>
+    <cs:lnRef idx="0"/>
+    <cs:fillRef idx="0"/>
+    <cs:effectRef idx="0"/>
+    <cs:fontRef idx="minor">
+      <a:schemeClr val="tx1"/>
+    </cs:fontRef>
+    <cs:spPr>
+      <a:noFill/>
+      <a:ln>
+        <a:noFill/>
+      </a:ln>
+    </cs:spPr>
+  </cs:wall>
+</cs:chartStyle>
+</file>
+
+<file path=ppt/diagrams/colors1.xml><?xml version="1.0" encoding="utf-8"?>
+<dgm:colorsDef xmlns:dgm="http://schemas.openxmlformats.org/drawingml/2006/diagram" xmlns:a="http://schemas.openxmlformats.org/drawingml/2006/main" uniqueId="urn:microsoft.com/office/officeart/2005/8/colors/accent1_2">
+  <dgm:title val=""/>
+  <dgm:desc val=""/>
+  <dgm:catLst>
+    <dgm:cat type="accent1" pri="11200"/>
+  </dgm:catLst>
+  <dgm:styleLbl name="node0">
+    <dgm:fillClrLst meth="repeat">
+      <a:schemeClr val="accent1"/>
+    </dgm:fillClrLst>
+    <dgm:linClrLst meth="repeat">
+      <a:schemeClr val="lt1"/>
+    </dgm:linClrLst>
+    <dgm:effectClrLst/>
+    <dgm:txLinClrLst/>
+    <dgm:txFillClrLst/>
+    <dgm:txEffectClrLst/>
+  </dgm:styleLbl>
+  <dgm:styleLbl name="alignNode1">
+    <dgm:fillClrLst meth="repeat">
+      <a:schemeClr val="accent1"/>
+    </dgm:fillClrLst>
+    <dgm:linClrLst meth="repeat">
+      <a:schemeClr val="accent1"/>
+    </dgm:linClrLst>
+    <dgm:effectClrLst/>
+    <dgm:txLinClrLst/>
+    <dgm:txFillClrLst/>
+    <dgm:txEffectClrLst/>
+  </dgm:styleLbl>
+  <dgm:styleLbl name="node1">
+    <dgm:fillClrLst meth="repeat">
+      <a:schemeClr val="accent1"/>
+    </dgm:fillClrLst>
+    <dgm:linClrLst meth="repeat">
+      <a:schemeClr val="lt1"/>
+    </dgm:linClrLst>
+    <dgm:effectClrLst/>
+    <dgm:txLinClrLst/>
+    <dgm:txFillClrLst/>
+    <dgm:txEffectClrLst/>
+  </dgm:styleLbl>
+  <dgm:styleLbl name="lnNode1">
+    <dgm:fillClrLst meth="repeat">
+      <a:schemeClr val="accent1"/>
+    </dgm:fillClrLst>
+    <dgm:linClrLst meth="repeat">
+      <a:schemeClr val="lt1"/>
+    </dgm:linClrLst>
+    <dgm:effectClrLst/>
+    <dgm:txLinClrLst/>
+    <dgm:txFillClrLst/>
+    <dgm:txEffectClrLst/>
+  </dgm:styleLbl>
+  <dgm:styleLbl name="vennNode1">
+    <dgm:fillClrLst meth="repeat">
+      <a:schemeClr val="accent1">
+        <a:alpha val="50000"/>
+      </a:schemeClr>
+    </dgm:fillClrLst>
+    <dgm:linClrLst meth="repeat">
+      <a:schemeClr val="lt1"/>
+    </dgm:linClrLst>
+    <dgm:effectClrLst/>
+    <dgm:txLinClrLst/>
+    <dgm:txFillClrLst/>
+    <dgm:txEffectClrLst/>
+  </dgm:styleLbl>
+  <dgm:styleLbl name="node2">
+    <dgm:fillClrLst meth="repeat">
+      <a:schemeClr val="accent1"/>
+    </dgm:fillClrLst>
+    <dgm:linClrLst meth="repeat">
+      <a:schemeClr val="lt1"/>
+    </dgm:linClrLst>
+    <dgm:effectClrLst/>
+    <dgm:txLinClrLst/>
+    <dgm:txFillClrLst/>
+    <dgm:txEffectClrLst/>
+  </dgm:styleLbl>
+  <dgm:styleLbl name="node3">
+    <dgm:fillClrLst meth="repeat">
+      <a:schemeClr val="accent1"/>
+    </dgm:fillClrLst>
+    <dgm:linClrLst meth="repeat">
+      <a:schemeClr val="lt1"/>
+    </dgm:linClrLst>
+    <dgm:effectClrLst/>
+    <dgm:txLinClrLst/>
+    <dgm:txFillClrLst/>
+    <dgm:txEffectClrLst/>
+  </dgm:styleLbl>
+  <dgm:styleLbl name="node4">
+    <dgm:fillClrLst meth="repeat">
+      <a:schemeClr val="accent1"/>
+    </dgm:fillClrLst>
+    <dgm:linClrLst meth="repeat">
+      <a:schemeClr val="lt1"/>
+    </dgm:linClrLst>
+    <dgm:effectClrLst/>
+    <dgm:txLinClrLst/>
+    <dgm:txFillClrLst/>
+    <dgm:txEffectClrLst/>
+  </dgm:styleLbl>
+  <dgm:styleLbl name="fgImgPlace1">
+    <dgm:fillClrLst meth="repeat">
+      <a:schemeClr val="accent1">
+        <a:tint val="50000"/>
+      </a:schemeClr>
+    </dgm:fillClrLst>
+    <dgm:linClrLst meth="repeat">
+      <a:schemeClr val="lt1"/>
+    </dgm:linClrLst>
+    <dgm:effectClrLst/>
+    <dgm:txLinClrLst/>
+    <dgm:txFillClrLst meth="repeat">
+      <a:schemeClr val="lt1"/>
+    </dgm:txFillClrLst>
+    <dgm:txEffectClrLst/>
+  </dgm:styleLbl>
+  <dgm:styleLbl name="alignImgPlace1">
+    <dgm:fillClrLst meth="repeat">
+      <a:schemeClr val="accent1">
+        <a:tint val="50000"/>
+      </a:schemeClr>
+    </dgm:fillClrLst>
+    <dgm:linClrLst meth="repeat">
+      <a:schemeClr val="lt1"/>
+    </dgm:linClrLst>
+    <dgm:effectClrLst/>
+    <dgm:txLinClrLst/>
+    <dgm:txFillClrLst meth="repeat">
+      <a:schemeClr val="lt1"/>
+    </dgm:txFillClrLst>
+    <dgm:txEffectClrLst/>
+  </dgm:styleLbl>
+  <dgm:styleLbl name="bgImgPlace1">
+    <dgm:fillClrLst meth="repeat">
+      <a:schemeClr val="accent1">
+        <a:tint val="50000"/>
+      </a:schemeClr>
+    </dgm:fillClrLst>
+    <dgm:linClrLst meth="repeat">
+      <a:schemeClr val="lt1"/>
+    </dgm:linClrLst>
+    <dgm:effectClrLst/>
+    <dgm:txLinClrLst/>
+    <dgm:txFillClrLst meth="repeat">
+      <a:schemeClr val="lt1"/>
+    </dgm:txFillClrLst>
+    <dgm:txEffectClrLst/>
+  </dgm:styleLbl>
+  <dgm:styleLbl name="sibTrans2D1">
+    <dgm:fillClrLst meth="repeat">
+      <a:schemeClr val="accent1">
+        <a:tint val="60000"/>
+      </a:schemeClr>
+    </dgm:fillClrLst>
+    <dgm:linClrLst meth="repeat">
+      <a:schemeClr val="accent1">
+        <a:tint val="60000"/>
+      </a:schemeClr>
+    </dgm:linClrLst>
+    <dgm:effectClrLst/>
+    <dgm:txLinClrLst/>
+    <dgm:txFillClrLst/>
+    <dgm:txEffectClrLst/>
+  </dgm:styleLbl>
+  <dgm:styleLbl name="fgSibTrans2D1">
+    <dgm:fillClrLst meth="repeat">
+      <a:schemeClr val="accent1">
+        <a:tint val="60000"/>
+      </a:schemeClr>
+    </dgm:fillClrLst>
+    <dgm:linClrLst meth="repeat">
+      <a:schemeClr val="accent1">
+        <a:tint val="60000"/>
+      </a:schemeClr>
+    </dgm:linClrLst>
+    <dgm:effectClrLst/>
+    <dgm:txLinClrLst/>
+    <dgm:txFillClrLst/>
+    <dgm:txEffectClrLst/>
+  </dgm:styleLbl>
+  <dgm:styleLbl name="bgSibTrans2D1">
+    <dgm:fillClrLst meth="repeat">
+      <a:schemeClr val="accent1">
+        <a:tint val="60000"/>
+      </a:schemeClr>
+    </dgm:fillClrLst>
+    <dgm:linClrLst meth="repeat">
+      <a:schemeClr val="accent1">
+        <a:tint val="60000"/>
+      </a:schemeClr>
+    </dgm:linClrLst>
+    <dgm:effectClrLst/>
+    <dgm:txLinClrLst/>
+    <dgm:txFillClrLst/>
+    <dgm:txEffectClrLst/>
+  </dgm:styleLbl>
+  <dgm:styleLbl name="sibTrans1D1">
+    <dgm:fillClrLst meth="repeat">
+      <a:schemeClr val="accent1"/>
+    </dgm:fillClrLst>
+    <dgm:linClrLst meth="repeat">
+      <a:schemeClr val="accent1"/>
+    </dgm:linClrLst>
+    <dgm:effectClrLst/>
+    <dgm:txLinClrLst/>
+    <dgm:txFillClrLst meth="repeat">
+      <a:schemeClr val="tx1"/>
+    </dgm:txFillClrLst>
+    <dgm:txEffectClrLst/>
+  </dgm:styleLbl>
+  <dgm:styleLbl name="callout">
+    <dgm:fillClrLst meth="repeat">
+      <a:schemeClr val="accent1"/>
+    </dgm:fillClrLst>
+    <dgm:linClrLst meth="repeat">
+      <a:schemeClr val="accent1">
+        <a:tint val="50000"/>
+      </a:schemeClr>
+    </dgm:linClrLst>
+    <dgm:effectClrLst/>
+    <dgm:txLinClrLst/>
+    <dgm:txFillClrLst meth="repeat">
+      <a:schemeClr val="tx1"/>
+    </dgm:txFillClrLst>
+    <dgm:txEffectClrLst/>
+  </dgm:styleLbl>
+  <dgm:styleLbl name="asst0">
+    <dgm:fillClrLst meth="repeat">
+      <a:schemeClr val="accent1"/>
+    </dgm:fillClrLst>
+    <dgm:linClrLst meth="repeat">
+      <a:schemeClr val="lt1"/>
+    </dgm:linClrLst>
+    <dgm:effectClrLst/>
+    <dgm:txLinClrLst/>
+    <dgm:txFillClrLst/>
+    <dgm:txEffectClrLst/>
+  </dgm:styleLbl>
+  <dgm:styleLbl name="asst1">
+    <dgm:fillClrLst meth="repeat">
+      <a:schemeClr val="accent1"/>
+    </dgm:fillClrLst>
+    <dgm:linClrLst meth="repeat">
+      <a:schemeClr val="lt1"/>
+    </dgm:linClrLst>
+    <dgm:effectClrLst/>
+    <dgm:txLinClrLst/>
+    <dgm:txFillClrLst/>
+    <dgm:txEffectClrLst/>
+  </dgm:styleLbl>
+  <dgm:styleLbl name="asst2">
+    <dgm:fillClrLst meth="repeat">
+      <a:schemeClr val="accent1"/>
+    </dgm:fillClrLst>
+    <dgm:linClrLst meth="repeat">
+      <a:schemeClr val="lt1"/>
+    </dgm:linClrLst>
+    <dgm:effectClrLst/>
+    <dgm:txLinClrLst/>
+    <dgm:txFillClrLst/>
+    <dgm:txEffectClrLst/>
+  </dgm:styleLbl>
+  <dgm:styleLbl name="asst3">
+    <dgm:fillClrLst meth="repeat">
+      <a:schemeClr val="accent1"/>
+    </dgm:fillClrLst>
+    <dgm:linClrLst meth="repeat">
+      <a:schemeClr val="lt1"/>
+    </dgm:linClrLst>
+    <dgm:effectClrLst/>
+    <dgm:txLinClrLst/>
+    <dgm:txFillClrLst/>
+    <dgm:txEffectClrLst/>
+  </dgm:styleLbl>
+  <dgm:styleLbl name="asst4">
+    <dgm:fillClrLst meth="repeat">
+      <a:schemeClr val="accent1"/>
+    </dgm:fillClrLst>
+    <dgm:linClrLst meth="repeat">
+      <a:schemeClr val="lt1"/>
+    </dgm:linClrLst>
+    <dgm:effectClrLst/>
+    <dgm:txLinClrLst/>
+    <dgm:txFillClrLst/>
+    <dgm:txEffectClrLst/>
+  </dgm:styleLbl>
+  <dgm:styleLbl name="parChTrans2D1">
+    <dgm:fillClrLst meth="repeat">
+      <a:schemeClr val="accent1">
+        <a:tint val="60000"/>
+      </a:schemeClr>
+    </dgm:fillClrLst>
+    <dgm:linClrLst meth="repeat">
+      <a:schemeClr val="accent1">
+        <a:tint val="60000"/>
+      </a:schemeClr>
+    </dgm:linClrLst>
+    <dgm:effectClrLst/>
+    <dgm:txLinClrLst/>
+    <dgm:txFillClrLst meth="repeat">
+      <a:schemeClr val="lt1"/>
+    </dgm:txFillClrLst>
+    <dgm:txEffectClrLst/>
+  </dgm:styleLbl>
+  <dgm:styleLbl name="parChTrans2D2">
+    <dgm:fillClrLst meth="repeat">
+      <a:schemeClr val="accent1"/>
+    </dgm:fillClrLst>
+    <dgm:linClrLst meth="repeat">
+      <a:schemeClr val="accent1"/>
+    </dgm:linClrLst>
+    <dgm:effectClrLst/>
+    <dgm:txLinClrLst/>
+    <dgm:txFillClrLst meth="repeat">
+      <a:schemeClr val="lt1"/>
+    </dgm:txFillClrLst>
+    <dgm:txEffectClrLst/>
+  </dgm:styleLbl>
+  <dgm:styleLbl name="parChTrans2D3">
+    <dgm:fillClrLst meth="repeat">
+      <a:schemeClr val="accent1"/>
+    </dgm:fillClrLst>
+    <dgm:linClrLst meth="repeat">
+      <a:schemeClr val="accent1"/>
+    </dgm:linClrLst>
+    <dgm:effectClrLst/>
+    <dgm:txLinClrLst/>
+    <dgm:txFillClrLst meth="repeat">
+      <a:schemeClr val="lt1"/>
+    </dgm:txFillClrLst>
+    <dgm:txEffectClrLst/>
+  </dgm:styleLbl>
+  <dgm:styleLbl name="parChTrans2D4">
+    <dgm:fillClrLst meth="repeat">
+      <a:schemeClr val="accent1"/>
+    </dgm:fillClrLst>
+    <dgm:linClrLst meth="repeat">
+      <a:schemeClr val="accent1"/>
+    </dgm:linClrLst>
+    <dgm:effectClrLst/>
+    <dgm:txLinClrLst/>
+    <dgm:txFillClrLst meth="repeat">
+      <a:schemeClr val="lt1"/>
+    </dgm:txFillClrLst>
+    <dgm:txEffectClrLst/>
+  </dgm:styleLbl>
+  <dgm:styleLbl name="parChTrans1D1">
+    <dgm:fillClrLst meth="repeat">
+      <a:schemeClr val="accent1"/>
+    </dgm:fillClrLst>
+    <dgm:linClrLst meth="repeat">
+      <a:schemeClr val="accent1">
+        <a:shade val="60000"/>
+      </a:schemeClr>
+    </dgm:linClrLst>
+    <dgm:effectClrLst/>
+    <dgm:txLinClrLst/>
+    <dgm:txFillClrLst meth="repeat">
+      <a:schemeClr val="tx1"/>
+    </dgm:txFillClrLst>
+    <dgm:txEffectClrLst/>
+  </dgm:styleLbl>
+  <dgm:styleLbl name="parChTrans1D2">
+    <dgm:fillClrLst meth="repeat">
+      <a:schemeClr val="accent1"/>
+    </dgm:fillClrLst>
+    <dgm:linClrLst meth="repeat">
+      <a:schemeClr val="accent1">
+        <a:shade val="60000"/>
+      </a:schemeClr>
+    </dgm:linClrLst>
+    <dgm:effectClrLst/>
+    <dgm:txLinClrLst/>
+    <dgm:txFillClrLst meth="repeat">
+      <a:schemeClr val="tx1"/>
+    </dgm:txFillClrLst>
+    <dgm:txEffectClrLst/>
+  </dgm:styleLbl>
+  <dgm:styleLbl name="parChTrans1D3">
+    <dgm:fillClrLst meth="repeat">
+      <a:schemeClr val="accent1"/>
+    </dgm:fillClrLst>
+    <dgm:linClrLst meth="repeat">
+      <a:schemeClr val="accent1">
+        <a:shade val="80000"/>
+      </a:schemeClr>
+    </dgm:linClrLst>
+    <dgm:effectClrLst/>
+    <dgm:txLinClrLst/>
+    <dgm:txFillClrLst meth="repeat">
+      <a:schemeClr val="tx1"/>
+    </dgm:txFillClrLst>
+    <dgm:txEffectClrLst/>
+  </dgm:styleLbl>
+  <dgm:styleLbl name="parChTrans1D4">
+    <dgm:fillClrLst meth="repeat">
+      <a:schemeClr val="accent1"/>
+    </dgm:fillClrLst>
+    <dgm:linClrLst meth="repeat">
+      <a:schemeClr val="accent1">
+        <a:shade val="80000"/>
+      </a:schemeClr>
+    </dgm:linClrLst>
+    <dgm:effectClrLst/>
+    <dgm:txLinClrLst/>
+    <dgm:txFillClrLst meth="repeat">
+      <a:schemeClr val="tx1"/>
+    </dgm:txFillClrLst>
+    <dgm:txEffectClrLst/>
+  </dgm:styleLbl>
+  <dgm:styleLbl name="fgAcc1">
+    <dgm:fillClrLst meth="repeat">
+      <a:schemeClr val="lt1">
+        <a:alpha val="90000"/>
+      </a:schemeClr>
+    </dgm:fillClrLst>
+    <dgm:linClrLst meth="repeat">
+      <a:schemeClr val="accent1"/>
+    </dgm:linClrLst>
+    <dgm:effectClrLst/>
+    <dgm:txLinClrLst/>
+    <dgm:txFillClrLst meth="repeat">
+      <a:schemeClr val="dk1"/>
+    </dgm:txFillClrLst>
+    <dgm:txEffectClrLst/>
+  </dgm:styleLbl>
+  <dgm:styleLbl name="conFgAcc1">
+    <dgm:fillClrLst meth="repeat">
+      <a:schemeClr val="lt1">
+        <a:alpha val="90000"/>
+      </a:schemeClr>
+    </dgm:fillClrLst>
+    <dgm:linClrLst meth="repeat">
+      <a:schemeClr val="accent1"/>
+    </dgm:linClrLst>
+    <dgm:effectClrLst/>
+    <dgm:txLinClrLst/>
+    <dgm:txFillClrLst meth="repeat">
+      <a:schemeClr val="dk1"/>
+    </dgm:txFillClrLst>
+    <dgm:txEffectClrLst/>
+  </dgm:styleLbl>
+  <dgm:styleLbl name="alignAcc1">
+    <dgm:fillClrLst meth="repeat">
+      <a:schemeClr val="lt1">
+        <a:alpha val="90000"/>
+      </a:schemeClr>
+    </dgm:fillClrLst>
+    <dgm:linClrLst meth="repeat">
+      <a:schemeClr val="accent1"/>
+    </dgm:linClrLst>
+    <dgm:effectClrLst/>
+    <dgm:txLinClrLst/>
+    <dgm:txFillClrLst meth="repeat">
+      <a:schemeClr val="dk1"/>
+    </dgm:txFillClrLst>
+    <dgm:txEffectClrLst/>
+  </dgm:styleLbl>
+  <dgm:styleLbl name="trAlignAcc1">
+    <dgm:fillClrLst meth="repeat">
+      <a:schemeClr val="lt1">
+        <a:alpha val="40000"/>
+      </a:schemeClr>
+    </dgm:fillClrLst>
+    <dgm:linClrLst meth="repeat">
+      <a:schemeClr val="accent1"/>
+    </dgm:linClrLst>
+    <dgm:effectClrLst/>
+    <dgm:txLinClrLst/>
+    <dgm:txFillClrLst meth="repeat">
+      <a:schemeClr val="dk1"/>
+    </dgm:txFillClrLst>
+    <dgm:txEffectClrLst/>
+  </dgm:styleLbl>
+  <dgm:styleLbl name="bgAcc1">
+    <dgm:fillClrLst meth="repeat">
+      <a:schemeClr val="lt1">
+        <a:alpha val="90000"/>
+      </a:schemeClr>
+    </dgm:fillClrLst>
+    <dgm:linClrLst meth="repeat">
+      <a:schemeClr val="accent1"/>
+    </dgm:linClrLst>
+    <dgm:effectClrLst/>
+    <dgm:txLinClrLst/>
+    <dgm:txFillClrLst meth="repeat">
+      <a:schemeClr val="dk1"/>
+    </dgm:txFillClrLst>
+    <dgm:txEffectClrLst/>
+  </dgm:styleLbl>
+  <dgm:styleLbl name="solidFgAcc1">
+    <dgm:fillClrLst meth="repeat">
+      <a:schemeClr val="lt1"/>
+    </dgm:fillClrLst>
+    <dgm:linClrLst meth="repeat">
+      <a:schemeClr val="accent1"/>
+    </dgm:linClrLst>
+    <dgm:effectClrLst/>
+    <dgm:txLinClrLst/>
+    <dgm:txFillClrLst meth="repeat">
+      <a:schemeClr val="dk1"/>
+    </dgm:txFillClrLst>
+    <dgm:txEffectClrLst/>
+  </dgm:styleLbl>
+  <dgm:styleLbl name="solidAlignAcc1">
+    <dgm:fillClrLst meth="repeat">
+      <a:schemeClr val="lt1"/>
+    </dgm:fillClrLst>
+    <dgm:linClrLst meth="repeat">
+      <a:schemeClr val="accent1"/>
+    </dgm:linClrLst>
+    <dgm:effectClrLst/>
+    <dgm:txLinClrLst/>
+    <dgm:txFillClrLst meth="repeat">
+      <a:schemeClr val="dk1"/>
+    </dgm:txFillClrLst>
+    <dgm:txEffectClrLst/>
+  </dgm:styleLbl>
+  <dgm:styleLbl name="solidBgAcc1">
+    <dgm:fillClrLst meth="repeat">
+      <a:schemeClr val="lt1"/>
+    </dgm:fillClrLst>
+    <dgm:linClrLst meth="repeat">
+      <a:schemeClr val="accent1"/>
+    </dgm:linClrLst>
+    <dgm:effectClrLst/>
+    <dgm:txLinClrLst/>
+    <dgm:txFillClrLst meth="repeat">
+      <a:schemeClr val="dk1"/>
+    </dgm:txFillClrLst>
+    <dgm:txEffectClrLst/>
+  </dgm:styleLbl>
+  <dgm:styleLbl name="fgAccFollowNode1">
+    <dgm:fillClrLst meth="repeat">
+      <a:schemeClr val="accent1">
+        <a:alpha val="90000"/>
+        <a:tint val="40000"/>
+      </a:schemeClr>
+    </dgm:fillClrLst>
+    <dgm:linClrLst meth="repeat">
+      <a:schemeClr val="accent1">
+        <a:alpha val="90000"/>
+        <a:tint val="40000"/>
+      </a:schemeClr>
+    </dgm:linClrLst>
+    <dgm:effectClrLst/>
+    <dgm:txLinClrLst/>
+    <dgm:txFillClrLst meth="repeat">
+      <a:schemeClr val="dk1"/>
+    </dgm:txFillClrLst>
+    <dgm:txEffectClrLst/>
+  </dgm:styleLbl>
+  <dgm:styleLbl name="alignAccFollowNode1">
+    <dgm:fillClrLst meth="repeat">
+      <a:schemeClr val="accent1">
+        <a:alpha val="90000"/>
+        <a:tint val="40000"/>
+      </a:schemeClr>
+    </dgm:fillClrLst>
+    <dgm:linClrLst meth="repeat">
+      <a:schemeClr val="accent1">
+        <a:alpha val="90000"/>
+        <a:tint val="40000"/>
+      </a:schemeClr>
+    </dgm:linClrLst>
+    <dgm:effectClrLst/>
+    <dgm:txLinClrLst/>
+    <dgm:txFillClrLst meth="repeat">
+      <a:schemeClr val="dk1"/>
+    </dgm:txFillClrLst>
+    <dgm:txEffectClrLst/>
+  </dgm:styleLbl>
+  <dgm:styleLbl name="bgAccFollowNode1">
+    <dgm:fillClrLst meth="repeat">
+      <a:schemeClr val="accent1">
+        <a:alpha val="90000"/>
+        <a:tint val="40000"/>
+      </a:schemeClr>
+    </dgm:fillClrLst>
+    <dgm:linClrLst meth="repeat">
+      <a:schemeClr val="accent1">
+        <a:alpha val="90000"/>
+        <a:tint val="40000"/>
+      </a:schemeClr>
+    </dgm:linClrLst>
+    <dgm:effectClrLst/>
+    <dgm:txLinClrLst/>
+    <dgm:txFillClrLst meth="repeat">
+      <a:schemeClr val="dk1"/>
+    </dgm:txFillClrLst>
+    <dgm:txEffectClrLst/>
+  </dgm:styleLbl>
+  <dgm:styleLbl name="fgAcc0">
+    <dgm:fillClrLst meth="repeat">
+      <a:schemeClr val="lt1">
+        <a:alpha val="90000"/>
+      </a:schemeClr>
+    </dgm:fillClrLst>
+    <dgm:linClrLst meth="repeat">
+      <a:schemeClr val="accent1"/>
+    </dgm:linClrLst>
+    <dgm:effectClrLst/>
+    <dgm:txLinClrLst/>
+    <dgm:txFillClrLst meth="repeat">
+      <a:schemeClr val="dk1"/>
+    </dgm:txFillClrLst>
+    <dgm:txEffectClrLst/>
+  </dgm:styleLbl>
+  <dgm:styleLbl name="fgAcc2">
+    <dgm:fillClrLst meth="repeat">
+      <a:schemeClr val="lt1">
+        <a:alpha val="90000"/>
+      </a:schemeClr>
+    </dgm:fillClrLst>
+    <dgm:linClrLst meth="repeat">
+      <a:schemeClr val="accent1"/>
+    </dgm:linClrLst>
+    <dgm:effectClrLst/>
+    <dgm:txLinClrLst/>
+    <dgm:txFillClrLst meth="repeat">
+      <a:schemeClr val="dk1"/>
+    </dgm:txFillClrLst>
+    <dgm:txEffectClrLst/>
+  </dgm:styleLbl>
+  <dgm:styleLbl name="fgAcc3">
+    <dgm:fillClrLst meth="repeat">
+      <a:schemeClr val="lt1">
+        <a:alpha val="90000"/>
+      </a:schemeClr>
+    </dgm:fillClrLst>
+    <dgm:linClrLst meth="repeat">
+      <a:schemeClr val="accent1"/>
+    </dgm:linClrLst>
+    <dgm:effectClrLst/>
+    <dgm:txLinClrLst/>
+    <dgm:txFillClrLst meth="repeat">
+      <a:schemeClr val="dk1"/>
+    </dgm:txFillClrLst>
+    <dgm:txEffectClrLst/>
+  </dgm:styleLbl>
+  <dgm:styleLbl name="fgAcc4">
+    <dgm:fillClrLst meth="repeat">
+      <a:schemeClr val="lt1">
+        <a:alpha val="90000"/>
+      </a:schemeClr>
+    </dgm:fillClrLst>
+    <dgm:linClrLst meth="repeat">
+      <a:schemeClr val="accent1"/>
+    </dgm:linClrLst>
+    <dgm:effectClrLst/>
+    <dgm:txLinClrLst/>
+    <dgm:txFillClrLst meth="repeat">
+      <a:schemeClr val="dk1"/>
+    </dgm:txFillClrLst>
+    <dgm:txEffectClrLst/>
+  </dgm:styleLbl>
+  <dgm:styleLbl name="bgShp">
+    <dgm:fillClrLst meth="repeat">
+      <a:schemeClr val="accent1">
+        <a:tint val="40000"/>
+      </a:schemeClr>
+    </dgm:fillClrLst>
+    <dgm:linClrLst meth="repeat">
+      <a:schemeClr val="accent1"/>
+    </dgm:linClrLst>
+    <dgm:effectClrLst/>
+    <dgm:txLinClrLst/>
+    <dgm:txFillClrLst meth="repeat">
+      <a:schemeClr val="dk1"/>
+    </dgm:txFillClrLst>
+    <dgm:txEffectClrLst/>
+  </dgm:styleLbl>
+  <dgm:styleLbl name="dkBgShp">
+    <dgm:fillClrLst meth="repeat">
+      <a:schemeClr val="accent1">
+        <a:shade val="80000"/>
+      </a:schemeClr>
+    </dgm:fillClrLst>
+    <dgm:linClrLst meth="repeat">
+      <a:schemeClr val="accent1"/>
+    </dgm:linClrLst>
+    <dgm:effectClrLst/>
+    <dgm:txLinClrLst/>
+    <dgm:txFillClrLst meth="repeat">
+      <a:schemeClr val="lt1"/>
+    </dgm:txFillClrLst>
+    <dgm:txEffectClrLst/>
+  </dgm:styleLbl>
+  <dgm:styleLbl name="trBgShp">
+    <dgm:fillClrLst meth="repeat">
+      <a:schemeClr val="accent1">
+        <a:tint val="50000"/>
+        <a:alpha val="40000"/>
+      </a:schemeClr>
+    </dgm:fillClrLst>
+    <dgm:linClrLst meth="repeat">
+      <a:schemeClr val="accent1"/>
+    </dgm:linClrLst>
+    <dgm:effectClrLst/>
+    <dgm:txLinClrLst/>
+    <dgm:txFillClrLst meth="repeat">
+      <a:schemeClr val="lt1"/>
+    </dgm:txFillClrLst>
+    <dgm:txEffectClrLst/>
+  </dgm:styleLbl>
+  <dgm:styleLbl name="fgShp">
+    <dgm:fillClrLst meth="repeat">
+      <a:schemeClr val="accent1">
+        <a:tint val="60000"/>
+      </a:schemeClr>
+    </dgm:fillClrLst>
+    <dgm:linClrLst meth="repeat">
+      <a:schemeClr val="lt1"/>
+    </dgm:linClrLst>
+    <dgm:effectClrLst/>
+    <dgm:txLinClrLst/>
+    <dgm:txFillClrLst meth="repeat">
+      <a:schemeClr val="dk1"/>
+    </dgm:txFillClrLst>
+    <dgm:txEffectClrLst/>
+  </dgm:styleLbl>
+  <dgm:styleLbl name="revTx">
+    <dgm:fillClrLst meth="repeat">
+      <a:schemeClr val="lt1">
+        <a:alpha val="0"/>
+      </a:schemeClr>
+    </dgm:fillClrLst>
+    <dgm:linClrLst meth="repeat">
+      <a:schemeClr val="dk1">
+        <a:alpha val="0"/>
+      </a:schemeClr>
+    </dgm:linClrLst>
+    <dgm:effectClrLst/>
+    <dgm:txLinClrLst/>
+    <dgm:txFillClrLst meth="repeat">
+      <a:schemeClr val="tx1"/>
+    </dgm:txFillClrLst>
+    <dgm:txEffectClrLst/>
+  </dgm:styleLbl>
+</dgm:colorsDef>
+</file>
+
+<file path=ppt/diagrams/data1.xml><?xml version="1.0" encoding="utf-8"?>
+<dgm:dataModel xmlns:dgm="http://schemas.openxmlformats.org/drawingml/2006/diagram" xmlns:a="http://schemas.openxmlformats.org/drawingml/2006/main">
+  <dgm:ptLst>
+    <dgm:pt modelId="{FBA29113-7A70-4E0E-B036-871C49B835F1}" type="doc">
+      <dgm:prSet loTypeId="urn:microsoft.com/office/officeart/2005/8/layout/hProcess6" loCatId="process" qsTypeId="urn:microsoft.com/office/officeart/2005/8/quickstyle/simple1" qsCatId="simple" csTypeId="urn:microsoft.com/office/officeart/2005/8/colors/accent1_2" csCatId="accent1" phldr="1"/>
+      <dgm:spPr/>
+      <dgm:t>
+        <a:bodyPr/>
+        <a:lstStyle/>
+        <a:p>
+          <a:endParaRPr lang="en-US"/>
+        </a:p>
+      </dgm:t>
+    </dgm:pt>
+    <dgm:pt modelId="{A6406C01-7E83-4650-8EF5-394419DCB348}">
+      <dgm:prSet phldrT="[Text]"/>
+      <dgm:spPr/>
+      <dgm:t>
+        <a:bodyPr/>
+        <a:lstStyle/>
+        <a:p>
+          <a:r>
+            <a:rPr lang="pt-BR" noProof="0" dirty="0" smtClean="0"/>
+            <a:t>Título da etapa 1</a:t>
+          </a:r>
+          <a:endParaRPr lang="pt-BR" noProof="0" dirty="0"/>
+        </a:p>
+      </dgm:t>
+    </dgm:pt>
+    <dgm:pt modelId="{2586B3BB-DA8B-42DF-AC9A-77CE21607FD0}" type="parTrans" cxnId="{4D956F8D-5727-488A-93AF-F33602655A44}">
+      <dgm:prSet/>
+      <dgm:spPr/>
+      <dgm:t>
+        <a:bodyPr/>
+        <a:lstStyle/>
+        <a:p>
+          <a:endParaRPr lang="en-US"/>
+        </a:p>
+      </dgm:t>
+    </dgm:pt>
+    <dgm:pt modelId="{7C5B61F0-A4F6-4FCA-B552-36151F31051E}" type="sibTrans" cxnId="{4D956F8D-5727-488A-93AF-F33602655A44}">
+      <dgm:prSet/>
+      <dgm:spPr/>
+      <dgm:t>
+        <a:bodyPr/>
+        <a:lstStyle/>
+        <a:p>
+          <a:endParaRPr lang="en-US"/>
+        </a:p>
+      </dgm:t>
+    </dgm:pt>
+    <dgm:pt modelId="{E4E9F0D0-FF23-4B59-9B97-973BCBE5DC65}">
+      <dgm:prSet phldrT="[Text]" custT="1"/>
+      <dgm:spPr/>
+      <dgm:t>
+        <a:bodyPr/>
+        <a:lstStyle/>
+        <a:p>
+          <a:r>
+            <a:rPr lang="pt-BR" sz="1800" noProof="0" dirty="0" smtClean="0"/>
+            <a:t>Descrição da tarefa</a:t>
+          </a:r>
+          <a:endParaRPr lang="pt-BR" sz="1800" noProof="0" dirty="0"/>
+        </a:p>
+      </dgm:t>
+    </dgm:pt>
+    <dgm:pt modelId="{E9237435-F938-45D4-8BF4-6D5D4DFF850F}" type="parTrans" cxnId="{37A3A996-9723-4BDB-8959-9D9B7799BD9A}">
+      <dgm:prSet/>
+      <dgm:spPr/>
+      <dgm:t>
+        <a:bodyPr/>
+        <a:lstStyle/>
+        <a:p>
+          <a:endParaRPr lang="en-US"/>
+        </a:p>
+      </dgm:t>
+    </dgm:pt>
+    <dgm:pt modelId="{D32B195A-7CAD-474B-B79C-BE4BB171E742}" type="sibTrans" cxnId="{37A3A996-9723-4BDB-8959-9D9B7799BD9A}">
+      <dgm:prSet/>
+      <dgm:spPr/>
+      <dgm:t>
+        <a:bodyPr/>
+        <a:lstStyle/>
+        <a:p>
+          <a:endParaRPr lang="en-US"/>
+        </a:p>
+      </dgm:t>
+    </dgm:pt>
+    <dgm:pt modelId="{5D952622-A79E-41E4-BBC2-6212DEFFA91C}">
+      <dgm:prSet phldrT="[Text]"/>
+      <dgm:spPr/>
+      <dgm:t>
+        <a:bodyPr/>
+        <a:lstStyle/>
+        <a:p>
+          <a:r>
+            <a:rPr lang="pt-BR" noProof="0" dirty="0" smtClean="0"/>
+            <a:t>Título da etapa 2</a:t>
+          </a:r>
+          <a:endParaRPr lang="pt-BR" noProof="0" dirty="0"/>
+        </a:p>
+      </dgm:t>
+    </dgm:pt>
+    <dgm:pt modelId="{10627A68-BE4B-4A4A-9EC9-4CFEF1E4DF39}" type="parTrans" cxnId="{A22BDB9A-90BB-4DA2-8850-00D4F1D3B898}">
+      <dgm:prSet/>
+      <dgm:spPr/>
+      <dgm:t>
+        <a:bodyPr/>
+        <a:lstStyle/>
+        <a:p>
+          <a:endParaRPr lang="en-US"/>
+        </a:p>
+      </dgm:t>
+    </dgm:pt>
+    <dgm:pt modelId="{092BAEF3-D9F2-476B-9A0B-6F14CC814529}" type="sibTrans" cxnId="{A22BDB9A-90BB-4DA2-8850-00D4F1D3B898}">
+      <dgm:prSet/>
+      <dgm:spPr/>
+      <dgm:t>
+        <a:bodyPr/>
+        <a:lstStyle/>
+        <a:p>
+          <a:endParaRPr lang="en-US"/>
+        </a:p>
+      </dgm:t>
+    </dgm:pt>
+    <dgm:pt modelId="{5248D9DA-6444-46F6-8D28-C8BB2253AAD1}">
+      <dgm:prSet phldrT="[Text]" custT="1"/>
+      <dgm:spPr/>
+      <dgm:t>
+        <a:bodyPr/>
+        <a:lstStyle/>
+        <a:p>
+          <a:r>
+            <a:rPr lang="pt-BR" sz="1800" noProof="0" dirty="0" smtClean="0"/>
+            <a:t>Descrição da tarefa</a:t>
+          </a:r>
+          <a:endParaRPr lang="pt-BR" sz="1800" noProof="0" dirty="0"/>
+        </a:p>
+      </dgm:t>
+    </dgm:pt>
+    <dgm:pt modelId="{A8533F77-F094-4EDB-BCC7-35E0D6A46B71}" type="parTrans" cxnId="{35AF286C-A401-4C08-B8A3-F38B03322BD8}">
+      <dgm:prSet/>
+      <dgm:spPr/>
+      <dgm:t>
+        <a:bodyPr/>
+        <a:lstStyle/>
+        <a:p>
+          <a:endParaRPr lang="en-US"/>
+        </a:p>
+      </dgm:t>
+    </dgm:pt>
+    <dgm:pt modelId="{011B552E-515A-4C41-B810-0D2552861422}" type="sibTrans" cxnId="{35AF286C-A401-4C08-B8A3-F38B03322BD8}">
+      <dgm:prSet/>
+      <dgm:spPr/>
+      <dgm:t>
+        <a:bodyPr/>
+        <a:lstStyle/>
+        <a:p>
+          <a:endParaRPr lang="en-US"/>
+        </a:p>
+      </dgm:t>
+    </dgm:pt>
+    <dgm:pt modelId="{50706FFE-8A00-485D-9FF7-8D310692C602}">
+      <dgm:prSet phldrT="[Text]"/>
+      <dgm:spPr/>
+      <dgm:t>
+        <a:bodyPr/>
+        <a:lstStyle/>
+        <a:p>
+          <a:r>
+            <a:rPr lang="pt-BR" noProof="0" dirty="0" smtClean="0"/>
+            <a:t>Título da etapa 3</a:t>
+          </a:r>
+          <a:endParaRPr lang="pt-BR" noProof="0" dirty="0"/>
+        </a:p>
+      </dgm:t>
+    </dgm:pt>
+    <dgm:pt modelId="{EF44BD91-19A4-424B-BA32-4A5492B6E40B}" type="parTrans" cxnId="{7599CECE-5293-4C57-A979-D096C99254C7}">
+      <dgm:prSet/>
+      <dgm:spPr/>
+      <dgm:t>
+        <a:bodyPr/>
+        <a:lstStyle/>
+        <a:p>
+          <a:endParaRPr lang="en-US"/>
+        </a:p>
+      </dgm:t>
+    </dgm:pt>
+    <dgm:pt modelId="{CD03DFF4-D962-46D6-AFFA-2A87FD08403E}" type="sibTrans" cxnId="{7599CECE-5293-4C57-A979-D096C99254C7}">
+      <dgm:prSet/>
+      <dgm:spPr/>
+      <dgm:t>
+        <a:bodyPr/>
+        <a:lstStyle/>
+        <a:p>
+          <a:endParaRPr lang="en-US"/>
+        </a:p>
+      </dgm:t>
+    </dgm:pt>
+    <dgm:pt modelId="{3A9B5D84-CB00-4BC9-ADB2-5CF832F36763}">
+      <dgm:prSet phldrT="[Text]" custT="1"/>
+      <dgm:spPr/>
+      <dgm:t>
+        <a:bodyPr/>
+        <a:lstStyle/>
+        <a:p>
+          <a:r>
+            <a:rPr lang="pt-BR" sz="1800" noProof="0" dirty="0" smtClean="0"/>
+            <a:t>Descrição da tarefa</a:t>
+          </a:r>
+          <a:endParaRPr lang="pt-BR" sz="1800" noProof="0" dirty="0"/>
+        </a:p>
+      </dgm:t>
+    </dgm:pt>
+    <dgm:pt modelId="{BD57EC4A-052D-4824-8820-064BAC997A9B}" type="parTrans" cxnId="{11A0AF47-4BCA-470E-92BF-7B388FFB0DE8}">
+      <dgm:prSet/>
+      <dgm:spPr/>
+      <dgm:t>
+        <a:bodyPr/>
+        <a:lstStyle/>
+        <a:p>
+          <a:endParaRPr lang="en-US"/>
+        </a:p>
+      </dgm:t>
+    </dgm:pt>
+    <dgm:pt modelId="{98E878CF-4A49-4E76-BD23-AE7C5290BAFD}" type="sibTrans" cxnId="{11A0AF47-4BCA-470E-92BF-7B388FFB0DE8}">
+      <dgm:prSet/>
+      <dgm:spPr/>
+      <dgm:t>
+        <a:bodyPr/>
+        <a:lstStyle/>
+        <a:p>
+          <a:endParaRPr lang="en-US"/>
+        </a:p>
+      </dgm:t>
+    </dgm:pt>
+    <dgm:pt modelId="{8734DFB3-ADD8-4FD2-87D8-1981AA0ADD0B}" type="pres">
+      <dgm:prSet presAssocID="{FBA29113-7A70-4E0E-B036-871C49B835F1}" presName="theList" presStyleCnt="0">
+        <dgm:presLayoutVars>
+          <dgm:dir/>
+          <dgm:animLvl val="lvl"/>
+          <dgm:resizeHandles val="exact"/>
+        </dgm:presLayoutVars>
+      </dgm:prSet>
+      <dgm:spPr/>
+      <dgm:t>
+        <a:bodyPr/>
+        <a:lstStyle/>
+        <a:p>
+          <a:endParaRPr lang="en-US"/>
+        </a:p>
+      </dgm:t>
+    </dgm:pt>
+    <dgm:pt modelId="{5C04AEFB-7132-4B28-A7D3-862245070A8D}" type="pres">
+      <dgm:prSet presAssocID="{A6406C01-7E83-4650-8EF5-394419DCB348}" presName="compNode" presStyleCnt="0"/>
+      <dgm:spPr/>
+    </dgm:pt>
+    <dgm:pt modelId="{358F74AC-FC7D-465B-BD12-B6CCC00F3D29}" type="pres">
+      <dgm:prSet presAssocID="{A6406C01-7E83-4650-8EF5-394419DCB348}" presName="noGeometry" presStyleCnt="0"/>
+      <dgm:spPr/>
+    </dgm:pt>
+    <dgm:pt modelId="{610B5FFC-C0C9-444C-9F7A-14D1B54F604D}" type="pres">
+      <dgm:prSet presAssocID="{A6406C01-7E83-4650-8EF5-394419DCB348}" presName="childTextVisible" presStyleLbl="bgAccFollowNode1" presStyleIdx="0" presStyleCnt="3">
+        <dgm:presLayoutVars>
+          <dgm:bulletEnabled val="1"/>
+        </dgm:presLayoutVars>
+      </dgm:prSet>
+      <dgm:spPr/>
+      <dgm:t>
+        <a:bodyPr/>
+        <a:lstStyle/>
+        <a:p>
+          <a:endParaRPr lang="en-US"/>
+        </a:p>
+      </dgm:t>
+    </dgm:pt>
+    <dgm:pt modelId="{FB705FC1-639E-4064-8E9A-A79870DE5273}" type="pres">
+      <dgm:prSet presAssocID="{A6406C01-7E83-4650-8EF5-394419DCB348}" presName="childTextHidden" presStyleLbl="bgAccFollowNode1" presStyleIdx="0" presStyleCnt="3"/>
+      <dgm:spPr/>
+      <dgm:t>
+        <a:bodyPr/>
+        <a:lstStyle/>
+        <a:p>
+          <a:endParaRPr lang="en-US"/>
+        </a:p>
+      </dgm:t>
+    </dgm:pt>
+    <dgm:pt modelId="{47DA5750-48DC-4E4F-815D-0B05DBC30DAB}" type="pres">
+      <dgm:prSet presAssocID="{A6406C01-7E83-4650-8EF5-394419DCB348}" presName="parentText" presStyleLbl="node1" presStyleIdx="0" presStyleCnt="3">
+        <dgm:presLayoutVars>
+          <dgm:chMax val="1"/>
+          <dgm:bulletEnabled val="1"/>
+        </dgm:presLayoutVars>
+      </dgm:prSet>
+      <dgm:spPr/>
+      <dgm:t>
+        <a:bodyPr/>
+        <a:lstStyle/>
+        <a:p>
+          <a:endParaRPr lang="en-US"/>
+        </a:p>
+      </dgm:t>
+    </dgm:pt>
+    <dgm:pt modelId="{6319C676-A7DE-4777-9BB4-3B6D30ED3F5C}" type="pres">
+      <dgm:prSet presAssocID="{A6406C01-7E83-4650-8EF5-394419DCB348}" presName="aSpace" presStyleCnt="0"/>
+      <dgm:spPr/>
+    </dgm:pt>
+    <dgm:pt modelId="{CA708D38-D093-4C16-A955-CF2CAC7F0A99}" type="pres">
+      <dgm:prSet presAssocID="{5D952622-A79E-41E4-BBC2-6212DEFFA91C}" presName="compNode" presStyleCnt="0"/>
+      <dgm:spPr/>
+    </dgm:pt>
+    <dgm:pt modelId="{6F3066E9-E96F-489D-8A4B-6D55FBE389F2}" type="pres">
+      <dgm:prSet presAssocID="{5D952622-A79E-41E4-BBC2-6212DEFFA91C}" presName="noGeometry" presStyleCnt="0"/>
+      <dgm:spPr/>
+    </dgm:pt>
+    <dgm:pt modelId="{00D2DC2C-7CA2-4A4B-B66D-3DDCAB7DC8E9}" type="pres">
+      <dgm:prSet presAssocID="{5D952622-A79E-41E4-BBC2-6212DEFFA91C}" presName="childTextVisible" presStyleLbl="bgAccFollowNode1" presStyleIdx="1" presStyleCnt="3">
+        <dgm:presLayoutVars>
+          <dgm:bulletEnabled val="1"/>
+        </dgm:presLayoutVars>
+      </dgm:prSet>
+      <dgm:spPr/>
+      <dgm:t>
+        <a:bodyPr/>
+        <a:lstStyle/>
+        <a:p>
+          <a:endParaRPr lang="en-US"/>
+        </a:p>
+      </dgm:t>
+    </dgm:pt>
+    <dgm:pt modelId="{072FB640-0A28-40E8-9C0C-86BAF45C6EF0}" type="pres">
+      <dgm:prSet presAssocID="{5D952622-A79E-41E4-BBC2-6212DEFFA91C}" presName="childTextHidden" presStyleLbl="bgAccFollowNode1" presStyleIdx="1" presStyleCnt="3"/>
+      <dgm:spPr/>
+      <dgm:t>
+        <a:bodyPr/>
+        <a:lstStyle/>
+        <a:p>
+          <a:endParaRPr lang="en-US"/>
+        </a:p>
+      </dgm:t>
+    </dgm:pt>
+    <dgm:pt modelId="{EE8733A1-7662-4D0A-B39E-2218596CC81C}" type="pres">
+      <dgm:prSet presAssocID="{5D952622-A79E-41E4-BBC2-6212DEFFA91C}" presName="parentText" presStyleLbl="node1" presStyleIdx="1" presStyleCnt="3">
+        <dgm:presLayoutVars>
+          <dgm:chMax val="1"/>
+          <dgm:bulletEnabled val="1"/>
+        </dgm:presLayoutVars>
+      </dgm:prSet>
+      <dgm:spPr/>
+      <dgm:t>
+        <a:bodyPr/>
+        <a:lstStyle/>
+        <a:p>
+          <a:endParaRPr lang="en-US"/>
+        </a:p>
+      </dgm:t>
+    </dgm:pt>
+    <dgm:pt modelId="{E0D7C734-E391-436F-996C-E60442F50A17}" type="pres">
+      <dgm:prSet presAssocID="{5D952622-A79E-41E4-BBC2-6212DEFFA91C}" presName="aSpace" presStyleCnt="0"/>
+      <dgm:spPr/>
+    </dgm:pt>
+    <dgm:pt modelId="{E8F3A685-8F9F-4BAC-8C8B-A1DE5AA41F3A}" type="pres">
+      <dgm:prSet presAssocID="{50706FFE-8A00-485D-9FF7-8D310692C602}" presName="compNode" presStyleCnt="0"/>
+      <dgm:spPr/>
+    </dgm:pt>
+    <dgm:pt modelId="{84BFA617-6CAF-4DA9-A086-82BCA61093BE}" type="pres">
+      <dgm:prSet presAssocID="{50706FFE-8A00-485D-9FF7-8D310692C602}" presName="noGeometry" presStyleCnt="0"/>
+      <dgm:spPr/>
+    </dgm:pt>
+    <dgm:pt modelId="{4BF699B1-BE15-42D1-9784-AA33CF29870E}" type="pres">
+      <dgm:prSet presAssocID="{50706FFE-8A00-485D-9FF7-8D310692C602}" presName="childTextVisible" presStyleLbl="bgAccFollowNode1" presStyleIdx="2" presStyleCnt="3">
+        <dgm:presLayoutVars>
+          <dgm:bulletEnabled val="1"/>
+        </dgm:presLayoutVars>
+      </dgm:prSet>
+      <dgm:spPr/>
+      <dgm:t>
+        <a:bodyPr/>
+        <a:lstStyle/>
+        <a:p>
+          <a:endParaRPr lang="en-US"/>
+        </a:p>
+      </dgm:t>
+    </dgm:pt>
+    <dgm:pt modelId="{F0925EF4-86E2-4748-BA70-94AAF55AB064}" type="pres">
+      <dgm:prSet presAssocID="{50706FFE-8A00-485D-9FF7-8D310692C602}" presName="childTextHidden" presStyleLbl="bgAccFollowNode1" presStyleIdx="2" presStyleCnt="3"/>
+      <dgm:spPr/>
+      <dgm:t>
+        <a:bodyPr/>
+        <a:lstStyle/>
+        <a:p>
+          <a:endParaRPr lang="en-US"/>
+        </a:p>
+      </dgm:t>
+    </dgm:pt>
+    <dgm:pt modelId="{78E9A4E4-18A9-4B73-8007-A63A71C71937}" type="pres">
+      <dgm:prSet presAssocID="{50706FFE-8A00-485D-9FF7-8D310692C602}" presName="parentText" presStyleLbl="node1" presStyleIdx="2" presStyleCnt="3">
+        <dgm:presLayoutVars>
+          <dgm:chMax val="1"/>
+          <dgm:bulletEnabled val="1"/>
+        </dgm:presLayoutVars>
+      </dgm:prSet>
+      <dgm:spPr/>
+      <dgm:t>
+        <a:bodyPr/>
+        <a:lstStyle/>
+        <a:p>
+          <a:endParaRPr lang="en-US"/>
+        </a:p>
+      </dgm:t>
+    </dgm:pt>
+  </dgm:ptLst>
+  <dgm:cxnLst>
+    <dgm:cxn modelId="{35AF286C-A401-4C08-B8A3-F38B03322BD8}" srcId="{5D952622-A79E-41E4-BBC2-6212DEFFA91C}" destId="{5248D9DA-6444-46F6-8D28-C8BB2253AAD1}" srcOrd="0" destOrd="0" parTransId="{A8533F77-F094-4EDB-BCC7-35E0D6A46B71}" sibTransId="{011B552E-515A-4C41-B810-0D2552861422}"/>
+    <dgm:cxn modelId="{11A0AF47-4BCA-470E-92BF-7B388FFB0DE8}" srcId="{50706FFE-8A00-485D-9FF7-8D310692C602}" destId="{3A9B5D84-CB00-4BC9-ADB2-5CF832F36763}" srcOrd="0" destOrd="0" parTransId="{BD57EC4A-052D-4824-8820-064BAC997A9B}" sibTransId="{98E878CF-4A49-4E76-BD23-AE7C5290BAFD}"/>
+    <dgm:cxn modelId="{A22BDB9A-90BB-4DA2-8850-00D4F1D3B898}" srcId="{FBA29113-7A70-4E0E-B036-871C49B835F1}" destId="{5D952622-A79E-41E4-BBC2-6212DEFFA91C}" srcOrd="1" destOrd="0" parTransId="{10627A68-BE4B-4A4A-9EC9-4CFEF1E4DF39}" sibTransId="{092BAEF3-D9F2-476B-9A0B-6F14CC814529}"/>
+    <dgm:cxn modelId="{BA539253-48E3-447C-8770-C31D10399C4A}" type="presOf" srcId="{50706FFE-8A00-485D-9FF7-8D310692C602}" destId="{78E9A4E4-18A9-4B73-8007-A63A71C71937}" srcOrd="0" destOrd="0" presId="urn:microsoft.com/office/officeart/2005/8/layout/hProcess6"/>
+    <dgm:cxn modelId="{31498E67-CEA0-4571-B7AB-26A2113144F6}" type="presOf" srcId="{FBA29113-7A70-4E0E-B036-871C49B835F1}" destId="{8734DFB3-ADD8-4FD2-87D8-1981AA0ADD0B}" srcOrd="0" destOrd="0" presId="urn:microsoft.com/office/officeart/2005/8/layout/hProcess6"/>
+    <dgm:cxn modelId="{37A3A996-9723-4BDB-8959-9D9B7799BD9A}" srcId="{A6406C01-7E83-4650-8EF5-394419DCB348}" destId="{E4E9F0D0-FF23-4B59-9B97-973BCBE5DC65}" srcOrd="0" destOrd="0" parTransId="{E9237435-F938-45D4-8BF4-6D5D4DFF850F}" sibTransId="{D32B195A-7CAD-474B-B79C-BE4BB171E742}"/>
+    <dgm:cxn modelId="{AE4FA1B2-1FFD-4999-BFB4-0E2A9E4BEBBB}" type="presOf" srcId="{5248D9DA-6444-46F6-8D28-C8BB2253AAD1}" destId="{00D2DC2C-7CA2-4A4B-B66D-3DDCAB7DC8E9}" srcOrd="0" destOrd="0" presId="urn:microsoft.com/office/officeart/2005/8/layout/hProcess6"/>
+    <dgm:cxn modelId="{99E34304-5770-4691-A3EE-6A7C8B9ACD53}" type="presOf" srcId="{E4E9F0D0-FF23-4B59-9B97-973BCBE5DC65}" destId="{610B5FFC-C0C9-444C-9F7A-14D1B54F604D}" srcOrd="0" destOrd="0" presId="urn:microsoft.com/office/officeart/2005/8/layout/hProcess6"/>
+    <dgm:cxn modelId="{81ACEA16-295B-4802-A889-1DC375F525AB}" type="presOf" srcId="{A6406C01-7E83-4650-8EF5-394419DCB348}" destId="{47DA5750-48DC-4E4F-815D-0B05DBC30DAB}" srcOrd="0" destOrd="0" presId="urn:microsoft.com/office/officeart/2005/8/layout/hProcess6"/>
+    <dgm:cxn modelId="{4D956F8D-5727-488A-93AF-F33602655A44}" srcId="{FBA29113-7A70-4E0E-B036-871C49B835F1}" destId="{A6406C01-7E83-4650-8EF5-394419DCB348}" srcOrd="0" destOrd="0" parTransId="{2586B3BB-DA8B-42DF-AC9A-77CE21607FD0}" sibTransId="{7C5B61F0-A4F6-4FCA-B552-36151F31051E}"/>
+    <dgm:cxn modelId="{7599CECE-5293-4C57-A979-D096C99254C7}" srcId="{FBA29113-7A70-4E0E-B036-871C49B835F1}" destId="{50706FFE-8A00-485D-9FF7-8D310692C602}" srcOrd="2" destOrd="0" parTransId="{EF44BD91-19A4-424B-BA32-4A5492B6E40B}" sibTransId="{CD03DFF4-D962-46D6-AFFA-2A87FD08403E}"/>
+    <dgm:cxn modelId="{019AA969-1A2B-48C0-B7C9-005E817BC2CB}" type="presOf" srcId="{E4E9F0D0-FF23-4B59-9B97-973BCBE5DC65}" destId="{FB705FC1-639E-4064-8E9A-A79870DE5273}" srcOrd="1" destOrd="0" presId="urn:microsoft.com/office/officeart/2005/8/layout/hProcess6"/>
+    <dgm:cxn modelId="{F36BB86E-E9BB-4DBF-9DFE-F8050046ED1F}" type="presOf" srcId="{3A9B5D84-CB00-4BC9-ADB2-5CF832F36763}" destId="{4BF699B1-BE15-42D1-9784-AA33CF29870E}" srcOrd="0" destOrd="0" presId="urn:microsoft.com/office/officeart/2005/8/layout/hProcess6"/>
+    <dgm:cxn modelId="{D2E26D7D-A939-4166-987B-3E9E5A080266}" type="presOf" srcId="{3A9B5D84-CB00-4BC9-ADB2-5CF832F36763}" destId="{F0925EF4-86E2-4748-BA70-94AAF55AB064}" srcOrd="1" destOrd="0" presId="urn:microsoft.com/office/officeart/2005/8/layout/hProcess6"/>
+    <dgm:cxn modelId="{130B0544-2388-4104-A721-8D29E7C77420}" type="presOf" srcId="{5D952622-A79E-41E4-BBC2-6212DEFFA91C}" destId="{EE8733A1-7662-4D0A-B39E-2218596CC81C}" srcOrd="0" destOrd="0" presId="urn:microsoft.com/office/officeart/2005/8/layout/hProcess6"/>
+    <dgm:cxn modelId="{E23D729A-C2FC-40CD-8A08-F5EBB66CF80B}" type="presOf" srcId="{5248D9DA-6444-46F6-8D28-C8BB2253AAD1}" destId="{072FB640-0A28-40E8-9C0C-86BAF45C6EF0}" srcOrd="1" destOrd="0" presId="urn:microsoft.com/office/officeart/2005/8/layout/hProcess6"/>
+    <dgm:cxn modelId="{FF0D50D3-9477-4407-8F44-B60B9728DED7}" type="presParOf" srcId="{8734DFB3-ADD8-4FD2-87D8-1981AA0ADD0B}" destId="{5C04AEFB-7132-4B28-A7D3-862245070A8D}" srcOrd="0" destOrd="0" presId="urn:microsoft.com/office/officeart/2005/8/layout/hProcess6"/>
+    <dgm:cxn modelId="{126CE751-65CF-4E60-902C-2D0B01478834}" type="presParOf" srcId="{5C04AEFB-7132-4B28-A7D3-862245070A8D}" destId="{358F74AC-FC7D-465B-BD12-B6CCC00F3D29}" srcOrd="0" destOrd="0" presId="urn:microsoft.com/office/officeart/2005/8/layout/hProcess6"/>
+    <dgm:cxn modelId="{C6915109-771C-43AE-A4C7-A411D8E5978F}" type="presParOf" srcId="{5C04AEFB-7132-4B28-A7D3-862245070A8D}" destId="{610B5FFC-C0C9-444C-9F7A-14D1B54F604D}" srcOrd="1" destOrd="0" presId="urn:microsoft.com/office/officeart/2005/8/layout/hProcess6"/>
+    <dgm:cxn modelId="{954FE73F-9595-47D0-9AB9-6EB7EDC39F8E}" type="presParOf" srcId="{5C04AEFB-7132-4B28-A7D3-862245070A8D}" destId="{FB705FC1-639E-4064-8E9A-A79870DE5273}" srcOrd="2" destOrd="0" presId="urn:microsoft.com/office/officeart/2005/8/layout/hProcess6"/>
+    <dgm:cxn modelId="{362B7B1C-776A-481A-B10E-B2136C044DB5}" type="presParOf" srcId="{5C04AEFB-7132-4B28-A7D3-862245070A8D}" destId="{47DA5750-48DC-4E4F-815D-0B05DBC30DAB}" srcOrd="3" destOrd="0" presId="urn:microsoft.com/office/officeart/2005/8/layout/hProcess6"/>
+    <dgm:cxn modelId="{AB361918-49A4-4458-A6B4-A38162139DB4}" type="presParOf" srcId="{8734DFB3-ADD8-4FD2-87D8-1981AA0ADD0B}" destId="{6319C676-A7DE-4777-9BB4-3B6D30ED3F5C}" srcOrd="1" destOrd="0" presId="urn:microsoft.com/office/officeart/2005/8/layout/hProcess6"/>
+    <dgm:cxn modelId="{3E32ED31-FAFA-41FB-A502-0C9269827B55}" type="presParOf" srcId="{8734DFB3-ADD8-4FD2-87D8-1981AA0ADD0B}" destId="{CA708D38-D093-4C16-A955-CF2CAC7F0A99}" srcOrd="2" destOrd="0" presId="urn:microsoft.com/office/officeart/2005/8/layout/hProcess6"/>
+    <dgm:cxn modelId="{38B5F8BF-C6A8-4D51-8681-B847070CD1C0}" type="presParOf" srcId="{CA708D38-D093-4C16-A955-CF2CAC7F0A99}" destId="{6F3066E9-E96F-489D-8A4B-6D55FBE389F2}" srcOrd="0" destOrd="0" presId="urn:microsoft.com/office/officeart/2005/8/layout/hProcess6"/>
+    <dgm:cxn modelId="{B873A9F4-217E-473A-8D65-14527890AC34}" type="presParOf" srcId="{CA708D38-D093-4C16-A955-CF2CAC7F0A99}" destId="{00D2DC2C-7CA2-4A4B-B66D-3DDCAB7DC8E9}" srcOrd="1" destOrd="0" presId="urn:microsoft.com/office/officeart/2005/8/layout/hProcess6"/>
+    <dgm:cxn modelId="{F573A08D-1388-4362-9D10-155655876363}" type="presParOf" srcId="{CA708D38-D093-4C16-A955-CF2CAC7F0A99}" destId="{072FB640-0A28-40E8-9C0C-86BAF45C6EF0}" srcOrd="2" destOrd="0" presId="urn:microsoft.com/office/officeart/2005/8/layout/hProcess6"/>
+    <dgm:cxn modelId="{7ADF5CCF-F26A-45B5-9692-98B07AFD46A1}" type="presParOf" srcId="{CA708D38-D093-4C16-A955-CF2CAC7F0A99}" destId="{EE8733A1-7662-4D0A-B39E-2218596CC81C}" srcOrd="3" destOrd="0" presId="urn:microsoft.com/office/officeart/2005/8/layout/hProcess6"/>
+    <dgm:cxn modelId="{985C18C8-95A3-4479-821C-610A2BAFFFF3}" type="presParOf" srcId="{8734DFB3-ADD8-4FD2-87D8-1981AA0ADD0B}" destId="{E0D7C734-E391-436F-996C-E60442F50A17}" srcOrd="3" destOrd="0" presId="urn:microsoft.com/office/officeart/2005/8/layout/hProcess6"/>
+    <dgm:cxn modelId="{951CD7FA-A9B4-463F-BD0D-452C521FF523}" type="presParOf" srcId="{8734DFB3-ADD8-4FD2-87D8-1981AA0ADD0B}" destId="{E8F3A685-8F9F-4BAC-8C8B-A1DE5AA41F3A}" srcOrd="4" destOrd="0" presId="urn:microsoft.com/office/officeart/2005/8/layout/hProcess6"/>
+    <dgm:cxn modelId="{E08D8862-B273-4AA6-9A90-754366CE4945}" type="presParOf" srcId="{E8F3A685-8F9F-4BAC-8C8B-A1DE5AA41F3A}" destId="{84BFA617-6CAF-4DA9-A086-82BCA61093BE}" srcOrd="0" destOrd="0" presId="urn:microsoft.com/office/officeart/2005/8/layout/hProcess6"/>
+    <dgm:cxn modelId="{69392B4C-2A7B-41A4-A48C-35E312A6434A}" type="presParOf" srcId="{E8F3A685-8F9F-4BAC-8C8B-A1DE5AA41F3A}" destId="{4BF699B1-BE15-42D1-9784-AA33CF29870E}" srcOrd="1" destOrd="0" presId="urn:microsoft.com/office/officeart/2005/8/layout/hProcess6"/>
+    <dgm:cxn modelId="{29F5DEAB-A9C8-47F8-A089-1585C323795A}" type="presParOf" srcId="{E8F3A685-8F9F-4BAC-8C8B-A1DE5AA41F3A}" destId="{F0925EF4-86E2-4748-BA70-94AAF55AB064}" srcOrd="2" destOrd="0" presId="urn:microsoft.com/office/officeart/2005/8/layout/hProcess6"/>
+    <dgm:cxn modelId="{E9A57A1B-DDAF-4905-B46C-246DB5E9FB2A}" type="presParOf" srcId="{E8F3A685-8F9F-4BAC-8C8B-A1DE5AA41F3A}" destId="{78E9A4E4-18A9-4B73-8007-A63A71C71937}" srcOrd="3" destOrd="0" presId="urn:microsoft.com/office/officeart/2005/8/layout/hProcess6"/>
+  </dgm:cxnLst>
+  <dgm:bg/>
+  <dgm:whole/>
+  <dgm:extLst>
+    <a:ext uri="http://schemas.microsoft.com/office/drawing/2008/diagram">
+      <dsp:dataModelExt xmlns:dsp="http://schemas.microsoft.com/office/drawing/2008/diagram" relId="rId6" minVer="http://schemas.openxmlformats.org/drawingml/2006/diagram"/>
+    </a:ext>
+  </dgm:extLst>
+</dgm:dataModel>
+</file>
+
+<file path=ppt/diagrams/drawing1.xml><?xml version="1.0" encoding="utf-8"?>
+<dsp:drawing xmlns:dgm="http://schemas.openxmlformats.org/drawingml/2006/diagram" xmlns:dsp="http://schemas.microsoft.com/office/drawing/2008/diagram" xmlns:a="http://schemas.openxmlformats.org/drawingml/2006/main">
+  <dsp:spTree>
+    <dsp:nvGrpSpPr>
+      <dsp:cNvPr id="0" name=""/>
+      <dsp:cNvGrpSpPr/>
+    </dsp:nvGrpSpPr>
+    <dsp:grpSpPr/>
+    <dsp:sp modelId="{610B5FFC-C0C9-444C-9F7A-14D1B54F604D}">
+      <dsp:nvSpPr>
+        <dsp:cNvPr id="0" name=""/>
+        <dsp:cNvSpPr/>
+      </dsp:nvSpPr>
+      <dsp:spPr>
+        <a:xfrm>
+          <a:off x="623515" y="823134"/>
+          <a:ext cx="2475309" cy="2163731"/>
+        </a:xfrm>
+        <a:prstGeom prst="rightArrow">
+          <a:avLst>
+            <a:gd name="adj1" fmla="val 70000"/>
+            <a:gd name="adj2" fmla="val 50000"/>
+          </a:avLst>
+        </a:prstGeom>
+        <a:solidFill>
+          <a:schemeClr val="accent1">
+            <a:alpha val="90000"/>
+            <a:tint val="40000"/>
+            <a:hueOff val="0"/>
+            <a:satOff val="0"/>
+            <a:lumOff val="0"/>
+            <a:alphaOff val="0"/>
+          </a:schemeClr>
+        </a:solidFill>
+        <a:ln w="12700" cap="flat" cmpd="sng" algn="ctr">
+          <a:solidFill>
+            <a:schemeClr val="accent1">
+              <a:alpha val="90000"/>
+              <a:tint val="40000"/>
+              <a:hueOff val="0"/>
+              <a:satOff val="0"/>
+              <a:lumOff val="0"/>
+              <a:alphaOff val="0"/>
+            </a:schemeClr>
+          </a:solidFill>
+          <a:prstDash val="solid"/>
+          <a:miter lim="800000"/>
+        </a:ln>
+        <a:effectLst/>
+      </dsp:spPr>
+      <dsp:style>
+        <a:lnRef idx="2">
+          <a:scrgbClr r="0" g="0" b="0"/>
+        </a:lnRef>
+        <a:fillRef idx="1">
+          <a:scrgbClr r="0" g="0" b="0"/>
+        </a:fillRef>
+        <a:effectRef idx="0">
+          <a:scrgbClr r="0" g="0" b="0"/>
+        </a:effectRef>
+        <a:fontRef idx="minor"/>
+      </dsp:style>
+      <dsp:txBody>
+        <a:bodyPr spcFirstLastPara="0" vert="horz" wrap="square" lIns="45720" tIns="11430" rIns="22860" bIns="11430" numCol="1" spcCol="1270" anchor="ctr" anchorCtr="0">
+          <a:noAutofit/>
+        </a:bodyPr>
+        <a:lstStyle/>
+        <a:p>
+          <a:pPr lvl="0" algn="ctr" defTabSz="800100">
+            <a:lnSpc>
+              <a:spcPct val="90000"/>
+            </a:lnSpc>
+            <a:spcBef>
+              <a:spcPct val="0"/>
+            </a:spcBef>
+            <a:spcAft>
+              <a:spcPct val="35000"/>
+            </a:spcAft>
+          </a:pPr>
+          <a:r>
+            <a:rPr lang="pt-BR" sz="1800" kern="1200" noProof="0" dirty="0" smtClean="0"/>
+            <a:t>Descrição da tarefa</a:t>
+          </a:r>
+          <a:endParaRPr lang="pt-BR" sz="1800" kern="1200" noProof="0" dirty="0"/>
+        </a:p>
+      </dsp:txBody>
+      <dsp:txXfrm>
+        <a:off x="1242342" y="1147694"/>
+        <a:ext cx="1206713" cy="1514611"/>
+      </dsp:txXfrm>
+    </dsp:sp>
+    <dsp:sp modelId="{47DA5750-48DC-4E4F-815D-0B05DBC30DAB}">
+      <dsp:nvSpPr>
+        <dsp:cNvPr id="0" name=""/>
+        <dsp:cNvSpPr/>
+      </dsp:nvSpPr>
+      <dsp:spPr>
+        <a:xfrm>
+          <a:off x="4688" y="1286172"/>
+          <a:ext cx="1237654" cy="1237654"/>
+        </a:xfrm>
+        <a:prstGeom prst="ellipse">
+          <a:avLst/>
+        </a:prstGeom>
+        <a:solidFill>
+          <a:schemeClr val="accent1">
+            <a:hueOff val="0"/>
+            <a:satOff val="0"/>
+            <a:lumOff val="0"/>
+            <a:alphaOff val="0"/>
+          </a:schemeClr>
+        </a:solidFill>
+        <a:ln w="12700" cap="flat" cmpd="sng" algn="ctr">
+          <a:solidFill>
+            <a:schemeClr val="lt1">
+              <a:hueOff val="0"/>
+              <a:satOff val="0"/>
+              <a:lumOff val="0"/>
+              <a:alphaOff val="0"/>
+            </a:schemeClr>
+          </a:solidFill>
+          <a:prstDash val="solid"/>
+          <a:miter lim="800000"/>
+        </a:ln>
+        <a:effectLst/>
+      </dsp:spPr>
+      <dsp:style>
+        <a:lnRef idx="2">
+          <a:scrgbClr r="0" g="0" b="0"/>
+        </a:lnRef>
+        <a:fillRef idx="1">
+          <a:scrgbClr r="0" g="0" b="0"/>
+        </a:fillRef>
+        <a:effectRef idx="0">
+          <a:scrgbClr r="0" g="0" b="0"/>
+        </a:effectRef>
+        <a:fontRef idx="minor">
+          <a:schemeClr val="lt1"/>
+        </a:fontRef>
+      </dsp:style>
+      <dsp:txBody>
+        <a:bodyPr spcFirstLastPara="0" vert="horz" wrap="square" lIns="12700" tIns="12700" rIns="12700" bIns="12700" numCol="1" spcCol="1270" anchor="ctr" anchorCtr="0">
+          <a:noAutofit/>
+        </a:bodyPr>
+        <a:lstStyle/>
+        <a:p>
+          <a:pPr lvl="0" algn="ctr" defTabSz="889000">
+            <a:lnSpc>
+              <a:spcPct val="90000"/>
+            </a:lnSpc>
+            <a:spcBef>
+              <a:spcPct val="0"/>
+            </a:spcBef>
+            <a:spcAft>
+              <a:spcPct val="35000"/>
+            </a:spcAft>
+          </a:pPr>
+          <a:r>
+            <a:rPr lang="pt-BR" sz="2000" kern="1200" noProof="0" dirty="0" smtClean="0"/>
+            <a:t>Título da etapa 1</a:t>
+          </a:r>
+          <a:endParaRPr lang="pt-BR" sz="2000" kern="1200" noProof="0" dirty="0"/>
+        </a:p>
+      </dsp:txBody>
+      <dsp:txXfrm>
+        <a:off x="185938" y="1467422"/>
+        <a:ext cx="875154" cy="875154"/>
+      </dsp:txXfrm>
+    </dsp:sp>
+    <dsp:sp modelId="{00D2DC2C-7CA2-4A4B-B66D-3DDCAB7DC8E9}">
+      <dsp:nvSpPr>
+        <dsp:cNvPr id="0" name=""/>
+        <dsp:cNvSpPr/>
+      </dsp:nvSpPr>
+      <dsp:spPr>
+        <a:xfrm>
+          <a:off x="3872358" y="823134"/>
+          <a:ext cx="2475309" cy="2163731"/>
+        </a:xfrm>
+        <a:prstGeom prst="rightArrow">
+          <a:avLst>
+            <a:gd name="adj1" fmla="val 70000"/>
+            <a:gd name="adj2" fmla="val 50000"/>
+          </a:avLst>
+        </a:prstGeom>
+        <a:solidFill>
+          <a:schemeClr val="accent1">
+            <a:alpha val="90000"/>
+            <a:tint val="40000"/>
+            <a:hueOff val="0"/>
+            <a:satOff val="0"/>
+            <a:lumOff val="0"/>
+            <a:alphaOff val="0"/>
+          </a:schemeClr>
+        </a:solidFill>
+        <a:ln w="12700" cap="flat" cmpd="sng" algn="ctr">
+          <a:solidFill>
+            <a:schemeClr val="accent1">
+              <a:alpha val="90000"/>
+              <a:tint val="40000"/>
+              <a:hueOff val="0"/>
+              <a:satOff val="0"/>
+              <a:lumOff val="0"/>
+              <a:alphaOff val="0"/>
+            </a:schemeClr>
+          </a:solidFill>
+          <a:prstDash val="solid"/>
+          <a:miter lim="800000"/>
+        </a:ln>
+        <a:effectLst/>
+      </dsp:spPr>
+      <dsp:style>
+        <a:lnRef idx="2">
+          <a:scrgbClr r="0" g="0" b="0"/>
+        </a:lnRef>
+        <a:fillRef idx="1">
+          <a:scrgbClr r="0" g="0" b="0"/>
+        </a:fillRef>
+        <a:effectRef idx="0">
+          <a:scrgbClr r="0" g="0" b="0"/>
+        </a:effectRef>
+        <a:fontRef idx="minor"/>
+      </dsp:style>
+      <dsp:txBody>
+        <a:bodyPr spcFirstLastPara="0" vert="horz" wrap="square" lIns="45720" tIns="11430" rIns="22860" bIns="11430" numCol="1" spcCol="1270" anchor="ctr" anchorCtr="0">
+          <a:noAutofit/>
+        </a:bodyPr>
+        <a:lstStyle/>
+        <a:p>
+          <a:pPr lvl="0" algn="ctr" defTabSz="800100">
+            <a:lnSpc>
+              <a:spcPct val="90000"/>
+            </a:lnSpc>
+            <a:spcBef>
+              <a:spcPct val="0"/>
+            </a:spcBef>
+            <a:spcAft>
+              <a:spcPct val="35000"/>
+            </a:spcAft>
+          </a:pPr>
+          <a:r>
+            <a:rPr lang="pt-BR" sz="1800" kern="1200" noProof="0" dirty="0" smtClean="0"/>
+            <a:t>Descrição da tarefa</a:t>
+          </a:r>
+          <a:endParaRPr lang="pt-BR" sz="1800" kern="1200" noProof="0" dirty="0"/>
+        </a:p>
+      </dsp:txBody>
+      <dsp:txXfrm>
+        <a:off x="4491186" y="1147694"/>
+        <a:ext cx="1206713" cy="1514611"/>
+      </dsp:txXfrm>
+    </dsp:sp>
+    <dsp:sp modelId="{EE8733A1-7662-4D0A-B39E-2218596CC81C}">
+      <dsp:nvSpPr>
+        <dsp:cNvPr id="0" name=""/>
+        <dsp:cNvSpPr/>
+      </dsp:nvSpPr>
+      <dsp:spPr>
+        <a:xfrm>
+          <a:off x="3253531" y="1286172"/>
+          <a:ext cx="1237654" cy="1237654"/>
+        </a:xfrm>
+        <a:prstGeom prst="ellipse">
+          <a:avLst/>
+        </a:prstGeom>
+        <a:solidFill>
+          <a:schemeClr val="accent1">
+            <a:hueOff val="0"/>
+            <a:satOff val="0"/>
+            <a:lumOff val="0"/>
+            <a:alphaOff val="0"/>
+          </a:schemeClr>
+        </a:solidFill>
+        <a:ln w="12700" cap="flat" cmpd="sng" algn="ctr">
+          <a:solidFill>
+            <a:schemeClr val="lt1">
+              <a:hueOff val="0"/>
+              <a:satOff val="0"/>
+              <a:lumOff val="0"/>
+              <a:alphaOff val="0"/>
+            </a:schemeClr>
+          </a:solidFill>
+          <a:prstDash val="solid"/>
+          <a:miter lim="800000"/>
+        </a:ln>
+        <a:effectLst/>
+      </dsp:spPr>
+      <dsp:style>
+        <a:lnRef idx="2">
+          <a:scrgbClr r="0" g="0" b="0"/>
+        </a:lnRef>
+        <a:fillRef idx="1">
+          <a:scrgbClr r="0" g="0" b="0"/>
+        </a:fillRef>
+        <a:effectRef idx="0">
+          <a:scrgbClr r="0" g="0" b="0"/>
+        </a:effectRef>
+        <a:fontRef idx="minor">
+          <a:schemeClr val="lt1"/>
+        </a:fontRef>
+      </dsp:style>
+      <dsp:txBody>
+        <a:bodyPr spcFirstLastPara="0" vert="horz" wrap="square" lIns="12700" tIns="12700" rIns="12700" bIns="12700" numCol="1" spcCol="1270" anchor="ctr" anchorCtr="0">
+          <a:noAutofit/>
+        </a:bodyPr>
+        <a:lstStyle/>
+        <a:p>
+          <a:pPr lvl="0" algn="ctr" defTabSz="889000">
+            <a:lnSpc>
+              <a:spcPct val="90000"/>
+            </a:lnSpc>
+            <a:spcBef>
+              <a:spcPct val="0"/>
+            </a:spcBef>
+            <a:spcAft>
+              <a:spcPct val="35000"/>
+            </a:spcAft>
+          </a:pPr>
+          <a:r>
+            <a:rPr lang="pt-BR" sz="2000" kern="1200" noProof="0" dirty="0" smtClean="0"/>
+            <a:t>Título da etapa 2</a:t>
+          </a:r>
+          <a:endParaRPr lang="pt-BR" sz="2000" kern="1200" noProof="0" dirty="0"/>
+        </a:p>
+      </dsp:txBody>
+      <dsp:txXfrm>
+        <a:off x="3434781" y="1467422"/>
+        <a:ext cx="875154" cy="875154"/>
+      </dsp:txXfrm>
+    </dsp:sp>
+    <dsp:sp modelId="{4BF699B1-BE15-42D1-9784-AA33CF29870E}">
+      <dsp:nvSpPr>
+        <dsp:cNvPr id="0" name=""/>
+        <dsp:cNvSpPr/>
+      </dsp:nvSpPr>
+      <dsp:spPr>
+        <a:xfrm>
+          <a:off x="7121202" y="823134"/>
+          <a:ext cx="2475309" cy="2163731"/>
+        </a:xfrm>
+        <a:prstGeom prst="rightArrow">
+          <a:avLst>
+            <a:gd name="adj1" fmla="val 70000"/>
+            <a:gd name="adj2" fmla="val 50000"/>
+          </a:avLst>
+        </a:prstGeom>
+        <a:solidFill>
+          <a:schemeClr val="accent1">
+            <a:alpha val="90000"/>
+            <a:tint val="40000"/>
+            <a:hueOff val="0"/>
+            <a:satOff val="0"/>
+            <a:lumOff val="0"/>
+            <a:alphaOff val="0"/>
+          </a:schemeClr>
+        </a:solidFill>
+        <a:ln w="12700" cap="flat" cmpd="sng" algn="ctr">
+          <a:solidFill>
+            <a:schemeClr val="accent1">
+              <a:alpha val="90000"/>
+              <a:tint val="40000"/>
+              <a:hueOff val="0"/>
+              <a:satOff val="0"/>
+              <a:lumOff val="0"/>
+              <a:alphaOff val="0"/>
+            </a:schemeClr>
+          </a:solidFill>
+          <a:prstDash val="solid"/>
+          <a:miter lim="800000"/>
+        </a:ln>
+        <a:effectLst/>
+      </dsp:spPr>
+      <dsp:style>
+        <a:lnRef idx="2">
+          <a:scrgbClr r="0" g="0" b="0"/>
+        </a:lnRef>
+        <a:fillRef idx="1">
+          <a:scrgbClr r="0" g="0" b="0"/>
+        </a:fillRef>
+        <a:effectRef idx="0">
+          <a:scrgbClr r="0" g="0" b="0"/>
+        </a:effectRef>
+        <a:fontRef idx="minor"/>
+      </dsp:style>
+      <dsp:txBody>
+        <a:bodyPr spcFirstLastPara="0" vert="horz" wrap="square" lIns="45720" tIns="11430" rIns="22860" bIns="11430" numCol="1" spcCol="1270" anchor="ctr" anchorCtr="0">
+          <a:noAutofit/>
+        </a:bodyPr>
+        <a:lstStyle/>
+        <a:p>
+          <a:pPr lvl="0" algn="ctr" defTabSz="800100">
+            <a:lnSpc>
+              <a:spcPct val="90000"/>
+            </a:lnSpc>
+            <a:spcBef>
+              <a:spcPct val="0"/>
+            </a:spcBef>
+            <a:spcAft>
+              <a:spcPct val="35000"/>
+            </a:spcAft>
+          </a:pPr>
+          <a:r>
+            <a:rPr lang="pt-BR" sz="1800" kern="1200" noProof="0" dirty="0" smtClean="0"/>
+            <a:t>Descrição da tarefa</a:t>
+          </a:r>
+          <a:endParaRPr lang="pt-BR" sz="1800" kern="1200" noProof="0" dirty="0"/>
+        </a:p>
+      </dsp:txBody>
+      <dsp:txXfrm>
+        <a:off x="7740029" y="1147694"/>
+        <a:ext cx="1206713" cy="1514611"/>
+      </dsp:txXfrm>
+    </dsp:sp>
+    <dsp:sp modelId="{78E9A4E4-18A9-4B73-8007-A63A71C71937}">
+      <dsp:nvSpPr>
+        <dsp:cNvPr id="0" name=""/>
+        <dsp:cNvSpPr/>
+      </dsp:nvSpPr>
+      <dsp:spPr>
+        <a:xfrm>
+          <a:off x="6502375" y="1286172"/>
+          <a:ext cx="1237654" cy="1237654"/>
+        </a:xfrm>
+        <a:prstGeom prst="ellipse">
+          <a:avLst/>
+        </a:prstGeom>
+        <a:solidFill>
+          <a:schemeClr val="accent1">
+            <a:hueOff val="0"/>
+            <a:satOff val="0"/>
+            <a:lumOff val="0"/>
+            <a:alphaOff val="0"/>
+          </a:schemeClr>
+        </a:solidFill>
+        <a:ln w="12700" cap="flat" cmpd="sng" algn="ctr">
+          <a:solidFill>
+            <a:schemeClr val="lt1">
+              <a:hueOff val="0"/>
+              <a:satOff val="0"/>
+              <a:lumOff val="0"/>
+              <a:alphaOff val="0"/>
+            </a:schemeClr>
+          </a:solidFill>
+          <a:prstDash val="solid"/>
+          <a:miter lim="800000"/>
+        </a:ln>
+        <a:effectLst/>
+      </dsp:spPr>
+      <dsp:style>
+        <a:lnRef idx="2">
+          <a:scrgbClr r="0" g="0" b="0"/>
+        </a:lnRef>
+        <a:fillRef idx="1">
+          <a:scrgbClr r="0" g="0" b="0"/>
+        </a:fillRef>
+        <a:effectRef idx="0">
+          <a:scrgbClr r="0" g="0" b="0"/>
+        </a:effectRef>
+        <a:fontRef idx="minor">
+          <a:schemeClr val="lt1"/>
+        </a:fontRef>
+      </dsp:style>
+      <dsp:txBody>
+        <a:bodyPr spcFirstLastPara="0" vert="horz" wrap="square" lIns="12700" tIns="12700" rIns="12700" bIns="12700" numCol="1" spcCol="1270" anchor="ctr" anchorCtr="0">
+          <a:noAutofit/>
+        </a:bodyPr>
+        <a:lstStyle/>
+        <a:p>
+          <a:pPr lvl="0" algn="ctr" defTabSz="889000">
+            <a:lnSpc>
+              <a:spcPct val="90000"/>
+            </a:lnSpc>
+            <a:spcBef>
+              <a:spcPct val="0"/>
+            </a:spcBef>
+            <a:spcAft>
+              <a:spcPct val="35000"/>
+            </a:spcAft>
+          </a:pPr>
+          <a:r>
+            <a:rPr lang="pt-BR" sz="2000" kern="1200" noProof="0" dirty="0" smtClean="0"/>
+            <a:t>Título da etapa 3</a:t>
+          </a:r>
+          <a:endParaRPr lang="pt-BR" sz="2000" kern="1200" noProof="0" dirty="0"/>
+        </a:p>
+      </dsp:txBody>
+      <dsp:txXfrm>
+        <a:off x="6683625" y="1467422"/>
+        <a:ext cx="875154" cy="875154"/>
+      </dsp:txXfrm>
+    </dsp:sp>
+  </dsp:spTree>
+</dsp:drawing>
+</file>
+
+<file path=ppt/diagrams/layout1.xml><?xml version="1.0" encoding="utf-8"?>
+<dgm:layoutDef xmlns:dgm="http://schemas.openxmlformats.org/drawingml/2006/diagram" xmlns:a="http://schemas.openxmlformats.org/drawingml/2006/main" uniqueId="urn:microsoft.com/office/officeart/2005/8/layout/hProcess6">
+  <dgm:title val=""/>
+  <dgm:desc val=""/>
+  <dgm:catLst>
+    <dgm:cat type="process" pri="7000"/>
+  </dgm:catLst>
+  <dgm:sampData>
+    <dgm:dataModel>
+      <dgm:ptLst>
+        <dgm:pt modelId="0" type="doc"/>
+        <dgm:pt modelId="1">
+          <dgm:prSet phldr="1"/>
+        </dgm:pt>
+        <dgm:pt modelId="11">
+          <dgm:prSet phldr="1"/>
+        </dgm:pt>
+        <dgm:pt modelId="12">
+          <dgm:prSet phldr="1"/>
+        </dgm:pt>
+        <dgm:pt modelId="2">
+          <dgm:prSet phldr="1"/>
+        </dgm:pt>
+        <dgm:pt modelId="21">
+          <dgm:prSet phldr="1"/>
+        </dgm:pt>
+        <dgm:pt modelId="22">
+          <dgm:prSet phldr="1"/>
+        </dgm:pt>
+        <dgm:pt modelId="3">
+          <dgm:prSet phldr="1"/>
+        </dgm:pt>
+        <dgm:pt modelId="31">
+          <dgm:prSet phldr="1"/>
+        </dgm:pt>
+        <dgm:pt modelId="32">
+          <dgm:prSet phldr="1"/>
+        </dgm:pt>
+      </dgm:ptLst>
+      <dgm:cxnLst>
+        <dgm:cxn modelId="4" srcId="0" destId="1" srcOrd="0" destOrd="0"/>
+        <dgm:cxn modelId="5" srcId="0" destId="2" srcOrd="1" destOrd="0"/>
+        <dgm:cxn modelId="13" srcId="1" destId="11" srcOrd="0" destOrd="0"/>
+        <dgm:cxn modelId="14" srcId="1" destId="12" srcOrd="0" destOrd="0"/>
+        <dgm:cxn modelId="23" srcId="2" destId="21" srcOrd="0" destOrd="0"/>
+        <dgm:cxn modelId="24" srcId="2" destId="22" srcOrd="0" destOrd="0"/>
+        <dgm:cxn modelId="33" srcId="3" destId="31" srcOrd="0" destOrd="0"/>
+        <dgm:cxn modelId="34" srcId="3" destId="32" srcOrd="0" destOrd="0"/>
+      </dgm:cxnLst>
+      <dgm:bg/>
+      <dgm:whole/>
+    </dgm:dataModel>
+  </dgm:sampData>
+  <dgm:styleData>
+    <dgm:dataModel>
+      <dgm:ptLst>
+        <dgm:pt modelId="0" type="doc"/>
+        <dgm:pt modelId="1"/>
+        <dgm:pt modelId="11"/>
+        <dgm:pt modelId="2"/>
+        <dgm:pt modelId="21"/>
+      </dgm:ptLst>
+      <dgm:cxnLst>
+        <dgm:cxn modelId="4" srcId="0" destId="1" srcOrd="0" destOrd="0"/>
+        <dgm:cxn modelId="5" srcId="0" destId="2" srcOrd="1" destOrd="0"/>
+        <dgm:cxn modelId="13" srcId="1" destId="11" srcOrd="0" destOrd="0"/>
+        <dgm:cxn modelId="23" srcId="2" destId="21" srcOrd="0" destOrd="0"/>
+      </dgm:cxnLst>
+      <dgm:bg/>
+      <dgm:whole/>
+    </dgm:dataModel>
+  </dgm:styleData>
+  <dgm:clrData>
+    <dgm:dataModel>
+      <dgm:ptLst>
+        <dgm:pt modelId="0" type="doc"/>
+        <dgm:pt modelId="1"/>
+        <dgm:pt modelId="11"/>
+        <dgm:pt modelId="2"/>
+        <dgm:pt modelId="21"/>
+        <dgm:pt modelId="3"/>
+        <dgm:pt modelId="31"/>
+        <dgm:pt modelId="4"/>
+        <dgm:pt modelId="41"/>
+      </dgm:ptLst>
+      <dgm:cxnLst>
+        <dgm:cxn modelId="5" srcId="0" destId="1" srcOrd="0" destOrd="0"/>
+        <dgm:cxn modelId="6" srcId="0" destId="2" srcOrd="1" destOrd="0"/>
+        <dgm:cxn modelId="7" srcId="0" destId="3" srcOrd="2" destOrd="0"/>
+        <dgm:cxn modelId="8" srcId="0" destId="4" srcOrd="3" destOrd="0"/>
+        <dgm:cxn modelId="13" srcId="1" destId="11" srcOrd="0" destOrd="0"/>
+        <dgm:cxn modelId="23" srcId="2" destId="21" srcOrd="0" destOrd="0"/>
+        <dgm:cxn modelId="33" srcId="3" destId="31" srcOrd="0" destOrd="0"/>
+        <dgm:cxn modelId="43" srcId="4" destId="41" srcOrd="0" destOrd="0"/>
+      </dgm:cxnLst>
+      <dgm:bg/>
+      <dgm:whole/>
+    </dgm:dataModel>
+  </dgm:clrData>
+  <dgm:layoutNode name="theList">
+    <dgm:varLst>
+      <dgm:dir/>
+      <dgm:animLvl val="lvl"/>
+      <dgm:resizeHandles val="exact"/>
+    </dgm:varLst>
+    <dgm:choose name="Name0">
+      <dgm:if name="Name1" func="var" arg="dir" op="equ" val="norm">
+        <dgm:alg type="lin">
+          <dgm:param type="linDir" val="fromL"/>
+          <dgm:param type="nodeHorzAlign" val="l"/>
+        </dgm:alg>
+      </dgm:if>
+      <dgm:else name="Name2">
+        <dgm:alg type="lin">
+          <dgm:param type="linDir" val="fromR"/>
+          <dgm:param type="nodeHorzAlign" val="r"/>
+        </dgm:alg>
+      </dgm:else>
+    </dgm:choose>
+    <dgm:shape xmlns:r="http://schemas.openxmlformats.org/officeDocument/2006/relationships" r:blip="">
+      <dgm:adjLst/>
+    </dgm:shape>
+    <dgm:presOf/>
+    <dgm:constrLst>
+      <dgm:constr type="w" for="ch" forName="compNode" refType="w"/>
+      <dgm:constr type="h" for="ch" forName="compNode" refType="w" refFor="ch" refForName="compNode" fact="0.7"/>
+      <dgm:constr type="ctrY" for="ch" forName="compNode" refType="h" fact="0.5"/>
+      <dgm:constr type="w" for="ch" forName="aSpace" refType="w" fact="0.05"/>
+      <dgm:constr type="primFontSz" for="des" forName="childTextHidden" op="equ" val="65"/>
+      <dgm:constr type="primFontSz" for="des" forName="parentText" op="equ"/>
+    </dgm:constrLst>
+    <dgm:ruleLst/>
+    <dgm:forEach name="aNodeForEach" axis="ch" ptType="node">
+      <dgm:layoutNode name="compNode">
+        <dgm:alg type="composite">
+          <dgm:param type="ar" val="1.43"/>
+        </dgm:alg>
+        <dgm:shape xmlns:r="http://schemas.openxmlformats.org/officeDocument/2006/relationships" r:blip="">
+          <dgm:adjLst/>
+        </dgm:shape>
+        <dgm:presOf/>
+        <dgm:choose name="Name3">
+          <dgm:if name="Name4" func="var" arg="dir" op="equ" val="norm">
+            <dgm:constrLst>
+              <dgm:constr type="w" for="ch" forName="childTextVisible" refType="w" fact="0.8"/>
+              <dgm:constr type="h" for="ch" forName="childTextVisible" refType="h"/>
+              <dgm:constr type="r" for="ch" forName="childTextVisible" refType="w"/>
+              <dgm:constr type="w" for="ch" forName="childTextHidden" refType="w" fact="0.6"/>
+              <dgm:constr type="h" for="ch" forName="childTextHidden" refType="h"/>
+              <dgm:constr type="r" for="ch" forName="childTextHidden" refType="w"/>
+              <dgm:constr type="l" for="ch" forName="parentText"/>
+              <dgm:constr type="w" for="ch" forName="parentText" refType="w" fact="0.4"/>
+              <dgm:constr type="h" for="ch" forName="parentText" refType="w" refFor="ch" refForName="parentText" op="equ"/>
+              <dgm:constr type="ctrY" for="ch" forName="parentText" refType="h" fact="0.5"/>
+            </dgm:constrLst>
+          </dgm:if>
+          <dgm:else name="Name5">
+            <dgm:constrLst>
+              <dgm:constr type="w" for="ch" forName="childTextVisible" refType="w" fact="0.8"/>
+              <dgm:constr type="h" for="ch" forName="childTextVisible" refType="h"/>
+              <dgm:constr type="l" for="ch" forName="childTextVisible"/>
+              <dgm:constr type="w" for="ch" forName="childTextHidden" refType="w" fact="0.6"/>
+              <dgm:constr type="h" for="ch" forName="childTextHidden" refType="h"/>
+              <dgm:constr type="l" for="ch" forName="childTextHidden"/>
+              <dgm:constr type="r" for="ch" forName="parentText" refType="w"/>
+              <dgm:constr type="w" for="ch" forName="parentText" refType="w" fact="0.4"/>
+              <dgm:constr type="h" for="ch" forName="parentText" refType="w" refFor="ch" refForName="parentText" op="equ"/>
+              <dgm:constr type="ctrY" for="ch" forName="parentText" refType="h" fact="0.5"/>
+            </dgm:constrLst>
+          </dgm:else>
+        </dgm:choose>
+        <dgm:ruleLst/>
+        <dgm:layoutNode name="noGeometry">
+          <dgm:alg type="sp"/>
+          <dgm:shape xmlns:r="http://schemas.openxmlformats.org/officeDocument/2006/relationships" r:blip="">
+            <dgm:adjLst/>
+          </dgm:shape>
+          <dgm:presOf/>
+          <dgm:constrLst/>
+          <dgm:ruleLst/>
+        </dgm:layoutNode>
+        <dgm:layoutNode name="childTextVisible" styleLbl="bgAccFollowNode1">
+          <dgm:varLst>
+            <dgm:bulletEnabled val="1"/>
+          </dgm:varLst>
+          <dgm:alg type="sp"/>
+          <dgm:choose name="Name6">
+            <dgm:if name="Name7" func="var" arg="dir" op="equ" val="norm">
+              <dgm:shape xmlns:r="http://schemas.openxmlformats.org/officeDocument/2006/relationships" type="rightArrow" r:blip="">
+                <dgm:adjLst>
+                  <dgm:adj idx="1" val="0.7"/>
+                  <dgm:adj idx="2" val="0.5"/>
+                </dgm:adjLst>
+              </dgm:shape>
+            </dgm:if>
+            <dgm:else name="Name8">
+              <dgm:shape xmlns:r="http://schemas.openxmlformats.org/officeDocument/2006/relationships" type="leftArrow" r:blip="">
+                <dgm:adjLst>
+                  <dgm:adj idx="1" val="0.7"/>
+                  <dgm:adj idx="2" val="0.5"/>
+                </dgm:adjLst>
+              </dgm:shape>
+            </dgm:else>
+          </dgm:choose>
+          <dgm:presOf axis="des" ptType="node"/>
+          <dgm:constrLst/>
+          <dgm:ruleLst/>
+        </dgm:layoutNode>
+        <dgm:layoutNode name="childTextHidden" styleLbl="bgAccFollowNode1">
+          <dgm:choose name="Name9">
+            <dgm:if name="Name10" axis="des followSib" ptType="node node" st="1 1" cnt="1 0" func="cnt" op="gte" val="1">
+              <dgm:alg type="tx">
+                <dgm:param type="stBulletLvl" val="1"/>
+                <dgm:param type="txAnchorVertCh" val="mid"/>
+              </dgm:alg>
+            </dgm:if>
+            <dgm:else name="Name11">
+              <dgm:alg type="tx">
+                <dgm:param type="stBulletLvl" val="2"/>
+                <dgm:param type="txAnchorVertCh" val="mid"/>
+              </dgm:alg>
+            </dgm:else>
+          </dgm:choose>
+          <dgm:choose name="Name12">
+            <dgm:if name="Name13" func="var" arg="dir" op="equ" val="norm">
+              <dgm:shape xmlns:r="http://schemas.openxmlformats.org/officeDocument/2006/relationships" type="rightArrow" r:blip="" hideGeom="1">
+                <dgm:adjLst>
+                  <dgm:adj idx="1" val="0.7"/>
+                  <dgm:adj idx="2" val="0.5"/>
+                </dgm:adjLst>
+              </dgm:shape>
+            </dgm:if>
+            <dgm:else name="Name14">
+              <dgm:shape xmlns:r="http://schemas.openxmlformats.org/officeDocument/2006/relationships" type="leftArrow" r:blip="" hideGeom="1">
+                <dgm:adjLst>
+                  <dgm:adj idx="1" val="0.7"/>
+                  <dgm:adj idx="2" val="0.5"/>
+                </dgm:adjLst>
+              </dgm:shape>
+            </dgm:else>
+          </dgm:choose>
+          <dgm:presOf axis="des" ptType="node"/>
+          <dgm:constrLst>
+            <dgm:constr type="secFontSz" refType="primFontSz"/>
+            <dgm:constr type="tMarg" refType="primFontSz" fact="0.05"/>
+            <dgm:constr type="bMarg" refType="primFontSz" fact="0.05"/>
+            <dgm:constr type="rMarg" refType="primFontSz" fact="0.1"/>
+            <dgm:constr type="lMarg" refType="primFontSz" fact="0.2"/>
+          </dgm:constrLst>
+          <dgm:ruleLst>
+            <dgm:rule type="primFontSz" val="5" fact="NaN" max="NaN"/>
+          </dgm:ruleLst>
+        </dgm:layoutNode>
+        <dgm:layoutNode name="parentText" styleLbl="node1">
+          <dgm:varLst>
+            <dgm:chMax val="1"/>
+            <dgm:bulletEnabled val="1"/>
+          </dgm:varLst>
+          <dgm:alg type="tx"/>
+          <dgm:shape xmlns:r="http://schemas.openxmlformats.org/officeDocument/2006/relationships" type="ellipse" r:blip="">
+            <dgm:adjLst/>
+          </dgm:shape>
+          <dgm:presOf axis="self"/>
+          <dgm:constrLst>
+            <dgm:constr type="primFontSz" val="65"/>
+            <dgm:constr type="tMarg" refType="primFontSz" fact="0.05"/>
+            <dgm:constr type="bMarg" refType="primFontSz" fact="0.05"/>
+            <dgm:constr type="lMarg" refType="primFontSz" fact="0.05"/>
+            <dgm:constr type="rMarg" refType="primFontSz" fact="0.05"/>
+          </dgm:constrLst>
+          <dgm:ruleLst>
+            <dgm:rule type="primFontSz" val="5" fact="NaN" max="NaN"/>
+          </dgm:ruleLst>
+        </dgm:layoutNode>
+      </dgm:layoutNode>
+      <dgm:choose name="Name15">
+        <dgm:if name="Name16" axis="self" ptType="node" func="revPos" op="gte" val="2">
+          <dgm:layoutNode name="aSpace">
+            <dgm:alg type="sp"/>
+            <dgm:shape xmlns:r="http://schemas.openxmlformats.org/officeDocument/2006/relationships" r:blip="">
+              <dgm:adjLst/>
+            </dgm:shape>
+            <dgm:presOf/>
+            <dgm:constrLst/>
+            <dgm:ruleLst/>
+          </dgm:layoutNode>
+        </dgm:if>
+        <dgm:else name="Name17"/>
+      </dgm:choose>
+    </dgm:forEach>
+  </dgm:layoutNode>
+</dgm:layoutDef>
+</file>
+
+<file path=ppt/diagrams/quickStyle1.xml><?xml version="1.0" encoding="utf-8"?>
+<dgm:styleDef xmlns:dgm="http://schemas.openxmlformats.org/drawingml/2006/diagram" xmlns:a="http://schemas.openxmlformats.org/drawingml/2006/main" uniqueId="urn:microsoft.com/office/officeart/2005/8/quickstyle/simple1">
+  <dgm:title val=""/>
+  <dgm:desc val=""/>
+  <dgm:catLst>
+    <dgm:cat type="simple" pri="10100"/>
+  </dgm:catLst>
+  <dgm:scene3d>
+    <a:camera prst="orthographicFront"/>
+    <a:lightRig rig="threePt" dir="t"/>
+  </dgm:scene3d>
+  <dgm:styleLbl name="node0">
+    <dgm:scene3d>
+      <a:camera prst="orthographicFront"/>
+      <a:lightRig rig="threePt" dir="t"/>
+    </dgm:scene3d>
+    <dgm:sp3d/>
+    <dgm:txPr/>
+    <dgm:style>
+      <a:lnRef idx="2">
+        <a:scrgbClr r="0" g="0" b="0"/>
+      </a:lnRef>
+      <a:fillRef idx="1">
+        <a:scrgbClr r="0" g="0" b="0"/>
+      </a:fillRef>
+      <a:effectRef idx="0">
+        <a:scrgbClr r="0" g="0" b="0"/>
+      </a:effectRef>
+      <a:fontRef idx="minor">
+        <a:schemeClr val="lt1"/>
+      </a:fontRef>
+    </dgm:style>
+  </dgm:styleLbl>
+  <dgm:styleLbl name="lnNode1">
+    <dgm:scene3d>
+      <a:camera prst="orthographicFront"/>
+      <a:lightRig rig="threePt" dir="t"/>
+    </dgm:scene3d>
+    <dgm:sp3d/>
+    <dgm:txPr/>
+    <dgm:style>
+      <a:lnRef idx="2">
+        <a:scrgbClr r="0" g="0" b="0"/>
+      </a:lnRef>
+      <a:fillRef idx="1">
+        <a:scrgbClr r="0" g="0" b="0"/>
+      </a:fillRef>
+      <a:effectRef idx="0">
+        <a:scrgbClr r="0" g="0" b="0"/>
+      </a:effectRef>
+      <a:fontRef idx="minor">
+        <a:schemeClr val="lt1"/>
+      </a:fontRef>
+    </dgm:style>
+  </dgm:styleLbl>
+  <dgm:styleLbl name="vennNode1">
+    <dgm:scene3d>
+      <a:camera prst="orthographicFront"/>
+      <a:lightRig rig="threePt" dir="t"/>
+    </dgm:scene3d>
+    <dgm:sp3d/>
+    <dgm:txPr/>
+    <dgm:style>
+      <a:lnRef idx="2">
+        <a:scrgbClr r="0" g="0" b="0"/>
+      </a:lnRef>
+      <a:fillRef idx="1">
+        <a:scrgbClr r="0" g="0" b="0"/>
+      </a:fillRef>
+      <a:effectRef idx="0">
+        <a:scrgbClr r="0" g="0" b="0"/>
+      </a:effectRef>
+      <a:fontRef idx="minor">
+        <a:schemeClr val="tx1"/>
+      </a:fontRef>
+    </dgm:style>
+  </dgm:styleLbl>
+  <dgm:styleLbl name="alignNode1">
+    <dgm:scene3d>
+      <a:camera prst="orthographicFront"/>
+      <a:lightRig rig="threePt" dir="t"/>
+    </dgm:scene3d>
+    <dgm:sp3d/>
+    <dgm:txPr/>
+    <dgm:style>
+      <a:lnRef idx="2">
+        <a:scrgbClr r="0" g="0" b="0"/>
+      </a:lnRef>
+      <a:fillRef idx="1">
+        <a:scrgbClr r="0" g="0" b="0"/>
+      </a:fillRef>
+      <a:effectRef idx="0">
+        <a:scrgbClr r="0" g="0" b="0"/>
+      </a:effectRef>
+      <a:fontRef idx="minor">
+        <a:schemeClr val="lt1"/>
+      </a:fontRef>
+    </dgm:style>
+  </dgm:styleLbl>
+  <dgm:styleLbl name="node1">
+    <dgm:scene3d>
+      <a:camera prst="orthographicFront"/>
+      <a:lightRig rig="threePt" dir="t"/>
+    </dgm:scene3d>
+    <dgm:sp3d/>
+    <dgm:txPr/>
+    <dgm:style>
+      <a:lnRef idx="2">
+        <a:scrgbClr r="0" g="0" b="0"/>
+      </a:lnRef>
+      <a:fillRef idx="1">
+        <a:scrgbClr r="0" g="0" b="0"/>
+      </a:fillRef>
+      <a:effectRef idx="0">
+        <a:scrgbClr r="0" g="0" b="0"/>
+      </a:effectRef>
+      <a:fontRef idx="minor">
+        <a:schemeClr val="lt1"/>
+      </a:fontRef>
+    </dgm:style>
+  </dgm:styleLbl>
+  <dgm:styleLbl name="node2">
+    <dgm:scene3d>
+      <a:camera prst="orthographicFront"/>
+      <a:lightRig rig="threePt" dir="t"/>
+    </dgm:scene3d>
+    <dgm:sp3d/>
+    <dgm:txPr/>
+    <dgm:style>
+      <a:lnRef idx="2">
+        <a:scrgbClr r="0" g="0" b="0"/>
+      </a:lnRef>
+      <a:fillRef idx="1">
+        <a:scrgbClr r="0" g="0" b="0"/>
+      </a:fillRef>
+      <a:effectRef idx="0">
+        <a:scrgbClr r="0" g="0" b="0"/>
+      </a:effectRef>
+      <a:fontRef idx="minor">
+        <a:schemeClr val="lt1"/>
+      </a:fontRef>
+    </dgm:style>
+  </dgm:styleLbl>
+  <dgm:styleLbl name="node3">
+    <dgm:scene3d>
+      <a:camera prst="orthographicFront"/>
+      <a:lightRig rig="threePt" dir="t"/>
+    </dgm:scene3d>
+    <dgm:sp3d/>
+    <dgm:txPr/>
+    <dgm:style>
+      <a:lnRef idx="2">
+        <a:scrgbClr r="0" g="0" b="0"/>
+      </a:lnRef>
+      <a:fillRef idx="1">
+        <a:scrgbClr r="0" g="0" b="0"/>
+      </a:fillRef>
+      <a:effectRef idx="0">
+        <a:scrgbClr r="0" g="0" b="0"/>
+      </a:effectRef>
+      <a:fontRef idx="minor">
+        <a:schemeClr val="lt1"/>
+      </a:fontRef>
+    </dgm:style>
+  </dgm:styleLbl>
+  <dgm:styleLbl name="node4">
+    <dgm:scene3d>
+      <a:camera prst="orthographicFront"/>
+      <a:lightRig rig="threePt" dir="t"/>
+    </dgm:scene3d>
+    <dgm:sp3d/>
+    <dgm:txPr/>
+    <dgm:style>
+      <a:lnRef idx="2">
+        <a:scrgbClr r="0" g="0" b="0"/>
+      </a:lnRef>
+      <a:fillRef idx="1">
+        <a:scrgbClr r="0" g="0" b="0"/>
+      </a:fillRef>
+      <a:effectRef idx="0">
+        <a:scrgbClr r="0" g="0" b="0"/>
+      </a:effectRef>
+      <a:fontRef idx="minor">
+        <a:schemeClr val="lt1"/>
+      </a:fontRef>
+    </dgm:style>
+  </dgm:styleLbl>
+  <dgm:styleLbl name="fgImgPlace1">
+    <dgm:scene3d>
+      <a:camera prst="orthographicFront"/>
+      <a:lightRig rig="threePt" dir="t"/>
+    </dgm:scene3d>
+    <dgm:sp3d/>
+    <dgm:txPr/>
+    <dgm:style>
+      <a:lnRef idx="2">
+        <a:scrgbClr r="0" g="0" b="0"/>
+      </a:lnRef>
+      <a:fillRef idx="1">
+        <a:scrgbClr r="0" g="0" b="0"/>
+      </a:fillRef>
+      <a:effectRef idx="0">
+        <a:scrgbClr r="0" g="0" b="0"/>
+      </a:effectRef>
+      <a:fontRef idx="minor"/>
+    </dgm:style>
+  </dgm:styleLbl>
+  <dgm:styleLbl name="alignImgPlace1">
+    <dgm:scene3d>
+      <a:camera prst="orthographicFront"/>
+      <a:lightRig rig="threePt" dir="t"/>
+    </dgm:scene3d>
+    <dgm:sp3d/>
+    <dgm:txPr/>
+    <dgm:style>
+      <a:lnRef idx="2">
+        <a:scrgbClr r="0" g="0" b="0"/>
+      </a:lnRef>
+      <a:fillRef idx="1">
+        <a:scrgbClr r="0" g="0" b="0"/>
+      </a:fillRef>
+      <a:effectRef idx="0">
+        <a:scrgbClr r="0" g="0" b="0"/>
+      </a:effectRef>
+      <a:fontRef idx="minor"/>
+    </dgm:style>
+  </dgm:styleLbl>
+  <dgm:styleLbl name="bgImgPlace1">
+    <dgm:scene3d>
+      <a:camera prst="orthographicFront"/>
+      <a:lightRig rig="threePt" dir="t"/>
+    </dgm:scene3d>
+    <dgm:sp3d/>
+    <dgm:txPr/>
+    <dgm:style>
+      <a:lnRef idx="2">
+        <a:scrgbClr r="0" g="0" b="0"/>
+      </a:lnRef>
+      <a:fillRef idx="1">
+        <a:scrgbClr r="0" g="0" b="0"/>
+      </a:fillRef>
+      <a:effectRef idx="0">
+        <a:scrgbClr r="0" g="0" b="0"/>
+      </a:effectRef>
+      <a:fontRef idx="minor"/>
+    </dgm:style>
+  </dgm:styleLbl>
+  <dgm:styleLbl name="sibTrans2D1">
+    <dgm:scene3d>
+      <a:camera prst="orthographicFront"/>
+      <a:lightRig rig="threePt" dir="t"/>
+    </dgm:scene3d>
+    <dgm:sp3d/>
+    <dgm:txPr/>
+    <dgm:style>
+      <a:lnRef idx="0">
+        <a:scrgbClr r="0" g="0" b="0"/>
+      </a:lnRef>
+      <a:fillRef idx="1">
+        <a:scrgbClr r="0" g="0" b="0"/>
+      </a:fillRef>
+      <a:effectRef idx="0">
+        <a:scrgbClr r="0" g="0" b="0"/>
+      </a:effectRef>
+      <a:fontRef idx="minor">
+        <a:schemeClr val="lt1"/>
+      </a:fontRef>
+    </dgm:style>
+  </dgm:styleLbl>
+  <dgm:styleLbl name="fgSibTrans2D1">
+    <dgm:scene3d>
+      <a:camera prst="orthographicFront"/>
+      <a:lightRig rig="threePt" dir="t"/>
+    </dgm:scene3d>
+    <dgm:sp3d/>
+    <dgm:txPr/>
+    <dgm:style>
+      <a:lnRef idx="0">
+        <a:scrgbClr r="0" g="0" b="0"/>
+      </a:lnRef>
+      <a:fillRef idx="1">
+        <a:scrgbClr r="0" g="0" b="0"/>
+      </a:fillRef>
+      <a:effectRef idx="0">
+        <a:scrgbClr r="0" g="0" b="0"/>
+      </a:effectRef>
+      <a:fontRef idx="minor">
+        <a:schemeClr val="lt1"/>
+      </a:fontRef>
+    </dgm:style>
+  </dgm:styleLbl>
+  <dgm:styleLbl name="bgSibTrans2D1">
+    <dgm:scene3d>
+      <a:camera prst="orthographicFront"/>
+      <a:lightRig rig="threePt" dir="t"/>
+    </dgm:scene3d>
+    <dgm:sp3d/>
+    <dgm:txPr/>
+    <dgm:style>
+      <a:lnRef idx="0">
+        <a:scrgbClr r="0" g="0" b="0"/>
+      </a:lnRef>
+      <a:fillRef idx="1">
+        <a:scrgbClr r="0" g="0" b="0"/>
+      </a:fillRef>
+      <a:effectRef idx="0">
+        <a:scrgbClr r="0" g="0" b="0"/>
+      </a:effectRef>
+      <a:fontRef idx="minor">
+        <a:schemeClr val="lt1"/>
+      </a:fontRef>
+    </dgm:style>
+  </dgm:styleLbl>
+  <dgm:styleLbl name="sibTrans1D1">
+    <dgm:scene3d>
+      <a:camera prst="orthographicFront"/>
+      <a:lightRig rig="threePt" dir="t"/>
+    </dgm:scene3d>
+    <dgm:sp3d/>
+    <dgm:txPr/>
+    <dgm:style>
+      <a:lnRef idx="1">
+        <a:scrgbClr r="0" g="0" b="0"/>
+      </a:lnRef>
+      <a:fillRef idx="0">
+        <a:scrgbClr r="0" g="0" b="0"/>
+      </a:fillRef>
+      <a:effectRef idx="0">
+        <a:scrgbClr r="0" g="0" b="0"/>
+      </a:effectRef>
+      <a:fontRef idx="minor"/>
+    </dgm:style>
+  </dgm:styleLbl>
+  <dgm:styleLbl name="callout">
+    <dgm:scene3d>
+      <a:camera prst="orthographicFront"/>
+      <a:lightRig rig="threePt" dir="t"/>
+    </dgm:scene3d>
+    <dgm:sp3d/>
+    <dgm:txPr/>
+    <dgm:style>
+      <a:lnRef idx="2">
+        <a:scrgbClr r="0" g="0" b="0"/>
+      </a:lnRef>
+      <a:fillRef idx="1">
+        <a:scrgbClr r="0" g="0" b="0"/>
+      </a:fillRef>
+      <a:effectRef idx="0">
+        <a:scrgbClr r="0" g="0" b="0"/>
+      </a:effectRef>
+      <a:fontRef idx="minor"/>
+    </dgm:style>
+  </dgm:styleLbl>
+  <dgm:styleLbl name="asst0">
+    <dgm:scene3d>
+      <a:camera prst="orthographicFront"/>
+      <a:lightRig rig="threePt" dir="t"/>
+    </dgm:scene3d>
+    <dgm:sp3d/>
+    <dgm:txPr/>
+    <dgm:style>
+      <a:lnRef idx="2">
+        <a:scrgbClr r="0" g="0" b="0"/>
+      </a:lnRef>
+      <a:fillRef idx="1">
+        <a:scrgbClr r="0" g="0" b="0"/>
+      </a:fillRef>
+      <a:effectRef idx="0">
+        <a:scrgbClr r="0" g="0" b="0"/>
+      </a:effectRef>
+      <a:fontRef idx="minor">
+        <a:schemeClr val="lt1"/>
+      </a:fontRef>
+    </dgm:style>
+  </dgm:styleLbl>
+  <dgm:styleLbl name="asst1">
+    <dgm:scene3d>
+      <a:camera prst="orthographicFront"/>
+      <a:lightRig rig="threePt" dir="t"/>
+    </dgm:scene3d>
+    <dgm:sp3d/>
+    <dgm:txPr/>
+    <dgm:style>
+      <a:lnRef idx="2">
+        <a:scrgbClr r="0" g="0" b="0"/>
+      </a:lnRef>
+      <a:fillRef idx="1">
+        <a:scrgbClr r="0" g="0" b="0"/>
+      </a:fillRef>
+      <a:effectRef idx="0">
+        <a:scrgbClr r="0" g="0" b="0"/>
+      </a:effectRef>
+      <a:fontRef idx="minor">
+        <a:schemeClr val="lt1"/>
+      </a:fontRef>
+    </dgm:style>
+  </dgm:styleLbl>
+  <dgm:styleLbl name="asst2">
+    <dgm:scene3d>
+      <a:camera prst="orthographicFront"/>
+      <a:lightRig rig="threePt" dir="t"/>
+    </dgm:scene3d>
+    <dgm:sp3d/>
+    <dgm:txPr/>
+    <dgm:style>
+      <a:lnRef idx="2">
+        <a:scrgbClr r="0" g="0" b="0"/>
+      </a:lnRef>
+      <a:fillRef idx="1">
+        <a:scrgbClr r="0" g="0" b="0"/>
+      </a:fillRef>
+      <a:effectRef idx="0">
+        <a:scrgbClr r="0" g="0" b="0"/>
+      </a:effectRef>
+      <a:fontRef idx="minor">
+        <a:schemeClr val="lt1"/>
+      </a:fontRef>
+    </dgm:style>
+  </dgm:styleLbl>
+  <dgm:styleLbl name="asst3">
+    <dgm:scene3d>
+      <a:camera prst="orthographicFront"/>
+      <a:lightRig rig="threePt" dir="t"/>
+    </dgm:scene3d>
+    <dgm:sp3d/>
+    <dgm:txPr/>
+    <dgm:style>
+      <a:lnRef idx="2">
+        <a:scrgbClr r="0" g="0" b="0"/>
+      </a:lnRef>
+      <a:fillRef idx="1">
+        <a:scrgbClr r="0" g="0" b="0"/>
+      </a:fillRef>
+      <a:effectRef idx="0">
+        <a:scrgbClr r="0" g="0" b="0"/>
+      </a:effectRef>
+      <a:fontRef idx="minor">
+        <a:schemeClr val="lt1"/>
+      </a:fontRef>
+    </dgm:style>
+  </dgm:styleLbl>
+  <dgm:styleLbl name="asst4">
+    <dgm:scene3d>
+      <a:camera prst="orthographicFront"/>
+      <a:lightRig rig="threePt" dir="t"/>
+    </dgm:scene3d>
+    <dgm:sp3d/>
+    <dgm:txPr/>
+    <dgm:style>
+      <a:lnRef idx="2">
+        <a:scrgbClr r="0" g="0" b="0"/>
+      </a:lnRef>
+      <a:fillRef idx="1">
+        <a:scrgbClr r="0" g="0" b="0"/>
+      </a:fillRef>
+      <a:effectRef idx="0">
+        <a:scrgbClr r="0" g="0" b="0"/>
+      </a:effectRef>
+      <a:fontRef idx="minor">
+        <a:schemeClr val="lt1"/>
+      </a:fontRef>
+    </dgm:style>
+  </dgm:styleLbl>
+  <dgm:styleLbl name="parChTrans2D1">
+    <dgm:scene3d>
+      <a:camera prst="orthographicFront"/>
+      <a:lightRig rig="threePt" dir="t"/>
+    </dgm:scene3d>
+    <dgm:sp3d/>
+    <dgm:txPr/>
+    <dgm:style>
+      <a:lnRef idx="2">
+        <a:scrgbClr r="0" g="0" b="0"/>
+      </a:lnRef>
+      <a:fillRef idx="1">
+        <a:scrgbClr r="0" g="0" b="0"/>
+      </a:fillRef>
+      <a:effectRef idx="0">
+        <a:scrgbClr r="0" g="0" b="0"/>
+      </a:effectRef>
+      <a:fontRef idx="minor">
+        <a:schemeClr val="lt1"/>
+      </a:fontRef>
+    </dgm:style>
+  </dgm:styleLbl>
+  <dgm:styleLbl name="parChTrans2D2">
+    <dgm:scene3d>
+      <a:camera prst="orthographicFront"/>
+      <a:lightRig rig="threePt" dir="t"/>
+    </dgm:scene3d>
+    <dgm:sp3d/>
+    <dgm:txPr/>
+    <dgm:style>
+      <a:lnRef idx="2">
+        <a:scrgbClr r="0" g="0" b="0"/>
+      </a:lnRef>
+      <a:fillRef idx="1">
+        <a:scrgbClr r="0" g="0" b="0"/>
+      </a:fillRef>
+      <a:effectRef idx="0">
+        <a:scrgbClr r="0" g="0" b="0"/>
+      </a:effectRef>
+      <a:fontRef idx="minor">
+        <a:schemeClr val="lt1"/>
+      </a:fontRef>
+    </dgm:style>
+  </dgm:styleLbl>
+  <dgm:styleLbl name="parChTrans2D3">
+    <dgm:scene3d>
+      <a:camera prst="orthographicFront"/>
+      <a:lightRig rig="threePt" dir="t"/>
+    </dgm:scene3d>
+    <dgm:sp3d/>
+    <dgm:txPr/>
+    <dgm:style>
+      <a:lnRef idx="2">
+        <a:scrgbClr r="0" g="0" b="0"/>
+      </a:lnRef>
+      <a:fillRef idx="1">
+        <a:scrgbClr r="0" g="0" b="0"/>
+      </a:fillRef>
+      <a:effectRef idx="0">
+        <a:scrgbClr r="0" g="0" b="0"/>
+      </a:effectRef>
+      <a:fontRef idx="minor">
+        <a:schemeClr val="lt1"/>
+      </a:fontRef>
+    </dgm:style>
+  </dgm:styleLbl>
+  <dgm:styleLbl name="parChTrans2D4">
+    <dgm:scene3d>
+      <a:camera prst="orthographicFront"/>
+      <a:lightRig rig="threePt" dir="t"/>
+    </dgm:scene3d>
+    <dgm:sp3d/>
+    <dgm:txPr/>
+    <dgm:style>
+      <a:lnRef idx="2">
+        <a:scrgbClr r="0" g="0" b="0"/>
+      </a:lnRef>
+      <a:fillRef idx="1">
+        <a:scrgbClr r="0" g="0" b="0"/>
+      </a:fillRef>
+      <a:effectRef idx="0">
+        <a:scrgbClr r="0" g="0" b="0"/>
+      </a:effectRef>
+      <a:fontRef idx="minor">
+        <a:schemeClr val="lt1"/>
+      </a:fontRef>
+    </dgm:style>
+  </dgm:styleLbl>
+  <dgm:styleLbl name="parChTrans1D1">
+    <dgm:scene3d>
+      <a:camera prst="orthographicFront"/>
+      <a:lightRig rig="threePt" dir="t"/>
+    </dgm:scene3d>
+    <dgm:sp3d/>
+    <dgm:txPr/>
+    <dgm:style>
+      <a:lnRef idx="2">
+        <a:scrgbClr r="0" g="0" b="0"/>
+      </a:lnRef>
+      <a:fillRef idx="0">
+        <a:scrgbClr r="0" g="0" b="0"/>
+      </a:fillRef>
+      <a:effectRef idx="0">
+        <a:scrgbClr r="0" g="0" b="0"/>
+      </a:effectRef>
+      <a:fontRef idx="minor"/>
+    </dgm:style>
+  </dgm:styleLbl>
+  <dgm:styleLbl name="parChTrans1D2">
+    <dgm:scene3d>
+      <a:camera prst="orthographicFront"/>
+      <a:lightRig rig="threePt" dir="t"/>
+    </dgm:scene3d>
+    <dgm:sp3d/>
+    <dgm:txPr/>
+    <dgm:style>
+      <a:lnRef idx="2">
+        <a:scrgbClr r="0" g="0" b="0"/>
+      </a:lnRef>
+      <a:fillRef idx="0">
+        <a:scrgbClr r="0" g="0" b="0"/>
+      </a:fillRef>
+      <a:effectRef idx="0">
+        <a:scrgbClr r="0" g="0" b="0"/>
+      </a:effectRef>
+      <a:fontRef idx="minor"/>
+    </dgm:style>
+  </dgm:styleLbl>
+  <dgm:styleLbl name="parChTrans1D3">
+    <dgm:scene3d>
+      <a:camera prst="orthographicFront"/>
+      <a:lightRig rig="threePt" dir="t"/>
+    </dgm:scene3d>
+    <dgm:sp3d/>
+    <dgm:txPr/>
+    <dgm:style>
+      <a:lnRef idx="2">
+        <a:scrgbClr r="0" g="0" b="0"/>
+      </a:lnRef>
+      <a:fillRef idx="0">
+        <a:scrgbClr r="0" g="0" b="0"/>
+      </a:fillRef>
+      <a:effectRef idx="0">
+        <a:scrgbClr r="0" g="0" b="0"/>
+      </a:effectRef>
+      <a:fontRef idx="minor"/>
+    </dgm:style>
+  </dgm:styleLbl>
+  <dgm:styleLbl name="parChTrans1D4">
+    <dgm:scene3d>
+      <a:camera prst="orthographicFront"/>
+      <a:lightRig rig="threePt" dir="t"/>
+    </dgm:scene3d>
+    <dgm:sp3d/>
+    <dgm:txPr/>
+    <dgm:style>
+      <a:lnRef idx="2">
+        <a:scrgbClr r="0" g="0" b="0"/>
+      </a:lnRef>
+      <a:fillRef idx="0">
+        <a:scrgbClr r="0" g="0" b="0"/>
+      </a:fillRef>
+      <a:effectRef idx="0">
+        <a:scrgbClr r="0" g="0" b="0"/>
+      </a:effectRef>
+      <a:fontRef idx="minor"/>
+    </dgm:style>
+  </dgm:styleLbl>
+  <dgm:styleLbl name="fgAcc1">
+    <dgm:scene3d>
+      <a:camera prst="orthographicFront"/>
+      <a:lightRig rig="threePt" dir="t"/>
+    </dgm:scene3d>
+    <dgm:sp3d/>
+    <dgm:txPr/>
+    <dgm:style>
+      <a:lnRef idx="2">
+        <a:scrgbClr r="0" g="0" b="0"/>
+      </a:lnRef>
+      <a:fillRef idx="1">
+        <a:scrgbClr r="0" g="0" b="0"/>
+      </a:fillRef>
+      <a:effectRef idx="0">
+        <a:scrgbClr r="0" g="0" b="0"/>
+      </a:effectRef>
+      <a:fontRef idx="minor"/>
+    </dgm:style>
+  </dgm:styleLbl>
+  <dgm:styleLbl name="conFgAcc1">
+    <dgm:scene3d>
+      <a:camera prst="orthographicFront"/>
+      <a:lightRig rig="threePt" dir="t"/>
+    </dgm:scene3d>
+    <dgm:sp3d/>
+    <dgm:txPr/>
+    <dgm:style>
+      <a:lnRef idx="2">
+        <a:scrgbClr r="0" g="0" b="0"/>
+      </a:lnRef>
+      <a:fillRef idx="1">
+        <a:scrgbClr r="0" g="0" b="0"/>
+      </a:fillRef>
+      <a:effectRef idx="0">
+        <a:scrgbClr r="0" g="0" b="0"/>
+      </a:effectRef>
+      <a:fontRef idx="minor"/>
+    </dgm:style>
+  </dgm:styleLbl>
+  <dgm:styleLbl name="alignAcc1">
+    <dgm:scene3d>
+      <a:camera prst="orthographicFront"/>
+      <a:lightRig rig="threePt" dir="t"/>
+    </dgm:scene3d>
+    <dgm:sp3d/>
+    <dgm:txPr/>
+    <dgm:style>
+      <a:lnRef idx="2">
+        <a:scrgbClr r="0" g="0" b="0"/>
+      </a:lnRef>
+      <a:fillRef idx="1">
+        <a:scrgbClr r="0" g="0" b="0"/>
+      </a:fillRef>
+      <a:effectRef idx="0">
+        <a:scrgbClr r="0" g="0" b="0"/>
+      </a:effectRef>
+      <a:fontRef idx="minor"/>
+    </dgm:style>
+  </dgm:styleLbl>
+  <dgm:styleLbl name="trAlignAcc1">
+    <dgm:scene3d>
+      <a:camera prst="orthographicFront"/>
+      <a:lightRig rig="threePt" dir="t"/>
+    </dgm:scene3d>
+    <dgm:sp3d/>
+    <dgm:txPr/>
+    <dgm:style>
+      <a:lnRef idx="1">
+        <a:scrgbClr r="0" g="0" b="0"/>
+      </a:lnRef>
+      <a:fillRef idx="1">
+        <a:scrgbClr r="0" g="0" b="0"/>
+      </a:fillRef>
+      <a:effectRef idx="0">
+        <a:scrgbClr r="0" g="0" b="0"/>
+      </a:effectRef>
+      <a:fontRef idx="minor"/>
+    </dgm:style>
+  </dgm:styleLbl>
+  <dgm:styleLbl name="bgAcc1">
+    <dgm:scene3d>
+      <a:camera prst="orthographicFront"/>
+      <a:lightRig rig="threePt" dir="t"/>
+    </dgm:scene3d>
+    <dgm:sp3d/>
+    <dgm:txPr/>
+    <dgm:style>
+      <a:lnRef idx="2">
+        <a:scrgbClr r="0" g="0" b="0"/>
+      </a:lnRef>
+      <a:fillRef idx="1">
+        <a:scrgbClr r="0" g="0" b="0"/>
+      </a:fillRef>
+      <a:effectRef idx="0">
+        <a:scrgbClr r="0" g="0" b="0"/>
+      </a:effectRef>
+      <a:fontRef idx="minor"/>
+    </dgm:style>
+  </dgm:styleLbl>
+  <dgm:styleLbl name="solidFgAcc1">
+    <dgm:scene3d>
+      <a:camera prst="orthographicFront"/>
+      <a:lightRig rig="threePt" dir="t"/>
+    </dgm:scene3d>
+    <dgm:sp3d/>
+    <dgm:txPr/>
+    <dgm:style>
+      <a:lnRef idx="2">
+        <a:scrgbClr r="0" g="0" b="0"/>
+      </a:lnRef>
+      <a:fillRef idx="1">
+        <a:scrgbClr r="0" g="0" b="0"/>
+      </a:fillRef>
+      <a:effectRef idx="0">
+        <a:scrgbClr r="0" g="0" b="0"/>
+      </a:effectRef>
+      <a:fontRef idx="minor"/>
+    </dgm:style>
+  </dgm:styleLbl>
+  <dgm:styleLbl name="solidAlignAcc1">
+    <dgm:scene3d>
+      <a:camera prst="orthographicFront"/>
+      <a:lightRig rig="threePt" dir="t"/>
+    </dgm:scene3d>
+    <dgm:sp3d/>
+    <dgm:txPr/>
+    <dgm:style>
+      <a:lnRef idx="2">
+        <a:scrgbClr r="0" g="0" b="0"/>
+      </a:lnRef>
+      <a:fillRef idx="1">
+        <a:scrgbClr r="0" g="0" b="0"/>
+      </a:fillRef>
+      <a:effectRef idx="0">
+        <a:scrgbClr r="0" g="0" b="0"/>
+      </a:effectRef>
+      <a:fontRef idx="minor"/>
+    </dgm:style>
+  </dgm:styleLbl>
+  <dgm:styleLbl name="solidBgAcc1">
+    <dgm:scene3d>
+      <a:camera prst="orthographicFront"/>
+      <a:lightRig rig="threePt" dir="t"/>
+    </dgm:scene3d>
+    <dgm:sp3d/>
+    <dgm:txPr/>
+    <dgm:style>
+      <a:lnRef idx="2">
+        <a:scrgbClr r="0" g="0" b="0"/>
+      </a:lnRef>
+      <a:fillRef idx="1">
+        <a:scrgbClr r="0" g="0" b="0"/>
+      </a:fillRef>
+      <a:effectRef idx="0">
+        <a:scrgbClr r="0" g="0" b="0"/>
+      </a:effectRef>
+      <a:fontRef idx="minor"/>
+    </dgm:style>
+  </dgm:styleLbl>
+  <dgm:styleLbl name="fgAccFollowNode1">
+    <dgm:scene3d>
+      <a:camera prst="orthographicFront"/>
+      <a:lightRig rig="threePt" dir="t"/>
+    </dgm:scene3d>
+    <dgm:sp3d/>
+    <dgm:txPr/>
+    <dgm:style>
+      <a:lnRef idx="2">
+        <a:scrgbClr r="0" g="0" b="0"/>
+      </a:lnRef>
+      <a:fillRef idx="1">
+        <a:scrgbClr r="0" g="0" b="0"/>
+      </a:fillRef>
+      <a:effectRef idx="0">
+        <a:scrgbClr r="0" g="0" b="0"/>
+      </a:effectRef>
+      <a:fontRef idx="minor"/>
+    </dgm:style>
+  </dgm:styleLbl>
+  <dgm:styleLbl name="alignAccFollowNode1">
+    <dgm:scene3d>
+      <a:camera prst="orthographicFront"/>
+      <a:lightRig rig="threePt" dir="t"/>
+    </dgm:scene3d>
+    <dgm:sp3d/>
+    <dgm:txPr/>
+    <dgm:style>
+      <a:lnRef idx="2">
+        <a:scrgbClr r="0" g="0" b="0"/>
+      </a:lnRef>
+      <a:fillRef idx="1">
+        <a:scrgbClr r="0" g="0" b="0"/>
+      </a:fillRef>
+      <a:effectRef idx="0">
+        <a:scrgbClr r="0" g="0" b="0"/>
+      </a:effectRef>
+      <a:fontRef idx="minor"/>
+    </dgm:style>
+  </dgm:styleLbl>
+  <dgm:styleLbl name="bgAccFollowNode1">
+    <dgm:scene3d>
+      <a:camera prst="orthographicFront"/>
+      <a:lightRig rig="threePt" dir="t"/>
+    </dgm:scene3d>
+    <dgm:sp3d/>
+    <dgm:txPr/>
+    <dgm:style>
+      <a:lnRef idx="2">
+        <a:scrgbClr r="0" g="0" b="0"/>
+      </a:lnRef>
+      <a:fillRef idx="1">
+        <a:scrgbClr r="0" g="0" b="0"/>
+      </a:fillRef>
+      <a:effectRef idx="0">
+        <a:scrgbClr r="0" g="0" b="0"/>
+      </a:effectRef>
+      <a:fontRef idx="minor"/>
+    </dgm:style>
+  </dgm:styleLbl>
+  <dgm:styleLbl name="fgAcc0">
+    <dgm:scene3d>
+      <a:camera prst="orthographicFront"/>
+      <a:lightRig rig="threePt" dir="t"/>
+    </dgm:scene3d>
+    <dgm:sp3d/>
+    <dgm:txPr/>
+    <dgm:style>
+      <a:lnRef idx="2">
+        <a:scrgbClr r="0" g="0" b="0"/>
+      </a:lnRef>
+      <a:fillRef idx="1">
+        <a:scrgbClr r="0" g="0" b="0"/>
+      </a:fillRef>
+      <a:effectRef idx="0">
+        <a:scrgbClr r="0" g="0" b="0"/>
+      </a:effectRef>
+      <a:fontRef idx="minor"/>
+    </dgm:style>
+  </dgm:styleLbl>
+  <dgm:styleLbl name="fgAcc2">
+    <dgm:scene3d>
+      <a:camera prst="orthographicFront"/>
+      <a:lightRig rig="threePt" dir="t"/>
+    </dgm:scene3d>
+    <dgm:sp3d/>
+    <dgm:txPr/>
+    <dgm:style>
+      <a:lnRef idx="2">
+        <a:scrgbClr r="0" g="0" b="0"/>
+      </a:lnRef>
+      <a:fillRef idx="1">
+        <a:scrgbClr r="0" g="0" b="0"/>
+      </a:fillRef>
+      <a:effectRef idx="0">
+        <a:scrgbClr r="0" g="0" b="0"/>
+      </a:effectRef>
+      <a:fontRef idx="minor"/>
+    </dgm:style>
+  </dgm:styleLbl>
+  <dgm:styleLbl name="fgAcc3">
+    <dgm:scene3d>
+      <a:camera prst="orthographicFront"/>
+      <a:lightRig rig="threePt" dir="t"/>
+    </dgm:scene3d>
+    <dgm:sp3d/>
+    <dgm:txPr/>
+    <dgm:style>
+      <a:lnRef idx="2">
+        <a:scrgbClr r="0" g="0" b="0"/>
+      </a:lnRef>
+      <a:fillRef idx="1">
+        <a:scrgbClr r="0" g="0" b="0"/>
+      </a:fillRef>
+      <a:effectRef idx="0">
+        <a:scrgbClr r="0" g="0" b="0"/>
+      </a:effectRef>
+      <a:fontRef idx="minor"/>
+    </dgm:style>
+  </dgm:styleLbl>
+  <dgm:styleLbl name="fgAcc4">
+    <dgm:scene3d>
+      <a:camera prst="orthographicFront"/>
+      <a:lightRig rig="threePt" dir="t"/>
+    </dgm:scene3d>
+    <dgm:sp3d/>
+    <dgm:txPr/>
+    <dgm:style>
+      <a:lnRef idx="2">
+        <a:scrgbClr r="0" g="0" b="0"/>
+      </a:lnRef>
+      <a:fillRef idx="1">
+        <a:scrgbClr r="0" g="0" b="0"/>
+      </a:fillRef>
+      <a:effectRef idx="0">
+        <a:scrgbClr r="0" g="0" b="0"/>
+      </a:effectRef>
+      <a:fontRef idx="minor"/>
+    </dgm:style>
+  </dgm:styleLbl>
+  <dgm:styleLbl name="bgShp">
+    <dgm:scene3d>
+      <a:camera prst="orthographicFront"/>
+      <a:lightRig rig="threePt" dir="t"/>
+    </dgm:scene3d>
+    <dgm:sp3d/>
+    <dgm:txPr/>
+    <dgm:style>
+      <a:lnRef idx="0">
+        <a:scrgbClr r="0" g="0" b="0"/>
+      </a:lnRef>
+      <a:fillRef idx="1">
+        <a:scrgbClr r="0" g="0" b="0"/>
+      </a:fillRef>
+      <a:effectRef idx="0">
+        <a:scrgbClr r="0" g="0" b="0"/>
+      </a:effectRef>
+      <a:fontRef idx="minor"/>
+    </dgm:style>
+  </dgm:styleLbl>
+  <dgm:styleLbl name="dkBgShp">
+    <dgm:scene3d>
+      <a:camera prst="orthographicFront"/>
+      <a:lightRig rig="threePt" dir="t"/>
+    </dgm:scene3d>
+    <dgm:sp3d/>
+    <dgm:txPr/>
+    <dgm:style>
+      <a:lnRef idx="0">
+        <a:scrgbClr r="0" g="0" b="0"/>
+      </a:lnRef>
+      <a:fillRef idx="1">
+        <a:scrgbClr r="0" g="0" b="0"/>
+      </a:fillRef>
+      <a:effectRef idx="0">
+        <a:scrgbClr r="0" g="0" b="0"/>
+      </a:effectRef>
+      <a:fontRef idx="minor"/>
+    </dgm:style>
+  </dgm:styleLbl>
+  <dgm:styleLbl name="trBgShp">
+    <dgm:scene3d>
+      <a:camera prst="orthographicFront"/>
+      <a:lightRig rig="threePt" dir="t"/>
+    </dgm:scene3d>
+    <dgm:sp3d/>
+    <dgm:txPr/>
+    <dgm:style>
+      <a:lnRef idx="0">
+        <a:scrgbClr r="0" g="0" b="0"/>
+      </a:lnRef>
+      <a:fillRef idx="1">
+        <a:scrgbClr r="0" g="0" b="0"/>
+      </a:fillRef>
+      <a:effectRef idx="0">
+        <a:scrgbClr r="0" g="0" b="0"/>
+      </a:effectRef>
+      <a:fontRef idx="minor"/>
+    </dgm:style>
+  </dgm:styleLbl>
+  <dgm:styleLbl name="fgShp">
+    <dgm:scene3d>
+      <a:camera prst="orthographicFront"/>
+      <a:lightRig rig="threePt" dir="t"/>
+    </dgm:scene3d>
+    <dgm:sp3d/>
+    <dgm:txPr/>
+    <dgm:style>
+      <a:lnRef idx="2">
+        <a:scrgbClr r="0" g="0" b="0"/>
+      </a:lnRef>
+      <a:fillRef idx="1">
+        <a:scrgbClr r="0" g="0" b="0"/>
+      </a:fillRef>
+      <a:effectRef idx="0">
+        <a:scrgbClr r="0" g="0" b="0"/>
+      </a:effectRef>
+      <a:fontRef idx="minor"/>
+    </dgm:style>
+  </dgm:styleLbl>
+  <dgm:styleLbl name="revTx">
+    <dgm:scene3d>
+      <a:camera prst="orthographicFront"/>
+      <a:lightRig rig="threePt" dir="t"/>
+    </dgm:scene3d>
+    <dgm:sp3d/>
+    <dgm:txPr/>
+    <dgm:style>
+      <a:lnRef idx="0">
+        <a:scrgbClr r="0" g="0" b="0"/>
+      </a:lnRef>
+      <a:fillRef idx="0">
+        <a:scrgbClr r="0" g="0" b="0"/>
+      </a:fillRef>
+      <a:effectRef idx="0">
+        <a:scrgbClr r="0" g="0" b="0"/>
+      </a:effectRef>
+      <a:fontRef idx="minor"/>
+    </dgm:style>
+  </dgm:styleLbl>
+</dgm:styleDef>
 </file>
 
 <file path=ppt/handoutMasters/handoutMaster1.xml><?xml version="1.0" encoding="utf-8"?>
@@ -15254,6 +19204,424 @@
 </p:sld>
 </file>
 
+<file path=ppt/slides/slide10.xml><?xml version="1.0" encoding="utf-8"?>
+<p:sld xmlns:a="http://schemas.openxmlformats.org/drawingml/2006/main" xmlns:r="http://schemas.openxmlformats.org/officeDocument/2006/relationships" xmlns:p="http://schemas.openxmlformats.org/presentationml/2006/main">
+  <p:cSld>
+    <p:spTree>
+      <p:nvGrpSpPr>
+        <p:cNvPr id="1" name=""/>
+        <p:cNvGrpSpPr/>
+        <p:nvPr/>
+      </p:nvGrpSpPr>
+      <p:grpSpPr>
+        <a:xfrm>
+          <a:off x="0" y="0"/>
+          <a:ext cx="0" cy="0"/>
+          <a:chOff x="0" y="0"/>
+          <a:chExt cx="0" cy="0"/>
+        </a:xfrm>
+      </p:grpSpPr>
+      <p:sp>
+        <p:nvSpPr>
+          <p:cNvPr id="2" name="Título 1"/>
+          <p:cNvSpPr>
+            <a:spLocks noGrp="1"/>
+          </p:cNvSpPr>
+          <p:nvPr>
+            <p:ph type="title"/>
+          </p:nvPr>
+        </p:nvSpPr>
+        <p:spPr/>
+        <p:txBody>
+          <a:bodyPr/>
+          <a:lstStyle/>
+          <a:p>
+            <a:r>
+              <a:rPr lang="pt-BR" dirty="0" smtClean="0"/>
+              <a:t>Layout do título e conteúdo com SmartArt</a:t>
+            </a:r>
+            <a:endParaRPr lang="pt-BR" dirty="0"/>
+          </a:p>
+        </p:txBody>
+      </p:sp>
+      <p:graphicFrame>
+        <p:nvGraphicFramePr>
+          <p:cNvPr id="4" name="Espaço Reservado para Conteúdo 3" descr="Setas de Processo"/>
+          <p:cNvGraphicFramePr>
+            <a:graphicFrameLocks noGrp="1"/>
+          </p:cNvGraphicFramePr>
+          <p:nvPr>
+            <p:ph idx="1"/>
+            <p:extLst>
+              <p:ext uri="{D42A27DB-BD31-4B8C-83A1-F6EECF244321}">
+                <p14:modId xmlns:p14="http://schemas.microsoft.com/office/powerpoint/2010/main" val="1724712281"/>
+              </p:ext>
+            </p:extLst>
+          </p:nvPr>
+        </p:nvGraphicFramePr>
+        <p:xfrm>
+          <a:off x="1295402" y="1981201"/>
+          <a:ext cx="9601200" cy="3810000"/>
+        </p:xfrm>
+        <a:graphic>
+          <a:graphicData uri="http://schemas.openxmlformats.org/drawingml/2006/diagram">
+            <dgm:relIds xmlns:dgm="http://schemas.openxmlformats.org/drawingml/2006/diagram" xmlns:r="http://schemas.openxmlformats.org/officeDocument/2006/relationships" r:dm="rId2" r:lo="rId3" r:qs="rId4" r:cs="rId5"/>
+          </a:graphicData>
+        </a:graphic>
+      </p:graphicFrame>
+    </p:spTree>
+    <p:extLst>
+      <p:ext uri="{BB962C8B-B14F-4D97-AF65-F5344CB8AC3E}">
+        <p14:creationId xmlns:p14="http://schemas.microsoft.com/office/powerpoint/2010/main" val="2761515851"/>
+      </p:ext>
+    </p:extLst>
+  </p:cSld>
+  <p:clrMapOvr>
+    <a:masterClrMapping/>
+  </p:clrMapOvr>
+  <mc:AlternateContent xmlns:mc="http://schemas.openxmlformats.org/markup-compatibility/2006" xmlns:p14="http://schemas.microsoft.com/office/powerpoint/2010/main">
+    <mc:Choice Requires="p14">
+      <p:transition spd="med" p14:dur="700">
+        <p:fade/>
+      </p:transition>
+    </mc:Choice>
+    <mc:Fallback xmlns="">
+      <p:transition spd="med">
+        <p:fade/>
+      </p:transition>
+    </mc:Fallback>
+  </mc:AlternateContent>
+</p:sld>
+</file>
+
+<file path=ppt/slides/slide11.xml><?xml version="1.0" encoding="utf-8"?>
+<p:sld xmlns:a="http://schemas.openxmlformats.org/drawingml/2006/main" xmlns:r="http://schemas.openxmlformats.org/officeDocument/2006/relationships" xmlns:p="http://schemas.openxmlformats.org/presentationml/2006/main">
+  <p:cSld>
+    <p:spTree>
+      <p:nvGrpSpPr>
+        <p:cNvPr id="1" name=""/>
+        <p:cNvGrpSpPr/>
+        <p:nvPr/>
+      </p:nvGrpSpPr>
+      <p:grpSpPr>
+        <a:xfrm>
+          <a:off x="0" y="0"/>
+          <a:ext cx="0" cy="0"/>
+          <a:chOff x="0" y="0"/>
+          <a:chExt cx="0" cy="0"/>
+        </a:xfrm>
+      </p:grpSpPr>
+      <p:sp>
+        <p:nvSpPr>
+          <p:cNvPr id="2" name="Título 1"/>
+          <p:cNvSpPr>
+            <a:spLocks noGrp="1"/>
+          </p:cNvSpPr>
+          <p:nvPr>
+            <p:ph type="title"/>
+          </p:nvPr>
+        </p:nvSpPr>
+        <p:spPr/>
+        <p:txBody>
+          <a:bodyPr/>
+          <a:lstStyle/>
+          <a:p>
+            <a:endParaRPr lang="pt-BR" dirty="0"/>
+          </a:p>
+        </p:txBody>
+      </p:sp>
+      <p:sp>
+        <p:nvSpPr>
+          <p:cNvPr id="3" name="Espaço Reservado para Texto 2"/>
+          <p:cNvSpPr>
+            <a:spLocks noGrp="1"/>
+          </p:cNvSpPr>
+          <p:nvPr>
+            <p:ph type="body" idx="1"/>
+          </p:nvPr>
+        </p:nvSpPr>
+        <p:spPr/>
+        <p:txBody>
+          <a:bodyPr/>
+          <a:lstStyle/>
+          <a:p>
+            <a:endParaRPr lang="pt-BR" dirty="0"/>
+          </a:p>
+        </p:txBody>
+      </p:sp>
+      <p:sp>
+        <p:nvSpPr>
+          <p:cNvPr id="4" name="Espaço Reservado para Conteúdo 3"/>
+          <p:cNvSpPr>
+            <a:spLocks noGrp="1"/>
+          </p:cNvSpPr>
+          <p:nvPr>
+            <p:ph sz="half" idx="2"/>
+          </p:nvPr>
+        </p:nvSpPr>
+        <p:spPr/>
+        <p:txBody>
+          <a:bodyPr/>
+          <a:lstStyle/>
+          <a:p>
+            <a:endParaRPr lang="pt-BR" dirty="0"/>
+          </a:p>
+        </p:txBody>
+      </p:sp>
+      <p:sp>
+        <p:nvSpPr>
+          <p:cNvPr id="5" name="Espaço Reservado para Texto 4"/>
+          <p:cNvSpPr>
+            <a:spLocks noGrp="1"/>
+          </p:cNvSpPr>
+          <p:nvPr>
+            <p:ph type="body" sz="quarter" idx="3"/>
+          </p:nvPr>
+        </p:nvSpPr>
+        <p:spPr/>
+        <p:txBody>
+          <a:bodyPr/>
+          <a:lstStyle/>
+          <a:p>
+            <a:endParaRPr lang="pt-BR" dirty="0"/>
+          </a:p>
+        </p:txBody>
+      </p:sp>
+      <p:sp>
+        <p:nvSpPr>
+          <p:cNvPr id="6" name="Espaço Reservado para Conteúdo 5"/>
+          <p:cNvSpPr>
+            <a:spLocks noGrp="1"/>
+          </p:cNvSpPr>
+          <p:nvPr>
+            <p:ph sz="quarter" idx="4"/>
+          </p:nvPr>
+        </p:nvSpPr>
+        <p:spPr/>
+        <p:txBody>
+          <a:bodyPr/>
+          <a:lstStyle/>
+          <a:p>
+            <a:endParaRPr lang="pt-BR" dirty="0"/>
+          </a:p>
+        </p:txBody>
+      </p:sp>
+    </p:spTree>
+    <p:extLst>
+      <p:ext uri="{BB962C8B-B14F-4D97-AF65-F5344CB8AC3E}">
+        <p14:creationId xmlns:p14="http://schemas.microsoft.com/office/powerpoint/2010/main" val="2404365765"/>
+      </p:ext>
+    </p:extLst>
+  </p:cSld>
+  <p:clrMapOvr>
+    <a:masterClrMapping/>
+  </p:clrMapOvr>
+  <mc:AlternateContent xmlns:mc="http://schemas.openxmlformats.org/markup-compatibility/2006" xmlns:p14="http://schemas.microsoft.com/office/powerpoint/2010/main">
+    <mc:Choice Requires="p14">
+      <p:transition spd="med" p14:dur="700">
+        <p:fade/>
+      </p:transition>
+    </mc:Choice>
+    <mc:Fallback xmlns="">
+      <p:transition spd="med">
+        <p:fade/>
+      </p:transition>
+    </mc:Fallback>
+  </mc:AlternateContent>
+</p:sld>
+</file>
+
+<file path=ppt/slides/slide12.xml><?xml version="1.0" encoding="utf-8"?>
+<p:sld xmlns:a="http://schemas.openxmlformats.org/drawingml/2006/main" xmlns:r="http://schemas.openxmlformats.org/officeDocument/2006/relationships" xmlns:p="http://schemas.openxmlformats.org/presentationml/2006/main">
+  <p:cSld>
+    <p:spTree>
+      <p:nvGrpSpPr>
+        <p:cNvPr id="1" name=""/>
+        <p:cNvGrpSpPr/>
+        <p:nvPr/>
+      </p:nvGrpSpPr>
+      <p:grpSpPr>
+        <a:xfrm>
+          <a:off x="0" y="0"/>
+          <a:ext cx="0" cy="0"/>
+          <a:chOff x="0" y="0"/>
+          <a:chExt cx="0" cy="0"/>
+        </a:xfrm>
+      </p:grpSpPr>
+      <p:sp>
+        <p:nvSpPr>
+          <p:cNvPr id="2" name="Título 1"/>
+          <p:cNvSpPr>
+            <a:spLocks noGrp="1"/>
+          </p:cNvSpPr>
+          <p:nvPr>
+            <p:ph type="title"/>
+          </p:nvPr>
+        </p:nvSpPr>
+        <p:spPr/>
+        <p:txBody>
+          <a:bodyPr/>
+          <a:lstStyle/>
+          <a:p>
+            <a:endParaRPr lang="pt-BR" dirty="0"/>
+          </a:p>
+        </p:txBody>
+      </p:sp>
+      <p:sp>
+        <p:nvSpPr>
+          <p:cNvPr id="3" name="Espaço Reservado para Conteúdo 2"/>
+          <p:cNvSpPr>
+            <a:spLocks noGrp="1"/>
+          </p:cNvSpPr>
+          <p:nvPr>
+            <p:ph idx="1"/>
+          </p:nvPr>
+        </p:nvSpPr>
+        <p:spPr/>
+        <p:txBody>
+          <a:bodyPr/>
+          <a:lstStyle/>
+          <a:p>
+            <a:endParaRPr lang="pt-BR" dirty="0"/>
+          </a:p>
+        </p:txBody>
+      </p:sp>
+      <p:sp>
+        <p:nvSpPr>
+          <p:cNvPr id="4" name="Espaço Reservado para Texto 3"/>
+          <p:cNvSpPr>
+            <a:spLocks noGrp="1"/>
+          </p:cNvSpPr>
+          <p:nvPr>
+            <p:ph type="body" sz="half" idx="2"/>
+          </p:nvPr>
+        </p:nvSpPr>
+        <p:spPr/>
+        <p:txBody>
+          <a:bodyPr/>
+          <a:lstStyle/>
+          <a:p>
+            <a:endParaRPr lang="pt-BR" dirty="0"/>
+          </a:p>
+        </p:txBody>
+      </p:sp>
+    </p:spTree>
+    <p:extLst>
+      <p:ext uri="{BB962C8B-B14F-4D97-AF65-F5344CB8AC3E}">
+        <p14:creationId xmlns:p14="http://schemas.microsoft.com/office/powerpoint/2010/main" val="4101607575"/>
+      </p:ext>
+    </p:extLst>
+  </p:cSld>
+  <p:clrMapOvr>
+    <a:masterClrMapping/>
+  </p:clrMapOvr>
+  <mc:AlternateContent xmlns:mc="http://schemas.openxmlformats.org/markup-compatibility/2006" xmlns:p14="http://schemas.microsoft.com/office/powerpoint/2010/main">
+    <mc:Choice Requires="p14">
+      <p:transition spd="med" p14:dur="700">
+        <p:fade/>
+      </p:transition>
+    </mc:Choice>
+    <mc:Fallback xmlns="">
+      <p:transition spd="med">
+        <p:fade/>
+      </p:transition>
+    </mc:Fallback>
+  </mc:AlternateContent>
+</p:sld>
+</file>
+
+<file path=ppt/slides/slide13.xml><?xml version="1.0" encoding="utf-8"?>
+<p:sld xmlns:a="http://schemas.openxmlformats.org/drawingml/2006/main" xmlns:r="http://schemas.openxmlformats.org/officeDocument/2006/relationships" xmlns:p="http://schemas.openxmlformats.org/presentationml/2006/main">
+  <p:cSld>
+    <p:spTree>
+      <p:nvGrpSpPr>
+        <p:cNvPr id="1" name=""/>
+        <p:cNvGrpSpPr/>
+        <p:nvPr/>
+      </p:nvGrpSpPr>
+      <p:grpSpPr>
+        <a:xfrm>
+          <a:off x="0" y="0"/>
+          <a:ext cx="0" cy="0"/>
+          <a:chOff x="0" y="0"/>
+          <a:chExt cx="0" cy="0"/>
+        </a:xfrm>
+      </p:grpSpPr>
+      <p:sp>
+        <p:nvSpPr>
+          <p:cNvPr id="2" name="Espaço Reservado para Imagem 1"/>
+          <p:cNvSpPr>
+            <a:spLocks noGrp="1"/>
+          </p:cNvSpPr>
+          <p:nvPr>
+            <p:ph type="pic" idx="1"/>
+          </p:nvPr>
+        </p:nvSpPr>
+        <p:spPr/>
+      </p:sp>
+      <p:sp>
+        <p:nvSpPr>
+          <p:cNvPr id="3" name="Título 2"/>
+          <p:cNvSpPr>
+            <a:spLocks noGrp="1"/>
+          </p:cNvSpPr>
+          <p:nvPr>
+            <p:ph type="title"/>
+          </p:nvPr>
+        </p:nvSpPr>
+        <p:spPr/>
+        <p:txBody>
+          <a:bodyPr/>
+          <a:lstStyle/>
+          <a:p>
+            <a:endParaRPr lang="pt-BR" dirty="0"/>
+          </a:p>
+        </p:txBody>
+      </p:sp>
+      <p:sp>
+        <p:nvSpPr>
+          <p:cNvPr id="4" name="Espaço Reservado para Texto 3"/>
+          <p:cNvSpPr>
+            <a:spLocks noGrp="1"/>
+          </p:cNvSpPr>
+          <p:nvPr>
+            <p:ph type="body" sz="half" idx="2"/>
+          </p:nvPr>
+        </p:nvSpPr>
+        <p:spPr/>
+        <p:txBody>
+          <a:bodyPr/>
+          <a:lstStyle/>
+          <a:p>
+            <a:endParaRPr lang="pt-BR" dirty="0"/>
+          </a:p>
+        </p:txBody>
+      </p:sp>
+    </p:spTree>
+    <p:extLst>
+      <p:ext uri="{BB962C8B-B14F-4D97-AF65-F5344CB8AC3E}">
+        <p14:creationId xmlns:p14="http://schemas.microsoft.com/office/powerpoint/2010/main" val="2794409471"/>
+      </p:ext>
+    </p:extLst>
+  </p:cSld>
+  <p:clrMapOvr>
+    <a:masterClrMapping/>
+  </p:clrMapOvr>
+  <mc:AlternateContent xmlns:mc="http://schemas.openxmlformats.org/markup-compatibility/2006" xmlns:p14="http://schemas.microsoft.com/office/powerpoint/2010/main">
+    <mc:Choice Requires="p14">
+      <p:transition spd="med" p14:dur="700">
+        <p:fade/>
+      </p:transition>
+    </mc:Choice>
+    <mc:Fallback xmlns="">
+      <p:transition spd="med">
+        <p:fade/>
+      </p:transition>
+    </mc:Fallback>
+  </mc:AlternateContent>
+</p:sld>
+</file>
+
 <file path=ppt/slides/slide2.xml><?xml version="1.0" encoding="utf-8"?>
 <p:sld xmlns:a="http://schemas.openxmlformats.org/drawingml/2006/main" xmlns:r="http://schemas.openxmlformats.org/officeDocument/2006/relationships" xmlns:p="http://schemas.openxmlformats.org/presentationml/2006/main">
   <p:cSld>
@@ -15758,6 +20126,285 @@
           <a:chExt cx="0" cy="0"/>
         </a:xfrm>
       </p:grpSpPr>
+      <p:sp>
+        <p:nvSpPr>
+          <p:cNvPr id="2" name="Título 1"/>
+          <p:cNvSpPr>
+            <a:spLocks noGrp="1"/>
+          </p:cNvSpPr>
+          <p:nvPr>
+            <p:ph type="title"/>
+          </p:nvPr>
+        </p:nvSpPr>
+        <p:spPr/>
+        <p:txBody>
+          <a:bodyPr/>
+          <a:lstStyle/>
+          <a:p>
+            <a:r>
+              <a:rPr lang="pt-BR" dirty="0" smtClean="0"/>
+              <a:t>Alocação de Trabalho</a:t>
+            </a:r>
+            <a:endParaRPr lang="pt-BR" dirty="0"/>
+          </a:p>
+        </p:txBody>
+      </p:sp>
+      <p:sp>
+        <p:nvSpPr>
+          <p:cNvPr id="3" name="Espaço Reservado para Conteúdo 2"/>
+          <p:cNvSpPr>
+            <a:spLocks noGrp="1"/>
+          </p:cNvSpPr>
+          <p:nvPr>
+            <p:ph sz="half" idx="1"/>
+          </p:nvPr>
+        </p:nvSpPr>
+        <p:spPr/>
+        <p:txBody>
+          <a:bodyPr/>
+          <a:lstStyle/>
+          <a:p>
+            <a:r>
+              <a:rPr lang="pt-BR" b="1" dirty="0" smtClean="0"/>
+              <a:t>Programador Java: </a:t>
+            </a:r>
+            <a:r>
+              <a:rPr lang="pt-BR" dirty="0" smtClean="0"/>
+              <a:t>Desenvolvimento geral</a:t>
+            </a:r>
+            <a:endParaRPr lang="pt-BR" dirty="0" smtClean="0"/>
+          </a:p>
+          <a:p>
+            <a:r>
+              <a:rPr lang="pt-BR" b="1" dirty="0" smtClean="0"/>
+              <a:t>Programador de Banco de Dados: </a:t>
+            </a:r>
+            <a:r>
+              <a:rPr lang="pt-BR" dirty="0" smtClean="0"/>
+              <a:t>SQL e ligação com o bando</a:t>
+            </a:r>
+            <a:endParaRPr lang="pt-BR" dirty="0" smtClean="0"/>
+          </a:p>
+          <a:p>
+            <a:r>
+              <a:rPr lang="pt-BR" b="1" dirty="0" smtClean="0"/>
+              <a:t>Programador de Interface: </a:t>
+            </a:r>
+            <a:r>
+              <a:rPr lang="pt-BR" dirty="0" smtClean="0"/>
+              <a:t>Interface gráfica e de comunicação com o usuário.</a:t>
+            </a:r>
+            <a:endParaRPr lang="pt-BR" dirty="0" smtClean="0"/>
+          </a:p>
+        </p:txBody>
+      </p:sp>
+      <p:graphicFrame>
+        <p:nvGraphicFramePr>
+          <p:cNvPr id="5" name="Espaço Reservado para Conteúdo 4" descr="Tabela de amostra com 3 colunas, 4 linhas"/>
+          <p:cNvGraphicFramePr>
+            <a:graphicFrameLocks noGrp="1"/>
+          </p:cNvGraphicFramePr>
+          <p:nvPr>
+            <p:ph sz="half" idx="2"/>
+            <p:extLst>
+              <p:ext uri="{D42A27DB-BD31-4B8C-83A1-F6EECF244321}">
+                <p14:modId xmlns:p14="http://schemas.microsoft.com/office/powerpoint/2010/main" val="96633156"/>
+              </p:ext>
+            </p:extLst>
+          </p:nvPr>
+        </p:nvGraphicFramePr>
+        <p:xfrm>
+          <a:off x="6740767" y="1629508"/>
+          <a:ext cx="4296510" cy="3657600"/>
+        </p:xfrm>
+        <a:graphic>
+          <a:graphicData uri="http://schemas.openxmlformats.org/drawingml/2006/table">
+            <a:tbl>
+              <a:tblPr firstRow="1" bandRow="1">
+                <a:tableStyleId>{69012ECD-51FC-41F1-AA8D-1B2483CD663E}</a:tableStyleId>
+              </a:tblPr>
+              <a:tblGrid>
+                <a:gridCol w="2148255"/>
+                <a:gridCol w="2148255"/>
+              </a:tblGrid>
+              <a:tr h="914400">
+                <a:tc>
+                  <a:txBody>
+                    <a:bodyPr/>
+                    <a:lstStyle/>
+                    <a:p>
+                      <a:endParaRPr lang="pt-BR" sz="1800" noProof="0" dirty="0"/>
+                    </a:p>
+                  </a:txBody>
+                  <a:tcPr anchor="ctr"/>
+                </a:tc>
+                <a:tc>
+                  <a:txBody>
+                    <a:bodyPr/>
+                    <a:lstStyle/>
+                    <a:p>
+                      <a:pPr algn="ctr"/>
+                      <a:r>
+                        <a:rPr lang="pt-BR" sz="1800" noProof="0" dirty="0" smtClean="0"/>
+                        <a:t>Hora</a:t>
+                      </a:r>
+                      <a:r>
+                        <a:rPr lang="pt-BR" sz="1800" baseline="0" noProof="0" dirty="0" smtClean="0"/>
+                        <a:t>s por Ponto de Função</a:t>
+                      </a:r>
+                      <a:endParaRPr lang="pt-BR" sz="1800" noProof="0" dirty="0"/>
+                    </a:p>
+                  </a:txBody>
+                  <a:tcPr anchor="ctr"/>
+                </a:tc>
+              </a:tr>
+              <a:tr h="914400">
+                <a:tc>
+                  <a:txBody>
+                    <a:bodyPr/>
+                    <a:lstStyle/>
+                    <a:p>
+                      <a:r>
+                        <a:rPr lang="pt-BR" sz="1800" noProof="0" dirty="0" smtClean="0"/>
+                        <a:t>Programador Java</a:t>
+                      </a:r>
+                      <a:endParaRPr lang="pt-BR" sz="1800" noProof="0" dirty="0"/>
+                    </a:p>
+                  </a:txBody>
+                  <a:tcPr anchor="ctr"/>
+                </a:tc>
+                <a:tc>
+                  <a:txBody>
+                    <a:bodyPr/>
+                    <a:lstStyle/>
+                    <a:p>
+                      <a:pPr algn="ctr"/>
+                      <a:r>
+                        <a:rPr lang="pt-BR" sz="1800" noProof="0" dirty="0" smtClean="0"/>
+                        <a:t>6</a:t>
+                      </a:r>
+                      <a:endParaRPr lang="pt-BR" sz="1800" noProof="0" dirty="0"/>
+                    </a:p>
+                  </a:txBody>
+                  <a:tcPr anchor="ctr"/>
+                </a:tc>
+              </a:tr>
+              <a:tr h="914400">
+                <a:tc>
+                  <a:txBody>
+                    <a:bodyPr/>
+                    <a:lstStyle/>
+                    <a:p>
+                      <a:r>
+                        <a:rPr lang="pt-BR" sz="1800" noProof="0" dirty="0" smtClean="0"/>
+                        <a:t>Programador Banco</a:t>
+                      </a:r>
+                      <a:r>
+                        <a:rPr lang="pt-BR" sz="1800" baseline="0" noProof="0" dirty="0" smtClean="0"/>
+                        <a:t> de dados</a:t>
+                      </a:r>
+                      <a:endParaRPr lang="pt-BR" sz="1800" noProof="0" dirty="0"/>
+                    </a:p>
+                  </a:txBody>
+                  <a:tcPr anchor="ctr"/>
+                </a:tc>
+                <a:tc>
+                  <a:txBody>
+                    <a:bodyPr/>
+                    <a:lstStyle/>
+                    <a:p>
+                      <a:pPr algn="ctr"/>
+                      <a:r>
+                        <a:rPr lang="pt-BR" sz="1800" noProof="0" dirty="0" smtClean="0"/>
+                        <a:t>4</a:t>
+                      </a:r>
+                      <a:endParaRPr lang="pt-BR" sz="1800" noProof="0" dirty="0"/>
+                    </a:p>
+                  </a:txBody>
+                  <a:tcPr anchor="ctr"/>
+                </a:tc>
+              </a:tr>
+              <a:tr h="914400">
+                <a:tc>
+                  <a:txBody>
+                    <a:bodyPr/>
+                    <a:lstStyle/>
+                    <a:p>
+                      <a:r>
+                        <a:rPr lang="pt-BR" sz="1800" noProof="0" dirty="0" smtClean="0"/>
+                        <a:t>Programador</a:t>
+                      </a:r>
+                      <a:r>
+                        <a:rPr lang="pt-BR" sz="1800" baseline="0" noProof="0" dirty="0" smtClean="0"/>
+                        <a:t> Interface</a:t>
+                      </a:r>
+                      <a:endParaRPr lang="pt-BR" sz="1800" noProof="0" dirty="0"/>
+                    </a:p>
+                  </a:txBody>
+                  <a:tcPr anchor="ctr"/>
+                </a:tc>
+                <a:tc>
+                  <a:txBody>
+                    <a:bodyPr/>
+                    <a:lstStyle/>
+                    <a:p>
+                      <a:pPr algn="ctr"/>
+                      <a:r>
+                        <a:rPr lang="pt-BR" sz="1800" noProof="0" dirty="0" smtClean="0"/>
+                        <a:t>3</a:t>
+                      </a:r>
+                      <a:endParaRPr lang="pt-BR" sz="1800" noProof="0" dirty="0"/>
+                    </a:p>
+                  </a:txBody>
+                  <a:tcPr anchor="ctr"/>
+                </a:tc>
+              </a:tr>
+            </a:tbl>
+          </a:graphicData>
+        </a:graphic>
+      </p:graphicFrame>
+    </p:spTree>
+    <p:extLst>
+      <p:ext uri="{BB962C8B-B14F-4D97-AF65-F5344CB8AC3E}">
+        <p14:creationId xmlns:p14="http://schemas.microsoft.com/office/powerpoint/2010/main" val="2475092730"/>
+      </p:ext>
+    </p:extLst>
+  </p:cSld>
+  <p:clrMapOvr>
+    <a:masterClrMapping/>
+  </p:clrMapOvr>
+  <mc:AlternateContent xmlns:mc="http://schemas.openxmlformats.org/markup-compatibility/2006" xmlns:p14="http://schemas.microsoft.com/office/powerpoint/2010/main">
+    <mc:Choice Requires="p14">
+      <p:transition spd="med" p14:dur="700">
+        <p:fade/>
+      </p:transition>
+    </mc:Choice>
+    <mc:Fallback xmlns="">
+      <p:transition spd="med">
+        <p:fade/>
+      </p:transition>
+    </mc:Fallback>
+  </mc:AlternateContent>
+</p:sld>
+</file>
+
+<file path=ppt/slides/slide7.xml><?xml version="1.0" encoding="utf-8"?>
+<p:sld xmlns:a="http://schemas.openxmlformats.org/drawingml/2006/main" xmlns:r="http://schemas.openxmlformats.org/officeDocument/2006/relationships" xmlns:p="http://schemas.openxmlformats.org/presentationml/2006/main">
+  <p:cSld>
+    <p:spTree>
+      <p:nvGrpSpPr>
+        <p:cNvPr id="1" name=""/>
+        <p:cNvGrpSpPr/>
+        <p:nvPr/>
+      </p:nvGrpSpPr>
+      <p:grpSpPr>
+        <a:xfrm>
+          <a:off x="0" y="0"/>
+          <a:ext cx="0" cy="0"/>
+          <a:chOff x="0" y="0"/>
+          <a:chExt cx="0" cy="0"/>
+        </a:xfrm>
+      </p:grpSpPr>
       <p:pic>
         <p:nvPicPr>
           <p:cNvPr id="2" name="Imagem 1"/>
@@ -15792,6 +20439,410 @@
     <p:extLst>
       <p:ext uri="{BB962C8B-B14F-4D97-AF65-F5344CB8AC3E}">
         <p14:creationId xmlns:p14="http://schemas.microsoft.com/office/powerpoint/2010/main" val="1544302913"/>
+      </p:ext>
+    </p:extLst>
+  </p:cSld>
+  <p:clrMapOvr>
+    <a:masterClrMapping/>
+  </p:clrMapOvr>
+  <mc:AlternateContent xmlns:mc="http://schemas.openxmlformats.org/markup-compatibility/2006" xmlns:p14="http://schemas.microsoft.com/office/powerpoint/2010/main">
+    <mc:Choice Requires="p14">
+      <p:transition spd="med" p14:dur="700">
+        <p:fade/>
+      </p:transition>
+    </mc:Choice>
+    <mc:Fallback xmlns="">
+      <p:transition spd="med">
+        <p:fade/>
+      </p:transition>
+    </mc:Fallback>
+  </mc:AlternateContent>
+</p:sld>
+</file>
+
+<file path=ppt/slides/slide8.xml><?xml version="1.0" encoding="utf-8"?>
+<p:sld xmlns:a="http://schemas.openxmlformats.org/drawingml/2006/main" xmlns:r="http://schemas.openxmlformats.org/officeDocument/2006/relationships" xmlns:p="http://schemas.openxmlformats.org/presentationml/2006/main">
+  <p:cSld>
+    <p:spTree>
+      <p:nvGrpSpPr>
+        <p:cNvPr id="1" name=""/>
+        <p:cNvGrpSpPr/>
+        <p:nvPr/>
+      </p:nvGrpSpPr>
+      <p:grpSpPr>
+        <a:xfrm>
+          <a:off x="0" y="0"/>
+          <a:ext cx="0" cy="0"/>
+          <a:chOff x="0" y="0"/>
+          <a:chExt cx="0" cy="0"/>
+        </a:xfrm>
+      </p:grpSpPr>
+      <p:sp>
+        <p:nvSpPr>
+          <p:cNvPr id="2" name="Título 1"/>
+          <p:cNvSpPr>
+            <a:spLocks noGrp="1"/>
+          </p:cNvSpPr>
+          <p:nvPr>
+            <p:ph type="title"/>
+          </p:nvPr>
+        </p:nvSpPr>
+        <p:spPr/>
+        <p:txBody>
+          <a:bodyPr/>
+          <a:lstStyle/>
+          <a:p>
+            <a:r>
+              <a:rPr lang="pt-BR" dirty="0" smtClean="0"/>
+              <a:t>Layout do título e conteúdo com gráfico</a:t>
+            </a:r>
+            <a:endParaRPr lang="pt-BR" dirty="0"/>
+          </a:p>
+        </p:txBody>
+      </p:sp>
+      <p:graphicFrame>
+        <p:nvGraphicFramePr>
+          <p:cNvPr id="6" name="Espaço Reservado para Conteúdo 5" descr="Gráfico de colunas agrupadas"/>
+          <p:cNvGraphicFramePr>
+            <a:graphicFrameLocks noGrp="1"/>
+          </p:cNvGraphicFramePr>
+          <p:nvPr>
+            <p:ph idx="1"/>
+            <p:extLst>
+              <p:ext uri="{D42A27DB-BD31-4B8C-83A1-F6EECF244321}">
+                <p14:modId xmlns:p14="http://schemas.microsoft.com/office/powerpoint/2010/main" val="920940382"/>
+              </p:ext>
+            </p:extLst>
+          </p:nvPr>
+        </p:nvGraphicFramePr>
+        <p:xfrm>
+          <a:off x="1295402" y="1981201"/>
+          <a:ext cx="9601200" cy="3810000"/>
+        </p:xfrm>
+        <a:graphic>
+          <a:graphicData uri="http://schemas.openxmlformats.org/drawingml/2006/chart">
+            <c:chart xmlns:c="http://schemas.openxmlformats.org/drawingml/2006/chart" xmlns:r="http://schemas.openxmlformats.org/officeDocument/2006/relationships" r:id="rId2"/>
+          </a:graphicData>
+        </a:graphic>
+      </p:graphicFrame>
+    </p:spTree>
+    <p:extLst>
+      <p:ext uri="{BB962C8B-B14F-4D97-AF65-F5344CB8AC3E}">
+        <p14:creationId xmlns:p14="http://schemas.microsoft.com/office/powerpoint/2010/main" val="1476019738"/>
+      </p:ext>
+    </p:extLst>
+  </p:cSld>
+  <p:clrMapOvr>
+    <a:masterClrMapping/>
+  </p:clrMapOvr>
+  <mc:AlternateContent xmlns:mc="http://schemas.openxmlformats.org/markup-compatibility/2006" xmlns:p14="http://schemas.microsoft.com/office/powerpoint/2010/main">
+    <mc:Choice Requires="p14">
+      <p:transition spd="med" p14:dur="700">
+        <p:fade/>
+      </p:transition>
+    </mc:Choice>
+    <mc:Fallback xmlns="">
+      <p:transition spd="med">
+        <p:fade/>
+      </p:transition>
+    </mc:Fallback>
+  </mc:AlternateContent>
+</p:sld>
+</file>
+
+<file path=ppt/slides/slide9.xml><?xml version="1.0" encoding="utf-8"?>
+<p:sld xmlns:a="http://schemas.openxmlformats.org/drawingml/2006/main" xmlns:r="http://schemas.openxmlformats.org/officeDocument/2006/relationships" xmlns:p="http://schemas.openxmlformats.org/presentationml/2006/main">
+  <p:cSld>
+    <p:spTree>
+      <p:nvGrpSpPr>
+        <p:cNvPr id="1" name=""/>
+        <p:cNvGrpSpPr/>
+        <p:nvPr/>
+      </p:nvGrpSpPr>
+      <p:grpSpPr>
+        <a:xfrm>
+          <a:off x="0" y="0"/>
+          <a:ext cx="0" cy="0"/>
+          <a:chOff x="0" y="0"/>
+          <a:chExt cx="0" cy="0"/>
+        </a:xfrm>
+      </p:grpSpPr>
+      <p:sp>
+        <p:nvSpPr>
+          <p:cNvPr id="2" name="Título 1"/>
+          <p:cNvSpPr>
+            <a:spLocks noGrp="1"/>
+          </p:cNvSpPr>
+          <p:nvPr>
+            <p:ph type="title"/>
+          </p:nvPr>
+        </p:nvSpPr>
+        <p:spPr/>
+        <p:txBody>
+          <a:bodyPr/>
+          <a:lstStyle/>
+          <a:p>
+            <a:r>
+              <a:rPr lang="pt-BR" dirty="0" smtClean="0"/>
+              <a:t>Layout de conteúdo de duas partes com tabela</a:t>
+            </a:r>
+            <a:endParaRPr lang="pt-BR" dirty="0"/>
+          </a:p>
+        </p:txBody>
+      </p:sp>
+      <p:sp>
+        <p:nvSpPr>
+          <p:cNvPr id="3" name="Espaço Reservado para Conteúdo 2"/>
+          <p:cNvSpPr>
+            <a:spLocks noGrp="1"/>
+          </p:cNvSpPr>
+          <p:nvPr>
+            <p:ph sz="half" idx="1"/>
+          </p:nvPr>
+        </p:nvSpPr>
+        <p:spPr/>
+        <p:txBody>
+          <a:bodyPr/>
+          <a:lstStyle/>
+          <a:p>
+            <a:r>
+              <a:rPr lang="pt-BR" dirty="0" smtClean="0"/>
+              <a:t>Primeiro marcador aqui</a:t>
+            </a:r>
+          </a:p>
+          <a:p>
+            <a:r>
+              <a:rPr lang="pt-BR" dirty="0" smtClean="0"/>
+              <a:t>Segundo marcador aqui</a:t>
+            </a:r>
+          </a:p>
+          <a:p>
+            <a:r>
+              <a:rPr lang="pt-BR" dirty="0" smtClean="0"/>
+              <a:t>Terceiro marcador aqui</a:t>
+            </a:r>
+            <a:endParaRPr lang="pt-BR" dirty="0"/>
+          </a:p>
+        </p:txBody>
+      </p:sp>
+      <p:graphicFrame>
+        <p:nvGraphicFramePr>
+          <p:cNvPr id="5" name="Espaço Reservado para Conteúdo 4" descr="Tabela de amostra com 3 colunas, 4 linhas"/>
+          <p:cNvGraphicFramePr>
+            <a:graphicFrameLocks noGrp="1"/>
+          </p:cNvGraphicFramePr>
+          <p:nvPr>
+            <p:ph sz="half" idx="2"/>
+            <p:extLst>
+              <p:ext uri="{D42A27DB-BD31-4B8C-83A1-F6EECF244321}">
+                <p14:modId xmlns:p14="http://schemas.microsoft.com/office/powerpoint/2010/main" val="2671834102"/>
+              </p:ext>
+            </p:extLst>
+          </p:nvPr>
+        </p:nvGraphicFramePr>
+        <p:xfrm>
+          <a:off x="6324601" y="1981200"/>
+          <a:ext cx="4572000" cy="3657600"/>
+        </p:xfrm>
+        <a:graphic>
+          <a:graphicData uri="http://schemas.openxmlformats.org/drawingml/2006/table">
+            <a:tbl>
+              <a:tblPr firstRow="1" bandRow="1">
+                <a:tableStyleId>{69012ECD-51FC-41F1-AA8D-1B2483CD663E}</a:tableStyleId>
+              </a:tblPr>
+              <a:tblGrid>
+                <a:gridCol w="1524000"/>
+                <a:gridCol w="1524000"/>
+                <a:gridCol w="1524000"/>
+              </a:tblGrid>
+              <a:tr h="914400">
+                <a:tc>
+                  <a:txBody>
+                    <a:bodyPr/>
+                    <a:lstStyle/>
+                    <a:p>
+                      <a:endParaRPr lang="pt-BR" sz="1800" noProof="0" dirty="0"/>
+                    </a:p>
+                  </a:txBody>
+                  <a:tcPr anchor="ctr"/>
+                </a:tc>
+                <a:tc>
+                  <a:txBody>
+                    <a:bodyPr/>
+                    <a:lstStyle/>
+                    <a:p>
+                      <a:pPr algn="ctr"/>
+                      <a:r>
+                        <a:rPr lang="pt-BR" sz="1800" noProof="0" dirty="0" smtClean="0"/>
+                        <a:t>Grupo 1</a:t>
+                      </a:r>
+                      <a:endParaRPr lang="pt-BR" sz="1800" noProof="0" dirty="0"/>
+                    </a:p>
+                  </a:txBody>
+                  <a:tcPr anchor="ctr"/>
+                </a:tc>
+                <a:tc>
+                  <a:txBody>
+                    <a:bodyPr/>
+                    <a:lstStyle/>
+                    <a:p>
+                      <a:pPr algn="ctr"/>
+                      <a:r>
+                        <a:rPr lang="pt-BR" sz="1800" noProof="0" dirty="0" smtClean="0"/>
+                        <a:t>Grupo 2</a:t>
+                      </a:r>
+                      <a:endParaRPr lang="pt-BR" sz="1800" noProof="0" dirty="0"/>
+                    </a:p>
+                  </a:txBody>
+                  <a:tcPr anchor="ctr"/>
+                </a:tc>
+              </a:tr>
+              <a:tr h="914400">
+                <a:tc>
+                  <a:txBody>
+                    <a:bodyPr/>
+                    <a:lstStyle/>
+                    <a:p>
+                      <a:r>
+                        <a:rPr lang="pt-BR" sz="1800" noProof="0" dirty="0" smtClean="0"/>
+                        <a:t>Classe 1</a:t>
+                      </a:r>
+                      <a:endParaRPr lang="pt-BR" sz="1800" noProof="0" dirty="0"/>
+                    </a:p>
+                  </a:txBody>
+                  <a:tcPr anchor="ctr"/>
+                </a:tc>
+                <a:tc>
+                  <a:txBody>
+                    <a:bodyPr/>
+                    <a:lstStyle/>
+                    <a:p>
+                      <a:pPr algn="ctr"/>
+                      <a:r>
+                        <a:rPr lang="pt-BR" sz="1800" noProof="0" dirty="0" smtClean="0"/>
+                        <a:t>82</a:t>
+                      </a:r>
+                      <a:endParaRPr lang="pt-BR" sz="1800" noProof="0" dirty="0"/>
+                    </a:p>
+                  </a:txBody>
+                  <a:tcPr anchor="ctr"/>
+                </a:tc>
+                <a:tc>
+                  <a:txBody>
+                    <a:bodyPr/>
+                    <a:lstStyle/>
+                    <a:p>
+                      <a:pPr algn="ctr"/>
+                      <a:r>
+                        <a:rPr lang="pt-BR" sz="1800" noProof="0" dirty="0" smtClean="0"/>
+                        <a:t>95</a:t>
+                      </a:r>
+                      <a:endParaRPr lang="pt-BR" sz="1800" noProof="0" dirty="0"/>
+                    </a:p>
+                  </a:txBody>
+                  <a:tcPr anchor="ctr"/>
+                </a:tc>
+              </a:tr>
+              <a:tr h="914400">
+                <a:tc>
+                  <a:txBody>
+                    <a:bodyPr/>
+                    <a:lstStyle/>
+                    <a:p>
+                      <a:r>
+                        <a:rPr lang="pt-BR" sz="1800" noProof="0" dirty="0" smtClean="0"/>
+                        <a:t>Classe 2</a:t>
+                      </a:r>
+                      <a:endParaRPr lang="pt-BR" sz="1800" noProof="0" dirty="0"/>
+                    </a:p>
+                  </a:txBody>
+                  <a:tcPr anchor="ctr"/>
+                </a:tc>
+                <a:tc>
+                  <a:txBody>
+                    <a:bodyPr/>
+                    <a:lstStyle/>
+                    <a:p>
+                      <a:pPr algn="ctr"/>
+                      <a:r>
+                        <a:rPr lang="pt-BR" sz="1800" noProof="0" dirty="0" smtClean="0"/>
+                        <a:t>76</a:t>
+                      </a:r>
+                      <a:endParaRPr lang="pt-BR" sz="1800" noProof="0" dirty="0"/>
+                    </a:p>
+                  </a:txBody>
+                  <a:tcPr anchor="ctr"/>
+                </a:tc>
+                <a:tc>
+                  <a:txBody>
+                    <a:bodyPr/>
+                    <a:lstStyle/>
+                    <a:p>
+                      <a:pPr algn="ctr"/>
+                      <a:r>
+                        <a:rPr lang="pt-BR" sz="1800" noProof="0" dirty="0" smtClean="0"/>
+                        <a:t>88</a:t>
+                      </a:r>
+                      <a:endParaRPr lang="pt-BR" sz="1800" noProof="0" dirty="0"/>
+                    </a:p>
+                  </a:txBody>
+                  <a:tcPr anchor="ctr"/>
+                </a:tc>
+              </a:tr>
+              <a:tr h="914400">
+                <a:tc>
+                  <a:txBody>
+                    <a:bodyPr/>
+                    <a:lstStyle/>
+                    <a:p>
+                      <a:r>
+                        <a:rPr lang="pt-BR" sz="1800" noProof="0" dirty="0" smtClean="0"/>
+                        <a:t>Classe 3</a:t>
+                      </a:r>
+                      <a:endParaRPr lang="pt-BR" sz="1800" noProof="0" dirty="0"/>
+                    </a:p>
+                  </a:txBody>
+                  <a:tcPr anchor="ctr"/>
+                </a:tc>
+                <a:tc>
+                  <a:txBody>
+                    <a:bodyPr/>
+                    <a:lstStyle/>
+                    <a:p>
+                      <a:pPr algn="ctr"/>
+                      <a:r>
+                        <a:rPr lang="pt-BR" sz="1800" noProof="0" dirty="0" smtClean="0"/>
+                        <a:t>84</a:t>
+                      </a:r>
+                      <a:endParaRPr lang="pt-BR" sz="1800" noProof="0" dirty="0"/>
+                    </a:p>
+                  </a:txBody>
+                  <a:tcPr anchor="ctr"/>
+                </a:tc>
+                <a:tc>
+                  <a:txBody>
+                    <a:bodyPr/>
+                    <a:lstStyle/>
+                    <a:p>
+                      <a:pPr algn="ctr"/>
+                      <a:r>
+                        <a:rPr lang="pt-BR" sz="1800" noProof="0" dirty="0" smtClean="0"/>
+                        <a:t>90</a:t>
+                      </a:r>
+                      <a:endParaRPr lang="pt-BR" sz="1800" noProof="0" dirty="0"/>
+                    </a:p>
+                  </a:txBody>
+                  <a:tcPr anchor="ctr"/>
+                </a:tc>
+              </a:tr>
+            </a:tbl>
+          </a:graphicData>
+        </a:graphic>
+      </p:graphicFrame>
+    </p:spTree>
+    <p:extLst>
+      <p:ext uri="{BB962C8B-B14F-4D97-AF65-F5344CB8AC3E}">
+        <p14:creationId xmlns:p14="http://schemas.microsoft.com/office/powerpoint/2010/main" val="2318277931"/>
       </p:ext>
     </p:extLst>
   </p:cSld>

--- a/Apresentação - Estimativas .pptx
+++ b/Apresentação - Estimativas .pptx
@@ -5,10 +5,10 @@
     <p:sldMasterId id="2147483648" r:id="rId2"/>
   </p:sldMasterIdLst>
   <p:notesMasterIdLst>
-    <p:notesMasterId r:id="rId16"/>
+    <p:notesMasterId r:id="rId17"/>
   </p:notesMasterIdLst>
   <p:handoutMasterIdLst>
-    <p:handoutMasterId r:id="rId17"/>
+    <p:handoutMasterId r:id="rId18"/>
   </p:handoutMasterIdLst>
   <p:sldIdLst>
     <p:sldId id="265" r:id="rId3"/>
@@ -16,14 +16,15 @@
     <p:sldId id="267" r:id="rId5"/>
     <p:sldId id="257" r:id="rId6"/>
     <p:sldId id="271" r:id="rId7"/>
-    <p:sldId id="263" r:id="rId8"/>
-    <p:sldId id="268" r:id="rId9"/>
-    <p:sldId id="262" r:id="rId10"/>
-    <p:sldId id="273" r:id="rId11"/>
-    <p:sldId id="264" r:id="rId12"/>
-    <p:sldId id="272" r:id="rId13"/>
-    <p:sldId id="269" r:id="rId14"/>
-    <p:sldId id="270" r:id="rId15"/>
+    <p:sldId id="275" r:id="rId8"/>
+    <p:sldId id="263" r:id="rId9"/>
+    <p:sldId id="268" r:id="rId10"/>
+    <p:sldId id="262" r:id="rId11"/>
+    <p:sldId id="273" r:id="rId12"/>
+    <p:sldId id="264" r:id="rId13"/>
+    <p:sldId id="272" r:id="rId14"/>
+    <p:sldId id="269" r:id="rId15"/>
+    <p:sldId id="270" r:id="rId16"/>
   </p:sldIdLst>
   <p:sldSz cx="12192000" cy="6858000"/>
   <p:notesSz cx="6858000" cy="9144000"/>
@@ -124,7 +125,7 @@
   </p:defaultTextStyle>
   <p:extLst>
     <p:ext uri="{EFAFB233-063F-42B5-8137-9DF3F51BA10A}">
-      <p15:sldGuideLst xmlns="" xmlns:p15="http://schemas.microsoft.com/office/powerpoint/2012/main">
+      <p15:sldGuideLst xmlns:p15="http://schemas.microsoft.com/office/powerpoint/2012/main" xmlns="">
         <p15:guide id="1" pos="3840" userDrawn="1">
           <p15:clr>
             <a:srgbClr val="A4A3A4"/>
@@ -138,7 +139,7 @@
       </p15:sldGuideLst>
     </p:ext>
     <p:ext uri="{2D200454-40CA-4A62-9FC3-DE9A4176ACB9}">
-      <p15:notesGuideLst xmlns="" xmlns:p15="http://schemas.microsoft.com/office/powerpoint/2012/main"/>
+      <p15:notesGuideLst xmlns:p15="http://schemas.microsoft.com/office/powerpoint/2012/main" xmlns=""/>
     </p:ext>
   </p:extLst>
 </p:presentation>
@@ -377,11 +378,11 @@
         </c:dLbls>
         <c:gapWidth val="75"/>
         <c:overlap val="-25"/>
-        <c:axId val="116737536"/>
-        <c:axId val="70788800"/>
+        <c:axId val="130334208"/>
+        <c:axId val="40418624"/>
       </c:barChart>
       <c:catAx>
-        <c:axId val="116737536"/>
+        <c:axId val="130334208"/>
         <c:scaling>
           <c:orientation val="minMax"/>
         </c:scaling>
@@ -424,7 +425,7 @@
             <a:endParaRPr lang="pt-BR"/>
           </a:p>
         </c:txPr>
-        <c:crossAx val="70788800"/>
+        <c:crossAx val="40418624"/>
         <c:crosses val="autoZero"/>
         <c:auto val="1"/>
         <c:lblAlgn val="ctr"/>
@@ -432,7 +433,7 @@
         <c:noMultiLvlLbl val="0"/>
       </c:catAx>
       <c:valAx>
-        <c:axId val="70788800"/>
+        <c:axId val="40418624"/>
         <c:scaling>
           <c:orientation val="minMax"/>
         </c:scaling>
@@ -483,7 +484,7 @@
             <a:endParaRPr lang="pt-BR"/>
           </a:p>
         </c:txPr>
-        <c:crossAx val="116737536"/>
+        <c:crossAx val="130334208"/>
         <c:crosses val="autoZero"/>
         <c:crossBetween val="between"/>
       </c:valAx>
@@ -19092,7 +19093,7 @@
   </p:txStyles>
   <p:extLst mod="1">
     <p:ext uri="{27BBF7A9-308A-43DC-89C8-2F10F3537804}">
-      <p15:sldGuideLst xmlns="" xmlns:p15="http://schemas.microsoft.com/office/powerpoint/2012/main">
+      <p15:sldGuideLst xmlns:p15="http://schemas.microsoft.com/office/powerpoint/2012/main" xmlns="">
         <p15:guide id="1" orient="horz" pos="2160" userDrawn="1">
           <p15:clr>
             <a:srgbClr val="F26B43"/>
@@ -19238,6 +19239,320 @@
           <a:p>
             <a:r>
               <a:rPr lang="pt-BR" dirty="0" smtClean="0"/>
+              <a:t>Layout de conteúdo de duas partes com tabela</a:t>
+            </a:r>
+            <a:endParaRPr lang="pt-BR" dirty="0"/>
+          </a:p>
+        </p:txBody>
+      </p:sp>
+      <p:sp>
+        <p:nvSpPr>
+          <p:cNvPr id="3" name="Espaço Reservado para Conteúdo 2"/>
+          <p:cNvSpPr>
+            <a:spLocks noGrp="1"/>
+          </p:cNvSpPr>
+          <p:nvPr>
+            <p:ph sz="half" idx="1"/>
+          </p:nvPr>
+        </p:nvSpPr>
+        <p:spPr/>
+        <p:txBody>
+          <a:bodyPr/>
+          <a:lstStyle/>
+          <a:p>
+            <a:r>
+              <a:rPr lang="pt-BR" dirty="0" smtClean="0"/>
+              <a:t>Primeiro marcador aqui</a:t>
+            </a:r>
+          </a:p>
+          <a:p>
+            <a:r>
+              <a:rPr lang="pt-BR" dirty="0" smtClean="0"/>
+              <a:t>Segundo marcador aqui</a:t>
+            </a:r>
+          </a:p>
+          <a:p>
+            <a:r>
+              <a:rPr lang="pt-BR" dirty="0" smtClean="0"/>
+              <a:t>Terceiro marcador aqui</a:t>
+            </a:r>
+            <a:endParaRPr lang="pt-BR" dirty="0"/>
+          </a:p>
+        </p:txBody>
+      </p:sp>
+      <p:graphicFrame>
+        <p:nvGraphicFramePr>
+          <p:cNvPr id="5" name="Espaço Reservado para Conteúdo 4" descr="Tabela de amostra com 3 colunas, 4 linhas"/>
+          <p:cNvGraphicFramePr>
+            <a:graphicFrameLocks noGrp="1"/>
+          </p:cNvGraphicFramePr>
+          <p:nvPr>
+            <p:ph sz="half" idx="2"/>
+            <p:extLst>
+              <p:ext uri="{D42A27DB-BD31-4B8C-83A1-F6EECF244321}">
+                <p14:modId xmlns:p14="http://schemas.microsoft.com/office/powerpoint/2010/main" val="2671834102"/>
+              </p:ext>
+            </p:extLst>
+          </p:nvPr>
+        </p:nvGraphicFramePr>
+        <p:xfrm>
+          <a:off x="6324601" y="1981200"/>
+          <a:ext cx="4572000" cy="3657600"/>
+        </p:xfrm>
+        <a:graphic>
+          <a:graphicData uri="http://schemas.openxmlformats.org/drawingml/2006/table">
+            <a:tbl>
+              <a:tblPr firstRow="1" bandRow="1">
+                <a:tableStyleId>{69012ECD-51FC-41F1-AA8D-1B2483CD663E}</a:tableStyleId>
+              </a:tblPr>
+              <a:tblGrid>
+                <a:gridCol w="1524000"/>
+                <a:gridCol w="1524000"/>
+                <a:gridCol w="1524000"/>
+              </a:tblGrid>
+              <a:tr h="914400">
+                <a:tc>
+                  <a:txBody>
+                    <a:bodyPr/>
+                    <a:lstStyle/>
+                    <a:p>
+                      <a:endParaRPr lang="pt-BR" sz="1800" noProof="0" dirty="0"/>
+                    </a:p>
+                  </a:txBody>
+                  <a:tcPr anchor="ctr"/>
+                </a:tc>
+                <a:tc>
+                  <a:txBody>
+                    <a:bodyPr/>
+                    <a:lstStyle/>
+                    <a:p>
+                      <a:pPr algn="ctr"/>
+                      <a:r>
+                        <a:rPr lang="pt-BR" sz="1800" noProof="0" dirty="0" smtClean="0"/>
+                        <a:t>Grupo 1</a:t>
+                      </a:r>
+                      <a:endParaRPr lang="pt-BR" sz="1800" noProof="0" dirty="0"/>
+                    </a:p>
+                  </a:txBody>
+                  <a:tcPr anchor="ctr"/>
+                </a:tc>
+                <a:tc>
+                  <a:txBody>
+                    <a:bodyPr/>
+                    <a:lstStyle/>
+                    <a:p>
+                      <a:pPr algn="ctr"/>
+                      <a:r>
+                        <a:rPr lang="pt-BR" sz="1800" noProof="0" dirty="0" smtClean="0"/>
+                        <a:t>Grupo 2</a:t>
+                      </a:r>
+                      <a:endParaRPr lang="pt-BR" sz="1800" noProof="0" dirty="0"/>
+                    </a:p>
+                  </a:txBody>
+                  <a:tcPr anchor="ctr"/>
+                </a:tc>
+              </a:tr>
+              <a:tr h="914400">
+                <a:tc>
+                  <a:txBody>
+                    <a:bodyPr/>
+                    <a:lstStyle/>
+                    <a:p>
+                      <a:r>
+                        <a:rPr lang="pt-BR" sz="1800" noProof="0" dirty="0" smtClean="0"/>
+                        <a:t>Classe 1</a:t>
+                      </a:r>
+                      <a:endParaRPr lang="pt-BR" sz="1800" noProof="0" dirty="0"/>
+                    </a:p>
+                  </a:txBody>
+                  <a:tcPr anchor="ctr"/>
+                </a:tc>
+                <a:tc>
+                  <a:txBody>
+                    <a:bodyPr/>
+                    <a:lstStyle/>
+                    <a:p>
+                      <a:pPr algn="ctr"/>
+                      <a:r>
+                        <a:rPr lang="pt-BR" sz="1800" noProof="0" dirty="0" smtClean="0"/>
+                        <a:t>82</a:t>
+                      </a:r>
+                      <a:endParaRPr lang="pt-BR" sz="1800" noProof="0" dirty="0"/>
+                    </a:p>
+                  </a:txBody>
+                  <a:tcPr anchor="ctr"/>
+                </a:tc>
+                <a:tc>
+                  <a:txBody>
+                    <a:bodyPr/>
+                    <a:lstStyle/>
+                    <a:p>
+                      <a:pPr algn="ctr"/>
+                      <a:r>
+                        <a:rPr lang="pt-BR" sz="1800" noProof="0" dirty="0" smtClean="0"/>
+                        <a:t>95</a:t>
+                      </a:r>
+                      <a:endParaRPr lang="pt-BR" sz="1800" noProof="0" dirty="0"/>
+                    </a:p>
+                  </a:txBody>
+                  <a:tcPr anchor="ctr"/>
+                </a:tc>
+              </a:tr>
+              <a:tr h="914400">
+                <a:tc>
+                  <a:txBody>
+                    <a:bodyPr/>
+                    <a:lstStyle/>
+                    <a:p>
+                      <a:r>
+                        <a:rPr lang="pt-BR" sz="1800" noProof="0" dirty="0" smtClean="0"/>
+                        <a:t>Classe 2</a:t>
+                      </a:r>
+                      <a:endParaRPr lang="pt-BR" sz="1800" noProof="0" dirty="0"/>
+                    </a:p>
+                  </a:txBody>
+                  <a:tcPr anchor="ctr"/>
+                </a:tc>
+                <a:tc>
+                  <a:txBody>
+                    <a:bodyPr/>
+                    <a:lstStyle/>
+                    <a:p>
+                      <a:pPr algn="ctr"/>
+                      <a:r>
+                        <a:rPr lang="pt-BR" sz="1800" noProof="0" dirty="0" smtClean="0"/>
+                        <a:t>76</a:t>
+                      </a:r>
+                      <a:endParaRPr lang="pt-BR" sz="1800" noProof="0" dirty="0"/>
+                    </a:p>
+                  </a:txBody>
+                  <a:tcPr anchor="ctr"/>
+                </a:tc>
+                <a:tc>
+                  <a:txBody>
+                    <a:bodyPr/>
+                    <a:lstStyle/>
+                    <a:p>
+                      <a:pPr algn="ctr"/>
+                      <a:r>
+                        <a:rPr lang="pt-BR" sz="1800" noProof="0" dirty="0" smtClean="0"/>
+                        <a:t>88</a:t>
+                      </a:r>
+                      <a:endParaRPr lang="pt-BR" sz="1800" noProof="0" dirty="0"/>
+                    </a:p>
+                  </a:txBody>
+                  <a:tcPr anchor="ctr"/>
+                </a:tc>
+              </a:tr>
+              <a:tr h="914400">
+                <a:tc>
+                  <a:txBody>
+                    <a:bodyPr/>
+                    <a:lstStyle/>
+                    <a:p>
+                      <a:r>
+                        <a:rPr lang="pt-BR" sz="1800" noProof="0" dirty="0" smtClean="0"/>
+                        <a:t>Classe 3</a:t>
+                      </a:r>
+                      <a:endParaRPr lang="pt-BR" sz="1800" noProof="0" dirty="0"/>
+                    </a:p>
+                  </a:txBody>
+                  <a:tcPr anchor="ctr"/>
+                </a:tc>
+                <a:tc>
+                  <a:txBody>
+                    <a:bodyPr/>
+                    <a:lstStyle/>
+                    <a:p>
+                      <a:pPr algn="ctr"/>
+                      <a:r>
+                        <a:rPr lang="pt-BR" sz="1800" noProof="0" dirty="0" smtClean="0"/>
+                        <a:t>84</a:t>
+                      </a:r>
+                      <a:endParaRPr lang="pt-BR" sz="1800" noProof="0" dirty="0"/>
+                    </a:p>
+                  </a:txBody>
+                  <a:tcPr anchor="ctr"/>
+                </a:tc>
+                <a:tc>
+                  <a:txBody>
+                    <a:bodyPr/>
+                    <a:lstStyle/>
+                    <a:p>
+                      <a:pPr algn="ctr"/>
+                      <a:r>
+                        <a:rPr lang="pt-BR" sz="1800" noProof="0" dirty="0" smtClean="0"/>
+                        <a:t>90</a:t>
+                      </a:r>
+                      <a:endParaRPr lang="pt-BR" sz="1800" noProof="0" dirty="0"/>
+                    </a:p>
+                  </a:txBody>
+                  <a:tcPr anchor="ctr"/>
+                </a:tc>
+              </a:tr>
+            </a:tbl>
+          </a:graphicData>
+        </a:graphic>
+      </p:graphicFrame>
+    </p:spTree>
+    <p:extLst>
+      <p:ext uri="{BB962C8B-B14F-4D97-AF65-F5344CB8AC3E}">
+        <p14:creationId xmlns:p14="http://schemas.microsoft.com/office/powerpoint/2010/main" val="2318277931"/>
+      </p:ext>
+    </p:extLst>
+  </p:cSld>
+  <p:clrMapOvr>
+    <a:masterClrMapping/>
+  </p:clrMapOvr>
+  <mc:AlternateContent xmlns:mc="http://schemas.openxmlformats.org/markup-compatibility/2006" xmlns:p14="http://schemas.microsoft.com/office/powerpoint/2010/main">
+    <mc:Choice Requires="p14">
+      <p:transition spd="med" p14:dur="700">
+        <p:fade/>
+      </p:transition>
+    </mc:Choice>
+    <mc:Fallback xmlns="">
+      <p:transition spd="med">
+        <p:fade/>
+      </p:transition>
+    </mc:Fallback>
+  </mc:AlternateContent>
+</p:sld>
+</file>
+
+<file path=ppt/slides/slide11.xml><?xml version="1.0" encoding="utf-8"?>
+<p:sld xmlns:a="http://schemas.openxmlformats.org/drawingml/2006/main" xmlns:r="http://schemas.openxmlformats.org/officeDocument/2006/relationships" xmlns:p="http://schemas.openxmlformats.org/presentationml/2006/main">
+  <p:cSld>
+    <p:spTree>
+      <p:nvGrpSpPr>
+        <p:cNvPr id="1" name=""/>
+        <p:cNvGrpSpPr/>
+        <p:nvPr/>
+      </p:nvGrpSpPr>
+      <p:grpSpPr>
+        <a:xfrm>
+          <a:off x="0" y="0"/>
+          <a:ext cx="0" cy="0"/>
+          <a:chOff x="0" y="0"/>
+          <a:chExt cx="0" cy="0"/>
+        </a:xfrm>
+      </p:grpSpPr>
+      <p:sp>
+        <p:nvSpPr>
+          <p:cNvPr id="2" name="Título 1"/>
+          <p:cNvSpPr>
+            <a:spLocks noGrp="1"/>
+          </p:cNvSpPr>
+          <p:nvPr>
+            <p:ph type="title"/>
+          </p:nvPr>
+        </p:nvSpPr>
+        <p:spPr/>
+        <p:txBody>
+          <a:bodyPr/>
+          <a:lstStyle/>
+          <a:p>
+            <a:r>
+              <a:rPr lang="pt-BR" dirty="0" smtClean="0"/>
               <a:t>Layout do título e conteúdo com SmartArt</a:t>
             </a:r>
             <a:endParaRPr lang="pt-BR" dirty="0"/>
@@ -19294,7 +19609,7 @@
 </p:sld>
 </file>
 
-<file path=ppt/slides/slide11.xml><?xml version="1.0" encoding="utf-8"?>
+<file path=ppt/slides/slide12.xml><?xml version="1.0" encoding="utf-8"?>
 <p:sld xmlns:a="http://schemas.openxmlformats.org/drawingml/2006/main" xmlns:r="http://schemas.openxmlformats.org/officeDocument/2006/relationships" xmlns:p="http://schemas.openxmlformats.org/presentationml/2006/main">
   <p:cSld>
     <p:spTree>
@@ -19431,7 +19746,7 @@
 </p:sld>
 </file>
 
-<file path=ppt/slides/slide12.xml><?xml version="1.0" encoding="utf-8"?>
+<file path=ppt/slides/slide13.xml><?xml version="1.0" encoding="utf-8"?>
 <p:sld xmlns:a="http://schemas.openxmlformats.org/drawingml/2006/main" xmlns:r="http://schemas.openxmlformats.org/officeDocument/2006/relationships" xmlns:p="http://schemas.openxmlformats.org/presentationml/2006/main">
   <p:cSld>
     <p:spTree>
@@ -19530,7 +19845,7 @@
 </p:sld>
 </file>
 
-<file path=ppt/slides/slide13.xml><?xml version="1.0" encoding="utf-8"?>
+<file path=ppt/slides/slide14.xml><?xml version="1.0" encoding="utf-8"?>
 <p:sld xmlns:a="http://schemas.openxmlformats.org/drawingml/2006/main" xmlns:r="http://schemas.openxmlformats.org/officeDocument/2006/relationships" xmlns:p="http://schemas.openxmlformats.org/presentationml/2006/main">
   <p:cSld>
     <p:spTree>
@@ -20143,6 +20458,342 @@
           <a:p>
             <a:r>
               <a:rPr lang="pt-BR" dirty="0" smtClean="0"/>
+              <a:t>Certificação</a:t>
+            </a:r>
+            <a:endParaRPr lang="pt-BR" dirty="0"/>
+          </a:p>
+        </p:txBody>
+      </p:sp>
+      <p:sp>
+        <p:nvSpPr>
+          <p:cNvPr id="3" name="CaixaDeTexto 2"/>
+          <p:cNvSpPr txBox="1"/>
+          <p:nvPr/>
+        </p:nvSpPr>
+        <p:spPr>
+          <a:xfrm>
+            <a:off x="1266092" y="1981200"/>
+            <a:ext cx="5310554" cy="2031325"/>
+          </a:xfrm>
+          <a:prstGeom prst="rect">
+            <a:avLst/>
+          </a:prstGeom>
+          <a:noFill/>
+        </p:spPr>
+        <p:txBody>
+          <a:bodyPr wrap="square" rtlCol="0">
+            <a:spAutoFit/>
+          </a:bodyPr>
+          <a:lstStyle/>
+          <a:p>
+            <a:r>
+              <a:rPr lang="pt-BR" altLang="pt-BR" b="1" dirty="0">
+                <a:solidFill>
+                  <a:srgbClr val="C00000"/>
+                </a:solidFill>
+                <a:latin typeface="Arial" charset="0"/>
+              </a:rPr>
+              <a:t>CFPS – </a:t>
+            </a:r>
+            <a:r>
+              <a:rPr lang="pt-BR" altLang="pt-BR" b="1" i="1" dirty="0" err="1">
+                <a:solidFill>
+                  <a:srgbClr val="C00000"/>
+                </a:solidFill>
+                <a:latin typeface="Arial" charset="0"/>
+              </a:rPr>
+              <a:t>Certified</a:t>
+            </a:r>
+            <a:r>
+              <a:rPr lang="pt-BR" altLang="pt-BR" b="1" i="1" dirty="0">
+                <a:solidFill>
+                  <a:srgbClr val="C00000"/>
+                </a:solidFill>
+                <a:latin typeface="Arial" charset="0"/>
+              </a:rPr>
+              <a:t> </a:t>
+            </a:r>
+            <a:r>
+              <a:rPr lang="pt-BR" altLang="pt-BR" b="1" i="1" dirty="0" err="1">
+                <a:solidFill>
+                  <a:srgbClr val="C00000"/>
+                </a:solidFill>
+                <a:latin typeface="Arial" charset="0"/>
+              </a:rPr>
+              <a:t>Function</a:t>
+            </a:r>
+            <a:r>
+              <a:rPr lang="pt-BR" altLang="pt-BR" b="1" i="1" dirty="0">
+                <a:solidFill>
+                  <a:srgbClr val="C00000"/>
+                </a:solidFill>
+                <a:latin typeface="Arial" charset="0"/>
+              </a:rPr>
+              <a:t> Point </a:t>
+            </a:r>
+            <a:r>
+              <a:rPr lang="pt-BR" altLang="pt-BR" b="1" i="1" dirty="0" err="1" smtClean="0">
+                <a:solidFill>
+                  <a:srgbClr val="C00000"/>
+                </a:solidFill>
+                <a:latin typeface="Arial" charset="0"/>
+              </a:rPr>
+              <a:t>Specialist</a:t>
+            </a:r>
+            <a:endParaRPr lang="pt-BR" altLang="pt-BR" b="1" dirty="0" smtClean="0">
+              <a:solidFill>
+                <a:srgbClr val="C00000"/>
+              </a:solidFill>
+              <a:latin typeface="Arial" charset="0"/>
+            </a:endParaRPr>
+          </a:p>
+          <a:p>
+            <a:r>
+              <a:rPr lang="pt-BR" altLang="pt-BR" dirty="0" smtClean="0">
+                <a:latin typeface="Arial" charset="0"/>
+              </a:rPr>
+              <a:t> </a:t>
+            </a:r>
+          </a:p>
+          <a:p>
+            <a:endParaRPr lang="pt-BR" altLang="pt-BR" dirty="0">
+              <a:latin typeface="Arial" charset="0"/>
+            </a:endParaRPr>
+          </a:p>
+          <a:p>
+            <a:r>
+              <a:rPr lang="pt-BR" altLang="pt-BR" dirty="0" smtClean="0">
+                <a:latin typeface="Arial" charset="0"/>
+              </a:rPr>
+              <a:t>É </a:t>
+            </a:r>
+            <a:r>
+              <a:rPr lang="pt-BR" altLang="pt-BR" dirty="0">
+                <a:latin typeface="Arial" charset="0"/>
+              </a:rPr>
+              <a:t>a certificação conferida pelo </a:t>
+            </a:r>
+            <a:r>
+              <a:rPr lang="pt-BR" altLang="pt-BR" i="1" dirty="0" err="1">
+                <a:latin typeface="Arial" charset="0"/>
+              </a:rPr>
+              <a:t>International</a:t>
+            </a:r>
+            <a:r>
+              <a:rPr lang="pt-BR" altLang="pt-BR" i="1" dirty="0">
+                <a:latin typeface="Arial" charset="0"/>
+              </a:rPr>
+              <a:t> </a:t>
+            </a:r>
+            <a:r>
+              <a:rPr lang="pt-BR" altLang="pt-BR" i="1" dirty="0" err="1">
+                <a:latin typeface="Arial" charset="0"/>
+              </a:rPr>
+              <a:t>Function</a:t>
+            </a:r>
+            <a:r>
+              <a:rPr lang="pt-BR" altLang="pt-BR" i="1" dirty="0">
+                <a:latin typeface="Arial" charset="0"/>
+              </a:rPr>
+              <a:t> Point </a:t>
+            </a:r>
+            <a:r>
+              <a:rPr lang="pt-BR" altLang="pt-BR" i="1" dirty="0" err="1">
+                <a:latin typeface="Arial" charset="0"/>
+              </a:rPr>
+              <a:t>Users</a:t>
+            </a:r>
+            <a:r>
+              <a:rPr lang="pt-BR" altLang="pt-BR" i="1" dirty="0">
+                <a:latin typeface="Arial" charset="0"/>
+              </a:rPr>
+              <a:t> </a:t>
+            </a:r>
+            <a:r>
+              <a:rPr lang="pt-BR" altLang="pt-BR" i="1" dirty="0" err="1">
+                <a:latin typeface="Arial" charset="0"/>
+              </a:rPr>
+              <a:t>Group</a:t>
+            </a:r>
+            <a:r>
+              <a:rPr lang="pt-BR" altLang="pt-BR" dirty="0">
+                <a:latin typeface="Arial" charset="0"/>
+              </a:rPr>
+              <a:t> às pessoas aprovadas no exame de </a:t>
+            </a:r>
+            <a:r>
+              <a:rPr lang="pt-BR" altLang="pt-BR" dirty="0" smtClean="0">
+                <a:latin typeface="Arial" charset="0"/>
+              </a:rPr>
+              <a:t>certificação. </a:t>
+            </a:r>
+            <a:endParaRPr lang="pt-BR" altLang="pt-BR" dirty="0">
+              <a:latin typeface="Arial" charset="0"/>
+            </a:endParaRPr>
+          </a:p>
+          <a:p>
+            <a:endParaRPr lang="pt-BR" dirty="0"/>
+          </a:p>
+        </p:txBody>
+      </p:sp>
+      <p:graphicFrame>
+        <p:nvGraphicFramePr>
+          <p:cNvPr id="4" name="Objeto 3"/>
+          <p:cNvGraphicFramePr>
+            <a:graphicFrameLocks noChangeAspect="1"/>
+          </p:cNvGraphicFramePr>
+          <p:nvPr>
+            <p:extLst>
+              <p:ext uri="{D42A27DB-BD31-4B8C-83A1-F6EECF244321}">
+                <p14:modId xmlns:p14="http://schemas.microsoft.com/office/powerpoint/2010/main" val="3542439058"/>
+              </p:ext>
+            </p:extLst>
+          </p:nvPr>
+        </p:nvGraphicFramePr>
+        <p:xfrm>
+          <a:off x="6664569" y="1981200"/>
+          <a:ext cx="5181600" cy="3576638"/>
+        </p:xfrm>
+        <a:graphic>
+          <a:graphicData uri="http://schemas.openxmlformats.org/presentationml/2006/ole">
+            <mc:AlternateContent xmlns:mc="http://schemas.openxmlformats.org/markup-compatibility/2006">
+              <mc:Choice xmlns:v="urn:schemas-microsoft-com:vml" Requires="v">
+                <p:oleObj spid="_x0000_s1027" name="Imagem de bitmap" r:id="rId3" imgW="5877745" imgH="4057143" progId="PBrush">
+                  <p:embed/>
+                </p:oleObj>
+              </mc:Choice>
+              <mc:Fallback>
+                <p:oleObj name="Imagem de bitmap" r:id="rId3" imgW="5877745" imgH="4057143" progId="PBrush">
+                  <p:embed/>
+                  <p:pic>
+                    <p:nvPicPr>
+                      <p:cNvPr id="0" name="Object 8"/>
+                      <p:cNvPicPr>
+                        <a:picLocks noChangeAspect="1" noChangeArrowheads="1"/>
+                      </p:cNvPicPr>
+                      <p:nvPr/>
+                    </p:nvPicPr>
+                    <p:blipFill>
+                      <a:blip r:embed="rId4">
+                        <a:extLst>
+                          <a:ext uri="{28A0092B-C50C-407E-A947-70E740481C1C}">
+                            <a14:useLocalDpi xmlns:a14="http://schemas.microsoft.com/office/drawing/2010/main" val="0"/>
+                          </a:ext>
+                        </a:extLst>
+                      </a:blip>
+                      <a:srcRect/>
+                      <a:stretch>
+                        <a:fillRect/>
+                      </a:stretch>
+                    </p:blipFill>
+                    <p:spPr bwMode="auto">
+                      <a:xfrm>
+                        <a:off x="6664569" y="1981200"/>
+                        <a:ext cx="5181600" cy="3576638"/>
+                      </a:xfrm>
+                      <a:prstGeom prst="rect">
+                        <a:avLst/>
+                      </a:prstGeom>
+                      <a:noFill/>
+                      <a:ln>
+                        <a:noFill/>
+                      </a:ln>
+                      <a:effectLst/>
+                      <a:extLst>
+                        <a:ext uri="{909E8E84-426E-40DD-AFC4-6F175D3DCCD1}">
+                          <a14:hiddenFill xmlns:a14="http://schemas.microsoft.com/office/drawing/2010/main">
+                            <a:solidFill>
+                              <a:schemeClr val="accent1"/>
+                            </a:solidFill>
+                          </a14:hiddenFill>
+                        </a:ext>
+                        <a:ext uri="{91240B29-F687-4F45-9708-019B960494DF}">
+                          <a14:hiddenLine xmlns:a14="http://schemas.microsoft.com/office/drawing/2010/main" w="9525">
+                            <a:solidFill>
+                              <a:schemeClr val="tx1"/>
+                            </a:solidFill>
+                            <a:miter lim="800000"/>
+                            <a:headEnd/>
+                            <a:tailEnd/>
+                          </a14:hiddenLine>
+                        </a:ext>
+                        <a:ext uri="{AF507438-7753-43E0-B8FC-AC1667EBCBE1}">
+                          <a14:hiddenEffects xmlns:a14="http://schemas.microsoft.com/office/drawing/2010/main">
+                            <a:effectLst>
+                              <a:outerShdw dist="35921" dir="2700000" algn="ctr" rotWithShape="0">
+                                <a:schemeClr val="bg2"/>
+                              </a:outerShdw>
+                            </a:effectLst>
+                          </a14:hiddenEffects>
+                        </a:ext>
+                      </a:extLst>
+                    </p:spPr>
+                  </p:pic>
+                </p:oleObj>
+              </mc:Fallback>
+            </mc:AlternateContent>
+          </a:graphicData>
+        </a:graphic>
+      </p:graphicFrame>
+    </p:spTree>
+    <p:extLst>
+      <p:ext uri="{BB962C8B-B14F-4D97-AF65-F5344CB8AC3E}">
+        <p14:creationId xmlns:p14="http://schemas.microsoft.com/office/powerpoint/2010/main" val="1416480409"/>
+      </p:ext>
+    </p:extLst>
+  </p:cSld>
+  <p:clrMapOvr>
+    <a:masterClrMapping/>
+  </p:clrMapOvr>
+  <mc:AlternateContent xmlns:mc="http://schemas.openxmlformats.org/markup-compatibility/2006" xmlns:p14="http://schemas.microsoft.com/office/powerpoint/2010/main">
+    <mc:Choice Requires="p14">
+      <p:transition spd="med" p14:dur="700">
+        <p:fade/>
+      </p:transition>
+    </mc:Choice>
+    <mc:Fallback xmlns="">
+      <p:transition spd="med">
+        <p:fade/>
+      </p:transition>
+    </mc:Fallback>
+  </mc:AlternateContent>
+</p:sld>
+</file>
+
+<file path=ppt/slides/slide7.xml><?xml version="1.0" encoding="utf-8"?>
+<p:sld xmlns:a="http://schemas.openxmlformats.org/drawingml/2006/main" xmlns:r="http://schemas.openxmlformats.org/officeDocument/2006/relationships" xmlns:p="http://schemas.openxmlformats.org/presentationml/2006/main">
+  <p:cSld>
+    <p:spTree>
+      <p:nvGrpSpPr>
+        <p:cNvPr id="1" name=""/>
+        <p:cNvGrpSpPr/>
+        <p:nvPr/>
+      </p:nvGrpSpPr>
+      <p:grpSpPr>
+        <a:xfrm>
+          <a:off x="0" y="0"/>
+          <a:ext cx="0" cy="0"/>
+          <a:chOff x="0" y="0"/>
+          <a:chExt cx="0" cy="0"/>
+        </a:xfrm>
+      </p:grpSpPr>
+      <p:sp>
+        <p:nvSpPr>
+          <p:cNvPr id="2" name="Título 1"/>
+          <p:cNvSpPr>
+            <a:spLocks noGrp="1"/>
+          </p:cNvSpPr>
+          <p:nvPr>
+            <p:ph type="title"/>
+          </p:nvPr>
+        </p:nvSpPr>
+        <p:spPr/>
+        <p:txBody>
+          <a:bodyPr/>
+          <a:lstStyle/>
+          <a:p>
+            <a:r>
+              <a:rPr lang="pt-BR" dirty="0" smtClean="0"/>
               <a:t>Alocação de Trabalho</a:t>
             </a:r>
             <a:endParaRPr lang="pt-BR" dirty="0"/>
@@ -20172,7 +20823,6 @@
               <a:rPr lang="pt-BR" dirty="0" smtClean="0"/>
               <a:t>Desenvolvimento geral</a:t>
             </a:r>
-            <a:endParaRPr lang="pt-BR" dirty="0" smtClean="0"/>
           </a:p>
           <a:p>
             <a:r>
@@ -20183,7 +20833,6 @@
               <a:rPr lang="pt-BR" dirty="0" smtClean="0"/>
               <a:t>SQL e ligação com o bando</a:t>
             </a:r>
-            <a:endParaRPr lang="pt-BR" dirty="0" smtClean="0"/>
           </a:p>
           <a:p>
             <a:r>
@@ -20194,7 +20843,6 @@
               <a:rPr lang="pt-BR" dirty="0" smtClean="0"/>
               <a:t>Interface gráfica e de comunicação com o usuário.</a:t>
             </a:r>
-            <a:endParaRPr lang="pt-BR" dirty="0" smtClean="0"/>
           </a:p>
         </p:txBody>
       </p:sp>
@@ -20388,7 +21036,7 @@
 </p:sld>
 </file>
 
-<file path=ppt/slides/slide7.xml><?xml version="1.0" encoding="utf-8"?>
+<file path=ppt/slides/slide8.xml><?xml version="1.0" encoding="utf-8"?>
 <p:sld xmlns:a="http://schemas.openxmlformats.org/drawingml/2006/main" xmlns:r="http://schemas.openxmlformats.org/officeDocument/2006/relationships" xmlns:p="http://schemas.openxmlformats.org/presentationml/2006/main">
   <p:cSld>
     <p:spTree>
@@ -20460,7 +21108,7 @@
 </p:sld>
 </file>
 
-<file path=ppt/slides/slide8.xml><?xml version="1.0" encoding="utf-8"?>
+<file path=ppt/slides/slide9.xml><?xml version="1.0" encoding="utf-8"?>
 <p:sld xmlns:a="http://schemas.openxmlformats.org/drawingml/2006/main" xmlns:r="http://schemas.openxmlformats.org/officeDocument/2006/relationships" xmlns:p="http://schemas.openxmlformats.org/presentationml/2006/main">
   <p:cSld>
     <p:spTree>
@@ -20529,320 +21177,6 @@
     <p:extLst>
       <p:ext uri="{BB962C8B-B14F-4D97-AF65-F5344CB8AC3E}">
         <p14:creationId xmlns:p14="http://schemas.microsoft.com/office/powerpoint/2010/main" val="1476019738"/>
-      </p:ext>
-    </p:extLst>
-  </p:cSld>
-  <p:clrMapOvr>
-    <a:masterClrMapping/>
-  </p:clrMapOvr>
-  <mc:AlternateContent xmlns:mc="http://schemas.openxmlformats.org/markup-compatibility/2006" xmlns:p14="http://schemas.microsoft.com/office/powerpoint/2010/main">
-    <mc:Choice Requires="p14">
-      <p:transition spd="med" p14:dur="700">
-        <p:fade/>
-      </p:transition>
-    </mc:Choice>
-    <mc:Fallback xmlns="">
-      <p:transition spd="med">
-        <p:fade/>
-      </p:transition>
-    </mc:Fallback>
-  </mc:AlternateContent>
-</p:sld>
-</file>
-
-<file path=ppt/slides/slide9.xml><?xml version="1.0" encoding="utf-8"?>
-<p:sld xmlns:a="http://schemas.openxmlformats.org/drawingml/2006/main" xmlns:r="http://schemas.openxmlformats.org/officeDocument/2006/relationships" xmlns:p="http://schemas.openxmlformats.org/presentationml/2006/main">
-  <p:cSld>
-    <p:spTree>
-      <p:nvGrpSpPr>
-        <p:cNvPr id="1" name=""/>
-        <p:cNvGrpSpPr/>
-        <p:nvPr/>
-      </p:nvGrpSpPr>
-      <p:grpSpPr>
-        <a:xfrm>
-          <a:off x="0" y="0"/>
-          <a:ext cx="0" cy="0"/>
-          <a:chOff x="0" y="0"/>
-          <a:chExt cx="0" cy="0"/>
-        </a:xfrm>
-      </p:grpSpPr>
-      <p:sp>
-        <p:nvSpPr>
-          <p:cNvPr id="2" name="Título 1"/>
-          <p:cNvSpPr>
-            <a:spLocks noGrp="1"/>
-          </p:cNvSpPr>
-          <p:nvPr>
-            <p:ph type="title"/>
-          </p:nvPr>
-        </p:nvSpPr>
-        <p:spPr/>
-        <p:txBody>
-          <a:bodyPr/>
-          <a:lstStyle/>
-          <a:p>
-            <a:r>
-              <a:rPr lang="pt-BR" dirty="0" smtClean="0"/>
-              <a:t>Layout de conteúdo de duas partes com tabela</a:t>
-            </a:r>
-            <a:endParaRPr lang="pt-BR" dirty="0"/>
-          </a:p>
-        </p:txBody>
-      </p:sp>
-      <p:sp>
-        <p:nvSpPr>
-          <p:cNvPr id="3" name="Espaço Reservado para Conteúdo 2"/>
-          <p:cNvSpPr>
-            <a:spLocks noGrp="1"/>
-          </p:cNvSpPr>
-          <p:nvPr>
-            <p:ph sz="half" idx="1"/>
-          </p:nvPr>
-        </p:nvSpPr>
-        <p:spPr/>
-        <p:txBody>
-          <a:bodyPr/>
-          <a:lstStyle/>
-          <a:p>
-            <a:r>
-              <a:rPr lang="pt-BR" dirty="0" smtClean="0"/>
-              <a:t>Primeiro marcador aqui</a:t>
-            </a:r>
-          </a:p>
-          <a:p>
-            <a:r>
-              <a:rPr lang="pt-BR" dirty="0" smtClean="0"/>
-              <a:t>Segundo marcador aqui</a:t>
-            </a:r>
-          </a:p>
-          <a:p>
-            <a:r>
-              <a:rPr lang="pt-BR" dirty="0" smtClean="0"/>
-              <a:t>Terceiro marcador aqui</a:t>
-            </a:r>
-            <a:endParaRPr lang="pt-BR" dirty="0"/>
-          </a:p>
-        </p:txBody>
-      </p:sp>
-      <p:graphicFrame>
-        <p:nvGraphicFramePr>
-          <p:cNvPr id="5" name="Espaço Reservado para Conteúdo 4" descr="Tabela de amostra com 3 colunas, 4 linhas"/>
-          <p:cNvGraphicFramePr>
-            <a:graphicFrameLocks noGrp="1"/>
-          </p:cNvGraphicFramePr>
-          <p:nvPr>
-            <p:ph sz="half" idx="2"/>
-            <p:extLst>
-              <p:ext uri="{D42A27DB-BD31-4B8C-83A1-F6EECF244321}">
-                <p14:modId xmlns:p14="http://schemas.microsoft.com/office/powerpoint/2010/main" val="2671834102"/>
-              </p:ext>
-            </p:extLst>
-          </p:nvPr>
-        </p:nvGraphicFramePr>
-        <p:xfrm>
-          <a:off x="6324601" y="1981200"/>
-          <a:ext cx="4572000" cy="3657600"/>
-        </p:xfrm>
-        <a:graphic>
-          <a:graphicData uri="http://schemas.openxmlformats.org/drawingml/2006/table">
-            <a:tbl>
-              <a:tblPr firstRow="1" bandRow="1">
-                <a:tableStyleId>{69012ECD-51FC-41F1-AA8D-1B2483CD663E}</a:tableStyleId>
-              </a:tblPr>
-              <a:tblGrid>
-                <a:gridCol w="1524000"/>
-                <a:gridCol w="1524000"/>
-                <a:gridCol w="1524000"/>
-              </a:tblGrid>
-              <a:tr h="914400">
-                <a:tc>
-                  <a:txBody>
-                    <a:bodyPr/>
-                    <a:lstStyle/>
-                    <a:p>
-                      <a:endParaRPr lang="pt-BR" sz="1800" noProof="0" dirty="0"/>
-                    </a:p>
-                  </a:txBody>
-                  <a:tcPr anchor="ctr"/>
-                </a:tc>
-                <a:tc>
-                  <a:txBody>
-                    <a:bodyPr/>
-                    <a:lstStyle/>
-                    <a:p>
-                      <a:pPr algn="ctr"/>
-                      <a:r>
-                        <a:rPr lang="pt-BR" sz="1800" noProof="0" dirty="0" smtClean="0"/>
-                        <a:t>Grupo 1</a:t>
-                      </a:r>
-                      <a:endParaRPr lang="pt-BR" sz="1800" noProof="0" dirty="0"/>
-                    </a:p>
-                  </a:txBody>
-                  <a:tcPr anchor="ctr"/>
-                </a:tc>
-                <a:tc>
-                  <a:txBody>
-                    <a:bodyPr/>
-                    <a:lstStyle/>
-                    <a:p>
-                      <a:pPr algn="ctr"/>
-                      <a:r>
-                        <a:rPr lang="pt-BR" sz="1800" noProof="0" dirty="0" smtClean="0"/>
-                        <a:t>Grupo 2</a:t>
-                      </a:r>
-                      <a:endParaRPr lang="pt-BR" sz="1800" noProof="0" dirty="0"/>
-                    </a:p>
-                  </a:txBody>
-                  <a:tcPr anchor="ctr"/>
-                </a:tc>
-              </a:tr>
-              <a:tr h="914400">
-                <a:tc>
-                  <a:txBody>
-                    <a:bodyPr/>
-                    <a:lstStyle/>
-                    <a:p>
-                      <a:r>
-                        <a:rPr lang="pt-BR" sz="1800" noProof="0" dirty="0" smtClean="0"/>
-                        <a:t>Classe 1</a:t>
-                      </a:r>
-                      <a:endParaRPr lang="pt-BR" sz="1800" noProof="0" dirty="0"/>
-                    </a:p>
-                  </a:txBody>
-                  <a:tcPr anchor="ctr"/>
-                </a:tc>
-                <a:tc>
-                  <a:txBody>
-                    <a:bodyPr/>
-                    <a:lstStyle/>
-                    <a:p>
-                      <a:pPr algn="ctr"/>
-                      <a:r>
-                        <a:rPr lang="pt-BR" sz="1800" noProof="0" dirty="0" smtClean="0"/>
-                        <a:t>82</a:t>
-                      </a:r>
-                      <a:endParaRPr lang="pt-BR" sz="1800" noProof="0" dirty="0"/>
-                    </a:p>
-                  </a:txBody>
-                  <a:tcPr anchor="ctr"/>
-                </a:tc>
-                <a:tc>
-                  <a:txBody>
-                    <a:bodyPr/>
-                    <a:lstStyle/>
-                    <a:p>
-                      <a:pPr algn="ctr"/>
-                      <a:r>
-                        <a:rPr lang="pt-BR" sz="1800" noProof="0" dirty="0" smtClean="0"/>
-                        <a:t>95</a:t>
-                      </a:r>
-                      <a:endParaRPr lang="pt-BR" sz="1800" noProof="0" dirty="0"/>
-                    </a:p>
-                  </a:txBody>
-                  <a:tcPr anchor="ctr"/>
-                </a:tc>
-              </a:tr>
-              <a:tr h="914400">
-                <a:tc>
-                  <a:txBody>
-                    <a:bodyPr/>
-                    <a:lstStyle/>
-                    <a:p>
-                      <a:r>
-                        <a:rPr lang="pt-BR" sz="1800" noProof="0" dirty="0" smtClean="0"/>
-                        <a:t>Classe 2</a:t>
-                      </a:r>
-                      <a:endParaRPr lang="pt-BR" sz="1800" noProof="0" dirty="0"/>
-                    </a:p>
-                  </a:txBody>
-                  <a:tcPr anchor="ctr"/>
-                </a:tc>
-                <a:tc>
-                  <a:txBody>
-                    <a:bodyPr/>
-                    <a:lstStyle/>
-                    <a:p>
-                      <a:pPr algn="ctr"/>
-                      <a:r>
-                        <a:rPr lang="pt-BR" sz="1800" noProof="0" dirty="0" smtClean="0"/>
-                        <a:t>76</a:t>
-                      </a:r>
-                      <a:endParaRPr lang="pt-BR" sz="1800" noProof="0" dirty="0"/>
-                    </a:p>
-                  </a:txBody>
-                  <a:tcPr anchor="ctr"/>
-                </a:tc>
-                <a:tc>
-                  <a:txBody>
-                    <a:bodyPr/>
-                    <a:lstStyle/>
-                    <a:p>
-                      <a:pPr algn="ctr"/>
-                      <a:r>
-                        <a:rPr lang="pt-BR" sz="1800" noProof="0" dirty="0" smtClean="0"/>
-                        <a:t>88</a:t>
-                      </a:r>
-                      <a:endParaRPr lang="pt-BR" sz="1800" noProof="0" dirty="0"/>
-                    </a:p>
-                  </a:txBody>
-                  <a:tcPr anchor="ctr"/>
-                </a:tc>
-              </a:tr>
-              <a:tr h="914400">
-                <a:tc>
-                  <a:txBody>
-                    <a:bodyPr/>
-                    <a:lstStyle/>
-                    <a:p>
-                      <a:r>
-                        <a:rPr lang="pt-BR" sz="1800" noProof="0" dirty="0" smtClean="0"/>
-                        <a:t>Classe 3</a:t>
-                      </a:r>
-                      <a:endParaRPr lang="pt-BR" sz="1800" noProof="0" dirty="0"/>
-                    </a:p>
-                  </a:txBody>
-                  <a:tcPr anchor="ctr"/>
-                </a:tc>
-                <a:tc>
-                  <a:txBody>
-                    <a:bodyPr/>
-                    <a:lstStyle/>
-                    <a:p>
-                      <a:pPr algn="ctr"/>
-                      <a:r>
-                        <a:rPr lang="pt-BR" sz="1800" noProof="0" dirty="0" smtClean="0"/>
-                        <a:t>84</a:t>
-                      </a:r>
-                      <a:endParaRPr lang="pt-BR" sz="1800" noProof="0" dirty="0"/>
-                    </a:p>
-                  </a:txBody>
-                  <a:tcPr anchor="ctr"/>
-                </a:tc>
-                <a:tc>
-                  <a:txBody>
-                    <a:bodyPr/>
-                    <a:lstStyle/>
-                    <a:p>
-                      <a:pPr algn="ctr"/>
-                      <a:r>
-                        <a:rPr lang="pt-BR" sz="1800" noProof="0" dirty="0" smtClean="0"/>
-                        <a:t>90</a:t>
-                      </a:r>
-                      <a:endParaRPr lang="pt-BR" sz="1800" noProof="0" dirty="0"/>
-                    </a:p>
-                  </a:txBody>
-                  <a:tcPr anchor="ctr"/>
-                </a:tc>
-              </a:tr>
-            </a:tbl>
-          </a:graphicData>
-        </a:graphic>
-      </p:graphicFrame>
-    </p:spTree>
-    <p:extLst>
-      <p:ext uri="{BB962C8B-B14F-4D97-AF65-F5344CB8AC3E}">
-        <p14:creationId xmlns:p14="http://schemas.microsoft.com/office/powerpoint/2010/main" val="2318277931"/>
       </p:ext>
     </p:extLst>
   </p:cSld>
@@ -21119,7 +21453,7 @@
   <a:extraClrSchemeLst/>
   <a:extLst>
     <a:ext uri="{05A4C25C-085E-4340-85A3-A5531E510DB2}">
-      <thm15:themeFamily xmlns="" xmlns:thm15="http://schemas.microsoft.com/office/thememl/2012/main" name="O15_4109default" id="{E728D685-11FC-4812-BA85-57AC6F9C9F40}" vid="{BC4E008B-95FF-4815-904E-143A8EDFC1D4}"/>
+      <thm15:themeFamily xmlns:thm15="http://schemas.microsoft.com/office/thememl/2012/main" xmlns="" name="O15_4109default" id="{E728D685-11FC-4812-BA85-57AC6F9C9F40}" vid="{BC4E008B-95FF-4815-904E-143A8EDFC1D4}"/>
     </a:ext>
   </a:extLst>
 </a:theme>

--- a/Apresentação - Estimativas .pptx
+++ b/Apresentação - Estimativas .pptx
@@ -5,26 +5,29 @@
     <p:sldMasterId id="2147483648" r:id="rId2"/>
   </p:sldMasterIdLst>
   <p:notesMasterIdLst>
-    <p:notesMasterId r:id="rId17"/>
+    <p:notesMasterId r:id="rId20"/>
   </p:notesMasterIdLst>
   <p:handoutMasterIdLst>
-    <p:handoutMasterId r:id="rId18"/>
+    <p:handoutMasterId r:id="rId21"/>
   </p:handoutMasterIdLst>
   <p:sldIdLst>
     <p:sldId id="265" r:id="rId3"/>
     <p:sldId id="266" r:id="rId4"/>
     <p:sldId id="267" r:id="rId5"/>
     <p:sldId id="257" r:id="rId6"/>
-    <p:sldId id="271" r:id="rId7"/>
-    <p:sldId id="275" r:id="rId8"/>
-    <p:sldId id="263" r:id="rId9"/>
-    <p:sldId id="268" r:id="rId10"/>
-    <p:sldId id="262" r:id="rId11"/>
-    <p:sldId id="273" r:id="rId12"/>
-    <p:sldId id="264" r:id="rId13"/>
-    <p:sldId id="272" r:id="rId14"/>
-    <p:sldId id="269" r:id="rId15"/>
-    <p:sldId id="270" r:id="rId16"/>
+    <p:sldId id="276" r:id="rId7"/>
+    <p:sldId id="277" r:id="rId8"/>
+    <p:sldId id="278" r:id="rId9"/>
+    <p:sldId id="271" r:id="rId10"/>
+    <p:sldId id="275" r:id="rId11"/>
+    <p:sldId id="263" r:id="rId12"/>
+    <p:sldId id="268" r:id="rId13"/>
+    <p:sldId id="262" r:id="rId14"/>
+    <p:sldId id="273" r:id="rId15"/>
+    <p:sldId id="264" r:id="rId16"/>
+    <p:sldId id="272" r:id="rId17"/>
+    <p:sldId id="269" r:id="rId18"/>
+    <p:sldId id="270" r:id="rId19"/>
   </p:sldIdLst>
   <p:sldSz cx="12192000" cy="6858000"/>
   <p:notesSz cx="6858000" cy="9144000"/>
@@ -4768,7 +4771,97 @@
             <a:fld id="{82869989-EB00-4EE7-BCB5-25BDC5BB29F8}" type="slidenum">
               <a:rPr lang="en-US" smtClean="0"/>
               <a:pPr/>
-              <a:t>5</a:t>
+              <a:t>7</a:t>
+            </a:fld>
+            <a:endParaRPr lang="pt-BR"/>
+          </a:p>
+        </p:txBody>
+      </p:sp>
+    </p:spTree>
+    <p:extLst>
+      <p:ext uri="{BB962C8B-B14F-4D97-AF65-F5344CB8AC3E}">
+        <p14:creationId xmlns:p14="http://schemas.microsoft.com/office/powerpoint/2010/main" val="1980303916"/>
+      </p:ext>
+    </p:extLst>
+  </p:cSld>
+  <p:clrMapOvr>
+    <a:masterClrMapping/>
+  </p:clrMapOvr>
+</p:notes>
+</file>
+
+<file path=ppt/notesSlides/notesSlide3.xml><?xml version="1.0" encoding="utf-8"?>
+<p:notes xmlns:a="http://schemas.openxmlformats.org/drawingml/2006/main" xmlns:r="http://schemas.openxmlformats.org/officeDocument/2006/relationships" xmlns:p="http://schemas.openxmlformats.org/presentationml/2006/main">
+  <p:cSld>
+    <p:spTree>
+      <p:nvGrpSpPr>
+        <p:cNvPr id="1" name=""/>
+        <p:cNvGrpSpPr/>
+        <p:nvPr/>
+      </p:nvGrpSpPr>
+      <p:grpSpPr>
+        <a:xfrm>
+          <a:off x="0" y="0"/>
+          <a:ext cx="0" cy="0"/>
+          <a:chOff x="0" y="0"/>
+          <a:chExt cx="0" cy="0"/>
+        </a:xfrm>
+      </p:grpSpPr>
+      <p:sp>
+        <p:nvSpPr>
+          <p:cNvPr id="2" name="Slide Image Placeholder 1"/>
+          <p:cNvSpPr>
+            <a:spLocks noGrp="1" noRot="1" noChangeAspect="1"/>
+          </p:cNvSpPr>
+          <p:nvPr>
+            <p:ph type="sldImg"/>
+          </p:nvPr>
+        </p:nvSpPr>
+        <p:spPr>
+          <a:xfrm>
+            <a:off x="685800" y="1143000"/>
+            <a:ext cx="5486400" cy="3086100"/>
+          </a:xfrm>
+        </p:spPr>
+      </p:sp>
+      <p:sp>
+        <p:nvSpPr>
+          <p:cNvPr id="3" name="Notes Placeholder 2"/>
+          <p:cNvSpPr>
+            <a:spLocks noGrp="1"/>
+          </p:cNvSpPr>
+          <p:nvPr>
+            <p:ph type="body" idx="1"/>
+          </p:nvPr>
+        </p:nvSpPr>
+        <p:spPr/>
+        <p:txBody>
+          <a:bodyPr/>
+          <a:lstStyle/>
+          <a:p>
+            <a:endParaRPr lang="en-US"/>
+          </a:p>
+        </p:txBody>
+      </p:sp>
+      <p:sp>
+        <p:nvSpPr>
+          <p:cNvPr id="4" name="Espaço Reservado para Número de Slide 3"/>
+          <p:cNvSpPr>
+            <a:spLocks noGrp="1"/>
+          </p:cNvSpPr>
+          <p:nvPr>
+            <p:ph type="sldNum" sz="quarter" idx="10"/>
+          </p:nvPr>
+        </p:nvSpPr>
+        <p:spPr/>
+        <p:txBody>
+          <a:bodyPr/>
+          <a:lstStyle/>
+          <a:p>
+            <a:fld id="{82869989-EB00-4EE7-BCB5-25BDC5BB29F8}" type="slidenum">
+              <a:rPr lang="en-US" smtClean="0"/>
+              <a:pPr/>
+              <a:t>8</a:t>
             </a:fld>
             <a:endParaRPr lang="pt-BR"/>
           </a:p>
@@ -19239,6 +19332,444 @@
           <a:p>
             <a:r>
               <a:rPr lang="pt-BR" dirty="0" smtClean="0"/>
+              <a:t>Alocação de Trabalho</a:t>
+            </a:r>
+            <a:endParaRPr lang="pt-BR" dirty="0"/>
+          </a:p>
+        </p:txBody>
+      </p:sp>
+      <p:sp>
+        <p:nvSpPr>
+          <p:cNvPr id="3" name="Espaço Reservado para Conteúdo 2"/>
+          <p:cNvSpPr>
+            <a:spLocks noGrp="1"/>
+          </p:cNvSpPr>
+          <p:nvPr>
+            <p:ph sz="half" idx="1"/>
+          </p:nvPr>
+        </p:nvSpPr>
+        <p:spPr/>
+        <p:txBody>
+          <a:bodyPr/>
+          <a:lstStyle/>
+          <a:p>
+            <a:r>
+              <a:rPr lang="pt-BR" b="1" dirty="0" smtClean="0"/>
+              <a:t>Programador Java: </a:t>
+            </a:r>
+            <a:r>
+              <a:rPr lang="pt-BR" dirty="0" smtClean="0"/>
+              <a:t>Desenvolvimento geral</a:t>
+            </a:r>
+          </a:p>
+          <a:p>
+            <a:r>
+              <a:rPr lang="pt-BR" b="1" dirty="0" smtClean="0"/>
+              <a:t>Programador de Banco de Dados: </a:t>
+            </a:r>
+            <a:r>
+              <a:rPr lang="pt-BR" dirty="0" smtClean="0"/>
+              <a:t>SQL e ligação com o bando</a:t>
+            </a:r>
+          </a:p>
+          <a:p>
+            <a:r>
+              <a:rPr lang="pt-BR" b="1" dirty="0" smtClean="0"/>
+              <a:t>Programador de Interface: </a:t>
+            </a:r>
+            <a:r>
+              <a:rPr lang="pt-BR" dirty="0" smtClean="0"/>
+              <a:t>Interface gráfica e de comunicação com o usuário.</a:t>
+            </a:r>
+          </a:p>
+        </p:txBody>
+      </p:sp>
+      <p:graphicFrame>
+        <p:nvGraphicFramePr>
+          <p:cNvPr id="5" name="Espaço Reservado para Conteúdo 4" descr="Tabela de amostra com 3 colunas, 4 linhas"/>
+          <p:cNvGraphicFramePr>
+            <a:graphicFrameLocks noGrp="1"/>
+          </p:cNvGraphicFramePr>
+          <p:nvPr>
+            <p:ph sz="half" idx="2"/>
+            <p:extLst>
+              <p:ext uri="{D42A27DB-BD31-4B8C-83A1-F6EECF244321}">
+                <p14:modId xmlns:p14="http://schemas.microsoft.com/office/powerpoint/2010/main" val="96633156"/>
+              </p:ext>
+            </p:extLst>
+          </p:nvPr>
+        </p:nvGraphicFramePr>
+        <p:xfrm>
+          <a:off x="6740767" y="1629508"/>
+          <a:ext cx="4296510" cy="3657600"/>
+        </p:xfrm>
+        <a:graphic>
+          <a:graphicData uri="http://schemas.openxmlformats.org/drawingml/2006/table">
+            <a:tbl>
+              <a:tblPr firstRow="1" bandRow="1">
+                <a:tableStyleId>{69012ECD-51FC-41F1-AA8D-1B2483CD663E}</a:tableStyleId>
+              </a:tblPr>
+              <a:tblGrid>
+                <a:gridCol w="2148255"/>
+                <a:gridCol w="2148255"/>
+              </a:tblGrid>
+              <a:tr h="914400">
+                <a:tc>
+                  <a:txBody>
+                    <a:bodyPr/>
+                    <a:lstStyle/>
+                    <a:p>
+                      <a:endParaRPr lang="pt-BR" sz="1800" noProof="0" dirty="0"/>
+                    </a:p>
+                  </a:txBody>
+                  <a:tcPr anchor="ctr"/>
+                </a:tc>
+                <a:tc>
+                  <a:txBody>
+                    <a:bodyPr/>
+                    <a:lstStyle/>
+                    <a:p>
+                      <a:pPr algn="ctr"/>
+                      <a:r>
+                        <a:rPr lang="pt-BR" sz="1800" noProof="0" dirty="0" smtClean="0"/>
+                        <a:t>Hora</a:t>
+                      </a:r>
+                      <a:r>
+                        <a:rPr lang="pt-BR" sz="1800" baseline="0" noProof="0" dirty="0" smtClean="0"/>
+                        <a:t>s por Ponto de Função</a:t>
+                      </a:r>
+                      <a:endParaRPr lang="pt-BR" sz="1800" noProof="0" dirty="0"/>
+                    </a:p>
+                  </a:txBody>
+                  <a:tcPr anchor="ctr"/>
+                </a:tc>
+              </a:tr>
+              <a:tr h="914400">
+                <a:tc>
+                  <a:txBody>
+                    <a:bodyPr/>
+                    <a:lstStyle/>
+                    <a:p>
+                      <a:r>
+                        <a:rPr lang="pt-BR" sz="1800" noProof="0" dirty="0" smtClean="0"/>
+                        <a:t>Programador Java</a:t>
+                      </a:r>
+                      <a:endParaRPr lang="pt-BR" sz="1800" noProof="0" dirty="0"/>
+                    </a:p>
+                  </a:txBody>
+                  <a:tcPr anchor="ctr"/>
+                </a:tc>
+                <a:tc>
+                  <a:txBody>
+                    <a:bodyPr/>
+                    <a:lstStyle/>
+                    <a:p>
+                      <a:pPr algn="ctr"/>
+                      <a:r>
+                        <a:rPr lang="pt-BR" sz="1800" noProof="0" dirty="0" smtClean="0"/>
+                        <a:t>6</a:t>
+                      </a:r>
+                      <a:endParaRPr lang="pt-BR" sz="1800" noProof="0" dirty="0"/>
+                    </a:p>
+                  </a:txBody>
+                  <a:tcPr anchor="ctr"/>
+                </a:tc>
+              </a:tr>
+              <a:tr h="914400">
+                <a:tc>
+                  <a:txBody>
+                    <a:bodyPr/>
+                    <a:lstStyle/>
+                    <a:p>
+                      <a:r>
+                        <a:rPr lang="pt-BR" sz="1800" noProof="0" dirty="0" smtClean="0"/>
+                        <a:t>Programador Banco</a:t>
+                      </a:r>
+                      <a:r>
+                        <a:rPr lang="pt-BR" sz="1800" baseline="0" noProof="0" dirty="0" smtClean="0"/>
+                        <a:t> de dados</a:t>
+                      </a:r>
+                      <a:endParaRPr lang="pt-BR" sz="1800" noProof="0" dirty="0"/>
+                    </a:p>
+                  </a:txBody>
+                  <a:tcPr anchor="ctr"/>
+                </a:tc>
+                <a:tc>
+                  <a:txBody>
+                    <a:bodyPr/>
+                    <a:lstStyle/>
+                    <a:p>
+                      <a:pPr algn="ctr"/>
+                      <a:r>
+                        <a:rPr lang="pt-BR" sz="1800" noProof="0" dirty="0" smtClean="0"/>
+                        <a:t>4</a:t>
+                      </a:r>
+                      <a:endParaRPr lang="pt-BR" sz="1800" noProof="0" dirty="0"/>
+                    </a:p>
+                  </a:txBody>
+                  <a:tcPr anchor="ctr"/>
+                </a:tc>
+              </a:tr>
+              <a:tr h="914400">
+                <a:tc>
+                  <a:txBody>
+                    <a:bodyPr/>
+                    <a:lstStyle/>
+                    <a:p>
+                      <a:r>
+                        <a:rPr lang="pt-BR" sz="1800" noProof="0" dirty="0" smtClean="0"/>
+                        <a:t>Programador</a:t>
+                      </a:r>
+                      <a:r>
+                        <a:rPr lang="pt-BR" sz="1800" baseline="0" noProof="0" dirty="0" smtClean="0"/>
+                        <a:t> Interface</a:t>
+                      </a:r>
+                      <a:endParaRPr lang="pt-BR" sz="1800" noProof="0" dirty="0"/>
+                    </a:p>
+                  </a:txBody>
+                  <a:tcPr anchor="ctr"/>
+                </a:tc>
+                <a:tc>
+                  <a:txBody>
+                    <a:bodyPr/>
+                    <a:lstStyle/>
+                    <a:p>
+                      <a:pPr algn="ctr"/>
+                      <a:r>
+                        <a:rPr lang="pt-BR" sz="1800" noProof="0" dirty="0" smtClean="0"/>
+                        <a:t>3</a:t>
+                      </a:r>
+                      <a:endParaRPr lang="pt-BR" sz="1800" noProof="0" dirty="0"/>
+                    </a:p>
+                  </a:txBody>
+                  <a:tcPr anchor="ctr"/>
+                </a:tc>
+              </a:tr>
+            </a:tbl>
+          </a:graphicData>
+        </a:graphic>
+      </p:graphicFrame>
+    </p:spTree>
+    <p:extLst>
+      <p:ext uri="{BB962C8B-B14F-4D97-AF65-F5344CB8AC3E}">
+        <p14:creationId xmlns:p14="http://schemas.microsoft.com/office/powerpoint/2010/main" val="2475092730"/>
+      </p:ext>
+    </p:extLst>
+  </p:cSld>
+  <p:clrMapOvr>
+    <a:masterClrMapping/>
+  </p:clrMapOvr>
+  <mc:AlternateContent xmlns:mc="http://schemas.openxmlformats.org/markup-compatibility/2006" xmlns:p14="http://schemas.microsoft.com/office/powerpoint/2010/main">
+    <mc:Choice Requires="p14">
+      <p:transition spd="med" p14:dur="700">
+        <p:fade/>
+      </p:transition>
+    </mc:Choice>
+    <mc:Fallback xmlns="">
+      <p:transition spd="med">
+        <p:fade/>
+      </p:transition>
+    </mc:Fallback>
+  </mc:AlternateContent>
+</p:sld>
+</file>
+
+<file path=ppt/slides/slide11.xml><?xml version="1.0" encoding="utf-8"?>
+<p:sld xmlns:a="http://schemas.openxmlformats.org/drawingml/2006/main" xmlns:r="http://schemas.openxmlformats.org/officeDocument/2006/relationships" xmlns:p="http://schemas.openxmlformats.org/presentationml/2006/main">
+  <p:cSld>
+    <p:spTree>
+      <p:nvGrpSpPr>
+        <p:cNvPr id="1" name=""/>
+        <p:cNvGrpSpPr/>
+        <p:nvPr/>
+      </p:nvGrpSpPr>
+      <p:grpSpPr>
+        <a:xfrm>
+          <a:off x="0" y="0"/>
+          <a:ext cx="0" cy="0"/>
+          <a:chOff x="0" y="0"/>
+          <a:chExt cx="0" cy="0"/>
+        </a:xfrm>
+      </p:grpSpPr>
+      <p:pic>
+        <p:nvPicPr>
+          <p:cNvPr id="2" name="Imagem 1"/>
+          <p:cNvPicPr>
+            <a:picLocks noChangeAspect="1"/>
+          </p:cNvPicPr>
+          <p:nvPr/>
+        </p:nvPicPr>
+        <p:blipFill>
+          <a:blip r:embed="rId2">
+            <a:extLst>
+              <a:ext uri="{28A0092B-C50C-407E-A947-70E740481C1C}">
+                <a14:useLocalDpi xmlns:a14="http://schemas.microsoft.com/office/drawing/2010/main" val="0"/>
+              </a:ext>
+            </a:extLst>
+          </a:blip>
+          <a:stretch>
+            <a:fillRect/>
+          </a:stretch>
+        </p:blipFill>
+        <p:spPr>
+          <a:xfrm>
+            <a:off x="1112693" y="0"/>
+            <a:ext cx="9966614" cy="6858000"/>
+          </a:xfrm>
+          <a:prstGeom prst="rect">
+            <a:avLst/>
+          </a:prstGeom>
+        </p:spPr>
+      </p:pic>
+    </p:spTree>
+    <p:extLst>
+      <p:ext uri="{BB962C8B-B14F-4D97-AF65-F5344CB8AC3E}">
+        <p14:creationId xmlns:p14="http://schemas.microsoft.com/office/powerpoint/2010/main" val="1544302913"/>
+      </p:ext>
+    </p:extLst>
+  </p:cSld>
+  <p:clrMapOvr>
+    <a:masterClrMapping/>
+  </p:clrMapOvr>
+  <mc:AlternateContent xmlns:mc="http://schemas.openxmlformats.org/markup-compatibility/2006" xmlns:p14="http://schemas.microsoft.com/office/powerpoint/2010/main">
+    <mc:Choice Requires="p14">
+      <p:transition spd="med" p14:dur="700">
+        <p:fade/>
+      </p:transition>
+    </mc:Choice>
+    <mc:Fallback xmlns="">
+      <p:transition spd="med">
+        <p:fade/>
+      </p:transition>
+    </mc:Fallback>
+  </mc:AlternateContent>
+</p:sld>
+</file>
+
+<file path=ppt/slides/slide12.xml><?xml version="1.0" encoding="utf-8"?>
+<p:sld xmlns:a="http://schemas.openxmlformats.org/drawingml/2006/main" xmlns:r="http://schemas.openxmlformats.org/officeDocument/2006/relationships" xmlns:p="http://schemas.openxmlformats.org/presentationml/2006/main">
+  <p:cSld>
+    <p:spTree>
+      <p:nvGrpSpPr>
+        <p:cNvPr id="1" name=""/>
+        <p:cNvGrpSpPr/>
+        <p:nvPr/>
+      </p:nvGrpSpPr>
+      <p:grpSpPr>
+        <a:xfrm>
+          <a:off x="0" y="0"/>
+          <a:ext cx="0" cy="0"/>
+          <a:chOff x="0" y="0"/>
+          <a:chExt cx="0" cy="0"/>
+        </a:xfrm>
+      </p:grpSpPr>
+      <p:sp>
+        <p:nvSpPr>
+          <p:cNvPr id="2" name="Título 1"/>
+          <p:cNvSpPr>
+            <a:spLocks noGrp="1"/>
+          </p:cNvSpPr>
+          <p:nvPr>
+            <p:ph type="title"/>
+          </p:nvPr>
+        </p:nvSpPr>
+        <p:spPr/>
+        <p:txBody>
+          <a:bodyPr/>
+          <a:lstStyle/>
+          <a:p>
+            <a:r>
+              <a:rPr lang="pt-BR" dirty="0" smtClean="0"/>
+              <a:t>Layout do título e conteúdo com gráfico</a:t>
+            </a:r>
+            <a:endParaRPr lang="pt-BR" dirty="0"/>
+          </a:p>
+        </p:txBody>
+      </p:sp>
+      <p:graphicFrame>
+        <p:nvGraphicFramePr>
+          <p:cNvPr id="6" name="Espaço Reservado para Conteúdo 5" descr="Gráfico de colunas agrupadas"/>
+          <p:cNvGraphicFramePr>
+            <a:graphicFrameLocks noGrp="1"/>
+          </p:cNvGraphicFramePr>
+          <p:nvPr>
+            <p:ph idx="1"/>
+            <p:extLst>
+              <p:ext uri="{D42A27DB-BD31-4B8C-83A1-F6EECF244321}">
+                <p14:modId xmlns:p14="http://schemas.microsoft.com/office/powerpoint/2010/main" val="920940382"/>
+              </p:ext>
+            </p:extLst>
+          </p:nvPr>
+        </p:nvGraphicFramePr>
+        <p:xfrm>
+          <a:off x="1295402" y="1981201"/>
+          <a:ext cx="9601200" cy="3810000"/>
+        </p:xfrm>
+        <a:graphic>
+          <a:graphicData uri="http://schemas.openxmlformats.org/drawingml/2006/chart">
+            <c:chart xmlns:c="http://schemas.openxmlformats.org/drawingml/2006/chart" xmlns:r="http://schemas.openxmlformats.org/officeDocument/2006/relationships" r:id="rId2"/>
+          </a:graphicData>
+        </a:graphic>
+      </p:graphicFrame>
+    </p:spTree>
+    <p:extLst>
+      <p:ext uri="{BB962C8B-B14F-4D97-AF65-F5344CB8AC3E}">
+        <p14:creationId xmlns:p14="http://schemas.microsoft.com/office/powerpoint/2010/main" val="1476019738"/>
+      </p:ext>
+    </p:extLst>
+  </p:cSld>
+  <p:clrMapOvr>
+    <a:masterClrMapping/>
+  </p:clrMapOvr>
+  <mc:AlternateContent xmlns:mc="http://schemas.openxmlformats.org/markup-compatibility/2006" xmlns:p14="http://schemas.microsoft.com/office/powerpoint/2010/main">
+    <mc:Choice Requires="p14">
+      <p:transition spd="med" p14:dur="700">
+        <p:fade/>
+      </p:transition>
+    </mc:Choice>
+    <mc:Fallback xmlns="">
+      <p:transition spd="med">
+        <p:fade/>
+      </p:transition>
+    </mc:Fallback>
+  </mc:AlternateContent>
+</p:sld>
+</file>
+
+<file path=ppt/slides/slide13.xml><?xml version="1.0" encoding="utf-8"?>
+<p:sld xmlns:a="http://schemas.openxmlformats.org/drawingml/2006/main" xmlns:r="http://schemas.openxmlformats.org/officeDocument/2006/relationships" xmlns:p="http://schemas.openxmlformats.org/presentationml/2006/main">
+  <p:cSld>
+    <p:spTree>
+      <p:nvGrpSpPr>
+        <p:cNvPr id="1" name=""/>
+        <p:cNvGrpSpPr/>
+        <p:nvPr/>
+      </p:nvGrpSpPr>
+      <p:grpSpPr>
+        <a:xfrm>
+          <a:off x="0" y="0"/>
+          <a:ext cx="0" cy="0"/>
+          <a:chOff x="0" y="0"/>
+          <a:chExt cx="0" cy="0"/>
+        </a:xfrm>
+      </p:grpSpPr>
+      <p:sp>
+        <p:nvSpPr>
+          <p:cNvPr id="2" name="Título 1"/>
+          <p:cNvSpPr>
+            <a:spLocks noGrp="1"/>
+          </p:cNvSpPr>
+          <p:nvPr>
+            <p:ph type="title"/>
+          </p:nvPr>
+        </p:nvSpPr>
+        <p:spPr/>
+        <p:txBody>
+          <a:bodyPr/>
+          <a:lstStyle/>
+          <a:p>
+            <a:r>
+              <a:rPr lang="pt-BR" dirty="0" smtClean="0"/>
               <a:t>Layout de conteúdo de duas partes com tabela</a:t>
             </a:r>
             <a:endParaRPr lang="pt-BR" dirty="0"/>
@@ -19519,7 +20050,7 @@
 </p:sld>
 </file>
 
-<file path=ppt/slides/slide11.xml><?xml version="1.0" encoding="utf-8"?>
+<file path=ppt/slides/slide14.xml><?xml version="1.0" encoding="utf-8"?>
 <p:sld xmlns:a="http://schemas.openxmlformats.org/drawingml/2006/main" xmlns:r="http://schemas.openxmlformats.org/officeDocument/2006/relationships" xmlns:p="http://schemas.openxmlformats.org/presentationml/2006/main">
   <p:cSld>
     <p:spTree>
@@ -19609,7 +20140,7 @@
 </p:sld>
 </file>
 
-<file path=ppt/slides/slide12.xml><?xml version="1.0" encoding="utf-8"?>
+<file path=ppt/slides/slide15.xml><?xml version="1.0" encoding="utf-8"?>
 <p:sld xmlns:a="http://schemas.openxmlformats.org/drawingml/2006/main" xmlns:r="http://schemas.openxmlformats.org/officeDocument/2006/relationships" xmlns:p="http://schemas.openxmlformats.org/presentationml/2006/main">
   <p:cSld>
     <p:spTree>
@@ -19746,7 +20277,7 @@
 </p:sld>
 </file>
 
-<file path=ppt/slides/slide13.xml><?xml version="1.0" encoding="utf-8"?>
+<file path=ppt/slides/slide16.xml><?xml version="1.0" encoding="utf-8"?>
 <p:sld xmlns:a="http://schemas.openxmlformats.org/drawingml/2006/main" xmlns:r="http://schemas.openxmlformats.org/officeDocument/2006/relationships" xmlns:p="http://schemas.openxmlformats.org/presentationml/2006/main">
   <p:cSld>
     <p:spTree>
@@ -19845,7 +20376,7 @@
 </p:sld>
 </file>
 
-<file path=ppt/slides/slide14.xml><?xml version="1.0" encoding="utf-8"?>
+<file path=ppt/slides/slide17.xml><?xml version="1.0" encoding="utf-8"?>
 <p:sld xmlns:a="http://schemas.openxmlformats.org/drawingml/2006/main" xmlns:r="http://schemas.openxmlformats.org/officeDocument/2006/relationships" xmlns:p="http://schemas.openxmlformats.org/presentationml/2006/main">
   <p:cSld>
     <p:spTree>
@@ -19970,12 +20501,8 @@
           <a:lstStyle/>
           <a:p>
             <a:r>
-              <a:rPr lang="pt-BR" dirty="0"/>
-              <a:t>Estimativas de </a:t>
-            </a:r>
-            <a:r>
               <a:rPr lang="pt-BR" dirty="0" smtClean="0"/>
-              <a:t>Projeto</a:t>
+              <a:t>Membros do Grupo</a:t>
             </a:r>
             <a:endParaRPr lang="pt-BR" dirty="0"/>
           </a:p>
@@ -20187,6 +20714,424 @@
           <a:lstStyle/>
           <a:p>
             <a:r>
+              <a:rPr lang="pt-BR" dirty="0" smtClean="0"/>
+              <a:t>Sobre o Ponto de Função</a:t>
+            </a:r>
+            <a:endParaRPr lang="pt-BR" dirty="0"/>
+          </a:p>
+        </p:txBody>
+      </p:sp>
+      <p:sp>
+        <p:nvSpPr>
+          <p:cNvPr id="3" name="Espaço Reservado para Conteúdo 2"/>
+          <p:cNvSpPr>
+            <a:spLocks noGrp="1"/>
+          </p:cNvSpPr>
+          <p:nvPr>
+            <p:ph idx="1"/>
+          </p:nvPr>
+        </p:nvSpPr>
+        <p:spPr/>
+        <p:txBody>
+          <a:bodyPr/>
+          <a:lstStyle/>
+          <a:p>
+            <a:r>
+              <a:rPr lang="pt-BR" dirty="0" smtClean="0"/>
+              <a:t>Elaborada por </a:t>
+            </a:r>
+            <a:r>
+              <a:rPr lang="pt-BR" dirty="0"/>
+              <a:t>Allan Albrecht da IBM e trazida a público em </a:t>
+            </a:r>
+            <a:r>
+              <a:rPr lang="pt-BR" dirty="0" smtClean="0"/>
+              <a:t>1979.</a:t>
+            </a:r>
+            <a:endParaRPr lang="pt-BR" dirty="0" smtClean="0"/>
+          </a:p>
+          <a:p>
+            <a:r>
+              <a:rPr lang="pt-BR" dirty="0" smtClean="0"/>
+              <a:t>Serve para estimar prazo, custo e esforço, entre outros.</a:t>
+            </a:r>
+            <a:endParaRPr lang="pt-BR" dirty="0" smtClean="0"/>
+          </a:p>
+          <a:p>
+            <a:r>
+              <a:rPr lang="pt-BR" dirty="0" smtClean="0"/>
+              <a:t>Leva em conta “pontos de função” que são unidades de medida para tarefas que o software deve realizar, externamente e internamente.</a:t>
+            </a:r>
+          </a:p>
+          <a:p>
+            <a:r>
+              <a:rPr lang="pt-BR" dirty="0" smtClean="0"/>
+              <a:t>Cada ponto tem um “peso” de acordo com a tabela.</a:t>
+            </a:r>
+            <a:endParaRPr lang="pt-BR" dirty="0" smtClean="0"/>
+          </a:p>
+        </p:txBody>
+      </p:sp>
+    </p:spTree>
+    <p:extLst>
+      <p:ext uri="{BB962C8B-B14F-4D97-AF65-F5344CB8AC3E}">
+        <p14:creationId xmlns:p14="http://schemas.microsoft.com/office/powerpoint/2010/main" val="3984617762"/>
+      </p:ext>
+    </p:extLst>
+  </p:cSld>
+  <p:clrMapOvr>
+    <a:masterClrMapping/>
+  </p:clrMapOvr>
+  <mc:AlternateContent xmlns:mc="http://schemas.openxmlformats.org/markup-compatibility/2006" xmlns:p14="http://schemas.microsoft.com/office/powerpoint/2010/main">
+    <mc:Choice Requires="p14">
+      <p:transition spd="med" p14:dur="700">
+        <p:fade/>
+      </p:transition>
+    </mc:Choice>
+    <mc:Fallback xmlns="">
+      <p:transition spd="med">
+        <p:fade/>
+      </p:transition>
+    </mc:Fallback>
+  </mc:AlternateContent>
+</p:sld>
+</file>
+
+<file path=ppt/slides/slide5.xml><?xml version="1.0" encoding="utf-8"?>
+<p:sld xmlns:a="http://schemas.openxmlformats.org/drawingml/2006/main" xmlns:r="http://schemas.openxmlformats.org/officeDocument/2006/relationships" xmlns:p="http://schemas.openxmlformats.org/presentationml/2006/main">
+  <p:cSld>
+    <p:spTree>
+      <p:nvGrpSpPr>
+        <p:cNvPr id="1" name=""/>
+        <p:cNvGrpSpPr/>
+        <p:nvPr/>
+      </p:nvGrpSpPr>
+      <p:grpSpPr>
+        <a:xfrm>
+          <a:off x="0" y="0"/>
+          <a:ext cx="0" cy="0"/>
+          <a:chOff x="0" y="0"/>
+          <a:chExt cx="0" cy="0"/>
+        </a:xfrm>
+      </p:grpSpPr>
+      <p:sp>
+        <p:nvSpPr>
+          <p:cNvPr id="2" name="Título 1"/>
+          <p:cNvSpPr>
+            <a:spLocks noGrp="1"/>
+          </p:cNvSpPr>
+          <p:nvPr>
+            <p:ph type="title"/>
+          </p:nvPr>
+        </p:nvSpPr>
+        <p:spPr/>
+        <p:txBody>
+          <a:bodyPr/>
+          <a:lstStyle/>
+          <a:p>
+            <a:r>
+              <a:rPr lang="pt-BR" dirty="0"/>
+              <a:t>Sobre o Ponto de Função</a:t>
+            </a:r>
+            <a:endParaRPr lang="pt-BR" dirty="0"/>
+          </a:p>
+        </p:txBody>
+      </p:sp>
+      <p:sp>
+        <p:nvSpPr>
+          <p:cNvPr id="3" name="Espaço Reservado para Texto 2"/>
+          <p:cNvSpPr>
+            <a:spLocks noGrp="1"/>
+          </p:cNvSpPr>
+          <p:nvPr>
+            <p:ph type="body" idx="1"/>
+          </p:nvPr>
+        </p:nvSpPr>
+        <p:spPr/>
+        <p:txBody>
+          <a:bodyPr/>
+          <a:lstStyle/>
+          <a:p>
+            <a:r>
+              <a:rPr lang="pt-BR" dirty="0"/>
+              <a:t>Funções de Entrada Externa </a:t>
+            </a:r>
+            <a:endParaRPr lang="pt-BR" dirty="0"/>
+          </a:p>
+        </p:txBody>
+      </p:sp>
+      <p:sp>
+        <p:nvSpPr>
+          <p:cNvPr id="4" name="Espaço Reservado para Conteúdo 3"/>
+          <p:cNvSpPr>
+            <a:spLocks noGrp="1"/>
+          </p:cNvSpPr>
+          <p:nvPr>
+            <p:ph sz="half" idx="2"/>
+          </p:nvPr>
+        </p:nvSpPr>
+        <p:spPr/>
+        <p:txBody>
+          <a:bodyPr/>
+          <a:lstStyle/>
+          <a:p>
+            <a:endParaRPr lang="pt-BR" dirty="0"/>
+          </a:p>
+        </p:txBody>
+      </p:sp>
+      <p:sp>
+        <p:nvSpPr>
+          <p:cNvPr id="5" name="Espaço Reservado para Texto 4"/>
+          <p:cNvSpPr>
+            <a:spLocks noGrp="1"/>
+          </p:cNvSpPr>
+          <p:nvPr>
+            <p:ph type="body" sz="quarter" idx="3"/>
+          </p:nvPr>
+        </p:nvSpPr>
+        <p:spPr/>
+        <p:txBody>
+          <a:bodyPr/>
+          <a:lstStyle/>
+          <a:p>
+            <a:r>
+              <a:rPr lang="pt-BR" dirty="0" err="1"/>
+              <a:t>Funcões</a:t>
+            </a:r>
+            <a:r>
+              <a:rPr lang="pt-BR" dirty="0"/>
+              <a:t> de Saída Externa</a:t>
+            </a:r>
+            <a:endParaRPr lang="pt-BR" dirty="0"/>
+          </a:p>
+        </p:txBody>
+      </p:sp>
+      <p:sp>
+        <p:nvSpPr>
+          <p:cNvPr id="6" name="Espaço Reservado para Conteúdo 5"/>
+          <p:cNvSpPr>
+            <a:spLocks noGrp="1"/>
+          </p:cNvSpPr>
+          <p:nvPr>
+            <p:ph sz="quarter" idx="4"/>
+          </p:nvPr>
+        </p:nvSpPr>
+        <p:spPr/>
+        <p:txBody>
+          <a:bodyPr/>
+          <a:lstStyle/>
+          <a:p>
+            <a:endParaRPr lang="pt-BR" dirty="0"/>
+          </a:p>
+        </p:txBody>
+      </p:sp>
+    </p:spTree>
+    <p:extLst>
+      <p:ext uri="{BB962C8B-B14F-4D97-AF65-F5344CB8AC3E}">
+        <p14:creationId xmlns:p14="http://schemas.microsoft.com/office/powerpoint/2010/main" val="2553069500"/>
+      </p:ext>
+    </p:extLst>
+  </p:cSld>
+  <p:clrMapOvr>
+    <a:masterClrMapping/>
+  </p:clrMapOvr>
+  <mc:AlternateContent xmlns:mc="http://schemas.openxmlformats.org/markup-compatibility/2006" xmlns:p14="http://schemas.microsoft.com/office/powerpoint/2010/main">
+    <mc:Choice Requires="p14">
+      <p:transition spd="med" p14:dur="700">
+        <p:fade/>
+      </p:transition>
+    </mc:Choice>
+    <mc:Fallback xmlns="">
+      <p:transition spd="med">
+        <p:fade/>
+      </p:transition>
+    </mc:Fallback>
+  </mc:AlternateContent>
+</p:sld>
+</file>
+
+<file path=ppt/slides/slide6.xml><?xml version="1.0" encoding="utf-8"?>
+<p:sld xmlns:a="http://schemas.openxmlformats.org/drawingml/2006/main" xmlns:r="http://schemas.openxmlformats.org/officeDocument/2006/relationships" xmlns:p="http://schemas.openxmlformats.org/presentationml/2006/main">
+  <p:cSld>
+    <p:spTree>
+      <p:nvGrpSpPr>
+        <p:cNvPr id="1" name=""/>
+        <p:cNvGrpSpPr/>
+        <p:nvPr/>
+      </p:nvGrpSpPr>
+      <p:grpSpPr>
+        <a:xfrm>
+          <a:off x="0" y="0"/>
+          <a:ext cx="0" cy="0"/>
+          <a:chOff x="0" y="0"/>
+          <a:chExt cx="0" cy="0"/>
+        </a:xfrm>
+      </p:grpSpPr>
+      <p:sp>
+        <p:nvSpPr>
+          <p:cNvPr id="2" name="Título 1"/>
+          <p:cNvSpPr>
+            <a:spLocks noGrp="1"/>
+          </p:cNvSpPr>
+          <p:nvPr>
+            <p:ph type="title"/>
+          </p:nvPr>
+        </p:nvSpPr>
+        <p:spPr/>
+        <p:txBody>
+          <a:bodyPr/>
+          <a:lstStyle/>
+          <a:p>
+            <a:r>
+              <a:rPr lang="pt-BR" dirty="0"/>
+              <a:t>Sobre o Ponto de Função</a:t>
+            </a:r>
+            <a:endParaRPr lang="pt-BR" dirty="0"/>
+          </a:p>
+        </p:txBody>
+      </p:sp>
+      <p:sp>
+        <p:nvSpPr>
+          <p:cNvPr id="3" name="Espaço Reservado para Texto 2"/>
+          <p:cNvSpPr>
+            <a:spLocks noGrp="1"/>
+          </p:cNvSpPr>
+          <p:nvPr>
+            <p:ph type="body" idx="1"/>
+          </p:nvPr>
+        </p:nvSpPr>
+        <p:spPr/>
+        <p:txBody>
+          <a:bodyPr/>
+          <a:lstStyle/>
+          <a:p>
+            <a:r>
+              <a:rPr lang="pt-BR" dirty="0"/>
+              <a:t>Arquivo Lógico</a:t>
+            </a:r>
+            <a:endParaRPr lang="pt-BR" dirty="0"/>
+          </a:p>
+        </p:txBody>
+      </p:sp>
+      <p:sp>
+        <p:nvSpPr>
+          <p:cNvPr id="4" name="Espaço Reservado para Conteúdo 3"/>
+          <p:cNvSpPr>
+            <a:spLocks noGrp="1"/>
+          </p:cNvSpPr>
+          <p:nvPr>
+            <p:ph sz="half" idx="2"/>
+          </p:nvPr>
+        </p:nvSpPr>
+        <p:spPr/>
+        <p:txBody>
+          <a:bodyPr/>
+          <a:lstStyle/>
+          <a:p>
+            <a:endParaRPr lang="pt-BR" dirty="0"/>
+          </a:p>
+        </p:txBody>
+      </p:sp>
+      <p:sp>
+        <p:nvSpPr>
+          <p:cNvPr id="5" name="Espaço Reservado para Texto 4"/>
+          <p:cNvSpPr>
+            <a:spLocks noGrp="1"/>
+          </p:cNvSpPr>
+          <p:nvPr>
+            <p:ph type="body" sz="quarter" idx="3"/>
+          </p:nvPr>
+        </p:nvSpPr>
+        <p:spPr/>
+        <p:txBody>
+          <a:bodyPr/>
+          <a:lstStyle/>
+          <a:p>
+            <a:r>
+              <a:rPr lang="pt-BR" dirty="0"/>
+              <a:t>Consultas e Requisições</a:t>
+            </a:r>
+            <a:endParaRPr lang="pt-BR" dirty="0"/>
+          </a:p>
+        </p:txBody>
+      </p:sp>
+      <p:sp>
+        <p:nvSpPr>
+          <p:cNvPr id="6" name="Espaço Reservado para Conteúdo 5"/>
+          <p:cNvSpPr>
+            <a:spLocks noGrp="1"/>
+          </p:cNvSpPr>
+          <p:nvPr>
+            <p:ph sz="quarter" idx="4"/>
+          </p:nvPr>
+        </p:nvSpPr>
+        <p:spPr/>
+        <p:txBody>
+          <a:bodyPr/>
+          <a:lstStyle/>
+          <a:p>
+            <a:endParaRPr lang="pt-BR" dirty="0"/>
+          </a:p>
+        </p:txBody>
+      </p:sp>
+    </p:spTree>
+    <p:extLst>
+      <p:ext uri="{BB962C8B-B14F-4D97-AF65-F5344CB8AC3E}">
+        <p14:creationId xmlns:p14="http://schemas.microsoft.com/office/powerpoint/2010/main" val="870973455"/>
+      </p:ext>
+    </p:extLst>
+  </p:cSld>
+  <p:clrMapOvr>
+    <a:masterClrMapping/>
+  </p:clrMapOvr>
+  <mc:AlternateContent xmlns:mc="http://schemas.openxmlformats.org/markup-compatibility/2006" xmlns:p14="http://schemas.microsoft.com/office/powerpoint/2010/main">
+    <mc:Choice Requires="p14">
+      <p:transition spd="med" p14:dur="700">
+        <p:fade/>
+      </p:transition>
+    </mc:Choice>
+    <mc:Fallback xmlns="">
+      <p:transition spd="med">
+        <p:fade/>
+      </p:transition>
+    </mc:Fallback>
+  </mc:AlternateContent>
+</p:sld>
+</file>
+
+<file path=ppt/slides/slide7.xml><?xml version="1.0" encoding="utf-8"?>
+<p:sld xmlns:a="http://schemas.openxmlformats.org/drawingml/2006/main" xmlns:r="http://schemas.openxmlformats.org/officeDocument/2006/relationships" xmlns:p="http://schemas.openxmlformats.org/presentationml/2006/main">
+  <p:cSld>
+    <p:spTree>
+      <p:nvGrpSpPr>
+        <p:cNvPr id="1" name=""/>
+        <p:cNvGrpSpPr/>
+        <p:nvPr/>
+      </p:nvGrpSpPr>
+      <p:grpSpPr>
+        <a:xfrm>
+          <a:off x="0" y="0"/>
+          <a:ext cx="0" cy="0"/>
+          <a:chOff x="0" y="0"/>
+          <a:chExt cx="0" cy="0"/>
+        </a:xfrm>
+      </p:grpSpPr>
+      <p:sp>
+        <p:nvSpPr>
+          <p:cNvPr id="2" name="Título 1"/>
+          <p:cNvSpPr>
+            <a:spLocks noGrp="1"/>
+          </p:cNvSpPr>
+          <p:nvPr>
+            <p:ph type="title"/>
+          </p:nvPr>
+        </p:nvSpPr>
+        <p:spPr/>
+        <p:txBody>
+          <a:bodyPr/>
+          <a:lstStyle/>
+          <a:p>
+            <a:r>
               <a:rPr lang="pt-BR" dirty="0"/>
               <a:t>Ponto de </a:t>
             </a:r>
@@ -20254,7 +21199,7 @@
     </p:spTree>
     <p:extLst>
       <p:ext uri="{BB962C8B-B14F-4D97-AF65-F5344CB8AC3E}">
-        <p14:creationId xmlns:p14="http://schemas.microsoft.com/office/powerpoint/2010/main" val="3984617762"/>
+        <p14:creationId xmlns:p14="http://schemas.microsoft.com/office/powerpoint/2010/main" val="1270479617"/>
       </p:ext>
     </p:extLst>
   </p:cSld>
@@ -20276,7 +21221,7 @@
 </p:sld>
 </file>
 
-<file path=ppt/slides/slide5.xml><?xml version="1.0" encoding="utf-8"?>
+<file path=ppt/slides/slide8.xml><?xml version="1.0" encoding="utf-8"?>
 <p:sld xmlns:a="http://schemas.openxmlformats.org/drawingml/2006/main" xmlns:r="http://schemas.openxmlformats.org/officeDocument/2006/relationships" xmlns:p="http://schemas.openxmlformats.org/presentationml/2006/main">
   <p:cSld>
     <p:spTree>
@@ -20424,7 +21369,7 @@
 </p:sld>
 </file>
 
-<file path=ppt/slides/slide6.xml><?xml version="1.0" encoding="utf-8"?>
+<file path=ppt/slides/slide9.xml><?xml version="1.0" encoding="utf-8"?>
 <p:sld xmlns:a="http://schemas.openxmlformats.org/drawingml/2006/main" xmlns:r="http://schemas.openxmlformats.org/officeDocument/2006/relationships" xmlns:p="http://schemas.openxmlformats.org/presentationml/2006/main">
   <p:cSld>
     <p:spTree>
@@ -20658,7 +21603,7 @@
           <a:graphicData uri="http://schemas.openxmlformats.org/presentationml/2006/ole">
             <mc:AlternateContent xmlns:mc="http://schemas.openxmlformats.org/markup-compatibility/2006">
               <mc:Choice xmlns:v="urn:schemas-microsoft-com:vml" Requires="v">
-                <p:oleObj spid="_x0000_s1027" name="Imagem de bitmap" r:id="rId3" imgW="5877745" imgH="4057143" progId="PBrush">
+                <p:oleObj spid="_x0000_s1029" name="Imagem de bitmap" r:id="rId3" imgW="5877745" imgH="4057143" progId="PBrush">
                   <p:embed/>
                 </p:oleObj>
               </mc:Choice>
@@ -20739,444 +21684,6 @@
     <p:extLst>
       <p:ext uri="{BB962C8B-B14F-4D97-AF65-F5344CB8AC3E}">
         <p14:creationId xmlns:p14="http://schemas.microsoft.com/office/powerpoint/2010/main" val="1416480409"/>
-      </p:ext>
-    </p:extLst>
-  </p:cSld>
-  <p:clrMapOvr>
-    <a:masterClrMapping/>
-  </p:clrMapOvr>
-  <mc:AlternateContent xmlns:mc="http://schemas.openxmlformats.org/markup-compatibility/2006" xmlns:p14="http://schemas.microsoft.com/office/powerpoint/2010/main">
-    <mc:Choice Requires="p14">
-      <p:transition spd="med" p14:dur="700">
-        <p:fade/>
-      </p:transition>
-    </mc:Choice>
-    <mc:Fallback xmlns="">
-      <p:transition spd="med">
-        <p:fade/>
-      </p:transition>
-    </mc:Fallback>
-  </mc:AlternateContent>
-</p:sld>
-</file>
-
-<file path=ppt/slides/slide7.xml><?xml version="1.0" encoding="utf-8"?>
-<p:sld xmlns:a="http://schemas.openxmlformats.org/drawingml/2006/main" xmlns:r="http://schemas.openxmlformats.org/officeDocument/2006/relationships" xmlns:p="http://schemas.openxmlformats.org/presentationml/2006/main">
-  <p:cSld>
-    <p:spTree>
-      <p:nvGrpSpPr>
-        <p:cNvPr id="1" name=""/>
-        <p:cNvGrpSpPr/>
-        <p:nvPr/>
-      </p:nvGrpSpPr>
-      <p:grpSpPr>
-        <a:xfrm>
-          <a:off x="0" y="0"/>
-          <a:ext cx="0" cy="0"/>
-          <a:chOff x="0" y="0"/>
-          <a:chExt cx="0" cy="0"/>
-        </a:xfrm>
-      </p:grpSpPr>
-      <p:sp>
-        <p:nvSpPr>
-          <p:cNvPr id="2" name="Título 1"/>
-          <p:cNvSpPr>
-            <a:spLocks noGrp="1"/>
-          </p:cNvSpPr>
-          <p:nvPr>
-            <p:ph type="title"/>
-          </p:nvPr>
-        </p:nvSpPr>
-        <p:spPr/>
-        <p:txBody>
-          <a:bodyPr/>
-          <a:lstStyle/>
-          <a:p>
-            <a:r>
-              <a:rPr lang="pt-BR" dirty="0" smtClean="0"/>
-              <a:t>Alocação de Trabalho</a:t>
-            </a:r>
-            <a:endParaRPr lang="pt-BR" dirty="0"/>
-          </a:p>
-        </p:txBody>
-      </p:sp>
-      <p:sp>
-        <p:nvSpPr>
-          <p:cNvPr id="3" name="Espaço Reservado para Conteúdo 2"/>
-          <p:cNvSpPr>
-            <a:spLocks noGrp="1"/>
-          </p:cNvSpPr>
-          <p:nvPr>
-            <p:ph sz="half" idx="1"/>
-          </p:nvPr>
-        </p:nvSpPr>
-        <p:spPr/>
-        <p:txBody>
-          <a:bodyPr/>
-          <a:lstStyle/>
-          <a:p>
-            <a:r>
-              <a:rPr lang="pt-BR" b="1" dirty="0" smtClean="0"/>
-              <a:t>Programador Java: </a:t>
-            </a:r>
-            <a:r>
-              <a:rPr lang="pt-BR" dirty="0" smtClean="0"/>
-              <a:t>Desenvolvimento geral</a:t>
-            </a:r>
-          </a:p>
-          <a:p>
-            <a:r>
-              <a:rPr lang="pt-BR" b="1" dirty="0" smtClean="0"/>
-              <a:t>Programador de Banco de Dados: </a:t>
-            </a:r>
-            <a:r>
-              <a:rPr lang="pt-BR" dirty="0" smtClean="0"/>
-              <a:t>SQL e ligação com o bando</a:t>
-            </a:r>
-          </a:p>
-          <a:p>
-            <a:r>
-              <a:rPr lang="pt-BR" b="1" dirty="0" smtClean="0"/>
-              <a:t>Programador de Interface: </a:t>
-            </a:r>
-            <a:r>
-              <a:rPr lang="pt-BR" dirty="0" smtClean="0"/>
-              <a:t>Interface gráfica e de comunicação com o usuário.</a:t>
-            </a:r>
-          </a:p>
-        </p:txBody>
-      </p:sp>
-      <p:graphicFrame>
-        <p:nvGraphicFramePr>
-          <p:cNvPr id="5" name="Espaço Reservado para Conteúdo 4" descr="Tabela de amostra com 3 colunas, 4 linhas"/>
-          <p:cNvGraphicFramePr>
-            <a:graphicFrameLocks noGrp="1"/>
-          </p:cNvGraphicFramePr>
-          <p:nvPr>
-            <p:ph sz="half" idx="2"/>
-            <p:extLst>
-              <p:ext uri="{D42A27DB-BD31-4B8C-83A1-F6EECF244321}">
-                <p14:modId xmlns:p14="http://schemas.microsoft.com/office/powerpoint/2010/main" val="96633156"/>
-              </p:ext>
-            </p:extLst>
-          </p:nvPr>
-        </p:nvGraphicFramePr>
-        <p:xfrm>
-          <a:off x="6740767" y="1629508"/>
-          <a:ext cx="4296510" cy="3657600"/>
-        </p:xfrm>
-        <a:graphic>
-          <a:graphicData uri="http://schemas.openxmlformats.org/drawingml/2006/table">
-            <a:tbl>
-              <a:tblPr firstRow="1" bandRow="1">
-                <a:tableStyleId>{69012ECD-51FC-41F1-AA8D-1B2483CD663E}</a:tableStyleId>
-              </a:tblPr>
-              <a:tblGrid>
-                <a:gridCol w="2148255"/>
-                <a:gridCol w="2148255"/>
-              </a:tblGrid>
-              <a:tr h="914400">
-                <a:tc>
-                  <a:txBody>
-                    <a:bodyPr/>
-                    <a:lstStyle/>
-                    <a:p>
-                      <a:endParaRPr lang="pt-BR" sz="1800" noProof="0" dirty="0"/>
-                    </a:p>
-                  </a:txBody>
-                  <a:tcPr anchor="ctr"/>
-                </a:tc>
-                <a:tc>
-                  <a:txBody>
-                    <a:bodyPr/>
-                    <a:lstStyle/>
-                    <a:p>
-                      <a:pPr algn="ctr"/>
-                      <a:r>
-                        <a:rPr lang="pt-BR" sz="1800" noProof="0" dirty="0" smtClean="0"/>
-                        <a:t>Hora</a:t>
-                      </a:r>
-                      <a:r>
-                        <a:rPr lang="pt-BR" sz="1800" baseline="0" noProof="0" dirty="0" smtClean="0"/>
-                        <a:t>s por Ponto de Função</a:t>
-                      </a:r>
-                      <a:endParaRPr lang="pt-BR" sz="1800" noProof="0" dirty="0"/>
-                    </a:p>
-                  </a:txBody>
-                  <a:tcPr anchor="ctr"/>
-                </a:tc>
-              </a:tr>
-              <a:tr h="914400">
-                <a:tc>
-                  <a:txBody>
-                    <a:bodyPr/>
-                    <a:lstStyle/>
-                    <a:p>
-                      <a:r>
-                        <a:rPr lang="pt-BR" sz="1800" noProof="0" dirty="0" smtClean="0"/>
-                        <a:t>Programador Java</a:t>
-                      </a:r>
-                      <a:endParaRPr lang="pt-BR" sz="1800" noProof="0" dirty="0"/>
-                    </a:p>
-                  </a:txBody>
-                  <a:tcPr anchor="ctr"/>
-                </a:tc>
-                <a:tc>
-                  <a:txBody>
-                    <a:bodyPr/>
-                    <a:lstStyle/>
-                    <a:p>
-                      <a:pPr algn="ctr"/>
-                      <a:r>
-                        <a:rPr lang="pt-BR" sz="1800" noProof="0" dirty="0" smtClean="0"/>
-                        <a:t>6</a:t>
-                      </a:r>
-                      <a:endParaRPr lang="pt-BR" sz="1800" noProof="0" dirty="0"/>
-                    </a:p>
-                  </a:txBody>
-                  <a:tcPr anchor="ctr"/>
-                </a:tc>
-              </a:tr>
-              <a:tr h="914400">
-                <a:tc>
-                  <a:txBody>
-                    <a:bodyPr/>
-                    <a:lstStyle/>
-                    <a:p>
-                      <a:r>
-                        <a:rPr lang="pt-BR" sz="1800" noProof="0" dirty="0" smtClean="0"/>
-                        <a:t>Programador Banco</a:t>
-                      </a:r>
-                      <a:r>
-                        <a:rPr lang="pt-BR" sz="1800" baseline="0" noProof="0" dirty="0" smtClean="0"/>
-                        <a:t> de dados</a:t>
-                      </a:r>
-                      <a:endParaRPr lang="pt-BR" sz="1800" noProof="0" dirty="0"/>
-                    </a:p>
-                  </a:txBody>
-                  <a:tcPr anchor="ctr"/>
-                </a:tc>
-                <a:tc>
-                  <a:txBody>
-                    <a:bodyPr/>
-                    <a:lstStyle/>
-                    <a:p>
-                      <a:pPr algn="ctr"/>
-                      <a:r>
-                        <a:rPr lang="pt-BR" sz="1800" noProof="0" dirty="0" smtClean="0"/>
-                        <a:t>4</a:t>
-                      </a:r>
-                      <a:endParaRPr lang="pt-BR" sz="1800" noProof="0" dirty="0"/>
-                    </a:p>
-                  </a:txBody>
-                  <a:tcPr anchor="ctr"/>
-                </a:tc>
-              </a:tr>
-              <a:tr h="914400">
-                <a:tc>
-                  <a:txBody>
-                    <a:bodyPr/>
-                    <a:lstStyle/>
-                    <a:p>
-                      <a:r>
-                        <a:rPr lang="pt-BR" sz="1800" noProof="0" dirty="0" smtClean="0"/>
-                        <a:t>Programador</a:t>
-                      </a:r>
-                      <a:r>
-                        <a:rPr lang="pt-BR" sz="1800" baseline="0" noProof="0" dirty="0" smtClean="0"/>
-                        <a:t> Interface</a:t>
-                      </a:r>
-                      <a:endParaRPr lang="pt-BR" sz="1800" noProof="0" dirty="0"/>
-                    </a:p>
-                  </a:txBody>
-                  <a:tcPr anchor="ctr"/>
-                </a:tc>
-                <a:tc>
-                  <a:txBody>
-                    <a:bodyPr/>
-                    <a:lstStyle/>
-                    <a:p>
-                      <a:pPr algn="ctr"/>
-                      <a:r>
-                        <a:rPr lang="pt-BR" sz="1800" noProof="0" dirty="0" smtClean="0"/>
-                        <a:t>3</a:t>
-                      </a:r>
-                      <a:endParaRPr lang="pt-BR" sz="1800" noProof="0" dirty="0"/>
-                    </a:p>
-                  </a:txBody>
-                  <a:tcPr anchor="ctr"/>
-                </a:tc>
-              </a:tr>
-            </a:tbl>
-          </a:graphicData>
-        </a:graphic>
-      </p:graphicFrame>
-    </p:spTree>
-    <p:extLst>
-      <p:ext uri="{BB962C8B-B14F-4D97-AF65-F5344CB8AC3E}">
-        <p14:creationId xmlns:p14="http://schemas.microsoft.com/office/powerpoint/2010/main" val="2475092730"/>
-      </p:ext>
-    </p:extLst>
-  </p:cSld>
-  <p:clrMapOvr>
-    <a:masterClrMapping/>
-  </p:clrMapOvr>
-  <mc:AlternateContent xmlns:mc="http://schemas.openxmlformats.org/markup-compatibility/2006" xmlns:p14="http://schemas.microsoft.com/office/powerpoint/2010/main">
-    <mc:Choice Requires="p14">
-      <p:transition spd="med" p14:dur="700">
-        <p:fade/>
-      </p:transition>
-    </mc:Choice>
-    <mc:Fallback xmlns="">
-      <p:transition spd="med">
-        <p:fade/>
-      </p:transition>
-    </mc:Fallback>
-  </mc:AlternateContent>
-</p:sld>
-</file>
-
-<file path=ppt/slides/slide8.xml><?xml version="1.0" encoding="utf-8"?>
-<p:sld xmlns:a="http://schemas.openxmlformats.org/drawingml/2006/main" xmlns:r="http://schemas.openxmlformats.org/officeDocument/2006/relationships" xmlns:p="http://schemas.openxmlformats.org/presentationml/2006/main">
-  <p:cSld>
-    <p:spTree>
-      <p:nvGrpSpPr>
-        <p:cNvPr id="1" name=""/>
-        <p:cNvGrpSpPr/>
-        <p:nvPr/>
-      </p:nvGrpSpPr>
-      <p:grpSpPr>
-        <a:xfrm>
-          <a:off x="0" y="0"/>
-          <a:ext cx="0" cy="0"/>
-          <a:chOff x="0" y="0"/>
-          <a:chExt cx="0" cy="0"/>
-        </a:xfrm>
-      </p:grpSpPr>
-      <p:pic>
-        <p:nvPicPr>
-          <p:cNvPr id="2" name="Imagem 1"/>
-          <p:cNvPicPr>
-            <a:picLocks noChangeAspect="1"/>
-          </p:cNvPicPr>
-          <p:nvPr/>
-        </p:nvPicPr>
-        <p:blipFill>
-          <a:blip r:embed="rId2">
-            <a:extLst>
-              <a:ext uri="{28A0092B-C50C-407E-A947-70E740481C1C}">
-                <a14:useLocalDpi xmlns:a14="http://schemas.microsoft.com/office/drawing/2010/main" val="0"/>
-              </a:ext>
-            </a:extLst>
-          </a:blip>
-          <a:stretch>
-            <a:fillRect/>
-          </a:stretch>
-        </p:blipFill>
-        <p:spPr>
-          <a:xfrm>
-            <a:off x="1112693" y="0"/>
-            <a:ext cx="9966614" cy="6858000"/>
-          </a:xfrm>
-          <a:prstGeom prst="rect">
-            <a:avLst/>
-          </a:prstGeom>
-        </p:spPr>
-      </p:pic>
-    </p:spTree>
-    <p:extLst>
-      <p:ext uri="{BB962C8B-B14F-4D97-AF65-F5344CB8AC3E}">
-        <p14:creationId xmlns:p14="http://schemas.microsoft.com/office/powerpoint/2010/main" val="1544302913"/>
-      </p:ext>
-    </p:extLst>
-  </p:cSld>
-  <p:clrMapOvr>
-    <a:masterClrMapping/>
-  </p:clrMapOvr>
-  <mc:AlternateContent xmlns:mc="http://schemas.openxmlformats.org/markup-compatibility/2006" xmlns:p14="http://schemas.microsoft.com/office/powerpoint/2010/main">
-    <mc:Choice Requires="p14">
-      <p:transition spd="med" p14:dur="700">
-        <p:fade/>
-      </p:transition>
-    </mc:Choice>
-    <mc:Fallback xmlns="">
-      <p:transition spd="med">
-        <p:fade/>
-      </p:transition>
-    </mc:Fallback>
-  </mc:AlternateContent>
-</p:sld>
-</file>
-
-<file path=ppt/slides/slide9.xml><?xml version="1.0" encoding="utf-8"?>
-<p:sld xmlns:a="http://schemas.openxmlformats.org/drawingml/2006/main" xmlns:r="http://schemas.openxmlformats.org/officeDocument/2006/relationships" xmlns:p="http://schemas.openxmlformats.org/presentationml/2006/main">
-  <p:cSld>
-    <p:spTree>
-      <p:nvGrpSpPr>
-        <p:cNvPr id="1" name=""/>
-        <p:cNvGrpSpPr/>
-        <p:nvPr/>
-      </p:nvGrpSpPr>
-      <p:grpSpPr>
-        <a:xfrm>
-          <a:off x="0" y="0"/>
-          <a:ext cx="0" cy="0"/>
-          <a:chOff x="0" y="0"/>
-          <a:chExt cx="0" cy="0"/>
-        </a:xfrm>
-      </p:grpSpPr>
-      <p:sp>
-        <p:nvSpPr>
-          <p:cNvPr id="2" name="Título 1"/>
-          <p:cNvSpPr>
-            <a:spLocks noGrp="1"/>
-          </p:cNvSpPr>
-          <p:nvPr>
-            <p:ph type="title"/>
-          </p:nvPr>
-        </p:nvSpPr>
-        <p:spPr/>
-        <p:txBody>
-          <a:bodyPr/>
-          <a:lstStyle/>
-          <a:p>
-            <a:r>
-              <a:rPr lang="pt-BR" dirty="0" smtClean="0"/>
-              <a:t>Layout do título e conteúdo com gráfico</a:t>
-            </a:r>
-            <a:endParaRPr lang="pt-BR" dirty="0"/>
-          </a:p>
-        </p:txBody>
-      </p:sp>
-      <p:graphicFrame>
-        <p:nvGraphicFramePr>
-          <p:cNvPr id="6" name="Espaço Reservado para Conteúdo 5" descr="Gráfico de colunas agrupadas"/>
-          <p:cNvGraphicFramePr>
-            <a:graphicFrameLocks noGrp="1"/>
-          </p:cNvGraphicFramePr>
-          <p:nvPr>
-            <p:ph idx="1"/>
-            <p:extLst>
-              <p:ext uri="{D42A27DB-BD31-4B8C-83A1-F6EECF244321}">
-                <p14:modId xmlns:p14="http://schemas.microsoft.com/office/powerpoint/2010/main" val="920940382"/>
-              </p:ext>
-            </p:extLst>
-          </p:nvPr>
-        </p:nvGraphicFramePr>
-        <p:xfrm>
-          <a:off x="1295402" y="1981201"/>
-          <a:ext cx="9601200" cy="3810000"/>
-        </p:xfrm>
-        <a:graphic>
-          <a:graphicData uri="http://schemas.openxmlformats.org/drawingml/2006/chart">
-            <c:chart xmlns:c="http://schemas.openxmlformats.org/drawingml/2006/chart" xmlns:r="http://schemas.openxmlformats.org/officeDocument/2006/relationships" r:id="rId2"/>
-          </a:graphicData>
-        </a:graphic>
-      </p:graphicFrame>
-    </p:spTree>
-    <p:extLst>
-      <p:ext uri="{BB962C8B-B14F-4D97-AF65-F5344CB8AC3E}">
-        <p14:creationId xmlns:p14="http://schemas.microsoft.com/office/powerpoint/2010/main" val="1476019738"/>
       </p:ext>
     </p:extLst>
   </p:cSld>

--- a/Apresentação - Estimativas .pptx
+++ b/Apresentação - Estimativas .pptx
@@ -5,10 +5,10 @@
     <p:sldMasterId id="2147483648" r:id="rId2"/>
   </p:sldMasterIdLst>
   <p:notesMasterIdLst>
-    <p:notesMasterId r:id="rId20"/>
+    <p:notesMasterId r:id="rId14"/>
   </p:notesMasterIdLst>
   <p:handoutMasterIdLst>
-    <p:handoutMasterId r:id="rId21"/>
+    <p:handoutMasterId r:id="rId15"/>
   </p:handoutMasterIdLst>
   <p:sldIdLst>
     <p:sldId id="265" r:id="rId3"/>
@@ -22,12 +22,6 @@
     <p:sldId id="275" r:id="rId11"/>
     <p:sldId id="263" r:id="rId12"/>
     <p:sldId id="268" r:id="rId13"/>
-    <p:sldId id="262" r:id="rId14"/>
-    <p:sldId id="273" r:id="rId15"/>
-    <p:sldId id="264" r:id="rId16"/>
-    <p:sldId id="272" r:id="rId17"/>
-    <p:sldId id="269" r:id="rId18"/>
-    <p:sldId id="270" r:id="rId19"/>
   </p:sldIdLst>
   <p:sldSz cx="12192000" cy="6858000"/>
   <p:notesSz cx="6858000" cy="9144000"/>
@@ -128,7 +122,7 @@
   </p:defaultTextStyle>
   <p:extLst>
     <p:ext uri="{EFAFB233-063F-42B5-8137-9DF3F51BA10A}">
-      <p15:sldGuideLst xmlns:p15="http://schemas.microsoft.com/office/powerpoint/2012/main" xmlns="">
+      <p15:sldGuideLst xmlns="" xmlns:p15="http://schemas.microsoft.com/office/powerpoint/2012/main">
         <p15:guide id="1" pos="3840" userDrawn="1">
           <p15:clr>
             <a:srgbClr val="A4A3A4"/>
@@ -142,3953 +136,10 @@
       </p15:sldGuideLst>
     </p:ext>
     <p:ext uri="{2D200454-40CA-4A62-9FC3-DE9A4176ACB9}">
-      <p15:notesGuideLst xmlns:p15="http://schemas.microsoft.com/office/powerpoint/2012/main" xmlns=""/>
+      <p15:notesGuideLst xmlns="" xmlns:p15="http://schemas.microsoft.com/office/powerpoint/2012/main"/>
     </p:ext>
   </p:extLst>
 </p:presentation>
-</file>
-
-<file path=ppt/charts/chart1.xml><?xml version="1.0" encoding="utf-8"?>
-<c:chartSpace xmlns:c="http://schemas.openxmlformats.org/drawingml/2006/chart" xmlns:a="http://schemas.openxmlformats.org/drawingml/2006/main" xmlns:r="http://schemas.openxmlformats.org/officeDocument/2006/relationships">
-  <c:date1904 val="0"/>
-  <c:lang val="pt-BR"/>
-  <c:roundedCorners val="0"/>
-  <mc:AlternateContent xmlns:mc="http://schemas.openxmlformats.org/markup-compatibility/2006">
-    <mc:Choice xmlns:c14="http://schemas.microsoft.com/office/drawing/2007/8/2/chart" Requires="c14">
-      <c14:style val="103"/>
-    </mc:Choice>
-    <mc:Fallback>
-      <c:style val="3"/>
-    </mc:Fallback>
-  </mc:AlternateContent>
-  <c:chart>
-    <c:autoTitleDeleted val="1"/>
-    <c:plotArea>
-      <c:layout/>
-      <c:barChart>
-        <c:barDir val="col"/>
-        <c:grouping val="clustered"/>
-        <c:varyColors val="0"/>
-        <c:ser>
-          <c:idx val="0"/>
-          <c:order val="0"/>
-          <c:tx>
-            <c:strRef>
-              <c:f>Sheet1!$B$1</c:f>
-              <c:strCache>
-                <c:ptCount val="1"/>
-                <c:pt idx="0">
-                  <c:v>Série 1</c:v>
-                </c:pt>
-              </c:strCache>
-            </c:strRef>
-          </c:tx>
-          <c:spPr>
-            <a:solidFill>
-              <a:schemeClr val="accent1">
-                <a:shade val="65000"/>
-              </a:schemeClr>
-            </a:solidFill>
-            <a:ln>
-              <a:noFill/>
-            </a:ln>
-            <a:effectLst/>
-          </c:spPr>
-          <c:invertIfNegative val="0"/>
-          <c:cat>
-            <c:strRef>
-              <c:f>Sheet1!$A$2:$A$5</c:f>
-              <c:strCache>
-                <c:ptCount val="4"/>
-                <c:pt idx="0">
-                  <c:v>Categoria 1</c:v>
-                </c:pt>
-                <c:pt idx="1">
-                  <c:v>Categoria 2</c:v>
-                </c:pt>
-                <c:pt idx="2">
-                  <c:v>Categoria 3</c:v>
-                </c:pt>
-                <c:pt idx="3">
-                  <c:v>Categoria 4</c:v>
-                </c:pt>
-              </c:strCache>
-            </c:strRef>
-          </c:cat>
-          <c:val>
-            <c:numRef>
-              <c:f>Sheet1!$B$2:$B$5</c:f>
-              <c:numCache>
-                <c:formatCode>General</c:formatCode>
-                <c:ptCount val="4"/>
-                <c:pt idx="0">
-                  <c:v>4.3</c:v>
-                </c:pt>
-                <c:pt idx="1">
-                  <c:v>2.5</c:v>
-                </c:pt>
-                <c:pt idx="2">
-                  <c:v>3.5</c:v>
-                </c:pt>
-                <c:pt idx="3">
-                  <c:v>4.5</c:v>
-                </c:pt>
-              </c:numCache>
-            </c:numRef>
-          </c:val>
-        </c:ser>
-        <c:ser>
-          <c:idx val="1"/>
-          <c:order val="1"/>
-          <c:tx>
-            <c:strRef>
-              <c:f>Sheet1!$C$1</c:f>
-              <c:strCache>
-                <c:ptCount val="1"/>
-                <c:pt idx="0">
-                  <c:v>Série 2</c:v>
-                </c:pt>
-              </c:strCache>
-            </c:strRef>
-          </c:tx>
-          <c:spPr>
-            <a:solidFill>
-              <a:schemeClr val="accent1"/>
-            </a:solidFill>
-            <a:ln>
-              <a:noFill/>
-            </a:ln>
-            <a:effectLst/>
-          </c:spPr>
-          <c:invertIfNegative val="0"/>
-          <c:cat>
-            <c:strRef>
-              <c:f>Sheet1!$A$2:$A$5</c:f>
-              <c:strCache>
-                <c:ptCount val="4"/>
-                <c:pt idx="0">
-                  <c:v>Categoria 1</c:v>
-                </c:pt>
-                <c:pt idx="1">
-                  <c:v>Categoria 2</c:v>
-                </c:pt>
-                <c:pt idx="2">
-                  <c:v>Categoria 3</c:v>
-                </c:pt>
-                <c:pt idx="3">
-                  <c:v>Categoria 4</c:v>
-                </c:pt>
-              </c:strCache>
-            </c:strRef>
-          </c:cat>
-          <c:val>
-            <c:numRef>
-              <c:f>Sheet1!$C$2:$C$5</c:f>
-              <c:numCache>
-                <c:formatCode>General</c:formatCode>
-                <c:ptCount val="4"/>
-                <c:pt idx="0">
-                  <c:v>2.4</c:v>
-                </c:pt>
-                <c:pt idx="1">
-                  <c:v>4.4000000000000004</c:v>
-                </c:pt>
-                <c:pt idx="2">
-                  <c:v>1.8</c:v>
-                </c:pt>
-                <c:pt idx="3">
-                  <c:v>2.8</c:v>
-                </c:pt>
-              </c:numCache>
-            </c:numRef>
-          </c:val>
-        </c:ser>
-        <c:ser>
-          <c:idx val="2"/>
-          <c:order val="2"/>
-          <c:tx>
-            <c:strRef>
-              <c:f>Sheet1!$D$1</c:f>
-              <c:strCache>
-                <c:ptCount val="1"/>
-                <c:pt idx="0">
-                  <c:v>Série 3</c:v>
-                </c:pt>
-              </c:strCache>
-            </c:strRef>
-          </c:tx>
-          <c:spPr>
-            <a:solidFill>
-              <a:schemeClr val="accent1">
-                <a:tint val="65000"/>
-              </a:schemeClr>
-            </a:solidFill>
-            <a:ln>
-              <a:noFill/>
-            </a:ln>
-            <a:effectLst/>
-          </c:spPr>
-          <c:invertIfNegative val="0"/>
-          <c:cat>
-            <c:strRef>
-              <c:f>Sheet1!$A$2:$A$5</c:f>
-              <c:strCache>
-                <c:ptCount val="4"/>
-                <c:pt idx="0">
-                  <c:v>Categoria 1</c:v>
-                </c:pt>
-                <c:pt idx="1">
-                  <c:v>Categoria 2</c:v>
-                </c:pt>
-                <c:pt idx="2">
-                  <c:v>Categoria 3</c:v>
-                </c:pt>
-                <c:pt idx="3">
-                  <c:v>Categoria 4</c:v>
-                </c:pt>
-              </c:strCache>
-            </c:strRef>
-          </c:cat>
-          <c:val>
-            <c:numRef>
-              <c:f>Sheet1!$D$2:$D$5</c:f>
-              <c:numCache>
-                <c:formatCode>General</c:formatCode>
-                <c:ptCount val="4"/>
-                <c:pt idx="0">
-                  <c:v>2</c:v>
-                </c:pt>
-                <c:pt idx="1">
-                  <c:v>2</c:v>
-                </c:pt>
-                <c:pt idx="2">
-                  <c:v>3</c:v>
-                </c:pt>
-                <c:pt idx="3">
-                  <c:v>5</c:v>
-                </c:pt>
-              </c:numCache>
-            </c:numRef>
-          </c:val>
-        </c:ser>
-        <c:dLbls>
-          <c:showLegendKey val="0"/>
-          <c:showVal val="0"/>
-          <c:showCatName val="0"/>
-          <c:showSerName val="0"/>
-          <c:showPercent val="0"/>
-          <c:showBubbleSize val="0"/>
-        </c:dLbls>
-        <c:gapWidth val="75"/>
-        <c:overlap val="-25"/>
-        <c:axId val="130334208"/>
-        <c:axId val="40418624"/>
-      </c:barChart>
-      <c:catAx>
-        <c:axId val="130334208"/>
-        <c:scaling>
-          <c:orientation val="minMax"/>
-        </c:scaling>
-        <c:delete val="0"/>
-        <c:axPos val="b"/>
-        <c:numFmt formatCode="General" sourceLinked="1"/>
-        <c:majorTickMark val="none"/>
-        <c:minorTickMark val="none"/>
-        <c:tickLblPos val="nextTo"/>
-        <c:spPr>
-          <a:noFill/>
-          <a:ln w="9525" cap="flat" cmpd="sng" algn="ctr">
-            <a:solidFill>
-              <a:schemeClr val="tx1">
-                <a:lumMod val="15000"/>
-                <a:lumOff val="85000"/>
-              </a:schemeClr>
-            </a:solidFill>
-            <a:round/>
-          </a:ln>
-          <a:effectLst/>
-        </c:spPr>
-        <c:txPr>
-          <a:bodyPr rot="-60000000" spcFirstLastPara="1" vertOverflow="ellipsis" vert="horz" wrap="square" anchor="ctr" anchorCtr="1"/>
-          <a:lstStyle/>
-          <a:p>
-            <a:pPr>
-              <a:defRPr sz="1197" b="0" i="0" u="none" strike="noStrike" kern="1200" baseline="0">
-                <a:solidFill>
-                  <a:schemeClr val="tx1">
-                    <a:lumMod val="65000"/>
-                    <a:lumOff val="35000"/>
-                  </a:schemeClr>
-                </a:solidFill>
-                <a:latin typeface="+mn-lt"/>
-                <a:ea typeface="+mn-ea"/>
-                <a:cs typeface="+mn-cs"/>
-              </a:defRPr>
-            </a:pPr>
-            <a:endParaRPr lang="pt-BR"/>
-          </a:p>
-        </c:txPr>
-        <c:crossAx val="40418624"/>
-        <c:crosses val="autoZero"/>
-        <c:auto val="1"/>
-        <c:lblAlgn val="ctr"/>
-        <c:lblOffset val="100"/>
-        <c:noMultiLvlLbl val="0"/>
-      </c:catAx>
-      <c:valAx>
-        <c:axId val="40418624"/>
-        <c:scaling>
-          <c:orientation val="minMax"/>
-        </c:scaling>
-        <c:delete val="0"/>
-        <c:axPos val="l"/>
-        <c:majorGridlines>
-          <c:spPr>
-            <a:ln w="9525" cap="flat" cmpd="sng" algn="ctr">
-              <a:solidFill>
-                <a:schemeClr val="tx1">
-                  <a:lumMod val="15000"/>
-                  <a:lumOff val="85000"/>
-                </a:schemeClr>
-              </a:solidFill>
-              <a:round/>
-            </a:ln>
-            <a:effectLst/>
-          </c:spPr>
-        </c:majorGridlines>
-        <c:numFmt formatCode="General" sourceLinked="1"/>
-        <c:majorTickMark val="none"/>
-        <c:minorTickMark val="none"/>
-        <c:tickLblPos val="nextTo"/>
-        <c:spPr>
-          <a:noFill/>
-          <a:ln>
-            <a:noFill/>
-          </a:ln>
-          <a:effectLst/>
-        </c:spPr>
-        <c:txPr>
-          <a:bodyPr rot="-60000000" spcFirstLastPara="1" vertOverflow="ellipsis" vert="horz" wrap="square" anchor="ctr" anchorCtr="1"/>
-          <a:lstStyle/>
-          <a:p>
-            <a:pPr>
-              <a:defRPr sz="1197" b="0" i="0" u="none" strike="noStrike" kern="1200" baseline="0">
-                <a:solidFill>
-                  <a:schemeClr val="tx1">
-                    <a:lumMod val="65000"/>
-                    <a:lumOff val="35000"/>
-                  </a:schemeClr>
-                </a:solidFill>
-                <a:latin typeface="+mn-lt"/>
-                <a:ea typeface="+mn-ea"/>
-                <a:cs typeface="+mn-cs"/>
-              </a:defRPr>
-            </a:pPr>
-            <a:endParaRPr lang="pt-BR"/>
-          </a:p>
-        </c:txPr>
-        <c:crossAx val="130334208"/>
-        <c:crosses val="autoZero"/>
-        <c:crossBetween val="between"/>
-      </c:valAx>
-      <c:spPr>
-        <a:noFill/>
-        <a:ln>
-          <a:noFill/>
-        </a:ln>
-        <a:effectLst/>
-      </c:spPr>
-    </c:plotArea>
-    <c:legend>
-      <c:legendPos val="b"/>
-      <c:layout/>
-      <c:overlay val="0"/>
-      <c:spPr>
-        <a:noFill/>
-        <a:ln>
-          <a:noFill/>
-        </a:ln>
-        <a:effectLst/>
-      </c:spPr>
-      <c:txPr>
-        <a:bodyPr rot="0" spcFirstLastPara="1" vertOverflow="ellipsis" vert="horz" wrap="square" anchor="ctr" anchorCtr="1"/>
-        <a:lstStyle/>
-        <a:p>
-          <a:pPr>
-            <a:defRPr sz="1197" b="0" i="0" u="none" strike="noStrike" kern="1200" baseline="0">
-              <a:solidFill>
-                <a:schemeClr val="tx1">
-                  <a:lumMod val="65000"/>
-                  <a:lumOff val="35000"/>
-                </a:schemeClr>
-              </a:solidFill>
-              <a:latin typeface="+mn-lt"/>
-              <a:ea typeface="+mn-ea"/>
-              <a:cs typeface="+mn-cs"/>
-            </a:defRPr>
-          </a:pPr>
-          <a:endParaRPr lang="pt-BR"/>
-        </a:p>
-      </c:txPr>
-    </c:legend>
-    <c:plotVisOnly val="1"/>
-    <c:dispBlanksAs val="gap"/>
-    <c:showDLblsOverMax val="0"/>
-  </c:chart>
-  <c:spPr>
-    <a:noFill/>
-    <a:ln>
-      <a:noFill/>
-    </a:ln>
-    <a:effectLst/>
-  </c:spPr>
-  <c:txPr>
-    <a:bodyPr/>
-    <a:lstStyle/>
-    <a:p>
-      <a:pPr>
-        <a:defRPr/>
-      </a:pPr>
-      <a:endParaRPr lang="pt-BR"/>
-    </a:p>
-  </c:txPr>
-  <c:externalData r:id="rId1">
-    <c:autoUpdate val="0"/>
-  </c:externalData>
-</c:chartSpace>
-</file>
-
-<file path=ppt/charts/colors1.xml><?xml version="1.0" encoding="utf-8"?>
-<cs:colorStyle xmlns:cs="http://schemas.microsoft.com/office/drawing/2012/chartStyle" xmlns:a="http://schemas.openxmlformats.org/drawingml/2006/main" meth="withinLinear" id="14">
-  <a:schemeClr val="accent1"/>
-</cs:colorStyle>
-</file>
-
-<file path=ppt/charts/style1.xml><?xml version="1.0" encoding="utf-8"?>
-<cs:chartStyle xmlns:cs="http://schemas.microsoft.com/office/drawing/2012/chartStyle" xmlns:a="http://schemas.openxmlformats.org/drawingml/2006/main" id="201">
-  <cs:axisTitle>
-    <cs:lnRef idx="0"/>
-    <cs:fillRef idx="0"/>
-    <cs:effectRef idx="0"/>
-    <cs:fontRef idx="minor">
-      <a:schemeClr val="tx1">
-        <a:lumMod val="65000"/>
-        <a:lumOff val="35000"/>
-      </a:schemeClr>
-    </cs:fontRef>
-    <cs:defRPr sz="1330" kern="1200"/>
-  </cs:axisTitle>
-  <cs:categoryAxis>
-    <cs:lnRef idx="0"/>
-    <cs:fillRef idx="0"/>
-    <cs:effectRef idx="0"/>
-    <cs:fontRef idx="minor">
-      <a:schemeClr val="tx1">
-        <a:lumMod val="65000"/>
-        <a:lumOff val="35000"/>
-      </a:schemeClr>
-    </cs:fontRef>
-    <cs:spPr>
-      <a:ln w="9525" cap="flat" cmpd="sng" algn="ctr">
-        <a:solidFill>
-          <a:schemeClr val="tx1">
-            <a:lumMod val="15000"/>
-            <a:lumOff val="85000"/>
-          </a:schemeClr>
-        </a:solidFill>
-        <a:round/>
-      </a:ln>
-    </cs:spPr>
-    <cs:defRPr sz="1197" kern="1200"/>
-  </cs:categoryAxis>
-  <cs:chartArea mods="allowNoFillOverride allowNoLineOverride">
-    <cs:lnRef idx="0"/>
-    <cs:fillRef idx="0"/>
-    <cs:effectRef idx="0"/>
-    <cs:fontRef idx="minor">
-      <a:schemeClr val="tx1"/>
-    </cs:fontRef>
-    <cs:spPr>
-      <a:solidFill>
-        <a:schemeClr val="bg1"/>
-      </a:solidFill>
-      <a:ln w="9525" cap="flat" cmpd="sng" algn="ctr">
-        <a:solidFill>
-          <a:schemeClr val="tx1">
-            <a:lumMod val="15000"/>
-            <a:lumOff val="85000"/>
-          </a:schemeClr>
-        </a:solidFill>
-        <a:round/>
-      </a:ln>
-    </cs:spPr>
-    <cs:defRPr sz="1330" kern="1200"/>
-  </cs:chartArea>
-  <cs:dataLabel>
-    <cs:lnRef idx="0"/>
-    <cs:fillRef idx="0"/>
-    <cs:effectRef idx="0"/>
-    <cs:fontRef idx="minor">
-      <a:schemeClr val="tx1">
-        <a:lumMod val="75000"/>
-        <a:lumOff val="25000"/>
-      </a:schemeClr>
-    </cs:fontRef>
-    <cs:defRPr sz="1197" kern="1200"/>
-  </cs:dataLabel>
-  <cs:dataLabelCallout>
-    <cs:lnRef idx="0"/>
-    <cs:fillRef idx="0"/>
-    <cs:effectRef idx="0"/>
-    <cs:fontRef idx="minor">
-      <a:schemeClr val="dk1">
-        <a:lumMod val="65000"/>
-        <a:lumOff val="35000"/>
-      </a:schemeClr>
-    </cs:fontRef>
-    <cs:spPr>
-      <a:solidFill>
-        <a:schemeClr val="lt1"/>
-      </a:solidFill>
-      <a:ln>
-        <a:solidFill>
-          <a:schemeClr val="dk1">
-            <a:lumMod val="25000"/>
-            <a:lumOff val="75000"/>
-          </a:schemeClr>
-        </a:solidFill>
-      </a:ln>
-    </cs:spPr>
-    <cs:defRPr sz="1197" kern="1200"/>
-  </cs:dataLabelCallout>
-  <cs:dataPoint>
-    <cs:lnRef idx="0"/>
-    <cs:fillRef idx="1">
-      <cs:styleClr val="auto"/>
-    </cs:fillRef>
-    <cs:effectRef idx="0"/>
-    <cs:fontRef idx="minor">
-      <a:schemeClr val="tx1"/>
-    </cs:fontRef>
-  </cs:dataPoint>
-  <cs:dataPoint3D>
-    <cs:lnRef idx="0"/>
-    <cs:fillRef idx="1">
-      <cs:styleClr val="auto"/>
-    </cs:fillRef>
-    <cs:effectRef idx="0"/>
-    <cs:fontRef idx="minor">
-      <a:schemeClr val="tx1"/>
-    </cs:fontRef>
-  </cs:dataPoint3D>
-  <cs:dataPointLine>
-    <cs:lnRef idx="0">
-      <cs:styleClr val="auto"/>
-    </cs:lnRef>
-    <cs:fillRef idx="1"/>
-    <cs:effectRef idx="0"/>
-    <cs:fontRef idx="minor">
-      <a:schemeClr val="tx1"/>
-    </cs:fontRef>
-    <cs:spPr>
-      <a:ln w="28575" cap="rnd">
-        <a:solidFill>
-          <a:schemeClr val="phClr"/>
-        </a:solidFill>
-        <a:round/>
-      </a:ln>
-    </cs:spPr>
-  </cs:dataPointLine>
-  <cs:dataPointMarker>
-    <cs:lnRef idx="0">
-      <cs:styleClr val="auto"/>
-    </cs:lnRef>
-    <cs:fillRef idx="1">
-      <cs:styleClr val="auto"/>
-    </cs:fillRef>
-    <cs:effectRef idx="0"/>
-    <cs:fontRef idx="minor">
-      <a:schemeClr val="tx1"/>
-    </cs:fontRef>
-    <cs:spPr>
-      <a:ln w="9525">
-        <a:solidFill>
-          <a:schemeClr val="phClr"/>
-        </a:solidFill>
-      </a:ln>
-    </cs:spPr>
-  </cs:dataPointMarker>
-  <cs:dataPointMarkerLayout symbol="circle" size="5"/>
-  <cs:dataPointWireframe>
-    <cs:lnRef idx="0">
-      <cs:styleClr val="auto"/>
-    </cs:lnRef>
-    <cs:fillRef idx="1"/>
-    <cs:effectRef idx="0"/>
-    <cs:fontRef idx="minor">
-      <a:schemeClr val="tx1"/>
-    </cs:fontRef>
-    <cs:spPr>
-      <a:ln w="9525" cap="rnd">
-        <a:solidFill>
-          <a:schemeClr val="phClr"/>
-        </a:solidFill>
-        <a:round/>
-      </a:ln>
-    </cs:spPr>
-  </cs:dataPointWireframe>
-  <cs:dataTable>
-    <cs:lnRef idx="0"/>
-    <cs:fillRef idx="0"/>
-    <cs:effectRef idx="0"/>
-    <cs:fontRef idx="minor">
-      <a:schemeClr val="tx1">
-        <a:lumMod val="65000"/>
-        <a:lumOff val="35000"/>
-      </a:schemeClr>
-    </cs:fontRef>
-    <cs:spPr>
-      <a:noFill/>
-      <a:ln w="9525" cap="flat" cmpd="sng" algn="ctr">
-        <a:solidFill>
-          <a:schemeClr val="tx1">
-            <a:lumMod val="15000"/>
-            <a:lumOff val="85000"/>
-          </a:schemeClr>
-        </a:solidFill>
-        <a:round/>
-      </a:ln>
-    </cs:spPr>
-    <cs:defRPr sz="1197" kern="1200"/>
-  </cs:dataTable>
-  <cs:downBar>
-    <cs:lnRef idx="0"/>
-    <cs:fillRef idx="0"/>
-    <cs:effectRef idx="0"/>
-    <cs:fontRef idx="minor">
-      <a:schemeClr val="dk1"/>
-    </cs:fontRef>
-    <cs:spPr>
-      <a:solidFill>
-        <a:schemeClr val="dk1">
-          <a:lumMod val="65000"/>
-          <a:lumOff val="35000"/>
-        </a:schemeClr>
-      </a:solidFill>
-      <a:ln w="9525">
-        <a:solidFill>
-          <a:schemeClr val="tx1">
-            <a:lumMod val="65000"/>
-            <a:lumOff val="35000"/>
-          </a:schemeClr>
-        </a:solidFill>
-      </a:ln>
-    </cs:spPr>
-  </cs:downBar>
-  <cs:dropLine>
-    <cs:lnRef idx="0"/>
-    <cs:fillRef idx="0"/>
-    <cs:effectRef idx="0"/>
-    <cs:fontRef idx="minor">
-      <a:schemeClr val="tx1"/>
-    </cs:fontRef>
-    <cs:spPr>
-      <a:ln w="9525" cap="flat" cmpd="sng" algn="ctr">
-        <a:solidFill>
-          <a:schemeClr val="tx1">
-            <a:lumMod val="35000"/>
-            <a:lumOff val="65000"/>
-          </a:schemeClr>
-        </a:solidFill>
-        <a:round/>
-      </a:ln>
-    </cs:spPr>
-  </cs:dropLine>
-  <cs:errorBar>
-    <cs:lnRef idx="0"/>
-    <cs:fillRef idx="0"/>
-    <cs:effectRef idx="0"/>
-    <cs:fontRef idx="minor">
-      <a:schemeClr val="tx1"/>
-    </cs:fontRef>
-    <cs:spPr>
-      <a:ln w="9525" cap="flat" cmpd="sng" algn="ctr">
-        <a:solidFill>
-          <a:schemeClr val="tx1">
-            <a:lumMod val="65000"/>
-            <a:lumOff val="35000"/>
-          </a:schemeClr>
-        </a:solidFill>
-        <a:round/>
-      </a:ln>
-    </cs:spPr>
-  </cs:errorBar>
-  <cs:floor>
-    <cs:lnRef idx="0"/>
-    <cs:fillRef idx="0"/>
-    <cs:effectRef idx="0"/>
-    <cs:fontRef idx="minor">
-      <a:schemeClr val="tx1"/>
-    </cs:fontRef>
-    <cs:spPr>
-      <a:noFill/>
-      <a:ln>
-        <a:noFill/>
-      </a:ln>
-    </cs:spPr>
-  </cs:floor>
-  <cs:gridlineMajor>
-    <cs:lnRef idx="0"/>
-    <cs:fillRef idx="0"/>
-    <cs:effectRef idx="0"/>
-    <cs:fontRef idx="minor">
-      <a:schemeClr val="tx1"/>
-    </cs:fontRef>
-    <cs:spPr>
-      <a:ln w="9525" cap="flat" cmpd="sng" algn="ctr">
-        <a:solidFill>
-          <a:schemeClr val="tx1">
-            <a:lumMod val="15000"/>
-            <a:lumOff val="85000"/>
-          </a:schemeClr>
-        </a:solidFill>
-        <a:round/>
-      </a:ln>
-    </cs:spPr>
-  </cs:gridlineMajor>
-  <cs:gridlineMinor>
-    <cs:lnRef idx="0"/>
-    <cs:fillRef idx="0"/>
-    <cs:effectRef idx="0"/>
-    <cs:fontRef idx="minor">
-      <a:schemeClr val="tx1"/>
-    </cs:fontRef>
-    <cs:spPr>
-      <a:ln w="9525" cap="flat" cmpd="sng" algn="ctr">
-        <a:solidFill>
-          <a:schemeClr val="tx1">
-            <a:lumMod val="5000"/>
-            <a:lumOff val="95000"/>
-          </a:schemeClr>
-        </a:solidFill>
-        <a:round/>
-      </a:ln>
-    </cs:spPr>
-  </cs:gridlineMinor>
-  <cs:hiLoLine>
-    <cs:lnRef idx="0"/>
-    <cs:fillRef idx="0"/>
-    <cs:effectRef idx="0"/>
-    <cs:fontRef idx="minor">
-      <a:schemeClr val="tx1"/>
-    </cs:fontRef>
-    <cs:spPr>
-      <a:ln w="9525" cap="flat" cmpd="sng" algn="ctr">
-        <a:solidFill>
-          <a:schemeClr val="tx1">
-            <a:lumMod val="75000"/>
-            <a:lumOff val="25000"/>
-          </a:schemeClr>
-        </a:solidFill>
-        <a:round/>
-      </a:ln>
-    </cs:spPr>
-  </cs:hiLoLine>
-  <cs:leaderLine>
-    <cs:lnRef idx="0"/>
-    <cs:fillRef idx="0"/>
-    <cs:effectRef idx="0"/>
-    <cs:fontRef idx="minor">
-      <a:schemeClr val="tx1"/>
-    </cs:fontRef>
-    <cs:spPr>
-      <a:ln w="9525" cap="flat" cmpd="sng" algn="ctr">
-        <a:solidFill>
-          <a:schemeClr val="tx1">
-            <a:lumMod val="35000"/>
-            <a:lumOff val="65000"/>
-          </a:schemeClr>
-        </a:solidFill>
-        <a:round/>
-      </a:ln>
-    </cs:spPr>
-  </cs:leaderLine>
-  <cs:legend>
-    <cs:lnRef idx="0"/>
-    <cs:fillRef idx="0"/>
-    <cs:effectRef idx="0"/>
-    <cs:fontRef idx="minor">
-      <a:schemeClr val="tx1">
-        <a:lumMod val="65000"/>
-        <a:lumOff val="35000"/>
-      </a:schemeClr>
-    </cs:fontRef>
-    <cs:defRPr sz="1197" kern="1200"/>
-  </cs:legend>
-  <cs:plotArea mods="allowNoFillOverride allowNoLineOverride">
-    <cs:lnRef idx="0"/>
-    <cs:fillRef idx="0"/>
-    <cs:effectRef idx="0"/>
-    <cs:fontRef idx="minor">
-      <a:schemeClr val="tx1"/>
-    </cs:fontRef>
-  </cs:plotArea>
-  <cs:plotArea3D mods="allowNoFillOverride allowNoLineOverride">
-    <cs:lnRef idx="0"/>
-    <cs:fillRef idx="0"/>
-    <cs:effectRef idx="0"/>
-    <cs:fontRef idx="minor">
-      <a:schemeClr val="tx1"/>
-    </cs:fontRef>
-  </cs:plotArea3D>
-  <cs:seriesAxis>
-    <cs:lnRef idx="0"/>
-    <cs:fillRef idx="0"/>
-    <cs:effectRef idx="0"/>
-    <cs:fontRef idx="minor">
-      <a:schemeClr val="tx1">
-        <a:lumMod val="65000"/>
-        <a:lumOff val="35000"/>
-      </a:schemeClr>
-    </cs:fontRef>
-    <cs:defRPr sz="1197" kern="1200"/>
-  </cs:seriesAxis>
-  <cs:seriesLine>
-    <cs:lnRef idx="0"/>
-    <cs:fillRef idx="0"/>
-    <cs:effectRef idx="0"/>
-    <cs:fontRef idx="minor">
-      <a:schemeClr val="tx1"/>
-    </cs:fontRef>
-    <cs:spPr>
-      <a:ln w="9525" cap="flat" cmpd="sng" algn="ctr">
-        <a:solidFill>
-          <a:schemeClr val="tx1">
-            <a:lumMod val="35000"/>
-            <a:lumOff val="65000"/>
-          </a:schemeClr>
-        </a:solidFill>
-        <a:round/>
-      </a:ln>
-    </cs:spPr>
-  </cs:seriesLine>
-  <cs:title>
-    <cs:lnRef idx="0"/>
-    <cs:fillRef idx="0"/>
-    <cs:effectRef idx="0"/>
-    <cs:fontRef idx="minor">
-      <a:schemeClr val="tx1">
-        <a:lumMod val="65000"/>
-        <a:lumOff val="35000"/>
-      </a:schemeClr>
-    </cs:fontRef>
-    <cs:defRPr sz="1862" b="0" kern="1200" spc="0" baseline="0"/>
-  </cs:title>
-  <cs:trendline>
-    <cs:lnRef idx="0">
-      <cs:styleClr val="auto"/>
-    </cs:lnRef>
-    <cs:fillRef idx="0"/>
-    <cs:effectRef idx="0"/>
-    <cs:fontRef idx="minor">
-      <a:schemeClr val="tx1"/>
-    </cs:fontRef>
-    <cs:spPr>
-      <a:ln w="19050" cap="rnd">
-        <a:solidFill>
-          <a:schemeClr val="phClr"/>
-        </a:solidFill>
-        <a:prstDash val="sysDot"/>
-      </a:ln>
-    </cs:spPr>
-  </cs:trendline>
-  <cs:trendlineLabel>
-    <cs:lnRef idx="0"/>
-    <cs:fillRef idx="0"/>
-    <cs:effectRef idx="0"/>
-    <cs:fontRef idx="minor">
-      <a:schemeClr val="tx1">
-        <a:lumMod val="65000"/>
-        <a:lumOff val="35000"/>
-      </a:schemeClr>
-    </cs:fontRef>
-    <cs:defRPr sz="1197" kern="1200"/>
-  </cs:trendlineLabel>
-  <cs:upBar>
-    <cs:lnRef idx="0"/>
-    <cs:fillRef idx="0"/>
-    <cs:effectRef idx="0"/>
-    <cs:fontRef idx="minor">
-      <a:schemeClr val="dk1"/>
-    </cs:fontRef>
-    <cs:spPr>
-      <a:solidFill>
-        <a:schemeClr val="lt1"/>
-      </a:solidFill>
-      <a:ln w="9525">
-        <a:solidFill>
-          <a:schemeClr val="tx1">
-            <a:lumMod val="15000"/>
-            <a:lumOff val="85000"/>
-          </a:schemeClr>
-        </a:solidFill>
-      </a:ln>
-    </cs:spPr>
-  </cs:upBar>
-  <cs:valueAxis>
-    <cs:lnRef idx="0"/>
-    <cs:fillRef idx="0"/>
-    <cs:effectRef idx="0"/>
-    <cs:fontRef idx="minor">
-      <a:schemeClr val="tx1">
-        <a:lumMod val="65000"/>
-        <a:lumOff val="35000"/>
-      </a:schemeClr>
-    </cs:fontRef>
-    <cs:defRPr sz="1197" kern="1200"/>
-  </cs:valueAxis>
-  <cs:wall>
-    <cs:lnRef idx="0"/>
-    <cs:fillRef idx="0"/>
-    <cs:effectRef idx="0"/>
-    <cs:fontRef idx="minor">
-      <a:schemeClr val="tx1"/>
-    </cs:fontRef>
-    <cs:spPr>
-      <a:noFill/>
-      <a:ln>
-        <a:noFill/>
-      </a:ln>
-    </cs:spPr>
-  </cs:wall>
-</cs:chartStyle>
-</file>
-
-<file path=ppt/diagrams/colors1.xml><?xml version="1.0" encoding="utf-8"?>
-<dgm:colorsDef xmlns:dgm="http://schemas.openxmlformats.org/drawingml/2006/diagram" xmlns:a="http://schemas.openxmlformats.org/drawingml/2006/main" uniqueId="urn:microsoft.com/office/officeart/2005/8/colors/accent1_2">
-  <dgm:title val=""/>
-  <dgm:desc val=""/>
-  <dgm:catLst>
-    <dgm:cat type="accent1" pri="11200"/>
-  </dgm:catLst>
-  <dgm:styleLbl name="node0">
-    <dgm:fillClrLst meth="repeat">
-      <a:schemeClr val="accent1"/>
-    </dgm:fillClrLst>
-    <dgm:linClrLst meth="repeat">
-      <a:schemeClr val="lt1"/>
-    </dgm:linClrLst>
-    <dgm:effectClrLst/>
-    <dgm:txLinClrLst/>
-    <dgm:txFillClrLst/>
-    <dgm:txEffectClrLst/>
-  </dgm:styleLbl>
-  <dgm:styleLbl name="alignNode1">
-    <dgm:fillClrLst meth="repeat">
-      <a:schemeClr val="accent1"/>
-    </dgm:fillClrLst>
-    <dgm:linClrLst meth="repeat">
-      <a:schemeClr val="accent1"/>
-    </dgm:linClrLst>
-    <dgm:effectClrLst/>
-    <dgm:txLinClrLst/>
-    <dgm:txFillClrLst/>
-    <dgm:txEffectClrLst/>
-  </dgm:styleLbl>
-  <dgm:styleLbl name="node1">
-    <dgm:fillClrLst meth="repeat">
-      <a:schemeClr val="accent1"/>
-    </dgm:fillClrLst>
-    <dgm:linClrLst meth="repeat">
-      <a:schemeClr val="lt1"/>
-    </dgm:linClrLst>
-    <dgm:effectClrLst/>
-    <dgm:txLinClrLst/>
-    <dgm:txFillClrLst/>
-    <dgm:txEffectClrLst/>
-  </dgm:styleLbl>
-  <dgm:styleLbl name="lnNode1">
-    <dgm:fillClrLst meth="repeat">
-      <a:schemeClr val="accent1"/>
-    </dgm:fillClrLst>
-    <dgm:linClrLst meth="repeat">
-      <a:schemeClr val="lt1"/>
-    </dgm:linClrLst>
-    <dgm:effectClrLst/>
-    <dgm:txLinClrLst/>
-    <dgm:txFillClrLst/>
-    <dgm:txEffectClrLst/>
-  </dgm:styleLbl>
-  <dgm:styleLbl name="vennNode1">
-    <dgm:fillClrLst meth="repeat">
-      <a:schemeClr val="accent1">
-        <a:alpha val="50000"/>
-      </a:schemeClr>
-    </dgm:fillClrLst>
-    <dgm:linClrLst meth="repeat">
-      <a:schemeClr val="lt1"/>
-    </dgm:linClrLst>
-    <dgm:effectClrLst/>
-    <dgm:txLinClrLst/>
-    <dgm:txFillClrLst/>
-    <dgm:txEffectClrLst/>
-  </dgm:styleLbl>
-  <dgm:styleLbl name="node2">
-    <dgm:fillClrLst meth="repeat">
-      <a:schemeClr val="accent1"/>
-    </dgm:fillClrLst>
-    <dgm:linClrLst meth="repeat">
-      <a:schemeClr val="lt1"/>
-    </dgm:linClrLst>
-    <dgm:effectClrLst/>
-    <dgm:txLinClrLst/>
-    <dgm:txFillClrLst/>
-    <dgm:txEffectClrLst/>
-  </dgm:styleLbl>
-  <dgm:styleLbl name="node3">
-    <dgm:fillClrLst meth="repeat">
-      <a:schemeClr val="accent1"/>
-    </dgm:fillClrLst>
-    <dgm:linClrLst meth="repeat">
-      <a:schemeClr val="lt1"/>
-    </dgm:linClrLst>
-    <dgm:effectClrLst/>
-    <dgm:txLinClrLst/>
-    <dgm:txFillClrLst/>
-    <dgm:txEffectClrLst/>
-  </dgm:styleLbl>
-  <dgm:styleLbl name="node4">
-    <dgm:fillClrLst meth="repeat">
-      <a:schemeClr val="accent1"/>
-    </dgm:fillClrLst>
-    <dgm:linClrLst meth="repeat">
-      <a:schemeClr val="lt1"/>
-    </dgm:linClrLst>
-    <dgm:effectClrLst/>
-    <dgm:txLinClrLst/>
-    <dgm:txFillClrLst/>
-    <dgm:txEffectClrLst/>
-  </dgm:styleLbl>
-  <dgm:styleLbl name="fgImgPlace1">
-    <dgm:fillClrLst meth="repeat">
-      <a:schemeClr val="accent1">
-        <a:tint val="50000"/>
-      </a:schemeClr>
-    </dgm:fillClrLst>
-    <dgm:linClrLst meth="repeat">
-      <a:schemeClr val="lt1"/>
-    </dgm:linClrLst>
-    <dgm:effectClrLst/>
-    <dgm:txLinClrLst/>
-    <dgm:txFillClrLst meth="repeat">
-      <a:schemeClr val="lt1"/>
-    </dgm:txFillClrLst>
-    <dgm:txEffectClrLst/>
-  </dgm:styleLbl>
-  <dgm:styleLbl name="alignImgPlace1">
-    <dgm:fillClrLst meth="repeat">
-      <a:schemeClr val="accent1">
-        <a:tint val="50000"/>
-      </a:schemeClr>
-    </dgm:fillClrLst>
-    <dgm:linClrLst meth="repeat">
-      <a:schemeClr val="lt1"/>
-    </dgm:linClrLst>
-    <dgm:effectClrLst/>
-    <dgm:txLinClrLst/>
-    <dgm:txFillClrLst meth="repeat">
-      <a:schemeClr val="lt1"/>
-    </dgm:txFillClrLst>
-    <dgm:txEffectClrLst/>
-  </dgm:styleLbl>
-  <dgm:styleLbl name="bgImgPlace1">
-    <dgm:fillClrLst meth="repeat">
-      <a:schemeClr val="accent1">
-        <a:tint val="50000"/>
-      </a:schemeClr>
-    </dgm:fillClrLst>
-    <dgm:linClrLst meth="repeat">
-      <a:schemeClr val="lt1"/>
-    </dgm:linClrLst>
-    <dgm:effectClrLst/>
-    <dgm:txLinClrLst/>
-    <dgm:txFillClrLst meth="repeat">
-      <a:schemeClr val="lt1"/>
-    </dgm:txFillClrLst>
-    <dgm:txEffectClrLst/>
-  </dgm:styleLbl>
-  <dgm:styleLbl name="sibTrans2D1">
-    <dgm:fillClrLst meth="repeat">
-      <a:schemeClr val="accent1">
-        <a:tint val="60000"/>
-      </a:schemeClr>
-    </dgm:fillClrLst>
-    <dgm:linClrLst meth="repeat">
-      <a:schemeClr val="accent1">
-        <a:tint val="60000"/>
-      </a:schemeClr>
-    </dgm:linClrLst>
-    <dgm:effectClrLst/>
-    <dgm:txLinClrLst/>
-    <dgm:txFillClrLst/>
-    <dgm:txEffectClrLst/>
-  </dgm:styleLbl>
-  <dgm:styleLbl name="fgSibTrans2D1">
-    <dgm:fillClrLst meth="repeat">
-      <a:schemeClr val="accent1">
-        <a:tint val="60000"/>
-      </a:schemeClr>
-    </dgm:fillClrLst>
-    <dgm:linClrLst meth="repeat">
-      <a:schemeClr val="accent1">
-        <a:tint val="60000"/>
-      </a:schemeClr>
-    </dgm:linClrLst>
-    <dgm:effectClrLst/>
-    <dgm:txLinClrLst/>
-    <dgm:txFillClrLst/>
-    <dgm:txEffectClrLst/>
-  </dgm:styleLbl>
-  <dgm:styleLbl name="bgSibTrans2D1">
-    <dgm:fillClrLst meth="repeat">
-      <a:schemeClr val="accent1">
-        <a:tint val="60000"/>
-      </a:schemeClr>
-    </dgm:fillClrLst>
-    <dgm:linClrLst meth="repeat">
-      <a:schemeClr val="accent1">
-        <a:tint val="60000"/>
-      </a:schemeClr>
-    </dgm:linClrLst>
-    <dgm:effectClrLst/>
-    <dgm:txLinClrLst/>
-    <dgm:txFillClrLst/>
-    <dgm:txEffectClrLst/>
-  </dgm:styleLbl>
-  <dgm:styleLbl name="sibTrans1D1">
-    <dgm:fillClrLst meth="repeat">
-      <a:schemeClr val="accent1"/>
-    </dgm:fillClrLst>
-    <dgm:linClrLst meth="repeat">
-      <a:schemeClr val="accent1"/>
-    </dgm:linClrLst>
-    <dgm:effectClrLst/>
-    <dgm:txLinClrLst/>
-    <dgm:txFillClrLst meth="repeat">
-      <a:schemeClr val="tx1"/>
-    </dgm:txFillClrLst>
-    <dgm:txEffectClrLst/>
-  </dgm:styleLbl>
-  <dgm:styleLbl name="callout">
-    <dgm:fillClrLst meth="repeat">
-      <a:schemeClr val="accent1"/>
-    </dgm:fillClrLst>
-    <dgm:linClrLst meth="repeat">
-      <a:schemeClr val="accent1">
-        <a:tint val="50000"/>
-      </a:schemeClr>
-    </dgm:linClrLst>
-    <dgm:effectClrLst/>
-    <dgm:txLinClrLst/>
-    <dgm:txFillClrLst meth="repeat">
-      <a:schemeClr val="tx1"/>
-    </dgm:txFillClrLst>
-    <dgm:txEffectClrLst/>
-  </dgm:styleLbl>
-  <dgm:styleLbl name="asst0">
-    <dgm:fillClrLst meth="repeat">
-      <a:schemeClr val="accent1"/>
-    </dgm:fillClrLst>
-    <dgm:linClrLst meth="repeat">
-      <a:schemeClr val="lt1"/>
-    </dgm:linClrLst>
-    <dgm:effectClrLst/>
-    <dgm:txLinClrLst/>
-    <dgm:txFillClrLst/>
-    <dgm:txEffectClrLst/>
-  </dgm:styleLbl>
-  <dgm:styleLbl name="asst1">
-    <dgm:fillClrLst meth="repeat">
-      <a:schemeClr val="accent1"/>
-    </dgm:fillClrLst>
-    <dgm:linClrLst meth="repeat">
-      <a:schemeClr val="lt1"/>
-    </dgm:linClrLst>
-    <dgm:effectClrLst/>
-    <dgm:txLinClrLst/>
-    <dgm:txFillClrLst/>
-    <dgm:txEffectClrLst/>
-  </dgm:styleLbl>
-  <dgm:styleLbl name="asst2">
-    <dgm:fillClrLst meth="repeat">
-      <a:schemeClr val="accent1"/>
-    </dgm:fillClrLst>
-    <dgm:linClrLst meth="repeat">
-      <a:schemeClr val="lt1"/>
-    </dgm:linClrLst>
-    <dgm:effectClrLst/>
-    <dgm:txLinClrLst/>
-    <dgm:txFillClrLst/>
-    <dgm:txEffectClrLst/>
-  </dgm:styleLbl>
-  <dgm:styleLbl name="asst3">
-    <dgm:fillClrLst meth="repeat">
-      <a:schemeClr val="accent1"/>
-    </dgm:fillClrLst>
-    <dgm:linClrLst meth="repeat">
-      <a:schemeClr val="lt1"/>
-    </dgm:linClrLst>
-    <dgm:effectClrLst/>
-    <dgm:txLinClrLst/>
-    <dgm:txFillClrLst/>
-    <dgm:txEffectClrLst/>
-  </dgm:styleLbl>
-  <dgm:styleLbl name="asst4">
-    <dgm:fillClrLst meth="repeat">
-      <a:schemeClr val="accent1"/>
-    </dgm:fillClrLst>
-    <dgm:linClrLst meth="repeat">
-      <a:schemeClr val="lt1"/>
-    </dgm:linClrLst>
-    <dgm:effectClrLst/>
-    <dgm:txLinClrLst/>
-    <dgm:txFillClrLst/>
-    <dgm:txEffectClrLst/>
-  </dgm:styleLbl>
-  <dgm:styleLbl name="parChTrans2D1">
-    <dgm:fillClrLst meth="repeat">
-      <a:schemeClr val="accent1">
-        <a:tint val="60000"/>
-      </a:schemeClr>
-    </dgm:fillClrLst>
-    <dgm:linClrLst meth="repeat">
-      <a:schemeClr val="accent1">
-        <a:tint val="60000"/>
-      </a:schemeClr>
-    </dgm:linClrLst>
-    <dgm:effectClrLst/>
-    <dgm:txLinClrLst/>
-    <dgm:txFillClrLst meth="repeat">
-      <a:schemeClr val="lt1"/>
-    </dgm:txFillClrLst>
-    <dgm:txEffectClrLst/>
-  </dgm:styleLbl>
-  <dgm:styleLbl name="parChTrans2D2">
-    <dgm:fillClrLst meth="repeat">
-      <a:schemeClr val="accent1"/>
-    </dgm:fillClrLst>
-    <dgm:linClrLst meth="repeat">
-      <a:schemeClr val="accent1"/>
-    </dgm:linClrLst>
-    <dgm:effectClrLst/>
-    <dgm:txLinClrLst/>
-    <dgm:txFillClrLst meth="repeat">
-      <a:schemeClr val="lt1"/>
-    </dgm:txFillClrLst>
-    <dgm:txEffectClrLst/>
-  </dgm:styleLbl>
-  <dgm:styleLbl name="parChTrans2D3">
-    <dgm:fillClrLst meth="repeat">
-      <a:schemeClr val="accent1"/>
-    </dgm:fillClrLst>
-    <dgm:linClrLst meth="repeat">
-      <a:schemeClr val="accent1"/>
-    </dgm:linClrLst>
-    <dgm:effectClrLst/>
-    <dgm:txLinClrLst/>
-    <dgm:txFillClrLst meth="repeat">
-      <a:schemeClr val="lt1"/>
-    </dgm:txFillClrLst>
-    <dgm:txEffectClrLst/>
-  </dgm:styleLbl>
-  <dgm:styleLbl name="parChTrans2D4">
-    <dgm:fillClrLst meth="repeat">
-      <a:schemeClr val="accent1"/>
-    </dgm:fillClrLst>
-    <dgm:linClrLst meth="repeat">
-      <a:schemeClr val="accent1"/>
-    </dgm:linClrLst>
-    <dgm:effectClrLst/>
-    <dgm:txLinClrLst/>
-    <dgm:txFillClrLst meth="repeat">
-      <a:schemeClr val="lt1"/>
-    </dgm:txFillClrLst>
-    <dgm:txEffectClrLst/>
-  </dgm:styleLbl>
-  <dgm:styleLbl name="parChTrans1D1">
-    <dgm:fillClrLst meth="repeat">
-      <a:schemeClr val="accent1"/>
-    </dgm:fillClrLst>
-    <dgm:linClrLst meth="repeat">
-      <a:schemeClr val="accent1">
-        <a:shade val="60000"/>
-      </a:schemeClr>
-    </dgm:linClrLst>
-    <dgm:effectClrLst/>
-    <dgm:txLinClrLst/>
-    <dgm:txFillClrLst meth="repeat">
-      <a:schemeClr val="tx1"/>
-    </dgm:txFillClrLst>
-    <dgm:txEffectClrLst/>
-  </dgm:styleLbl>
-  <dgm:styleLbl name="parChTrans1D2">
-    <dgm:fillClrLst meth="repeat">
-      <a:schemeClr val="accent1"/>
-    </dgm:fillClrLst>
-    <dgm:linClrLst meth="repeat">
-      <a:schemeClr val="accent1">
-        <a:shade val="60000"/>
-      </a:schemeClr>
-    </dgm:linClrLst>
-    <dgm:effectClrLst/>
-    <dgm:txLinClrLst/>
-    <dgm:txFillClrLst meth="repeat">
-      <a:schemeClr val="tx1"/>
-    </dgm:txFillClrLst>
-    <dgm:txEffectClrLst/>
-  </dgm:styleLbl>
-  <dgm:styleLbl name="parChTrans1D3">
-    <dgm:fillClrLst meth="repeat">
-      <a:schemeClr val="accent1"/>
-    </dgm:fillClrLst>
-    <dgm:linClrLst meth="repeat">
-      <a:schemeClr val="accent1">
-        <a:shade val="80000"/>
-      </a:schemeClr>
-    </dgm:linClrLst>
-    <dgm:effectClrLst/>
-    <dgm:txLinClrLst/>
-    <dgm:txFillClrLst meth="repeat">
-      <a:schemeClr val="tx1"/>
-    </dgm:txFillClrLst>
-    <dgm:txEffectClrLst/>
-  </dgm:styleLbl>
-  <dgm:styleLbl name="parChTrans1D4">
-    <dgm:fillClrLst meth="repeat">
-      <a:schemeClr val="accent1"/>
-    </dgm:fillClrLst>
-    <dgm:linClrLst meth="repeat">
-      <a:schemeClr val="accent1">
-        <a:shade val="80000"/>
-      </a:schemeClr>
-    </dgm:linClrLst>
-    <dgm:effectClrLst/>
-    <dgm:txLinClrLst/>
-    <dgm:txFillClrLst meth="repeat">
-      <a:schemeClr val="tx1"/>
-    </dgm:txFillClrLst>
-    <dgm:txEffectClrLst/>
-  </dgm:styleLbl>
-  <dgm:styleLbl name="fgAcc1">
-    <dgm:fillClrLst meth="repeat">
-      <a:schemeClr val="lt1">
-        <a:alpha val="90000"/>
-      </a:schemeClr>
-    </dgm:fillClrLst>
-    <dgm:linClrLst meth="repeat">
-      <a:schemeClr val="accent1"/>
-    </dgm:linClrLst>
-    <dgm:effectClrLst/>
-    <dgm:txLinClrLst/>
-    <dgm:txFillClrLst meth="repeat">
-      <a:schemeClr val="dk1"/>
-    </dgm:txFillClrLst>
-    <dgm:txEffectClrLst/>
-  </dgm:styleLbl>
-  <dgm:styleLbl name="conFgAcc1">
-    <dgm:fillClrLst meth="repeat">
-      <a:schemeClr val="lt1">
-        <a:alpha val="90000"/>
-      </a:schemeClr>
-    </dgm:fillClrLst>
-    <dgm:linClrLst meth="repeat">
-      <a:schemeClr val="accent1"/>
-    </dgm:linClrLst>
-    <dgm:effectClrLst/>
-    <dgm:txLinClrLst/>
-    <dgm:txFillClrLst meth="repeat">
-      <a:schemeClr val="dk1"/>
-    </dgm:txFillClrLst>
-    <dgm:txEffectClrLst/>
-  </dgm:styleLbl>
-  <dgm:styleLbl name="alignAcc1">
-    <dgm:fillClrLst meth="repeat">
-      <a:schemeClr val="lt1">
-        <a:alpha val="90000"/>
-      </a:schemeClr>
-    </dgm:fillClrLst>
-    <dgm:linClrLst meth="repeat">
-      <a:schemeClr val="accent1"/>
-    </dgm:linClrLst>
-    <dgm:effectClrLst/>
-    <dgm:txLinClrLst/>
-    <dgm:txFillClrLst meth="repeat">
-      <a:schemeClr val="dk1"/>
-    </dgm:txFillClrLst>
-    <dgm:txEffectClrLst/>
-  </dgm:styleLbl>
-  <dgm:styleLbl name="trAlignAcc1">
-    <dgm:fillClrLst meth="repeat">
-      <a:schemeClr val="lt1">
-        <a:alpha val="40000"/>
-      </a:schemeClr>
-    </dgm:fillClrLst>
-    <dgm:linClrLst meth="repeat">
-      <a:schemeClr val="accent1"/>
-    </dgm:linClrLst>
-    <dgm:effectClrLst/>
-    <dgm:txLinClrLst/>
-    <dgm:txFillClrLst meth="repeat">
-      <a:schemeClr val="dk1"/>
-    </dgm:txFillClrLst>
-    <dgm:txEffectClrLst/>
-  </dgm:styleLbl>
-  <dgm:styleLbl name="bgAcc1">
-    <dgm:fillClrLst meth="repeat">
-      <a:schemeClr val="lt1">
-        <a:alpha val="90000"/>
-      </a:schemeClr>
-    </dgm:fillClrLst>
-    <dgm:linClrLst meth="repeat">
-      <a:schemeClr val="accent1"/>
-    </dgm:linClrLst>
-    <dgm:effectClrLst/>
-    <dgm:txLinClrLst/>
-    <dgm:txFillClrLst meth="repeat">
-      <a:schemeClr val="dk1"/>
-    </dgm:txFillClrLst>
-    <dgm:txEffectClrLst/>
-  </dgm:styleLbl>
-  <dgm:styleLbl name="solidFgAcc1">
-    <dgm:fillClrLst meth="repeat">
-      <a:schemeClr val="lt1"/>
-    </dgm:fillClrLst>
-    <dgm:linClrLst meth="repeat">
-      <a:schemeClr val="accent1"/>
-    </dgm:linClrLst>
-    <dgm:effectClrLst/>
-    <dgm:txLinClrLst/>
-    <dgm:txFillClrLst meth="repeat">
-      <a:schemeClr val="dk1"/>
-    </dgm:txFillClrLst>
-    <dgm:txEffectClrLst/>
-  </dgm:styleLbl>
-  <dgm:styleLbl name="solidAlignAcc1">
-    <dgm:fillClrLst meth="repeat">
-      <a:schemeClr val="lt1"/>
-    </dgm:fillClrLst>
-    <dgm:linClrLst meth="repeat">
-      <a:schemeClr val="accent1"/>
-    </dgm:linClrLst>
-    <dgm:effectClrLst/>
-    <dgm:txLinClrLst/>
-    <dgm:txFillClrLst meth="repeat">
-      <a:schemeClr val="dk1"/>
-    </dgm:txFillClrLst>
-    <dgm:txEffectClrLst/>
-  </dgm:styleLbl>
-  <dgm:styleLbl name="solidBgAcc1">
-    <dgm:fillClrLst meth="repeat">
-      <a:schemeClr val="lt1"/>
-    </dgm:fillClrLst>
-    <dgm:linClrLst meth="repeat">
-      <a:schemeClr val="accent1"/>
-    </dgm:linClrLst>
-    <dgm:effectClrLst/>
-    <dgm:txLinClrLst/>
-    <dgm:txFillClrLst meth="repeat">
-      <a:schemeClr val="dk1"/>
-    </dgm:txFillClrLst>
-    <dgm:txEffectClrLst/>
-  </dgm:styleLbl>
-  <dgm:styleLbl name="fgAccFollowNode1">
-    <dgm:fillClrLst meth="repeat">
-      <a:schemeClr val="accent1">
-        <a:alpha val="90000"/>
-        <a:tint val="40000"/>
-      </a:schemeClr>
-    </dgm:fillClrLst>
-    <dgm:linClrLst meth="repeat">
-      <a:schemeClr val="accent1">
-        <a:alpha val="90000"/>
-        <a:tint val="40000"/>
-      </a:schemeClr>
-    </dgm:linClrLst>
-    <dgm:effectClrLst/>
-    <dgm:txLinClrLst/>
-    <dgm:txFillClrLst meth="repeat">
-      <a:schemeClr val="dk1"/>
-    </dgm:txFillClrLst>
-    <dgm:txEffectClrLst/>
-  </dgm:styleLbl>
-  <dgm:styleLbl name="alignAccFollowNode1">
-    <dgm:fillClrLst meth="repeat">
-      <a:schemeClr val="accent1">
-        <a:alpha val="90000"/>
-        <a:tint val="40000"/>
-      </a:schemeClr>
-    </dgm:fillClrLst>
-    <dgm:linClrLst meth="repeat">
-      <a:schemeClr val="accent1">
-        <a:alpha val="90000"/>
-        <a:tint val="40000"/>
-      </a:schemeClr>
-    </dgm:linClrLst>
-    <dgm:effectClrLst/>
-    <dgm:txLinClrLst/>
-    <dgm:txFillClrLst meth="repeat">
-      <a:schemeClr val="dk1"/>
-    </dgm:txFillClrLst>
-    <dgm:txEffectClrLst/>
-  </dgm:styleLbl>
-  <dgm:styleLbl name="bgAccFollowNode1">
-    <dgm:fillClrLst meth="repeat">
-      <a:schemeClr val="accent1">
-        <a:alpha val="90000"/>
-        <a:tint val="40000"/>
-      </a:schemeClr>
-    </dgm:fillClrLst>
-    <dgm:linClrLst meth="repeat">
-      <a:schemeClr val="accent1">
-        <a:alpha val="90000"/>
-        <a:tint val="40000"/>
-      </a:schemeClr>
-    </dgm:linClrLst>
-    <dgm:effectClrLst/>
-    <dgm:txLinClrLst/>
-    <dgm:txFillClrLst meth="repeat">
-      <a:schemeClr val="dk1"/>
-    </dgm:txFillClrLst>
-    <dgm:txEffectClrLst/>
-  </dgm:styleLbl>
-  <dgm:styleLbl name="fgAcc0">
-    <dgm:fillClrLst meth="repeat">
-      <a:schemeClr val="lt1">
-        <a:alpha val="90000"/>
-      </a:schemeClr>
-    </dgm:fillClrLst>
-    <dgm:linClrLst meth="repeat">
-      <a:schemeClr val="accent1"/>
-    </dgm:linClrLst>
-    <dgm:effectClrLst/>
-    <dgm:txLinClrLst/>
-    <dgm:txFillClrLst meth="repeat">
-      <a:schemeClr val="dk1"/>
-    </dgm:txFillClrLst>
-    <dgm:txEffectClrLst/>
-  </dgm:styleLbl>
-  <dgm:styleLbl name="fgAcc2">
-    <dgm:fillClrLst meth="repeat">
-      <a:schemeClr val="lt1">
-        <a:alpha val="90000"/>
-      </a:schemeClr>
-    </dgm:fillClrLst>
-    <dgm:linClrLst meth="repeat">
-      <a:schemeClr val="accent1"/>
-    </dgm:linClrLst>
-    <dgm:effectClrLst/>
-    <dgm:txLinClrLst/>
-    <dgm:txFillClrLst meth="repeat">
-      <a:schemeClr val="dk1"/>
-    </dgm:txFillClrLst>
-    <dgm:txEffectClrLst/>
-  </dgm:styleLbl>
-  <dgm:styleLbl name="fgAcc3">
-    <dgm:fillClrLst meth="repeat">
-      <a:schemeClr val="lt1">
-        <a:alpha val="90000"/>
-      </a:schemeClr>
-    </dgm:fillClrLst>
-    <dgm:linClrLst meth="repeat">
-      <a:schemeClr val="accent1"/>
-    </dgm:linClrLst>
-    <dgm:effectClrLst/>
-    <dgm:txLinClrLst/>
-    <dgm:txFillClrLst meth="repeat">
-      <a:schemeClr val="dk1"/>
-    </dgm:txFillClrLst>
-    <dgm:txEffectClrLst/>
-  </dgm:styleLbl>
-  <dgm:styleLbl name="fgAcc4">
-    <dgm:fillClrLst meth="repeat">
-      <a:schemeClr val="lt1">
-        <a:alpha val="90000"/>
-      </a:schemeClr>
-    </dgm:fillClrLst>
-    <dgm:linClrLst meth="repeat">
-      <a:schemeClr val="accent1"/>
-    </dgm:linClrLst>
-    <dgm:effectClrLst/>
-    <dgm:txLinClrLst/>
-    <dgm:txFillClrLst meth="repeat">
-      <a:schemeClr val="dk1"/>
-    </dgm:txFillClrLst>
-    <dgm:txEffectClrLst/>
-  </dgm:styleLbl>
-  <dgm:styleLbl name="bgShp">
-    <dgm:fillClrLst meth="repeat">
-      <a:schemeClr val="accent1">
-        <a:tint val="40000"/>
-      </a:schemeClr>
-    </dgm:fillClrLst>
-    <dgm:linClrLst meth="repeat">
-      <a:schemeClr val="accent1"/>
-    </dgm:linClrLst>
-    <dgm:effectClrLst/>
-    <dgm:txLinClrLst/>
-    <dgm:txFillClrLst meth="repeat">
-      <a:schemeClr val="dk1"/>
-    </dgm:txFillClrLst>
-    <dgm:txEffectClrLst/>
-  </dgm:styleLbl>
-  <dgm:styleLbl name="dkBgShp">
-    <dgm:fillClrLst meth="repeat">
-      <a:schemeClr val="accent1">
-        <a:shade val="80000"/>
-      </a:schemeClr>
-    </dgm:fillClrLst>
-    <dgm:linClrLst meth="repeat">
-      <a:schemeClr val="accent1"/>
-    </dgm:linClrLst>
-    <dgm:effectClrLst/>
-    <dgm:txLinClrLst/>
-    <dgm:txFillClrLst meth="repeat">
-      <a:schemeClr val="lt1"/>
-    </dgm:txFillClrLst>
-    <dgm:txEffectClrLst/>
-  </dgm:styleLbl>
-  <dgm:styleLbl name="trBgShp">
-    <dgm:fillClrLst meth="repeat">
-      <a:schemeClr val="accent1">
-        <a:tint val="50000"/>
-        <a:alpha val="40000"/>
-      </a:schemeClr>
-    </dgm:fillClrLst>
-    <dgm:linClrLst meth="repeat">
-      <a:schemeClr val="accent1"/>
-    </dgm:linClrLst>
-    <dgm:effectClrLst/>
-    <dgm:txLinClrLst/>
-    <dgm:txFillClrLst meth="repeat">
-      <a:schemeClr val="lt1"/>
-    </dgm:txFillClrLst>
-    <dgm:txEffectClrLst/>
-  </dgm:styleLbl>
-  <dgm:styleLbl name="fgShp">
-    <dgm:fillClrLst meth="repeat">
-      <a:schemeClr val="accent1">
-        <a:tint val="60000"/>
-      </a:schemeClr>
-    </dgm:fillClrLst>
-    <dgm:linClrLst meth="repeat">
-      <a:schemeClr val="lt1"/>
-    </dgm:linClrLst>
-    <dgm:effectClrLst/>
-    <dgm:txLinClrLst/>
-    <dgm:txFillClrLst meth="repeat">
-      <a:schemeClr val="dk1"/>
-    </dgm:txFillClrLst>
-    <dgm:txEffectClrLst/>
-  </dgm:styleLbl>
-  <dgm:styleLbl name="revTx">
-    <dgm:fillClrLst meth="repeat">
-      <a:schemeClr val="lt1">
-        <a:alpha val="0"/>
-      </a:schemeClr>
-    </dgm:fillClrLst>
-    <dgm:linClrLst meth="repeat">
-      <a:schemeClr val="dk1">
-        <a:alpha val="0"/>
-      </a:schemeClr>
-    </dgm:linClrLst>
-    <dgm:effectClrLst/>
-    <dgm:txLinClrLst/>
-    <dgm:txFillClrLst meth="repeat">
-      <a:schemeClr val="tx1"/>
-    </dgm:txFillClrLst>
-    <dgm:txEffectClrLst/>
-  </dgm:styleLbl>
-</dgm:colorsDef>
-</file>
-
-<file path=ppt/diagrams/data1.xml><?xml version="1.0" encoding="utf-8"?>
-<dgm:dataModel xmlns:dgm="http://schemas.openxmlformats.org/drawingml/2006/diagram" xmlns:a="http://schemas.openxmlformats.org/drawingml/2006/main">
-  <dgm:ptLst>
-    <dgm:pt modelId="{FBA29113-7A70-4E0E-B036-871C49B835F1}" type="doc">
-      <dgm:prSet loTypeId="urn:microsoft.com/office/officeart/2005/8/layout/hProcess6" loCatId="process" qsTypeId="urn:microsoft.com/office/officeart/2005/8/quickstyle/simple1" qsCatId="simple" csTypeId="urn:microsoft.com/office/officeart/2005/8/colors/accent1_2" csCatId="accent1" phldr="1"/>
-      <dgm:spPr/>
-      <dgm:t>
-        <a:bodyPr/>
-        <a:lstStyle/>
-        <a:p>
-          <a:endParaRPr lang="en-US"/>
-        </a:p>
-      </dgm:t>
-    </dgm:pt>
-    <dgm:pt modelId="{A6406C01-7E83-4650-8EF5-394419DCB348}">
-      <dgm:prSet phldrT="[Text]"/>
-      <dgm:spPr/>
-      <dgm:t>
-        <a:bodyPr/>
-        <a:lstStyle/>
-        <a:p>
-          <a:r>
-            <a:rPr lang="pt-BR" noProof="0" dirty="0" smtClean="0"/>
-            <a:t>Título da etapa 1</a:t>
-          </a:r>
-          <a:endParaRPr lang="pt-BR" noProof="0" dirty="0"/>
-        </a:p>
-      </dgm:t>
-    </dgm:pt>
-    <dgm:pt modelId="{2586B3BB-DA8B-42DF-AC9A-77CE21607FD0}" type="parTrans" cxnId="{4D956F8D-5727-488A-93AF-F33602655A44}">
-      <dgm:prSet/>
-      <dgm:spPr/>
-      <dgm:t>
-        <a:bodyPr/>
-        <a:lstStyle/>
-        <a:p>
-          <a:endParaRPr lang="en-US"/>
-        </a:p>
-      </dgm:t>
-    </dgm:pt>
-    <dgm:pt modelId="{7C5B61F0-A4F6-4FCA-B552-36151F31051E}" type="sibTrans" cxnId="{4D956F8D-5727-488A-93AF-F33602655A44}">
-      <dgm:prSet/>
-      <dgm:spPr/>
-      <dgm:t>
-        <a:bodyPr/>
-        <a:lstStyle/>
-        <a:p>
-          <a:endParaRPr lang="en-US"/>
-        </a:p>
-      </dgm:t>
-    </dgm:pt>
-    <dgm:pt modelId="{E4E9F0D0-FF23-4B59-9B97-973BCBE5DC65}">
-      <dgm:prSet phldrT="[Text]" custT="1"/>
-      <dgm:spPr/>
-      <dgm:t>
-        <a:bodyPr/>
-        <a:lstStyle/>
-        <a:p>
-          <a:r>
-            <a:rPr lang="pt-BR" sz="1800" noProof="0" dirty="0" smtClean="0"/>
-            <a:t>Descrição da tarefa</a:t>
-          </a:r>
-          <a:endParaRPr lang="pt-BR" sz="1800" noProof="0" dirty="0"/>
-        </a:p>
-      </dgm:t>
-    </dgm:pt>
-    <dgm:pt modelId="{E9237435-F938-45D4-8BF4-6D5D4DFF850F}" type="parTrans" cxnId="{37A3A996-9723-4BDB-8959-9D9B7799BD9A}">
-      <dgm:prSet/>
-      <dgm:spPr/>
-      <dgm:t>
-        <a:bodyPr/>
-        <a:lstStyle/>
-        <a:p>
-          <a:endParaRPr lang="en-US"/>
-        </a:p>
-      </dgm:t>
-    </dgm:pt>
-    <dgm:pt modelId="{D32B195A-7CAD-474B-B79C-BE4BB171E742}" type="sibTrans" cxnId="{37A3A996-9723-4BDB-8959-9D9B7799BD9A}">
-      <dgm:prSet/>
-      <dgm:spPr/>
-      <dgm:t>
-        <a:bodyPr/>
-        <a:lstStyle/>
-        <a:p>
-          <a:endParaRPr lang="en-US"/>
-        </a:p>
-      </dgm:t>
-    </dgm:pt>
-    <dgm:pt modelId="{5D952622-A79E-41E4-BBC2-6212DEFFA91C}">
-      <dgm:prSet phldrT="[Text]"/>
-      <dgm:spPr/>
-      <dgm:t>
-        <a:bodyPr/>
-        <a:lstStyle/>
-        <a:p>
-          <a:r>
-            <a:rPr lang="pt-BR" noProof="0" dirty="0" smtClean="0"/>
-            <a:t>Título da etapa 2</a:t>
-          </a:r>
-          <a:endParaRPr lang="pt-BR" noProof="0" dirty="0"/>
-        </a:p>
-      </dgm:t>
-    </dgm:pt>
-    <dgm:pt modelId="{10627A68-BE4B-4A4A-9EC9-4CFEF1E4DF39}" type="parTrans" cxnId="{A22BDB9A-90BB-4DA2-8850-00D4F1D3B898}">
-      <dgm:prSet/>
-      <dgm:spPr/>
-      <dgm:t>
-        <a:bodyPr/>
-        <a:lstStyle/>
-        <a:p>
-          <a:endParaRPr lang="en-US"/>
-        </a:p>
-      </dgm:t>
-    </dgm:pt>
-    <dgm:pt modelId="{092BAEF3-D9F2-476B-9A0B-6F14CC814529}" type="sibTrans" cxnId="{A22BDB9A-90BB-4DA2-8850-00D4F1D3B898}">
-      <dgm:prSet/>
-      <dgm:spPr/>
-      <dgm:t>
-        <a:bodyPr/>
-        <a:lstStyle/>
-        <a:p>
-          <a:endParaRPr lang="en-US"/>
-        </a:p>
-      </dgm:t>
-    </dgm:pt>
-    <dgm:pt modelId="{5248D9DA-6444-46F6-8D28-C8BB2253AAD1}">
-      <dgm:prSet phldrT="[Text]" custT="1"/>
-      <dgm:spPr/>
-      <dgm:t>
-        <a:bodyPr/>
-        <a:lstStyle/>
-        <a:p>
-          <a:r>
-            <a:rPr lang="pt-BR" sz="1800" noProof="0" dirty="0" smtClean="0"/>
-            <a:t>Descrição da tarefa</a:t>
-          </a:r>
-          <a:endParaRPr lang="pt-BR" sz="1800" noProof="0" dirty="0"/>
-        </a:p>
-      </dgm:t>
-    </dgm:pt>
-    <dgm:pt modelId="{A8533F77-F094-4EDB-BCC7-35E0D6A46B71}" type="parTrans" cxnId="{35AF286C-A401-4C08-B8A3-F38B03322BD8}">
-      <dgm:prSet/>
-      <dgm:spPr/>
-      <dgm:t>
-        <a:bodyPr/>
-        <a:lstStyle/>
-        <a:p>
-          <a:endParaRPr lang="en-US"/>
-        </a:p>
-      </dgm:t>
-    </dgm:pt>
-    <dgm:pt modelId="{011B552E-515A-4C41-B810-0D2552861422}" type="sibTrans" cxnId="{35AF286C-A401-4C08-B8A3-F38B03322BD8}">
-      <dgm:prSet/>
-      <dgm:spPr/>
-      <dgm:t>
-        <a:bodyPr/>
-        <a:lstStyle/>
-        <a:p>
-          <a:endParaRPr lang="en-US"/>
-        </a:p>
-      </dgm:t>
-    </dgm:pt>
-    <dgm:pt modelId="{50706FFE-8A00-485D-9FF7-8D310692C602}">
-      <dgm:prSet phldrT="[Text]"/>
-      <dgm:spPr/>
-      <dgm:t>
-        <a:bodyPr/>
-        <a:lstStyle/>
-        <a:p>
-          <a:r>
-            <a:rPr lang="pt-BR" noProof="0" dirty="0" smtClean="0"/>
-            <a:t>Título da etapa 3</a:t>
-          </a:r>
-          <a:endParaRPr lang="pt-BR" noProof="0" dirty="0"/>
-        </a:p>
-      </dgm:t>
-    </dgm:pt>
-    <dgm:pt modelId="{EF44BD91-19A4-424B-BA32-4A5492B6E40B}" type="parTrans" cxnId="{7599CECE-5293-4C57-A979-D096C99254C7}">
-      <dgm:prSet/>
-      <dgm:spPr/>
-      <dgm:t>
-        <a:bodyPr/>
-        <a:lstStyle/>
-        <a:p>
-          <a:endParaRPr lang="en-US"/>
-        </a:p>
-      </dgm:t>
-    </dgm:pt>
-    <dgm:pt modelId="{CD03DFF4-D962-46D6-AFFA-2A87FD08403E}" type="sibTrans" cxnId="{7599CECE-5293-4C57-A979-D096C99254C7}">
-      <dgm:prSet/>
-      <dgm:spPr/>
-      <dgm:t>
-        <a:bodyPr/>
-        <a:lstStyle/>
-        <a:p>
-          <a:endParaRPr lang="en-US"/>
-        </a:p>
-      </dgm:t>
-    </dgm:pt>
-    <dgm:pt modelId="{3A9B5D84-CB00-4BC9-ADB2-5CF832F36763}">
-      <dgm:prSet phldrT="[Text]" custT="1"/>
-      <dgm:spPr/>
-      <dgm:t>
-        <a:bodyPr/>
-        <a:lstStyle/>
-        <a:p>
-          <a:r>
-            <a:rPr lang="pt-BR" sz="1800" noProof="0" dirty="0" smtClean="0"/>
-            <a:t>Descrição da tarefa</a:t>
-          </a:r>
-          <a:endParaRPr lang="pt-BR" sz="1800" noProof="0" dirty="0"/>
-        </a:p>
-      </dgm:t>
-    </dgm:pt>
-    <dgm:pt modelId="{BD57EC4A-052D-4824-8820-064BAC997A9B}" type="parTrans" cxnId="{11A0AF47-4BCA-470E-92BF-7B388FFB0DE8}">
-      <dgm:prSet/>
-      <dgm:spPr/>
-      <dgm:t>
-        <a:bodyPr/>
-        <a:lstStyle/>
-        <a:p>
-          <a:endParaRPr lang="en-US"/>
-        </a:p>
-      </dgm:t>
-    </dgm:pt>
-    <dgm:pt modelId="{98E878CF-4A49-4E76-BD23-AE7C5290BAFD}" type="sibTrans" cxnId="{11A0AF47-4BCA-470E-92BF-7B388FFB0DE8}">
-      <dgm:prSet/>
-      <dgm:spPr/>
-      <dgm:t>
-        <a:bodyPr/>
-        <a:lstStyle/>
-        <a:p>
-          <a:endParaRPr lang="en-US"/>
-        </a:p>
-      </dgm:t>
-    </dgm:pt>
-    <dgm:pt modelId="{8734DFB3-ADD8-4FD2-87D8-1981AA0ADD0B}" type="pres">
-      <dgm:prSet presAssocID="{FBA29113-7A70-4E0E-B036-871C49B835F1}" presName="theList" presStyleCnt="0">
-        <dgm:presLayoutVars>
-          <dgm:dir/>
-          <dgm:animLvl val="lvl"/>
-          <dgm:resizeHandles val="exact"/>
-        </dgm:presLayoutVars>
-      </dgm:prSet>
-      <dgm:spPr/>
-      <dgm:t>
-        <a:bodyPr/>
-        <a:lstStyle/>
-        <a:p>
-          <a:endParaRPr lang="en-US"/>
-        </a:p>
-      </dgm:t>
-    </dgm:pt>
-    <dgm:pt modelId="{5C04AEFB-7132-4B28-A7D3-862245070A8D}" type="pres">
-      <dgm:prSet presAssocID="{A6406C01-7E83-4650-8EF5-394419DCB348}" presName="compNode" presStyleCnt="0"/>
-      <dgm:spPr/>
-    </dgm:pt>
-    <dgm:pt modelId="{358F74AC-FC7D-465B-BD12-B6CCC00F3D29}" type="pres">
-      <dgm:prSet presAssocID="{A6406C01-7E83-4650-8EF5-394419DCB348}" presName="noGeometry" presStyleCnt="0"/>
-      <dgm:spPr/>
-    </dgm:pt>
-    <dgm:pt modelId="{610B5FFC-C0C9-444C-9F7A-14D1B54F604D}" type="pres">
-      <dgm:prSet presAssocID="{A6406C01-7E83-4650-8EF5-394419DCB348}" presName="childTextVisible" presStyleLbl="bgAccFollowNode1" presStyleIdx="0" presStyleCnt="3">
-        <dgm:presLayoutVars>
-          <dgm:bulletEnabled val="1"/>
-        </dgm:presLayoutVars>
-      </dgm:prSet>
-      <dgm:spPr/>
-      <dgm:t>
-        <a:bodyPr/>
-        <a:lstStyle/>
-        <a:p>
-          <a:endParaRPr lang="en-US"/>
-        </a:p>
-      </dgm:t>
-    </dgm:pt>
-    <dgm:pt modelId="{FB705FC1-639E-4064-8E9A-A79870DE5273}" type="pres">
-      <dgm:prSet presAssocID="{A6406C01-7E83-4650-8EF5-394419DCB348}" presName="childTextHidden" presStyleLbl="bgAccFollowNode1" presStyleIdx="0" presStyleCnt="3"/>
-      <dgm:spPr/>
-      <dgm:t>
-        <a:bodyPr/>
-        <a:lstStyle/>
-        <a:p>
-          <a:endParaRPr lang="en-US"/>
-        </a:p>
-      </dgm:t>
-    </dgm:pt>
-    <dgm:pt modelId="{47DA5750-48DC-4E4F-815D-0B05DBC30DAB}" type="pres">
-      <dgm:prSet presAssocID="{A6406C01-7E83-4650-8EF5-394419DCB348}" presName="parentText" presStyleLbl="node1" presStyleIdx="0" presStyleCnt="3">
-        <dgm:presLayoutVars>
-          <dgm:chMax val="1"/>
-          <dgm:bulletEnabled val="1"/>
-        </dgm:presLayoutVars>
-      </dgm:prSet>
-      <dgm:spPr/>
-      <dgm:t>
-        <a:bodyPr/>
-        <a:lstStyle/>
-        <a:p>
-          <a:endParaRPr lang="en-US"/>
-        </a:p>
-      </dgm:t>
-    </dgm:pt>
-    <dgm:pt modelId="{6319C676-A7DE-4777-9BB4-3B6D30ED3F5C}" type="pres">
-      <dgm:prSet presAssocID="{A6406C01-7E83-4650-8EF5-394419DCB348}" presName="aSpace" presStyleCnt="0"/>
-      <dgm:spPr/>
-    </dgm:pt>
-    <dgm:pt modelId="{CA708D38-D093-4C16-A955-CF2CAC7F0A99}" type="pres">
-      <dgm:prSet presAssocID="{5D952622-A79E-41E4-BBC2-6212DEFFA91C}" presName="compNode" presStyleCnt="0"/>
-      <dgm:spPr/>
-    </dgm:pt>
-    <dgm:pt modelId="{6F3066E9-E96F-489D-8A4B-6D55FBE389F2}" type="pres">
-      <dgm:prSet presAssocID="{5D952622-A79E-41E4-BBC2-6212DEFFA91C}" presName="noGeometry" presStyleCnt="0"/>
-      <dgm:spPr/>
-    </dgm:pt>
-    <dgm:pt modelId="{00D2DC2C-7CA2-4A4B-B66D-3DDCAB7DC8E9}" type="pres">
-      <dgm:prSet presAssocID="{5D952622-A79E-41E4-BBC2-6212DEFFA91C}" presName="childTextVisible" presStyleLbl="bgAccFollowNode1" presStyleIdx="1" presStyleCnt="3">
-        <dgm:presLayoutVars>
-          <dgm:bulletEnabled val="1"/>
-        </dgm:presLayoutVars>
-      </dgm:prSet>
-      <dgm:spPr/>
-      <dgm:t>
-        <a:bodyPr/>
-        <a:lstStyle/>
-        <a:p>
-          <a:endParaRPr lang="en-US"/>
-        </a:p>
-      </dgm:t>
-    </dgm:pt>
-    <dgm:pt modelId="{072FB640-0A28-40E8-9C0C-86BAF45C6EF0}" type="pres">
-      <dgm:prSet presAssocID="{5D952622-A79E-41E4-BBC2-6212DEFFA91C}" presName="childTextHidden" presStyleLbl="bgAccFollowNode1" presStyleIdx="1" presStyleCnt="3"/>
-      <dgm:spPr/>
-      <dgm:t>
-        <a:bodyPr/>
-        <a:lstStyle/>
-        <a:p>
-          <a:endParaRPr lang="en-US"/>
-        </a:p>
-      </dgm:t>
-    </dgm:pt>
-    <dgm:pt modelId="{EE8733A1-7662-4D0A-B39E-2218596CC81C}" type="pres">
-      <dgm:prSet presAssocID="{5D952622-A79E-41E4-BBC2-6212DEFFA91C}" presName="parentText" presStyleLbl="node1" presStyleIdx="1" presStyleCnt="3">
-        <dgm:presLayoutVars>
-          <dgm:chMax val="1"/>
-          <dgm:bulletEnabled val="1"/>
-        </dgm:presLayoutVars>
-      </dgm:prSet>
-      <dgm:spPr/>
-      <dgm:t>
-        <a:bodyPr/>
-        <a:lstStyle/>
-        <a:p>
-          <a:endParaRPr lang="en-US"/>
-        </a:p>
-      </dgm:t>
-    </dgm:pt>
-    <dgm:pt modelId="{E0D7C734-E391-436F-996C-E60442F50A17}" type="pres">
-      <dgm:prSet presAssocID="{5D952622-A79E-41E4-BBC2-6212DEFFA91C}" presName="aSpace" presStyleCnt="0"/>
-      <dgm:spPr/>
-    </dgm:pt>
-    <dgm:pt modelId="{E8F3A685-8F9F-4BAC-8C8B-A1DE5AA41F3A}" type="pres">
-      <dgm:prSet presAssocID="{50706FFE-8A00-485D-9FF7-8D310692C602}" presName="compNode" presStyleCnt="0"/>
-      <dgm:spPr/>
-    </dgm:pt>
-    <dgm:pt modelId="{84BFA617-6CAF-4DA9-A086-82BCA61093BE}" type="pres">
-      <dgm:prSet presAssocID="{50706FFE-8A00-485D-9FF7-8D310692C602}" presName="noGeometry" presStyleCnt="0"/>
-      <dgm:spPr/>
-    </dgm:pt>
-    <dgm:pt modelId="{4BF699B1-BE15-42D1-9784-AA33CF29870E}" type="pres">
-      <dgm:prSet presAssocID="{50706FFE-8A00-485D-9FF7-8D310692C602}" presName="childTextVisible" presStyleLbl="bgAccFollowNode1" presStyleIdx="2" presStyleCnt="3">
-        <dgm:presLayoutVars>
-          <dgm:bulletEnabled val="1"/>
-        </dgm:presLayoutVars>
-      </dgm:prSet>
-      <dgm:spPr/>
-      <dgm:t>
-        <a:bodyPr/>
-        <a:lstStyle/>
-        <a:p>
-          <a:endParaRPr lang="en-US"/>
-        </a:p>
-      </dgm:t>
-    </dgm:pt>
-    <dgm:pt modelId="{F0925EF4-86E2-4748-BA70-94AAF55AB064}" type="pres">
-      <dgm:prSet presAssocID="{50706FFE-8A00-485D-9FF7-8D310692C602}" presName="childTextHidden" presStyleLbl="bgAccFollowNode1" presStyleIdx="2" presStyleCnt="3"/>
-      <dgm:spPr/>
-      <dgm:t>
-        <a:bodyPr/>
-        <a:lstStyle/>
-        <a:p>
-          <a:endParaRPr lang="en-US"/>
-        </a:p>
-      </dgm:t>
-    </dgm:pt>
-    <dgm:pt modelId="{78E9A4E4-18A9-4B73-8007-A63A71C71937}" type="pres">
-      <dgm:prSet presAssocID="{50706FFE-8A00-485D-9FF7-8D310692C602}" presName="parentText" presStyleLbl="node1" presStyleIdx="2" presStyleCnt="3">
-        <dgm:presLayoutVars>
-          <dgm:chMax val="1"/>
-          <dgm:bulletEnabled val="1"/>
-        </dgm:presLayoutVars>
-      </dgm:prSet>
-      <dgm:spPr/>
-      <dgm:t>
-        <a:bodyPr/>
-        <a:lstStyle/>
-        <a:p>
-          <a:endParaRPr lang="en-US"/>
-        </a:p>
-      </dgm:t>
-    </dgm:pt>
-  </dgm:ptLst>
-  <dgm:cxnLst>
-    <dgm:cxn modelId="{35AF286C-A401-4C08-B8A3-F38B03322BD8}" srcId="{5D952622-A79E-41E4-BBC2-6212DEFFA91C}" destId="{5248D9DA-6444-46F6-8D28-C8BB2253AAD1}" srcOrd="0" destOrd="0" parTransId="{A8533F77-F094-4EDB-BCC7-35E0D6A46B71}" sibTransId="{011B552E-515A-4C41-B810-0D2552861422}"/>
-    <dgm:cxn modelId="{11A0AF47-4BCA-470E-92BF-7B388FFB0DE8}" srcId="{50706FFE-8A00-485D-9FF7-8D310692C602}" destId="{3A9B5D84-CB00-4BC9-ADB2-5CF832F36763}" srcOrd="0" destOrd="0" parTransId="{BD57EC4A-052D-4824-8820-064BAC997A9B}" sibTransId="{98E878CF-4A49-4E76-BD23-AE7C5290BAFD}"/>
-    <dgm:cxn modelId="{A22BDB9A-90BB-4DA2-8850-00D4F1D3B898}" srcId="{FBA29113-7A70-4E0E-B036-871C49B835F1}" destId="{5D952622-A79E-41E4-BBC2-6212DEFFA91C}" srcOrd="1" destOrd="0" parTransId="{10627A68-BE4B-4A4A-9EC9-4CFEF1E4DF39}" sibTransId="{092BAEF3-D9F2-476B-9A0B-6F14CC814529}"/>
-    <dgm:cxn modelId="{BA539253-48E3-447C-8770-C31D10399C4A}" type="presOf" srcId="{50706FFE-8A00-485D-9FF7-8D310692C602}" destId="{78E9A4E4-18A9-4B73-8007-A63A71C71937}" srcOrd="0" destOrd="0" presId="urn:microsoft.com/office/officeart/2005/8/layout/hProcess6"/>
-    <dgm:cxn modelId="{31498E67-CEA0-4571-B7AB-26A2113144F6}" type="presOf" srcId="{FBA29113-7A70-4E0E-B036-871C49B835F1}" destId="{8734DFB3-ADD8-4FD2-87D8-1981AA0ADD0B}" srcOrd="0" destOrd="0" presId="urn:microsoft.com/office/officeart/2005/8/layout/hProcess6"/>
-    <dgm:cxn modelId="{37A3A996-9723-4BDB-8959-9D9B7799BD9A}" srcId="{A6406C01-7E83-4650-8EF5-394419DCB348}" destId="{E4E9F0D0-FF23-4B59-9B97-973BCBE5DC65}" srcOrd="0" destOrd="0" parTransId="{E9237435-F938-45D4-8BF4-6D5D4DFF850F}" sibTransId="{D32B195A-7CAD-474B-B79C-BE4BB171E742}"/>
-    <dgm:cxn modelId="{AE4FA1B2-1FFD-4999-BFB4-0E2A9E4BEBBB}" type="presOf" srcId="{5248D9DA-6444-46F6-8D28-C8BB2253AAD1}" destId="{00D2DC2C-7CA2-4A4B-B66D-3DDCAB7DC8E9}" srcOrd="0" destOrd="0" presId="urn:microsoft.com/office/officeart/2005/8/layout/hProcess6"/>
-    <dgm:cxn modelId="{99E34304-5770-4691-A3EE-6A7C8B9ACD53}" type="presOf" srcId="{E4E9F0D0-FF23-4B59-9B97-973BCBE5DC65}" destId="{610B5FFC-C0C9-444C-9F7A-14D1B54F604D}" srcOrd="0" destOrd="0" presId="urn:microsoft.com/office/officeart/2005/8/layout/hProcess6"/>
-    <dgm:cxn modelId="{81ACEA16-295B-4802-A889-1DC375F525AB}" type="presOf" srcId="{A6406C01-7E83-4650-8EF5-394419DCB348}" destId="{47DA5750-48DC-4E4F-815D-0B05DBC30DAB}" srcOrd="0" destOrd="0" presId="urn:microsoft.com/office/officeart/2005/8/layout/hProcess6"/>
-    <dgm:cxn modelId="{4D956F8D-5727-488A-93AF-F33602655A44}" srcId="{FBA29113-7A70-4E0E-B036-871C49B835F1}" destId="{A6406C01-7E83-4650-8EF5-394419DCB348}" srcOrd="0" destOrd="0" parTransId="{2586B3BB-DA8B-42DF-AC9A-77CE21607FD0}" sibTransId="{7C5B61F0-A4F6-4FCA-B552-36151F31051E}"/>
-    <dgm:cxn modelId="{7599CECE-5293-4C57-A979-D096C99254C7}" srcId="{FBA29113-7A70-4E0E-B036-871C49B835F1}" destId="{50706FFE-8A00-485D-9FF7-8D310692C602}" srcOrd="2" destOrd="0" parTransId="{EF44BD91-19A4-424B-BA32-4A5492B6E40B}" sibTransId="{CD03DFF4-D962-46D6-AFFA-2A87FD08403E}"/>
-    <dgm:cxn modelId="{019AA969-1A2B-48C0-B7C9-005E817BC2CB}" type="presOf" srcId="{E4E9F0D0-FF23-4B59-9B97-973BCBE5DC65}" destId="{FB705FC1-639E-4064-8E9A-A79870DE5273}" srcOrd="1" destOrd="0" presId="urn:microsoft.com/office/officeart/2005/8/layout/hProcess6"/>
-    <dgm:cxn modelId="{F36BB86E-E9BB-4DBF-9DFE-F8050046ED1F}" type="presOf" srcId="{3A9B5D84-CB00-4BC9-ADB2-5CF832F36763}" destId="{4BF699B1-BE15-42D1-9784-AA33CF29870E}" srcOrd="0" destOrd="0" presId="urn:microsoft.com/office/officeart/2005/8/layout/hProcess6"/>
-    <dgm:cxn modelId="{D2E26D7D-A939-4166-987B-3E9E5A080266}" type="presOf" srcId="{3A9B5D84-CB00-4BC9-ADB2-5CF832F36763}" destId="{F0925EF4-86E2-4748-BA70-94AAF55AB064}" srcOrd="1" destOrd="0" presId="urn:microsoft.com/office/officeart/2005/8/layout/hProcess6"/>
-    <dgm:cxn modelId="{130B0544-2388-4104-A721-8D29E7C77420}" type="presOf" srcId="{5D952622-A79E-41E4-BBC2-6212DEFFA91C}" destId="{EE8733A1-7662-4D0A-B39E-2218596CC81C}" srcOrd="0" destOrd="0" presId="urn:microsoft.com/office/officeart/2005/8/layout/hProcess6"/>
-    <dgm:cxn modelId="{E23D729A-C2FC-40CD-8A08-F5EBB66CF80B}" type="presOf" srcId="{5248D9DA-6444-46F6-8D28-C8BB2253AAD1}" destId="{072FB640-0A28-40E8-9C0C-86BAF45C6EF0}" srcOrd="1" destOrd="0" presId="urn:microsoft.com/office/officeart/2005/8/layout/hProcess6"/>
-    <dgm:cxn modelId="{FF0D50D3-9477-4407-8F44-B60B9728DED7}" type="presParOf" srcId="{8734DFB3-ADD8-4FD2-87D8-1981AA0ADD0B}" destId="{5C04AEFB-7132-4B28-A7D3-862245070A8D}" srcOrd="0" destOrd="0" presId="urn:microsoft.com/office/officeart/2005/8/layout/hProcess6"/>
-    <dgm:cxn modelId="{126CE751-65CF-4E60-902C-2D0B01478834}" type="presParOf" srcId="{5C04AEFB-7132-4B28-A7D3-862245070A8D}" destId="{358F74AC-FC7D-465B-BD12-B6CCC00F3D29}" srcOrd="0" destOrd="0" presId="urn:microsoft.com/office/officeart/2005/8/layout/hProcess6"/>
-    <dgm:cxn modelId="{C6915109-771C-43AE-A4C7-A411D8E5978F}" type="presParOf" srcId="{5C04AEFB-7132-4B28-A7D3-862245070A8D}" destId="{610B5FFC-C0C9-444C-9F7A-14D1B54F604D}" srcOrd="1" destOrd="0" presId="urn:microsoft.com/office/officeart/2005/8/layout/hProcess6"/>
-    <dgm:cxn modelId="{954FE73F-9595-47D0-9AB9-6EB7EDC39F8E}" type="presParOf" srcId="{5C04AEFB-7132-4B28-A7D3-862245070A8D}" destId="{FB705FC1-639E-4064-8E9A-A79870DE5273}" srcOrd="2" destOrd="0" presId="urn:microsoft.com/office/officeart/2005/8/layout/hProcess6"/>
-    <dgm:cxn modelId="{362B7B1C-776A-481A-B10E-B2136C044DB5}" type="presParOf" srcId="{5C04AEFB-7132-4B28-A7D3-862245070A8D}" destId="{47DA5750-48DC-4E4F-815D-0B05DBC30DAB}" srcOrd="3" destOrd="0" presId="urn:microsoft.com/office/officeart/2005/8/layout/hProcess6"/>
-    <dgm:cxn modelId="{AB361918-49A4-4458-A6B4-A38162139DB4}" type="presParOf" srcId="{8734DFB3-ADD8-4FD2-87D8-1981AA0ADD0B}" destId="{6319C676-A7DE-4777-9BB4-3B6D30ED3F5C}" srcOrd="1" destOrd="0" presId="urn:microsoft.com/office/officeart/2005/8/layout/hProcess6"/>
-    <dgm:cxn modelId="{3E32ED31-FAFA-41FB-A502-0C9269827B55}" type="presParOf" srcId="{8734DFB3-ADD8-4FD2-87D8-1981AA0ADD0B}" destId="{CA708D38-D093-4C16-A955-CF2CAC7F0A99}" srcOrd="2" destOrd="0" presId="urn:microsoft.com/office/officeart/2005/8/layout/hProcess6"/>
-    <dgm:cxn modelId="{38B5F8BF-C6A8-4D51-8681-B847070CD1C0}" type="presParOf" srcId="{CA708D38-D093-4C16-A955-CF2CAC7F0A99}" destId="{6F3066E9-E96F-489D-8A4B-6D55FBE389F2}" srcOrd="0" destOrd="0" presId="urn:microsoft.com/office/officeart/2005/8/layout/hProcess6"/>
-    <dgm:cxn modelId="{B873A9F4-217E-473A-8D65-14527890AC34}" type="presParOf" srcId="{CA708D38-D093-4C16-A955-CF2CAC7F0A99}" destId="{00D2DC2C-7CA2-4A4B-B66D-3DDCAB7DC8E9}" srcOrd="1" destOrd="0" presId="urn:microsoft.com/office/officeart/2005/8/layout/hProcess6"/>
-    <dgm:cxn modelId="{F573A08D-1388-4362-9D10-155655876363}" type="presParOf" srcId="{CA708D38-D093-4C16-A955-CF2CAC7F0A99}" destId="{072FB640-0A28-40E8-9C0C-86BAF45C6EF0}" srcOrd="2" destOrd="0" presId="urn:microsoft.com/office/officeart/2005/8/layout/hProcess6"/>
-    <dgm:cxn modelId="{7ADF5CCF-F26A-45B5-9692-98B07AFD46A1}" type="presParOf" srcId="{CA708D38-D093-4C16-A955-CF2CAC7F0A99}" destId="{EE8733A1-7662-4D0A-B39E-2218596CC81C}" srcOrd="3" destOrd="0" presId="urn:microsoft.com/office/officeart/2005/8/layout/hProcess6"/>
-    <dgm:cxn modelId="{985C18C8-95A3-4479-821C-610A2BAFFFF3}" type="presParOf" srcId="{8734DFB3-ADD8-4FD2-87D8-1981AA0ADD0B}" destId="{E0D7C734-E391-436F-996C-E60442F50A17}" srcOrd="3" destOrd="0" presId="urn:microsoft.com/office/officeart/2005/8/layout/hProcess6"/>
-    <dgm:cxn modelId="{951CD7FA-A9B4-463F-BD0D-452C521FF523}" type="presParOf" srcId="{8734DFB3-ADD8-4FD2-87D8-1981AA0ADD0B}" destId="{E8F3A685-8F9F-4BAC-8C8B-A1DE5AA41F3A}" srcOrd="4" destOrd="0" presId="urn:microsoft.com/office/officeart/2005/8/layout/hProcess6"/>
-    <dgm:cxn modelId="{E08D8862-B273-4AA6-9A90-754366CE4945}" type="presParOf" srcId="{E8F3A685-8F9F-4BAC-8C8B-A1DE5AA41F3A}" destId="{84BFA617-6CAF-4DA9-A086-82BCA61093BE}" srcOrd="0" destOrd="0" presId="urn:microsoft.com/office/officeart/2005/8/layout/hProcess6"/>
-    <dgm:cxn modelId="{69392B4C-2A7B-41A4-A48C-35E312A6434A}" type="presParOf" srcId="{E8F3A685-8F9F-4BAC-8C8B-A1DE5AA41F3A}" destId="{4BF699B1-BE15-42D1-9784-AA33CF29870E}" srcOrd="1" destOrd="0" presId="urn:microsoft.com/office/officeart/2005/8/layout/hProcess6"/>
-    <dgm:cxn modelId="{29F5DEAB-A9C8-47F8-A089-1585C323795A}" type="presParOf" srcId="{E8F3A685-8F9F-4BAC-8C8B-A1DE5AA41F3A}" destId="{F0925EF4-86E2-4748-BA70-94AAF55AB064}" srcOrd="2" destOrd="0" presId="urn:microsoft.com/office/officeart/2005/8/layout/hProcess6"/>
-    <dgm:cxn modelId="{E9A57A1B-DDAF-4905-B46C-246DB5E9FB2A}" type="presParOf" srcId="{E8F3A685-8F9F-4BAC-8C8B-A1DE5AA41F3A}" destId="{78E9A4E4-18A9-4B73-8007-A63A71C71937}" srcOrd="3" destOrd="0" presId="urn:microsoft.com/office/officeart/2005/8/layout/hProcess6"/>
-  </dgm:cxnLst>
-  <dgm:bg/>
-  <dgm:whole/>
-  <dgm:extLst>
-    <a:ext uri="http://schemas.microsoft.com/office/drawing/2008/diagram">
-      <dsp:dataModelExt xmlns:dsp="http://schemas.microsoft.com/office/drawing/2008/diagram" relId="rId6" minVer="http://schemas.openxmlformats.org/drawingml/2006/diagram"/>
-    </a:ext>
-  </dgm:extLst>
-</dgm:dataModel>
-</file>
-
-<file path=ppt/diagrams/drawing1.xml><?xml version="1.0" encoding="utf-8"?>
-<dsp:drawing xmlns:dgm="http://schemas.openxmlformats.org/drawingml/2006/diagram" xmlns:dsp="http://schemas.microsoft.com/office/drawing/2008/diagram" xmlns:a="http://schemas.openxmlformats.org/drawingml/2006/main">
-  <dsp:spTree>
-    <dsp:nvGrpSpPr>
-      <dsp:cNvPr id="0" name=""/>
-      <dsp:cNvGrpSpPr/>
-    </dsp:nvGrpSpPr>
-    <dsp:grpSpPr/>
-    <dsp:sp modelId="{610B5FFC-C0C9-444C-9F7A-14D1B54F604D}">
-      <dsp:nvSpPr>
-        <dsp:cNvPr id="0" name=""/>
-        <dsp:cNvSpPr/>
-      </dsp:nvSpPr>
-      <dsp:spPr>
-        <a:xfrm>
-          <a:off x="623515" y="823134"/>
-          <a:ext cx="2475309" cy="2163731"/>
-        </a:xfrm>
-        <a:prstGeom prst="rightArrow">
-          <a:avLst>
-            <a:gd name="adj1" fmla="val 70000"/>
-            <a:gd name="adj2" fmla="val 50000"/>
-          </a:avLst>
-        </a:prstGeom>
-        <a:solidFill>
-          <a:schemeClr val="accent1">
-            <a:alpha val="90000"/>
-            <a:tint val="40000"/>
-            <a:hueOff val="0"/>
-            <a:satOff val="0"/>
-            <a:lumOff val="0"/>
-            <a:alphaOff val="0"/>
-          </a:schemeClr>
-        </a:solidFill>
-        <a:ln w="12700" cap="flat" cmpd="sng" algn="ctr">
-          <a:solidFill>
-            <a:schemeClr val="accent1">
-              <a:alpha val="90000"/>
-              <a:tint val="40000"/>
-              <a:hueOff val="0"/>
-              <a:satOff val="0"/>
-              <a:lumOff val="0"/>
-              <a:alphaOff val="0"/>
-            </a:schemeClr>
-          </a:solidFill>
-          <a:prstDash val="solid"/>
-          <a:miter lim="800000"/>
-        </a:ln>
-        <a:effectLst/>
-      </dsp:spPr>
-      <dsp:style>
-        <a:lnRef idx="2">
-          <a:scrgbClr r="0" g="0" b="0"/>
-        </a:lnRef>
-        <a:fillRef idx="1">
-          <a:scrgbClr r="0" g="0" b="0"/>
-        </a:fillRef>
-        <a:effectRef idx="0">
-          <a:scrgbClr r="0" g="0" b="0"/>
-        </a:effectRef>
-        <a:fontRef idx="minor"/>
-      </dsp:style>
-      <dsp:txBody>
-        <a:bodyPr spcFirstLastPara="0" vert="horz" wrap="square" lIns="45720" tIns="11430" rIns="22860" bIns="11430" numCol="1" spcCol="1270" anchor="ctr" anchorCtr="0">
-          <a:noAutofit/>
-        </a:bodyPr>
-        <a:lstStyle/>
-        <a:p>
-          <a:pPr lvl="0" algn="ctr" defTabSz="800100">
-            <a:lnSpc>
-              <a:spcPct val="90000"/>
-            </a:lnSpc>
-            <a:spcBef>
-              <a:spcPct val="0"/>
-            </a:spcBef>
-            <a:spcAft>
-              <a:spcPct val="35000"/>
-            </a:spcAft>
-          </a:pPr>
-          <a:r>
-            <a:rPr lang="pt-BR" sz="1800" kern="1200" noProof="0" dirty="0" smtClean="0"/>
-            <a:t>Descrição da tarefa</a:t>
-          </a:r>
-          <a:endParaRPr lang="pt-BR" sz="1800" kern="1200" noProof="0" dirty="0"/>
-        </a:p>
-      </dsp:txBody>
-      <dsp:txXfrm>
-        <a:off x="1242342" y="1147694"/>
-        <a:ext cx="1206713" cy="1514611"/>
-      </dsp:txXfrm>
-    </dsp:sp>
-    <dsp:sp modelId="{47DA5750-48DC-4E4F-815D-0B05DBC30DAB}">
-      <dsp:nvSpPr>
-        <dsp:cNvPr id="0" name=""/>
-        <dsp:cNvSpPr/>
-      </dsp:nvSpPr>
-      <dsp:spPr>
-        <a:xfrm>
-          <a:off x="4688" y="1286172"/>
-          <a:ext cx="1237654" cy="1237654"/>
-        </a:xfrm>
-        <a:prstGeom prst="ellipse">
-          <a:avLst/>
-        </a:prstGeom>
-        <a:solidFill>
-          <a:schemeClr val="accent1">
-            <a:hueOff val="0"/>
-            <a:satOff val="0"/>
-            <a:lumOff val="0"/>
-            <a:alphaOff val="0"/>
-          </a:schemeClr>
-        </a:solidFill>
-        <a:ln w="12700" cap="flat" cmpd="sng" algn="ctr">
-          <a:solidFill>
-            <a:schemeClr val="lt1">
-              <a:hueOff val="0"/>
-              <a:satOff val="0"/>
-              <a:lumOff val="0"/>
-              <a:alphaOff val="0"/>
-            </a:schemeClr>
-          </a:solidFill>
-          <a:prstDash val="solid"/>
-          <a:miter lim="800000"/>
-        </a:ln>
-        <a:effectLst/>
-      </dsp:spPr>
-      <dsp:style>
-        <a:lnRef idx="2">
-          <a:scrgbClr r="0" g="0" b="0"/>
-        </a:lnRef>
-        <a:fillRef idx="1">
-          <a:scrgbClr r="0" g="0" b="0"/>
-        </a:fillRef>
-        <a:effectRef idx="0">
-          <a:scrgbClr r="0" g="0" b="0"/>
-        </a:effectRef>
-        <a:fontRef idx="minor">
-          <a:schemeClr val="lt1"/>
-        </a:fontRef>
-      </dsp:style>
-      <dsp:txBody>
-        <a:bodyPr spcFirstLastPara="0" vert="horz" wrap="square" lIns="12700" tIns="12700" rIns="12700" bIns="12700" numCol="1" spcCol="1270" anchor="ctr" anchorCtr="0">
-          <a:noAutofit/>
-        </a:bodyPr>
-        <a:lstStyle/>
-        <a:p>
-          <a:pPr lvl="0" algn="ctr" defTabSz="889000">
-            <a:lnSpc>
-              <a:spcPct val="90000"/>
-            </a:lnSpc>
-            <a:spcBef>
-              <a:spcPct val="0"/>
-            </a:spcBef>
-            <a:spcAft>
-              <a:spcPct val="35000"/>
-            </a:spcAft>
-          </a:pPr>
-          <a:r>
-            <a:rPr lang="pt-BR" sz="2000" kern="1200" noProof="0" dirty="0" smtClean="0"/>
-            <a:t>Título da etapa 1</a:t>
-          </a:r>
-          <a:endParaRPr lang="pt-BR" sz="2000" kern="1200" noProof="0" dirty="0"/>
-        </a:p>
-      </dsp:txBody>
-      <dsp:txXfrm>
-        <a:off x="185938" y="1467422"/>
-        <a:ext cx="875154" cy="875154"/>
-      </dsp:txXfrm>
-    </dsp:sp>
-    <dsp:sp modelId="{00D2DC2C-7CA2-4A4B-B66D-3DDCAB7DC8E9}">
-      <dsp:nvSpPr>
-        <dsp:cNvPr id="0" name=""/>
-        <dsp:cNvSpPr/>
-      </dsp:nvSpPr>
-      <dsp:spPr>
-        <a:xfrm>
-          <a:off x="3872358" y="823134"/>
-          <a:ext cx="2475309" cy="2163731"/>
-        </a:xfrm>
-        <a:prstGeom prst="rightArrow">
-          <a:avLst>
-            <a:gd name="adj1" fmla="val 70000"/>
-            <a:gd name="adj2" fmla="val 50000"/>
-          </a:avLst>
-        </a:prstGeom>
-        <a:solidFill>
-          <a:schemeClr val="accent1">
-            <a:alpha val="90000"/>
-            <a:tint val="40000"/>
-            <a:hueOff val="0"/>
-            <a:satOff val="0"/>
-            <a:lumOff val="0"/>
-            <a:alphaOff val="0"/>
-          </a:schemeClr>
-        </a:solidFill>
-        <a:ln w="12700" cap="flat" cmpd="sng" algn="ctr">
-          <a:solidFill>
-            <a:schemeClr val="accent1">
-              <a:alpha val="90000"/>
-              <a:tint val="40000"/>
-              <a:hueOff val="0"/>
-              <a:satOff val="0"/>
-              <a:lumOff val="0"/>
-              <a:alphaOff val="0"/>
-            </a:schemeClr>
-          </a:solidFill>
-          <a:prstDash val="solid"/>
-          <a:miter lim="800000"/>
-        </a:ln>
-        <a:effectLst/>
-      </dsp:spPr>
-      <dsp:style>
-        <a:lnRef idx="2">
-          <a:scrgbClr r="0" g="0" b="0"/>
-        </a:lnRef>
-        <a:fillRef idx="1">
-          <a:scrgbClr r="0" g="0" b="0"/>
-        </a:fillRef>
-        <a:effectRef idx="0">
-          <a:scrgbClr r="0" g="0" b="0"/>
-        </a:effectRef>
-        <a:fontRef idx="minor"/>
-      </dsp:style>
-      <dsp:txBody>
-        <a:bodyPr spcFirstLastPara="0" vert="horz" wrap="square" lIns="45720" tIns="11430" rIns="22860" bIns="11430" numCol="1" spcCol="1270" anchor="ctr" anchorCtr="0">
-          <a:noAutofit/>
-        </a:bodyPr>
-        <a:lstStyle/>
-        <a:p>
-          <a:pPr lvl="0" algn="ctr" defTabSz="800100">
-            <a:lnSpc>
-              <a:spcPct val="90000"/>
-            </a:lnSpc>
-            <a:spcBef>
-              <a:spcPct val="0"/>
-            </a:spcBef>
-            <a:spcAft>
-              <a:spcPct val="35000"/>
-            </a:spcAft>
-          </a:pPr>
-          <a:r>
-            <a:rPr lang="pt-BR" sz="1800" kern="1200" noProof="0" dirty="0" smtClean="0"/>
-            <a:t>Descrição da tarefa</a:t>
-          </a:r>
-          <a:endParaRPr lang="pt-BR" sz="1800" kern="1200" noProof="0" dirty="0"/>
-        </a:p>
-      </dsp:txBody>
-      <dsp:txXfrm>
-        <a:off x="4491186" y="1147694"/>
-        <a:ext cx="1206713" cy="1514611"/>
-      </dsp:txXfrm>
-    </dsp:sp>
-    <dsp:sp modelId="{EE8733A1-7662-4D0A-B39E-2218596CC81C}">
-      <dsp:nvSpPr>
-        <dsp:cNvPr id="0" name=""/>
-        <dsp:cNvSpPr/>
-      </dsp:nvSpPr>
-      <dsp:spPr>
-        <a:xfrm>
-          <a:off x="3253531" y="1286172"/>
-          <a:ext cx="1237654" cy="1237654"/>
-        </a:xfrm>
-        <a:prstGeom prst="ellipse">
-          <a:avLst/>
-        </a:prstGeom>
-        <a:solidFill>
-          <a:schemeClr val="accent1">
-            <a:hueOff val="0"/>
-            <a:satOff val="0"/>
-            <a:lumOff val="0"/>
-            <a:alphaOff val="0"/>
-          </a:schemeClr>
-        </a:solidFill>
-        <a:ln w="12700" cap="flat" cmpd="sng" algn="ctr">
-          <a:solidFill>
-            <a:schemeClr val="lt1">
-              <a:hueOff val="0"/>
-              <a:satOff val="0"/>
-              <a:lumOff val="0"/>
-              <a:alphaOff val="0"/>
-            </a:schemeClr>
-          </a:solidFill>
-          <a:prstDash val="solid"/>
-          <a:miter lim="800000"/>
-        </a:ln>
-        <a:effectLst/>
-      </dsp:spPr>
-      <dsp:style>
-        <a:lnRef idx="2">
-          <a:scrgbClr r="0" g="0" b="0"/>
-        </a:lnRef>
-        <a:fillRef idx="1">
-          <a:scrgbClr r="0" g="0" b="0"/>
-        </a:fillRef>
-        <a:effectRef idx="0">
-          <a:scrgbClr r="0" g="0" b="0"/>
-        </a:effectRef>
-        <a:fontRef idx="minor">
-          <a:schemeClr val="lt1"/>
-        </a:fontRef>
-      </dsp:style>
-      <dsp:txBody>
-        <a:bodyPr spcFirstLastPara="0" vert="horz" wrap="square" lIns="12700" tIns="12700" rIns="12700" bIns="12700" numCol="1" spcCol="1270" anchor="ctr" anchorCtr="0">
-          <a:noAutofit/>
-        </a:bodyPr>
-        <a:lstStyle/>
-        <a:p>
-          <a:pPr lvl="0" algn="ctr" defTabSz="889000">
-            <a:lnSpc>
-              <a:spcPct val="90000"/>
-            </a:lnSpc>
-            <a:spcBef>
-              <a:spcPct val="0"/>
-            </a:spcBef>
-            <a:spcAft>
-              <a:spcPct val="35000"/>
-            </a:spcAft>
-          </a:pPr>
-          <a:r>
-            <a:rPr lang="pt-BR" sz="2000" kern="1200" noProof="0" dirty="0" smtClean="0"/>
-            <a:t>Título da etapa 2</a:t>
-          </a:r>
-          <a:endParaRPr lang="pt-BR" sz="2000" kern="1200" noProof="0" dirty="0"/>
-        </a:p>
-      </dsp:txBody>
-      <dsp:txXfrm>
-        <a:off x="3434781" y="1467422"/>
-        <a:ext cx="875154" cy="875154"/>
-      </dsp:txXfrm>
-    </dsp:sp>
-    <dsp:sp modelId="{4BF699B1-BE15-42D1-9784-AA33CF29870E}">
-      <dsp:nvSpPr>
-        <dsp:cNvPr id="0" name=""/>
-        <dsp:cNvSpPr/>
-      </dsp:nvSpPr>
-      <dsp:spPr>
-        <a:xfrm>
-          <a:off x="7121202" y="823134"/>
-          <a:ext cx="2475309" cy="2163731"/>
-        </a:xfrm>
-        <a:prstGeom prst="rightArrow">
-          <a:avLst>
-            <a:gd name="adj1" fmla="val 70000"/>
-            <a:gd name="adj2" fmla="val 50000"/>
-          </a:avLst>
-        </a:prstGeom>
-        <a:solidFill>
-          <a:schemeClr val="accent1">
-            <a:alpha val="90000"/>
-            <a:tint val="40000"/>
-            <a:hueOff val="0"/>
-            <a:satOff val="0"/>
-            <a:lumOff val="0"/>
-            <a:alphaOff val="0"/>
-          </a:schemeClr>
-        </a:solidFill>
-        <a:ln w="12700" cap="flat" cmpd="sng" algn="ctr">
-          <a:solidFill>
-            <a:schemeClr val="accent1">
-              <a:alpha val="90000"/>
-              <a:tint val="40000"/>
-              <a:hueOff val="0"/>
-              <a:satOff val="0"/>
-              <a:lumOff val="0"/>
-              <a:alphaOff val="0"/>
-            </a:schemeClr>
-          </a:solidFill>
-          <a:prstDash val="solid"/>
-          <a:miter lim="800000"/>
-        </a:ln>
-        <a:effectLst/>
-      </dsp:spPr>
-      <dsp:style>
-        <a:lnRef idx="2">
-          <a:scrgbClr r="0" g="0" b="0"/>
-        </a:lnRef>
-        <a:fillRef idx="1">
-          <a:scrgbClr r="0" g="0" b="0"/>
-        </a:fillRef>
-        <a:effectRef idx="0">
-          <a:scrgbClr r="0" g="0" b="0"/>
-        </a:effectRef>
-        <a:fontRef idx="minor"/>
-      </dsp:style>
-      <dsp:txBody>
-        <a:bodyPr spcFirstLastPara="0" vert="horz" wrap="square" lIns="45720" tIns="11430" rIns="22860" bIns="11430" numCol="1" spcCol="1270" anchor="ctr" anchorCtr="0">
-          <a:noAutofit/>
-        </a:bodyPr>
-        <a:lstStyle/>
-        <a:p>
-          <a:pPr lvl="0" algn="ctr" defTabSz="800100">
-            <a:lnSpc>
-              <a:spcPct val="90000"/>
-            </a:lnSpc>
-            <a:spcBef>
-              <a:spcPct val="0"/>
-            </a:spcBef>
-            <a:spcAft>
-              <a:spcPct val="35000"/>
-            </a:spcAft>
-          </a:pPr>
-          <a:r>
-            <a:rPr lang="pt-BR" sz="1800" kern="1200" noProof="0" dirty="0" smtClean="0"/>
-            <a:t>Descrição da tarefa</a:t>
-          </a:r>
-          <a:endParaRPr lang="pt-BR" sz="1800" kern="1200" noProof="0" dirty="0"/>
-        </a:p>
-      </dsp:txBody>
-      <dsp:txXfrm>
-        <a:off x="7740029" y="1147694"/>
-        <a:ext cx="1206713" cy="1514611"/>
-      </dsp:txXfrm>
-    </dsp:sp>
-    <dsp:sp modelId="{78E9A4E4-18A9-4B73-8007-A63A71C71937}">
-      <dsp:nvSpPr>
-        <dsp:cNvPr id="0" name=""/>
-        <dsp:cNvSpPr/>
-      </dsp:nvSpPr>
-      <dsp:spPr>
-        <a:xfrm>
-          <a:off x="6502375" y="1286172"/>
-          <a:ext cx="1237654" cy="1237654"/>
-        </a:xfrm>
-        <a:prstGeom prst="ellipse">
-          <a:avLst/>
-        </a:prstGeom>
-        <a:solidFill>
-          <a:schemeClr val="accent1">
-            <a:hueOff val="0"/>
-            <a:satOff val="0"/>
-            <a:lumOff val="0"/>
-            <a:alphaOff val="0"/>
-          </a:schemeClr>
-        </a:solidFill>
-        <a:ln w="12700" cap="flat" cmpd="sng" algn="ctr">
-          <a:solidFill>
-            <a:schemeClr val="lt1">
-              <a:hueOff val="0"/>
-              <a:satOff val="0"/>
-              <a:lumOff val="0"/>
-              <a:alphaOff val="0"/>
-            </a:schemeClr>
-          </a:solidFill>
-          <a:prstDash val="solid"/>
-          <a:miter lim="800000"/>
-        </a:ln>
-        <a:effectLst/>
-      </dsp:spPr>
-      <dsp:style>
-        <a:lnRef idx="2">
-          <a:scrgbClr r="0" g="0" b="0"/>
-        </a:lnRef>
-        <a:fillRef idx="1">
-          <a:scrgbClr r="0" g="0" b="0"/>
-        </a:fillRef>
-        <a:effectRef idx="0">
-          <a:scrgbClr r="0" g="0" b="0"/>
-        </a:effectRef>
-        <a:fontRef idx="minor">
-          <a:schemeClr val="lt1"/>
-        </a:fontRef>
-      </dsp:style>
-      <dsp:txBody>
-        <a:bodyPr spcFirstLastPara="0" vert="horz" wrap="square" lIns="12700" tIns="12700" rIns="12700" bIns="12700" numCol="1" spcCol="1270" anchor="ctr" anchorCtr="0">
-          <a:noAutofit/>
-        </a:bodyPr>
-        <a:lstStyle/>
-        <a:p>
-          <a:pPr lvl="0" algn="ctr" defTabSz="889000">
-            <a:lnSpc>
-              <a:spcPct val="90000"/>
-            </a:lnSpc>
-            <a:spcBef>
-              <a:spcPct val="0"/>
-            </a:spcBef>
-            <a:spcAft>
-              <a:spcPct val="35000"/>
-            </a:spcAft>
-          </a:pPr>
-          <a:r>
-            <a:rPr lang="pt-BR" sz="2000" kern="1200" noProof="0" dirty="0" smtClean="0"/>
-            <a:t>Título da etapa 3</a:t>
-          </a:r>
-          <a:endParaRPr lang="pt-BR" sz="2000" kern="1200" noProof="0" dirty="0"/>
-        </a:p>
-      </dsp:txBody>
-      <dsp:txXfrm>
-        <a:off x="6683625" y="1467422"/>
-        <a:ext cx="875154" cy="875154"/>
-      </dsp:txXfrm>
-    </dsp:sp>
-  </dsp:spTree>
-</dsp:drawing>
-</file>
-
-<file path=ppt/diagrams/layout1.xml><?xml version="1.0" encoding="utf-8"?>
-<dgm:layoutDef xmlns:dgm="http://schemas.openxmlformats.org/drawingml/2006/diagram" xmlns:a="http://schemas.openxmlformats.org/drawingml/2006/main" uniqueId="urn:microsoft.com/office/officeart/2005/8/layout/hProcess6">
-  <dgm:title val=""/>
-  <dgm:desc val=""/>
-  <dgm:catLst>
-    <dgm:cat type="process" pri="7000"/>
-  </dgm:catLst>
-  <dgm:sampData>
-    <dgm:dataModel>
-      <dgm:ptLst>
-        <dgm:pt modelId="0" type="doc"/>
-        <dgm:pt modelId="1">
-          <dgm:prSet phldr="1"/>
-        </dgm:pt>
-        <dgm:pt modelId="11">
-          <dgm:prSet phldr="1"/>
-        </dgm:pt>
-        <dgm:pt modelId="12">
-          <dgm:prSet phldr="1"/>
-        </dgm:pt>
-        <dgm:pt modelId="2">
-          <dgm:prSet phldr="1"/>
-        </dgm:pt>
-        <dgm:pt modelId="21">
-          <dgm:prSet phldr="1"/>
-        </dgm:pt>
-        <dgm:pt modelId="22">
-          <dgm:prSet phldr="1"/>
-        </dgm:pt>
-        <dgm:pt modelId="3">
-          <dgm:prSet phldr="1"/>
-        </dgm:pt>
-        <dgm:pt modelId="31">
-          <dgm:prSet phldr="1"/>
-        </dgm:pt>
-        <dgm:pt modelId="32">
-          <dgm:prSet phldr="1"/>
-        </dgm:pt>
-      </dgm:ptLst>
-      <dgm:cxnLst>
-        <dgm:cxn modelId="4" srcId="0" destId="1" srcOrd="0" destOrd="0"/>
-        <dgm:cxn modelId="5" srcId="0" destId="2" srcOrd="1" destOrd="0"/>
-        <dgm:cxn modelId="13" srcId="1" destId="11" srcOrd="0" destOrd="0"/>
-        <dgm:cxn modelId="14" srcId="1" destId="12" srcOrd="0" destOrd="0"/>
-        <dgm:cxn modelId="23" srcId="2" destId="21" srcOrd="0" destOrd="0"/>
-        <dgm:cxn modelId="24" srcId="2" destId="22" srcOrd="0" destOrd="0"/>
-        <dgm:cxn modelId="33" srcId="3" destId="31" srcOrd="0" destOrd="0"/>
-        <dgm:cxn modelId="34" srcId="3" destId="32" srcOrd="0" destOrd="0"/>
-      </dgm:cxnLst>
-      <dgm:bg/>
-      <dgm:whole/>
-    </dgm:dataModel>
-  </dgm:sampData>
-  <dgm:styleData>
-    <dgm:dataModel>
-      <dgm:ptLst>
-        <dgm:pt modelId="0" type="doc"/>
-        <dgm:pt modelId="1"/>
-        <dgm:pt modelId="11"/>
-        <dgm:pt modelId="2"/>
-        <dgm:pt modelId="21"/>
-      </dgm:ptLst>
-      <dgm:cxnLst>
-        <dgm:cxn modelId="4" srcId="0" destId="1" srcOrd="0" destOrd="0"/>
-        <dgm:cxn modelId="5" srcId="0" destId="2" srcOrd="1" destOrd="0"/>
-        <dgm:cxn modelId="13" srcId="1" destId="11" srcOrd="0" destOrd="0"/>
-        <dgm:cxn modelId="23" srcId="2" destId="21" srcOrd="0" destOrd="0"/>
-      </dgm:cxnLst>
-      <dgm:bg/>
-      <dgm:whole/>
-    </dgm:dataModel>
-  </dgm:styleData>
-  <dgm:clrData>
-    <dgm:dataModel>
-      <dgm:ptLst>
-        <dgm:pt modelId="0" type="doc"/>
-        <dgm:pt modelId="1"/>
-        <dgm:pt modelId="11"/>
-        <dgm:pt modelId="2"/>
-        <dgm:pt modelId="21"/>
-        <dgm:pt modelId="3"/>
-        <dgm:pt modelId="31"/>
-        <dgm:pt modelId="4"/>
-        <dgm:pt modelId="41"/>
-      </dgm:ptLst>
-      <dgm:cxnLst>
-        <dgm:cxn modelId="5" srcId="0" destId="1" srcOrd="0" destOrd="0"/>
-        <dgm:cxn modelId="6" srcId="0" destId="2" srcOrd="1" destOrd="0"/>
-        <dgm:cxn modelId="7" srcId="0" destId="3" srcOrd="2" destOrd="0"/>
-        <dgm:cxn modelId="8" srcId="0" destId="4" srcOrd="3" destOrd="0"/>
-        <dgm:cxn modelId="13" srcId="1" destId="11" srcOrd="0" destOrd="0"/>
-        <dgm:cxn modelId="23" srcId="2" destId="21" srcOrd="0" destOrd="0"/>
-        <dgm:cxn modelId="33" srcId="3" destId="31" srcOrd="0" destOrd="0"/>
-        <dgm:cxn modelId="43" srcId="4" destId="41" srcOrd="0" destOrd="0"/>
-      </dgm:cxnLst>
-      <dgm:bg/>
-      <dgm:whole/>
-    </dgm:dataModel>
-  </dgm:clrData>
-  <dgm:layoutNode name="theList">
-    <dgm:varLst>
-      <dgm:dir/>
-      <dgm:animLvl val="lvl"/>
-      <dgm:resizeHandles val="exact"/>
-    </dgm:varLst>
-    <dgm:choose name="Name0">
-      <dgm:if name="Name1" func="var" arg="dir" op="equ" val="norm">
-        <dgm:alg type="lin">
-          <dgm:param type="linDir" val="fromL"/>
-          <dgm:param type="nodeHorzAlign" val="l"/>
-        </dgm:alg>
-      </dgm:if>
-      <dgm:else name="Name2">
-        <dgm:alg type="lin">
-          <dgm:param type="linDir" val="fromR"/>
-          <dgm:param type="nodeHorzAlign" val="r"/>
-        </dgm:alg>
-      </dgm:else>
-    </dgm:choose>
-    <dgm:shape xmlns:r="http://schemas.openxmlformats.org/officeDocument/2006/relationships" r:blip="">
-      <dgm:adjLst/>
-    </dgm:shape>
-    <dgm:presOf/>
-    <dgm:constrLst>
-      <dgm:constr type="w" for="ch" forName="compNode" refType="w"/>
-      <dgm:constr type="h" for="ch" forName="compNode" refType="w" refFor="ch" refForName="compNode" fact="0.7"/>
-      <dgm:constr type="ctrY" for="ch" forName="compNode" refType="h" fact="0.5"/>
-      <dgm:constr type="w" for="ch" forName="aSpace" refType="w" fact="0.05"/>
-      <dgm:constr type="primFontSz" for="des" forName="childTextHidden" op="equ" val="65"/>
-      <dgm:constr type="primFontSz" for="des" forName="parentText" op="equ"/>
-    </dgm:constrLst>
-    <dgm:ruleLst/>
-    <dgm:forEach name="aNodeForEach" axis="ch" ptType="node">
-      <dgm:layoutNode name="compNode">
-        <dgm:alg type="composite">
-          <dgm:param type="ar" val="1.43"/>
-        </dgm:alg>
-        <dgm:shape xmlns:r="http://schemas.openxmlformats.org/officeDocument/2006/relationships" r:blip="">
-          <dgm:adjLst/>
-        </dgm:shape>
-        <dgm:presOf/>
-        <dgm:choose name="Name3">
-          <dgm:if name="Name4" func="var" arg="dir" op="equ" val="norm">
-            <dgm:constrLst>
-              <dgm:constr type="w" for="ch" forName="childTextVisible" refType="w" fact="0.8"/>
-              <dgm:constr type="h" for="ch" forName="childTextVisible" refType="h"/>
-              <dgm:constr type="r" for="ch" forName="childTextVisible" refType="w"/>
-              <dgm:constr type="w" for="ch" forName="childTextHidden" refType="w" fact="0.6"/>
-              <dgm:constr type="h" for="ch" forName="childTextHidden" refType="h"/>
-              <dgm:constr type="r" for="ch" forName="childTextHidden" refType="w"/>
-              <dgm:constr type="l" for="ch" forName="parentText"/>
-              <dgm:constr type="w" for="ch" forName="parentText" refType="w" fact="0.4"/>
-              <dgm:constr type="h" for="ch" forName="parentText" refType="w" refFor="ch" refForName="parentText" op="equ"/>
-              <dgm:constr type="ctrY" for="ch" forName="parentText" refType="h" fact="0.5"/>
-            </dgm:constrLst>
-          </dgm:if>
-          <dgm:else name="Name5">
-            <dgm:constrLst>
-              <dgm:constr type="w" for="ch" forName="childTextVisible" refType="w" fact="0.8"/>
-              <dgm:constr type="h" for="ch" forName="childTextVisible" refType="h"/>
-              <dgm:constr type="l" for="ch" forName="childTextVisible"/>
-              <dgm:constr type="w" for="ch" forName="childTextHidden" refType="w" fact="0.6"/>
-              <dgm:constr type="h" for="ch" forName="childTextHidden" refType="h"/>
-              <dgm:constr type="l" for="ch" forName="childTextHidden"/>
-              <dgm:constr type="r" for="ch" forName="parentText" refType="w"/>
-              <dgm:constr type="w" for="ch" forName="parentText" refType="w" fact="0.4"/>
-              <dgm:constr type="h" for="ch" forName="parentText" refType="w" refFor="ch" refForName="parentText" op="equ"/>
-              <dgm:constr type="ctrY" for="ch" forName="parentText" refType="h" fact="0.5"/>
-            </dgm:constrLst>
-          </dgm:else>
-        </dgm:choose>
-        <dgm:ruleLst/>
-        <dgm:layoutNode name="noGeometry">
-          <dgm:alg type="sp"/>
-          <dgm:shape xmlns:r="http://schemas.openxmlformats.org/officeDocument/2006/relationships" r:blip="">
-            <dgm:adjLst/>
-          </dgm:shape>
-          <dgm:presOf/>
-          <dgm:constrLst/>
-          <dgm:ruleLst/>
-        </dgm:layoutNode>
-        <dgm:layoutNode name="childTextVisible" styleLbl="bgAccFollowNode1">
-          <dgm:varLst>
-            <dgm:bulletEnabled val="1"/>
-          </dgm:varLst>
-          <dgm:alg type="sp"/>
-          <dgm:choose name="Name6">
-            <dgm:if name="Name7" func="var" arg="dir" op="equ" val="norm">
-              <dgm:shape xmlns:r="http://schemas.openxmlformats.org/officeDocument/2006/relationships" type="rightArrow" r:blip="">
-                <dgm:adjLst>
-                  <dgm:adj idx="1" val="0.7"/>
-                  <dgm:adj idx="2" val="0.5"/>
-                </dgm:adjLst>
-              </dgm:shape>
-            </dgm:if>
-            <dgm:else name="Name8">
-              <dgm:shape xmlns:r="http://schemas.openxmlformats.org/officeDocument/2006/relationships" type="leftArrow" r:blip="">
-                <dgm:adjLst>
-                  <dgm:adj idx="1" val="0.7"/>
-                  <dgm:adj idx="2" val="0.5"/>
-                </dgm:adjLst>
-              </dgm:shape>
-            </dgm:else>
-          </dgm:choose>
-          <dgm:presOf axis="des" ptType="node"/>
-          <dgm:constrLst/>
-          <dgm:ruleLst/>
-        </dgm:layoutNode>
-        <dgm:layoutNode name="childTextHidden" styleLbl="bgAccFollowNode1">
-          <dgm:choose name="Name9">
-            <dgm:if name="Name10" axis="des followSib" ptType="node node" st="1 1" cnt="1 0" func="cnt" op="gte" val="1">
-              <dgm:alg type="tx">
-                <dgm:param type="stBulletLvl" val="1"/>
-                <dgm:param type="txAnchorVertCh" val="mid"/>
-              </dgm:alg>
-            </dgm:if>
-            <dgm:else name="Name11">
-              <dgm:alg type="tx">
-                <dgm:param type="stBulletLvl" val="2"/>
-                <dgm:param type="txAnchorVertCh" val="mid"/>
-              </dgm:alg>
-            </dgm:else>
-          </dgm:choose>
-          <dgm:choose name="Name12">
-            <dgm:if name="Name13" func="var" arg="dir" op="equ" val="norm">
-              <dgm:shape xmlns:r="http://schemas.openxmlformats.org/officeDocument/2006/relationships" type="rightArrow" r:blip="" hideGeom="1">
-                <dgm:adjLst>
-                  <dgm:adj idx="1" val="0.7"/>
-                  <dgm:adj idx="2" val="0.5"/>
-                </dgm:adjLst>
-              </dgm:shape>
-            </dgm:if>
-            <dgm:else name="Name14">
-              <dgm:shape xmlns:r="http://schemas.openxmlformats.org/officeDocument/2006/relationships" type="leftArrow" r:blip="" hideGeom="1">
-                <dgm:adjLst>
-                  <dgm:adj idx="1" val="0.7"/>
-                  <dgm:adj idx="2" val="0.5"/>
-                </dgm:adjLst>
-              </dgm:shape>
-            </dgm:else>
-          </dgm:choose>
-          <dgm:presOf axis="des" ptType="node"/>
-          <dgm:constrLst>
-            <dgm:constr type="secFontSz" refType="primFontSz"/>
-            <dgm:constr type="tMarg" refType="primFontSz" fact="0.05"/>
-            <dgm:constr type="bMarg" refType="primFontSz" fact="0.05"/>
-            <dgm:constr type="rMarg" refType="primFontSz" fact="0.1"/>
-            <dgm:constr type="lMarg" refType="primFontSz" fact="0.2"/>
-          </dgm:constrLst>
-          <dgm:ruleLst>
-            <dgm:rule type="primFontSz" val="5" fact="NaN" max="NaN"/>
-          </dgm:ruleLst>
-        </dgm:layoutNode>
-        <dgm:layoutNode name="parentText" styleLbl="node1">
-          <dgm:varLst>
-            <dgm:chMax val="1"/>
-            <dgm:bulletEnabled val="1"/>
-          </dgm:varLst>
-          <dgm:alg type="tx"/>
-          <dgm:shape xmlns:r="http://schemas.openxmlformats.org/officeDocument/2006/relationships" type="ellipse" r:blip="">
-            <dgm:adjLst/>
-          </dgm:shape>
-          <dgm:presOf axis="self"/>
-          <dgm:constrLst>
-            <dgm:constr type="primFontSz" val="65"/>
-            <dgm:constr type="tMarg" refType="primFontSz" fact="0.05"/>
-            <dgm:constr type="bMarg" refType="primFontSz" fact="0.05"/>
-            <dgm:constr type="lMarg" refType="primFontSz" fact="0.05"/>
-            <dgm:constr type="rMarg" refType="primFontSz" fact="0.05"/>
-          </dgm:constrLst>
-          <dgm:ruleLst>
-            <dgm:rule type="primFontSz" val="5" fact="NaN" max="NaN"/>
-          </dgm:ruleLst>
-        </dgm:layoutNode>
-      </dgm:layoutNode>
-      <dgm:choose name="Name15">
-        <dgm:if name="Name16" axis="self" ptType="node" func="revPos" op="gte" val="2">
-          <dgm:layoutNode name="aSpace">
-            <dgm:alg type="sp"/>
-            <dgm:shape xmlns:r="http://schemas.openxmlformats.org/officeDocument/2006/relationships" r:blip="">
-              <dgm:adjLst/>
-            </dgm:shape>
-            <dgm:presOf/>
-            <dgm:constrLst/>
-            <dgm:ruleLst/>
-          </dgm:layoutNode>
-        </dgm:if>
-        <dgm:else name="Name17"/>
-      </dgm:choose>
-    </dgm:forEach>
-  </dgm:layoutNode>
-</dgm:layoutDef>
-</file>
-
-<file path=ppt/diagrams/quickStyle1.xml><?xml version="1.0" encoding="utf-8"?>
-<dgm:styleDef xmlns:dgm="http://schemas.openxmlformats.org/drawingml/2006/diagram" xmlns:a="http://schemas.openxmlformats.org/drawingml/2006/main" uniqueId="urn:microsoft.com/office/officeart/2005/8/quickstyle/simple1">
-  <dgm:title val=""/>
-  <dgm:desc val=""/>
-  <dgm:catLst>
-    <dgm:cat type="simple" pri="10100"/>
-  </dgm:catLst>
-  <dgm:scene3d>
-    <a:camera prst="orthographicFront"/>
-    <a:lightRig rig="threePt" dir="t"/>
-  </dgm:scene3d>
-  <dgm:styleLbl name="node0">
-    <dgm:scene3d>
-      <a:camera prst="orthographicFront"/>
-      <a:lightRig rig="threePt" dir="t"/>
-    </dgm:scene3d>
-    <dgm:sp3d/>
-    <dgm:txPr/>
-    <dgm:style>
-      <a:lnRef idx="2">
-        <a:scrgbClr r="0" g="0" b="0"/>
-      </a:lnRef>
-      <a:fillRef idx="1">
-        <a:scrgbClr r="0" g="0" b="0"/>
-      </a:fillRef>
-      <a:effectRef idx="0">
-        <a:scrgbClr r="0" g="0" b="0"/>
-      </a:effectRef>
-      <a:fontRef idx="minor">
-        <a:schemeClr val="lt1"/>
-      </a:fontRef>
-    </dgm:style>
-  </dgm:styleLbl>
-  <dgm:styleLbl name="lnNode1">
-    <dgm:scene3d>
-      <a:camera prst="orthographicFront"/>
-      <a:lightRig rig="threePt" dir="t"/>
-    </dgm:scene3d>
-    <dgm:sp3d/>
-    <dgm:txPr/>
-    <dgm:style>
-      <a:lnRef idx="2">
-        <a:scrgbClr r="0" g="0" b="0"/>
-      </a:lnRef>
-      <a:fillRef idx="1">
-        <a:scrgbClr r="0" g="0" b="0"/>
-      </a:fillRef>
-      <a:effectRef idx="0">
-        <a:scrgbClr r="0" g="0" b="0"/>
-      </a:effectRef>
-      <a:fontRef idx="minor">
-        <a:schemeClr val="lt1"/>
-      </a:fontRef>
-    </dgm:style>
-  </dgm:styleLbl>
-  <dgm:styleLbl name="vennNode1">
-    <dgm:scene3d>
-      <a:camera prst="orthographicFront"/>
-      <a:lightRig rig="threePt" dir="t"/>
-    </dgm:scene3d>
-    <dgm:sp3d/>
-    <dgm:txPr/>
-    <dgm:style>
-      <a:lnRef idx="2">
-        <a:scrgbClr r="0" g="0" b="0"/>
-      </a:lnRef>
-      <a:fillRef idx="1">
-        <a:scrgbClr r="0" g="0" b="0"/>
-      </a:fillRef>
-      <a:effectRef idx="0">
-        <a:scrgbClr r="0" g="0" b="0"/>
-      </a:effectRef>
-      <a:fontRef idx="minor">
-        <a:schemeClr val="tx1"/>
-      </a:fontRef>
-    </dgm:style>
-  </dgm:styleLbl>
-  <dgm:styleLbl name="alignNode1">
-    <dgm:scene3d>
-      <a:camera prst="orthographicFront"/>
-      <a:lightRig rig="threePt" dir="t"/>
-    </dgm:scene3d>
-    <dgm:sp3d/>
-    <dgm:txPr/>
-    <dgm:style>
-      <a:lnRef idx="2">
-        <a:scrgbClr r="0" g="0" b="0"/>
-      </a:lnRef>
-      <a:fillRef idx="1">
-        <a:scrgbClr r="0" g="0" b="0"/>
-      </a:fillRef>
-      <a:effectRef idx="0">
-        <a:scrgbClr r="0" g="0" b="0"/>
-      </a:effectRef>
-      <a:fontRef idx="minor">
-        <a:schemeClr val="lt1"/>
-      </a:fontRef>
-    </dgm:style>
-  </dgm:styleLbl>
-  <dgm:styleLbl name="node1">
-    <dgm:scene3d>
-      <a:camera prst="orthographicFront"/>
-      <a:lightRig rig="threePt" dir="t"/>
-    </dgm:scene3d>
-    <dgm:sp3d/>
-    <dgm:txPr/>
-    <dgm:style>
-      <a:lnRef idx="2">
-        <a:scrgbClr r="0" g="0" b="0"/>
-      </a:lnRef>
-      <a:fillRef idx="1">
-        <a:scrgbClr r="0" g="0" b="0"/>
-      </a:fillRef>
-      <a:effectRef idx="0">
-        <a:scrgbClr r="0" g="0" b="0"/>
-      </a:effectRef>
-      <a:fontRef idx="minor">
-        <a:schemeClr val="lt1"/>
-      </a:fontRef>
-    </dgm:style>
-  </dgm:styleLbl>
-  <dgm:styleLbl name="node2">
-    <dgm:scene3d>
-      <a:camera prst="orthographicFront"/>
-      <a:lightRig rig="threePt" dir="t"/>
-    </dgm:scene3d>
-    <dgm:sp3d/>
-    <dgm:txPr/>
-    <dgm:style>
-      <a:lnRef idx="2">
-        <a:scrgbClr r="0" g="0" b="0"/>
-      </a:lnRef>
-      <a:fillRef idx="1">
-        <a:scrgbClr r="0" g="0" b="0"/>
-      </a:fillRef>
-      <a:effectRef idx="0">
-        <a:scrgbClr r="0" g="0" b="0"/>
-      </a:effectRef>
-      <a:fontRef idx="minor">
-        <a:schemeClr val="lt1"/>
-      </a:fontRef>
-    </dgm:style>
-  </dgm:styleLbl>
-  <dgm:styleLbl name="node3">
-    <dgm:scene3d>
-      <a:camera prst="orthographicFront"/>
-      <a:lightRig rig="threePt" dir="t"/>
-    </dgm:scene3d>
-    <dgm:sp3d/>
-    <dgm:txPr/>
-    <dgm:style>
-      <a:lnRef idx="2">
-        <a:scrgbClr r="0" g="0" b="0"/>
-      </a:lnRef>
-      <a:fillRef idx="1">
-        <a:scrgbClr r="0" g="0" b="0"/>
-      </a:fillRef>
-      <a:effectRef idx="0">
-        <a:scrgbClr r="0" g="0" b="0"/>
-      </a:effectRef>
-      <a:fontRef idx="minor">
-        <a:schemeClr val="lt1"/>
-      </a:fontRef>
-    </dgm:style>
-  </dgm:styleLbl>
-  <dgm:styleLbl name="node4">
-    <dgm:scene3d>
-      <a:camera prst="orthographicFront"/>
-      <a:lightRig rig="threePt" dir="t"/>
-    </dgm:scene3d>
-    <dgm:sp3d/>
-    <dgm:txPr/>
-    <dgm:style>
-      <a:lnRef idx="2">
-        <a:scrgbClr r="0" g="0" b="0"/>
-      </a:lnRef>
-      <a:fillRef idx="1">
-        <a:scrgbClr r="0" g="0" b="0"/>
-      </a:fillRef>
-      <a:effectRef idx="0">
-        <a:scrgbClr r="0" g="0" b="0"/>
-      </a:effectRef>
-      <a:fontRef idx="minor">
-        <a:schemeClr val="lt1"/>
-      </a:fontRef>
-    </dgm:style>
-  </dgm:styleLbl>
-  <dgm:styleLbl name="fgImgPlace1">
-    <dgm:scene3d>
-      <a:camera prst="orthographicFront"/>
-      <a:lightRig rig="threePt" dir="t"/>
-    </dgm:scene3d>
-    <dgm:sp3d/>
-    <dgm:txPr/>
-    <dgm:style>
-      <a:lnRef idx="2">
-        <a:scrgbClr r="0" g="0" b="0"/>
-      </a:lnRef>
-      <a:fillRef idx="1">
-        <a:scrgbClr r="0" g="0" b="0"/>
-      </a:fillRef>
-      <a:effectRef idx="0">
-        <a:scrgbClr r="0" g="0" b="0"/>
-      </a:effectRef>
-      <a:fontRef idx="minor"/>
-    </dgm:style>
-  </dgm:styleLbl>
-  <dgm:styleLbl name="alignImgPlace1">
-    <dgm:scene3d>
-      <a:camera prst="orthographicFront"/>
-      <a:lightRig rig="threePt" dir="t"/>
-    </dgm:scene3d>
-    <dgm:sp3d/>
-    <dgm:txPr/>
-    <dgm:style>
-      <a:lnRef idx="2">
-        <a:scrgbClr r="0" g="0" b="0"/>
-      </a:lnRef>
-      <a:fillRef idx="1">
-        <a:scrgbClr r="0" g="0" b="0"/>
-      </a:fillRef>
-      <a:effectRef idx="0">
-        <a:scrgbClr r="0" g="0" b="0"/>
-      </a:effectRef>
-      <a:fontRef idx="minor"/>
-    </dgm:style>
-  </dgm:styleLbl>
-  <dgm:styleLbl name="bgImgPlace1">
-    <dgm:scene3d>
-      <a:camera prst="orthographicFront"/>
-      <a:lightRig rig="threePt" dir="t"/>
-    </dgm:scene3d>
-    <dgm:sp3d/>
-    <dgm:txPr/>
-    <dgm:style>
-      <a:lnRef idx="2">
-        <a:scrgbClr r="0" g="0" b="0"/>
-      </a:lnRef>
-      <a:fillRef idx="1">
-        <a:scrgbClr r="0" g="0" b="0"/>
-      </a:fillRef>
-      <a:effectRef idx="0">
-        <a:scrgbClr r="0" g="0" b="0"/>
-      </a:effectRef>
-      <a:fontRef idx="minor"/>
-    </dgm:style>
-  </dgm:styleLbl>
-  <dgm:styleLbl name="sibTrans2D1">
-    <dgm:scene3d>
-      <a:camera prst="orthographicFront"/>
-      <a:lightRig rig="threePt" dir="t"/>
-    </dgm:scene3d>
-    <dgm:sp3d/>
-    <dgm:txPr/>
-    <dgm:style>
-      <a:lnRef idx="0">
-        <a:scrgbClr r="0" g="0" b="0"/>
-      </a:lnRef>
-      <a:fillRef idx="1">
-        <a:scrgbClr r="0" g="0" b="0"/>
-      </a:fillRef>
-      <a:effectRef idx="0">
-        <a:scrgbClr r="0" g="0" b="0"/>
-      </a:effectRef>
-      <a:fontRef idx="minor">
-        <a:schemeClr val="lt1"/>
-      </a:fontRef>
-    </dgm:style>
-  </dgm:styleLbl>
-  <dgm:styleLbl name="fgSibTrans2D1">
-    <dgm:scene3d>
-      <a:camera prst="orthographicFront"/>
-      <a:lightRig rig="threePt" dir="t"/>
-    </dgm:scene3d>
-    <dgm:sp3d/>
-    <dgm:txPr/>
-    <dgm:style>
-      <a:lnRef idx="0">
-        <a:scrgbClr r="0" g="0" b="0"/>
-      </a:lnRef>
-      <a:fillRef idx="1">
-        <a:scrgbClr r="0" g="0" b="0"/>
-      </a:fillRef>
-      <a:effectRef idx="0">
-        <a:scrgbClr r="0" g="0" b="0"/>
-      </a:effectRef>
-      <a:fontRef idx="minor">
-        <a:schemeClr val="lt1"/>
-      </a:fontRef>
-    </dgm:style>
-  </dgm:styleLbl>
-  <dgm:styleLbl name="bgSibTrans2D1">
-    <dgm:scene3d>
-      <a:camera prst="orthographicFront"/>
-      <a:lightRig rig="threePt" dir="t"/>
-    </dgm:scene3d>
-    <dgm:sp3d/>
-    <dgm:txPr/>
-    <dgm:style>
-      <a:lnRef idx="0">
-        <a:scrgbClr r="0" g="0" b="0"/>
-      </a:lnRef>
-      <a:fillRef idx="1">
-        <a:scrgbClr r="0" g="0" b="0"/>
-      </a:fillRef>
-      <a:effectRef idx="0">
-        <a:scrgbClr r="0" g="0" b="0"/>
-      </a:effectRef>
-      <a:fontRef idx="minor">
-        <a:schemeClr val="lt1"/>
-      </a:fontRef>
-    </dgm:style>
-  </dgm:styleLbl>
-  <dgm:styleLbl name="sibTrans1D1">
-    <dgm:scene3d>
-      <a:camera prst="orthographicFront"/>
-      <a:lightRig rig="threePt" dir="t"/>
-    </dgm:scene3d>
-    <dgm:sp3d/>
-    <dgm:txPr/>
-    <dgm:style>
-      <a:lnRef idx="1">
-        <a:scrgbClr r="0" g="0" b="0"/>
-      </a:lnRef>
-      <a:fillRef idx="0">
-        <a:scrgbClr r="0" g="0" b="0"/>
-      </a:fillRef>
-      <a:effectRef idx="0">
-        <a:scrgbClr r="0" g="0" b="0"/>
-      </a:effectRef>
-      <a:fontRef idx="minor"/>
-    </dgm:style>
-  </dgm:styleLbl>
-  <dgm:styleLbl name="callout">
-    <dgm:scene3d>
-      <a:camera prst="orthographicFront"/>
-      <a:lightRig rig="threePt" dir="t"/>
-    </dgm:scene3d>
-    <dgm:sp3d/>
-    <dgm:txPr/>
-    <dgm:style>
-      <a:lnRef idx="2">
-        <a:scrgbClr r="0" g="0" b="0"/>
-      </a:lnRef>
-      <a:fillRef idx="1">
-        <a:scrgbClr r="0" g="0" b="0"/>
-      </a:fillRef>
-      <a:effectRef idx="0">
-        <a:scrgbClr r="0" g="0" b="0"/>
-      </a:effectRef>
-      <a:fontRef idx="minor"/>
-    </dgm:style>
-  </dgm:styleLbl>
-  <dgm:styleLbl name="asst0">
-    <dgm:scene3d>
-      <a:camera prst="orthographicFront"/>
-      <a:lightRig rig="threePt" dir="t"/>
-    </dgm:scene3d>
-    <dgm:sp3d/>
-    <dgm:txPr/>
-    <dgm:style>
-      <a:lnRef idx="2">
-        <a:scrgbClr r="0" g="0" b="0"/>
-      </a:lnRef>
-      <a:fillRef idx="1">
-        <a:scrgbClr r="0" g="0" b="0"/>
-      </a:fillRef>
-      <a:effectRef idx="0">
-        <a:scrgbClr r="0" g="0" b="0"/>
-      </a:effectRef>
-      <a:fontRef idx="minor">
-        <a:schemeClr val="lt1"/>
-      </a:fontRef>
-    </dgm:style>
-  </dgm:styleLbl>
-  <dgm:styleLbl name="asst1">
-    <dgm:scene3d>
-      <a:camera prst="orthographicFront"/>
-      <a:lightRig rig="threePt" dir="t"/>
-    </dgm:scene3d>
-    <dgm:sp3d/>
-    <dgm:txPr/>
-    <dgm:style>
-      <a:lnRef idx="2">
-        <a:scrgbClr r="0" g="0" b="0"/>
-      </a:lnRef>
-      <a:fillRef idx="1">
-        <a:scrgbClr r="0" g="0" b="0"/>
-      </a:fillRef>
-      <a:effectRef idx="0">
-        <a:scrgbClr r="0" g="0" b="0"/>
-      </a:effectRef>
-      <a:fontRef idx="minor">
-        <a:schemeClr val="lt1"/>
-      </a:fontRef>
-    </dgm:style>
-  </dgm:styleLbl>
-  <dgm:styleLbl name="asst2">
-    <dgm:scene3d>
-      <a:camera prst="orthographicFront"/>
-      <a:lightRig rig="threePt" dir="t"/>
-    </dgm:scene3d>
-    <dgm:sp3d/>
-    <dgm:txPr/>
-    <dgm:style>
-      <a:lnRef idx="2">
-        <a:scrgbClr r="0" g="0" b="0"/>
-      </a:lnRef>
-      <a:fillRef idx="1">
-        <a:scrgbClr r="0" g="0" b="0"/>
-      </a:fillRef>
-      <a:effectRef idx="0">
-        <a:scrgbClr r="0" g="0" b="0"/>
-      </a:effectRef>
-      <a:fontRef idx="minor">
-        <a:schemeClr val="lt1"/>
-      </a:fontRef>
-    </dgm:style>
-  </dgm:styleLbl>
-  <dgm:styleLbl name="asst3">
-    <dgm:scene3d>
-      <a:camera prst="orthographicFront"/>
-      <a:lightRig rig="threePt" dir="t"/>
-    </dgm:scene3d>
-    <dgm:sp3d/>
-    <dgm:txPr/>
-    <dgm:style>
-      <a:lnRef idx="2">
-        <a:scrgbClr r="0" g="0" b="0"/>
-      </a:lnRef>
-      <a:fillRef idx="1">
-        <a:scrgbClr r="0" g="0" b="0"/>
-      </a:fillRef>
-      <a:effectRef idx="0">
-        <a:scrgbClr r="0" g="0" b="0"/>
-      </a:effectRef>
-      <a:fontRef idx="minor">
-        <a:schemeClr val="lt1"/>
-      </a:fontRef>
-    </dgm:style>
-  </dgm:styleLbl>
-  <dgm:styleLbl name="asst4">
-    <dgm:scene3d>
-      <a:camera prst="orthographicFront"/>
-      <a:lightRig rig="threePt" dir="t"/>
-    </dgm:scene3d>
-    <dgm:sp3d/>
-    <dgm:txPr/>
-    <dgm:style>
-      <a:lnRef idx="2">
-        <a:scrgbClr r="0" g="0" b="0"/>
-      </a:lnRef>
-      <a:fillRef idx="1">
-        <a:scrgbClr r="0" g="0" b="0"/>
-      </a:fillRef>
-      <a:effectRef idx="0">
-        <a:scrgbClr r="0" g="0" b="0"/>
-      </a:effectRef>
-      <a:fontRef idx="minor">
-        <a:schemeClr val="lt1"/>
-      </a:fontRef>
-    </dgm:style>
-  </dgm:styleLbl>
-  <dgm:styleLbl name="parChTrans2D1">
-    <dgm:scene3d>
-      <a:camera prst="orthographicFront"/>
-      <a:lightRig rig="threePt" dir="t"/>
-    </dgm:scene3d>
-    <dgm:sp3d/>
-    <dgm:txPr/>
-    <dgm:style>
-      <a:lnRef idx="2">
-        <a:scrgbClr r="0" g="0" b="0"/>
-      </a:lnRef>
-      <a:fillRef idx="1">
-        <a:scrgbClr r="0" g="0" b="0"/>
-      </a:fillRef>
-      <a:effectRef idx="0">
-        <a:scrgbClr r="0" g="0" b="0"/>
-      </a:effectRef>
-      <a:fontRef idx="minor">
-        <a:schemeClr val="lt1"/>
-      </a:fontRef>
-    </dgm:style>
-  </dgm:styleLbl>
-  <dgm:styleLbl name="parChTrans2D2">
-    <dgm:scene3d>
-      <a:camera prst="orthographicFront"/>
-      <a:lightRig rig="threePt" dir="t"/>
-    </dgm:scene3d>
-    <dgm:sp3d/>
-    <dgm:txPr/>
-    <dgm:style>
-      <a:lnRef idx="2">
-        <a:scrgbClr r="0" g="0" b="0"/>
-      </a:lnRef>
-      <a:fillRef idx="1">
-        <a:scrgbClr r="0" g="0" b="0"/>
-      </a:fillRef>
-      <a:effectRef idx="0">
-        <a:scrgbClr r="0" g="0" b="0"/>
-      </a:effectRef>
-      <a:fontRef idx="minor">
-        <a:schemeClr val="lt1"/>
-      </a:fontRef>
-    </dgm:style>
-  </dgm:styleLbl>
-  <dgm:styleLbl name="parChTrans2D3">
-    <dgm:scene3d>
-      <a:camera prst="orthographicFront"/>
-      <a:lightRig rig="threePt" dir="t"/>
-    </dgm:scene3d>
-    <dgm:sp3d/>
-    <dgm:txPr/>
-    <dgm:style>
-      <a:lnRef idx="2">
-        <a:scrgbClr r="0" g="0" b="0"/>
-      </a:lnRef>
-      <a:fillRef idx="1">
-        <a:scrgbClr r="0" g="0" b="0"/>
-      </a:fillRef>
-      <a:effectRef idx="0">
-        <a:scrgbClr r="0" g="0" b="0"/>
-      </a:effectRef>
-      <a:fontRef idx="minor">
-        <a:schemeClr val="lt1"/>
-      </a:fontRef>
-    </dgm:style>
-  </dgm:styleLbl>
-  <dgm:styleLbl name="parChTrans2D4">
-    <dgm:scene3d>
-      <a:camera prst="orthographicFront"/>
-      <a:lightRig rig="threePt" dir="t"/>
-    </dgm:scene3d>
-    <dgm:sp3d/>
-    <dgm:txPr/>
-    <dgm:style>
-      <a:lnRef idx="2">
-        <a:scrgbClr r="0" g="0" b="0"/>
-      </a:lnRef>
-      <a:fillRef idx="1">
-        <a:scrgbClr r="0" g="0" b="0"/>
-      </a:fillRef>
-      <a:effectRef idx="0">
-        <a:scrgbClr r="0" g="0" b="0"/>
-      </a:effectRef>
-      <a:fontRef idx="minor">
-        <a:schemeClr val="lt1"/>
-      </a:fontRef>
-    </dgm:style>
-  </dgm:styleLbl>
-  <dgm:styleLbl name="parChTrans1D1">
-    <dgm:scene3d>
-      <a:camera prst="orthographicFront"/>
-      <a:lightRig rig="threePt" dir="t"/>
-    </dgm:scene3d>
-    <dgm:sp3d/>
-    <dgm:txPr/>
-    <dgm:style>
-      <a:lnRef idx="2">
-        <a:scrgbClr r="0" g="0" b="0"/>
-      </a:lnRef>
-      <a:fillRef idx="0">
-        <a:scrgbClr r="0" g="0" b="0"/>
-      </a:fillRef>
-      <a:effectRef idx="0">
-        <a:scrgbClr r="0" g="0" b="0"/>
-      </a:effectRef>
-      <a:fontRef idx="minor"/>
-    </dgm:style>
-  </dgm:styleLbl>
-  <dgm:styleLbl name="parChTrans1D2">
-    <dgm:scene3d>
-      <a:camera prst="orthographicFront"/>
-      <a:lightRig rig="threePt" dir="t"/>
-    </dgm:scene3d>
-    <dgm:sp3d/>
-    <dgm:txPr/>
-    <dgm:style>
-      <a:lnRef idx="2">
-        <a:scrgbClr r="0" g="0" b="0"/>
-      </a:lnRef>
-      <a:fillRef idx="0">
-        <a:scrgbClr r="0" g="0" b="0"/>
-      </a:fillRef>
-      <a:effectRef idx="0">
-        <a:scrgbClr r="0" g="0" b="0"/>
-      </a:effectRef>
-      <a:fontRef idx="minor"/>
-    </dgm:style>
-  </dgm:styleLbl>
-  <dgm:styleLbl name="parChTrans1D3">
-    <dgm:scene3d>
-      <a:camera prst="orthographicFront"/>
-      <a:lightRig rig="threePt" dir="t"/>
-    </dgm:scene3d>
-    <dgm:sp3d/>
-    <dgm:txPr/>
-    <dgm:style>
-      <a:lnRef idx="2">
-        <a:scrgbClr r="0" g="0" b="0"/>
-      </a:lnRef>
-      <a:fillRef idx="0">
-        <a:scrgbClr r="0" g="0" b="0"/>
-      </a:fillRef>
-      <a:effectRef idx="0">
-        <a:scrgbClr r="0" g="0" b="0"/>
-      </a:effectRef>
-      <a:fontRef idx="minor"/>
-    </dgm:style>
-  </dgm:styleLbl>
-  <dgm:styleLbl name="parChTrans1D4">
-    <dgm:scene3d>
-      <a:camera prst="orthographicFront"/>
-      <a:lightRig rig="threePt" dir="t"/>
-    </dgm:scene3d>
-    <dgm:sp3d/>
-    <dgm:txPr/>
-    <dgm:style>
-      <a:lnRef idx="2">
-        <a:scrgbClr r="0" g="0" b="0"/>
-      </a:lnRef>
-      <a:fillRef idx="0">
-        <a:scrgbClr r="0" g="0" b="0"/>
-      </a:fillRef>
-      <a:effectRef idx="0">
-        <a:scrgbClr r="0" g="0" b="0"/>
-      </a:effectRef>
-      <a:fontRef idx="minor"/>
-    </dgm:style>
-  </dgm:styleLbl>
-  <dgm:styleLbl name="fgAcc1">
-    <dgm:scene3d>
-      <a:camera prst="orthographicFront"/>
-      <a:lightRig rig="threePt" dir="t"/>
-    </dgm:scene3d>
-    <dgm:sp3d/>
-    <dgm:txPr/>
-    <dgm:style>
-      <a:lnRef idx="2">
-        <a:scrgbClr r="0" g="0" b="0"/>
-      </a:lnRef>
-      <a:fillRef idx="1">
-        <a:scrgbClr r="0" g="0" b="0"/>
-      </a:fillRef>
-      <a:effectRef idx="0">
-        <a:scrgbClr r="0" g="0" b="0"/>
-      </a:effectRef>
-      <a:fontRef idx="minor"/>
-    </dgm:style>
-  </dgm:styleLbl>
-  <dgm:styleLbl name="conFgAcc1">
-    <dgm:scene3d>
-      <a:camera prst="orthographicFront"/>
-      <a:lightRig rig="threePt" dir="t"/>
-    </dgm:scene3d>
-    <dgm:sp3d/>
-    <dgm:txPr/>
-    <dgm:style>
-      <a:lnRef idx="2">
-        <a:scrgbClr r="0" g="0" b="0"/>
-      </a:lnRef>
-      <a:fillRef idx="1">
-        <a:scrgbClr r="0" g="0" b="0"/>
-      </a:fillRef>
-      <a:effectRef idx="0">
-        <a:scrgbClr r="0" g="0" b="0"/>
-      </a:effectRef>
-      <a:fontRef idx="minor"/>
-    </dgm:style>
-  </dgm:styleLbl>
-  <dgm:styleLbl name="alignAcc1">
-    <dgm:scene3d>
-      <a:camera prst="orthographicFront"/>
-      <a:lightRig rig="threePt" dir="t"/>
-    </dgm:scene3d>
-    <dgm:sp3d/>
-    <dgm:txPr/>
-    <dgm:style>
-      <a:lnRef idx="2">
-        <a:scrgbClr r="0" g="0" b="0"/>
-      </a:lnRef>
-      <a:fillRef idx="1">
-        <a:scrgbClr r="0" g="0" b="0"/>
-      </a:fillRef>
-      <a:effectRef idx="0">
-        <a:scrgbClr r="0" g="0" b="0"/>
-      </a:effectRef>
-      <a:fontRef idx="minor"/>
-    </dgm:style>
-  </dgm:styleLbl>
-  <dgm:styleLbl name="trAlignAcc1">
-    <dgm:scene3d>
-      <a:camera prst="orthographicFront"/>
-      <a:lightRig rig="threePt" dir="t"/>
-    </dgm:scene3d>
-    <dgm:sp3d/>
-    <dgm:txPr/>
-    <dgm:style>
-      <a:lnRef idx="1">
-        <a:scrgbClr r="0" g="0" b="0"/>
-      </a:lnRef>
-      <a:fillRef idx="1">
-        <a:scrgbClr r="0" g="0" b="0"/>
-      </a:fillRef>
-      <a:effectRef idx="0">
-        <a:scrgbClr r="0" g="0" b="0"/>
-      </a:effectRef>
-      <a:fontRef idx="minor"/>
-    </dgm:style>
-  </dgm:styleLbl>
-  <dgm:styleLbl name="bgAcc1">
-    <dgm:scene3d>
-      <a:camera prst="orthographicFront"/>
-      <a:lightRig rig="threePt" dir="t"/>
-    </dgm:scene3d>
-    <dgm:sp3d/>
-    <dgm:txPr/>
-    <dgm:style>
-      <a:lnRef idx="2">
-        <a:scrgbClr r="0" g="0" b="0"/>
-      </a:lnRef>
-      <a:fillRef idx="1">
-        <a:scrgbClr r="0" g="0" b="0"/>
-      </a:fillRef>
-      <a:effectRef idx="0">
-        <a:scrgbClr r="0" g="0" b="0"/>
-      </a:effectRef>
-      <a:fontRef idx="minor"/>
-    </dgm:style>
-  </dgm:styleLbl>
-  <dgm:styleLbl name="solidFgAcc1">
-    <dgm:scene3d>
-      <a:camera prst="orthographicFront"/>
-      <a:lightRig rig="threePt" dir="t"/>
-    </dgm:scene3d>
-    <dgm:sp3d/>
-    <dgm:txPr/>
-    <dgm:style>
-      <a:lnRef idx="2">
-        <a:scrgbClr r="0" g="0" b="0"/>
-      </a:lnRef>
-      <a:fillRef idx="1">
-        <a:scrgbClr r="0" g="0" b="0"/>
-      </a:fillRef>
-      <a:effectRef idx="0">
-        <a:scrgbClr r="0" g="0" b="0"/>
-      </a:effectRef>
-      <a:fontRef idx="minor"/>
-    </dgm:style>
-  </dgm:styleLbl>
-  <dgm:styleLbl name="solidAlignAcc1">
-    <dgm:scene3d>
-      <a:camera prst="orthographicFront"/>
-      <a:lightRig rig="threePt" dir="t"/>
-    </dgm:scene3d>
-    <dgm:sp3d/>
-    <dgm:txPr/>
-    <dgm:style>
-      <a:lnRef idx="2">
-        <a:scrgbClr r="0" g="0" b="0"/>
-      </a:lnRef>
-      <a:fillRef idx="1">
-        <a:scrgbClr r="0" g="0" b="0"/>
-      </a:fillRef>
-      <a:effectRef idx="0">
-        <a:scrgbClr r="0" g="0" b="0"/>
-      </a:effectRef>
-      <a:fontRef idx="minor"/>
-    </dgm:style>
-  </dgm:styleLbl>
-  <dgm:styleLbl name="solidBgAcc1">
-    <dgm:scene3d>
-      <a:camera prst="orthographicFront"/>
-      <a:lightRig rig="threePt" dir="t"/>
-    </dgm:scene3d>
-    <dgm:sp3d/>
-    <dgm:txPr/>
-    <dgm:style>
-      <a:lnRef idx="2">
-        <a:scrgbClr r="0" g="0" b="0"/>
-      </a:lnRef>
-      <a:fillRef idx="1">
-        <a:scrgbClr r="0" g="0" b="0"/>
-      </a:fillRef>
-      <a:effectRef idx="0">
-        <a:scrgbClr r="0" g="0" b="0"/>
-      </a:effectRef>
-      <a:fontRef idx="minor"/>
-    </dgm:style>
-  </dgm:styleLbl>
-  <dgm:styleLbl name="fgAccFollowNode1">
-    <dgm:scene3d>
-      <a:camera prst="orthographicFront"/>
-      <a:lightRig rig="threePt" dir="t"/>
-    </dgm:scene3d>
-    <dgm:sp3d/>
-    <dgm:txPr/>
-    <dgm:style>
-      <a:lnRef idx="2">
-        <a:scrgbClr r="0" g="0" b="0"/>
-      </a:lnRef>
-      <a:fillRef idx="1">
-        <a:scrgbClr r="0" g="0" b="0"/>
-      </a:fillRef>
-      <a:effectRef idx="0">
-        <a:scrgbClr r="0" g="0" b="0"/>
-      </a:effectRef>
-      <a:fontRef idx="minor"/>
-    </dgm:style>
-  </dgm:styleLbl>
-  <dgm:styleLbl name="alignAccFollowNode1">
-    <dgm:scene3d>
-      <a:camera prst="orthographicFront"/>
-      <a:lightRig rig="threePt" dir="t"/>
-    </dgm:scene3d>
-    <dgm:sp3d/>
-    <dgm:txPr/>
-    <dgm:style>
-      <a:lnRef idx="2">
-        <a:scrgbClr r="0" g="0" b="0"/>
-      </a:lnRef>
-      <a:fillRef idx="1">
-        <a:scrgbClr r="0" g="0" b="0"/>
-      </a:fillRef>
-      <a:effectRef idx="0">
-        <a:scrgbClr r="0" g="0" b="0"/>
-      </a:effectRef>
-      <a:fontRef idx="minor"/>
-    </dgm:style>
-  </dgm:styleLbl>
-  <dgm:styleLbl name="bgAccFollowNode1">
-    <dgm:scene3d>
-      <a:camera prst="orthographicFront"/>
-      <a:lightRig rig="threePt" dir="t"/>
-    </dgm:scene3d>
-    <dgm:sp3d/>
-    <dgm:txPr/>
-    <dgm:style>
-      <a:lnRef idx="2">
-        <a:scrgbClr r="0" g="0" b="0"/>
-      </a:lnRef>
-      <a:fillRef idx="1">
-        <a:scrgbClr r="0" g="0" b="0"/>
-      </a:fillRef>
-      <a:effectRef idx="0">
-        <a:scrgbClr r="0" g="0" b="0"/>
-      </a:effectRef>
-      <a:fontRef idx="minor"/>
-    </dgm:style>
-  </dgm:styleLbl>
-  <dgm:styleLbl name="fgAcc0">
-    <dgm:scene3d>
-      <a:camera prst="orthographicFront"/>
-      <a:lightRig rig="threePt" dir="t"/>
-    </dgm:scene3d>
-    <dgm:sp3d/>
-    <dgm:txPr/>
-    <dgm:style>
-      <a:lnRef idx="2">
-        <a:scrgbClr r="0" g="0" b="0"/>
-      </a:lnRef>
-      <a:fillRef idx="1">
-        <a:scrgbClr r="0" g="0" b="0"/>
-      </a:fillRef>
-      <a:effectRef idx="0">
-        <a:scrgbClr r="0" g="0" b="0"/>
-      </a:effectRef>
-      <a:fontRef idx="minor"/>
-    </dgm:style>
-  </dgm:styleLbl>
-  <dgm:styleLbl name="fgAcc2">
-    <dgm:scene3d>
-      <a:camera prst="orthographicFront"/>
-      <a:lightRig rig="threePt" dir="t"/>
-    </dgm:scene3d>
-    <dgm:sp3d/>
-    <dgm:txPr/>
-    <dgm:style>
-      <a:lnRef idx="2">
-        <a:scrgbClr r="0" g="0" b="0"/>
-      </a:lnRef>
-      <a:fillRef idx="1">
-        <a:scrgbClr r="0" g="0" b="0"/>
-      </a:fillRef>
-      <a:effectRef idx="0">
-        <a:scrgbClr r="0" g="0" b="0"/>
-      </a:effectRef>
-      <a:fontRef idx="minor"/>
-    </dgm:style>
-  </dgm:styleLbl>
-  <dgm:styleLbl name="fgAcc3">
-    <dgm:scene3d>
-      <a:camera prst="orthographicFront"/>
-      <a:lightRig rig="threePt" dir="t"/>
-    </dgm:scene3d>
-    <dgm:sp3d/>
-    <dgm:txPr/>
-    <dgm:style>
-      <a:lnRef idx="2">
-        <a:scrgbClr r="0" g="0" b="0"/>
-      </a:lnRef>
-      <a:fillRef idx="1">
-        <a:scrgbClr r="0" g="0" b="0"/>
-      </a:fillRef>
-      <a:effectRef idx="0">
-        <a:scrgbClr r="0" g="0" b="0"/>
-      </a:effectRef>
-      <a:fontRef idx="minor"/>
-    </dgm:style>
-  </dgm:styleLbl>
-  <dgm:styleLbl name="fgAcc4">
-    <dgm:scene3d>
-      <a:camera prst="orthographicFront"/>
-      <a:lightRig rig="threePt" dir="t"/>
-    </dgm:scene3d>
-    <dgm:sp3d/>
-    <dgm:txPr/>
-    <dgm:style>
-      <a:lnRef idx="2">
-        <a:scrgbClr r="0" g="0" b="0"/>
-      </a:lnRef>
-      <a:fillRef idx="1">
-        <a:scrgbClr r="0" g="0" b="0"/>
-      </a:fillRef>
-      <a:effectRef idx="0">
-        <a:scrgbClr r="0" g="0" b="0"/>
-      </a:effectRef>
-      <a:fontRef idx="minor"/>
-    </dgm:style>
-  </dgm:styleLbl>
-  <dgm:styleLbl name="bgShp">
-    <dgm:scene3d>
-      <a:camera prst="orthographicFront"/>
-      <a:lightRig rig="threePt" dir="t"/>
-    </dgm:scene3d>
-    <dgm:sp3d/>
-    <dgm:txPr/>
-    <dgm:style>
-      <a:lnRef idx="0">
-        <a:scrgbClr r="0" g="0" b="0"/>
-      </a:lnRef>
-      <a:fillRef idx="1">
-        <a:scrgbClr r="0" g="0" b="0"/>
-      </a:fillRef>
-      <a:effectRef idx="0">
-        <a:scrgbClr r="0" g="0" b="0"/>
-      </a:effectRef>
-      <a:fontRef idx="minor"/>
-    </dgm:style>
-  </dgm:styleLbl>
-  <dgm:styleLbl name="dkBgShp">
-    <dgm:scene3d>
-      <a:camera prst="orthographicFront"/>
-      <a:lightRig rig="threePt" dir="t"/>
-    </dgm:scene3d>
-    <dgm:sp3d/>
-    <dgm:txPr/>
-    <dgm:style>
-      <a:lnRef idx="0">
-        <a:scrgbClr r="0" g="0" b="0"/>
-      </a:lnRef>
-      <a:fillRef idx="1">
-        <a:scrgbClr r="0" g="0" b="0"/>
-      </a:fillRef>
-      <a:effectRef idx="0">
-        <a:scrgbClr r="0" g="0" b="0"/>
-      </a:effectRef>
-      <a:fontRef idx="minor"/>
-    </dgm:style>
-  </dgm:styleLbl>
-  <dgm:styleLbl name="trBgShp">
-    <dgm:scene3d>
-      <a:camera prst="orthographicFront"/>
-      <a:lightRig rig="threePt" dir="t"/>
-    </dgm:scene3d>
-    <dgm:sp3d/>
-    <dgm:txPr/>
-    <dgm:style>
-      <a:lnRef idx="0">
-        <a:scrgbClr r="0" g="0" b="0"/>
-      </a:lnRef>
-      <a:fillRef idx="1">
-        <a:scrgbClr r="0" g="0" b="0"/>
-      </a:fillRef>
-      <a:effectRef idx="0">
-        <a:scrgbClr r="0" g="0" b="0"/>
-      </a:effectRef>
-      <a:fontRef idx="minor"/>
-    </dgm:style>
-  </dgm:styleLbl>
-  <dgm:styleLbl name="fgShp">
-    <dgm:scene3d>
-      <a:camera prst="orthographicFront"/>
-      <a:lightRig rig="threePt" dir="t"/>
-    </dgm:scene3d>
-    <dgm:sp3d/>
-    <dgm:txPr/>
-    <dgm:style>
-      <a:lnRef idx="2">
-        <a:scrgbClr r="0" g="0" b="0"/>
-      </a:lnRef>
-      <a:fillRef idx="1">
-        <a:scrgbClr r="0" g="0" b="0"/>
-      </a:fillRef>
-      <a:effectRef idx="0">
-        <a:scrgbClr r="0" g="0" b="0"/>
-      </a:effectRef>
-      <a:fontRef idx="minor"/>
-    </dgm:style>
-  </dgm:styleLbl>
-  <dgm:styleLbl name="revTx">
-    <dgm:scene3d>
-      <a:camera prst="orthographicFront"/>
-      <a:lightRig rig="threePt" dir="t"/>
-    </dgm:scene3d>
-    <dgm:sp3d/>
-    <dgm:txPr/>
-    <dgm:style>
-      <a:lnRef idx="0">
-        <a:scrgbClr r="0" g="0" b="0"/>
-      </a:lnRef>
-      <a:fillRef idx="0">
-        <a:scrgbClr r="0" g="0" b="0"/>
-      </a:fillRef>
-      <a:effectRef idx="0">
-        <a:scrgbClr r="0" g="0" b="0"/>
-      </a:effectRef>
-      <a:fontRef idx="minor"/>
-    </dgm:style>
-  </dgm:styleLbl>
-</dgm:styleDef>
 </file>
 
 <file path=ppt/handoutMasters/handoutMaster1.xml><?xml version="1.0" encoding="utf-8"?>
@@ -19186,7 +15237,7 @@
   </p:txStyles>
   <p:extLst mod="1">
     <p:ext uri="{27BBF7A9-308A-43DC-89C8-2F10F3537804}">
-      <p15:sldGuideLst xmlns:p15="http://schemas.microsoft.com/office/powerpoint/2012/main" xmlns="">
+      <p15:sldGuideLst xmlns="" xmlns:p15="http://schemas.microsoft.com/office/powerpoint/2012/main">
         <p15:guide id="1" orient="horz" pos="2160" userDrawn="1">
           <p15:clr>
             <a:srgbClr val="F26B43"/>
@@ -19646,828 +15697,6 @@
 </p:sld>
 </file>
 
-<file path=ppt/slides/slide12.xml><?xml version="1.0" encoding="utf-8"?>
-<p:sld xmlns:a="http://schemas.openxmlformats.org/drawingml/2006/main" xmlns:r="http://schemas.openxmlformats.org/officeDocument/2006/relationships" xmlns:p="http://schemas.openxmlformats.org/presentationml/2006/main">
-  <p:cSld>
-    <p:spTree>
-      <p:nvGrpSpPr>
-        <p:cNvPr id="1" name=""/>
-        <p:cNvGrpSpPr/>
-        <p:nvPr/>
-      </p:nvGrpSpPr>
-      <p:grpSpPr>
-        <a:xfrm>
-          <a:off x="0" y="0"/>
-          <a:ext cx="0" cy="0"/>
-          <a:chOff x="0" y="0"/>
-          <a:chExt cx="0" cy="0"/>
-        </a:xfrm>
-      </p:grpSpPr>
-      <p:sp>
-        <p:nvSpPr>
-          <p:cNvPr id="2" name="Título 1"/>
-          <p:cNvSpPr>
-            <a:spLocks noGrp="1"/>
-          </p:cNvSpPr>
-          <p:nvPr>
-            <p:ph type="title"/>
-          </p:nvPr>
-        </p:nvSpPr>
-        <p:spPr/>
-        <p:txBody>
-          <a:bodyPr/>
-          <a:lstStyle/>
-          <a:p>
-            <a:r>
-              <a:rPr lang="pt-BR" dirty="0" smtClean="0"/>
-              <a:t>Layout do título e conteúdo com gráfico</a:t>
-            </a:r>
-            <a:endParaRPr lang="pt-BR" dirty="0"/>
-          </a:p>
-        </p:txBody>
-      </p:sp>
-      <p:graphicFrame>
-        <p:nvGraphicFramePr>
-          <p:cNvPr id="6" name="Espaço Reservado para Conteúdo 5" descr="Gráfico de colunas agrupadas"/>
-          <p:cNvGraphicFramePr>
-            <a:graphicFrameLocks noGrp="1"/>
-          </p:cNvGraphicFramePr>
-          <p:nvPr>
-            <p:ph idx="1"/>
-            <p:extLst>
-              <p:ext uri="{D42A27DB-BD31-4B8C-83A1-F6EECF244321}">
-                <p14:modId xmlns:p14="http://schemas.microsoft.com/office/powerpoint/2010/main" val="920940382"/>
-              </p:ext>
-            </p:extLst>
-          </p:nvPr>
-        </p:nvGraphicFramePr>
-        <p:xfrm>
-          <a:off x="1295402" y="1981201"/>
-          <a:ext cx="9601200" cy="3810000"/>
-        </p:xfrm>
-        <a:graphic>
-          <a:graphicData uri="http://schemas.openxmlformats.org/drawingml/2006/chart">
-            <c:chart xmlns:c="http://schemas.openxmlformats.org/drawingml/2006/chart" xmlns:r="http://schemas.openxmlformats.org/officeDocument/2006/relationships" r:id="rId2"/>
-          </a:graphicData>
-        </a:graphic>
-      </p:graphicFrame>
-    </p:spTree>
-    <p:extLst>
-      <p:ext uri="{BB962C8B-B14F-4D97-AF65-F5344CB8AC3E}">
-        <p14:creationId xmlns:p14="http://schemas.microsoft.com/office/powerpoint/2010/main" val="1476019738"/>
-      </p:ext>
-    </p:extLst>
-  </p:cSld>
-  <p:clrMapOvr>
-    <a:masterClrMapping/>
-  </p:clrMapOvr>
-  <mc:AlternateContent xmlns:mc="http://schemas.openxmlformats.org/markup-compatibility/2006" xmlns:p14="http://schemas.microsoft.com/office/powerpoint/2010/main">
-    <mc:Choice Requires="p14">
-      <p:transition spd="med" p14:dur="700">
-        <p:fade/>
-      </p:transition>
-    </mc:Choice>
-    <mc:Fallback xmlns="">
-      <p:transition spd="med">
-        <p:fade/>
-      </p:transition>
-    </mc:Fallback>
-  </mc:AlternateContent>
-</p:sld>
-</file>
-
-<file path=ppt/slides/slide13.xml><?xml version="1.0" encoding="utf-8"?>
-<p:sld xmlns:a="http://schemas.openxmlformats.org/drawingml/2006/main" xmlns:r="http://schemas.openxmlformats.org/officeDocument/2006/relationships" xmlns:p="http://schemas.openxmlformats.org/presentationml/2006/main">
-  <p:cSld>
-    <p:spTree>
-      <p:nvGrpSpPr>
-        <p:cNvPr id="1" name=""/>
-        <p:cNvGrpSpPr/>
-        <p:nvPr/>
-      </p:nvGrpSpPr>
-      <p:grpSpPr>
-        <a:xfrm>
-          <a:off x="0" y="0"/>
-          <a:ext cx="0" cy="0"/>
-          <a:chOff x="0" y="0"/>
-          <a:chExt cx="0" cy="0"/>
-        </a:xfrm>
-      </p:grpSpPr>
-      <p:sp>
-        <p:nvSpPr>
-          <p:cNvPr id="2" name="Título 1"/>
-          <p:cNvSpPr>
-            <a:spLocks noGrp="1"/>
-          </p:cNvSpPr>
-          <p:nvPr>
-            <p:ph type="title"/>
-          </p:nvPr>
-        </p:nvSpPr>
-        <p:spPr/>
-        <p:txBody>
-          <a:bodyPr/>
-          <a:lstStyle/>
-          <a:p>
-            <a:r>
-              <a:rPr lang="pt-BR" dirty="0" smtClean="0"/>
-              <a:t>Layout de conteúdo de duas partes com tabela</a:t>
-            </a:r>
-            <a:endParaRPr lang="pt-BR" dirty="0"/>
-          </a:p>
-        </p:txBody>
-      </p:sp>
-      <p:sp>
-        <p:nvSpPr>
-          <p:cNvPr id="3" name="Espaço Reservado para Conteúdo 2"/>
-          <p:cNvSpPr>
-            <a:spLocks noGrp="1"/>
-          </p:cNvSpPr>
-          <p:nvPr>
-            <p:ph sz="half" idx="1"/>
-          </p:nvPr>
-        </p:nvSpPr>
-        <p:spPr/>
-        <p:txBody>
-          <a:bodyPr/>
-          <a:lstStyle/>
-          <a:p>
-            <a:r>
-              <a:rPr lang="pt-BR" dirty="0" smtClean="0"/>
-              <a:t>Primeiro marcador aqui</a:t>
-            </a:r>
-          </a:p>
-          <a:p>
-            <a:r>
-              <a:rPr lang="pt-BR" dirty="0" smtClean="0"/>
-              <a:t>Segundo marcador aqui</a:t>
-            </a:r>
-          </a:p>
-          <a:p>
-            <a:r>
-              <a:rPr lang="pt-BR" dirty="0" smtClean="0"/>
-              <a:t>Terceiro marcador aqui</a:t>
-            </a:r>
-            <a:endParaRPr lang="pt-BR" dirty="0"/>
-          </a:p>
-        </p:txBody>
-      </p:sp>
-      <p:graphicFrame>
-        <p:nvGraphicFramePr>
-          <p:cNvPr id="5" name="Espaço Reservado para Conteúdo 4" descr="Tabela de amostra com 3 colunas, 4 linhas"/>
-          <p:cNvGraphicFramePr>
-            <a:graphicFrameLocks noGrp="1"/>
-          </p:cNvGraphicFramePr>
-          <p:nvPr>
-            <p:ph sz="half" idx="2"/>
-            <p:extLst>
-              <p:ext uri="{D42A27DB-BD31-4B8C-83A1-F6EECF244321}">
-                <p14:modId xmlns:p14="http://schemas.microsoft.com/office/powerpoint/2010/main" val="2671834102"/>
-              </p:ext>
-            </p:extLst>
-          </p:nvPr>
-        </p:nvGraphicFramePr>
-        <p:xfrm>
-          <a:off x="6324601" y="1981200"/>
-          <a:ext cx="4572000" cy="3657600"/>
-        </p:xfrm>
-        <a:graphic>
-          <a:graphicData uri="http://schemas.openxmlformats.org/drawingml/2006/table">
-            <a:tbl>
-              <a:tblPr firstRow="1" bandRow="1">
-                <a:tableStyleId>{69012ECD-51FC-41F1-AA8D-1B2483CD663E}</a:tableStyleId>
-              </a:tblPr>
-              <a:tblGrid>
-                <a:gridCol w="1524000"/>
-                <a:gridCol w="1524000"/>
-                <a:gridCol w="1524000"/>
-              </a:tblGrid>
-              <a:tr h="914400">
-                <a:tc>
-                  <a:txBody>
-                    <a:bodyPr/>
-                    <a:lstStyle/>
-                    <a:p>
-                      <a:endParaRPr lang="pt-BR" sz="1800" noProof="0" dirty="0"/>
-                    </a:p>
-                  </a:txBody>
-                  <a:tcPr anchor="ctr"/>
-                </a:tc>
-                <a:tc>
-                  <a:txBody>
-                    <a:bodyPr/>
-                    <a:lstStyle/>
-                    <a:p>
-                      <a:pPr algn="ctr"/>
-                      <a:r>
-                        <a:rPr lang="pt-BR" sz="1800" noProof="0" dirty="0" smtClean="0"/>
-                        <a:t>Grupo 1</a:t>
-                      </a:r>
-                      <a:endParaRPr lang="pt-BR" sz="1800" noProof="0" dirty="0"/>
-                    </a:p>
-                  </a:txBody>
-                  <a:tcPr anchor="ctr"/>
-                </a:tc>
-                <a:tc>
-                  <a:txBody>
-                    <a:bodyPr/>
-                    <a:lstStyle/>
-                    <a:p>
-                      <a:pPr algn="ctr"/>
-                      <a:r>
-                        <a:rPr lang="pt-BR" sz="1800" noProof="0" dirty="0" smtClean="0"/>
-                        <a:t>Grupo 2</a:t>
-                      </a:r>
-                      <a:endParaRPr lang="pt-BR" sz="1800" noProof="0" dirty="0"/>
-                    </a:p>
-                  </a:txBody>
-                  <a:tcPr anchor="ctr"/>
-                </a:tc>
-              </a:tr>
-              <a:tr h="914400">
-                <a:tc>
-                  <a:txBody>
-                    <a:bodyPr/>
-                    <a:lstStyle/>
-                    <a:p>
-                      <a:r>
-                        <a:rPr lang="pt-BR" sz="1800" noProof="0" dirty="0" smtClean="0"/>
-                        <a:t>Classe 1</a:t>
-                      </a:r>
-                      <a:endParaRPr lang="pt-BR" sz="1800" noProof="0" dirty="0"/>
-                    </a:p>
-                  </a:txBody>
-                  <a:tcPr anchor="ctr"/>
-                </a:tc>
-                <a:tc>
-                  <a:txBody>
-                    <a:bodyPr/>
-                    <a:lstStyle/>
-                    <a:p>
-                      <a:pPr algn="ctr"/>
-                      <a:r>
-                        <a:rPr lang="pt-BR" sz="1800" noProof="0" dirty="0" smtClean="0"/>
-                        <a:t>82</a:t>
-                      </a:r>
-                      <a:endParaRPr lang="pt-BR" sz="1800" noProof="0" dirty="0"/>
-                    </a:p>
-                  </a:txBody>
-                  <a:tcPr anchor="ctr"/>
-                </a:tc>
-                <a:tc>
-                  <a:txBody>
-                    <a:bodyPr/>
-                    <a:lstStyle/>
-                    <a:p>
-                      <a:pPr algn="ctr"/>
-                      <a:r>
-                        <a:rPr lang="pt-BR" sz="1800" noProof="0" dirty="0" smtClean="0"/>
-                        <a:t>95</a:t>
-                      </a:r>
-                      <a:endParaRPr lang="pt-BR" sz="1800" noProof="0" dirty="0"/>
-                    </a:p>
-                  </a:txBody>
-                  <a:tcPr anchor="ctr"/>
-                </a:tc>
-              </a:tr>
-              <a:tr h="914400">
-                <a:tc>
-                  <a:txBody>
-                    <a:bodyPr/>
-                    <a:lstStyle/>
-                    <a:p>
-                      <a:r>
-                        <a:rPr lang="pt-BR" sz="1800" noProof="0" dirty="0" smtClean="0"/>
-                        <a:t>Classe 2</a:t>
-                      </a:r>
-                      <a:endParaRPr lang="pt-BR" sz="1800" noProof="0" dirty="0"/>
-                    </a:p>
-                  </a:txBody>
-                  <a:tcPr anchor="ctr"/>
-                </a:tc>
-                <a:tc>
-                  <a:txBody>
-                    <a:bodyPr/>
-                    <a:lstStyle/>
-                    <a:p>
-                      <a:pPr algn="ctr"/>
-                      <a:r>
-                        <a:rPr lang="pt-BR" sz="1800" noProof="0" dirty="0" smtClean="0"/>
-                        <a:t>76</a:t>
-                      </a:r>
-                      <a:endParaRPr lang="pt-BR" sz="1800" noProof="0" dirty="0"/>
-                    </a:p>
-                  </a:txBody>
-                  <a:tcPr anchor="ctr"/>
-                </a:tc>
-                <a:tc>
-                  <a:txBody>
-                    <a:bodyPr/>
-                    <a:lstStyle/>
-                    <a:p>
-                      <a:pPr algn="ctr"/>
-                      <a:r>
-                        <a:rPr lang="pt-BR" sz="1800" noProof="0" dirty="0" smtClean="0"/>
-                        <a:t>88</a:t>
-                      </a:r>
-                      <a:endParaRPr lang="pt-BR" sz="1800" noProof="0" dirty="0"/>
-                    </a:p>
-                  </a:txBody>
-                  <a:tcPr anchor="ctr"/>
-                </a:tc>
-              </a:tr>
-              <a:tr h="914400">
-                <a:tc>
-                  <a:txBody>
-                    <a:bodyPr/>
-                    <a:lstStyle/>
-                    <a:p>
-                      <a:r>
-                        <a:rPr lang="pt-BR" sz="1800" noProof="0" dirty="0" smtClean="0"/>
-                        <a:t>Classe 3</a:t>
-                      </a:r>
-                      <a:endParaRPr lang="pt-BR" sz="1800" noProof="0" dirty="0"/>
-                    </a:p>
-                  </a:txBody>
-                  <a:tcPr anchor="ctr"/>
-                </a:tc>
-                <a:tc>
-                  <a:txBody>
-                    <a:bodyPr/>
-                    <a:lstStyle/>
-                    <a:p>
-                      <a:pPr algn="ctr"/>
-                      <a:r>
-                        <a:rPr lang="pt-BR" sz="1800" noProof="0" dirty="0" smtClean="0"/>
-                        <a:t>84</a:t>
-                      </a:r>
-                      <a:endParaRPr lang="pt-BR" sz="1800" noProof="0" dirty="0"/>
-                    </a:p>
-                  </a:txBody>
-                  <a:tcPr anchor="ctr"/>
-                </a:tc>
-                <a:tc>
-                  <a:txBody>
-                    <a:bodyPr/>
-                    <a:lstStyle/>
-                    <a:p>
-                      <a:pPr algn="ctr"/>
-                      <a:r>
-                        <a:rPr lang="pt-BR" sz="1800" noProof="0" dirty="0" smtClean="0"/>
-                        <a:t>90</a:t>
-                      </a:r>
-                      <a:endParaRPr lang="pt-BR" sz="1800" noProof="0" dirty="0"/>
-                    </a:p>
-                  </a:txBody>
-                  <a:tcPr anchor="ctr"/>
-                </a:tc>
-              </a:tr>
-            </a:tbl>
-          </a:graphicData>
-        </a:graphic>
-      </p:graphicFrame>
-    </p:spTree>
-    <p:extLst>
-      <p:ext uri="{BB962C8B-B14F-4D97-AF65-F5344CB8AC3E}">
-        <p14:creationId xmlns:p14="http://schemas.microsoft.com/office/powerpoint/2010/main" val="2318277931"/>
-      </p:ext>
-    </p:extLst>
-  </p:cSld>
-  <p:clrMapOvr>
-    <a:masterClrMapping/>
-  </p:clrMapOvr>
-  <mc:AlternateContent xmlns:mc="http://schemas.openxmlformats.org/markup-compatibility/2006" xmlns:p14="http://schemas.microsoft.com/office/powerpoint/2010/main">
-    <mc:Choice Requires="p14">
-      <p:transition spd="med" p14:dur="700">
-        <p:fade/>
-      </p:transition>
-    </mc:Choice>
-    <mc:Fallback xmlns="">
-      <p:transition spd="med">
-        <p:fade/>
-      </p:transition>
-    </mc:Fallback>
-  </mc:AlternateContent>
-</p:sld>
-</file>
-
-<file path=ppt/slides/slide14.xml><?xml version="1.0" encoding="utf-8"?>
-<p:sld xmlns:a="http://schemas.openxmlformats.org/drawingml/2006/main" xmlns:r="http://schemas.openxmlformats.org/officeDocument/2006/relationships" xmlns:p="http://schemas.openxmlformats.org/presentationml/2006/main">
-  <p:cSld>
-    <p:spTree>
-      <p:nvGrpSpPr>
-        <p:cNvPr id="1" name=""/>
-        <p:cNvGrpSpPr/>
-        <p:nvPr/>
-      </p:nvGrpSpPr>
-      <p:grpSpPr>
-        <a:xfrm>
-          <a:off x="0" y="0"/>
-          <a:ext cx="0" cy="0"/>
-          <a:chOff x="0" y="0"/>
-          <a:chExt cx="0" cy="0"/>
-        </a:xfrm>
-      </p:grpSpPr>
-      <p:sp>
-        <p:nvSpPr>
-          <p:cNvPr id="2" name="Título 1"/>
-          <p:cNvSpPr>
-            <a:spLocks noGrp="1"/>
-          </p:cNvSpPr>
-          <p:nvPr>
-            <p:ph type="title"/>
-          </p:nvPr>
-        </p:nvSpPr>
-        <p:spPr/>
-        <p:txBody>
-          <a:bodyPr/>
-          <a:lstStyle/>
-          <a:p>
-            <a:r>
-              <a:rPr lang="pt-BR" dirty="0" smtClean="0"/>
-              <a:t>Layout do título e conteúdo com SmartArt</a:t>
-            </a:r>
-            <a:endParaRPr lang="pt-BR" dirty="0"/>
-          </a:p>
-        </p:txBody>
-      </p:sp>
-      <p:graphicFrame>
-        <p:nvGraphicFramePr>
-          <p:cNvPr id="4" name="Espaço Reservado para Conteúdo 3" descr="Setas de Processo"/>
-          <p:cNvGraphicFramePr>
-            <a:graphicFrameLocks noGrp="1"/>
-          </p:cNvGraphicFramePr>
-          <p:nvPr>
-            <p:ph idx="1"/>
-            <p:extLst>
-              <p:ext uri="{D42A27DB-BD31-4B8C-83A1-F6EECF244321}">
-                <p14:modId xmlns:p14="http://schemas.microsoft.com/office/powerpoint/2010/main" val="1724712281"/>
-              </p:ext>
-            </p:extLst>
-          </p:nvPr>
-        </p:nvGraphicFramePr>
-        <p:xfrm>
-          <a:off x="1295402" y="1981201"/>
-          <a:ext cx="9601200" cy="3810000"/>
-        </p:xfrm>
-        <a:graphic>
-          <a:graphicData uri="http://schemas.openxmlformats.org/drawingml/2006/diagram">
-            <dgm:relIds xmlns:dgm="http://schemas.openxmlformats.org/drawingml/2006/diagram" xmlns:r="http://schemas.openxmlformats.org/officeDocument/2006/relationships" r:dm="rId2" r:lo="rId3" r:qs="rId4" r:cs="rId5"/>
-          </a:graphicData>
-        </a:graphic>
-      </p:graphicFrame>
-    </p:spTree>
-    <p:extLst>
-      <p:ext uri="{BB962C8B-B14F-4D97-AF65-F5344CB8AC3E}">
-        <p14:creationId xmlns:p14="http://schemas.microsoft.com/office/powerpoint/2010/main" val="2761515851"/>
-      </p:ext>
-    </p:extLst>
-  </p:cSld>
-  <p:clrMapOvr>
-    <a:masterClrMapping/>
-  </p:clrMapOvr>
-  <mc:AlternateContent xmlns:mc="http://schemas.openxmlformats.org/markup-compatibility/2006" xmlns:p14="http://schemas.microsoft.com/office/powerpoint/2010/main">
-    <mc:Choice Requires="p14">
-      <p:transition spd="med" p14:dur="700">
-        <p:fade/>
-      </p:transition>
-    </mc:Choice>
-    <mc:Fallback xmlns="">
-      <p:transition spd="med">
-        <p:fade/>
-      </p:transition>
-    </mc:Fallback>
-  </mc:AlternateContent>
-</p:sld>
-</file>
-
-<file path=ppt/slides/slide15.xml><?xml version="1.0" encoding="utf-8"?>
-<p:sld xmlns:a="http://schemas.openxmlformats.org/drawingml/2006/main" xmlns:r="http://schemas.openxmlformats.org/officeDocument/2006/relationships" xmlns:p="http://schemas.openxmlformats.org/presentationml/2006/main">
-  <p:cSld>
-    <p:spTree>
-      <p:nvGrpSpPr>
-        <p:cNvPr id="1" name=""/>
-        <p:cNvGrpSpPr/>
-        <p:nvPr/>
-      </p:nvGrpSpPr>
-      <p:grpSpPr>
-        <a:xfrm>
-          <a:off x="0" y="0"/>
-          <a:ext cx="0" cy="0"/>
-          <a:chOff x="0" y="0"/>
-          <a:chExt cx="0" cy="0"/>
-        </a:xfrm>
-      </p:grpSpPr>
-      <p:sp>
-        <p:nvSpPr>
-          <p:cNvPr id="2" name="Título 1"/>
-          <p:cNvSpPr>
-            <a:spLocks noGrp="1"/>
-          </p:cNvSpPr>
-          <p:nvPr>
-            <p:ph type="title"/>
-          </p:nvPr>
-        </p:nvSpPr>
-        <p:spPr/>
-        <p:txBody>
-          <a:bodyPr/>
-          <a:lstStyle/>
-          <a:p>
-            <a:endParaRPr lang="pt-BR" dirty="0"/>
-          </a:p>
-        </p:txBody>
-      </p:sp>
-      <p:sp>
-        <p:nvSpPr>
-          <p:cNvPr id="3" name="Espaço Reservado para Texto 2"/>
-          <p:cNvSpPr>
-            <a:spLocks noGrp="1"/>
-          </p:cNvSpPr>
-          <p:nvPr>
-            <p:ph type="body" idx="1"/>
-          </p:nvPr>
-        </p:nvSpPr>
-        <p:spPr/>
-        <p:txBody>
-          <a:bodyPr/>
-          <a:lstStyle/>
-          <a:p>
-            <a:endParaRPr lang="pt-BR" dirty="0"/>
-          </a:p>
-        </p:txBody>
-      </p:sp>
-      <p:sp>
-        <p:nvSpPr>
-          <p:cNvPr id="4" name="Espaço Reservado para Conteúdo 3"/>
-          <p:cNvSpPr>
-            <a:spLocks noGrp="1"/>
-          </p:cNvSpPr>
-          <p:nvPr>
-            <p:ph sz="half" idx="2"/>
-          </p:nvPr>
-        </p:nvSpPr>
-        <p:spPr/>
-        <p:txBody>
-          <a:bodyPr/>
-          <a:lstStyle/>
-          <a:p>
-            <a:endParaRPr lang="pt-BR" dirty="0"/>
-          </a:p>
-        </p:txBody>
-      </p:sp>
-      <p:sp>
-        <p:nvSpPr>
-          <p:cNvPr id="5" name="Espaço Reservado para Texto 4"/>
-          <p:cNvSpPr>
-            <a:spLocks noGrp="1"/>
-          </p:cNvSpPr>
-          <p:nvPr>
-            <p:ph type="body" sz="quarter" idx="3"/>
-          </p:nvPr>
-        </p:nvSpPr>
-        <p:spPr/>
-        <p:txBody>
-          <a:bodyPr/>
-          <a:lstStyle/>
-          <a:p>
-            <a:endParaRPr lang="pt-BR" dirty="0"/>
-          </a:p>
-        </p:txBody>
-      </p:sp>
-      <p:sp>
-        <p:nvSpPr>
-          <p:cNvPr id="6" name="Espaço Reservado para Conteúdo 5"/>
-          <p:cNvSpPr>
-            <a:spLocks noGrp="1"/>
-          </p:cNvSpPr>
-          <p:nvPr>
-            <p:ph sz="quarter" idx="4"/>
-          </p:nvPr>
-        </p:nvSpPr>
-        <p:spPr/>
-        <p:txBody>
-          <a:bodyPr/>
-          <a:lstStyle/>
-          <a:p>
-            <a:endParaRPr lang="pt-BR" dirty="0"/>
-          </a:p>
-        </p:txBody>
-      </p:sp>
-    </p:spTree>
-    <p:extLst>
-      <p:ext uri="{BB962C8B-B14F-4D97-AF65-F5344CB8AC3E}">
-        <p14:creationId xmlns:p14="http://schemas.microsoft.com/office/powerpoint/2010/main" val="2404365765"/>
-      </p:ext>
-    </p:extLst>
-  </p:cSld>
-  <p:clrMapOvr>
-    <a:masterClrMapping/>
-  </p:clrMapOvr>
-  <mc:AlternateContent xmlns:mc="http://schemas.openxmlformats.org/markup-compatibility/2006" xmlns:p14="http://schemas.microsoft.com/office/powerpoint/2010/main">
-    <mc:Choice Requires="p14">
-      <p:transition spd="med" p14:dur="700">
-        <p:fade/>
-      </p:transition>
-    </mc:Choice>
-    <mc:Fallback xmlns="">
-      <p:transition spd="med">
-        <p:fade/>
-      </p:transition>
-    </mc:Fallback>
-  </mc:AlternateContent>
-</p:sld>
-</file>
-
-<file path=ppt/slides/slide16.xml><?xml version="1.0" encoding="utf-8"?>
-<p:sld xmlns:a="http://schemas.openxmlformats.org/drawingml/2006/main" xmlns:r="http://schemas.openxmlformats.org/officeDocument/2006/relationships" xmlns:p="http://schemas.openxmlformats.org/presentationml/2006/main">
-  <p:cSld>
-    <p:spTree>
-      <p:nvGrpSpPr>
-        <p:cNvPr id="1" name=""/>
-        <p:cNvGrpSpPr/>
-        <p:nvPr/>
-      </p:nvGrpSpPr>
-      <p:grpSpPr>
-        <a:xfrm>
-          <a:off x="0" y="0"/>
-          <a:ext cx="0" cy="0"/>
-          <a:chOff x="0" y="0"/>
-          <a:chExt cx="0" cy="0"/>
-        </a:xfrm>
-      </p:grpSpPr>
-      <p:sp>
-        <p:nvSpPr>
-          <p:cNvPr id="2" name="Título 1"/>
-          <p:cNvSpPr>
-            <a:spLocks noGrp="1"/>
-          </p:cNvSpPr>
-          <p:nvPr>
-            <p:ph type="title"/>
-          </p:nvPr>
-        </p:nvSpPr>
-        <p:spPr/>
-        <p:txBody>
-          <a:bodyPr/>
-          <a:lstStyle/>
-          <a:p>
-            <a:endParaRPr lang="pt-BR" dirty="0"/>
-          </a:p>
-        </p:txBody>
-      </p:sp>
-      <p:sp>
-        <p:nvSpPr>
-          <p:cNvPr id="3" name="Espaço Reservado para Conteúdo 2"/>
-          <p:cNvSpPr>
-            <a:spLocks noGrp="1"/>
-          </p:cNvSpPr>
-          <p:nvPr>
-            <p:ph idx="1"/>
-          </p:nvPr>
-        </p:nvSpPr>
-        <p:spPr/>
-        <p:txBody>
-          <a:bodyPr/>
-          <a:lstStyle/>
-          <a:p>
-            <a:endParaRPr lang="pt-BR" dirty="0"/>
-          </a:p>
-        </p:txBody>
-      </p:sp>
-      <p:sp>
-        <p:nvSpPr>
-          <p:cNvPr id="4" name="Espaço Reservado para Texto 3"/>
-          <p:cNvSpPr>
-            <a:spLocks noGrp="1"/>
-          </p:cNvSpPr>
-          <p:nvPr>
-            <p:ph type="body" sz="half" idx="2"/>
-          </p:nvPr>
-        </p:nvSpPr>
-        <p:spPr/>
-        <p:txBody>
-          <a:bodyPr/>
-          <a:lstStyle/>
-          <a:p>
-            <a:endParaRPr lang="pt-BR" dirty="0"/>
-          </a:p>
-        </p:txBody>
-      </p:sp>
-    </p:spTree>
-    <p:extLst>
-      <p:ext uri="{BB962C8B-B14F-4D97-AF65-F5344CB8AC3E}">
-        <p14:creationId xmlns:p14="http://schemas.microsoft.com/office/powerpoint/2010/main" val="4101607575"/>
-      </p:ext>
-    </p:extLst>
-  </p:cSld>
-  <p:clrMapOvr>
-    <a:masterClrMapping/>
-  </p:clrMapOvr>
-  <mc:AlternateContent xmlns:mc="http://schemas.openxmlformats.org/markup-compatibility/2006" xmlns:p14="http://schemas.microsoft.com/office/powerpoint/2010/main">
-    <mc:Choice Requires="p14">
-      <p:transition spd="med" p14:dur="700">
-        <p:fade/>
-      </p:transition>
-    </mc:Choice>
-    <mc:Fallback xmlns="">
-      <p:transition spd="med">
-        <p:fade/>
-      </p:transition>
-    </mc:Fallback>
-  </mc:AlternateContent>
-</p:sld>
-</file>
-
-<file path=ppt/slides/slide17.xml><?xml version="1.0" encoding="utf-8"?>
-<p:sld xmlns:a="http://schemas.openxmlformats.org/drawingml/2006/main" xmlns:r="http://schemas.openxmlformats.org/officeDocument/2006/relationships" xmlns:p="http://schemas.openxmlformats.org/presentationml/2006/main">
-  <p:cSld>
-    <p:spTree>
-      <p:nvGrpSpPr>
-        <p:cNvPr id="1" name=""/>
-        <p:cNvGrpSpPr/>
-        <p:nvPr/>
-      </p:nvGrpSpPr>
-      <p:grpSpPr>
-        <a:xfrm>
-          <a:off x="0" y="0"/>
-          <a:ext cx="0" cy="0"/>
-          <a:chOff x="0" y="0"/>
-          <a:chExt cx="0" cy="0"/>
-        </a:xfrm>
-      </p:grpSpPr>
-      <p:sp>
-        <p:nvSpPr>
-          <p:cNvPr id="2" name="Espaço Reservado para Imagem 1"/>
-          <p:cNvSpPr>
-            <a:spLocks noGrp="1"/>
-          </p:cNvSpPr>
-          <p:nvPr>
-            <p:ph type="pic" idx="1"/>
-          </p:nvPr>
-        </p:nvSpPr>
-        <p:spPr/>
-      </p:sp>
-      <p:sp>
-        <p:nvSpPr>
-          <p:cNvPr id="3" name="Título 2"/>
-          <p:cNvSpPr>
-            <a:spLocks noGrp="1"/>
-          </p:cNvSpPr>
-          <p:nvPr>
-            <p:ph type="title"/>
-          </p:nvPr>
-        </p:nvSpPr>
-        <p:spPr/>
-        <p:txBody>
-          <a:bodyPr/>
-          <a:lstStyle/>
-          <a:p>
-            <a:endParaRPr lang="pt-BR" dirty="0"/>
-          </a:p>
-        </p:txBody>
-      </p:sp>
-      <p:sp>
-        <p:nvSpPr>
-          <p:cNvPr id="4" name="Espaço Reservado para Texto 3"/>
-          <p:cNvSpPr>
-            <a:spLocks noGrp="1"/>
-          </p:cNvSpPr>
-          <p:nvPr>
-            <p:ph type="body" sz="half" idx="2"/>
-          </p:nvPr>
-        </p:nvSpPr>
-        <p:spPr/>
-        <p:txBody>
-          <a:bodyPr/>
-          <a:lstStyle/>
-          <a:p>
-            <a:endParaRPr lang="pt-BR" dirty="0"/>
-          </a:p>
-        </p:txBody>
-      </p:sp>
-    </p:spTree>
-    <p:extLst>
-      <p:ext uri="{BB962C8B-B14F-4D97-AF65-F5344CB8AC3E}">
-        <p14:creationId xmlns:p14="http://schemas.microsoft.com/office/powerpoint/2010/main" val="2794409471"/>
-      </p:ext>
-    </p:extLst>
-  </p:cSld>
-  <p:clrMapOvr>
-    <a:masterClrMapping/>
-  </p:clrMapOvr>
-  <mc:AlternateContent xmlns:mc="http://schemas.openxmlformats.org/markup-compatibility/2006" xmlns:p14="http://schemas.microsoft.com/office/powerpoint/2010/main">
-    <mc:Choice Requires="p14">
-      <p:transition spd="med" p14:dur="700">
-        <p:fade/>
-      </p:transition>
-    </mc:Choice>
-    <mc:Fallback xmlns="">
-      <p:transition spd="med">
-        <p:fade/>
-      </p:transition>
-    </mc:Fallback>
-  </mc:AlternateContent>
-</p:sld>
-</file>
-
 <file path=ppt/slides/slide2.xml><?xml version="1.0" encoding="utf-8"?>
 <p:sld xmlns:a="http://schemas.openxmlformats.org/drawingml/2006/main" xmlns:r="http://schemas.openxmlformats.org/officeDocument/2006/relationships" xmlns:p="http://schemas.openxmlformats.org/presentationml/2006/main">
   <p:cSld>
@@ -20748,14 +15977,12 @@
               <a:rPr lang="pt-BR" dirty="0" smtClean="0"/>
               <a:t>1979.</a:t>
             </a:r>
-            <a:endParaRPr lang="pt-BR" dirty="0" smtClean="0"/>
           </a:p>
           <a:p>
             <a:r>
               <a:rPr lang="pt-BR" dirty="0" smtClean="0"/>
-              <a:t>Serve para estimar prazo, custo e esforço, entre outros.</a:t>
+              <a:t>Serve para estimar prazo, custo, tamanho, esforço, entre outros.</a:t>
             </a:r>
-            <a:endParaRPr lang="pt-BR" dirty="0" smtClean="0"/>
           </a:p>
           <a:p>
             <a:r>
@@ -20768,7 +15995,6 @@
               <a:rPr lang="pt-BR" dirty="0" smtClean="0"/>
               <a:t>Cada ponto tem um “peso” de acordo com a tabela.</a:t>
             </a:r>
-            <a:endParaRPr lang="pt-BR" dirty="0" smtClean="0"/>
           </a:p>
         </p:txBody>
       </p:sp>
@@ -20833,7 +16059,6 @@
               <a:rPr lang="pt-BR" dirty="0"/>
               <a:t>Sobre o Ponto de Função</a:t>
             </a:r>
-            <a:endParaRPr lang="pt-BR" dirty="0"/>
           </a:p>
         </p:txBody>
       </p:sp>
@@ -20856,7 +16081,6 @@
               <a:rPr lang="pt-BR" dirty="0"/>
               <a:t>Funções de Entrada Externa </a:t>
             </a:r>
-            <a:endParaRPr lang="pt-BR" dirty="0"/>
           </a:p>
         </p:txBody>
       </p:sp>
@@ -20875,6 +16099,10 @@
           <a:bodyPr/>
           <a:lstStyle/>
           <a:p>
+            <a:r>
+              <a:rPr lang="pt-BR" dirty="0" smtClean="0"/>
+              <a:t>Entradas no sistema que podem ser por parte do usuário ou gerados pelo próprio sistema</a:t>
+            </a:r>
             <a:endParaRPr lang="pt-BR" dirty="0"/>
           </a:p>
         </p:txBody>
@@ -20902,7 +16130,6 @@
               <a:rPr lang="pt-BR" dirty="0"/>
               <a:t> de Saída Externa</a:t>
             </a:r>
-            <a:endParaRPr lang="pt-BR" dirty="0"/>
           </a:p>
         </p:txBody>
       </p:sp>
@@ -20921,6 +16148,10 @@
           <a:bodyPr/>
           <a:lstStyle/>
           <a:p>
+            <a:r>
+              <a:rPr lang="pt-BR" dirty="0" smtClean="0"/>
+              <a:t>São dados gerados pelo software usados no fluxo de execução para controle interno</a:t>
+            </a:r>
             <a:endParaRPr lang="pt-BR" dirty="0"/>
           </a:p>
         </p:txBody>
@@ -20986,7 +16217,6 @@
               <a:rPr lang="pt-BR" dirty="0"/>
               <a:t>Sobre o Ponto de Função</a:t>
             </a:r>
-            <a:endParaRPr lang="pt-BR" dirty="0"/>
           </a:p>
         </p:txBody>
       </p:sp>
@@ -21009,7 +16239,6 @@
               <a:rPr lang="pt-BR" dirty="0"/>
               <a:t>Arquivo Lógico</a:t>
             </a:r>
-            <a:endParaRPr lang="pt-BR" dirty="0"/>
           </a:p>
         </p:txBody>
       </p:sp>
@@ -21028,6 +16257,10 @@
           <a:bodyPr/>
           <a:lstStyle/>
           <a:p>
+            <a:r>
+              <a:rPr lang="pt-BR" dirty="0" smtClean="0"/>
+              <a:t>Valores e estruturas armazenadas internamente pelo programa</a:t>
+            </a:r>
             <a:endParaRPr lang="pt-BR" dirty="0"/>
           </a:p>
         </p:txBody>
@@ -21051,7 +16284,6 @@
               <a:rPr lang="pt-BR" dirty="0"/>
               <a:t>Consultas e Requisições</a:t>
             </a:r>
-            <a:endParaRPr lang="pt-BR" dirty="0"/>
           </a:p>
         </p:txBody>
       </p:sp>
@@ -21070,6 +16302,10 @@
           <a:bodyPr/>
           <a:lstStyle/>
           <a:p>
+            <a:r>
+              <a:rPr lang="pt-BR" dirty="0" smtClean="0"/>
+              <a:t>Recuperação de dados para o “consumo” do usuário</a:t>
+            </a:r>
             <a:endParaRPr lang="pt-BR" dirty="0"/>
           </a:p>
         </p:txBody>
@@ -21603,7 +16839,7 @@
           <a:graphicData uri="http://schemas.openxmlformats.org/presentationml/2006/ole">
             <mc:AlternateContent xmlns:mc="http://schemas.openxmlformats.org/markup-compatibility/2006">
               <mc:Choice xmlns:v="urn:schemas-microsoft-com:vml" Requires="v">
-                <p:oleObj spid="_x0000_s1029" name="Imagem de bitmap" r:id="rId3" imgW="5877745" imgH="4057143" progId="PBrush">
+                <p:oleObj spid="_x0000_s1031" name="Imagem de bitmap" r:id="rId3" imgW="5877745" imgH="4057143" progId="PBrush">
                   <p:embed/>
                 </p:oleObj>
               </mc:Choice>
@@ -21960,7 +17196,7 @@
   <a:extraClrSchemeLst/>
   <a:extLst>
     <a:ext uri="{05A4C25C-085E-4340-85A3-A5531E510DB2}">
-      <thm15:themeFamily xmlns:thm15="http://schemas.microsoft.com/office/thememl/2012/main" xmlns="" name="O15_4109default" id="{E728D685-11FC-4812-BA85-57AC6F9C9F40}" vid="{BC4E008B-95FF-4815-904E-143A8EDFC1D4}"/>
+      <thm15:themeFamily xmlns="" xmlns:thm15="http://schemas.microsoft.com/office/thememl/2012/main" name="O15_4109default" id="{E728D685-11FC-4812-BA85-57AC6F9C9F40}" vid="{BC4E008B-95FF-4815-904E-143A8EDFC1D4}"/>
     </a:ext>
   </a:extLst>
 </a:theme>

--- a/Apresentação - Estimativas .pptx
+++ b/Apresentação - Estimativas .pptx
@@ -5,10 +5,10 @@
     <p:sldMasterId id="2147483648" r:id="rId2"/>
   </p:sldMasterIdLst>
   <p:notesMasterIdLst>
-    <p:notesMasterId r:id="rId14"/>
+    <p:notesMasterId r:id="rId20"/>
   </p:notesMasterIdLst>
   <p:handoutMasterIdLst>
-    <p:handoutMasterId r:id="rId15"/>
+    <p:handoutMasterId r:id="rId21"/>
   </p:handoutMasterIdLst>
   <p:sldIdLst>
     <p:sldId id="265" r:id="rId3"/>
@@ -22,6 +22,12 @@
     <p:sldId id="275" r:id="rId11"/>
     <p:sldId id="263" r:id="rId12"/>
     <p:sldId id="268" r:id="rId13"/>
+    <p:sldId id="262" r:id="rId14"/>
+    <p:sldId id="273" r:id="rId15"/>
+    <p:sldId id="264" r:id="rId16"/>
+    <p:sldId id="272" r:id="rId17"/>
+    <p:sldId id="269" r:id="rId18"/>
+    <p:sldId id="270" r:id="rId19"/>
   </p:sldIdLst>
   <p:sldSz cx="12192000" cy="6858000"/>
   <p:notesSz cx="6858000" cy="9144000"/>
@@ -140,6 +146,3949 @@
     </p:ext>
   </p:extLst>
 </p:presentation>
+</file>
+
+<file path=ppt/charts/chart1.xml><?xml version="1.0" encoding="utf-8"?>
+<c:chartSpace xmlns:c="http://schemas.openxmlformats.org/drawingml/2006/chart" xmlns:a="http://schemas.openxmlformats.org/drawingml/2006/main" xmlns:r="http://schemas.openxmlformats.org/officeDocument/2006/relationships">
+  <c:date1904 val="0"/>
+  <c:lang val="pt-BR"/>
+  <c:roundedCorners val="0"/>
+  <mc:AlternateContent xmlns:mc="http://schemas.openxmlformats.org/markup-compatibility/2006">
+    <mc:Choice xmlns:c14="http://schemas.microsoft.com/office/drawing/2007/8/2/chart" Requires="c14">
+      <c14:style val="103"/>
+    </mc:Choice>
+    <mc:Fallback>
+      <c:style val="3"/>
+    </mc:Fallback>
+  </mc:AlternateContent>
+  <c:chart>
+    <c:autoTitleDeleted val="1"/>
+    <c:plotArea>
+      <c:layout/>
+      <c:barChart>
+        <c:barDir val="col"/>
+        <c:grouping val="clustered"/>
+        <c:varyColors val="0"/>
+        <c:ser>
+          <c:idx val="0"/>
+          <c:order val="0"/>
+          <c:tx>
+            <c:strRef>
+              <c:f>Sheet1!$B$1</c:f>
+              <c:strCache>
+                <c:ptCount val="1"/>
+                <c:pt idx="0">
+                  <c:v>Série 1</c:v>
+                </c:pt>
+              </c:strCache>
+            </c:strRef>
+          </c:tx>
+          <c:spPr>
+            <a:solidFill>
+              <a:schemeClr val="accent1">
+                <a:shade val="65000"/>
+              </a:schemeClr>
+            </a:solidFill>
+            <a:ln>
+              <a:noFill/>
+            </a:ln>
+            <a:effectLst/>
+          </c:spPr>
+          <c:invertIfNegative val="0"/>
+          <c:cat>
+            <c:strRef>
+              <c:f>Sheet1!$A$2:$A$5</c:f>
+              <c:strCache>
+                <c:ptCount val="4"/>
+                <c:pt idx="0">
+                  <c:v>Categoria 1</c:v>
+                </c:pt>
+                <c:pt idx="1">
+                  <c:v>Categoria 2</c:v>
+                </c:pt>
+                <c:pt idx="2">
+                  <c:v>Categoria 3</c:v>
+                </c:pt>
+                <c:pt idx="3">
+                  <c:v>Categoria 4</c:v>
+                </c:pt>
+              </c:strCache>
+            </c:strRef>
+          </c:cat>
+          <c:val>
+            <c:numRef>
+              <c:f>Sheet1!$B$2:$B$5</c:f>
+              <c:numCache>
+                <c:formatCode>General</c:formatCode>
+                <c:ptCount val="4"/>
+                <c:pt idx="0">
+                  <c:v>4.3</c:v>
+                </c:pt>
+                <c:pt idx="1">
+                  <c:v>2.5</c:v>
+                </c:pt>
+                <c:pt idx="2">
+                  <c:v>3.5</c:v>
+                </c:pt>
+                <c:pt idx="3">
+                  <c:v>4.5</c:v>
+                </c:pt>
+              </c:numCache>
+            </c:numRef>
+          </c:val>
+        </c:ser>
+        <c:ser>
+          <c:idx val="1"/>
+          <c:order val="1"/>
+          <c:tx>
+            <c:strRef>
+              <c:f>Sheet1!$C$1</c:f>
+              <c:strCache>
+                <c:ptCount val="1"/>
+                <c:pt idx="0">
+                  <c:v>Série 2</c:v>
+                </c:pt>
+              </c:strCache>
+            </c:strRef>
+          </c:tx>
+          <c:spPr>
+            <a:solidFill>
+              <a:schemeClr val="accent1"/>
+            </a:solidFill>
+            <a:ln>
+              <a:noFill/>
+            </a:ln>
+            <a:effectLst/>
+          </c:spPr>
+          <c:invertIfNegative val="0"/>
+          <c:cat>
+            <c:strRef>
+              <c:f>Sheet1!$A$2:$A$5</c:f>
+              <c:strCache>
+                <c:ptCount val="4"/>
+                <c:pt idx="0">
+                  <c:v>Categoria 1</c:v>
+                </c:pt>
+                <c:pt idx="1">
+                  <c:v>Categoria 2</c:v>
+                </c:pt>
+                <c:pt idx="2">
+                  <c:v>Categoria 3</c:v>
+                </c:pt>
+                <c:pt idx="3">
+                  <c:v>Categoria 4</c:v>
+                </c:pt>
+              </c:strCache>
+            </c:strRef>
+          </c:cat>
+          <c:val>
+            <c:numRef>
+              <c:f>Sheet1!$C$2:$C$5</c:f>
+              <c:numCache>
+                <c:formatCode>General</c:formatCode>
+                <c:ptCount val="4"/>
+                <c:pt idx="0">
+                  <c:v>2.4</c:v>
+                </c:pt>
+                <c:pt idx="1">
+                  <c:v>4.4000000000000004</c:v>
+                </c:pt>
+                <c:pt idx="2">
+                  <c:v>1.8</c:v>
+                </c:pt>
+                <c:pt idx="3">
+                  <c:v>2.8</c:v>
+                </c:pt>
+              </c:numCache>
+            </c:numRef>
+          </c:val>
+        </c:ser>
+        <c:ser>
+          <c:idx val="2"/>
+          <c:order val="2"/>
+          <c:tx>
+            <c:strRef>
+              <c:f>Sheet1!$D$1</c:f>
+              <c:strCache>
+                <c:ptCount val="1"/>
+                <c:pt idx="0">
+                  <c:v>Série 3</c:v>
+                </c:pt>
+              </c:strCache>
+            </c:strRef>
+          </c:tx>
+          <c:spPr>
+            <a:solidFill>
+              <a:schemeClr val="accent1">
+                <a:tint val="65000"/>
+              </a:schemeClr>
+            </a:solidFill>
+            <a:ln>
+              <a:noFill/>
+            </a:ln>
+            <a:effectLst/>
+          </c:spPr>
+          <c:invertIfNegative val="0"/>
+          <c:cat>
+            <c:strRef>
+              <c:f>Sheet1!$A$2:$A$5</c:f>
+              <c:strCache>
+                <c:ptCount val="4"/>
+                <c:pt idx="0">
+                  <c:v>Categoria 1</c:v>
+                </c:pt>
+                <c:pt idx="1">
+                  <c:v>Categoria 2</c:v>
+                </c:pt>
+                <c:pt idx="2">
+                  <c:v>Categoria 3</c:v>
+                </c:pt>
+                <c:pt idx="3">
+                  <c:v>Categoria 4</c:v>
+                </c:pt>
+              </c:strCache>
+            </c:strRef>
+          </c:cat>
+          <c:val>
+            <c:numRef>
+              <c:f>Sheet1!$D$2:$D$5</c:f>
+              <c:numCache>
+                <c:formatCode>General</c:formatCode>
+                <c:ptCount val="4"/>
+                <c:pt idx="0">
+                  <c:v>2</c:v>
+                </c:pt>
+                <c:pt idx="1">
+                  <c:v>2</c:v>
+                </c:pt>
+                <c:pt idx="2">
+                  <c:v>3</c:v>
+                </c:pt>
+                <c:pt idx="3">
+                  <c:v>5</c:v>
+                </c:pt>
+              </c:numCache>
+            </c:numRef>
+          </c:val>
+        </c:ser>
+        <c:dLbls>
+          <c:showLegendKey val="0"/>
+          <c:showVal val="0"/>
+          <c:showCatName val="0"/>
+          <c:showSerName val="0"/>
+          <c:showPercent val="0"/>
+          <c:showBubbleSize val="0"/>
+        </c:dLbls>
+        <c:gapWidth val="75"/>
+        <c:overlap val="-25"/>
+        <c:axId val="77633024"/>
+        <c:axId val="66943168"/>
+      </c:barChart>
+      <c:catAx>
+        <c:axId val="77633024"/>
+        <c:scaling>
+          <c:orientation val="minMax"/>
+        </c:scaling>
+        <c:delete val="0"/>
+        <c:axPos val="b"/>
+        <c:numFmt formatCode="General" sourceLinked="1"/>
+        <c:majorTickMark val="none"/>
+        <c:minorTickMark val="none"/>
+        <c:tickLblPos val="nextTo"/>
+        <c:spPr>
+          <a:noFill/>
+          <a:ln w="9525" cap="flat" cmpd="sng" algn="ctr">
+            <a:solidFill>
+              <a:schemeClr val="tx1">
+                <a:lumMod val="15000"/>
+                <a:lumOff val="85000"/>
+              </a:schemeClr>
+            </a:solidFill>
+            <a:round/>
+          </a:ln>
+          <a:effectLst/>
+        </c:spPr>
+        <c:txPr>
+          <a:bodyPr rot="-60000000" spcFirstLastPara="1" vertOverflow="ellipsis" vert="horz" wrap="square" anchor="ctr" anchorCtr="1"/>
+          <a:lstStyle/>
+          <a:p>
+            <a:pPr>
+              <a:defRPr sz="1197" b="0" i="0" u="none" strike="noStrike" kern="1200" baseline="0">
+                <a:solidFill>
+                  <a:schemeClr val="tx1">
+                    <a:lumMod val="65000"/>
+                    <a:lumOff val="35000"/>
+                  </a:schemeClr>
+                </a:solidFill>
+                <a:latin typeface="+mn-lt"/>
+                <a:ea typeface="+mn-ea"/>
+                <a:cs typeface="+mn-cs"/>
+              </a:defRPr>
+            </a:pPr>
+            <a:endParaRPr lang="pt-BR"/>
+          </a:p>
+        </c:txPr>
+        <c:crossAx val="66943168"/>
+        <c:crosses val="autoZero"/>
+        <c:auto val="1"/>
+        <c:lblAlgn val="ctr"/>
+        <c:lblOffset val="100"/>
+        <c:noMultiLvlLbl val="0"/>
+      </c:catAx>
+      <c:valAx>
+        <c:axId val="66943168"/>
+        <c:scaling>
+          <c:orientation val="minMax"/>
+        </c:scaling>
+        <c:delete val="0"/>
+        <c:axPos val="l"/>
+        <c:majorGridlines>
+          <c:spPr>
+            <a:ln w="9525" cap="flat" cmpd="sng" algn="ctr">
+              <a:solidFill>
+                <a:schemeClr val="tx1">
+                  <a:lumMod val="15000"/>
+                  <a:lumOff val="85000"/>
+                </a:schemeClr>
+              </a:solidFill>
+              <a:round/>
+            </a:ln>
+            <a:effectLst/>
+          </c:spPr>
+        </c:majorGridlines>
+        <c:numFmt formatCode="General" sourceLinked="1"/>
+        <c:majorTickMark val="none"/>
+        <c:minorTickMark val="none"/>
+        <c:tickLblPos val="nextTo"/>
+        <c:spPr>
+          <a:noFill/>
+          <a:ln>
+            <a:noFill/>
+          </a:ln>
+          <a:effectLst/>
+        </c:spPr>
+        <c:txPr>
+          <a:bodyPr rot="-60000000" spcFirstLastPara="1" vertOverflow="ellipsis" vert="horz" wrap="square" anchor="ctr" anchorCtr="1"/>
+          <a:lstStyle/>
+          <a:p>
+            <a:pPr>
+              <a:defRPr sz="1197" b="0" i="0" u="none" strike="noStrike" kern="1200" baseline="0">
+                <a:solidFill>
+                  <a:schemeClr val="tx1">
+                    <a:lumMod val="65000"/>
+                    <a:lumOff val="35000"/>
+                  </a:schemeClr>
+                </a:solidFill>
+                <a:latin typeface="+mn-lt"/>
+                <a:ea typeface="+mn-ea"/>
+                <a:cs typeface="+mn-cs"/>
+              </a:defRPr>
+            </a:pPr>
+            <a:endParaRPr lang="pt-BR"/>
+          </a:p>
+        </c:txPr>
+        <c:crossAx val="77633024"/>
+        <c:crosses val="autoZero"/>
+        <c:crossBetween val="between"/>
+      </c:valAx>
+      <c:spPr>
+        <a:noFill/>
+        <a:ln>
+          <a:noFill/>
+        </a:ln>
+        <a:effectLst/>
+      </c:spPr>
+    </c:plotArea>
+    <c:legend>
+      <c:legendPos val="b"/>
+      <c:layout/>
+      <c:overlay val="0"/>
+      <c:spPr>
+        <a:noFill/>
+        <a:ln>
+          <a:noFill/>
+        </a:ln>
+        <a:effectLst/>
+      </c:spPr>
+      <c:txPr>
+        <a:bodyPr rot="0" spcFirstLastPara="1" vertOverflow="ellipsis" vert="horz" wrap="square" anchor="ctr" anchorCtr="1"/>
+        <a:lstStyle/>
+        <a:p>
+          <a:pPr>
+            <a:defRPr sz="1197" b="0" i="0" u="none" strike="noStrike" kern="1200" baseline="0">
+              <a:solidFill>
+                <a:schemeClr val="tx1">
+                  <a:lumMod val="65000"/>
+                  <a:lumOff val="35000"/>
+                </a:schemeClr>
+              </a:solidFill>
+              <a:latin typeface="+mn-lt"/>
+              <a:ea typeface="+mn-ea"/>
+              <a:cs typeface="+mn-cs"/>
+            </a:defRPr>
+          </a:pPr>
+          <a:endParaRPr lang="pt-BR"/>
+        </a:p>
+      </c:txPr>
+    </c:legend>
+    <c:plotVisOnly val="1"/>
+    <c:dispBlanksAs val="gap"/>
+    <c:showDLblsOverMax val="0"/>
+  </c:chart>
+  <c:spPr>
+    <a:noFill/>
+    <a:ln>
+      <a:noFill/>
+    </a:ln>
+    <a:effectLst/>
+  </c:spPr>
+  <c:txPr>
+    <a:bodyPr/>
+    <a:lstStyle/>
+    <a:p>
+      <a:pPr>
+        <a:defRPr/>
+      </a:pPr>
+      <a:endParaRPr lang="pt-BR"/>
+    </a:p>
+  </c:txPr>
+  <c:externalData r:id="rId1">
+    <c:autoUpdate val="0"/>
+  </c:externalData>
+</c:chartSpace>
+</file>
+
+<file path=ppt/charts/colors1.xml><?xml version="1.0" encoding="utf-8"?>
+<cs:colorStyle xmlns:cs="http://schemas.microsoft.com/office/drawing/2012/chartStyle" xmlns:a="http://schemas.openxmlformats.org/drawingml/2006/main" meth="withinLinear" id="14">
+  <a:schemeClr val="accent1"/>
+</cs:colorStyle>
+</file>
+
+<file path=ppt/charts/style1.xml><?xml version="1.0" encoding="utf-8"?>
+<cs:chartStyle xmlns:cs="http://schemas.microsoft.com/office/drawing/2012/chartStyle" xmlns:a="http://schemas.openxmlformats.org/drawingml/2006/main" id="201">
+  <cs:axisTitle>
+    <cs:lnRef idx="0"/>
+    <cs:fillRef idx="0"/>
+    <cs:effectRef idx="0"/>
+    <cs:fontRef idx="minor">
+      <a:schemeClr val="tx1">
+        <a:lumMod val="65000"/>
+        <a:lumOff val="35000"/>
+      </a:schemeClr>
+    </cs:fontRef>
+    <cs:defRPr sz="1330" kern="1200"/>
+  </cs:axisTitle>
+  <cs:categoryAxis>
+    <cs:lnRef idx="0"/>
+    <cs:fillRef idx="0"/>
+    <cs:effectRef idx="0"/>
+    <cs:fontRef idx="minor">
+      <a:schemeClr val="tx1">
+        <a:lumMod val="65000"/>
+        <a:lumOff val="35000"/>
+      </a:schemeClr>
+    </cs:fontRef>
+    <cs:spPr>
+      <a:ln w="9525" cap="flat" cmpd="sng" algn="ctr">
+        <a:solidFill>
+          <a:schemeClr val="tx1">
+            <a:lumMod val="15000"/>
+            <a:lumOff val="85000"/>
+          </a:schemeClr>
+        </a:solidFill>
+        <a:round/>
+      </a:ln>
+    </cs:spPr>
+    <cs:defRPr sz="1197" kern="1200"/>
+  </cs:categoryAxis>
+  <cs:chartArea mods="allowNoFillOverride allowNoLineOverride">
+    <cs:lnRef idx="0"/>
+    <cs:fillRef idx="0"/>
+    <cs:effectRef idx="0"/>
+    <cs:fontRef idx="minor">
+      <a:schemeClr val="tx1"/>
+    </cs:fontRef>
+    <cs:spPr>
+      <a:solidFill>
+        <a:schemeClr val="bg1"/>
+      </a:solidFill>
+      <a:ln w="9525" cap="flat" cmpd="sng" algn="ctr">
+        <a:solidFill>
+          <a:schemeClr val="tx1">
+            <a:lumMod val="15000"/>
+            <a:lumOff val="85000"/>
+          </a:schemeClr>
+        </a:solidFill>
+        <a:round/>
+      </a:ln>
+    </cs:spPr>
+    <cs:defRPr sz="1330" kern="1200"/>
+  </cs:chartArea>
+  <cs:dataLabel>
+    <cs:lnRef idx="0"/>
+    <cs:fillRef idx="0"/>
+    <cs:effectRef idx="0"/>
+    <cs:fontRef idx="minor">
+      <a:schemeClr val="tx1">
+        <a:lumMod val="75000"/>
+        <a:lumOff val="25000"/>
+      </a:schemeClr>
+    </cs:fontRef>
+    <cs:defRPr sz="1197" kern="1200"/>
+  </cs:dataLabel>
+  <cs:dataLabelCallout>
+    <cs:lnRef idx="0"/>
+    <cs:fillRef idx="0"/>
+    <cs:effectRef idx="0"/>
+    <cs:fontRef idx="minor">
+      <a:schemeClr val="dk1">
+        <a:lumMod val="65000"/>
+        <a:lumOff val="35000"/>
+      </a:schemeClr>
+    </cs:fontRef>
+    <cs:spPr>
+      <a:solidFill>
+        <a:schemeClr val="lt1"/>
+      </a:solidFill>
+      <a:ln>
+        <a:solidFill>
+          <a:schemeClr val="dk1">
+            <a:lumMod val="25000"/>
+            <a:lumOff val="75000"/>
+          </a:schemeClr>
+        </a:solidFill>
+      </a:ln>
+    </cs:spPr>
+    <cs:defRPr sz="1197" kern="1200"/>
+  </cs:dataLabelCallout>
+  <cs:dataPoint>
+    <cs:lnRef idx="0"/>
+    <cs:fillRef idx="1">
+      <cs:styleClr val="auto"/>
+    </cs:fillRef>
+    <cs:effectRef idx="0"/>
+    <cs:fontRef idx="minor">
+      <a:schemeClr val="tx1"/>
+    </cs:fontRef>
+  </cs:dataPoint>
+  <cs:dataPoint3D>
+    <cs:lnRef idx="0"/>
+    <cs:fillRef idx="1">
+      <cs:styleClr val="auto"/>
+    </cs:fillRef>
+    <cs:effectRef idx="0"/>
+    <cs:fontRef idx="minor">
+      <a:schemeClr val="tx1"/>
+    </cs:fontRef>
+  </cs:dataPoint3D>
+  <cs:dataPointLine>
+    <cs:lnRef idx="0">
+      <cs:styleClr val="auto"/>
+    </cs:lnRef>
+    <cs:fillRef idx="1"/>
+    <cs:effectRef idx="0"/>
+    <cs:fontRef idx="minor">
+      <a:schemeClr val="tx1"/>
+    </cs:fontRef>
+    <cs:spPr>
+      <a:ln w="28575" cap="rnd">
+        <a:solidFill>
+          <a:schemeClr val="phClr"/>
+        </a:solidFill>
+        <a:round/>
+      </a:ln>
+    </cs:spPr>
+  </cs:dataPointLine>
+  <cs:dataPointMarker>
+    <cs:lnRef idx="0">
+      <cs:styleClr val="auto"/>
+    </cs:lnRef>
+    <cs:fillRef idx="1">
+      <cs:styleClr val="auto"/>
+    </cs:fillRef>
+    <cs:effectRef idx="0"/>
+    <cs:fontRef idx="minor">
+      <a:schemeClr val="tx1"/>
+    </cs:fontRef>
+    <cs:spPr>
+      <a:ln w="9525">
+        <a:solidFill>
+          <a:schemeClr val="phClr"/>
+        </a:solidFill>
+      </a:ln>
+    </cs:spPr>
+  </cs:dataPointMarker>
+  <cs:dataPointMarkerLayout symbol="circle" size="5"/>
+  <cs:dataPointWireframe>
+    <cs:lnRef idx="0">
+      <cs:styleClr val="auto"/>
+    </cs:lnRef>
+    <cs:fillRef idx="1"/>
+    <cs:effectRef idx="0"/>
+    <cs:fontRef idx="minor">
+      <a:schemeClr val="tx1"/>
+    </cs:fontRef>
+    <cs:spPr>
+      <a:ln w="9525" cap="rnd">
+        <a:solidFill>
+          <a:schemeClr val="phClr"/>
+        </a:solidFill>
+        <a:round/>
+      </a:ln>
+    </cs:spPr>
+  </cs:dataPointWireframe>
+  <cs:dataTable>
+    <cs:lnRef idx="0"/>
+    <cs:fillRef idx="0"/>
+    <cs:effectRef idx="0"/>
+    <cs:fontRef idx="minor">
+      <a:schemeClr val="tx1">
+        <a:lumMod val="65000"/>
+        <a:lumOff val="35000"/>
+      </a:schemeClr>
+    </cs:fontRef>
+    <cs:spPr>
+      <a:noFill/>
+      <a:ln w="9525" cap="flat" cmpd="sng" algn="ctr">
+        <a:solidFill>
+          <a:schemeClr val="tx1">
+            <a:lumMod val="15000"/>
+            <a:lumOff val="85000"/>
+          </a:schemeClr>
+        </a:solidFill>
+        <a:round/>
+      </a:ln>
+    </cs:spPr>
+    <cs:defRPr sz="1197" kern="1200"/>
+  </cs:dataTable>
+  <cs:downBar>
+    <cs:lnRef idx="0"/>
+    <cs:fillRef idx="0"/>
+    <cs:effectRef idx="0"/>
+    <cs:fontRef idx="minor">
+      <a:schemeClr val="dk1"/>
+    </cs:fontRef>
+    <cs:spPr>
+      <a:solidFill>
+        <a:schemeClr val="dk1">
+          <a:lumMod val="65000"/>
+          <a:lumOff val="35000"/>
+        </a:schemeClr>
+      </a:solidFill>
+      <a:ln w="9525">
+        <a:solidFill>
+          <a:schemeClr val="tx1">
+            <a:lumMod val="65000"/>
+            <a:lumOff val="35000"/>
+          </a:schemeClr>
+        </a:solidFill>
+      </a:ln>
+    </cs:spPr>
+  </cs:downBar>
+  <cs:dropLine>
+    <cs:lnRef idx="0"/>
+    <cs:fillRef idx="0"/>
+    <cs:effectRef idx="0"/>
+    <cs:fontRef idx="minor">
+      <a:schemeClr val="tx1"/>
+    </cs:fontRef>
+    <cs:spPr>
+      <a:ln w="9525" cap="flat" cmpd="sng" algn="ctr">
+        <a:solidFill>
+          <a:schemeClr val="tx1">
+            <a:lumMod val="35000"/>
+            <a:lumOff val="65000"/>
+          </a:schemeClr>
+        </a:solidFill>
+        <a:round/>
+      </a:ln>
+    </cs:spPr>
+  </cs:dropLine>
+  <cs:errorBar>
+    <cs:lnRef idx="0"/>
+    <cs:fillRef idx="0"/>
+    <cs:effectRef idx="0"/>
+    <cs:fontRef idx="minor">
+      <a:schemeClr val="tx1"/>
+    </cs:fontRef>
+    <cs:spPr>
+      <a:ln w="9525" cap="flat" cmpd="sng" algn="ctr">
+        <a:solidFill>
+          <a:schemeClr val="tx1">
+            <a:lumMod val="65000"/>
+            <a:lumOff val="35000"/>
+          </a:schemeClr>
+        </a:solidFill>
+        <a:round/>
+      </a:ln>
+    </cs:spPr>
+  </cs:errorBar>
+  <cs:floor>
+    <cs:lnRef idx="0"/>
+    <cs:fillRef idx="0"/>
+    <cs:effectRef idx="0"/>
+    <cs:fontRef idx="minor">
+      <a:schemeClr val="tx1"/>
+    </cs:fontRef>
+    <cs:spPr>
+      <a:noFill/>
+      <a:ln>
+        <a:noFill/>
+      </a:ln>
+    </cs:spPr>
+  </cs:floor>
+  <cs:gridlineMajor>
+    <cs:lnRef idx="0"/>
+    <cs:fillRef idx="0"/>
+    <cs:effectRef idx="0"/>
+    <cs:fontRef idx="minor">
+      <a:schemeClr val="tx1"/>
+    </cs:fontRef>
+    <cs:spPr>
+      <a:ln w="9525" cap="flat" cmpd="sng" algn="ctr">
+        <a:solidFill>
+          <a:schemeClr val="tx1">
+            <a:lumMod val="15000"/>
+            <a:lumOff val="85000"/>
+          </a:schemeClr>
+        </a:solidFill>
+        <a:round/>
+      </a:ln>
+    </cs:spPr>
+  </cs:gridlineMajor>
+  <cs:gridlineMinor>
+    <cs:lnRef idx="0"/>
+    <cs:fillRef idx="0"/>
+    <cs:effectRef idx="0"/>
+    <cs:fontRef idx="minor">
+      <a:schemeClr val="tx1"/>
+    </cs:fontRef>
+    <cs:spPr>
+      <a:ln w="9525" cap="flat" cmpd="sng" algn="ctr">
+        <a:solidFill>
+          <a:schemeClr val="tx1">
+            <a:lumMod val="5000"/>
+            <a:lumOff val="95000"/>
+          </a:schemeClr>
+        </a:solidFill>
+        <a:round/>
+      </a:ln>
+    </cs:spPr>
+  </cs:gridlineMinor>
+  <cs:hiLoLine>
+    <cs:lnRef idx="0"/>
+    <cs:fillRef idx="0"/>
+    <cs:effectRef idx="0"/>
+    <cs:fontRef idx="minor">
+      <a:schemeClr val="tx1"/>
+    </cs:fontRef>
+    <cs:spPr>
+      <a:ln w="9525" cap="flat" cmpd="sng" algn="ctr">
+        <a:solidFill>
+          <a:schemeClr val="tx1">
+            <a:lumMod val="75000"/>
+            <a:lumOff val="25000"/>
+          </a:schemeClr>
+        </a:solidFill>
+        <a:round/>
+      </a:ln>
+    </cs:spPr>
+  </cs:hiLoLine>
+  <cs:leaderLine>
+    <cs:lnRef idx="0"/>
+    <cs:fillRef idx="0"/>
+    <cs:effectRef idx="0"/>
+    <cs:fontRef idx="minor">
+      <a:schemeClr val="tx1"/>
+    </cs:fontRef>
+    <cs:spPr>
+      <a:ln w="9525" cap="flat" cmpd="sng" algn="ctr">
+        <a:solidFill>
+          <a:schemeClr val="tx1">
+            <a:lumMod val="35000"/>
+            <a:lumOff val="65000"/>
+          </a:schemeClr>
+        </a:solidFill>
+        <a:round/>
+      </a:ln>
+    </cs:spPr>
+  </cs:leaderLine>
+  <cs:legend>
+    <cs:lnRef idx="0"/>
+    <cs:fillRef idx="0"/>
+    <cs:effectRef idx="0"/>
+    <cs:fontRef idx="minor">
+      <a:schemeClr val="tx1">
+        <a:lumMod val="65000"/>
+        <a:lumOff val="35000"/>
+      </a:schemeClr>
+    </cs:fontRef>
+    <cs:defRPr sz="1197" kern="1200"/>
+  </cs:legend>
+  <cs:plotArea mods="allowNoFillOverride allowNoLineOverride">
+    <cs:lnRef idx="0"/>
+    <cs:fillRef idx="0"/>
+    <cs:effectRef idx="0"/>
+    <cs:fontRef idx="minor">
+      <a:schemeClr val="tx1"/>
+    </cs:fontRef>
+  </cs:plotArea>
+  <cs:plotArea3D mods="allowNoFillOverride allowNoLineOverride">
+    <cs:lnRef idx="0"/>
+    <cs:fillRef idx="0"/>
+    <cs:effectRef idx="0"/>
+    <cs:fontRef idx="minor">
+      <a:schemeClr val="tx1"/>
+    </cs:fontRef>
+  </cs:plotArea3D>
+  <cs:seriesAxis>
+    <cs:lnRef idx="0"/>
+    <cs:fillRef idx="0"/>
+    <cs:effectRef idx="0"/>
+    <cs:fontRef idx="minor">
+      <a:schemeClr val="tx1">
+        <a:lumMod val="65000"/>
+        <a:lumOff val="35000"/>
+      </a:schemeClr>
+    </cs:fontRef>
+    <cs:defRPr sz="1197" kern="1200"/>
+  </cs:seriesAxis>
+  <cs:seriesLine>
+    <cs:lnRef idx="0"/>
+    <cs:fillRef idx="0"/>
+    <cs:effectRef idx="0"/>
+    <cs:fontRef idx="minor">
+      <a:schemeClr val="tx1"/>
+    </cs:fontRef>
+    <cs:spPr>
+      <a:ln w="9525" cap="flat" cmpd="sng" algn="ctr">
+        <a:solidFill>
+          <a:schemeClr val="tx1">
+            <a:lumMod val="35000"/>
+            <a:lumOff val="65000"/>
+          </a:schemeClr>
+        </a:solidFill>
+        <a:round/>
+      </a:ln>
+    </cs:spPr>
+  </cs:seriesLine>
+  <cs:title>
+    <cs:lnRef idx="0"/>
+    <cs:fillRef idx="0"/>
+    <cs:effectRef idx="0"/>
+    <cs:fontRef idx="minor">
+      <a:schemeClr val="tx1">
+        <a:lumMod val="65000"/>
+        <a:lumOff val="35000"/>
+      </a:schemeClr>
+    </cs:fontRef>
+    <cs:defRPr sz="1862" b="0" kern="1200" spc="0" baseline="0"/>
+  </cs:title>
+  <cs:trendline>
+    <cs:lnRef idx="0">
+      <cs:styleClr val="auto"/>
+    </cs:lnRef>
+    <cs:fillRef idx="0"/>
+    <cs:effectRef idx="0"/>
+    <cs:fontRef idx="minor">
+      <a:schemeClr val="tx1"/>
+    </cs:fontRef>
+    <cs:spPr>
+      <a:ln w="19050" cap="rnd">
+        <a:solidFill>
+          <a:schemeClr val="phClr"/>
+        </a:solidFill>
+        <a:prstDash val="sysDot"/>
+      </a:ln>
+    </cs:spPr>
+  </cs:trendline>
+  <cs:trendlineLabel>
+    <cs:lnRef idx="0"/>
+    <cs:fillRef idx="0"/>
+    <cs:effectRef idx="0"/>
+    <cs:fontRef idx="minor">
+      <a:schemeClr val="tx1">
+        <a:lumMod val="65000"/>
+        <a:lumOff val="35000"/>
+      </a:schemeClr>
+    </cs:fontRef>
+    <cs:defRPr sz="1197" kern="1200"/>
+  </cs:trendlineLabel>
+  <cs:upBar>
+    <cs:lnRef idx="0"/>
+    <cs:fillRef idx="0"/>
+    <cs:effectRef idx="0"/>
+    <cs:fontRef idx="minor">
+      <a:schemeClr val="dk1"/>
+    </cs:fontRef>
+    <cs:spPr>
+      <a:solidFill>
+        <a:schemeClr val="lt1"/>
+      </a:solidFill>
+      <a:ln w="9525">
+        <a:solidFill>
+          <a:schemeClr val="tx1">
+            <a:lumMod val="15000"/>
+            <a:lumOff val="85000"/>
+          </a:schemeClr>
+        </a:solidFill>
+      </a:ln>
+    </cs:spPr>
+  </cs:upBar>
+  <cs:valueAxis>
+    <cs:lnRef idx="0"/>
+    <cs:fillRef idx="0"/>
+    <cs:effectRef idx="0"/>
+    <cs:fontRef idx="minor">
+      <a:schemeClr val="tx1">
+        <a:lumMod val="65000"/>
+        <a:lumOff val="35000"/>
+      </a:schemeClr>
+    </cs:fontRef>
+    <cs:defRPr sz="1197" kern="1200"/>
+  </cs:valueAxis>
+  <cs:wall>
+    <cs:lnRef idx="0"/>
+    <cs:fillRef idx="0"/>
+    <cs:effectRef idx="0"/>
+    <cs:fontRef idx="minor">
+      <a:schemeClr val="tx1"/>
+    </cs:fontRef>
+    <cs:spPr>
+      <a:noFill/>
+      <a:ln>
+        <a:noFill/>
+      </a:ln>
+    </cs:spPr>
+  </cs:wall>
+</cs:chartStyle>
+</file>
+
+<file path=ppt/diagrams/colors1.xml><?xml version="1.0" encoding="utf-8"?>
+<dgm:colorsDef xmlns:dgm="http://schemas.openxmlformats.org/drawingml/2006/diagram" xmlns:a="http://schemas.openxmlformats.org/drawingml/2006/main" uniqueId="urn:microsoft.com/office/officeart/2005/8/colors/accent1_2">
+  <dgm:title val=""/>
+  <dgm:desc val=""/>
+  <dgm:catLst>
+    <dgm:cat type="accent1" pri="11200"/>
+  </dgm:catLst>
+  <dgm:styleLbl name="node0">
+    <dgm:fillClrLst meth="repeat">
+      <a:schemeClr val="accent1"/>
+    </dgm:fillClrLst>
+    <dgm:linClrLst meth="repeat">
+      <a:schemeClr val="lt1"/>
+    </dgm:linClrLst>
+    <dgm:effectClrLst/>
+    <dgm:txLinClrLst/>
+    <dgm:txFillClrLst/>
+    <dgm:txEffectClrLst/>
+  </dgm:styleLbl>
+  <dgm:styleLbl name="alignNode1">
+    <dgm:fillClrLst meth="repeat">
+      <a:schemeClr val="accent1"/>
+    </dgm:fillClrLst>
+    <dgm:linClrLst meth="repeat">
+      <a:schemeClr val="accent1"/>
+    </dgm:linClrLst>
+    <dgm:effectClrLst/>
+    <dgm:txLinClrLst/>
+    <dgm:txFillClrLst/>
+    <dgm:txEffectClrLst/>
+  </dgm:styleLbl>
+  <dgm:styleLbl name="node1">
+    <dgm:fillClrLst meth="repeat">
+      <a:schemeClr val="accent1"/>
+    </dgm:fillClrLst>
+    <dgm:linClrLst meth="repeat">
+      <a:schemeClr val="lt1"/>
+    </dgm:linClrLst>
+    <dgm:effectClrLst/>
+    <dgm:txLinClrLst/>
+    <dgm:txFillClrLst/>
+    <dgm:txEffectClrLst/>
+  </dgm:styleLbl>
+  <dgm:styleLbl name="lnNode1">
+    <dgm:fillClrLst meth="repeat">
+      <a:schemeClr val="accent1"/>
+    </dgm:fillClrLst>
+    <dgm:linClrLst meth="repeat">
+      <a:schemeClr val="lt1"/>
+    </dgm:linClrLst>
+    <dgm:effectClrLst/>
+    <dgm:txLinClrLst/>
+    <dgm:txFillClrLst/>
+    <dgm:txEffectClrLst/>
+  </dgm:styleLbl>
+  <dgm:styleLbl name="vennNode1">
+    <dgm:fillClrLst meth="repeat">
+      <a:schemeClr val="accent1">
+        <a:alpha val="50000"/>
+      </a:schemeClr>
+    </dgm:fillClrLst>
+    <dgm:linClrLst meth="repeat">
+      <a:schemeClr val="lt1"/>
+    </dgm:linClrLst>
+    <dgm:effectClrLst/>
+    <dgm:txLinClrLst/>
+    <dgm:txFillClrLst/>
+    <dgm:txEffectClrLst/>
+  </dgm:styleLbl>
+  <dgm:styleLbl name="node2">
+    <dgm:fillClrLst meth="repeat">
+      <a:schemeClr val="accent1"/>
+    </dgm:fillClrLst>
+    <dgm:linClrLst meth="repeat">
+      <a:schemeClr val="lt1"/>
+    </dgm:linClrLst>
+    <dgm:effectClrLst/>
+    <dgm:txLinClrLst/>
+    <dgm:txFillClrLst/>
+    <dgm:txEffectClrLst/>
+  </dgm:styleLbl>
+  <dgm:styleLbl name="node3">
+    <dgm:fillClrLst meth="repeat">
+      <a:schemeClr val="accent1"/>
+    </dgm:fillClrLst>
+    <dgm:linClrLst meth="repeat">
+      <a:schemeClr val="lt1"/>
+    </dgm:linClrLst>
+    <dgm:effectClrLst/>
+    <dgm:txLinClrLst/>
+    <dgm:txFillClrLst/>
+    <dgm:txEffectClrLst/>
+  </dgm:styleLbl>
+  <dgm:styleLbl name="node4">
+    <dgm:fillClrLst meth="repeat">
+      <a:schemeClr val="accent1"/>
+    </dgm:fillClrLst>
+    <dgm:linClrLst meth="repeat">
+      <a:schemeClr val="lt1"/>
+    </dgm:linClrLst>
+    <dgm:effectClrLst/>
+    <dgm:txLinClrLst/>
+    <dgm:txFillClrLst/>
+    <dgm:txEffectClrLst/>
+  </dgm:styleLbl>
+  <dgm:styleLbl name="fgImgPlace1">
+    <dgm:fillClrLst meth="repeat">
+      <a:schemeClr val="accent1">
+        <a:tint val="50000"/>
+      </a:schemeClr>
+    </dgm:fillClrLst>
+    <dgm:linClrLst meth="repeat">
+      <a:schemeClr val="lt1"/>
+    </dgm:linClrLst>
+    <dgm:effectClrLst/>
+    <dgm:txLinClrLst/>
+    <dgm:txFillClrLst meth="repeat">
+      <a:schemeClr val="lt1"/>
+    </dgm:txFillClrLst>
+    <dgm:txEffectClrLst/>
+  </dgm:styleLbl>
+  <dgm:styleLbl name="alignImgPlace1">
+    <dgm:fillClrLst meth="repeat">
+      <a:schemeClr val="accent1">
+        <a:tint val="50000"/>
+      </a:schemeClr>
+    </dgm:fillClrLst>
+    <dgm:linClrLst meth="repeat">
+      <a:schemeClr val="lt1"/>
+    </dgm:linClrLst>
+    <dgm:effectClrLst/>
+    <dgm:txLinClrLst/>
+    <dgm:txFillClrLst meth="repeat">
+      <a:schemeClr val="lt1"/>
+    </dgm:txFillClrLst>
+    <dgm:txEffectClrLst/>
+  </dgm:styleLbl>
+  <dgm:styleLbl name="bgImgPlace1">
+    <dgm:fillClrLst meth="repeat">
+      <a:schemeClr val="accent1">
+        <a:tint val="50000"/>
+      </a:schemeClr>
+    </dgm:fillClrLst>
+    <dgm:linClrLst meth="repeat">
+      <a:schemeClr val="lt1"/>
+    </dgm:linClrLst>
+    <dgm:effectClrLst/>
+    <dgm:txLinClrLst/>
+    <dgm:txFillClrLst meth="repeat">
+      <a:schemeClr val="lt1"/>
+    </dgm:txFillClrLst>
+    <dgm:txEffectClrLst/>
+  </dgm:styleLbl>
+  <dgm:styleLbl name="sibTrans2D1">
+    <dgm:fillClrLst meth="repeat">
+      <a:schemeClr val="accent1">
+        <a:tint val="60000"/>
+      </a:schemeClr>
+    </dgm:fillClrLst>
+    <dgm:linClrLst meth="repeat">
+      <a:schemeClr val="accent1">
+        <a:tint val="60000"/>
+      </a:schemeClr>
+    </dgm:linClrLst>
+    <dgm:effectClrLst/>
+    <dgm:txLinClrLst/>
+    <dgm:txFillClrLst/>
+    <dgm:txEffectClrLst/>
+  </dgm:styleLbl>
+  <dgm:styleLbl name="fgSibTrans2D1">
+    <dgm:fillClrLst meth="repeat">
+      <a:schemeClr val="accent1">
+        <a:tint val="60000"/>
+      </a:schemeClr>
+    </dgm:fillClrLst>
+    <dgm:linClrLst meth="repeat">
+      <a:schemeClr val="accent1">
+        <a:tint val="60000"/>
+      </a:schemeClr>
+    </dgm:linClrLst>
+    <dgm:effectClrLst/>
+    <dgm:txLinClrLst/>
+    <dgm:txFillClrLst/>
+    <dgm:txEffectClrLst/>
+  </dgm:styleLbl>
+  <dgm:styleLbl name="bgSibTrans2D1">
+    <dgm:fillClrLst meth="repeat">
+      <a:schemeClr val="accent1">
+        <a:tint val="60000"/>
+      </a:schemeClr>
+    </dgm:fillClrLst>
+    <dgm:linClrLst meth="repeat">
+      <a:schemeClr val="accent1">
+        <a:tint val="60000"/>
+      </a:schemeClr>
+    </dgm:linClrLst>
+    <dgm:effectClrLst/>
+    <dgm:txLinClrLst/>
+    <dgm:txFillClrLst/>
+    <dgm:txEffectClrLst/>
+  </dgm:styleLbl>
+  <dgm:styleLbl name="sibTrans1D1">
+    <dgm:fillClrLst meth="repeat">
+      <a:schemeClr val="accent1"/>
+    </dgm:fillClrLst>
+    <dgm:linClrLst meth="repeat">
+      <a:schemeClr val="accent1"/>
+    </dgm:linClrLst>
+    <dgm:effectClrLst/>
+    <dgm:txLinClrLst/>
+    <dgm:txFillClrLst meth="repeat">
+      <a:schemeClr val="tx1"/>
+    </dgm:txFillClrLst>
+    <dgm:txEffectClrLst/>
+  </dgm:styleLbl>
+  <dgm:styleLbl name="callout">
+    <dgm:fillClrLst meth="repeat">
+      <a:schemeClr val="accent1"/>
+    </dgm:fillClrLst>
+    <dgm:linClrLst meth="repeat">
+      <a:schemeClr val="accent1">
+        <a:tint val="50000"/>
+      </a:schemeClr>
+    </dgm:linClrLst>
+    <dgm:effectClrLst/>
+    <dgm:txLinClrLst/>
+    <dgm:txFillClrLst meth="repeat">
+      <a:schemeClr val="tx1"/>
+    </dgm:txFillClrLst>
+    <dgm:txEffectClrLst/>
+  </dgm:styleLbl>
+  <dgm:styleLbl name="asst0">
+    <dgm:fillClrLst meth="repeat">
+      <a:schemeClr val="accent1"/>
+    </dgm:fillClrLst>
+    <dgm:linClrLst meth="repeat">
+      <a:schemeClr val="lt1"/>
+    </dgm:linClrLst>
+    <dgm:effectClrLst/>
+    <dgm:txLinClrLst/>
+    <dgm:txFillClrLst/>
+    <dgm:txEffectClrLst/>
+  </dgm:styleLbl>
+  <dgm:styleLbl name="asst1">
+    <dgm:fillClrLst meth="repeat">
+      <a:schemeClr val="accent1"/>
+    </dgm:fillClrLst>
+    <dgm:linClrLst meth="repeat">
+      <a:schemeClr val="lt1"/>
+    </dgm:linClrLst>
+    <dgm:effectClrLst/>
+    <dgm:txLinClrLst/>
+    <dgm:txFillClrLst/>
+    <dgm:txEffectClrLst/>
+  </dgm:styleLbl>
+  <dgm:styleLbl name="asst2">
+    <dgm:fillClrLst meth="repeat">
+      <a:schemeClr val="accent1"/>
+    </dgm:fillClrLst>
+    <dgm:linClrLst meth="repeat">
+      <a:schemeClr val="lt1"/>
+    </dgm:linClrLst>
+    <dgm:effectClrLst/>
+    <dgm:txLinClrLst/>
+    <dgm:txFillClrLst/>
+    <dgm:txEffectClrLst/>
+  </dgm:styleLbl>
+  <dgm:styleLbl name="asst3">
+    <dgm:fillClrLst meth="repeat">
+      <a:schemeClr val="accent1"/>
+    </dgm:fillClrLst>
+    <dgm:linClrLst meth="repeat">
+      <a:schemeClr val="lt1"/>
+    </dgm:linClrLst>
+    <dgm:effectClrLst/>
+    <dgm:txLinClrLst/>
+    <dgm:txFillClrLst/>
+    <dgm:txEffectClrLst/>
+  </dgm:styleLbl>
+  <dgm:styleLbl name="asst4">
+    <dgm:fillClrLst meth="repeat">
+      <a:schemeClr val="accent1"/>
+    </dgm:fillClrLst>
+    <dgm:linClrLst meth="repeat">
+      <a:schemeClr val="lt1"/>
+    </dgm:linClrLst>
+    <dgm:effectClrLst/>
+    <dgm:txLinClrLst/>
+    <dgm:txFillClrLst/>
+    <dgm:txEffectClrLst/>
+  </dgm:styleLbl>
+  <dgm:styleLbl name="parChTrans2D1">
+    <dgm:fillClrLst meth="repeat">
+      <a:schemeClr val="accent1">
+        <a:tint val="60000"/>
+      </a:schemeClr>
+    </dgm:fillClrLst>
+    <dgm:linClrLst meth="repeat">
+      <a:schemeClr val="accent1">
+        <a:tint val="60000"/>
+      </a:schemeClr>
+    </dgm:linClrLst>
+    <dgm:effectClrLst/>
+    <dgm:txLinClrLst/>
+    <dgm:txFillClrLst meth="repeat">
+      <a:schemeClr val="lt1"/>
+    </dgm:txFillClrLst>
+    <dgm:txEffectClrLst/>
+  </dgm:styleLbl>
+  <dgm:styleLbl name="parChTrans2D2">
+    <dgm:fillClrLst meth="repeat">
+      <a:schemeClr val="accent1"/>
+    </dgm:fillClrLst>
+    <dgm:linClrLst meth="repeat">
+      <a:schemeClr val="accent1"/>
+    </dgm:linClrLst>
+    <dgm:effectClrLst/>
+    <dgm:txLinClrLst/>
+    <dgm:txFillClrLst meth="repeat">
+      <a:schemeClr val="lt1"/>
+    </dgm:txFillClrLst>
+    <dgm:txEffectClrLst/>
+  </dgm:styleLbl>
+  <dgm:styleLbl name="parChTrans2D3">
+    <dgm:fillClrLst meth="repeat">
+      <a:schemeClr val="accent1"/>
+    </dgm:fillClrLst>
+    <dgm:linClrLst meth="repeat">
+      <a:schemeClr val="accent1"/>
+    </dgm:linClrLst>
+    <dgm:effectClrLst/>
+    <dgm:txLinClrLst/>
+    <dgm:txFillClrLst meth="repeat">
+      <a:schemeClr val="lt1"/>
+    </dgm:txFillClrLst>
+    <dgm:txEffectClrLst/>
+  </dgm:styleLbl>
+  <dgm:styleLbl name="parChTrans2D4">
+    <dgm:fillClrLst meth="repeat">
+      <a:schemeClr val="accent1"/>
+    </dgm:fillClrLst>
+    <dgm:linClrLst meth="repeat">
+      <a:schemeClr val="accent1"/>
+    </dgm:linClrLst>
+    <dgm:effectClrLst/>
+    <dgm:txLinClrLst/>
+    <dgm:txFillClrLst meth="repeat">
+      <a:schemeClr val="lt1"/>
+    </dgm:txFillClrLst>
+    <dgm:txEffectClrLst/>
+  </dgm:styleLbl>
+  <dgm:styleLbl name="parChTrans1D1">
+    <dgm:fillClrLst meth="repeat">
+      <a:schemeClr val="accent1"/>
+    </dgm:fillClrLst>
+    <dgm:linClrLst meth="repeat">
+      <a:schemeClr val="accent1">
+        <a:shade val="60000"/>
+      </a:schemeClr>
+    </dgm:linClrLst>
+    <dgm:effectClrLst/>
+    <dgm:txLinClrLst/>
+    <dgm:txFillClrLst meth="repeat">
+      <a:schemeClr val="tx1"/>
+    </dgm:txFillClrLst>
+    <dgm:txEffectClrLst/>
+  </dgm:styleLbl>
+  <dgm:styleLbl name="parChTrans1D2">
+    <dgm:fillClrLst meth="repeat">
+      <a:schemeClr val="accent1"/>
+    </dgm:fillClrLst>
+    <dgm:linClrLst meth="repeat">
+      <a:schemeClr val="accent1">
+        <a:shade val="60000"/>
+      </a:schemeClr>
+    </dgm:linClrLst>
+    <dgm:effectClrLst/>
+    <dgm:txLinClrLst/>
+    <dgm:txFillClrLst meth="repeat">
+      <a:schemeClr val="tx1"/>
+    </dgm:txFillClrLst>
+    <dgm:txEffectClrLst/>
+  </dgm:styleLbl>
+  <dgm:styleLbl name="parChTrans1D3">
+    <dgm:fillClrLst meth="repeat">
+      <a:schemeClr val="accent1"/>
+    </dgm:fillClrLst>
+    <dgm:linClrLst meth="repeat">
+      <a:schemeClr val="accent1">
+        <a:shade val="80000"/>
+      </a:schemeClr>
+    </dgm:linClrLst>
+    <dgm:effectClrLst/>
+    <dgm:txLinClrLst/>
+    <dgm:txFillClrLst meth="repeat">
+      <a:schemeClr val="tx1"/>
+    </dgm:txFillClrLst>
+    <dgm:txEffectClrLst/>
+  </dgm:styleLbl>
+  <dgm:styleLbl name="parChTrans1D4">
+    <dgm:fillClrLst meth="repeat">
+      <a:schemeClr val="accent1"/>
+    </dgm:fillClrLst>
+    <dgm:linClrLst meth="repeat">
+      <a:schemeClr val="accent1">
+        <a:shade val="80000"/>
+      </a:schemeClr>
+    </dgm:linClrLst>
+    <dgm:effectClrLst/>
+    <dgm:txLinClrLst/>
+    <dgm:txFillClrLst meth="repeat">
+      <a:schemeClr val="tx1"/>
+    </dgm:txFillClrLst>
+    <dgm:txEffectClrLst/>
+  </dgm:styleLbl>
+  <dgm:styleLbl name="fgAcc1">
+    <dgm:fillClrLst meth="repeat">
+      <a:schemeClr val="lt1">
+        <a:alpha val="90000"/>
+      </a:schemeClr>
+    </dgm:fillClrLst>
+    <dgm:linClrLst meth="repeat">
+      <a:schemeClr val="accent1"/>
+    </dgm:linClrLst>
+    <dgm:effectClrLst/>
+    <dgm:txLinClrLst/>
+    <dgm:txFillClrLst meth="repeat">
+      <a:schemeClr val="dk1"/>
+    </dgm:txFillClrLst>
+    <dgm:txEffectClrLst/>
+  </dgm:styleLbl>
+  <dgm:styleLbl name="conFgAcc1">
+    <dgm:fillClrLst meth="repeat">
+      <a:schemeClr val="lt1">
+        <a:alpha val="90000"/>
+      </a:schemeClr>
+    </dgm:fillClrLst>
+    <dgm:linClrLst meth="repeat">
+      <a:schemeClr val="accent1"/>
+    </dgm:linClrLst>
+    <dgm:effectClrLst/>
+    <dgm:txLinClrLst/>
+    <dgm:txFillClrLst meth="repeat">
+      <a:schemeClr val="dk1"/>
+    </dgm:txFillClrLst>
+    <dgm:txEffectClrLst/>
+  </dgm:styleLbl>
+  <dgm:styleLbl name="alignAcc1">
+    <dgm:fillClrLst meth="repeat">
+      <a:schemeClr val="lt1">
+        <a:alpha val="90000"/>
+      </a:schemeClr>
+    </dgm:fillClrLst>
+    <dgm:linClrLst meth="repeat">
+      <a:schemeClr val="accent1"/>
+    </dgm:linClrLst>
+    <dgm:effectClrLst/>
+    <dgm:txLinClrLst/>
+    <dgm:txFillClrLst meth="repeat">
+      <a:schemeClr val="dk1"/>
+    </dgm:txFillClrLst>
+    <dgm:txEffectClrLst/>
+  </dgm:styleLbl>
+  <dgm:styleLbl name="trAlignAcc1">
+    <dgm:fillClrLst meth="repeat">
+      <a:schemeClr val="lt1">
+        <a:alpha val="40000"/>
+      </a:schemeClr>
+    </dgm:fillClrLst>
+    <dgm:linClrLst meth="repeat">
+      <a:schemeClr val="accent1"/>
+    </dgm:linClrLst>
+    <dgm:effectClrLst/>
+    <dgm:txLinClrLst/>
+    <dgm:txFillClrLst meth="repeat">
+      <a:schemeClr val="dk1"/>
+    </dgm:txFillClrLst>
+    <dgm:txEffectClrLst/>
+  </dgm:styleLbl>
+  <dgm:styleLbl name="bgAcc1">
+    <dgm:fillClrLst meth="repeat">
+      <a:schemeClr val="lt1">
+        <a:alpha val="90000"/>
+      </a:schemeClr>
+    </dgm:fillClrLst>
+    <dgm:linClrLst meth="repeat">
+      <a:schemeClr val="accent1"/>
+    </dgm:linClrLst>
+    <dgm:effectClrLst/>
+    <dgm:txLinClrLst/>
+    <dgm:txFillClrLst meth="repeat">
+      <a:schemeClr val="dk1"/>
+    </dgm:txFillClrLst>
+    <dgm:txEffectClrLst/>
+  </dgm:styleLbl>
+  <dgm:styleLbl name="solidFgAcc1">
+    <dgm:fillClrLst meth="repeat">
+      <a:schemeClr val="lt1"/>
+    </dgm:fillClrLst>
+    <dgm:linClrLst meth="repeat">
+      <a:schemeClr val="accent1"/>
+    </dgm:linClrLst>
+    <dgm:effectClrLst/>
+    <dgm:txLinClrLst/>
+    <dgm:txFillClrLst meth="repeat">
+      <a:schemeClr val="dk1"/>
+    </dgm:txFillClrLst>
+    <dgm:txEffectClrLst/>
+  </dgm:styleLbl>
+  <dgm:styleLbl name="solidAlignAcc1">
+    <dgm:fillClrLst meth="repeat">
+      <a:schemeClr val="lt1"/>
+    </dgm:fillClrLst>
+    <dgm:linClrLst meth="repeat">
+      <a:schemeClr val="accent1"/>
+    </dgm:linClrLst>
+    <dgm:effectClrLst/>
+    <dgm:txLinClrLst/>
+    <dgm:txFillClrLst meth="repeat">
+      <a:schemeClr val="dk1"/>
+    </dgm:txFillClrLst>
+    <dgm:txEffectClrLst/>
+  </dgm:styleLbl>
+  <dgm:styleLbl name="solidBgAcc1">
+    <dgm:fillClrLst meth="repeat">
+      <a:schemeClr val="lt1"/>
+    </dgm:fillClrLst>
+    <dgm:linClrLst meth="repeat">
+      <a:schemeClr val="accent1"/>
+    </dgm:linClrLst>
+    <dgm:effectClrLst/>
+    <dgm:txLinClrLst/>
+    <dgm:txFillClrLst meth="repeat">
+      <a:schemeClr val="dk1"/>
+    </dgm:txFillClrLst>
+    <dgm:txEffectClrLst/>
+  </dgm:styleLbl>
+  <dgm:styleLbl name="fgAccFollowNode1">
+    <dgm:fillClrLst meth="repeat">
+      <a:schemeClr val="accent1">
+        <a:alpha val="90000"/>
+        <a:tint val="40000"/>
+      </a:schemeClr>
+    </dgm:fillClrLst>
+    <dgm:linClrLst meth="repeat">
+      <a:schemeClr val="accent1">
+        <a:alpha val="90000"/>
+        <a:tint val="40000"/>
+      </a:schemeClr>
+    </dgm:linClrLst>
+    <dgm:effectClrLst/>
+    <dgm:txLinClrLst/>
+    <dgm:txFillClrLst meth="repeat">
+      <a:schemeClr val="dk1"/>
+    </dgm:txFillClrLst>
+    <dgm:txEffectClrLst/>
+  </dgm:styleLbl>
+  <dgm:styleLbl name="alignAccFollowNode1">
+    <dgm:fillClrLst meth="repeat">
+      <a:schemeClr val="accent1">
+        <a:alpha val="90000"/>
+        <a:tint val="40000"/>
+      </a:schemeClr>
+    </dgm:fillClrLst>
+    <dgm:linClrLst meth="repeat">
+      <a:schemeClr val="accent1">
+        <a:alpha val="90000"/>
+        <a:tint val="40000"/>
+      </a:schemeClr>
+    </dgm:linClrLst>
+    <dgm:effectClrLst/>
+    <dgm:txLinClrLst/>
+    <dgm:txFillClrLst meth="repeat">
+      <a:schemeClr val="dk1"/>
+    </dgm:txFillClrLst>
+    <dgm:txEffectClrLst/>
+  </dgm:styleLbl>
+  <dgm:styleLbl name="bgAccFollowNode1">
+    <dgm:fillClrLst meth="repeat">
+      <a:schemeClr val="accent1">
+        <a:alpha val="90000"/>
+        <a:tint val="40000"/>
+      </a:schemeClr>
+    </dgm:fillClrLst>
+    <dgm:linClrLst meth="repeat">
+      <a:schemeClr val="accent1">
+        <a:alpha val="90000"/>
+        <a:tint val="40000"/>
+      </a:schemeClr>
+    </dgm:linClrLst>
+    <dgm:effectClrLst/>
+    <dgm:txLinClrLst/>
+    <dgm:txFillClrLst meth="repeat">
+      <a:schemeClr val="dk1"/>
+    </dgm:txFillClrLst>
+    <dgm:txEffectClrLst/>
+  </dgm:styleLbl>
+  <dgm:styleLbl name="fgAcc0">
+    <dgm:fillClrLst meth="repeat">
+      <a:schemeClr val="lt1">
+        <a:alpha val="90000"/>
+      </a:schemeClr>
+    </dgm:fillClrLst>
+    <dgm:linClrLst meth="repeat">
+      <a:schemeClr val="accent1"/>
+    </dgm:linClrLst>
+    <dgm:effectClrLst/>
+    <dgm:txLinClrLst/>
+    <dgm:txFillClrLst meth="repeat">
+      <a:schemeClr val="dk1"/>
+    </dgm:txFillClrLst>
+    <dgm:txEffectClrLst/>
+  </dgm:styleLbl>
+  <dgm:styleLbl name="fgAcc2">
+    <dgm:fillClrLst meth="repeat">
+      <a:schemeClr val="lt1">
+        <a:alpha val="90000"/>
+      </a:schemeClr>
+    </dgm:fillClrLst>
+    <dgm:linClrLst meth="repeat">
+      <a:schemeClr val="accent1"/>
+    </dgm:linClrLst>
+    <dgm:effectClrLst/>
+    <dgm:txLinClrLst/>
+    <dgm:txFillClrLst meth="repeat">
+      <a:schemeClr val="dk1"/>
+    </dgm:txFillClrLst>
+    <dgm:txEffectClrLst/>
+  </dgm:styleLbl>
+  <dgm:styleLbl name="fgAcc3">
+    <dgm:fillClrLst meth="repeat">
+      <a:schemeClr val="lt1">
+        <a:alpha val="90000"/>
+      </a:schemeClr>
+    </dgm:fillClrLst>
+    <dgm:linClrLst meth="repeat">
+      <a:schemeClr val="accent1"/>
+    </dgm:linClrLst>
+    <dgm:effectClrLst/>
+    <dgm:txLinClrLst/>
+    <dgm:txFillClrLst meth="repeat">
+      <a:schemeClr val="dk1"/>
+    </dgm:txFillClrLst>
+    <dgm:txEffectClrLst/>
+  </dgm:styleLbl>
+  <dgm:styleLbl name="fgAcc4">
+    <dgm:fillClrLst meth="repeat">
+      <a:schemeClr val="lt1">
+        <a:alpha val="90000"/>
+      </a:schemeClr>
+    </dgm:fillClrLst>
+    <dgm:linClrLst meth="repeat">
+      <a:schemeClr val="accent1"/>
+    </dgm:linClrLst>
+    <dgm:effectClrLst/>
+    <dgm:txLinClrLst/>
+    <dgm:txFillClrLst meth="repeat">
+      <a:schemeClr val="dk1"/>
+    </dgm:txFillClrLst>
+    <dgm:txEffectClrLst/>
+  </dgm:styleLbl>
+  <dgm:styleLbl name="bgShp">
+    <dgm:fillClrLst meth="repeat">
+      <a:schemeClr val="accent1">
+        <a:tint val="40000"/>
+      </a:schemeClr>
+    </dgm:fillClrLst>
+    <dgm:linClrLst meth="repeat">
+      <a:schemeClr val="accent1"/>
+    </dgm:linClrLst>
+    <dgm:effectClrLst/>
+    <dgm:txLinClrLst/>
+    <dgm:txFillClrLst meth="repeat">
+      <a:schemeClr val="dk1"/>
+    </dgm:txFillClrLst>
+    <dgm:txEffectClrLst/>
+  </dgm:styleLbl>
+  <dgm:styleLbl name="dkBgShp">
+    <dgm:fillClrLst meth="repeat">
+      <a:schemeClr val="accent1">
+        <a:shade val="80000"/>
+      </a:schemeClr>
+    </dgm:fillClrLst>
+    <dgm:linClrLst meth="repeat">
+      <a:schemeClr val="accent1"/>
+    </dgm:linClrLst>
+    <dgm:effectClrLst/>
+    <dgm:txLinClrLst/>
+    <dgm:txFillClrLst meth="repeat">
+      <a:schemeClr val="lt1"/>
+    </dgm:txFillClrLst>
+    <dgm:txEffectClrLst/>
+  </dgm:styleLbl>
+  <dgm:styleLbl name="trBgShp">
+    <dgm:fillClrLst meth="repeat">
+      <a:schemeClr val="accent1">
+        <a:tint val="50000"/>
+        <a:alpha val="40000"/>
+      </a:schemeClr>
+    </dgm:fillClrLst>
+    <dgm:linClrLst meth="repeat">
+      <a:schemeClr val="accent1"/>
+    </dgm:linClrLst>
+    <dgm:effectClrLst/>
+    <dgm:txLinClrLst/>
+    <dgm:txFillClrLst meth="repeat">
+      <a:schemeClr val="lt1"/>
+    </dgm:txFillClrLst>
+    <dgm:txEffectClrLst/>
+  </dgm:styleLbl>
+  <dgm:styleLbl name="fgShp">
+    <dgm:fillClrLst meth="repeat">
+      <a:schemeClr val="accent1">
+        <a:tint val="60000"/>
+      </a:schemeClr>
+    </dgm:fillClrLst>
+    <dgm:linClrLst meth="repeat">
+      <a:schemeClr val="lt1"/>
+    </dgm:linClrLst>
+    <dgm:effectClrLst/>
+    <dgm:txLinClrLst/>
+    <dgm:txFillClrLst meth="repeat">
+      <a:schemeClr val="dk1"/>
+    </dgm:txFillClrLst>
+    <dgm:txEffectClrLst/>
+  </dgm:styleLbl>
+  <dgm:styleLbl name="revTx">
+    <dgm:fillClrLst meth="repeat">
+      <a:schemeClr val="lt1">
+        <a:alpha val="0"/>
+      </a:schemeClr>
+    </dgm:fillClrLst>
+    <dgm:linClrLst meth="repeat">
+      <a:schemeClr val="dk1">
+        <a:alpha val="0"/>
+      </a:schemeClr>
+    </dgm:linClrLst>
+    <dgm:effectClrLst/>
+    <dgm:txLinClrLst/>
+    <dgm:txFillClrLst meth="repeat">
+      <a:schemeClr val="tx1"/>
+    </dgm:txFillClrLst>
+    <dgm:txEffectClrLst/>
+  </dgm:styleLbl>
+</dgm:colorsDef>
+</file>
+
+<file path=ppt/diagrams/data1.xml><?xml version="1.0" encoding="utf-8"?>
+<dgm:dataModel xmlns:dgm="http://schemas.openxmlformats.org/drawingml/2006/diagram" xmlns:a="http://schemas.openxmlformats.org/drawingml/2006/main">
+  <dgm:ptLst>
+    <dgm:pt modelId="{FBA29113-7A70-4E0E-B036-871C49B835F1}" type="doc">
+      <dgm:prSet loTypeId="urn:microsoft.com/office/officeart/2005/8/layout/hProcess6" loCatId="process" qsTypeId="urn:microsoft.com/office/officeart/2005/8/quickstyle/simple1" qsCatId="simple" csTypeId="urn:microsoft.com/office/officeart/2005/8/colors/accent1_2" csCatId="accent1" phldr="1"/>
+      <dgm:spPr/>
+      <dgm:t>
+        <a:bodyPr/>
+        <a:lstStyle/>
+        <a:p>
+          <a:endParaRPr lang="en-US"/>
+        </a:p>
+      </dgm:t>
+    </dgm:pt>
+    <dgm:pt modelId="{A6406C01-7E83-4650-8EF5-394419DCB348}">
+      <dgm:prSet phldrT="[Text]"/>
+      <dgm:spPr/>
+      <dgm:t>
+        <a:bodyPr/>
+        <a:lstStyle/>
+        <a:p>
+          <a:r>
+            <a:rPr lang="pt-BR" noProof="0" dirty="0" smtClean="0"/>
+            <a:t>Título da etapa 1</a:t>
+          </a:r>
+          <a:endParaRPr lang="pt-BR" noProof="0" dirty="0"/>
+        </a:p>
+      </dgm:t>
+    </dgm:pt>
+    <dgm:pt modelId="{2586B3BB-DA8B-42DF-AC9A-77CE21607FD0}" type="parTrans" cxnId="{4D956F8D-5727-488A-93AF-F33602655A44}">
+      <dgm:prSet/>
+      <dgm:spPr/>
+      <dgm:t>
+        <a:bodyPr/>
+        <a:lstStyle/>
+        <a:p>
+          <a:endParaRPr lang="en-US"/>
+        </a:p>
+      </dgm:t>
+    </dgm:pt>
+    <dgm:pt modelId="{7C5B61F0-A4F6-4FCA-B552-36151F31051E}" type="sibTrans" cxnId="{4D956F8D-5727-488A-93AF-F33602655A44}">
+      <dgm:prSet/>
+      <dgm:spPr/>
+      <dgm:t>
+        <a:bodyPr/>
+        <a:lstStyle/>
+        <a:p>
+          <a:endParaRPr lang="en-US"/>
+        </a:p>
+      </dgm:t>
+    </dgm:pt>
+    <dgm:pt modelId="{E4E9F0D0-FF23-4B59-9B97-973BCBE5DC65}">
+      <dgm:prSet phldrT="[Text]" custT="1"/>
+      <dgm:spPr/>
+      <dgm:t>
+        <a:bodyPr/>
+        <a:lstStyle/>
+        <a:p>
+          <a:r>
+            <a:rPr lang="pt-BR" sz="1800" noProof="0" dirty="0" smtClean="0"/>
+            <a:t>Descrição da tarefa</a:t>
+          </a:r>
+          <a:endParaRPr lang="pt-BR" sz="1800" noProof="0" dirty="0"/>
+        </a:p>
+      </dgm:t>
+    </dgm:pt>
+    <dgm:pt modelId="{E9237435-F938-45D4-8BF4-6D5D4DFF850F}" type="parTrans" cxnId="{37A3A996-9723-4BDB-8959-9D9B7799BD9A}">
+      <dgm:prSet/>
+      <dgm:spPr/>
+      <dgm:t>
+        <a:bodyPr/>
+        <a:lstStyle/>
+        <a:p>
+          <a:endParaRPr lang="en-US"/>
+        </a:p>
+      </dgm:t>
+    </dgm:pt>
+    <dgm:pt modelId="{D32B195A-7CAD-474B-B79C-BE4BB171E742}" type="sibTrans" cxnId="{37A3A996-9723-4BDB-8959-9D9B7799BD9A}">
+      <dgm:prSet/>
+      <dgm:spPr/>
+      <dgm:t>
+        <a:bodyPr/>
+        <a:lstStyle/>
+        <a:p>
+          <a:endParaRPr lang="en-US"/>
+        </a:p>
+      </dgm:t>
+    </dgm:pt>
+    <dgm:pt modelId="{5D952622-A79E-41E4-BBC2-6212DEFFA91C}">
+      <dgm:prSet phldrT="[Text]"/>
+      <dgm:spPr/>
+      <dgm:t>
+        <a:bodyPr/>
+        <a:lstStyle/>
+        <a:p>
+          <a:r>
+            <a:rPr lang="pt-BR" noProof="0" dirty="0" smtClean="0"/>
+            <a:t>Título da etapa 2</a:t>
+          </a:r>
+          <a:endParaRPr lang="pt-BR" noProof="0" dirty="0"/>
+        </a:p>
+      </dgm:t>
+    </dgm:pt>
+    <dgm:pt modelId="{10627A68-BE4B-4A4A-9EC9-4CFEF1E4DF39}" type="parTrans" cxnId="{A22BDB9A-90BB-4DA2-8850-00D4F1D3B898}">
+      <dgm:prSet/>
+      <dgm:spPr/>
+      <dgm:t>
+        <a:bodyPr/>
+        <a:lstStyle/>
+        <a:p>
+          <a:endParaRPr lang="en-US"/>
+        </a:p>
+      </dgm:t>
+    </dgm:pt>
+    <dgm:pt modelId="{092BAEF3-D9F2-476B-9A0B-6F14CC814529}" type="sibTrans" cxnId="{A22BDB9A-90BB-4DA2-8850-00D4F1D3B898}">
+      <dgm:prSet/>
+      <dgm:spPr/>
+      <dgm:t>
+        <a:bodyPr/>
+        <a:lstStyle/>
+        <a:p>
+          <a:endParaRPr lang="en-US"/>
+        </a:p>
+      </dgm:t>
+    </dgm:pt>
+    <dgm:pt modelId="{5248D9DA-6444-46F6-8D28-C8BB2253AAD1}">
+      <dgm:prSet phldrT="[Text]" custT="1"/>
+      <dgm:spPr/>
+      <dgm:t>
+        <a:bodyPr/>
+        <a:lstStyle/>
+        <a:p>
+          <a:r>
+            <a:rPr lang="pt-BR" sz="1800" noProof="0" dirty="0" smtClean="0"/>
+            <a:t>Descrição da tarefa</a:t>
+          </a:r>
+          <a:endParaRPr lang="pt-BR" sz="1800" noProof="0" dirty="0"/>
+        </a:p>
+      </dgm:t>
+    </dgm:pt>
+    <dgm:pt modelId="{A8533F77-F094-4EDB-BCC7-35E0D6A46B71}" type="parTrans" cxnId="{35AF286C-A401-4C08-B8A3-F38B03322BD8}">
+      <dgm:prSet/>
+      <dgm:spPr/>
+      <dgm:t>
+        <a:bodyPr/>
+        <a:lstStyle/>
+        <a:p>
+          <a:endParaRPr lang="en-US"/>
+        </a:p>
+      </dgm:t>
+    </dgm:pt>
+    <dgm:pt modelId="{011B552E-515A-4C41-B810-0D2552861422}" type="sibTrans" cxnId="{35AF286C-A401-4C08-B8A3-F38B03322BD8}">
+      <dgm:prSet/>
+      <dgm:spPr/>
+      <dgm:t>
+        <a:bodyPr/>
+        <a:lstStyle/>
+        <a:p>
+          <a:endParaRPr lang="en-US"/>
+        </a:p>
+      </dgm:t>
+    </dgm:pt>
+    <dgm:pt modelId="{50706FFE-8A00-485D-9FF7-8D310692C602}">
+      <dgm:prSet phldrT="[Text]"/>
+      <dgm:spPr/>
+      <dgm:t>
+        <a:bodyPr/>
+        <a:lstStyle/>
+        <a:p>
+          <a:r>
+            <a:rPr lang="pt-BR" noProof="0" dirty="0" smtClean="0"/>
+            <a:t>Título da etapa 3</a:t>
+          </a:r>
+          <a:endParaRPr lang="pt-BR" noProof="0" dirty="0"/>
+        </a:p>
+      </dgm:t>
+    </dgm:pt>
+    <dgm:pt modelId="{EF44BD91-19A4-424B-BA32-4A5492B6E40B}" type="parTrans" cxnId="{7599CECE-5293-4C57-A979-D096C99254C7}">
+      <dgm:prSet/>
+      <dgm:spPr/>
+      <dgm:t>
+        <a:bodyPr/>
+        <a:lstStyle/>
+        <a:p>
+          <a:endParaRPr lang="en-US"/>
+        </a:p>
+      </dgm:t>
+    </dgm:pt>
+    <dgm:pt modelId="{CD03DFF4-D962-46D6-AFFA-2A87FD08403E}" type="sibTrans" cxnId="{7599CECE-5293-4C57-A979-D096C99254C7}">
+      <dgm:prSet/>
+      <dgm:spPr/>
+      <dgm:t>
+        <a:bodyPr/>
+        <a:lstStyle/>
+        <a:p>
+          <a:endParaRPr lang="en-US"/>
+        </a:p>
+      </dgm:t>
+    </dgm:pt>
+    <dgm:pt modelId="{3A9B5D84-CB00-4BC9-ADB2-5CF832F36763}">
+      <dgm:prSet phldrT="[Text]" custT="1"/>
+      <dgm:spPr/>
+      <dgm:t>
+        <a:bodyPr/>
+        <a:lstStyle/>
+        <a:p>
+          <a:r>
+            <a:rPr lang="pt-BR" sz="1800" noProof="0" dirty="0" smtClean="0"/>
+            <a:t>Descrição da tarefa</a:t>
+          </a:r>
+          <a:endParaRPr lang="pt-BR" sz="1800" noProof="0" dirty="0"/>
+        </a:p>
+      </dgm:t>
+    </dgm:pt>
+    <dgm:pt modelId="{BD57EC4A-052D-4824-8820-064BAC997A9B}" type="parTrans" cxnId="{11A0AF47-4BCA-470E-92BF-7B388FFB0DE8}">
+      <dgm:prSet/>
+      <dgm:spPr/>
+      <dgm:t>
+        <a:bodyPr/>
+        <a:lstStyle/>
+        <a:p>
+          <a:endParaRPr lang="en-US"/>
+        </a:p>
+      </dgm:t>
+    </dgm:pt>
+    <dgm:pt modelId="{98E878CF-4A49-4E76-BD23-AE7C5290BAFD}" type="sibTrans" cxnId="{11A0AF47-4BCA-470E-92BF-7B388FFB0DE8}">
+      <dgm:prSet/>
+      <dgm:spPr/>
+      <dgm:t>
+        <a:bodyPr/>
+        <a:lstStyle/>
+        <a:p>
+          <a:endParaRPr lang="en-US"/>
+        </a:p>
+      </dgm:t>
+    </dgm:pt>
+    <dgm:pt modelId="{8734DFB3-ADD8-4FD2-87D8-1981AA0ADD0B}" type="pres">
+      <dgm:prSet presAssocID="{FBA29113-7A70-4E0E-B036-871C49B835F1}" presName="theList" presStyleCnt="0">
+        <dgm:presLayoutVars>
+          <dgm:dir/>
+          <dgm:animLvl val="lvl"/>
+          <dgm:resizeHandles val="exact"/>
+        </dgm:presLayoutVars>
+      </dgm:prSet>
+      <dgm:spPr/>
+      <dgm:t>
+        <a:bodyPr/>
+        <a:lstStyle/>
+        <a:p>
+          <a:endParaRPr lang="en-US"/>
+        </a:p>
+      </dgm:t>
+    </dgm:pt>
+    <dgm:pt modelId="{5C04AEFB-7132-4B28-A7D3-862245070A8D}" type="pres">
+      <dgm:prSet presAssocID="{A6406C01-7E83-4650-8EF5-394419DCB348}" presName="compNode" presStyleCnt="0"/>
+      <dgm:spPr/>
+    </dgm:pt>
+    <dgm:pt modelId="{358F74AC-FC7D-465B-BD12-B6CCC00F3D29}" type="pres">
+      <dgm:prSet presAssocID="{A6406C01-7E83-4650-8EF5-394419DCB348}" presName="noGeometry" presStyleCnt="0"/>
+      <dgm:spPr/>
+    </dgm:pt>
+    <dgm:pt modelId="{610B5FFC-C0C9-444C-9F7A-14D1B54F604D}" type="pres">
+      <dgm:prSet presAssocID="{A6406C01-7E83-4650-8EF5-394419DCB348}" presName="childTextVisible" presStyleLbl="bgAccFollowNode1" presStyleIdx="0" presStyleCnt="3">
+        <dgm:presLayoutVars>
+          <dgm:bulletEnabled val="1"/>
+        </dgm:presLayoutVars>
+      </dgm:prSet>
+      <dgm:spPr/>
+      <dgm:t>
+        <a:bodyPr/>
+        <a:lstStyle/>
+        <a:p>
+          <a:endParaRPr lang="en-US"/>
+        </a:p>
+      </dgm:t>
+    </dgm:pt>
+    <dgm:pt modelId="{FB705FC1-639E-4064-8E9A-A79870DE5273}" type="pres">
+      <dgm:prSet presAssocID="{A6406C01-7E83-4650-8EF5-394419DCB348}" presName="childTextHidden" presStyleLbl="bgAccFollowNode1" presStyleIdx="0" presStyleCnt="3"/>
+      <dgm:spPr/>
+      <dgm:t>
+        <a:bodyPr/>
+        <a:lstStyle/>
+        <a:p>
+          <a:endParaRPr lang="en-US"/>
+        </a:p>
+      </dgm:t>
+    </dgm:pt>
+    <dgm:pt modelId="{47DA5750-48DC-4E4F-815D-0B05DBC30DAB}" type="pres">
+      <dgm:prSet presAssocID="{A6406C01-7E83-4650-8EF5-394419DCB348}" presName="parentText" presStyleLbl="node1" presStyleIdx="0" presStyleCnt="3">
+        <dgm:presLayoutVars>
+          <dgm:chMax val="1"/>
+          <dgm:bulletEnabled val="1"/>
+        </dgm:presLayoutVars>
+      </dgm:prSet>
+      <dgm:spPr/>
+      <dgm:t>
+        <a:bodyPr/>
+        <a:lstStyle/>
+        <a:p>
+          <a:endParaRPr lang="en-US"/>
+        </a:p>
+      </dgm:t>
+    </dgm:pt>
+    <dgm:pt modelId="{6319C676-A7DE-4777-9BB4-3B6D30ED3F5C}" type="pres">
+      <dgm:prSet presAssocID="{A6406C01-7E83-4650-8EF5-394419DCB348}" presName="aSpace" presStyleCnt="0"/>
+      <dgm:spPr/>
+    </dgm:pt>
+    <dgm:pt modelId="{CA708D38-D093-4C16-A955-CF2CAC7F0A99}" type="pres">
+      <dgm:prSet presAssocID="{5D952622-A79E-41E4-BBC2-6212DEFFA91C}" presName="compNode" presStyleCnt="0"/>
+      <dgm:spPr/>
+    </dgm:pt>
+    <dgm:pt modelId="{6F3066E9-E96F-489D-8A4B-6D55FBE389F2}" type="pres">
+      <dgm:prSet presAssocID="{5D952622-A79E-41E4-BBC2-6212DEFFA91C}" presName="noGeometry" presStyleCnt="0"/>
+      <dgm:spPr/>
+    </dgm:pt>
+    <dgm:pt modelId="{00D2DC2C-7CA2-4A4B-B66D-3DDCAB7DC8E9}" type="pres">
+      <dgm:prSet presAssocID="{5D952622-A79E-41E4-BBC2-6212DEFFA91C}" presName="childTextVisible" presStyleLbl="bgAccFollowNode1" presStyleIdx="1" presStyleCnt="3">
+        <dgm:presLayoutVars>
+          <dgm:bulletEnabled val="1"/>
+        </dgm:presLayoutVars>
+      </dgm:prSet>
+      <dgm:spPr/>
+      <dgm:t>
+        <a:bodyPr/>
+        <a:lstStyle/>
+        <a:p>
+          <a:endParaRPr lang="en-US"/>
+        </a:p>
+      </dgm:t>
+    </dgm:pt>
+    <dgm:pt modelId="{072FB640-0A28-40E8-9C0C-86BAF45C6EF0}" type="pres">
+      <dgm:prSet presAssocID="{5D952622-A79E-41E4-BBC2-6212DEFFA91C}" presName="childTextHidden" presStyleLbl="bgAccFollowNode1" presStyleIdx="1" presStyleCnt="3"/>
+      <dgm:spPr/>
+      <dgm:t>
+        <a:bodyPr/>
+        <a:lstStyle/>
+        <a:p>
+          <a:endParaRPr lang="en-US"/>
+        </a:p>
+      </dgm:t>
+    </dgm:pt>
+    <dgm:pt modelId="{EE8733A1-7662-4D0A-B39E-2218596CC81C}" type="pres">
+      <dgm:prSet presAssocID="{5D952622-A79E-41E4-BBC2-6212DEFFA91C}" presName="parentText" presStyleLbl="node1" presStyleIdx="1" presStyleCnt="3">
+        <dgm:presLayoutVars>
+          <dgm:chMax val="1"/>
+          <dgm:bulletEnabled val="1"/>
+        </dgm:presLayoutVars>
+      </dgm:prSet>
+      <dgm:spPr/>
+      <dgm:t>
+        <a:bodyPr/>
+        <a:lstStyle/>
+        <a:p>
+          <a:endParaRPr lang="en-US"/>
+        </a:p>
+      </dgm:t>
+    </dgm:pt>
+    <dgm:pt modelId="{E0D7C734-E391-436F-996C-E60442F50A17}" type="pres">
+      <dgm:prSet presAssocID="{5D952622-A79E-41E4-BBC2-6212DEFFA91C}" presName="aSpace" presStyleCnt="0"/>
+      <dgm:spPr/>
+    </dgm:pt>
+    <dgm:pt modelId="{E8F3A685-8F9F-4BAC-8C8B-A1DE5AA41F3A}" type="pres">
+      <dgm:prSet presAssocID="{50706FFE-8A00-485D-9FF7-8D310692C602}" presName="compNode" presStyleCnt="0"/>
+      <dgm:spPr/>
+    </dgm:pt>
+    <dgm:pt modelId="{84BFA617-6CAF-4DA9-A086-82BCA61093BE}" type="pres">
+      <dgm:prSet presAssocID="{50706FFE-8A00-485D-9FF7-8D310692C602}" presName="noGeometry" presStyleCnt="0"/>
+      <dgm:spPr/>
+    </dgm:pt>
+    <dgm:pt modelId="{4BF699B1-BE15-42D1-9784-AA33CF29870E}" type="pres">
+      <dgm:prSet presAssocID="{50706FFE-8A00-485D-9FF7-8D310692C602}" presName="childTextVisible" presStyleLbl="bgAccFollowNode1" presStyleIdx="2" presStyleCnt="3">
+        <dgm:presLayoutVars>
+          <dgm:bulletEnabled val="1"/>
+        </dgm:presLayoutVars>
+      </dgm:prSet>
+      <dgm:spPr/>
+      <dgm:t>
+        <a:bodyPr/>
+        <a:lstStyle/>
+        <a:p>
+          <a:endParaRPr lang="en-US"/>
+        </a:p>
+      </dgm:t>
+    </dgm:pt>
+    <dgm:pt modelId="{F0925EF4-86E2-4748-BA70-94AAF55AB064}" type="pres">
+      <dgm:prSet presAssocID="{50706FFE-8A00-485D-9FF7-8D310692C602}" presName="childTextHidden" presStyleLbl="bgAccFollowNode1" presStyleIdx="2" presStyleCnt="3"/>
+      <dgm:spPr/>
+      <dgm:t>
+        <a:bodyPr/>
+        <a:lstStyle/>
+        <a:p>
+          <a:endParaRPr lang="en-US"/>
+        </a:p>
+      </dgm:t>
+    </dgm:pt>
+    <dgm:pt modelId="{78E9A4E4-18A9-4B73-8007-A63A71C71937}" type="pres">
+      <dgm:prSet presAssocID="{50706FFE-8A00-485D-9FF7-8D310692C602}" presName="parentText" presStyleLbl="node1" presStyleIdx="2" presStyleCnt="3">
+        <dgm:presLayoutVars>
+          <dgm:chMax val="1"/>
+          <dgm:bulletEnabled val="1"/>
+        </dgm:presLayoutVars>
+      </dgm:prSet>
+      <dgm:spPr/>
+      <dgm:t>
+        <a:bodyPr/>
+        <a:lstStyle/>
+        <a:p>
+          <a:endParaRPr lang="en-US"/>
+        </a:p>
+      </dgm:t>
+    </dgm:pt>
+  </dgm:ptLst>
+  <dgm:cxnLst>
+    <dgm:cxn modelId="{35AF286C-A401-4C08-B8A3-F38B03322BD8}" srcId="{5D952622-A79E-41E4-BBC2-6212DEFFA91C}" destId="{5248D9DA-6444-46F6-8D28-C8BB2253AAD1}" srcOrd="0" destOrd="0" parTransId="{A8533F77-F094-4EDB-BCC7-35E0D6A46B71}" sibTransId="{011B552E-515A-4C41-B810-0D2552861422}"/>
+    <dgm:cxn modelId="{11A0AF47-4BCA-470E-92BF-7B388FFB0DE8}" srcId="{50706FFE-8A00-485D-9FF7-8D310692C602}" destId="{3A9B5D84-CB00-4BC9-ADB2-5CF832F36763}" srcOrd="0" destOrd="0" parTransId="{BD57EC4A-052D-4824-8820-064BAC997A9B}" sibTransId="{98E878CF-4A49-4E76-BD23-AE7C5290BAFD}"/>
+    <dgm:cxn modelId="{A22BDB9A-90BB-4DA2-8850-00D4F1D3B898}" srcId="{FBA29113-7A70-4E0E-B036-871C49B835F1}" destId="{5D952622-A79E-41E4-BBC2-6212DEFFA91C}" srcOrd="1" destOrd="0" parTransId="{10627A68-BE4B-4A4A-9EC9-4CFEF1E4DF39}" sibTransId="{092BAEF3-D9F2-476B-9A0B-6F14CC814529}"/>
+    <dgm:cxn modelId="{BA539253-48E3-447C-8770-C31D10399C4A}" type="presOf" srcId="{50706FFE-8A00-485D-9FF7-8D310692C602}" destId="{78E9A4E4-18A9-4B73-8007-A63A71C71937}" srcOrd="0" destOrd="0" presId="urn:microsoft.com/office/officeart/2005/8/layout/hProcess6"/>
+    <dgm:cxn modelId="{31498E67-CEA0-4571-B7AB-26A2113144F6}" type="presOf" srcId="{FBA29113-7A70-4E0E-B036-871C49B835F1}" destId="{8734DFB3-ADD8-4FD2-87D8-1981AA0ADD0B}" srcOrd="0" destOrd="0" presId="urn:microsoft.com/office/officeart/2005/8/layout/hProcess6"/>
+    <dgm:cxn modelId="{37A3A996-9723-4BDB-8959-9D9B7799BD9A}" srcId="{A6406C01-7E83-4650-8EF5-394419DCB348}" destId="{E4E9F0D0-FF23-4B59-9B97-973BCBE5DC65}" srcOrd="0" destOrd="0" parTransId="{E9237435-F938-45D4-8BF4-6D5D4DFF850F}" sibTransId="{D32B195A-7CAD-474B-B79C-BE4BB171E742}"/>
+    <dgm:cxn modelId="{AE4FA1B2-1FFD-4999-BFB4-0E2A9E4BEBBB}" type="presOf" srcId="{5248D9DA-6444-46F6-8D28-C8BB2253AAD1}" destId="{00D2DC2C-7CA2-4A4B-B66D-3DDCAB7DC8E9}" srcOrd="0" destOrd="0" presId="urn:microsoft.com/office/officeart/2005/8/layout/hProcess6"/>
+    <dgm:cxn modelId="{99E34304-5770-4691-A3EE-6A7C8B9ACD53}" type="presOf" srcId="{E4E9F0D0-FF23-4B59-9B97-973BCBE5DC65}" destId="{610B5FFC-C0C9-444C-9F7A-14D1B54F604D}" srcOrd="0" destOrd="0" presId="urn:microsoft.com/office/officeart/2005/8/layout/hProcess6"/>
+    <dgm:cxn modelId="{81ACEA16-295B-4802-A889-1DC375F525AB}" type="presOf" srcId="{A6406C01-7E83-4650-8EF5-394419DCB348}" destId="{47DA5750-48DC-4E4F-815D-0B05DBC30DAB}" srcOrd="0" destOrd="0" presId="urn:microsoft.com/office/officeart/2005/8/layout/hProcess6"/>
+    <dgm:cxn modelId="{4D956F8D-5727-488A-93AF-F33602655A44}" srcId="{FBA29113-7A70-4E0E-B036-871C49B835F1}" destId="{A6406C01-7E83-4650-8EF5-394419DCB348}" srcOrd="0" destOrd="0" parTransId="{2586B3BB-DA8B-42DF-AC9A-77CE21607FD0}" sibTransId="{7C5B61F0-A4F6-4FCA-B552-36151F31051E}"/>
+    <dgm:cxn modelId="{7599CECE-5293-4C57-A979-D096C99254C7}" srcId="{FBA29113-7A70-4E0E-B036-871C49B835F1}" destId="{50706FFE-8A00-485D-9FF7-8D310692C602}" srcOrd="2" destOrd="0" parTransId="{EF44BD91-19A4-424B-BA32-4A5492B6E40B}" sibTransId="{CD03DFF4-D962-46D6-AFFA-2A87FD08403E}"/>
+    <dgm:cxn modelId="{019AA969-1A2B-48C0-B7C9-005E817BC2CB}" type="presOf" srcId="{E4E9F0D0-FF23-4B59-9B97-973BCBE5DC65}" destId="{FB705FC1-639E-4064-8E9A-A79870DE5273}" srcOrd="1" destOrd="0" presId="urn:microsoft.com/office/officeart/2005/8/layout/hProcess6"/>
+    <dgm:cxn modelId="{F36BB86E-E9BB-4DBF-9DFE-F8050046ED1F}" type="presOf" srcId="{3A9B5D84-CB00-4BC9-ADB2-5CF832F36763}" destId="{4BF699B1-BE15-42D1-9784-AA33CF29870E}" srcOrd="0" destOrd="0" presId="urn:microsoft.com/office/officeart/2005/8/layout/hProcess6"/>
+    <dgm:cxn modelId="{D2E26D7D-A939-4166-987B-3E9E5A080266}" type="presOf" srcId="{3A9B5D84-CB00-4BC9-ADB2-5CF832F36763}" destId="{F0925EF4-86E2-4748-BA70-94AAF55AB064}" srcOrd="1" destOrd="0" presId="urn:microsoft.com/office/officeart/2005/8/layout/hProcess6"/>
+    <dgm:cxn modelId="{130B0544-2388-4104-A721-8D29E7C77420}" type="presOf" srcId="{5D952622-A79E-41E4-BBC2-6212DEFFA91C}" destId="{EE8733A1-7662-4D0A-B39E-2218596CC81C}" srcOrd="0" destOrd="0" presId="urn:microsoft.com/office/officeart/2005/8/layout/hProcess6"/>
+    <dgm:cxn modelId="{E23D729A-C2FC-40CD-8A08-F5EBB66CF80B}" type="presOf" srcId="{5248D9DA-6444-46F6-8D28-C8BB2253AAD1}" destId="{072FB640-0A28-40E8-9C0C-86BAF45C6EF0}" srcOrd="1" destOrd="0" presId="urn:microsoft.com/office/officeart/2005/8/layout/hProcess6"/>
+    <dgm:cxn modelId="{FF0D50D3-9477-4407-8F44-B60B9728DED7}" type="presParOf" srcId="{8734DFB3-ADD8-4FD2-87D8-1981AA0ADD0B}" destId="{5C04AEFB-7132-4B28-A7D3-862245070A8D}" srcOrd="0" destOrd="0" presId="urn:microsoft.com/office/officeart/2005/8/layout/hProcess6"/>
+    <dgm:cxn modelId="{126CE751-65CF-4E60-902C-2D0B01478834}" type="presParOf" srcId="{5C04AEFB-7132-4B28-A7D3-862245070A8D}" destId="{358F74AC-FC7D-465B-BD12-B6CCC00F3D29}" srcOrd="0" destOrd="0" presId="urn:microsoft.com/office/officeart/2005/8/layout/hProcess6"/>
+    <dgm:cxn modelId="{C6915109-771C-43AE-A4C7-A411D8E5978F}" type="presParOf" srcId="{5C04AEFB-7132-4B28-A7D3-862245070A8D}" destId="{610B5FFC-C0C9-444C-9F7A-14D1B54F604D}" srcOrd="1" destOrd="0" presId="urn:microsoft.com/office/officeart/2005/8/layout/hProcess6"/>
+    <dgm:cxn modelId="{954FE73F-9595-47D0-9AB9-6EB7EDC39F8E}" type="presParOf" srcId="{5C04AEFB-7132-4B28-A7D3-862245070A8D}" destId="{FB705FC1-639E-4064-8E9A-A79870DE5273}" srcOrd="2" destOrd="0" presId="urn:microsoft.com/office/officeart/2005/8/layout/hProcess6"/>
+    <dgm:cxn modelId="{362B7B1C-776A-481A-B10E-B2136C044DB5}" type="presParOf" srcId="{5C04AEFB-7132-4B28-A7D3-862245070A8D}" destId="{47DA5750-48DC-4E4F-815D-0B05DBC30DAB}" srcOrd="3" destOrd="0" presId="urn:microsoft.com/office/officeart/2005/8/layout/hProcess6"/>
+    <dgm:cxn modelId="{AB361918-49A4-4458-A6B4-A38162139DB4}" type="presParOf" srcId="{8734DFB3-ADD8-4FD2-87D8-1981AA0ADD0B}" destId="{6319C676-A7DE-4777-9BB4-3B6D30ED3F5C}" srcOrd="1" destOrd="0" presId="urn:microsoft.com/office/officeart/2005/8/layout/hProcess6"/>
+    <dgm:cxn modelId="{3E32ED31-FAFA-41FB-A502-0C9269827B55}" type="presParOf" srcId="{8734DFB3-ADD8-4FD2-87D8-1981AA0ADD0B}" destId="{CA708D38-D093-4C16-A955-CF2CAC7F0A99}" srcOrd="2" destOrd="0" presId="urn:microsoft.com/office/officeart/2005/8/layout/hProcess6"/>
+    <dgm:cxn modelId="{38B5F8BF-C6A8-4D51-8681-B847070CD1C0}" type="presParOf" srcId="{CA708D38-D093-4C16-A955-CF2CAC7F0A99}" destId="{6F3066E9-E96F-489D-8A4B-6D55FBE389F2}" srcOrd="0" destOrd="0" presId="urn:microsoft.com/office/officeart/2005/8/layout/hProcess6"/>
+    <dgm:cxn modelId="{B873A9F4-217E-473A-8D65-14527890AC34}" type="presParOf" srcId="{CA708D38-D093-4C16-A955-CF2CAC7F0A99}" destId="{00D2DC2C-7CA2-4A4B-B66D-3DDCAB7DC8E9}" srcOrd="1" destOrd="0" presId="urn:microsoft.com/office/officeart/2005/8/layout/hProcess6"/>
+    <dgm:cxn modelId="{F573A08D-1388-4362-9D10-155655876363}" type="presParOf" srcId="{CA708D38-D093-4C16-A955-CF2CAC7F0A99}" destId="{072FB640-0A28-40E8-9C0C-86BAF45C6EF0}" srcOrd="2" destOrd="0" presId="urn:microsoft.com/office/officeart/2005/8/layout/hProcess6"/>
+    <dgm:cxn modelId="{7ADF5CCF-F26A-45B5-9692-98B07AFD46A1}" type="presParOf" srcId="{CA708D38-D093-4C16-A955-CF2CAC7F0A99}" destId="{EE8733A1-7662-4D0A-B39E-2218596CC81C}" srcOrd="3" destOrd="0" presId="urn:microsoft.com/office/officeart/2005/8/layout/hProcess6"/>
+    <dgm:cxn modelId="{985C18C8-95A3-4479-821C-610A2BAFFFF3}" type="presParOf" srcId="{8734DFB3-ADD8-4FD2-87D8-1981AA0ADD0B}" destId="{E0D7C734-E391-436F-996C-E60442F50A17}" srcOrd="3" destOrd="0" presId="urn:microsoft.com/office/officeart/2005/8/layout/hProcess6"/>
+    <dgm:cxn modelId="{951CD7FA-A9B4-463F-BD0D-452C521FF523}" type="presParOf" srcId="{8734DFB3-ADD8-4FD2-87D8-1981AA0ADD0B}" destId="{E8F3A685-8F9F-4BAC-8C8B-A1DE5AA41F3A}" srcOrd="4" destOrd="0" presId="urn:microsoft.com/office/officeart/2005/8/layout/hProcess6"/>
+    <dgm:cxn modelId="{E08D8862-B273-4AA6-9A90-754366CE4945}" type="presParOf" srcId="{E8F3A685-8F9F-4BAC-8C8B-A1DE5AA41F3A}" destId="{84BFA617-6CAF-4DA9-A086-82BCA61093BE}" srcOrd="0" destOrd="0" presId="urn:microsoft.com/office/officeart/2005/8/layout/hProcess6"/>
+    <dgm:cxn modelId="{69392B4C-2A7B-41A4-A48C-35E312A6434A}" type="presParOf" srcId="{E8F3A685-8F9F-4BAC-8C8B-A1DE5AA41F3A}" destId="{4BF699B1-BE15-42D1-9784-AA33CF29870E}" srcOrd="1" destOrd="0" presId="urn:microsoft.com/office/officeart/2005/8/layout/hProcess6"/>
+    <dgm:cxn modelId="{29F5DEAB-A9C8-47F8-A089-1585C323795A}" type="presParOf" srcId="{E8F3A685-8F9F-4BAC-8C8B-A1DE5AA41F3A}" destId="{F0925EF4-86E2-4748-BA70-94AAF55AB064}" srcOrd="2" destOrd="0" presId="urn:microsoft.com/office/officeart/2005/8/layout/hProcess6"/>
+    <dgm:cxn modelId="{E9A57A1B-DDAF-4905-B46C-246DB5E9FB2A}" type="presParOf" srcId="{E8F3A685-8F9F-4BAC-8C8B-A1DE5AA41F3A}" destId="{78E9A4E4-18A9-4B73-8007-A63A71C71937}" srcOrd="3" destOrd="0" presId="urn:microsoft.com/office/officeart/2005/8/layout/hProcess6"/>
+  </dgm:cxnLst>
+  <dgm:bg/>
+  <dgm:whole/>
+  <dgm:extLst>
+    <a:ext uri="http://schemas.microsoft.com/office/drawing/2008/diagram">
+      <dsp:dataModelExt xmlns:dsp="http://schemas.microsoft.com/office/drawing/2008/diagram" relId="rId6" minVer="http://schemas.openxmlformats.org/drawingml/2006/diagram"/>
+    </a:ext>
+  </dgm:extLst>
+</dgm:dataModel>
+</file>
+
+<file path=ppt/diagrams/drawing1.xml><?xml version="1.0" encoding="utf-8"?>
+<dsp:drawing xmlns:dgm="http://schemas.openxmlformats.org/drawingml/2006/diagram" xmlns:dsp="http://schemas.microsoft.com/office/drawing/2008/diagram" xmlns:a="http://schemas.openxmlformats.org/drawingml/2006/main">
+  <dsp:spTree>
+    <dsp:nvGrpSpPr>
+      <dsp:cNvPr id="0" name=""/>
+      <dsp:cNvGrpSpPr/>
+    </dsp:nvGrpSpPr>
+    <dsp:grpSpPr/>
+    <dsp:sp modelId="{610B5FFC-C0C9-444C-9F7A-14D1B54F604D}">
+      <dsp:nvSpPr>
+        <dsp:cNvPr id="0" name=""/>
+        <dsp:cNvSpPr/>
+      </dsp:nvSpPr>
+      <dsp:spPr>
+        <a:xfrm>
+          <a:off x="623515" y="823134"/>
+          <a:ext cx="2475309" cy="2163731"/>
+        </a:xfrm>
+        <a:prstGeom prst="rightArrow">
+          <a:avLst>
+            <a:gd name="adj1" fmla="val 70000"/>
+            <a:gd name="adj2" fmla="val 50000"/>
+          </a:avLst>
+        </a:prstGeom>
+        <a:solidFill>
+          <a:schemeClr val="accent1">
+            <a:alpha val="90000"/>
+            <a:tint val="40000"/>
+            <a:hueOff val="0"/>
+            <a:satOff val="0"/>
+            <a:lumOff val="0"/>
+            <a:alphaOff val="0"/>
+          </a:schemeClr>
+        </a:solidFill>
+        <a:ln w="12700" cap="flat" cmpd="sng" algn="ctr">
+          <a:solidFill>
+            <a:schemeClr val="accent1">
+              <a:alpha val="90000"/>
+              <a:tint val="40000"/>
+              <a:hueOff val="0"/>
+              <a:satOff val="0"/>
+              <a:lumOff val="0"/>
+              <a:alphaOff val="0"/>
+            </a:schemeClr>
+          </a:solidFill>
+          <a:prstDash val="solid"/>
+          <a:miter lim="800000"/>
+        </a:ln>
+        <a:effectLst/>
+      </dsp:spPr>
+      <dsp:style>
+        <a:lnRef idx="2">
+          <a:scrgbClr r="0" g="0" b="0"/>
+        </a:lnRef>
+        <a:fillRef idx="1">
+          <a:scrgbClr r="0" g="0" b="0"/>
+        </a:fillRef>
+        <a:effectRef idx="0">
+          <a:scrgbClr r="0" g="0" b="0"/>
+        </a:effectRef>
+        <a:fontRef idx="minor"/>
+      </dsp:style>
+      <dsp:txBody>
+        <a:bodyPr spcFirstLastPara="0" vert="horz" wrap="square" lIns="45720" tIns="11430" rIns="22860" bIns="11430" numCol="1" spcCol="1270" anchor="ctr" anchorCtr="0">
+          <a:noAutofit/>
+        </a:bodyPr>
+        <a:lstStyle/>
+        <a:p>
+          <a:pPr lvl="0" algn="ctr" defTabSz="800100">
+            <a:lnSpc>
+              <a:spcPct val="90000"/>
+            </a:lnSpc>
+            <a:spcBef>
+              <a:spcPct val="0"/>
+            </a:spcBef>
+            <a:spcAft>
+              <a:spcPct val="35000"/>
+            </a:spcAft>
+          </a:pPr>
+          <a:r>
+            <a:rPr lang="pt-BR" sz="1800" kern="1200" noProof="0" dirty="0" smtClean="0"/>
+            <a:t>Descrição da tarefa</a:t>
+          </a:r>
+          <a:endParaRPr lang="pt-BR" sz="1800" kern="1200" noProof="0" dirty="0"/>
+        </a:p>
+      </dsp:txBody>
+      <dsp:txXfrm>
+        <a:off x="1242342" y="1147694"/>
+        <a:ext cx="1206713" cy="1514611"/>
+      </dsp:txXfrm>
+    </dsp:sp>
+    <dsp:sp modelId="{47DA5750-48DC-4E4F-815D-0B05DBC30DAB}">
+      <dsp:nvSpPr>
+        <dsp:cNvPr id="0" name=""/>
+        <dsp:cNvSpPr/>
+      </dsp:nvSpPr>
+      <dsp:spPr>
+        <a:xfrm>
+          <a:off x="4688" y="1286172"/>
+          <a:ext cx="1237654" cy="1237654"/>
+        </a:xfrm>
+        <a:prstGeom prst="ellipse">
+          <a:avLst/>
+        </a:prstGeom>
+        <a:solidFill>
+          <a:schemeClr val="accent1">
+            <a:hueOff val="0"/>
+            <a:satOff val="0"/>
+            <a:lumOff val="0"/>
+            <a:alphaOff val="0"/>
+          </a:schemeClr>
+        </a:solidFill>
+        <a:ln w="12700" cap="flat" cmpd="sng" algn="ctr">
+          <a:solidFill>
+            <a:schemeClr val="lt1">
+              <a:hueOff val="0"/>
+              <a:satOff val="0"/>
+              <a:lumOff val="0"/>
+              <a:alphaOff val="0"/>
+            </a:schemeClr>
+          </a:solidFill>
+          <a:prstDash val="solid"/>
+          <a:miter lim="800000"/>
+        </a:ln>
+        <a:effectLst/>
+      </dsp:spPr>
+      <dsp:style>
+        <a:lnRef idx="2">
+          <a:scrgbClr r="0" g="0" b="0"/>
+        </a:lnRef>
+        <a:fillRef idx="1">
+          <a:scrgbClr r="0" g="0" b="0"/>
+        </a:fillRef>
+        <a:effectRef idx="0">
+          <a:scrgbClr r="0" g="0" b="0"/>
+        </a:effectRef>
+        <a:fontRef idx="minor">
+          <a:schemeClr val="lt1"/>
+        </a:fontRef>
+      </dsp:style>
+      <dsp:txBody>
+        <a:bodyPr spcFirstLastPara="0" vert="horz" wrap="square" lIns="12700" tIns="12700" rIns="12700" bIns="12700" numCol="1" spcCol="1270" anchor="ctr" anchorCtr="0">
+          <a:noAutofit/>
+        </a:bodyPr>
+        <a:lstStyle/>
+        <a:p>
+          <a:pPr lvl="0" algn="ctr" defTabSz="889000">
+            <a:lnSpc>
+              <a:spcPct val="90000"/>
+            </a:lnSpc>
+            <a:spcBef>
+              <a:spcPct val="0"/>
+            </a:spcBef>
+            <a:spcAft>
+              <a:spcPct val="35000"/>
+            </a:spcAft>
+          </a:pPr>
+          <a:r>
+            <a:rPr lang="pt-BR" sz="2000" kern="1200" noProof="0" dirty="0" smtClean="0"/>
+            <a:t>Título da etapa 1</a:t>
+          </a:r>
+          <a:endParaRPr lang="pt-BR" sz="2000" kern="1200" noProof="0" dirty="0"/>
+        </a:p>
+      </dsp:txBody>
+      <dsp:txXfrm>
+        <a:off x="185938" y="1467422"/>
+        <a:ext cx="875154" cy="875154"/>
+      </dsp:txXfrm>
+    </dsp:sp>
+    <dsp:sp modelId="{00D2DC2C-7CA2-4A4B-B66D-3DDCAB7DC8E9}">
+      <dsp:nvSpPr>
+        <dsp:cNvPr id="0" name=""/>
+        <dsp:cNvSpPr/>
+      </dsp:nvSpPr>
+      <dsp:spPr>
+        <a:xfrm>
+          <a:off x="3872358" y="823134"/>
+          <a:ext cx="2475309" cy="2163731"/>
+        </a:xfrm>
+        <a:prstGeom prst="rightArrow">
+          <a:avLst>
+            <a:gd name="adj1" fmla="val 70000"/>
+            <a:gd name="adj2" fmla="val 50000"/>
+          </a:avLst>
+        </a:prstGeom>
+        <a:solidFill>
+          <a:schemeClr val="accent1">
+            <a:alpha val="90000"/>
+            <a:tint val="40000"/>
+            <a:hueOff val="0"/>
+            <a:satOff val="0"/>
+            <a:lumOff val="0"/>
+            <a:alphaOff val="0"/>
+          </a:schemeClr>
+        </a:solidFill>
+        <a:ln w="12700" cap="flat" cmpd="sng" algn="ctr">
+          <a:solidFill>
+            <a:schemeClr val="accent1">
+              <a:alpha val="90000"/>
+              <a:tint val="40000"/>
+              <a:hueOff val="0"/>
+              <a:satOff val="0"/>
+              <a:lumOff val="0"/>
+              <a:alphaOff val="0"/>
+            </a:schemeClr>
+          </a:solidFill>
+          <a:prstDash val="solid"/>
+          <a:miter lim="800000"/>
+        </a:ln>
+        <a:effectLst/>
+      </dsp:spPr>
+      <dsp:style>
+        <a:lnRef idx="2">
+          <a:scrgbClr r="0" g="0" b="0"/>
+        </a:lnRef>
+        <a:fillRef idx="1">
+          <a:scrgbClr r="0" g="0" b="0"/>
+        </a:fillRef>
+        <a:effectRef idx="0">
+          <a:scrgbClr r="0" g="0" b="0"/>
+        </a:effectRef>
+        <a:fontRef idx="minor"/>
+      </dsp:style>
+      <dsp:txBody>
+        <a:bodyPr spcFirstLastPara="0" vert="horz" wrap="square" lIns="45720" tIns="11430" rIns="22860" bIns="11430" numCol="1" spcCol="1270" anchor="ctr" anchorCtr="0">
+          <a:noAutofit/>
+        </a:bodyPr>
+        <a:lstStyle/>
+        <a:p>
+          <a:pPr lvl="0" algn="ctr" defTabSz="800100">
+            <a:lnSpc>
+              <a:spcPct val="90000"/>
+            </a:lnSpc>
+            <a:spcBef>
+              <a:spcPct val="0"/>
+            </a:spcBef>
+            <a:spcAft>
+              <a:spcPct val="35000"/>
+            </a:spcAft>
+          </a:pPr>
+          <a:r>
+            <a:rPr lang="pt-BR" sz="1800" kern="1200" noProof="0" dirty="0" smtClean="0"/>
+            <a:t>Descrição da tarefa</a:t>
+          </a:r>
+          <a:endParaRPr lang="pt-BR" sz="1800" kern="1200" noProof="0" dirty="0"/>
+        </a:p>
+      </dsp:txBody>
+      <dsp:txXfrm>
+        <a:off x="4491186" y="1147694"/>
+        <a:ext cx="1206713" cy="1514611"/>
+      </dsp:txXfrm>
+    </dsp:sp>
+    <dsp:sp modelId="{EE8733A1-7662-4D0A-B39E-2218596CC81C}">
+      <dsp:nvSpPr>
+        <dsp:cNvPr id="0" name=""/>
+        <dsp:cNvSpPr/>
+      </dsp:nvSpPr>
+      <dsp:spPr>
+        <a:xfrm>
+          <a:off x="3253531" y="1286172"/>
+          <a:ext cx="1237654" cy="1237654"/>
+        </a:xfrm>
+        <a:prstGeom prst="ellipse">
+          <a:avLst/>
+        </a:prstGeom>
+        <a:solidFill>
+          <a:schemeClr val="accent1">
+            <a:hueOff val="0"/>
+            <a:satOff val="0"/>
+            <a:lumOff val="0"/>
+            <a:alphaOff val="0"/>
+          </a:schemeClr>
+        </a:solidFill>
+        <a:ln w="12700" cap="flat" cmpd="sng" algn="ctr">
+          <a:solidFill>
+            <a:schemeClr val="lt1">
+              <a:hueOff val="0"/>
+              <a:satOff val="0"/>
+              <a:lumOff val="0"/>
+              <a:alphaOff val="0"/>
+            </a:schemeClr>
+          </a:solidFill>
+          <a:prstDash val="solid"/>
+          <a:miter lim="800000"/>
+        </a:ln>
+        <a:effectLst/>
+      </dsp:spPr>
+      <dsp:style>
+        <a:lnRef idx="2">
+          <a:scrgbClr r="0" g="0" b="0"/>
+        </a:lnRef>
+        <a:fillRef idx="1">
+          <a:scrgbClr r="0" g="0" b="0"/>
+        </a:fillRef>
+        <a:effectRef idx="0">
+          <a:scrgbClr r="0" g="0" b="0"/>
+        </a:effectRef>
+        <a:fontRef idx="minor">
+          <a:schemeClr val="lt1"/>
+        </a:fontRef>
+      </dsp:style>
+      <dsp:txBody>
+        <a:bodyPr spcFirstLastPara="0" vert="horz" wrap="square" lIns="12700" tIns="12700" rIns="12700" bIns="12700" numCol="1" spcCol="1270" anchor="ctr" anchorCtr="0">
+          <a:noAutofit/>
+        </a:bodyPr>
+        <a:lstStyle/>
+        <a:p>
+          <a:pPr lvl="0" algn="ctr" defTabSz="889000">
+            <a:lnSpc>
+              <a:spcPct val="90000"/>
+            </a:lnSpc>
+            <a:spcBef>
+              <a:spcPct val="0"/>
+            </a:spcBef>
+            <a:spcAft>
+              <a:spcPct val="35000"/>
+            </a:spcAft>
+          </a:pPr>
+          <a:r>
+            <a:rPr lang="pt-BR" sz="2000" kern="1200" noProof="0" dirty="0" smtClean="0"/>
+            <a:t>Título da etapa 2</a:t>
+          </a:r>
+          <a:endParaRPr lang="pt-BR" sz="2000" kern="1200" noProof="0" dirty="0"/>
+        </a:p>
+      </dsp:txBody>
+      <dsp:txXfrm>
+        <a:off x="3434781" y="1467422"/>
+        <a:ext cx="875154" cy="875154"/>
+      </dsp:txXfrm>
+    </dsp:sp>
+    <dsp:sp modelId="{4BF699B1-BE15-42D1-9784-AA33CF29870E}">
+      <dsp:nvSpPr>
+        <dsp:cNvPr id="0" name=""/>
+        <dsp:cNvSpPr/>
+      </dsp:nvSpPr>
+      <dsp:spPr>
+        <a:xfrm>
+          <a:off x="7121202" y="823134"/>
+          <a:ext cx="2475309" cy="2163731"/>
+        </a:xfrm>
+        <a:prstGeom prst="rightArrow">
+          <a:avLst>
+            <a:gd name="adj1" fmla="val 70000"/>
+            <a:gd name="adj2" fmla="val 50000"/>
+          </a:avLst>
+        </a:prstGeom>
+        <a:solidFill>
+          <a:schemeClr val="accent1">
+            <a:alpha val="90000"/>
+            <a:tint val="40000"/>
+            <a:hueOff val="0"/>
+            <a:satOff val="0"/>
+            <a:lumOff val="0"/>
+            <a:alphaOff val="0"/>
+          </a:schemeClr>
+        </a:solidFill>
+        <a:ln w="12700" cap="flat" cmpd="sng" algn="ctr">
+          <a:solidFill>
+            <a:schemeClr val="accent1">
+              <a:alpha val="90000"/>
+              <a:tint val="40000"/>
+              <a:hueOff val="0"/>
+              <a:satOff val="0"/>
+              <a:lumOff val="0"/>
+              <a:alphaOff val="0"/>
+            </a:schemeClr>
+          </a:solidFill>
+          <a:prstDash val="solid"/>
+          <a:miter lim="800000"/>
+        </a:ln>
+        <a:effectLst/>
+      </dsp:spPr>
+      <dsp:style>
+        <a:lnRef idx="2">
+          <a:scrgbClr r="0" g="0" b="0"/>
+        </a:lnRef>
+        <a:fillRef idx="1">
+          <a:scrgbClr r="0" g="0" b="0"/>
+        </a:fillRef>
+        <a:effectRef idx="0">
+          <a:scrgbClr r="0" g="0" b="0"/>
+        </a:effectRef>
+        <a:fontRef idx="minor"/>
+      </dsp:style>
+      <dsp:txBody>
+        <a:bodyPr spcFirstLastPara="0" vert="horz" wrap="square" lIns="45720" tIns="11430" rIns="22860" bIns="11430" numCol="1" spcCol="1270" anchor="ctr" anchorCtr="0">
+          <a:noAutofit/>
+        </a:bodyPr>
+        <a:lstStyle/>
+        <a:p>
+          <a:pPr lvl="0" algn="ctr" defTabSz="800100">
+            <a:lnSpc>
+              <a:spcPct val="90000"/>
+            </a:lnSpc>
+            <a:spcBef>
+              <a:spcPct val="0"/>
+            </a:spcBef>
+            <a:spcAft>
+              <a:spcPct val="35000"/>
+            </a:spcAft>
+          </a:pPr>
+          <a:r>
+            <a:rPr lang="pt-BR" sz="1800" kern="1200" noProof="0" dirty="0" smtClean="0"/>
+            <a:t>Descrição da tarefa</a:t>
+          </a:r>
+          <a:endParaRPr lang="pt-BR" sz="1800" kern="1200" noProof="0" dirty="0"/>
+        </a:p>
+      </dsp:txBody>
+      <dsp:txXfrm>
+        <a:off x="7740029" y="1147694"/>
+        <a:ext cx="1206713" cy="1514611"/>
+      </dsp:txXfrm>
+    </dsp:sp>
+    <dsp:sp modelId="{78E9A4E4-18A9-4B73-8007-A63A71C71937}">
+      <dsp:nvSpPr>
+        <dsp:cNvPr id="0" name=""/>
+        <dsp:cNvSpPr/>
+      </dsp:nvSpPr>
+      <dsp:spPr>
+        <a:xfrm>
+          <a:off x="6502375" y="1286172"/>
+          <a:ext cx="1237654" cy="1237654"/>
+        </a:xfrm>
+        <a:prstGeom prst="ellipse">
+          <a:avLst/>
+        </a:prstGeom>
+        <a:solidFill>
+          <a:schemeClr val="accent1">
+            <a:hueOff val="0"/>
+            <a:satOff val="0"/>
+            <a:lumOff val="0"/>
+            <a:alphaOff val="0"/>
+          </a:schemeClr>
+        </a:solidFill>
+        <a:ln w="12700" cap="flat" cmpd="sng" algn="ctr">
+          <a:solidFill>
+            <a:schemeClr val="lt1">
+              <a:hueOff val="0"/>
+              <a:satOff val="0"/>
+              <a:lumOff val="0"/>
+              <a:alphaOff val="0"/>
+            </a:schemeClr>
+          </a:solidFill>
+          <a:prstDash val="solid"/>
+          <a:miter lim="800000"/>
+        </a:ln>
+        <a:effectLst/>
+      </dsp:spPr>
+      <dsp:style>
+        <a:lnRef idx="2">
+          <a:scrgbClr r="0" g="0" b="0"/>
+        </a:lnRef>
+        <a:fillRef idx="1">
+          <a:scrgbClr r="0" g="0" b="0"/>
+        </a:fillRef>
+        <a:effectRef idx="0">
+          <a:scrgbClr r="0" g="0" b="0"/>
+        </a:effectRef>
+        <a:fontRef idx="minor">
+          <a:schemeClr val="lt1"/>
+        </a:fontRef>
+      </dsp:style>
+      <dsp:txBody>
+        <a:bodyPr spcFirstLastPara="0" vert="horz" wrap="square" lIns="12700" tIns="12700" rIns="12700" bIns="12700" numCol="1" spcCol="1270" anchor="ctr" anchorCtr="0">
+          <a:noAutofit/>
+        </a:bodyPr>
+        <a:lstStyle/>
+        <a:p>
+          <a:pPr lvl="0" algn="ctr" defTabSz="889000">
+            <a:lnSpc>
+              <a:spcPct val="90000"/>
+            </a:lnSpc>
+            <a:spcBef>
+              <a:spcPct val="0"/>
+            </a:spcBef>
+            <a:spcAft>
+              <a:spcPct val="35000"/>
+            </a:spcAft>
+          </a:pPr>
+          <a:r>
+            <a:rPr lang="pt-BR" sz="2000" kern="1200" noProof="0" dirty="0" smtClean="0"/>
+            <a:t>Título da etapa 3</a:t>
+          </a:r>
+          <a:endParaRPr lang="pt-BR" sz="2000" kern="1200" noProof="0" dirty="0"/>
+        </a:p>
+      </dsp:txBody>
+      <dsp:txXfrm>
+        <a:off x="6683625" y="1467422"/>
+        <a:ext cx="875154" cy="875154"/>
+      </dsp:txXfrm>
+    </dsp:sp>
+  </dsp:spTree>
+</dsp:drawing>
+</file>
+
+<file path=ppt/diagrams/layout1.xml><?xml version="1.0" encoding="utf-8"?>
+<dgm:layoutDef xmlns:dgm="http://schemas.openxmlformats.org/drawingml/2006/diagram" xmlns:a="http://schemas.openxmlformats.org/drawingml/2006/main" uniqueId="urn:microsoft.com/office/officeart/2005/8/layout/hProcess6">
+  <dgm:title val=""/>
+  <dgm:desc val=""/>
+  <dgm:catLst>
+    <dgm:cat type="process" pri="7000"/>
+  </dgm:catLst>
+  <dgm:sampData>
+    <dgm:dataModel>
+      <dgm:ptLst>
+        <dgm:pt modelId="0" type="doc"/>
+        <dgm:pt modelId="1">
+          <dgm:prSet phldr="1"/>
+        </dgm:pt>
+        <dgm:pt modelId="11">
+          <dgm:prSet phldr="1"/>
+        </dgm:pt>
+        <dgm:pt modelId="12">
+          <dgm:prSet phldr="1"/>
+        </dgm:pt>
+        <dgm:pt modelId="2">
+          <dgm:prSet phldr="1"/>
+        </dgm:pt>
+        <dgm:pt modelId="21">
+          <dgm:prSet phldr="1"/>
+        </dgm:pt>
+        <dgm:pt modelId="22">
+          <dgm:prSet phldr="1"/>
+        </dgm:pt>
+        <dgm:pt modelId="3">
+          <dgm:prSet phldr="1"/>
+        </dgm:pt>
+        <dgm:pt modelId="31">
+          <dgm:prSet phldr="1"/>
+        </dgm:pt>
+        <dgm:pt modelId="32">
+          <dgm:prSet phldr="1"/>
+        </dgm:pt>
+      </dgm:ptLst>
+      <dgm:cxnLst>
+        <dgm:cxn modelId="4" srcId="0" destId="1" srcOrd="0" destOrd="0"/>
+        <dgm:cxn modelId="5" srcId="0" destId="2" srcOrd="1" destOrd="0"/>
+        <dgm:cxn modelId="13" srcId="1" destId="11" srcOrd="0" destOrd="0"/>
+        <dgm:cxn modelId="14" srcId="1" destId="12" srcOrd="0" destOrd="0"/>
+        <dgm:cxn modelId="23" srcId="2" destId="21" srcOrd="0" destOrd="0"/>
+        <dgm:cxn modelId="24" srcId="2" destId="22" srcOrd="0" destOrd="0"/>
+        <dgm:cxn modelId="33" srcId="3" destId="31" srcOrd="0" destOrd="0"/>
+        <dgm:cxn modelId="34" srcId="3" destId="32" srcOrd="0" destOrd="0"/>
+      </dgm:cxnLst>
+      <dgm:bg/>
+      <dgm:whole/>
+    </dgm:dataModel>
+  </dgm:sampData>
+  <dgm:styleData>
+    <dgm:dataModel>
+      <dgm:ptLst>
+        <dgm:pt modelId="0" type="doc"/>
+        <dgm:pt modelId="1"/>
+        <dgm:pt modelId="11"/>
+        <dgm:pt modelId="2"/>
+        <dgm:pt modelId="21"/>
+      </dgm:ptLst>
+      <dgm:cxnLst>
+        <dgm:cxn modelId="4" srcId="0" destId="1" srcOrd="0" destOrd="0"/>
+        <dgm:cxn modelId="5" srcId="0" destId="2" srcOrd="1" destOrd="0"/>
+        <dgm:cxn modelId="13" srcId="1" destId="11" srcOrd="0" destOrd="0"/>
+        <dgm:cxn modelId="23" srcId="2" destId="21" srcOrd="0" destOrd="0"/>
+      </dgm:cxnLst>
+      <dgm:bg/>
+      <dgm:whole/>
+    </dgm:dataModel>
+  </dgm:styleData>
+  <dgm:clrData>
+    <dgm:dataModel>
+      <dgm:ptLst>
+        <dgm:pt modelId="0" type="doc"/>
+        <dgm:pt modelId="1"/>
+        <dgm:pt modelId="11"/>
+        <dgm:pt modelId="2"/>
+        <dgm:pt modelId="21"/>
+        <dgm:pt modelId="3"/>
+        <dgm:pt modelId="31"/>
+        <dgm:pt modelId="4"/>
+        <dgm:pt modelId="41"/>
+      </dgm:ptLst>
+      <dgm:cxnLst>
+        <dgm:cxn modelId="5" srcId="0" destId="1" srcOrd="0" destOrd="0"/>
+        <dgm:cxn modelId="6" srcId="0" destId="2" srcOrd="1" destOrd="0"/>
+        <dgm:cxn modelId="7" srcId="0" destId="3" srcOrd="2" destOrd="0"/>
+        <dgm:cxn modelId="8" srcId="0" destId="4" srcOrd="3" destOrd="0"/>
+        <dgm:cxn modelId="13" srcId="1" destId="11" srcOrd="0" destOrd="0"/>
+        <dgm:cxn modelId="23" srcId="2" destId="21" srcOrd="0" destOrd="0"/>
+        <dgm:cxn modelId="33" srcId="3" destId="31" srcOrd="0" destOrd="0"/>
+        <dgm:cxn modelId="43" srcId="4" destId="41" srcOrd="0" destOrd="0"/>
+      </dgm:cxnLst>
+      <dgm:bg/>
+      <dgm:whole/>
+    </dgm:dataModel>
+  </dgm:clrData>
+  <dgm:layoutNode name="theList">
+    <dgm:varLst>
+      <dgm:dir/>
+      <dgm:animLvl val="lvl"/>
+      <dgm:resizeHandles val="exact"/>
+    </dgm:varLst>
+    <dgm:choose name="Name0">
+      <dgm:if name="Name1" func="var" arg="dir" op="equ" val="norm">
+        <dgm:alg type="lin">
+          <dgm:param type="linDir" val="fromL"/>
+          <dgm:param type="nodeHorzAlign" val="l"/>
+        </dgm:alg>
+      </dgm:if>
+      <dgm:else name="Name2">
+        <dgm:alg type="lin">
+          <dgm:param type="linDir" val="fromR"/>
+          <dgm:param type="nodeHorzAlign" val="r"/>
+        </dgm:alg>
+      </dgm:else>
+    </dgm:choose>
+    <dgm:shape xmlns:r="http://schemas.openxmlformats.org/officeDocument/2006/relationships" r:blip="">
+      <dgm:adjLst/>
+    </dgm:shape>
+    <dgm:presOf/>
+    <dgm:constrLst>
+      <dgm:constr type="w" for="ch" forName="compNode" refType="w"/>
+      <dgm:constr type="h" for="ch" forName="compNode" refType="w" refFor="ch" refForName="compNode" fact="0.7"/>
+      <dgm:constr type="ctrY" for="ch" forName="compNode" refType="h" fact="0.5"/>
+      <dgm:constr type="w" for="ch" forName="aSpace" refType="w" fact="0.05"/>
+      <dgm:constr type="primFontSz" for="des" forName="childTextHidden" op="equ" val="65"/>
+      <dgm:constr type="primFontSz" for="des" forName="parentText" op="equ"/>
+    </dgm:constrLst>
+    <dgm:ruleLst/>
+    <dgm:forEach name="aNodeForEach" axis="ch" ptType="node">
+      <dgm:layoutNode name="compNode">
+        <dgm:alg type="composite">
+          <dgm:param type="ar" val="1.43"/>
+        </dgm:alg>
+        <dgm:shape xmlns:r="http://schemas.openxmlformats.org/officeDocument/2006/relationships" r:blip="">
+          <dgm:adjLst/>
+        </dgm:shape>
+        <dgm:presOf/>
+        <dgm:choose name="Name3">
+          <dgm:if name="Name4" func="var" arg="dir" op="equ" val="norm">
+            <dgm:constrLst>
+              <dgm:constr type="w" for="ch" forName="childTextVisible" refType="w" fact="0.8"/>
+              <dgm:constr type="h" for="ch" forName="childTextVisible" refType="h"/>
+              <dgm:constr type="r" for="ch" forName="childTextVisible" refType="w"/>
+              <dgm:constr type="w" for="ch" forName="childTextHidden" refType="w" fact="0.6"/>
+              <dgm:constr type="h" for="ch" forName="childTextHidden" refType="h"/>
+              <dgm:constr type="r" for="ch" forName="childTextHidden" refType="w"/>
+              <dgm:constr type="l" for="ch" forName="parentText"/>
+              <dgm:constr type="w" for="ch" forName="parentText" refType="w" fact="0.4"/>
+              <dgm:constr type="h" for="ch" forName="parentText" refType="w" refFor="ch" refForName="parentText" op="equ"/>
+              <dgm:constr type="ctrY" for="ch" forName="parentText" refType="h" fact="0.5"/>
+            </dgm:constrLst>
+          </dgm:if>
+          <dgm:else name="Name5">
+            <dgm:constrLst>
+              <dgm:constr type="w" for="ch" forName="childTextVisible" refType="w" fact="0.8"/>
+              <dgm:constr type="h" for="ch" forName="childTextVisible" refType="h"/>
+              <dgm:constr type="l" for="ch" forName="childTextVisible"/>
+              <dgm:constr type="w" for="ch" forName="childTextHidden" refType="w" fact="0.6"/>
+              <dgm:constr type="h" for="ch" forName="childTextHidden" refType="h"/>
+              <dgm:constr type="l" for="ch" forName="childTextHidden"/>
+              <dgm:constr type="r" for="ch" forName="parentText" refType="w"/>
+              <dgm:constr type="w" for="ch" forName="parentText" refType="w" fact="0.4"/>
+              <dgm:constr type="h" for="ch" forName="parentText" refType="w" refFor="ch" refForName="parentText" op="equ"/>
+              <dgm:constr type="ctrY" for="ch" forName="parentText" refType="h" fact="0.5"/>
+            </dgm:constrLst>
+          </dgm:else>
+        </dgm:choose>
+        <dgm:ruleLst/>
+        <dgm:layoutNode name="noGeometry">
+          <dgm:alg type="sp"/>
+          <dgm:shape xmlns:r="http://schemas.openxmlformats.org/officeDocument/2006/relationships" r:blip="">
+            <dgm:adjLst/>
+          </dgm:shape>
+          <dgm:presOf/>
+          <dgm:constrLst/>
+          <dgm:ruleLst/>
+        </dgm:layoutNode>
+        <dgm:layoutNode name="childTextVisible" styleLbl="bgAccFollowNode1">
+          <dgm:varLst>
+            <dgm:bulletEnabled val="1"/>
+          </dgm:varLst>
+          <dgm:alg type="sp"/>
+          <dgm:choose name="Name6">
+            <dgm:if name="Name7" func="var" arg="dir" op="equ" val="norm">
+              <dgm:shape xmlns:r="http://schemas.openxmlformats.org/officeDocument/2006/relationships" type="rightArrow" r:blip="">
+                <dgm:adjLst>
+                  <dgm:adj idx="1" val="0.7"/>
+                  <dgm:adj idx="2" val="0.5"/>
+                </dgm:adjLst>
+              </dgm:shape>
+            </dgm:if>
+            <dgm:else name="Name8">
+              <dgm:shape xmlns:r="http://schemas.openxmlformats.org/officeDocument/2006/relationships" type="leftArrow" r:blip="">
+                <dgm:adjLst>
+                  <dgm:adj idx="1" val="0.7"/>
+                  <dgm:adj idx="2" val="0.5"/>
+                </dgm:adjLst>
+              </dgm:shape>
+            </dgm:else>
+          </dgm:choose>
+          <dgm:presOf axis="des" ptType="node"/>
+          <dgm:constrLst/>
+          <dgm:ruleLst/>
+        </dgm:layoutNode>
+        <dgm:layoutNode name="childTextHidden" styleLbl="bgAccFollowNode1">
+          <dgm:choose name="Name9">
+            <dgm:if name="Name10" axis="des followSib" ptType="node node" st="1 1" cnt="1 0" func="cnt" op="gte" val="1">
+              <dgm:alg type="tx">
+                <dgm:param type="stBulletLvl" val="1"/>
+                <dgm:param type="txAnchorVertCh" val="mid"/>
+              </dgm:alg>
+            </dgm:if>
+            <dgm:else name="Name11">
+              <dgm:alg type="tx">
+                <dgm:param type="stBulletLvl" val="2"/>
+                <dgm:param type="txAnchorVertCh" val="mid"/>
+              </dgm:alg>
+            </dgm:else>
+          </dgm:choose>
+          <dgm:choose name="Name12">
+            <dgm:if name="Name13" func="var" arg="dir" op="equ" val="norm">
+              <dgm:shape xmlns:r="http://schemas.openxmlformats.org/officeDocument/2006/relationships" type="rightArrow" r:blip="" hideGeom="1">
+                <dgm:adjLst>
+                  <dgm:adj idx="1" val="0.7"/>
+                  <dgm:adj idx="2" val="0.5"/>
+                </dgm:adjLst>
+              </dgm:shape>
+            </dgm:if>
+            <dgm:else name="Name14">
+              <dgm:shape xmlns:r="http://schemas.openxmlformats.org/officeDocument/2006/relationships" type="leftArrow" r:blip="" hideGeom="1">
+                <dgm:adjLst>
+                  <dgm:adj idx="1" val="0.7"/>
+                  <dgm:adj idx="2" val="0.5"/>
+                </dgm:adjLst>
+              </dgm:shape>
+            </dgm:else>
+          </dgm:choose>
+          <dgm:presOf axis="des" ptType="node"/>
+          <dgm:constrLst>
+            <dgm:constr type="secFontSz" refType="primFontSz"/>
+            <dgm:constr type="tMarg" refType="primFontSz" fact="0.05"/>
+            <dgm:constr type="bMarg" refType="primFontSz" fact="0.05"/>
+            <dgm:constr type="rMarg" refType="primFontSz" fact="0.1"/>
+            <dgm:constr type="lMarg" refType="primFontSz" fact="0.2"/>
+          </dgm:constrLst>
+          <dgm:ruleLst>
+            <dgm:rule type="primFontSz" val="5" fact="NaN" max="NaN"/>
+          </dgm:ruleLst>
+        </dgm:layoutNode>
+        <dgm:layoutNode name="parentText" styleLbl="node1">
+          <dgm:varLst>
+            <dgm:chMax val="1"/>
+            <dgm:bulletEnabled val="1"/>
+          </dgm:varLst>
+          <dgm:alg type="tx"/>
+          <dgm:shape xmlns:r="http://schemas.openxmlformats.org/officeDocument/2006/relationships" type="ellipse" r:blip="">
+            <dgm:adjLst/>
+          </dgm:shape>
+          <dgm:presOf axis="self"/>
+          <dgm:constrLst>
+            <dgm:constr type="primFontSz" val="65"/>
+            <dgm:constr type="tMarg" refType="primFontSz" fact="0.05"/>
+            <dgm:constr type="bMarg" refType="primFontSz" fact="0.05"/>
+            <dgm:constr type="lMarg" refType="primFontSz" fact="0.05"/>
+            <dgm:constr type="rMarg" refType="primFontSz" fact="0.05"/>
+          </dgm:constrLst>
+          <dgm:ruleLst>
+            <dgm:rule type="primFontSz" val="5" fact="NaN" max="NaN"/>
+          </dgm:ruleLst>
+        </dgm:layoutNode>
+      </dgm:layoutNode>
+      <dgm:choose name="Name15">
+        <dgm:if name="Name16" axis="self" ptType="node" func="revPos" op="gte" val="2">
+          <dgm:layoutNode name="aSpace">
+            <dgm:alg type="sp"/>
+            <dgm:shape xmlns:r="http://schemas.openxmlformats.org/officeDocument/2006/relationships" r:blip="">
+              <dgm:adjLst/>
+            </dgm:shape>
+            <dgm:presOf/>
+            <dgm:constrLst/>
+            <dgm:ruleLst/>
+          </dgm:layoutNode>
+        </dgm:if>
+        <dgm:else name="Name17"/>
+      </dgm:choose>
+    </dgm:forEach>
+  </dgm:layoutNode>
+</dgm:layoutDef>
+</file>
+
+<file path=ppt/diagrams/quickStyle1.xml><?xml version="1.0" encoding="utf-8"?>
+<dgm:styleDef xmlns:dgm="http://schemas.openxmlformats.org/drawingml/2006/diagram" xmlns:a="http://schemas.openxmlformats.org/drawingml/2006/main" uniqueId="urn:microsoft.com/office/officeart/2005/8/quickstyle/simple1">
+  <dgm:title val=""/>
+  <dgm:desc val=""/>
+  <dgm:catLst>
+    <dgm:cat type="simple" pri="10100"/>
+  </dgm:catLst>
+  <dgm:scene3d>
+    <a:camera prst="orthographicFront"/>
+    <a:lightRig rig="threePt" dir="t"/>
+  </dgm:scene3d>
+  <dgm:styleLbl name="node0">
+    <dgm:scene3d>
+      <a:camera prst="orthographicFront"/>
+      <a:lightRig rig="threePt" dir="t"/>
+    </dgm:scene3d>
+    <dgm:sp3d/>
+    <dgm:txPr/>
+    <dgm:style>
+      <a:lnRef idx="2">
+        <a:scrgbClr r="0" g="0" b="0"/>
+      </a:lnRef>
+      <a:fillRef idx="1">
+        <a:scrgbClr r="0" g="0" b="0"/>
+      </a:fillRef>
+      <a:effectRef idx="0">
+        <a:scrgbClr r="0" g="0" b="0"/>
+      </a:effectRef>
+      <a:fontRef idx="minor">
+        <a:schemeClr val="lt1"/>
+      </a:fontRef>
+    </dgm:style>
+  </dgm:styleLbl>
+  <dgm:styleLbl name="lnNode1">
+    <dgm:scene3d>
+      <a:camera prst="orthographicFront"/>
+      <a:lightRig rig="threePt" dir="t"/>
+    </dgm:scene3d>
+    <dgm:sp3d/>
+    <dgm:txPr/>
+    <dgm:style>
+      <a:lnRef idx="2">
+        <a:scrgbClr r="0" g="0" b="0"/>
+      </a:lnRef>
+      <a:fillRef idx="1">
+        <a:scrgbClr r="0" g="0" b="0"/>
+      </a:fillRef>
+      <a:effectRef idx="0">
+        <a:scrgbClr r="0" g="0" b="0"/>
+      </a:effectRef>
+      <a:fontRef idx="minor">
+        <a:schemeClr val="lt1"/>
+      </a:fontRef>
+    </dgm:style>
+  </dgm:styleLbl>
+  <dgm:styleLbl name="vennNode1">
+    <dgm:scene3d>
+      <a:camera prst="orthographicFront"/>
+      <a:lightRig rig="threePt" dir="t"/>
+    </dgm:scene3d>
+    <dgm:sp3d/>
+    <dgm:txPr/>
+    <dgm:style>
+      <a:lnRef idx="2">
+        <a:scrgbClr r="0" g="0" b="0"/>
+      </a:lnRef>
+      <a:fillRef idx="1">
+        <a:scrgbClr r="0" g="0" b="0"/>
+      </a:fillRef>
+      <a:effectRef idx="0">
+        <a:scrgbClr r="0" g="0" b="0"/>
+      </a:effectRef>
+      <a:fontRef idx="minor">
+        <a:schemeClr val="tx1"/>
+      </a:fontRef>
+    </dgm:style>
+  </dgm:styleLbl>
+  <dgm:styleLbl name="alignNode1">
+    <dgm:scene3d>
+      <a:camera prst="orthographicFront"/>
+      <a:lightRig rig="threePt" dir="t"/>
+    </dgm:scene3d>
+    <dgm:sp3d/>
+    <dgm:txPr/>
+    <dgm:style>
+      <a:lnRef idx="2">
+        <a:scrgbClr r="0" g="0" b="0"/>
+      </a:lnRef>
+      <a:fillRef idx="1">
+        <a:scrgbClr r="0" g="0" b="0"/>
+      </a:fillRef>
+      <a:effectRef idx="0">
+        <a:scrgbClr r="0" g="0" b="0"/>
+      </a:effectRef>
+      <a:fontRef idx="minor">
+        <a:schemeClr val="lt1"/>
+      </a:fontRef>
+    </dgm:style>
+  </dgm:styleLbl>
+  <dgm:styleLbl name="node1">
+    <dgm:scene3d>
+      <a:camera prst="orthographicFront"/>
+      <a:lightRig rig="threePt" dir="t"/>
+    </dgm:scene3d>
+    <dgm:sp3d/>
+    <dgm:txPr/>
+    <dgm:style>
+      <a:lnRef idx="2">
+        <a:scrgbClr r="0" g="0" b="0"/>
+      </a:lnRef>
+      <a:fillRef idx="1">
+        <a:scrgbClr r="0" g="0" b="0"/>
+      </a:fillRef>
+      <a:effectRef idx="0">
+        <a:scrgbClr r="0" g="0" b="0"/>
+      </a:effectRef>
+      <a:fontRef idx="minor">
+        <a:schemeClr val="lt1"/>
+      </a:fontRef>
+    </dgm:style>
+  </dgm:styleLbl>
+  <dgm:styleLbl name="node2">
+    <dgm:scene3d>
+      <a:camera prst="orthographicFront"/>
+      <a:lightRig rig="threePt" dir="t"/>
+    </dgm:scene3d>
+    <dgm:sp3d/>
+    <dgm:txPr/>
+    <dgm:style>
+      <a:lnRef idx="2">
+        <a:scrgbClr r="0" g="0" b="0"/>
+      </a:lnRef>
+      <a:fillRef idx="1">
+        <a:scrgbClr r="0" g="0" b="0"/>
+      </a:fillRef>
+      <a:effectRef idx="0">
+        <a:scrgbClr r="0" g="0" b="0"/>
+      </a:effectRef>
+      <a:fontRef idx="minor">
+        <a:schemeClr val="lt1"/>
+      </a:fontRef>
+    </dgm:style>
+  </dgm:styleLbl>
+  <dgm:styleLbl name="node3">
+    <dgm:scene3d>
+      <a:camera prst="orthographicFront"/>
+      <a:lightRig rig="threePt" dir="t"/>
+    </dgm:scene3d>
+    <dgm:sp3d/>
+    <dgm:txPr/>
+    <dgm:style>
+      <a:lnRef idx="2">
+        <a:scrgbClr r="0" g="0" b="0"/>
+      </a:lnRef>
+      <a:fillRef idx="1">
+        <a:scrgbClr r="0" g="0" b="0"/>
+      </a:fillRef>
+      <a:effectRef idx="0">
+        <a:scrgbClr r="0" g="0" b="0"/>
+      </a:effectRef>
+      <a:fontRef idx="minor">
+        <a:schemeClr val="lt1"/>
+      </a:fontRef>
+    </dgm:style>
+  </dgm:styleLbl>
+  <dgm:styleLbl name="node4">
+    <dgm:scene3d>
+      <a:camera prst="orthographicFront"/>
+      <a:lightRig rig="threePt" dir="t"/>
+    </dgm:scene3d>
+    <dgm:sp3d/>
+    <dgm:txPr/>
+    <dgm:style>
+      <a:lnRef idx="2">
+        <a:scrgbClr r="0" g="0" b="0"/>
+      </a:lnRef>
+      <a:fillRef idx="1">
+        <a:scrgbClr r="0" g="0" b="0"/>
+      </a:fillRef>
+      <a:effectRef idx="0">
+        <a:scrgbClr r="0" g="0" b="0"/>
+      </a:effectRef>
+      <a:fontRef idx="minor">
+        <a:schemeClr val="lt1"/>
+      </a:fontRef>
+    </dgm:style>
+  </dgm:styleLbl>
+  <dgm:styleLbl name="fgImgPlace1">
+    <dgm:scene3d>
+      <a:camera prst="orthographicFront"/>
+      <a:lightRig rig="threePt" dir="t"/>
+    </dgm:scene3d>
+    <dgm:sp3d/>
+    <dgm:txPr/>
+    <dgm:style>
+      <a:lnRef idx="2">
+        <a:scrgbClr r="0" g="0" b="0"/>
+      </a:lnRef>
+      <a:fillRef idx="1">
+        <a:scrgbClr r="0" g="0" b="0"/>
+      </a:fillRef>
+      <a:effectRef idx="0">
+        <a:scrgbClr r="0" g="0" b="0"/>
+      </a:effectRef>
+      <a:fontRef idx="minor"/>
+    </dgm:style>
+  </dgm:styleLbl>
+  <dgm:styleLbl name="alignImgPlace1">
+    <dgm:scene3d>
+      <a:camera prst="orthographicFront"/>
+      <a:lightRig rig="threePt" dir="t"/>
+    </dgm:scene3d>
+    <dgm:sp3d/>
+    <dgm:txPr/>
+    <dgm:style>
+      <a:lnRef idx="2">
+        <a:scrgbClr r="0" g="0" b="0"/>
+      </a:lnRef>
+      <a:fillRef idx="1">
+        <a:scrgbClr r="0" g="0" b="0"/>
+      </a:fillRef>
+      <a:effectRef idx="0">
+        <a:scrgbClr r="0" g="0" b="0"/>
+      </a:effectRef>
+      <a:fontRef idx="minor"/>
+    </dgm:style>
+  </dgm:styleLbl>
+  <dgm:styleLbl name="bgImgPlace1">
+    <dgm:scene3d>
+      <a:camera prst="orthographicFront"/>
+      <a:lightRig rig="threePt" dir="t"/>
+    </dgm:scene3d>
+    <dgm:sp3d/>
+    <dgm:txPr/>
+    <dgm:style>
+      <a:lnRef idx="2">
+        <a:scrgbClr r="0" g="0" b="0"/>
+      </a:lnRef>
+      <a:fillRef idx="1">
+        <a:scrgbClr r="0" g="0" b="0"/>
+      </a:fillRef>
+      <a:effectRef idx="0">
+        <a:scrgbClr r="0" g="0" b="0"/>
+      </a:effectRef>
+      <a:fontRef idx="minor"/>
+    </dgm:style>
+  </dgm:styleLbl>
+  <dgm:styleLbl name="sibTrans2D1">
+    <dgm:scene3d>
+      <a:camera prst="orthographicFront"/>
+      <a:lightRig rig="threePt" dir="t"/>
+    </dgm:scene3d>
+    <dgm:sp3d/>
+    <dgm:txPr/>
+    <dgm:style>
+      <a:lnRef idx="0">
+        <a:scrgbClr r="0" g="0" b="0"/>
+      </a:lnRef>
+      <a:fillRef idx="1">
+        <a:scrgbClr r="0" g="0" b="0"/>
+      </a:fillRef>
+      <a:effectRef idx="0">
+        <a:scrgbClr r="0" g="0" b="0"/>
+      </a:effectRef>
+      <a:fontRef idx="minor">
+        <a:schemeClr val="lt1"/>
+      </a:fontRef>
+    </dgm:style>
+  </dgm:styleLbl>
+  <dgm:styleLbl name="fgSibTrans2D1">
+    <dgm:scene3d>
+      <a:camera prst="orthographicFront"/>
+      <a:lightRig rig="threePt" dir="t"/>
+    </dgm:scene3d>
+    <dgm:sp3d/>
+    <dgm:txPr/>
+    <dgm:style>
+      <a:lnRef idx="0">
+        <a:scrgbClr r="0" g="0" b="0"/>
+      </a:lnRef>
+      <a:fillRef idx="1">
+        <a:scrgbClr r="0" g="0" b="0"/>
+      </a:fillRef>
+      <a:effectRef idx="0">
+        <a:scrgbClr r="0" g="0" b="0"/>
+      </a:effectRef>
+      <a:fontRef idx="minor">
+        <a:schemeClr val="lt1"/>
+      </a:fontRef>
+    </dgm:style>
+  </dgm:styleLbl>
+  <dgm:styleLbl name="bgSibTrans2D1">
+    <dgm:scene3d>
+      <a:camera prst="orthographicFront"/>
+      <a:lightRig rig="threePt" dir="t"/>
+    </dgm:scene3d>
+    <dgm:sp3d/>
+    <dgm:txPr/>
+    <dgm:style>
+      <a:lnRef idx="0">
+        <a:scrgbClr r="0" g="0" b="0"/>
+      </a:lnRef>
+      <a:fillRef idx="1">
+        <a:scrgbClr r="0" g="0" b="0"/>
+      </a:fillRef>
+      <a:effectRef idx="0">
+        <a:scrgbClr r="0" g="0" b="0"/>
+      </a:effectRef>
+      <a:fontRef idx="minor">
+        <a:schemeClr val="lt1"/>
+      </a:fontRef>
+    </dgm:style>
+  </dgm:styleLbl>
+  <dgm:styleLbl name="sibTrans1D1">
+    <dgm:scene3d>
+      <a:camera prst="orthographicFront"/>
+      <a:lightRig rig="threePt" dir="t"/>
+    </dgm:scene3d>
+    <dgm:sp3d/>
+    <dgm:txPr/>
+    <dgm:style>
+      <a:lnRef idx="1">
+        <a:scrgbClr r="0" g="0" b="0"/>
+      </a:lnRef>
+      <a:fillRef idx="0">
+        <a:scrgbClr r="0" g="0" b="0"/>
+      </a:fillRef>
+      <a:effectRef idx="0">
+        <a:scrgbClr r="0" g="0" b="0"/>
+      </a:effectRef>
+      <a:fontRef idx="minor"/>
+    </dgm:style>
+  </dgm:styleLbl>
+  <dgm:styleLbl name="callout">
+    <dgm:scene3d>
+      <a:camera prst="orthographicFront"/>
+      <a:lightRig rig="threePt" dir="t"/>
+    </dgm:scene3d>
+    <dgm:sp3d/>
+    <dgm:txPr/>
+    <dgm:style>
+      <a:lnRef idx="2">
+        <a:scrgbClr r="0" g="0" b="0"/>
+      </a:lnRef>
+      <a:fillRef idx="1">
+        <a:scrgbClr r="0" g="0" b="0"/>
+      </a:fillRef>
+      <a:effectRef idx="0">
+        <a:scrgbClr r="0" g="0" b="0"/>
+      </a:effectRef>
+      <a:fontRef idx="minor"/>
+    </dgm:style>
+  </dgm:styleLbl>
+  <dgm:styleLbl name="asst0">
+    <dgm:scene3d>
+      <a:camera prst="orthographicFront"/>
+      <a:lightRig rig="threePt" dir="t"/>
+    </dgm:scene3d>
+    <dgm:sp3d/>
+    <dgm:txPr/>
+    <dgm:style>
+      <a:lnRef idx="2">
+        <a:scrgbClr r="0" g="0" b="0"/>
+      </a:lnRef>
+      <a:fillRef idx="1">
+        <a:scrgbClr r="0" g="0" b="0"/>
+      </a:fillRef>
+      <a:effectRef idx="0">
+        <a:scrgbClr r="0" g="0" b="0"/>
+      </a:effectRef>
+      <a:fontRef idx="minor">
+        <a:schemeClr val="lt1"/>
+      </a:fontRef>
+    </dgm:style>
+  </dgm:styleLbl>
+  <dgm:styleLbl name="asst1">
+    <dgm:scene3d>
+      <a:camera prst="orthographicFront"/>
+      <a:lightRig rig="threePt" dir="t"/>
+    </dgm:scene3d>
+    <dgm:sp3d/>
+    <dgm:txPr/>
+    <dgm:style>
+      <a:lnRef idx="2">
+        <a:scrgbClr r="0" g="0" b="0"/>
+      </a:lnRef>
+      <a:fillRef idx="1">
+        <a:scrgbClr r="0" g="0" b="0"/>
+      </a:fillRef>
+      <a:effectRef idx="0">
+        <a:scrgbClr r="0" g="0" b="0"/>
+      </a:effectRef>
+      <a:fontRef idx="minor">
+        <a:schemeClr val="lt1"/>
+      </a:fontRef>
+    </dgm:style>
+  </dgm:styleLbl>
+  <dgm:styleLbl name="asst2">
+    <dgm:scene3d>
+      <a:camera prst="orthographicFront"/>
+      <a:lightRig rig="threePt" dir="t"/>
+    </dgm:scene3d>
+    <dgm:sp3d/>
+    <dgm:txPr/>
+    <dgm:style>
+      <a:lnRef idx="2">
+        <a:scrgbClr r="0" g="0" b="0"/>
+      </a:lnRef>
+      <a:fillRef idx="1">
+        <a:scrgbClr r="0" g="0" b="0"/>
+      </a:fillRef>
+      <a:effectRef idx="0">
+        <a:scrgbClr r="0" g="0" b="0"/>
+      </a:effectRef>
+      <a:fontRef idx="minor">
+        <a:schemeClr val="lt1"/>
+      </a:fontRef>
+    </dgm:style>
+  </dgm:styleLbl>
+  <dgm:styleLbl name="asst3">
+    <dgm:scene3d>
+      <a:camera prst="orthographicFront"/>
+      <a:lightRig rig="threePt" dir="t"/>
+    </dgm:scene3d>
+    <dgm:sp3d/>
+    <dgm:txPr/>
+    <dgm:style>
+      <a:lnRef idx="2">
+        <a:scrgbClr r="0" g="0" b="0"/>
+      </a:lnRef>
+      <a:fillRef idx="1">
+        <a:scrgbClr r="0" g="0" b="0"/>
+      </a:fillRef>
+      <a:effectRef idx="0">
+        <a:scrgbClr r="0" g="0" b="0"/>
+      </a:effectRef>
+      <a:fontRef idx="minor">
+        <a:schemeClr val="lt1"/>
+      </a:fontRef>
+    </dgm:style>
+  </dgm:styleLbl>
+  <dgm:styleLbl name="asst4">
+    <dgm:scene3d>
+      <a:camera prst="orthographicFront"/>
+      <a:lightRig rig="threePt" dir="t"/>
+    </dgm:scene3d>
+    <dgm:sp3d/>
+    <dgm:txPr/>
+    <dgm:style>
+      <a:lnRef idx="2">
+        <a:scrgbClr r="0" g="0" b="0"/>
+      </a:lnRef>
+      <a:fillRef idx="1">
+        <a:scrgbClr r="0" g="0" b="0"/>
+      </a:fillRef>
+      <a:effectRef idx="0">
+        <a:scrgbClr r="0" g="0" b="0"/>
+      </a:effectRef>
+      <a:fontRef idx="minor">
+        <a:schemeClr val="lt1"/>
+      </a:fontRef>
+    </dgm:style>
+  </dgm:styleLbl>
+  <dgm:styleLbl name="parChTrans2D1">
+    <dgm:scene3d>
+      <a:camera prst="orthographicFront"/>
+      <a:lightRig rig="threePt" dir="t"/>
+    </dgm:scene3d>
+    <dgm:sp3d/>
+    <dgm:txPr/>
+    <dgm:style>
+      <a:lnRef idx="2">
+        <a:scrgbClr r="0" g="0" b="0"/>
+      </a:lnRef>
+      <a:fillRef idx="1">
+        <a:scrgbClr r="0" g="0" b="0"/>
+      </a:fillRef>
+      <a:effectRef idx="0">
+        <a:scrgbClr r="0" g="0" b="0"/>
+      </a:effectRef>
+      <a:fontRef idx="minor">
+        <a:schemeClr val="lt1"/>
+      </a:fontRef>
+    </dgm:style>
+  </dgm:styleLbl>
+  <dgm:styleLbl name="parChTrans2D2">
+    <dgm:scene3d>
+      <a:camera prst="orthographicFront"/>
+      <a:lightRig rig="threePt" dir="t"/>
+    </dgm:scene3d>
+    <dgm:sp3d/>
+    <dgm:txPr/>
+    <dgm:style>
+      <a:lnRef idx="2">
+        <a:scrgbClr r="0" g="0" b="0"/>
+      </a:lnRef>
+      <a:fillRef idx="1">
+        <a:scrgbClr r="0" g="0" b="0"/>
+      </a:fillRef>
+      <a:effectRef idx="0">
+        <a:scrgbClr r="0" g="0" b="0"/>
+      </a:effectRef>
+      <a:fontRef idx="minor">
+        <a:schemeClr val="lt1"/>
+      </a:fontRef>
+    </dgm:style>
+  </dgm:styleLbl>
+  <dgm:styleLbl name="parChTrans2D3">
+    <dgm:scene3d>
+      <a:camera prst="orthographicFront"/>
+      <a:lightRig rig="threePt" dir="t"/>
+    </dgm:scene3d>
+    <dgm:sp3d/>
+    <dgm:txPr/>
+    <dgm:style>
+      <a:lnRef idx="2">
+        <a:scrgbClr r="0" g="0" b="0"/>
+      </a:lnRef>
+      <a:fillRef idx="1">
+        <a:scrgbClr r="0" g="0" b="0"/>
+      </a:fillRef>
+      <a:effectRef idx="0">
+        <a:scrgbClr r="0" g="0" b="0"/>
+      </a:effectRef>
+      <a:fontRef idx="minor">
+        <a:schemeClr val="lt1"/>
+      </a:fontRef>
+    </dgm:style>
+  </dgm:styleLbl>
+  <dgm:styleLbl name="parChTrans2D4">
+    <dgm:scene3d>
+      <a:camera prst="orthographicFront"/>
+      <a:lightRig rig="threePt" dir="t"/>
+    </dgm:scene3d>
+    <dgm:sp3d/>
+    <dgm:txPr/>
+    <dgm:style>
+      <a:lnRef idx="2">
+        <a:scrgbClr r="0" g="0" b="0"/>
+      </a:lnRef>
+      <a:fillRef idx="1">
+        <a:scrgbClr r="0" g="0" b="0"/>
+      </a:fillRef>
+      <a:effectRef idx="0">
+        <a:scrgbClr r="0" g="0" b="0"/>
+      </a:effectRef>
+      <a:fontRef idx="minor">
+        <a:schemeClr val="lt1"/>
+      </a:fontRef>
+    </dgm:style>
+  </dgm:styleLbl>
+  <dgm:styleLbl name="parChTrans1D1">
+    <dgm:scene3d>
+      <a:camera prst="orthographicFront"/>
+      <a:lightRig rig="threePt" dir="t"/>
+    </dgm:scene3d>
+    <dgm:sp3d/>
+    <dgm:txPr/>
+    <dgm:style>
+      <a:lnRef idx="2">
+        <a:scrgbClr r="0" g="0" b="0"/>
+      </a:lnRef>
+      <a:fillRef idx="0">
+        <a:scrgbClr r="0" g="0" b="0"/>
+      </a:fillRef>
+      <a:effectRef idx="0">
+        <a:scrgbClr r="0" g="0" b="0"/>
+      </a:effectRef>
+      <a:fontRef idx="minor"/>
+    </dgm:style>
+  </dgm:styleLbl>
+  <dgm:styleLbl name="parChTrans1D2">
+    <dgm:scene3d>
+      <a:camera prst="orthographicFront"/>
+      <a:lightRig rig="threePt" dir="t"/>
+    </dgm:scene3d>
+    <dgm:sp3d/>
+    <dgm:txPr/>
+    <dgm:style>
+      <a:lnRef idx="2">
+        <a:scrgbClr r="0" g="0" b="0"/>
+      </a:lnRef>
+      <a:fillRef idx="0">
+        <a:scrgbClr r="0" g="0" b="0"/>
+      </a:fillRef>
+      <a:effectRef idx="0">
+        <a:scrgbClr r="0" g="0" b="0"/>
+      </a:effectRef>
+      <a:fontRef idx="minor"/>
+    </dgm:style>
+  </dgm:styleLbl>
+  <dgm:styleLbl name="parChTrans1D3">
+    <dgm:scene3d>
+      <a:camera prst="orthographicFront"/>
+      <a:lightRig rig="threePt" dir="t"/>
+    </dgm:scene3d>
+    <dgm:sp3d/>
+    <dgm:txPr/>
+    <dgm:style>
+      <a:lnRef idx="2">
+        <a:scrgbClr r="0" g="0" b="0"/>
+      </a:lnRef>
+      <a:fillRef idx="0">
+        <a:scrgbClr r="0" g="0" b="0"/>
+      </a:fillRef>
+      <a:effectRef idx="0">
+        <a:scrgbClr r="0" g="0" b="0"/>
+      </a:effectRef>
+      <a:fontRef idx="minor"/>
+    </dgm:style>
+  </dgm:styleLbl>
+  <dgm:styleLbl name="parChTrans1D4">
+    <dgm:scene3d>
+      <a:camera prst="orthographicFront"/>
+      <a:lightRig rig="threePt" dir="t"/>
+    </dgm:scene3d>
+    <dgm:sp3d/>
+    <dgm:txPr/>
+    <dgm:style>
+      <a:lnRef idx="2">
+        <a:scrgbClr r="0" g="0" b="0"/>
+      </a:lnRef>
+      <a:fillRef idx="0">
+        <a:scrgbClr r="0" g="0" b="0"/>
+      </a:fillRef>
+      <a:effectRef idx="0">
+        <a:scrgbClr r="0" g="0" b="0"/>
+      </a:effectRef>
+      <a:fontRef idx="minor"/>
+    </dgm:style>
+  </dgm:styleLbl>
+  <dgm:styleLbl name="fgAcc1">
+    <dgm:scene3d>
+      <a:camera prst="orthographicFront"/>
+      <a:lightRig rig="threePt" dir="t"/>
+    </dgm:scene3d>
+    <dgm:sp3d/>
+    <dgm:txPr/>
+    <dgm:style>
+      <a:lnRef idx="2">
+        <a:scrgbClr r="0" g="0" b="0"/>
+      </a:lnRef>
+      <a:fillRef idx="1">
+        <a:scrgbClr r="0" g="0" b="0"/>
+      </a:fillRef>
+      <a:effectRef idx="0">
+        <a:scrgbClr r="0" g="0" b="0"/>
+      </a:effectRef>
+      <a:fontRef idx="minor"/>
+    </dgm:style>
+  </dgm:styleLbl>
+  <dgm:styleLbl name="conFgAcc1">
+    <dgm:scene3d>
+      <a:camera prst="orthographicFront"/>
+      <a:lightRig rig="threePt" dir="t"/>
+    </dgm:scene3d>
+    <dgm:sp3d/>
+    <dgm:txPr/>
+    <dgm:style>
+      <a:lnRef idx="2">
+        <a:scrgbClr r="0" g="0" b="0"/>
+      </a:lnRef>
+      <a:fillRef idx="1">
+        <a:scrgbClr r="0" g="0" b="0"/>
+      </a:fillRef>
+      <a:effectRef idx="0">
+        <a:scrgbClr r="0" g="0" b="0"/>
+      </a:effectRef>
+      <a:fontRef idx="minor"/>
+    </dgm:style>
+  </dgm:styleLbl>
+  <dgm:styleLbl name="alignAcc1">
+    <dgm:scene3d>
+      <a:camera prst="orthographicFront"/>
+      <a:lightRig rig="threePt" dir="t"/>
+    </dgm:scene3d>
+    <dgm:sp3d/>
+    <dgm:txPr/>
+    <dgm:style>
+      <a:lnRef idx="2">
+        <a:scrgbClr r="0" g="0" b="0"/>
+      </a:lnRef>
+      <a:fillRef idx="1">
+        <a:scrgbClr r="0" g="0" b="0"/>
+      </a:fillRef>
+      <a:effectRef idx="0">
+        <a:scrgbClr r="0" g="0" b="0"/>
+      </a:effectRef>
+      <a:fontRef idx="minor"/>
+    </dgm:style>
+  </dgm:styleLbl>
+  <dgm:styleLbl name="trAlignAcc1">
+    <dgm:scene3d>
+      <a:camera prst="orthographicFront"/>
+      <a:lightRig rig="threePt" dir="t"/>
+    </dgm:scene3d>
+    <dgm:sp3d/>
+    <dgm:txPr/>
+    <dgm:style>
+      <a:lnRef idx="1">
+        <a:scrgbClr r="0" g="0" b="0"/>
+      </a:lnRef>
+      <a:fillRef idx="1">
+        <a:scrgbClr r="0" g="0" b="0"/>
+      </a:fillRef>
+      <a:effectRef idx="0">
+        <a:scrgbClr r="0" g="0" b="0"/>
+      </a:effectRef>
+      <a:fontRef idx="minor"/>
+    </dgm:style>
+  </dgm:styleLbl>
+  <dgm:styleLbl name="bgAcc1">
+    <dgm:scene3d>
+      <a:camera prst="orthographicFront"/>
+      <a:lightRig rig="threePt" dir="t"/>
+    </dgm:scene3d>
+    <dgm:sp3d/>
+    <dgm:txPr/>
+    <dgm:style>
+      <a:lnRef idx="2">
+        <a:scrgbClr r="0" g="0" b="0"/>
+      </a:lnRef>
+      <a:fillRef idx="1">
+        <a:scrgbClr r="0" g="0" b="0"/>
+      </a:fillRef>
+      <a:effectRef idx="0">
+        <a:scrgbClr r="0" g="0" b="0"/>
+      </a:effectRef>
+      <a:fontRef idx="minor"/>
+    </dgm:style>
+  </dgm:styleLbl>
+  <dgm:styleLbl name="solidFgAcc1">
+    <dgm:scene3d>
+      <a:camera prst="orthographicFront"/>
+      <a:lightRig rig="threePt" dir="t"/>
+    </dgm:scene3d>
+    <dgm:sp3d/>
+    <dgm:txPr/>
+    <dgm:style>
+      <a:lnRef idx="2">
+        <a:scrgbClr r="0" g="0" b="0"/>
+      </a:lnRef>
+      <a:fillRef idx="1">
+        <a:scrgbClr r="0" g="0" b="0"/>
+      </a:fillRef>
+      <a:effectRef idx="0">
+        <a:scrgbClr r="0" g="0" b="0"/>
+      </a:effectRef>
+      <a:fontRef idx="minor"/>
+    </dgm:style>
+  </dgm:styleLbl>
+  <dgm:styleLbl name="solidAlignAcc1">
+    <dgm:scene3d>
+      <a:camera prst="orthographicFront"/>
+      <a:lightRig rig="threePt" dir="t"/>
+    </dgm:scene3d>
+    <dgm:sp3d/>
+    <dgm:txPr/>
+    <dgm:style>
+      <a:lnRef idx="2">
+        <a:scrgbClr r="0" g="0" b="0"/>
+      </a:lnRef>
+      <a:fillRef idx="1">
+        <a:scrgbClr r="0" g="0" b="0"/>
+      </a:fillRef>
+      <a:effectRef idx="0">
+        <a:scrgbClr r="0" g="0" b="0"/>
+      </a:effectRef>
+      <a:fontRef idx="minor"/>
+    </dgm:style>
+  </dgm:styleLbl>
+  <dgm:styleLbl name="solidBgAcc1">
+    <dgm:scene3d>
+      <a:camera prst="orthographicFront"/>
+      <a:lightRig rig="threePt" dir="t"/>
+    </dgm:scene3d>
+    <dgm:sp3d/>
+    <dgm:txPr/>
+    <dgm:style>
+      <a:lnRef idx="2">
+        <a:scrgbClr r="0" g="0" b="0"/>
+      </a:lnRef>
+      <a:fillRef idx="1">
+        <a:scrgbClr r="0" g="0" b="0"/>
+      </a:fillRef>
+      <a:effectRef idx="0">
+        <a:scrgbClr r="0" g="0" b="0"/>
+      </a:effectRef>
+      <a:fontRef idx="minor"/>
+    </dgm:style>
+  </dgm:styleLbl>
+  <dgm:styleLbl name="fgAccFollowNode1">
+    <dgm:scene3d>
+      <a:camera prst="orthographicFront"/>
+      <a:lightRig rig="threePt" dir="t"/>
+    </dgm:scene3d>
+    <dgm:sp3d/>
+    <dgm:txPr/>
+    <dgm:style>
+      <a:lnRef idx="2">
+        <a:scrgbClr r="0" g="0" b="0"/>
+      </a:lnRef>
+      <a:fillRef idx="1">
+        <a:scrgbClr r="0" g="0" b="0"/>
+      </a:fillRef>
+      <a:effectRef idx="0">
+        <a:scrgbClr r="0" g="0" b="0"/>
+      </a:effectRef>
+      <a:fontRef idx="minor"/>
+    </dgm:style>
+  </dgm:styleLbl>
+  <dgm:styleLbl name="alignAccFollowNode1">
+    <dgm:scene3d>
+      <a:camera prst="orthographicFront"/>
+      <a:lightRig rig="threePt" dir="t"/>
+    </dgm:scene3d>
+    <dgm:sp3d/>
+    <dgm:txPr/>
+    <dgm:style>
+      <a:lnRef idx="2">
+        <a:scrgbClr r="0" g="0" b="0"/>
+      </a:lnRef>
+      <a:fillRef idx="1">
+        <a:scrgbClr r="0" g="0" b="0"/>
+      </a:fillRef>
+      <a:effectRef idx="0">
+        <a:scrgbClr r="0" g="0" b="0"/>
+      </a:effectRef>
+      <a:fontRef idx="minor"/>
+    </dgm:style>
+  </dgm:styleLbl>
+  <dgm:styleLbl name="bgAccFollowNode1">
+    <dgm:scene3d>
+      <a:camera prst="orthographicFront"/>
+      <a:lightRig rig="threePt" dir="t"/>
+    </dgm:scene3d>
+    <dgm:sp3d/>
+    <dgm:txPr/>
+    <dgm:style>
+      <a:lnRef idx="2">
+        <a:scrgbClr r="0" g="0" b="0"/>
+      </a:lnRef>
+      <a:fillRef idx="1">
+        <a:scrgbClr r="0" g="0" b="0"/>
+      </a:fillRef>
+      <a:effectRef idx="0">
+        <a:scrgbClr r="0" g="0" b="0"/>
+      </a:effectRef>
+      <a:fontRef idx="minor"/>
+    </dgm:style>
+  </dgm:styleLbl>
+  <dgm:styleLbl name="fgAcc0">
+    <dgm:scene3d>
+      <a:camera prst="orthographicFront"/>
+      <a:lightRig rig="threePt" dir="t"/>
+    </dgm:scene3d>
+    <dgm:sp3d/>
+    <dgm:txPr/>
+    <dgm:style>
+      <a:lnRef idx="2">
+        <a:scrgbClr r="0" g="0" b="0"/>
+      </a:lnRef>
+      <a:fillRef idx="1">
+        <a:scrgbClr r="0" g="0" b="0"/>
+      </a:fillRef>
+      <a:effectRef idx="0">
+        <a:scrgbClr r="0" g="0" b="0"/>
+      </a:effectRef>
+      <a:fontRef idx="minor"/>
+    </dgm:style>
+  </dgm:styleLbl>
+  <dgm:styleLbl name="fgAcc2">
+    <dgm:scene3d>
+      <a:camera prst="orthographicFront"/>
+      <a:lightRig rig="threePt" dir="t"/>
+    </dgm:scene3d>
+    <dgm:sp3d/>
+    <dgm:txPr/>
+    <dgm:style>
+      <a:lnRef idx="2">
+        <a:scrgbClr r="0" g="0" b="0"/>
+      </a:lnRef>
+      <a:fillRef idx="1">
+        <a:scrgbClr r="0" g="0" b="0"/>
+      </a:fillRef>
+      <a:effectRef idx="0">
+        <a:scrgbClr r="0" g="0" b="0"/>
+      </a:effectRef>
+      <a:fontRef idx="minor"/>
+    </dgm:style>
+  </dgm:styleLbl>
+  <dgm:styleLbl name="fgAcc3">
+    <dgm:scene3d>
+      <a:camera prst="orthographicFront"/>
+      <a:lightRig rig="threePt" dir="t"/>
+    </dgm:scene3d>
+    <dgm:sp3d/>
+    <dgm:txPr/>
+    <dgm:style>
+      <a:lnRef idx="2">
+        <a:scrgbClr r="0" g="0" b="0"/>
+      </a:lnRef>
+      <a:fillRef idx="1">
+        <a:scrgbClr r="0" g="0" b="0"/>
+      </a:fillRef>
+      <a:effectRef idx="0">
+        <a:scrgbClr r="0" g="0" b="0"/>
+      </a:effectRef>
+      <a:fontRef idx="minor"/>
+    </dgm:style>
+  </dgm:styleLbl>
+  <dgm:styleLbl name="fgAcc4">
+    <dgm:scene3d>
+      <a:camera prst="orthographicFront"/>
+      <a:lightRig rig="threePt" dir="t"/>
+    </dgm:scene3d>
+    <dgm:sp3d/>
+    <dgm:txPr/>
+    <dgm:style>
+      <a:lnRef idx="2">
+        <a:scrgbClr r="0" g="0" b="0"/>
+      </a:lnRef>
+      <a:fillRef idx="1">
+        <a:scrgbClr r="0" g="0" b="0"/>
+      </a:fillRef>
+      <a:effectRef idx="0">
+        <a:scrgbClr r="0" g="0" b="0"/>
+      </a:effectRef>
+      <a:fontRef idx="minor"/>
+    </dgm:style>
+  </dgm:styleLbl>
+  <dgm:styleLbl name="bgShp">
+    <dgm:scene3d>
+      <a:camera prst="orthographicFront"/>
+      <a:lightRig rig="threePt" dir="t"/>
+    </dgm:scene3d>
+    <dgm:sp3d/>
+    <dgm:txPr/>
+    <dgm:style>
+      <a:lnRef idx="0">
+        <a:scrgbClr r="0" g="0" b="0"/>
+      </a:lnRef>
+      <a:fillRef idx="1">
+        <a:scrgbClr r="0" g="0" b="0"/>
+      </a:fillRef>
+      <a:effectRef idx="0">
+        <a:scrgbClr r="0" g="0" b="0"/>
+      </a:effectRef>
+      <a:fontRef idx="minor"/>
+    </dgm:style>
+  </dgm:styleLbl>
+  <dgm:styleLbl name="dkBgShp">
+    <dgm:scene3d>
+      <a:camera prst="orthographicFront"/>
+      <a:lightRig rig="threePt" dir="t"/>
+    </dgm:scene3d>
+    <dgm:sp3d/>
+    <dgm:txPr/>
+    <dgm:style>
+      <a:lnRef idx="0">
+        <a:scrgbClr r="0" g="0" b="0"/>
+      </a:lnRef>
+      <a:fillRef idx="1">
+        <a:scrgbClr r="0" g="0" b="0"/>
+      </a:fillRef>
+      <a:effectRef idx="0">
+        <a:scrgbClr r="0" g="0" b="0"/>
+      </a:effectRef>
+      <a:fontRef idx="minor"/>
+    </dgm:style>
+  </dgm:styleLbl>
+  <dgm:styleLbl name="trBgShp">
+    <dgm:scene3d>
+      <a:camera prst="orthographicFront"/>
+      <a:lightRig rig="threePt" dir="t"/>
+    </dgm:scene3d>
+    <dgm:sp3d/>
+    <dgm:txPr/>
+    <dgm:style>
+      <a:lnRef idx="0">
+        <a:scrgbClr r="0" g="0" b="0"/>
+      </a:lnRef>
+      <a:fillRef idx="1">
+        <a:scrgbClr r="0" g="0" b="0"/>
+      </a:fillRef>
+      <a:effectRef idx="0">
+        <a:scrgbClr r="0" g="0" b="0"/>
+      </a:effectRef>
+      <a:fontRef idx="minor"/>
+    </dgm:style>
+  </dgm:styleLbl>
+  <dgm:styleLbl name="fgShp">
+    <dgm:scene3d>
+      <a:camera prst="orthographicFront"/>
+      <a:lightRig rig="threePt" dir="t"/>
+    </dgm:scene3d>
+    <dgm:sp3d/>
+    <dgm:txPr/>
+    <dgm:style>
+      <a:lnRef idx="2">
+        <a:scrgbClr r="0" g="0" b="0"/>
+      </a:lnRef>
+      <a:fillRef idx="1">
+        <a:scrgbClr r="0" g="0" b="0"/>
+      </a:fillRef>
+      <a:effectRef idx="0">
+        <a:scrgbClr r="0" g="0" b="0"/>
+      </a:effectRef>
+      <a:fontRef idx="minor"/>
+    </dgm:style>
+  </dgm:styleLbl>
+  <dgm:styleLbl name="revTx">
+    <dgm:scene3d>
+      <a:camera prst="orthographicFront"/>
+      <a:lightRig rig="threePt" dir="t"/>
+    </dgm:scene3d>
+    <dgm:sp3d/>
+    <dgm:txPr/>
+    <dgm:style>
+      <a:lnRef idx="0">
+        <a:scrgbClr r="0" g="0" b="0"/>
+      </a:lnRef>
+      <a:fillRef idx="0">
+        <a:scrgbClr r="0" g="0" b="0"/>
+      </a:fillRef>
+      <a:effectRef idx="0">
+        <a:scrgbClr r="0" g="0" b="0"/>
+      </a:effectRef>
+      <a:fontRef idx="minor"/>
+    </dgm:style>
+  </dgm:styleLbl>
+</dgm:styleDef>
 </file>
 
 <file path=ppt/handoutMasters/handoutMaster1.xml><?xml version="1.0" encoding="utf-8"?>
@@ -15697,6 +19646,828 @@
 </p:sld>
 </file>
 
+<file path=ppt/slides/slide12.xml><?xml version="1.0" encoding="utf-8"?>
+<p:sld xmlns:a="http://schemas.openxmlformats.org/drawingml/2006/main" xmlns:r="http://schemas.openxmlformats.org/officeDocument/2006/relationships" xmlns:p="http://schemas.openxmlformats.org/presentationml/2006/main">
+  <p:cSld>
+    <p:spTree>
+      <p:nvGrpSpPr>
+        <p:cNvPr id="1" name=""/>
+        <p:cNvGrpSpPr/>
+        <p:nvPr/>
+      </p:nvGrpSpPr>
+      <p:grpSpPr>
+        <a:xfrm>
+          <a:off x="0" y="0"/>
+          <a:ext cx="0" cy="0"/>
+          <a:chOff x="0" y="0"/>
+          <a:chExt cx="0" cy="0"/>
+        </a:xfrm>
+      </p:grpSpPr>
+      <p:sp>
+        <p:nvSpPr>
+          <p:cNvPr id="2" name="Título 1"/>
+          <p:cNvSpPr>
+            <a:spLocks noGrp="1"/>
+          </p:cNvSpPr>
+          <p:nvPr>
+            <p:ph type="title"/>
+          </p:nvPr>
+        </p:nvSpPr>
+        <p:spPr/>
+        <p:txBody>
+          <a:bodyPr/>
+          <a:lstStyle/>
+          <a:p>
+            <a:r>
+              <a:rPr lang="pt-BR" dirty="0" smtClean="0"/>
+              <a:t>Layout do título e conteúdo com gráfico</a:t>
+            </a:r>
+            <a:endParaRPr lang="pt-BR" dirty="0"/>
+          </a:p>
+        </p:txBody>
+      </p:sp>
+      <p:graphicFrame>
+        <p:nvGraphicFramePr>
+          <p:cNvPr id="6" name="Espaço Reservado para Conteúdo 5" descr="Gráfico de colunas agrupadas"/>
+          <p:cNvGraphicFramePr>
+            <a:graphicFrameLocks noGrp="1"/>
+          </p:cNvGraphicFramePr>
+          <p:nvPr>
+            <p:ph idx="1"/>
+            <p:extLst>
+              <p:ext uri="{D42A27DB-BD31-4B8C-83A1-F6EECF244321}">
+                <p14:modId xmlns:p14="http://schemas.microsoft.com/office/powerpoint/2010/main" val="920940382"/>
+              </p:ext>
+            </p:extLst>
+          </p:nvPr>
+        </p:nvGraphicFramePr>
+        <p:xfrm>
+          <a:off x="1295402" y="1981201"/>
+          <a:ext cx="9601200" cy="3810000"/>
+        </p:xfrm>
+        <a:graphic>
+          <a:graphicData uri="http://schemas.openxmlformats.org/drawingml/2006/chart">
+            <c:chart xmlns:c="http://schemas.openxmlformats.org/drawingml/2006/chart" xmlns:r="http://schemas.openxmlformats.org/officeDocument/2006/relationships" r:id="rId2"/>
+          </a:graphicData>
+        </a:graphic>
+      </p:graphicFrame>
+    </p:spTree>
+    <p:extLst>
+      <p:ext uri="{BB962C8B-B14F-4D97-AF65-F5344CB8AC3E}">
+        <p14:creationId xmlns:p14="http://schemas.microsoft.com/office/powerpoint/2010/main" val="1476019738"/>
+      </p:ext>
+    </p:extLst>
+  </p:cSld>
+  <p:clrMapOvr>
+    <a:masterClrMapping/>
+  </p:clrMapOvr>
+  <mc:AlternateContent xmlns:mc="http://schemas.openxmlformats.org/markup-compatibility/2006" xmlns:p14="http://schemas.microsoft.com/office/powerpoint/2010/main">
+    <mc:Choice Requires="p14">
+      <p:transition spd="med" p14:dur="700">
+        <p:fade/>
+      </p:transition>
+    </mc:Choice>
+    <mc:Fallback xmlns="">
+      <p:transition spd="med">
+        <p:fade/>
+      </p:transition>
+    </mc:Fallback>
+  </mc:AlternateContent>
+</p:sld>
+</file>
+
+<file path=ppt/slides/slide13.xml><?xml version="1.0" encoding="utf-8"?>
+<p:sld xmlns:a="http://schemas.openxmlformats.org/drawingml/2006/main" xmlns:r="http://schemas.openxmlformats.org/officeDocument/2006/relationships" xmlns:p="http://schemas.openxmlformats.org/presentationml/2006/main">
+  <p:cSld>
+    <p:spTree>
+      <p:nvGrpSpPr>
+        <p:cNvPr id="1" name=""/>
+        <p:cNvGrpSpPr/>
+        <p:nvPr/>
+      </p:nvGrpSpPr>
+      <p:grpSpPr>
+        <a:xfrm>
+          <a:off x="0" y="0"/>
+          <a:ext cx="0" cy="0"/>
+          <a:chOff x="0" y="0"/>
+          <a:chExt cx="0" cy="0"/>
+        </a:xfrm>
+      </p:grpSpPr>
+      <p:sp>
+        <p:nvSpPr>
+          <p:cNvPr id="2" name="Título 1"/>
+          <p:cNvSpPr>
+            <a:spLocks noGrp="1"/>
+          </p:cNvSpPr>
+          <p:nvPr>
+            <p:ph type="title"/>
+          </p:nvPr>
+        </p:nvSpPr>
+        <p:spPr/>
+        <p:txBody>
+          <a:bodyPr/>
+          <a:lstStyle/>
+          <a:p>
+            <a:r>
+              <a:rPr lang="pt-BR" dirty="0" smtClean="0"/>
+              <a:t>Layout de conteúdo de duas partes com tabela</a:t>
+            </a:r>
+            <a:endParaRPr lang="pt-BR" dirty="0"/>
+          </a:p>
+        </p:txBody>
+      </p:sp>
+      <p:sp>
+        <p:nvSpPr>
+          <p:cNvPr id="3" name="Espaço Reservado para Conteúdo 2"/>
+          <p:cNvSpPr>
+            <a:spLocks noGrp="1"/>
+          </p:cNvSpPr>
+          <p:nvPr>
+            <p:ph sz="half" idx="1"/>
+          </p:nvPr>
+        </p:nvSpPr>
+        <p:spPr/>
+        <p:txBody>
+          <a:bodyPr/>
+          <a:lstStyle/>
+          <a:p>
+            <a:r>
+              <a:rPr lang="pt-BR" dirty="0" smtClean="0"/>
+              <a:t>Primeiro marcador aqui</a:t>
+            </a:r>
+          </a:p>
+          <a:p>
+            <a:r>
+              <a:rPr lang="pt-BR" dirty="0" smtClean="0"/>
+              <a:t>Segundo marcador aqui</a:t>
+            </a:r>
+          </a:p>
+          <a:p>
+            <a:r>
+              <a:rPr lang="pt-BR" dirty="0" smtClean="0"/>
+              <a:t>Terceiro marcador aqui</a:t>
+            </a:r>
+            <a:endParaRPr lang="pt-BR" dirty="0"/>
+          </a:p>
+        </p:txBody>
+      </p:sp>
+      <p:graphicFrame>
+        <p:nvGraphicFramePr>
+          <p:cNvPr id="5" name="Espaço Reservado para Conteúdo 4" descr="Tabela de amostra com 3 colunas, 4 linhas"/>
+          <p:cNvGraphicFramePr>
+            <a:graphicFrameLocks noGrp="1"/>
+          </p:cNvGraphicFramePr>
+          <p:nvPr>
+            <p:ph sz="half" idx="2"/>
+            <p:extLst>
+              <p:ext uri="{D42A27DB-BD31-4B8C-83A1-F6EECF244321}">
+                <p14:modId xmlns:p14="http://schemas.microsoft.com/office/powerpoint/2010/main" val="2671834102"/>
+              </p:ext>
+            </p:extLst>
+          </p:nvPr>
+        </p:nvGraphicFramePr>
+        <p:xfrm>
+          <a:off x="6324601" y="1981200"/>
+          <a:ext cx="4572000" cy="3657600"/>
+        </p:xfrm>
+        <a:graphic>
+          <a:graphicData uri="http://schemas.openxmlformats.org/drawingml/2006/table">
+            <a:tbl>
+              <a:tblPr firstRow="1" bandRow="1">
+                <a:tableStyleId>{69012ECD-51FC-41F1-AA8D-1B2483CD663E}</a:tableStyleId>
+              </a:tblPr>
+              <a:tblGrid>
+                <a:gridCol w="1524000"/>
+                <a:gridCol w="1524000"/>
+                <a:gridCol w="1524000"/>
+              </a:tblGrid>
+              <a:tr h="914400">
+                <a:tc>
+                  <a:txBody>
+                    <a:bodyPr/>
+                    <a:lstStyle/>
+                    <a:p>
+                      <a:endParaRPr lang="pt-BR" sz="1800" noProof="0" dirty="0"/>
+                    </a:p>
+                  </a:txBody>
+                  <a:tcPr anchor="ctr"/>
+                </a:tc>
+                <a:tc>
+                  <a:txBody>
+                    <a:bodyPr/>
+                    <a:lstStyle/>
+                    <a:p>
+                      <a:pPr algn="ctr"/>
+                      <a:r>
+                        <a:rPr lang="pt-BR" sz="1800" noProof="0" dirty="0" smtClean="0"/>
+                        <a:t>Grupo 1</a:t>
+                      </a:r>
+                      <a:endParaRPr lang="pt-BR" sz="1800" noProof="0" dirty="0"/>
+                    </a:p>
+                  </a:txBody>
+                  <a:tcPr anchor="ctr"/>
+                </a:tc>
+                <a:tc>
+                  <a:txBody>
+                    <a:bodyPr/>
+                    <a:lstStyle/>
+                    <a:p>
+                      <a:pPr algn="ctr"/>
+                      <a:r>
+                        <a:rPr lang="pt-BR" sz="1800" noProof="0" dirty="0" smtClean="0"/>
+                        <a:t>Grupo 2</a:t>
+                      </a:r>
+                      <a:endParaRPr lang="pt-BR" sz="1800" noProof="0" dirty="0"/>
+                    </a:p>
+                  </a:txBody>
+                  <a:tcPr anchor="ctr"/>
+                </a:tc>
+              </a:tr>
+              <a:tr h="914400">
+                <a:tc>
+                  <a:txBody>
+                    <a:bodyPr/>
+                    <a:lstStyle/>
+                    <a:p>
+                      <a:r>
+                        <a:rPr lang="pt-BR" sz="1800" noProof="0" dirty="0" smtClean="0"/>
+                        <a:t>Classe 1</a:t>
+                      </a:r>
+                      <a:endParaRPr lang="pt-BR" sz="1800" noProof="0" dirty="0"/>
+                    </a:p>
+                  </a:txBody>
+                  <a:tcPr anchor="ctr"/>
+                </a:tc>
+                <a:tc>
+                  <a:txBody>
+                    <a:bodyPr/>
+                    <a:lstStyle/>
+                    <a:p>
+                      <a:pPr algn="ctr"/>
+                      <a:r>
+                        <a:rPr lang="pt-BR" sz="1800" noProof="0" dirty="0" smtClean="0"/>
+                        <a:t>82</a:t>
+                      </a:r>
+                      <a:endParaRPr lang="pt-BR" sz="1800" noProof="0" dirty="0"/>
+                    </a:p>
+                  </a:txBody>
+                  <a:tcPr anchor="ctr"/>
+                </a:tc>
+                <a:tc>
+                  <a:txBody>
+                    <a:bodyPr/>
+                    <a:lstStyle/>
+                    <a:p>
+                      <a:pPr algn="ctr"/>
+                      <a:r>
+                        <a:rPr lang="pt-BR" sz="1800" noProof="0" dirty="0" smtClean="0"/>
+                        <a:t>95</a:t>
+                      </a:r>
+                      <a:endParaRPr lang="pt-BR" sz="1800" noProof="0" dirty="0"/>
+                    </a:p>
+                  </a:txBody>
+                  <a:tcPr anchor="ctr"/>
+                </a:tc>
+              </a:tr>
+              <a:tr h="914400">
+                <a:tc>
+                  <a:txBody>
+                    <a:bodyPr/>
+                    <a:lstStyle/>
+                    <a:p>
+                      <a:r>
+                        <a:rPr lang="pt-BR" sz="1800" noProof="0" dirty="0" smtClean="0"/>
+                        <a:t>Classe 2</a:t>
+                      </a:r>
+                      <a:endParaRPr lang="pt-BR" sz="1800" noProof="0" dirty="0"/>
+                    </a:p>
+                  </a:txBody>
+                  <a:tcPr anchor="ctr"/>
+                </a:tc>
+                <a:tc>
+                  <a:txBody>
+                    <a:bodyPr/>
+                    <a:lstStyle/>
+                    <a:p>
+                      <a:pPr algn="ctr"/>
+                      <a:r>
+                        <a:rPr lang="pt-BR" sz="1800" noProof="0" dirty="0" smtClean="0"/>
+                        <a:t>76</a:t>
+                      </a:r>
+                      <a:endParaRPr lang="pt-BR" sz="1800" noProof="0" dirty="0"/>
+                    </a:p>
+                  </a:txBody>
+                  <a:tcPr anchor="ctr"/>
+                </a:tc>
+                <a:tc>
+                  <a:txBody>
+                    <a:bodyPr/>
+                    <a:lstStyle/>
+                    <a:p>
+                      <a:pPr algn="ctr"/>
+                      <a:r>
+                        <a:rPr lang="pt-BR" sz="1800" noProof="0" dirty="0" smtClean="0"/>
+                        <a:t>88</a:t>
+                      </a:r>
+                      <a:endParaRPr lang="pt-BR" sz="1800" noProof="0" dirty="0"/>
+                    </a:p>
+                  </a:txBody>
+                  <a:tcPr anchor="ctr"/>
+                </a:tc>
+              </a:tr>
+              <a:tr h="914400">
+                <a:tc>
+                  <a:txBody>
+                    <a:bodyPr/>
+                    <a:lstStyle/>
+                    <a:p>
+                      <a:r>
+                        <a:rPr lang="pt-BR" sz="1800" noProof="0" dirty="0" smtClean="0"/>
+                        <a:t>Classe 3</a:t>
+                      </a:r>
+                      <a:endParaRPr lang="pt-BR" sz="1800" noProof="0" dirty="0"/>
+                    </a:p>
+                  </a:txBody>
+                  <a:tcPr anchor="ctr"/>
+                </a:tc>
+                <a:tc>
+                  <a:txBody>
+                    <a:bodyPr/>
+                    <a:lstStyle/>
+                    <a:p>
+                      <a:pPr algn="ctr"/>
+                      <a:r>
+                        <a:rPr lang="pt-BR" sz="1800" noProof="0" dirty="0" smtClean="0"/>
+                        <a:t>84</a:t>
+                      </a:r>
+                      <a:endParaRPr lang="pt-BR" sz="1800" noProof="0" dirty="0"/>
+                    </a:p>
+                  </a:txBody>
+                  <a:tcPr anchor="ctr"/>
+                </a:tc>
+                <a:tc>
+                  <a:txBody>
+                    <a:bodyPr/>
+                    <a:lstStyle/>
+                    <a:p>
+                      <a:pPr algn="ctr"/>
+                      <a:r>
+                        <a:rPr lang="pt-BR" sz="1800" noProof="0" dirty="0" smtClean="0"/>
+                        <a:t>90</a:t>
+                      </a:r>
+                      <a:endParaRPr lang="pt-BR" sz="1800" noProof="0" dirty="0"/>
+                    </a:p>
+                  </a:txBody>
+                  <a:tcPr anchor="ctr"/>
+                </a:tc>
+              </a:tr>
+            </a:tbl>
+          </a:graphicData>
+        </a:graphic>
+      </p:graphicFrame>
+    </p:spTree>
+    <p:extLst>
+      <p:ext uri="{BB962C8B-B14F-4D97-AF65-F5344CB8AC3E}">
+        <p14:creationId xmlns:p14="http://schemas.microsoft.com/office/powerpoint/2010/main" val="2318277931"/>
+      </p:ext>
+    </p:extLst>
+  </p:cSld>
+  <p:clrMapOvr>
+    <a:masterClrMapping/>
+  </p:clrMapOvr>
+  <mc:AlternateContent xmlns:mc="http://schemas.openxmlformats.org/markup-compatibility/2006" xmlns:p14="http://schemas.microsoft.com/office/powerpoint/2010/main">
+    <mc:Choice Requires="p14">
+      <p:transition spd="med" p14:dur="700">
+        <p:fade/>
+      </p:transition>
+    </mc:Choice>
+    <mc:Fallback xmlns="">
+      <p:transition spd="med">
+        <p:fade/>
+      </p:transition>
+    </mc:Fallback>
+  </mc:AlternateContent>
+</p:sld>
+</file>
+
+<file path=ppt/slides/slide14.xml><?xml version="1.0" encoding="utf-8"?>
+<p:sld xmlns:a="http://schemas.openxmlformats.org/drawingml/2006/main" xmlns:r="http://schemas.openxmlformats.org/officeDocument/2006/relationships" xmlns:p="http://schemas.openxmlformats.org/presentationml/2006/main">
+  <p:cSld>
+    <p:spTree>
+      <p:nvGrpSpPr>
+        <p:cNvPr id="1" name=""/>
+        <p:cNvGrpSpPr/>
+        <p:nvPr/>
+      </p:nvGrpSpPr>
+      <p:grpSpPr>
+        <a:xfrm>
+          <a:off x="0" y="0"/>
+          <a:ext cx="0" cy="0"/>
+          <a:chOff x="0" y="0"/>
+          <a:chExt cx="0" cy="0"/>
+        </a:xfrm>
+      </p:grpSpPr>
+      <p:sp>
+        <p:nvSpPr>
+          <p:cNvPr id="2" name="Título 1"/>
+          <p:cNvSpPr>
+            <a:spLocks noGrp="1"/>
+          </p:cNvSpPr>
+          <p:nvPr>
+            <p:ph type="title"/>
+          </p:nvPr>
+        </p:nvSpPr>
+        <p:spPr/>
+        <p:txBody>
+          <a:bodyPr/>
+          <a:lstStyle/>
+          <a:p>
+            <a:r>
+              <a:rPr lang="pt-BR" dirty="0" smtClean="0"/>
+              <a:t>Layout do título e conteúdo com SmartArt</a:t>
+            </a:r>
+            <a:endParaRPr lang="pt-BR" dirty="0"/>
+          </a:p>
+        </p:txBody>
+      </p:sp>
+      <p:graphicFrame>
+        <p:nvGraphicFramePr>
+          <p:cNvPr id="4" name="Espaço Reservado para Conteúdo 3" descr="Setas de Processo"/>
+          <p:cNvGraphicFramePr>
+            <a:graphicFrameLocks noGrp="1"/>
+          </p:cNvGraphicFramePr>
+          <p:nvPr>
+            <p:ph idx="1"/>
+            <p:extLst>
+              <p:ext uri="{D42A27DB-BD31-4B8C-83A1-F6EECF244321}">
+                <p14:modId xmlns:p14="http://schemas.microsoft.com/office/powerpoint/2010/main" val="1724712281"/>
+              </p:ext>
+            </p:extLst>
+          </p:nvPr>
+        </p:nvGraphicFramePr>
+        <p:xfrm>
+          <a:off x="1295402" y="1981201"/>
+          <a:ext cx="9601200" cy="3810000"/>
+        </p:xfrm>
+        <a:graphic>
+          <a:graphicData uri="http://schemas.openxmlformats.org/drawingml/2006/diagram">
+            <dgm:relIds xmlns:dgm="http://schemas.openxmlformats.org/drawingml/2006/diagram" xmlns:r="http://schemas.openxmlformats.org/officeDocument/2006/relationships" r:dm="rId2" r:lo="rId3" r:qs="rId4" r:cs="rId5"/>
+          </a:graphicData>
+        </a:graphic>
+      </p:graphicFrame>
+    </p:spTree>
+    <p:extLst>
+      <p:ext uri="{BB962C8B-B14F-4D97-AF65-F5344CB8AC3E}">
+        <p14:creationId xmlns:p14="http://schemas.microsoft.com/office/powerpoint/2010/main" val="2761515851"/>
+      </p:ext>
+    </p:extLst>
+  </p:cSld>
+  <p:clrMapOvr>
+    <a:masterClrMapping/>
+  </p:clrMapOvr>
+  <mc:AlternateContent xmlns:mc="http://schemas.openxmlformats.org/markup-compatibility/2006" xmlns:p14="http://schemas.microsoft.com/office/powerpoint/2010/main">
+    <mc:Choice Requires="p14">
+      <p:transition spd="med" p14:dur="700">
+        <p:fade/>
+      </p:transition>
+    </mc:Choice>
+    <mc:Fallback xmlns="">
+      <p:transition spd="med">
+        <p:fade/>
+      </p:transition>
+    </mc:Fallback>
+  </mc:AlternateContent>
+</p:sld>
+</file>
+
+<file path=ppt/slides/slide15.xml><?xml version="1.0" encoding="utf-8"?>
+<p:sld xmlns:a="http://schemas.openxmlformats.org/drawingml/2006/main" xmlns:r="http://schemas.openxmlformats.org/officeDocument/2006/relationships" xmlns:p="http://schemas.openxmlformats.org/presentationml/2006/main">
+  <p:cSld>
+    <p:spTree>
+      <p:nvGrpSpPr>
+        <p:cNvPr id="1" name=""/>
+        <p:cNvGrpSpPr/>
+        <p:nvPr/>
+      </p:nvGrpSpPr>
+      <p:grpSpPr>
+        <a:xfrm>
+          <a:off x="0" y="0"/>
+          <a:ext cx="0" cy="0"/>
+          <a:chOff x="0" y="0"/>
+          <a:chExt cx="0" cy="0"/>
+        </a:xfrm>
+      </p:grpSpPr>
+      <p:sp>
+        <p:nvSpPr>
+          <p:cNvPr id="2" name="Título 1"/>
+          <p:cNvSpPr>
+            <a:spLocks noGrp="1"/>
+          </p:cNvSpPr>
+          <p:nvPr>
+            <p:ph type="title"/>
+          </p:nvPr>
+        </p:nvSpPr>
+        <p:spPr/>
+        <p:txBody>
+          <a:bodyPr/>
+          <a:lstStyle/>
+          <a:p>
+            <a:endParaRPr lang="pt-BR" dirty="0"/>
+          </a:p>
+        </p:txBody>
+      </p:sp>
+      <p:sp>
+        <p:nvSpPr>
+          <p:cNvPr id="3" name="Espaço Reservado para Texto 2"/>
+          <p:cNvSpPr>
+            <a:spLocks noGrp="1"/>
+          </p:cNvSpPr>
+          <p:nvPr>
+            <p:ph type="body" idx="1"/>
+          </p:nvPr>
+        </p:nvSpPr>
+        <p:spPr/>
+        <p:txBody>
+          <a:bodyPr/>
+          <a:lstStyle/>
+          <a:p>
+            <a:endParaRPr lang="pt-BR" dirty="0"/>
+          </a:p>
+        </p:txBody>
+      </p:sp>
+      <p:sp>
+        <p:nvSpPr>
+          <p:cNvPr id="4" name="Espaço Reservado para Conteúdo 3"/>
+          <p:cNvSpPr>
+            <a:spLocks noGrp="1"/>
+          </p:cNvSpPr>
+          <p:nvPr>
+            <p:ph sz="half" idx="2"/>
+          </p:nvPr>
+        </p:nvSpPr>
+        <p:spPr/>
+        <p:txBody>
+          <a:bodyPr/>
+          <a:lstStyle/>
+          <a:p>
+            <a:endParaRPr lang="pt-BR" dirty="0"/>
+          </a:p>
+        </p:txBody>
+      </p:sp>
+      <p:sp>
+        <p:nvSpPr>
+          <p:cNvPr id="5" name="Espaço Reservado para Texto 4"/>
+          <p:cNvSpPr>
+            <a:spLocks noGrp="1"/>
+          </p:cNvSpPr>
+          <p:nvPr>
+            <p:ph type="body" sz="quarter" idx="3"/>
+          </p:nvPr>
+        </p:nvSpPr>
+        <p:spPr/>
+        <p:txBody>
+          <a:bodyPr/>
+          <a:lstStyle/>
+          <a:p>
+            <a:endParaRPr lang="pt-BR" dirty="0"/>
+          </a:p>
+        </p:txBody>
+      </p:sp>
+      <p:sp>
+        <p:nvSpPr>
+          <p:cNvPr id="6" name="Espaço Reservado para Conteúdo 5"/>
+          <p:cNvSpPr>
+            <a:spLocks noGrp="1"/>
+          </p:cNvSpPr>
+          <p:nvPr>
+            <p:ph sz="quarter" idx="4"/>
+          </p:nvPr>
+        </p:nvSpPr>
+        <p:spPr/>
+        <p:txBody>
+          <a:bodyPr/>
+          <a:lstStyle/>
+          <a:p>
+            <a:endParaRPr lang="pt-BR" dirty="0"/>
+          </a:p>
+        </p:txBody>
+      </p:sp>
+    </p:spTree>
+    <p:extLst>
+      <p:ext uri="{BB962C8B-B14F-4D97-AF65-F5344CB8AC3E}">
+        <p14:creationId xmlns:p14="http://schemas.microsoft.com/office/powerpoint/2010/main" val="2404365765"/>
+      </p:ext>
+    </p:extLst>
+  </p:cSld>
+  <p:clrMapOvr>
+    <a:masterClrMapping/>
+  </p:clrMapOvr>
+  <mc:AlternateContent xmlns:mc="http://schemas.openxmlformats.org/markup-compatibility/2006" xmlns:p14="http://schemas.microsoft.com/office/powerpoint/2010/main">
+    <mc:Choice Requires="p14">
+      <p:transition spd="med" p14:dur="700">
+        <p:fade/>
+      </p:transition>
+    </mc:Choice>
+    <mc:Fallback xmlns="">
+      <p:transition spd="med">
+        <p:fade/>
+      </p:transition>
+    </mc:Fallback>
+  </mc:AlternateContent>
+</p:sld>
+</file>
+
+<file path=ppt/slides/slide16.xml><?xml version="1.0" encoding="utf-8"?>
+<p:sld xmlns:a="http://schemas.openxmlformats.org/drawingml/2006/main" xmlns:r="http://schemas.openxmlformats.org/officeDocument/2006/relationships" xmlns:p="http://schemas.openxmlformats.org/presentationml/2006/main">
+  <p:cSld>
+    <p:spTree>
+      <p:nvGrpSpPr>
+        <p:cNvPr id="1" name=""/>
+        <p:cNvGrpSpPr/>
+        <p:nvPr/>
+      </p:nvGrpSpPr>
+      <p:grpSpPr>
+        <a:xfrm>
+          <a:off x="0" y="0"/>
+          <a:ext cx="0" cy="0"/>
+          <a:chOff x="0" y="0"/>
+          <a:chExt cx="0" cy="0"/>
+        </a:xfrm>
+      </p:grpSpPr>
+      <p:sp>
+        <p:nvSpPr>
+          <p:cNvPr id="2" name="Título 1"/>
+          <p:cNvSpPr>
+            <a:spLocks noGrp="1"/>
+          </p:cNvSpPr>
+          <p:nvPr>
+            <p:ph type="title"/>
+          </p:nvPr>
+        </p:nvSpPr>
+        <p:spPr/>
+        <p:txBody>
+          <a:bodyPr/>
+          <a:lstStyle/>
+          <a:p>
+            <a:endParaRPr lang="pt-BR" dirty="0"/>
+          </a:p>
+        </p:txBody>
+      </p:sp>
+      <p:sp>
+        <p:nvSpPr>
+          <p:cNvPr id="3" name="Espaço Reservado para Conteúdo 2"/>
+          <p:cNvSpPr>
+            <a:spLocks noGrp="1"/>
+          </p:cNvSpPr>
+          <p:nvPr>
+            <p:ph idx="1"/>
+          </p:nvPr>
+        </p:nvSpPr>
+        <p:spPr/>
+        <p:txBody>
+          <a:bodyPr/>
+          <a:lstStyle/>
+          <a:p>
+            <a:endParaRPr lang="pt-BR" dirty="0"/>
+          </a:p>
+        </p:txBody>
+      </p:sp>
+      <p:sp>
+        <p:nvSpPr>
+          <p:cNvPr id="4" name="Espaço Reservado para Texto 3"/>
+          <p:cNvSpPr>
+            <a:spLocks noGrp="1"/>
+          </p:cNvSpPr>
+          <p:nvPr>
+            <p:ph type="body" sz="half" idx="2"/>
+          </p:nvPr>
+        </p:nvSpPr>
+        <p:spPr/>
+        <p:txBody>
+          <a:bodyPr/>
+          <a:lstStyle/>
+          <a:p>
+            <a:endParaRPr lang="pt-BR" dirty="0"/>
+          </a:p>
+        </p:txBody>
+      </p:sp>
+    </p:spTree>
+    <p:extLst>
+      <p:ext uri="{BB962C8B-B14F-4D97-AF65-F5344CB8AC3E}">
+        <p14:creationId xmlns:p14="http://schemas.microsoft.com/office/powerpoint/2010/main" val="4101607575"/>
+      </p:ext>
+    </p:extLst>
+  </p:cSld>
+  <p:clrMapOvr>
+    <a:masterClrMapping/>
+  </p:clrMapOvr>
+  <mc:AlternateContent xmlns:mc="http://schemas.openxmlformats.org/markup-compatibility/2006" xmlns:p14="http://schemas.microsoft.com/office/powerpoint/2010/main">
+    <mc:Choice Requires="p14">
+      <p:transition spd="med" p14:dur="700">
+        <p:fade/>
+      </p:transition>
+    </mc:Choice>
+    <mc:Fallback xmlns="">
+      <p:transition spd="med">
+        <p:fade/>
+      </p:transition>
+    </mc:Fallback>
+  </mc:AlternateContent>
+</p:sld>
+</file>
+
+<file path=ppt/slides/slide17.xml><?xml version="1.0" encoding="utf-8"?>
+<p:sld xmlns:a="http://schemas.openxmlformats.org/drawingml/2006/main" xmlns:r="http://schemas.openxmlformats.org/officeDocument/2006/relationships" xmlns:p="http://schemas.openxmlformats.org/presentationml/2006/main">
+  <p:cSld>
+    <p:spTree>
+      <p:nvGrpSpPr>
+        <p:cNvPr id="1" name=""/>
+        <p:cNvGrpSpPr/>
+        <p:nvPr/>
+      </p:nvGrpSpPr>
+      <p:grpSpPr>
+        <a:xfrm>
+          <a:off x="0" y="0"/>
+          <a:ext cx="0" cy="0"/>
+          <a:chOff x="0" y="0"/>
+          <a:chExt cx="0" cy="0"/>
+        </a:xfrm>
+      </p:grpSpPr>
+      <p:sp>
+        <p:nvSpPr>
+          <p:cNvPr id="2" name="Espaço Reservado para Imagem 1"/>
+          <p:cNvSpPr>
+            <a:spLocks noGrp="1"/>
+          </p:cNvSpPr>
+          <p:nvPr>
+            <p:ph type="pic" idx="1"/>
+          </p:nvPr>
+        </p:nvSpPr>
+        <p:spPr/>
+      </p:sp>
+      <p:sp>
+        <p:nvSpPr>
+          <p:cNvPr id="3" name="Título 2"/>
+          <p:cNvSpPr>
+            <a:spLocks noGrp="1"/>
+          </p:cNvSpPr>
+          <p:nvPr>
+            <p:ph type="title"/>
+          </p:nvPr>
+        </p:nvSpPr>
+        <p:spPr/>
+        <p:txBody>
+          <a:bodyPr/>
+          <a:lstStyle/>
+          <a:p>
+            <a:endParaRPr lang="pt-BR" dirty="0"/>
+          </a:p>
+        </p:txBody>
+      </p:sp>
+      <p:sp>
+        <p:nvSpPr>
+          <p:cNvPr id="4" name="Espaço Reservado para Texto 3"/>
+          <p:cNvSpPr>
+            <a:spLocks noGrp="1"/>
+          </p:cNvSpPr>
+          <p:nvPr>
+            <p:ph type="body" sz="half" idx="2"/>
+          </p:nvPr>
+        </p:nvSpPr>
+        <p:spPr/>
+        <p:txBody>
+          <a:bodyPr/>
+          <a:lstStyle/>
+          <a:p>
+            <a:endParaRPr lang="pt-BR" dirty="0"/>
+          </a:p>
+        </p:txBody>
+      </p:sp>
+    </p:spTree>
+    <p:extLst>
+      <p:ext uri="{BB962C8B-B14F-4D97-AF65-F5344CB8AC3E}">
+        <p14:creationId xmlns:p14="http://schemas.microsoft.com/office/powerpoint/2010/main" val="2794409471"/>
+      </p:ext>
+    </p:extLst>
+  </p:cSld>
+  <p:clrMapOvr>
+    <a:masterClrMapping/>
+  </p:clrMapOvr>
+  <mc:AlternateContent xmlns:mc="http://schemas.openxmlformats.org/markup-compatibility/2006" xmlns:p14="http://schemas.microsoft.com/office/powerpoint/2010/main">
+    <mc:Choice Requires="p14">
+      <p:transition spd="med" p14:dur="700">
+        <p:fade/>
+      </p:transition>
+    </mc:Choice>
+    <mc:Fallback xmlns="">
+      <p:transition spd="med">
+        <p:fade/>
+      </p:transition>
+    </mc:Fallback>
+  </mc:AlternateContent>
+</p:sld>
+</file>
+
 <file path=ppt/slides/slide2.xml><?xml version="1.0" encoding="utf-8"?>
 <p:sld xmlns:a="http://schemas.openxmlformats.org/drawingml/2006/main" xmlns:r="http://schemas.openxmlformats.org/officeDocument/2006/relationships" xmlns:p="http://schemas.openxmlformats.org/presentationml/2006/main">
   <p:cSld>
@@ -15993,8 +20764,31 @@
           <a:p>
             <a:r>
               <a:rPr lang="pt-BR" dirty="0" smtClean="0"/>
-              <a:t>Cada ponto tem um “peso” de acordo com a tabela.</a:t>
+              <a:t>Cada ponto tem um “peso” de acordo com a tabela</a:t>
             </a:r>
+            <a:r>
+              <a:rPr lang="pt-BR" dirty="0" smtClean="0"/>
+              <a:t>.</a:t>
+            </a:r>
+          </a:p>
+          <a:p>
+            <a:r>
+              <a:rPr lang="pt-BR" dirty="0" smtClean="0"/>
+              <a:t>Complexidade </a:t>
+            </a:r>
+            <a:r>
+              <a:rPr lang="pt-BR" dirty="0"/>
+              <a:t>da </a:t>
+            </a:r>
+            <a:r>
+              <a:rPr lang="pt-BR" dirty="0" smtClean="0"/>
+              <a:t>função: alta</a:t>
+            </a:r>
+            <a:r>
+              <a:rPr lang="pt-BR" dirty="0"/>
+              <a:t>, média ou baixa</a:t>
+            </a:r>
+            <a:endParaRPr lang="pt-BR" dirty="0" smtClean="0"/>
           </a:p>
         </p:txBody>
       </p:sp>
@@ -16079,7 +20873,11 @@
           <a:p>
             <a:r>
               <a:rPr lang="pt-BR" dirty="0"/>
-              <a:t>Funções de Entrada Externa </a:t>
+              <a:t>Funções de </a:t>
+            </a:r>
+            <a:r>
+              <a:rPr lang="pt-BR" dirty="0" smtClean="0"/>
+              <a:t>Entrada</a:t>
             </a:r>
           </a:p>
         </p:txBody>
@@ -16100,8 +20898,16 @@
           <a:lstStyle/>
           <a:p>
             <a:r>
+              <a:rPr lang="pt-BR" dirty="0"/>
+              <a:t>São funções que recebem dados de entrada do </a:t>
+            </a:r>
+            <a:r>
               <a:rPr lang="pt-BR" dirty="0" smtClean="0"/>
-              <a:t>Entradas no sistema que podem ser por parte do usuário ou gerados pelo próprio sistema</a:t>
+              <a:t>usuário </a:t>
+            </a:r>
+            <a:r>
+              <a:rPr lang="pt-BR" dirty="0"/>
+              <a:t>e realizam algum processo de manipulação nos arquivos externos ou internos do software.</a:t>
             </a:r>
             <a:endParaRPr lang="pt-BR" dirty="0"/>
           </a:p>
@@ -16123,13 +20929,18 @@
           <a:lstStyle/>
           <a:p>
             <a:r>
-              <a:rPr lang="pt-BR" dirty="0" err="1"/>
-              <a:t>Funcões</a:t>
+              <a:rPr lang="pt-BR" dirty="0" smtClean="0"/>
+              <a:t>Funções </a:t>
             </a:r>
             <a:r>
               <a:rPr lang="pt-BR" dirty="0"/>
-              <a:t> de Saída Externa</a:t>
+              <a:t>de </a:t>
             </a:r>
+            <a:r>
+              <a:rPr lang="pt-BR" dirty="0" smtClean="0"/>
+              <a:t>Saída</a:t>
+            </a:r>
+            <a:endParaRPr lang="pt-BR" dirty="0"/>
           </a:p>
         </p:txBody>
       </p:sp>
@@ -16149,10 +20960,25 @@
           <a:lstStyle/>
           <a:p>
             <a:r>
+              <a:rPr lang="pt-BR" dirty="0"/>
+              <a:t>São funções que geram dados derivados dos obtidos pelo acesso aos arquivos externos ou internos do software. Estes dados derivados servem para gerar arquivos de </a:t>
+            </a:r>
+            <a:r>
               <a:rPr lang="pt-BR" dirty="0" smtClean="0"/>
-              <a:t>São dados gerados pelo software usados no fluxo de execução para controle interno</a:t>
+              <a:t>saída </a:t>
             </a:r>
-            <a:endParaRPr lang="pt-BR" dirty="0"/>
+            <a:r>
+              <a:rPr lang="pt-BR" dirty="0"/>
+              <a:t>com informações ao </a:t>
+            </a:r>
+            <a:r>
+              <a:rPr lang="pt-BR" dirty="0" smtClean="0"/>
+              <a:t>usuário</a:t>
+            </a:r>
+            <a:r>
+              <a:rPr lang="pt-BR" dirty="0"/>
+              <a:t>.</a:t>
+            </a:r>
           </a:p>
         </p:txBody>
       </p:sp>
@@ -16237,8 +21063,13 @@
           <a:p>
             <a:r>
               <a:rPr lang="pt-BR" dirty="0"/>
-              <a:t>Arquivo Lógico</a:t>
+              <a:t>Arquivo </a:t>
             </a:r>
+            <a:r>
+              <a:rPr lang="pt-BR" dirty="0" smtClean="0"/>
+              <a:t>Lógico Interno e Externo</a:t>
+            </a:r>
+            <a:endParaRPr lang="pt-BR" dirty="0"/>
           </a:p>
         </p:txBody>
       </p:sp>
@@ -16258,8 +21089,12 @@
           <a:lstStyle/>
           <a:p>
             <a:r>
+              <a:rPr lang="pt-BR" dirty="0"/>
+              <a:t>Representam dados que são acessados e manipulados pelo software para realizar alguma </a:t>
+            </a:r>
+            <a:r>
               <a:rPr lang="pt-BR" dirty="0" smtClean="0"/>
-              <a:t>Valores e estruturas armazenadas internamente pelo programa</a:t>
+              <a:t>tarefa que podem (interno) ou não (externo) ser mantidos.</a:t>
             </a:r>
             <a:endParaRPr lang="pt-BR" dirty="0"/>
           </a:p>
@@ -16304,7 +21139,11 @@
           <a:p>
             <a:r>
               <a:rPr lang="pt-BR" dirty="0" smtClean="0"/>
-              <a:t>Recuperação de dados para o “consumo” do usuário</a:t>
+              <a:t>Recuperação de dados para o “consumo” do </a:t>
+            </a:r>
+            <a:r>
+              <a:rPr lang="pt-BR" dirty="0" smtClean="0"/>
+              <a:t>usuário, sem que haja processamento do mesmo.</a:t>
             </a:r>
             <a:endParaRPr lang="pt-BR" dirty="0"/>
           </a:p>
@@ -16839,7 +21678,7 @@
           <a:graphicData uri="http://schemas.openxmlformats.org/presentationml/2006/ole">
             <mc:AlternateContent xmlns:mc="http://schemas.openxmlformats.org/markup-compatibility/2006">
               <mc:Choice xmlns:v="urn:schemas-microsoft-com:vml" Requires="v">
-                <p:oleObj spid="_x0000_s1031" name="Imagem de bitmap" r:id="rId3" imgW="5877745" imgH="4057143" progId="PBrush">
+                <p:oleObj spid="_x0000_s1032" name="Imagem de bitmap" r:id="rId3" imgW="5877745" imgH="4057143" progId="PBrush">
                   <p:embed/>
                 </p:oleObj>
               </mc:Choice>

--- a/Apresentação - Estimativas .pptx
+++ b/Apresentação - Estimativas .pptx
@@ -5,10 +5,10 @@
     <p:sldMasterId id="2147483648" r:id="rId2"/>
   </p:sldMasterIdLst>
   <p:notesMasterIdLst>
-    <p:notesMasterId r:id="rId20"/>
+    <p:notesMasterId r:id="rId14"/>
   </p:notesMasterIdLst>
   <p:handoutMasterIdLst>
-    <p:handoutMasterId r:id="rId21"/>
+    <p:handoutMasterId r:id="rId15"/>
   </p:handoutMasterIdLst>
   <p:sldIdLst>
     <p:sldId id="265" r:id="rId3"/>
@@ -22,12 +22,6 @@
     <p:sldId id="275" r:id="rId11"/>
     <p:sldId id="263" r:id="rId12"/>
     <p:sldId id="268" r:id="rId13"/>
-    <p:sldId id="262" r:id="rId14"/>
-    <p:sldId id="273" r:id="rId15"/>
-    <p:sldId id="264" r:id="rId16"/>
-    <p:sldId id="272" r:id="rId17"/>
-    <p:sldId id="269" r:id="rId18"/>
-    <p:sldId id="270" r:id="rId19"/>
   </p:sldIdLst>
   <p:sldSz cx="12192000" cy="6858000"/>
   <p:notesSz cx="6858000" cy="9144000"/>
@@ -128,7 +122,7 @@
   </p:defaultTextStyle>
   <p:extLst>
     <p:ext uri="{EFAFB233-063F-42B5-8137-9DF3F51BA10A}">
-      <p15:sldGuideLst xmlns="" xmlns:p15="http://schemas.microsoft.com/office/powerpoint/2012/main">
+      <p15:sldGuideLst xmlns:p15="http://schemas.microsoft.com/office/powerpoint/2012/main" xmlns="">
         <p15:guide id="1" pos="3840" userDrawn="1">
           <p15:clr>
             <a:srgbClr val="A4A3A4"/>
@@ -142,3953 +136,10 @@
       </p15:sldGuideLst>
     </p:ext>
     <p:ext uri="{2D200454-40CA-4A62-9FC3-DE9A4176ACB9}">
-      <p15:notesGuideLst xmlns="" xmlns:p15="http://schemas.microsoft.com/office/powerpoint/2012/main"/>
+      <p15:notesGuideLst xmlns:p15="http://schemas.microsoft.com/office/powerpoint/2012/main" xmlns=""/>
     </p:ext>
   </p:extLst>
 </p:presentation>
-</file>
-
-<file path=ppt/charts/chart1.xml><?xml version="1.0" encoding="utf-8"?>
-<c:chartSpace xmlns:c="http://schemas.openxmlformats.org/drawingml/2006/chart" xmlns:a="http://schemas.openxmlformats.org/drawingml/2006/main" xmlns:r="http://schemas.openxmlformats.org/officeDocument/2006/relationships">
-  <c:date1904 val="0"/>
-  <c:lang val="pt-BR"/>
-  <c:roundedCorners val="0"/>
-  <mc:AlternateContent xmlns:mc="http://schemas.openxmlformats.org/markup-compatibility/2006">
-    <mc:Choice xmlns:c14="http://schemas.microsoft.com/office/drawing/2007/8/2/chart" Requires="c14">
-      <c14:style val="103"/>
-    </mc:Choice>
-    <mc:Fallback>
-      <c:style val="3"/>
-    </mc:Fallback>
-  </mc:AlternateContent>
-  <c:chart>
-    <c:autoTitleDeleted val="1"/>
-    <c:plotArea>
-      <c:layout/>
-      <c:barChart>
-        <c:barDir val="col"/>
-        <c:grouping val="clustered"/>
-        <c:varyColors val="0"/>
-        <c:ser>
-          <c:idx val="0"/>
-          <c:order val="0"/>
-          <c:tx>
-            <c:strRef>
-              <c:f>Sheet1!$B$1</c:f>
-              <c:strCache>
-                <c:ptCount val="1"/>
-                <c:pt idx="0">
-                  <c:v>Série 1</c:v>
-                </c:pt>
-              </c:strCache>
-            </c:strRef>
-          </c:tx>
-          <c:spPr>
-            <a:solidFill>
-              <a:schemeClr val="accent1">
-                <a:shade val="65000"/>
-              </a:schemeClr>
-            </a:solidFill>
-            <a:ln>
-              <a:noFill/>
-            </a:ln>
-            <a:effectLst/>
-          </c:spPr>
-          <c:invertIfNegative val="0"/>
-          <c:cat>
-            <c:strRef>
-              <c:f>Sheet1!$A$2:$A$5</c:f>
-              <c:strCache>
-                <c:ptCount val="4"/>
-                <c:pt idx="0">
-                  <c:v>Categoria 1</c:v>
-                </c:pt>
-                <c:pt idx="1">
-                  <c:v>Categoria 2</c:v>
-                </c:pt>
-                <c:pt idx="2">
-                  <c:v>Categoria 3</c:v>
-                </c:pt>
-                <c:pt idx="3">
-                  <c:v>Categoria 4</c:v>
-                </c:pt>
-              </c:strCache>
-            </c:strRef>
-          </c:cat>
-          <c:val>
-            <c:numRef>
-              <c:f>Sheet1!$B$2:$B$5</c:f>
-              <c:numCache>
-                <c:formatCode>General</c:formatCode>
-                <c:ptCount val="4"/>
-                <c:pt idx="0">
-                  <c:v>4.3</c:v>
-                </c:pt>
-                <c:pt idx="1">
-                  <c:v>2.5</c:v>
-                </c:pt>
-                <c:pt idx="2">
-                  <c:v>3.5</c:v>
-                </c:pt>
-                <c:pt idx="3">
-                  <c:v>4.5</c:v>
-                </c:pt>
-              </c:numCache>
-            </c:numRef>
-          </c:val>
-        </c:ser>
-        <c:ser>
-          <c:idx val="1"/>
-          <c:order val="1"/>
-          <c:tx>
-            <c:strRef>
-              <c:f>Sheet1!$C$1</c:f>
-              <c:strCache>
-                <c:ptCount val="1"/>
-                <c:pt idx="0">
-                  <c:v>Série 2</c:v>
-                </c:pt>
-              </c:strCache>
-            </c:strRef>
-          </c:tx>
-          <c:spPr>
-            <a:solidFill>
-              <a:schemeClr val="accent1"/>
-            </a:solidFill>
-            <a:ln>
-              <a:noFill/>
-            </a:ln>
-            <a:effectLst/>
-          </c:spPr>
-          <c:invertIfNegative val="0"/>
-          <c:cat>
-            <c:strRef>
-              <c:f>Sheet1!$A$2:$A$5</c:f>
-              <c:strCache>
-                <c:ptCount val="4"/>
-                <c:pt idx="0">
-                  <c:v>Categoria 1</c:v>
-                </c:pt>
-                <c:pt idx="1">
-                  <c:v>Categoria 2</c:v>
-                </c:pt>
-                <c:pt idx="2">
-                  <c:v>Categoria 3</c:v>
-                </c:pt>
-                <c:pt idx="3">
-                  <c:v>Categoria 4</c:v>
-                </c:pt>
-              </c:strCache>
-            </c:strRef>
-          </c:cat>
-          <c:val>
-            <c:numRef>
-              <c:f>Sheet1!$C$2:$C$5</c:f>
-              <c:numCache>
-                <c:formatCode>General</c:formatCode>
-                <c:ptCount val="4"/>
-                <c:pt idx="0">
-                  <c:v>2.4</c:v>
-                </c:pt>
-                <c:pt idx="1">
-                  <c:v>4.4000000000000004</c:v>
-                </c:pt>
-                <c:pt idx="2">
-                  <c:v>1.8</c:v>
-                </c:pt>
-                <c:pt idx="3">
-                  <c:v>2.8</c:v>
-                </c:pt>
-              </c:numCache>
-            </c:numRef>
-          </c:val>
-        </c:ser>
-        <c:ser>
-          <c:idx val="2"/>
-          <c:order val="2"/>
-          <c:tx>
-            <c:strRef>
-              <c:f>Sheet1!$D$1</c:f>
-              <c:strCache>
-                <c:ptCount val="1"/>
-                <c:pt idx="0">
-                  <c:v>Série 3</c:v>
-                </c:pt>
-              </c:strCache>
-            </c:strRef>
-          </c:tx>
-          <c:spPr>
-            <a:solidFill>
-              <a:schemeClr val="accent1">
-                <a:tint val="65000"/>
-              </a:schemeClr>
-            </a:solidFill>
-            <a:ln>
-              <a:noFill/>
-            </a:ln>
-            <a:effectLst/>
-          </c:spPr>
-          <c:invertIfNegative val="0"/>
-          <c:cat>
-            <c:strRef>
-              <c:f>Sheet1!$A$2:$A$5</c:f>
-              <c:strCache>
-                <c:ptCount val="4"/>
-                <c:pt idx="0">
-                  <c:v>Categoria 1</c:v>
-                </c:pt>
-                <c:pt idx="1">
-                  <c:v>Categoria 2</c:v>
-                </c:pt>
-                <c:pt idx="2">
-                  <c:v>Categoria 3</c:v>
-                </c:pt>
-                <c:pt idx="3">
-                  <c:v>Categoria 4</c:v>
-                </c:pt>
-              </c:strCache>
-            </c:strRef>
-          </c:cat>
-          <c:val>
-            <c:numRef>
-              <c:f>Sheet1!$D$2:$D$5</c:f>
-              <c:numCache>
-                <c:formatCode>General</c:formatCode>
-                <c:ptCount val="4"/>
-                <c:pt idx="0">
-                  <c:v>2</c:v>
-                </c:pt>
-                <c:pt idx="1">
-                  <c:v>2</c:v>
-                </c:pt>
-                <c:pt idx="2">
-                  <c:v>3</c:v>
-                </c:pt>
-                <c:pt idx="3">
-                  <c:v>5</c:v>
-                </c:pt>
-              </c:numCache>
-            </c:numRef>
-          </c:val>
-        </c:ser>
-        <c:dLbls>
-          <c:showLegendKey val="0"/>
-          <c:showVal val="0"/>
-          <c:showCatName val="0"/>
-          <c:showSerName val="0"/>
-          <c:showPercent val="0"/>
-          <c:showBubbleSize val="0"/>
-        </c:dLbls>
-        <c:gapWidth val="75"/>
-        <c:overlap val="-25"/>
-        <c:axId val="77633024"/>
-        <c:axId val="66943168"/>
-      </c:barChart>
-      <c:catAx>
-        <c:axId val="77633024"/>
-        <c:scaling>
-          <c:orientation val="minMax"/>
-        </c:scaling>
-        <c:delete val="0"/>
-        <c:axPos val="b"/>
-        <c:numFmt formatCode="General" sourceLinked="1"/>
-        <c:majorTickMark val="none"/>
-        <c:minorTickMark val="none"/>
-        <c:tickLblPos val="nextTo"/>
-        <c:spPr>
-          <a:noFill/>
-          <a:ln w="9525" cap="flat" cmpd="sng" algn="ctr">
-            <a:solidFill>
-              <a:schemeClr val="tx1">
-                <a:lumMod val="15000"/>
-                <a:lumOff val="85000"/>
-              </a:schemeClr>
-            </a:solidFill>
-            <a:round/>
-          </a:ln>
-          <a:effectLst/>
-        </c:spPr>
-        <c:txPr>
-          <a:bodyPr rot="-60000000" spcFirstLastPara="1" vertOverflow="ellipsis" vert="horz" wrap="square" anchor="ctr" anchorCtr="1"/>
-          <a:lstStyle/>
-          <a:p>
-            <a:pPr>
-              <a:defRPr sz="1197" b="0" i="0" u="none" strike="noStrike" kern="1200" baseline="0">
-                <a:solidFill>
-                  <a:schemeClr val="tx1">
-                    <a:lumMod val="65000"/>
-                    <a:lumOff val="35000"/>
-                  </a:schemeClr>
-                </a:solidFill>
-                <a:latin typeface="+mn-lt"/>
-                <a:ea typeface="+mn-ea"/>
-                <a:cs typeface="+mn-cs"/>
-              </a:defRPr>
-            </a:pPr>
-            <a:endParaRPr lang="pt-BR"/>
-          </a:p>
-        </c:txPr>
-        <c:crossAx val="66943168"/>
-        <c:crosses val="autoZero"/>
-        <c:auto val="1"/>
-        <c:lblAlgn val="ctr"/>
-        <c:lblOffset val="100"/>
-        <c:noMultiLvlLbl val="0"/>
-      </c:catAx>
-      <c:valAx>
-        <c:axId val="66943168"/>
-        <c:scaling>
-          <c:orientation val="minMax"/>
-        </c:scaling>
-        <c:delete val="0"/>
-        <c:axPos val="l"/>
-        <c:majorGridlines>
-          <c:spPr>
-            <a:ln w="9525" cap="flat" cmpd="sng" algn="ctr">
-              <a:solidFill>
-                <a:schemeClr val="tx1">
-                  <a:lumMod val="15000"/>
-                  <a:lumOff val="85000"/>
-                </a:schemeClr>
-              </a:solidFill>
-              <a:round/>
-            </a:ln>
-            <a:effectLst/>
-          </c:spPr>
-        </c:majorGridlines>
-        <c:numFmt formatCode="General" sourceLinked="1"/>
-        <c:majorTickMark val="none"/>
-        <c:minorTickMark val="none"/>
-        <c:tickLblPos val="nextTo"/>
-        <c:spPr>
-          <a:noFill/>
-          <a:ln>
-            <a:noFill/>
-          </a:ln>
-          <a:effectLst/>
-        </c:spPr>
-        <c:txPr>
-          <a:bodyPr rot="-60000000" spcFirstLastPara="1" vertOverflow="ellipsis" vert="horz" wrap="square" anchor="ctr" anchorCtr="1"/>
-          <a:lstStyle/>
-          <a:p>
-            <a:pPr>
-              <a:defRPr sz="1197" b="0" i="0" u="none" strike="noStrike" kern="1200" baseline="0">
-                <a:solidFill>
-                  <a:schemeClr val="tx1">
-                    <a:lumMod val="65000"/>
-                    <a:lumOff val="35000"/>
-                  </a:schemeClr>
-                </a:solidFill>
-                <a:latin typeface="+mn-lt"/>
-                <a:ea typeface="+mn-ea"/>
-                <a:cs typeface="+mn-cs"/>
-              </a:defRPr>
-            </a:pPr>
-            <a:endParaRPr lang="pt-BR"/>
-          </a:p>
-        </c:txPr>
-        <c:crossAx val="77633024"/>
-        <c:crosses val="autoZero"/>
-        <c:crossBetween val="between"/>
-      </c:valAx>
-      <c:spPr>
-        <a:noFill/>
-        <a:ln>
-          <a:noFill/>
-        </a:ln>
-        <a:effectLst/>
-      </c:spPr>
-    </c:plotArea>
-    <c:legend>
-      <c:legendPos val="b"/>
-      <c:layout/>
-      <c:overlay val="0"/>
-      <c:spPr>
-        <a:noFill/>
-        <a:ln>
-          <a:noFill/>
-        </a:ln>
-        <a:effectLst/>
-      </c:spPr>
-      <c:txPr>
-        <a:bodyPr rot="0" spcFirstLastPara="1" vertOverflow="ellipsis" vert="horz" wrap="square" anchor="ctr" anchorCtr="1"/>
-        <a:lstStyle/>
-        <a:p>
-          <a:pPr>
-            <a:defRPr sz="1197" b="0" i="0" u="none" strike="noStrike" kern="1200" baseline="0">
-              <a:solidFill>
-                <a:schemeClr val="tx1">
-                  <a:lumMod val="65000"/>
-                  <a:lumOff val="35000"/>
-                </a:schemeClr>
-              </a:solidFill>
-              <a:latin typeface="+mn-lt"/>
-              <a:ea typeface="+mn-ea"/>
-              <a:cs typeface="+mn-cs"/>
-            </a:defRPr>
-          </a:pPr>
-          <a:endParaRPr lang="pt-BR"/>
-        </a:p>
-      </c:txPr>
-    </c:legend>
-    <c:plotVisOnly val="1"/>
-    <c:dispBlanksAs val="gap"/>
-    <c:showDLblsOverMax val="0"/>
-  </c:chart>
-  <c:spPr>
-    <a:noFill/>
-    <a:ln>
-      <a:noFill/>
-    </a:ln>
-    <a:effectLst/>
-  </c:spPr>
-  <c:txPr>
-    <a:bodyPr/>
-    <a:lstStyle/>
-    <a:p>
-      <a:pPr>
-        <a:defRPr/>
-      </a:pPr>
-      <a:endParaRPr lang="pt-BR"/>
-    </a:p>
-  </c:txPr>
-  <c:externalData r:id="rId1">
-    <c:autoUpdate val="0"/>
-  </c:externalData>
-</c:chartSpace>
-</file>
-
-<file path=ppt/charts/colors1.xml><?xml version="1.0" encoding="utf-8"?>
-<cs:colorStyle xmlns:cs="http://schemas.microsoft.com/office/drawing/2012/chartStyle" xmlns:a="http://schemas.openxmlformats.org/drawingml/2006/main" meth="withinLinear" id="14">
-  <a:schemeClr val="accent1"/>
-</cs:colorStyle>
-</file>
-
-<file path=ppt/charts/style1.xml><?xml version="1.0" encoding="utf-8"?>
-<cs:chartStyle xmlns:cs="http://schemas.microsoft.com/office/drawing/2012/chartStyle" xmlns:a="http://schemas.openxmlformats.org/drawingml/2006/main" id="201">
-  <cs:axisTitle>
-    <cs:lnRef idx="0"/>
-    <cs:fillRef idx="0"/>
-    <cs:effectRef idx="0"/>
-    <cs:fontRef idx="minor">
-      <a:schemeClr val="tx1">
-        <a:lumMod val="65000"/>
-        <a:lumOff val="35000"/>
-      </a:schemeClr>
-    </cs:fontRef>
-    <cs:defRPr sz="1330" kern="1200"/>
-  </cs:axisTitle>
-  <cs:categoryAxis>
-    <cs:lnRef idx="0"/>
-    <cs:fillRef idx="0"/>
-    <cs:effectRef idx="0"/>
-    <cs:fontRef idx="minor">
-      <a:schemeClr val="tx1">
-        <a:lumMod val="65000"/>
-        <a:lumOff val="35000"/>
-      </a:schemeClr>
-    </cs:fontRef>
-    <cs:spPr>
-      <a:ln w="9525" cap="flat" cmpd="sng" algn="ctr">
-        <a:solidFill>
-          <a:schemeClr val="tx1">
-            <a:lumMod val="15000"/>
-            <a:lumOff val="85000"/>
-          </a:schemeClr>
-        </a:solidFill>
-        <a:round/>
-      </a:ln>
-    </cs:spPr>
-    <cs:defRPr sz="1197" kern="1200"/>
-  </cs:categoryAxis>
-  <cs:chartArea mods="allowNoFillOverride allowNoLineOverride">
-    <cs:lnRef idx="0"/>
-    <cs:fillRef idx="0"/>
-    <cs:effectRef idx="0"/>
-    <cs:fontRef idx="minor">
-      <a:schemeClr val="tx1"/>
-    </cs:fontRef>
-    <cs:spPr>
-      <a:solidFill>
-        <a:schemeClr val="bg1"/>
-      </a:solidFill>
-      <a:ln w="9525" cap="flat" cmpd="sng" algn="ctr">
-        <a:solidFill>
-          <a:schemeClr val="tx1">
-            <a:lumMod val="15000"/>
-            <a:lumOff val="85000"/>
-          </a:schemeClr>
-        </a:solidFill>
-        <a:round/>
-      </a:ln>
-    </cs:spPr>
-    <cs:defRPr sz="1330" kern="1200"/>
-  </cs:chartArea>
-  <cs:dataLabel>
-    <cs:lnRef idx="0"/>
-    <cs:fillRef idx="0"/>
-    <cs:effectRef idx="0"/>
-    <cs:fontRef idx="minor">
-      <a:schemeClr val="tx1">
-        <a:lumMod val="75000"/>
-        <a:lumOff val="25000"/>
-      </a:schemeClr>
-    </cs:fontRef>
-    <cs:defRPr sz="1197" kern="1200"/>
-  </cs:dataLabel>
-  <cs:dataLabelCallout>
-    <cs:lnRef idx="0"/>
-    <cs:fillRef idx="0"/>
-    <cs:effectRef idx="0"/>
-    <cs:fontRef idx="minor">
-      <a:schemeClr val="dk1">
-        <a:lumMod val="65000"/>
-        <a:lumOff val="35000"/>
-      </a:schemeClr>
-    </cs:fontRef>
-    <cs:spPr>
-      <a:solidFill>
-        <a:schemeClr val="lt1"/>
-      </a:solidFill>
-      <a:ln>
-        <a:solidFill>
-          <a:schemeClr val="dk1">
-            <a:lumMod val="25000"/>
-            <a:lumOff val="75000"/>
-          </a:schemeClr>
-        </a:solidFill>
-      </a:ln>
-    </cs:spPr>
-    <cs:defRPr sz="1197" kern="1200"/>
-  </cs:dataLabelCallout>
-  <cs:dataPoint>
-    <cs:lnRef idx="0"/>
-    <cs:fillRef idx="1">
-      <cs:styleClr val="auto"/>
-    </cs:fillRef>
-    <cs:effectRef idx="0"/>
-    <cs:fontRef idx="minor">
-      <a:schemeClr val="tx1"/>
-    </cs:fontRef>
-  </cs:dataPoint>
-  <cs:dataPoint3D>
-    <cs:lnRef idx="0"/>
-    <cs:fillRef idx="1">
-      <cs:styleClr val="auto"/>
-    </cs:fillRef>
-    <cs:effectRef idx="0"/>
-    <cs:fontRef idx="minor">
-      <a:schemeClr val="tx1"/>
-    </cs:fontRef>
-  </cs:dataPoint3D>
-  <cs:dataPointLine>
-    <cs:lnRef idx="0">
-      <cs:styleClr val="auto"/>
-    </cs:lnRef>
-    <cs:fillRef idx="1"/>
-    <cs:effectRef idx="0"/>
-    <cs:fontRef idx="minor">
-      <a:schemeClr val="tx1"/>
-    </cs:fontRef>
-    <cs:spPr>
-      <a:ln w="28575" cap="rnd">
-        <a:solidFill>
-          <a:schemeClr val="phClr"/>
-        </a:solidFill>
-        <a:round/>
-      </a:ln>
-    </cs:spPr>
-  </cs:dataPointLine>
-  <cs:dataPointMarker>
-    <cs:lnRef idx="0">
-      <cs:styleClr val="auto"/>
-    </cs:lnRef>
-    <cs:fillRef idx="1">
-      <cs:styleClr val="auto"/>
-    </cs:fillRef>
-    <cs:effectRef idx="0"/>
-    <cs:fontRef idx="minor">
-      <a:schemeClr val="tx1"/>
-    </cs:fontRef>
-    <cs:spPr>
-      <a:ln w="9525">
-        <a:solidFill>
-          <a:schemeClr val="phClr"/>
-        </a:solidFill>
-      </a:ln>
-    </cs:spPr>
-  </cs:dataPointMarker>
-  <cs:dataPointMarkerLayout symbol="circle" size="5"/>
-  <cs:dataPointWireframe>
-    <cs:lnRef idx="0">
-      <cs:styleClr val="auto"/>
-    </cs:lnRef>
-    <cs:fillRef idx="1"/>
-    <cs:effectRef idx="0"/>
-    <cs:fontRef idx="minor">
-      <a:schemeClr val="tx1"/>
-    </cs:fontRef>
-    <cs:spPr>
-      <a:ln w="9525" cap="rnd">
-        <a:solidFill>
-          <a:schemeClr val="phClr"/>
-        </a:solidFill>
-        <a:round/>
-      </a:ln>
-    </cs:spPr>
-  </cs:dataPointWireframe>
-  <cs:dataTable>
-    <cs:lnRef idx="0"/>
-    <cs:fillRef idx="0"/>
-    <cs:effectRef idx="0"/>
-    <cs:fontRef idx="minor">
-      <a:schemeClr val="tx1">
-        <a:lumMod val="65000"/>
-        <a:lumOff val="35000"/>
-      </a:schemeClr>
-    </cs:fontRef>
-    <cs:spPr>
-      <a:noFill/>
-      <a:ln w="9525" cap="flat" cmpd="sng" algn="ctr">
-        <a:solidFill>
-          <a:schemeClr val="tx1">
-            <a:lumMod val="15000"/>
-            <a:lumOff val="85000"/>
-          </a:schemeClr>
-        </a:solidFill>
-        <a:round/>
-      </a:ln>
-    </cs:spPr>
-    <cs:defRPr sz="1197" kern="1200"/>
-  </cs:dataTable>
-  <cs:downBar>
-    <cs:lnRef idx="0"/>
-    <cs:fillRef idx="0"/>
-    <cs:effectRef idx="0"/>
-    <cs:fontRef idx="minor">
-      <a:schemeClr val="dk1"/>
-    </cs:fontRef>
-    <cs:spPr>
-      <a:solidFill>
-        <a:schemeClr val="dk1">
-          <a:lumMod val="65000"/>
-          <a:lumOff val="35000"/>
-        </a:schemeClr>
-      </a:solidFill>
-      <a:ln w="9525">
-        <a:solidFill>
-          <a:schemeClr val="tx1">
-            <a:lumMod val="65000"/>
-            <a:lumOff val="35000"/>
-          </a:schemeClr>
-        </a:solidFill>
-      </a:ln>
-    </cs:spPr>
-  </cs:downBar>
-  <cs:dropLine>
-    <cs:lnRef idx="0"/>
-    <cs:fillRef idx="0"/>
-    <cs:effectRef idx="0"/>
-    <cs:fontRef idx="minor">
-      <a:schemeClr val="tx1"/>
-    </cs:fontRef>
-    <cs:spPr>
-      <a:ln w="9525" cap="flat" cmpd="sng" algn="ctr">
-        <a:solidFill>
-          <a:schemeClr val="tx1">
-            <a:lumMod val="35000"/>
-            <a:lumOff val="65000"/>
-          </a:schemeClr>
-        </a:solidFill>
-        <a:round/>
-      </a:ln>
-    </cs:spPr>
-  </cs:dropLine>
-  <cs:errorBar>
-    <cs:lnRef idx="0"/>
-    <cs:fillRef idx="0"/>
-    <cs:effectRef idx="0"/>
-    <cs:fontRef idx="minor">
-      <a:schemeClr val="tx1"/>
-    </cs:fontRef>
-    <cs:spPr>
-      <a:ln w="9525" cap="flat" cmpd="sng" algn="ctr">
-        <a:solidFill>
-          <a:schemeClr val="tx1">
-            <a:lumMod val="65000"/>
-            <a:lumOff val="35000"/>
-          </a:schemeClr>
-        </a:solidFill>
-        <a:round/>
-      </a:ln>
-    </cs:spPr>
-  </cs:errorBar>
-  <cs:floor>
-    <cs:lnRef idx="0"/>
-    <cs:fillRef idx="0"/>
-    <cs:effectRef idx="0"/>
-    <cs:fontRef idx="minor">
-      <a:schemeClr val="tx1"/>
-    </cs:fontRef>
-    <cs:spPr>
-      <a:noFill/>
-      <a:ln>
-        <a:noFill/>
-      </a:ln>
-    </cs:spPr>
-  </cs:floor>
-  <cs:gridlineMajor>
-    <cs:lnRef idx="0"/>
-    <cs:fillRef idx="0"/>
-    <cs:effectRef idx="0"/>
-    <cs:fontRef idx="minor">
-      <a:schemeClr val="tx1"/>
-    </cs:fontRef>
-    <cs:spPr>
-      <a:ln w="9525" cap="flat" cmpd="sng" algn="ctr">
-        <a:solidFill>
-          <a:schemeClr val="tx1">
-            <a:lumMod val="15000"/>
-            <a:lumOff val="85000"/>
-          </a:schemeClr>
-        </a:solidFill>
-        <a:round/>
-      </a:ln>
-    </cs:spPr>
-  </cs:gridlineMajor>
-  <cs:gridlineMinor>
-    <cs:lnRef idx="0"/>
-    <cs:fillRef idx="0"/>
-    <cs:effectRef idx="0"/>
-    <cs:fontRef idx="minor">
-      <a:schemeClr val="tx1"/>
-    </cs:fontRef>
-    <cs:spPr>
-      <a:ln w="9525" cap="flat" cmpd="sng" algn="ctr">
-        <a:solidFill>
-          <a:schemeClr val="tx1">
-            <a:lumMod val="5000"/>
-            <a:lumOff val="95000"/>
-          </a:schemeClr>
-        </a:solidFill>
-        <a:round/>
-      </a:ln>
-    </cs:spPr>
-  </cs:gridlineMinor>
-  <cs:hiLoLine>
-    <cs:lnRef idx="0"/>
-    <cs:fillRef idx="0"/>
-    <cs:effectRef idx="0"/>
-    <cs:fontRef idx="minor">
-      <a:schemeClr val="tx1"/>
-    </cs:fontRef>
-    <cs:spPr>
-      <a:ln w="9525" cap="flat" cmpd="sng" algn="ctr">
-        <a:solidFill>
-          <a:schemeClr val="tx1">
-            <a:lumMod val="75000"/>
-            <a:lumOff val="25000"/>
-          </a:schemeClr>
-        </a:solidFill>
-        <a:round/>
-      </a:ln>
-    </cs:spPr>
-  </cs:hiLoLine>
-  <cs:leaderLine>
-    <cs:lnRef idx="0"/>
-    <cs:fillRef idx="0"/>
-    <cs:effectRef idx="0"/>
-    <cs:fontRef idx="minor">
-      <a:schemeClr val="tx1"/>
-    </cs:fontRef>
-    <cs:spPr>
-      <a:ln w="9525" cap="flat" cmpd="sng" algn="ctr">
-        <a:solidFill>
-          <a:schemeClr val="tx1">
-            <a:lumMod val="35000"/>
-            <a:lumOff val="65000"/>
-          </a:schemeClr>
-        </a:solidFill>
-        <a:round/>
-      </a:ln>
-    </cs:spPr>
-  </cs:leaderLine>
-  <cs:legend>
-    <cs:lnRef idx="0"/>
-    <cs:fillRef idx="0"/>
-    <cs:effectRef idx="0"/>
-    <cs:fontRef idx="minor">
-      <a:schemeClr val="tx1">
-        <a:lumMod val="65000"/>
-        <a:lumOff val="35000"/>
-      </a:schemeClr>
-    </cs:fontRef>
-    <cs:defRPr sz="1197" kern="1200"/>
-  </cs:legend>
-  <cs:plotArea mods="allowNoFillOverride allowNoLineOverride">
-    <cs:lnRef idx="0"/>
-    <cs:fillRef idx="0"/>
-    <cs:effectRef idx="0"/>
-    <cs:fontRef idx="minor">
-      <a:schemeClr val="tx1"/>
-    </cs:fontRef>
-  </cs:plotArea>
-  <cs:plotArea3D mods="allowNoFillOverride allowNoLineOverride">
-    <cs:lnRef idx="0"/>
-    <cs:fillRef idx="0"/>
-    <cs:effectRef idx="0"/>
-    <cs:fontRef idx="minor">
-      <a:schemeClr val="tx1"/>
-    </cs:fontRef>
-  </cs:plotArea3D>
-  <cs:seriesAxis>
-    <cs:lnRef idx="0"/>
-    <cs:fillRef idx="0"/>
-    <cs:effectRef idx="0"/>
-    <cs:fontRef idx="minor">
-      <a:schemeClr val="tx1">
-        <a:lumMod val="65000"/>
-        <a:lumOff val="35000"/>
-      </a:schemeClr>
-    </cs:fontRef>
-    <cs:defRPr sz="1197" kern="1200"/>
-  </cs:seriesAxis>
-  <cs:seriesLine>
-    <cs:lnRef idx="0"/>
-    <cs:fillRef idx="0"/>
-    <cs:effectRef idx="0"/>
-    <cs:fontRef idx="minor">
-      <a:schemeClr val="tx1"/>
-    </cs:fontRef>
-    <cs:spPr>
-      <a:ln w="9525" cap="flat" cmpd="sng" algn="ctr">
-        <a:solidFill>
-          <a:schemeClr val="tx1">
-            <a:lumMod val="35000"/>
-            <a:lumOff val="65000"/>
-          </a:schemeClr>
-        </a:solidFill>
-        <a:round/>
-      </a:ln>
-    </cs:spPr>
-  </cs:seriesLine>
-  <cs:title>
-    <cs:lnRef idx="0"/>
-    <cs:fillRef idx="0"/>
-    <cs:effectRef idx="0"/>
-    <cs:fontRef idx="minor">
-      <a:schemeClr val="tx1">
-        <a:lumMod val="65000"/>
-        <a:lumOff val="35000"/>
-      </a:schemeClr>
-    </cs:fontRef>
-    <cs:defRPr sz="1862" b="0" kern="1200" spc="0" baseline="0"/>
-  </cs:title>
-  <cs:trendline>
-    <cs:lnRef idx="0">
-      <cs:styleClr val="auto"/>
-    </cs:lnRef>
-    <cs:fillRef idx="0"/>
-    <cs:effectRef idx="0"/>
-    <cs:fontRef idx="minor">
-      <a:schemeClr val="tx1"/>
-    </cs:fontRef>
-    <cs:spPr>
-      <a:ln w="19050" cap="rnd">
-        <a:solidFill>
-          <a:schemeClr val="phClr"/>
-        </a:solidFill>
-        <a:prstDash val="sysDot"/>
-      </a:ln>
-    </cs:spPr>
-  </cs:trendline>
-  <cs:trendlineLabel>
-    <cs:lnRef idx="0"/>
-    <cs:fillRef idx="0"/>
-    <cs:effectRef idx="0"/>
-    <cs:fontRef idx="minor">
-      <a:schemeClr val="tx1">
-        <a:lumMod val="65000"/>
-        <a:lumOff val="35000"/>
-      </a:schemeClr>
-    </cs:fontRef>
-    <cs:defRPr sz="1197" kern="1200"/>
-  </cs:trendlineLabel>
-  <cs:upBar>
-    <cs:lnRef idx="0"/>
-    <cs:fillRef idx="0"/>
-    <cs:effectRef idx="0"/>
-    <cs:fontRef idx="minor">
-      <a:schemeClr val="dk1"/>
-    </cs:fontRef>
-    <cs:spPr>
-      <a:solidFill>
-        <a:schemeClr val="lt1"/>
-      </a:solidFill>
-      <a:ln w="9525">
-        <a:solidFill>
-          <a:schemeClr val="tx1">
-            <a:lumMod val="15000"/>
-            <a:lumOff val="85000"/>
-          </a:schemeClr>
-        </a:solidFill>
-      </a:ln>
-    </cs:spPr>
-  </cs:upBar>
-  <cs:valueAxis>
-    <cs:lnRef idx="0"/>
-    <cs:fillRef idx="0"/>
-    <cs:effectRef idx="0"/>
-    <cs:fontRef idx="minor">
-      <a:schemeClr val="tx1">
-        <a:lumMod val="65000"/>
-        <a:lumOff val="35000"/>
-      </a:schemeClr>
-    </cs:fontRef>
-    <cs:defRPr sz="1197" kern="1200"/>
-  </cs:valueAxis>
-  <cs:wall>
-    <cs:lnRef idx="0"/>
-    <cs:fillRef idx="0"/>
-    <cs:effectRef idx="0"/>
-    <cs:fontRef idx="minor">
-      <a:schemeClr val="tx1"/>
-    </cs:fontRef>
-    <cs:spPr>
-      <a:noFill/>
-      <a:ln>
-        <a:noFill/>
-      </a:ln>
-    </cs:spPr>
-  </cs:wall>
-</cs:chartStyle>
-</file>
-
-<file path=ppt/diagrams/colors1.xml><?xml version="1.0" encoding="utf-8"?>
-<dgm:colorsDef xmlns:dgm="http://schemas.openxmlformats.org/drawingml/2006/diagram" xmlns:a="http://schemas.openxmlformats.org/drawingml/2006/main" uniqueId="urn:microsoft.com/office/officeart/2005/8/colors/accent1_2">
-  <dgm:title val=""/>
-  <dgm:desc val=""/>
-  <dgm:catLst>
-    <dgm:cat type="accent1" pri="11200"/>
-  </dgm:catLst>
-  <dgm:styleLbl name="node0">
-    <dgm:fillClrLst meth="repeat">
-      <a:schemeClr val="accent1"/>
-    </dgm:fillClrLst>
-    <dgm:linClrLst meth="repeat">
-      <a:schemeClr val="lt1"/>
-    </dgm:linClrLst>
-    <dgm:effectClrLst/>
-    <dgm:txLinClrLst/>
-    <dgm:txFillClrLst/>
-    <dgm:txEffectClrLst/>
-  </dgm:styleLbl>
-  <dgm:styleLbl name="alignNode1">
-    <dgm:fillClrLst meth="repeat">
-      <a:schemeClr val="accent1"/>
-    </dgm:fillClrLst>
-    <dgm:linClrLst meth="repeat">
-      <a:schemeClr val="accent1"/>
-    </dgm:linClrLst>
-    <dgm:effectClrLst/>
-    <dgm:txLinClrLst/>
-    <dgm:txFillClrLst/>
-    <dgm:txEffectClrLst/>
-  </dgm:styleLbl>
-  <dgm:styleLbl name="node1">
-    <dgm:fillClrLst meth="repeat">
-      <a:schemeClr val="accent1"/>
-    </dgm:fillClrLst>
-    <dgm:linClrLst meth="repeat">
-      <a:schemeClr val="lt1"/>
-    </dgm:linClrLst>
-    <dgm:effectClrLst/>
-    <dgm:txLinClrLst/>
-    <dgm:txFillClrLst/>
-    <dgm:txEffectClrLst/>
-  </dgm:styleLbl>
-  <dgm:styleLbl name="lnNode1">
-    <dgm:fillClrLst meth="repeat">
-      <a:schemeClr val="accent1"/>
-    </dgm:fillClrLst>
-    <dgm:linClrLst meth="repeat">
-      <a:schemeClr val="lt1"/>
-    </dgm:linClrLst>
-    <dgm:effectClrLst/>
-    <dgm:txLinClrLst/>
-    <dgm:txFillClrLst/>
-    <dgm:txEffectClrLst/>
-  </dgm:styleLbl>
-  <dgm:styleLbl name="vennNode1">
-    <dgm:fillClrLst meth="repeat">
-      <a:schemeClr val="accent1">
-        <a:alpha val="50000"/>
-      </a:schemeClr>
-    </dgm:fillClrLst>
-    <dgm:linClrLst meth="repeat">
-      <a:schemeClr val="lt1"/>
-    </dgm:linClrLst>
-    <dgm:effectClrLst/>
-    <dgm:txLinClrLst/>
-    <dgm:txFillClrLst/>
-    <dgm:txEffectClrLst/>
-  </dgm:styleLbl>
-  <dgm:styleLbl name="node2">
-    <dgm:fillClrLst meth="repeat">
-      <a:schemeClr val="accent1"/>
-    </dgm:fillClrLst>
-    <dgm:linClrLst meth="repeat">
-      <a:schemeClr val="lt1"/>
-    </dgm:linClrLst>
-    <dgm:effectClrLst/>
-    <dgm:txLinClrLst/>
-    <dgm:txFillClrLst/>
-    <dgm:txEffectClrLst/>
-  </dgm:styleLbl>
-  <dgm:styleLbl name="node3">
-    <dgm:fillClrLst meth="repeat">
-      <a:schemeClr val="accent1"/>
-    </dgm:fillClrLst>
-    <dgm:linClrLst meth="repeat">
-      <a:schemeClr val="lt1"/>
-    </dgm:linClrLst>
-    <dgm:effectClrLst/>
-    <dgm:txLinClrLst/>
-    <dgm:txFillClrLst/>
-    <dgm:txEffectClrLst/>
-  </dgm:styleLbl>
-  <dgm:styleLbl name="node4">
-    <dgm:fillClrLst meth="repeat">
-      <a:schemeClr val="accent1"/>
-    </dgm:fillClrLst>
-    <dgm:linClrLst meth="repeat">
-      <a:schemeClr val="lt1"/>
-    </dgm:linClrLst>
-    <dgm:effectClrLst/>
-    <dgm:txLinClrLst/>
-    <dgm:txFillClrLst/>
-    <dgm:txEffectClrLst/>
-  </dgm:styleLbl>
-  <dgm:styleLbl name="fgImgPlace1">
-    <dgm:fillClrLst meth="repeat">
-      <a:schemeClr val="accent1">
-        <a:tint val="50000"/>
-      </a:schemeClr>
-    </dgm:fillClrLst>
-    <dgm:linClrLst meth="repeat">
-      <a:schemeClr val="lt1"/>
-    </dgm:linClrLst>
-    <dgm:effectClrLst/>
-    <dgm:txLinClrLst/>
-    <dgm:txFillClrLst meth="repeat">
-      <a:schemeClr val="lt1"/>
-    </dgm:txFillClrLst>
-    <dgm:txEffectClrLst/>
-  </dgm:styleLbl>
-  <dgm:styleLbl name="alignImgPlace1">
-    <dgm:fillClrLst meth="repeat">
-      <a:schemeClr val="accent1">
-        <a:tint val="50000"/>
-      </a:schemeClr>
-    </dgm:fillClrLst>
-    <dgm:linClrLst meth="repeat">
-      <a:schemeClr val="lt1"/>
-    </dgm:linClrLst>
-    <dgm:effectClrLst/>
-    <dgm:txLinClrLst/>
-    <dgm:txFillClrLst meth="repeat">
-      <a:schemeClr val="lt1"/>
-    </dgm:txFillClrLst>
-    <dgm:txEffectClrLst/>
-  </dgm:styleLbl>
-  <dgm:styleLbl name="bgImgPlace1">
-    <dgm:fillClrLst meth="repeat">
-      <a:schemeClr val="accent1">
-        <a:tint val="50000"/>
-      </a:schemeClr>
-    </dgm:fillClrLst>
-    <dgm:linClrLst meth="repeat">
-      <a:schemeClr val="lt1"/>
-    </dgm:linClrLst>
-    <dgm:effectClrLst/>
-    <dgm:txLinClrLst/>
-    <dgm:txFillClrLst meth="repeat">
-      <a:schemeClr val="lt1"/>
-    </dgm:txFillClrLst>
-    <dgm:txEffectClrLst/>
-  </dgm:styleLbl>
-  <dgm:styleLbl name="sibTrans2D1">
-    <dgm:fillClrLst meth="repeat">
-      <a:schemeClr val="accent1">
-        <a:tint val="60000"/>
-      </a:schemeClr>
-    </dgm:fillClrLst>
-    <dgm:linClrLst meth="repeat">
-      <a:schemeClr val="accent1">
-        <a:tint val="60000"/>
-      </a:schemeClr>
-    </dgm:linClrLst>
-    <dgm:effectClrLst/>
-    <dgm:txLinClrLst/>
-    <dgm:txFillClrLst/>
-    <dgm:txEffectClrLst/>
-  </dgm:styleLbl>
-  <dgm:styleLbl name="fgSibTrans2D1">
-    <dgm:fillClrLst meth="repeat">
-      <a:schemeClr val="accent1">
-        <a:tint val="60000"/>
-      </a:schemeClr>
-    </dgm:fillClrLst>
-    <dgm:linClrLst meth="repeat">
-      <a:schemeClr val="accent1">
-        <a:tint val="60000"/>
-      </a:schemeClr>
-    </dgm:linClrLst>
-    <dgm:effectClrLst/>
-    <dgm:txLinClrLst/>
-    <dgm:txFillClrLst/>
-    <dgm:txEffectClrLst/>
-  </dgm:styleLbl>
-  <dgm:styleLbl name="bgSibTrans2D1">
-    <dgm:fillClrLst meth="repeat">
-      <a:schemeClr val="accent1">
-        <a:tint val="60000"/>
-      </a:schemeClr>
-    </dgm:fillClrLst>
-    <dgm:linClrLst meth="repeat">
-      <a:schemeClr val="accent1">
-        <a:tint val="60000"/>
-      </a:schemeClr>
-    </dgm:linClrLst>
-    <dgm:effectClrLst/>
-    <dgm:txLinClrLst/>
-    <dgm:txFillClrLst/>
-    <dgm:txEffectClrLst/>
-  </dgm:styleLbl>
-  <dgm:styleLbl name="sibTrans1D1">
-    <dgm:fillClrLst meth="repeat">
-      <a:schemeClr val="accent1"/>
-    </dgm:fillClrLst>
-    <dgm:linClrLst meth="repeat">
-      <a:schemeClr val="accent1"/>
-    </dgm:linClrLst>
-    <dgm:effectClrLst/>
-    <dgm:txLinClrLst/>
-    <dgm:txFillClrLst meth="repeat">
-      <a:schemeClr val="tx1"/>
-    </dgm:txFillClrLst>
-    <dgm:txEffectClrLst/>
-  </dgm:styleLbl>
-  <dgm:styleLbl name="callout">
-    <dgm:fillClrLst meth="repeat">
-      <a:schemeClr val="accent1"/>
-    </dgm:fillClrLst>
-    <dgm:linClrLst meth="repeat">
-      <a:schemeClr val="accent1">
-        <a:tint val="50000"/>
-      </a:schemeClr>
-    </dgm:linClrLst>
-    <dgm:effectClrLst/>
-    <dgm:txLinClrLst/>
-    <dgm:txFillClrLst meth="repeat">
-      <a:schemeClr val="tx1"/>
-    </dgm:txFillClrLst>
-    <dgm:txEffectClrLst/>
-  </dgm:styleLbl>
-  <dgm:styleLbl name="asst0">
-    <dgm:fillClrLst meth="repeat">
-      <a:schemeClr val="accent1"/>
-    </dgm:fillClrLst>
-    <dgm:linClrLst meth="repeat">
-      <a:schemeClr val="lt1"/>
-    </dgm:linClrLst>
-    <dgm:effectClrLst/>
-    <dgm:txLinClrLst/>
-    <dgm:txFillClrLst/>
-    <dgm:txEffectClrLst/>
-  </dgm:styleLbl>
-  <dgm:styleLbl name="asst1">
-    <dgm:fillClrLst meth="repeat">
-      <a:schemeClr val="accent1"/>
-    </dgm:fillClrLst>
-    <dgm:linClrLst meth="repeat">
-      <a:schemeClr val="lt1"/>
-    </dgm:linClrLst>
-    <dgm:effectClrLst/>
-    <dgm:txLinClrLst/>
-    <dgm:txFillClrLst/>
-    <dgm:txEffectClrLst/>
-  </dgm:styleLbl>
-  <dgm:styleLbl name="asst2">
-    <dgm:fillClrLst meth="repeat">
-      <a:schemeClr val="accent1"/>
-    </dgm:fillClrLst>
-    <dgm:linClrLst meth="repeat">
-      <a:schemeClr val="lt1"/>
-    </dgm:linClrLst>
-    <dgm:effectClrLst/>
-    <dgm:txLinClrLst/>
-    <dgm:txFillClrLst/>
-    <dgm:txEffectClrLst/>
-  </dgm:styleLbl>
-  <dgm:styleLbl name="asst3">
-    <dgm:fillClrLst meth="repeat">
-      <a:schemeClr val="accent1"/>
-    </dgm:fillClrLst>
-    <dgm:linClrLst meth="repeat">
-      <a:schemeClr val="lt1"/>
-    </dgm:linClrLst>
-    <dgm:effectClrLst/>
-    <dgm:txLinClrLst/>
-    <dgm:txFillClrLst/>
-    <dgm:txEffectClrLst/>
-  </dgm:styleLbl>
-  <dgm:styleLbl name="asst4">
-    <dgm:fillClrLst meth="repeat">
-      <a:schemeClr val="accent1"/>
-    </dgm:fillClrLst>
-    <dgm:linClrLst meth="repeat">
-      <a:schemeClr val="lt1"/>
-    </dgm:linClrLst>
-    <dgm:effectClrLst/>
-    <dgm:txLinClrLst/>
-    <dgm:txFillClrLst/>
-    <dgm:txEffectClrLst/>
-  </dgm:styleLbl>
-  <dgm:styleLbl name="parChTrans2D1">
-    <dgm:fillClrLst meth="repeat">
-      <a:schemeClr val="accent1">
-        <a:tint val="60000"/>
-      </a:schemeClr>
-    </dgm:fillClrLst>
-    <dgm:linClrLst meth="repeat">
-      <a:schemeClr val="accent1">
-        <a:tint val="60000"/>
-      </a:schemeClr>
-    </dgm:linClrLst>
-    <dgm:effectClrLst/>
-    <dgm:txLinClrLst/>
-    <dgm:txFillClrLst meth="repeat">
-      <a:schemeClr val="lt1"/>
-    </dgm:txFillClrLst>
-    <dgm:txEffectClrLst/>
-  </dgm:styleLbl>
-  <dgm:styleLbl name="parChTrans2D2">
-    <dgm:fillClrLst meth="repeat">
-      <a:schemeClr val="accent1"/>
-    </dgm:fillClrLst>
-    <dgm:linClrLst meth="repeat">
-      <a:schemeClr val="accent1"/>
-    </dgm:linClrLst>
-    <dgm:effectClrLst/>
-    <dgm:txLinClrLst/>
-    <dgm:txFillClrLst meth="repeat">
-      <a:schemeClr val="lt1"/>
-    </dgm:txFillClrLst>
-    <dgm:txEffectClrLst/>
-  </dgm:styleLbl>
-  <dgm:styleLbl name="parChTrans2D3">
-    <dgm:fillClrLst meth="repeat">
-      <a:schemeClr val="accent1"/>
-    </dgm:fillClrLst>
-    <dgm:linClrLst meth="repeat">
-      <a:schemeClr val="accent1"/>
-    </dgm:linClrLst>
-    <dgm:effectClrLst/>
-    <dgm:txLinClrLst/>
-    <dgm:txFillClrLst meth="repeat">
-      <a:schemeClr val="lt1"/>
-    </dgm:txFillClrLst>
-    <dgm:txEffectClrLst/>
-  </dgm:styleLbl>
-  <dgm:styleLbl name="parChTrans2D4">
-    <dgm:fillClrLst meth="repeat">
-      <a:schemeClr val="accent1"/>
-    </dgm:fillClrLst>
-    <dgm:linClrLst meth="repeat">
-      <a:schemeClr val="accent1"/>
-    </dgm:linClrLst>
-    <dgm:effectClrLst/>
-    <dgm:txLinClrLst/>
-    <dgm:txFillClrLst meth="repeat">
-      <a:schemeClr val="lt1"/>
-    </dgm:txFillClrLst>
-    <dgm:txEffectClrLst/>
-  </dgm:styleLbl>
-  <dgm:styleLbl name="parChTrans1D1">
-    <dgm:fillClrLst meth="repeat">
-      <a:schemeClr val="accent1"/>
-    </dgm:fillClrLst>
-    <dgm:linClrLst meth="repeat">
-      <a:schemeClr val="accent1">
-        <a:shade val="60000"/>
-      </a:schemeClr>
-    </dgm:linClrLst>
-    <dgm:effectClrLst/>
-    <dgm:txLinClrLst/>
-    <dgm:txFillClrLst meth="repeat">
-      <a:schemeClr val="tx1"/>
-    </dgm:txFillClrLst>
-    <dgm:txEffectClrLst/>
-  </dgm:styleLbl>
-  <dgm:styleLbl name="parChTrans1D2">
-    <dgm:fillClrLst meth="repeat">
-      <a:schemeClr val="accent1"/>
-    </dgm:fillClrLst>
-    <dgm:linClrLst meth="repeat">
-      <a:schemeClr val="accent1">
-        <a:shade val="60000"/>
-      </a:schemeClr>
-    </dgm:linClrLst>
-    <dgm:effectClrLst/>
-    <dgm:txLinClrLst/>
-    <dgm:txFillClrLst meth="repeat">
-      <a:schemeClr val="tx1"/>
-    </dgm:txFillClrLst>
-    <dgm:txEffectClrLst/>
-  </dgm:styleLbl>
-  <dgm:styleLbl name="parChTrans1D3">
-    <dgm:fillClrLst meth="repeat">
-      <a:schemeClr val="accent1"/>
-    </dgm:fillClrLst>
-    <dgm:linClrLst meth="repeat">
-      <a:schemeClr val="accent1">
-        <a:shade val="80000"/>
-      </a:schemeClr>
-    </dgm:linClrLst>
-    <dgm:effectClrLst/>
-    <dgm:txLinClrLst/>
-    <dgm:txFillClrLst meth="repeat">
-      <a:schemeClr val="tx1"/>
-    </dgm:txFillClrLst>
-    <dgm:txEffectClrLst/>
-  </dgm:styleLbl>
-  <dgm:styleLbl name="parChTrans1D4">
-    <dgm:fillClrLst meth="repeat">
-      <a:schemeClr val="accent1"/>
-    </dgm:fillClrLst>
-    <dgm:linClrLst meth="repeat">
-      <a:schemeClr val="accent1">
-        <a:shade val="80000"/>
-      </a:schemeClr>
-    </dgm:linClrLst>
-    <dgm:effectClrLst/>
-    <dgm:txLinClrLst/>
-    <dgm:txFillClrLst meth="repeat">
-      <a:schemeClr val="tx1"/>
-    </dgm:txFillClrLst>
-    <dgm:txEffectClrLst/>
-  </dgm:styleLbl>
-  <dgm:styleLbl name="fgAcc1">
-    <dgm:fillClrLst meth="repeat">
-      <a:schemeClr val="lt1">
-        <a:alpha val="90000"/>
-      </a:schemeClr>
-    </dgm:fillClrLst>
-    <dgm:linClrLst meth="repeat">
-      <a:schemeClr val="accent1"/>
-    </dgm:linClrLst>
-    <dgm:effectClrLst/>
-    <dgm:txLinClrLst/>
-    <dgm:txFillClrLst meth="repeat">
-      <a:schemeClr val="dk1"/>
-    </dgm:txFillClrLst>
-    <dgm:txEffectClrLst/>
-  </dgm:styleLbl>
-  <dgm:styleLbl name="conFgAcc1">
-    <dgm:fillClrLst meth="repeat">
-      <a:schemeClr val="lt1">
-        <a:alpha val="90000"/>
-      </a:schemeClr>
-    </dgm:fillClrLst>
-    <dgm:linClrLst meth="repeat">
-      <a:schemeClr val="accent1"/>
-    </dgm:linClrLst>
-    <dgm:effectClrLst/>
-    <dgm:txLinClrLst/>
-    <dgm:txFillClrLst meth="repeat">
-      <a:schemeClr val="dk1"/>
-    </dgm:txFillClrLst>
-    <dgm:txEffectClrLst/>
-  </dgm:styleLbl>
-  <dgm:styleLbl name="alignAcc1">
-    <dgm:fillClrLst meth="repeat">
-      <a:schemeClr val="lt1">
-        <a:alpha val="90000"/>
-      </a:schemeClr>
-    </dgm:fillClrLst>
-    <dgm:linClrLst meth="repeat">
-      <a:schemeClr val="accent1"/>
-    </dgm:linClrLst>
-    <dgm:effectClrLst/>
-    <dgm:txLinClrLst/>
-    <dgm:txFillClrLst meth="repeat">
-      <a:schemeClr val="dk1"/>
-    </dgm:txFillClrLst>
-    <dgm:txEffectClrLst/>
-  </dgm:styleLbl>
-  <dgm:styleLbl name="trAlignAcc1">
-    <dgm:fillClrLst meth="repeat">
-      <a:schemeClr val="lt1">
-        <a:alpha val="40000"/>
-      </a:schemeClr>
-    </dgm:fillClrLst>
-    <dgm:linClrLst meth="repeat">
-      <a:schemeClr val="accent1"/>
-    </dgm:linClrLst>
-    <dgm:effectClrLst/>
-    <dgm:txLinClrLst/>
-    <dgm:txFillClrLst meth="repeat">
-      <a:schemeClr val="dk1"/>
-    </dgm:txFillClrLst>
-    <dgm:txEffectClrLst/>
-  </dgm:styleLbl>
-  <dgm:styleLbl name="bgAcc1">
-    <dgm:fillClrLst meth="repeat">
-      <a:schemeClr val="lt1">
-        <a:alpha val="90000"/>
-      </a:schemeClr>
-    </dgm:fillClrLst>
-    <dgm:linClrLst meth="repeat">
-      <a:schemeClr val="accent1"/>
-    </dgm:linClrLst>
-    <dgm:effectClrLst/>
-    <dgm:txLinClrLst/>
-    <dgm:txFillClrLst meth="repeat">
-      <a:schemeClr val="dk1"/>
-    </dgm:txFillClrLst>
-    <dgm:txEffectClrLst/>
-  </dgm:styleLbl>
-  <dgm:styleLbl name="solidFgAcc1">
-    <dgm:fillClrLst meth="repeat">
-      <a:schemeClr val="lt1"/>
-    </dgm:fillClrLst>
-    <dgm:linClrLst meth="repeat">
-      <a:schemeClr val="accent1"/>
-    </dgm:linClrLst>
-    <dgm:effectClrLst/>
-    <dgm:txLinClrLst/>
-    <dgm:txFillClrLst meth="repeat">
-      <a:schemeClr val="dk1"/>
-    </dgm:txFillClrLst>
-    <dgm:txEffectClrLst/>
-  </dgm:styleLbl>
-  <dgm:styleLbl name="solidAlignAcc1">
-    <dgm:fillClrLst meth="repeat">
-      <a:schemeClr val="lt1"/>
-    </dgm:fillClrLst>
-    <dgm:linClrLst meth="repeat">
-      <a:schemeClr val="accent1"/>
-    </dgm:linClrLst>
-    <dgm:effectClrLst/>
-    <dgm:txLinClrLst/>
-    <dgm:txFillClrLst meth="repeat">
-      <a:schemeClr val="dk1"/>
-    </dgm:txFillClrLst>
-    <dgm:txEffectClrLst/>
-  </dgm:styleLbl>
-  <dgm:styleLbl name="solidBgAcc1">
-    <dgm:fillClrLst meth="repeat">
-      <a:schemeClr val="lt1"/>
-    </dgm:fillClrLst>
-    <dgm:linClrLst meth="repeat">
-      <a:schemeClr val="accent1"/>
-    </dgm:linClrLst>
-    <dgm:effectClrLst/>
-    <dgm:txLinClrLst/>
-    <dgm:txFillClrLst meth="repeat">
-      <a:schemeClr val="dk1"/>
-    </dgm:txFillClrLst>
-    <dgm:txEffectClrLst/>
-  </dgm:styleLbl>
-  <dgm:styleLbl name="fgAccFollowNode1">
-    <dgm:fillClrLst meth="repeat">
-      <a:schemeClr val="accent1">
-        <a:alpha val="90000"/>
-        <a:tint val="40000"/>
-      </a:schemeClr>
-    </dgm:fillClrLst>
-    <dgm:linClrLst meth="repeat">
-      <a:schemeClr val="accent1">
-        <a:alpha val="90000"/>
-        <a:tint val="40000"/>
-      </a:schemeClr>
-    </dgm:linClrLst>
-    <dgm:effectClrLst/>
-    <dgm:txLinClrLst/>
-    <dgm:txFillClrLst meth="repeat">
-      <a:schemeClr val="dk1"/>
-    </dgm:txFillClrLst>
-    <dgm:txEffectClrLst/>
-  </dgm:styleLbl>
-  <dgm:styleLbl name="alignAccFollowNode1">
-    <dgm:fillClrLst meth="repeat">
-      <a:schemeClr val="accent1">
-        <a:alpha val="90000"/>
-        <a:tint val="40000"/>
-      </a:schemeClr>
-    </dgm:fillClrLst>
-    <dgm:linClrLst meth="repeat">
-      <a:schemeClr val="accent1">
-        <a:alpha val="90000"/>
-        <a:tint val="40000"/>
-      </a:schemeClr>
-    </dgm:linClrLst>
-    <dgm:effectClrLst/>
-    <dgm:txLinClrLst/>
-    <dgm:txFillClrLst meth="repeat">
-      <a:schemeClr val="dk1"/>
-    </dgm:txFillClrLst>
-    <dgm:txEffectClrLst/>
-  </dgm:styleLbl>
-  <dgm:styleLbl name="bgAccFollowNode1">
-    <dgm:fillClrLst meth="repeat">
-      <a:schemeClr val="accent1">
-        <a:alpha val="90000"/>
-        <a:tint val="40000"/>
-      </a:schemeClr>
-    </dgm:fillClrLst>
-    <dgm:linClrLst meth="repeat">
-      <a:schemeClr val="accent1">
-        <a:alpha val="90000"/>
-        <a:tint val="40000"/>
-      </a:schemeClr>
-    </dgm:linClrLst>
-    <dgm:effectClrLst/>
-    <dgm:txLinClrLst/>
-    <dgm:txFillClrLst meth="repeat">
-      <a:schemeClr val="dk1"/>
-    </dgm:txFillClrLst>
-    <dgm:txEffectClrLst/>
-  </dgm:styleLbl>
-  <dgm:styleLbl name="fgAcc0">
-    <dgm:fillClrLst meth="repeat">
-      <a:schemeClr val="lt1">
-        <a:alpha val="90000"/>
-      </a:schemeClr>
-    </dgm:fillClrLst>
-    <dgm:linClrLst meth="repeat">
-      <a:schemeClr val="accent1"/>
-    </dgm:linClrLst>
-    <dgm:effectClrLst/>
-    <dgm:txLinClrLst/>
-    <dgm:txFillClrLst meth="repeat">
-      <a:schemeClr val="dk1"/>
-    </dgm:txFillClrLst>
-    <dgm:txEffectClrLst/>
-  </dgm:styleLbl>
-  <dgm:styleLbl name="fgAcc2">
-    <dgm:fillClrLst meth="repeat">
-      <a:schemeClr val="lt1">
-        <a:alpha val="90000"/>
-      </a:schemeClr>
-    </dgm:fillClrLst>
-    <dgm:linClrLst meth="repeat">
-      <a:schemeClr val="accent1"/>
-    </dgm:linClrLst>
-    <dgm:effectClrLst/>
-    <dgm:txLinClrLst/>
-    <dgm:txFillClrLst meth="repeat">
-      <a:schemeClr val="dk1"/>
-    </dgm:txFillClrLst>
-    <dgm:txEffectClrLst/>
-  </dgm:styleLbl>
-  <dgm:styleLbl name="fgAcc3">
-    <dgm:fillClrLst meth="repeat">
-      <a:schemeClr val="lt1">
-        <a:alpha val="90000"/>
-      </a:schemeClr>
-    </dgm:fillClrLst>
-    <dgm:linClrLst meth="repeat">
-      <a:schemeClr val="accent1"/>
-    </dgm:linClrLst>
-    <dgm:effectClrLst/>
-    <dgm:txLinClrLst/>
-    <dgm:txFillClrLst meth="repeat">
-      <a:schemeClr val="dk1"/>
-    </dgm:txFillClrLst>
-    <dgm:txEffectClrLst/>
-  </dgm:styleLbl>
-  <dgm:styleLbl name="fgAcc4">
-    <dgm:fillClrLst meth="repeat">
-      <a:schemeClr val="lt1">
-        <a:alpha val="90000"/>
-      </a:schemeClr>
-    </dgm:fillClrLst>
-    <dgm:linClrLst meth="repeat">
-      <a:schemeClr val="accent1"/>
-    </dgm:linClrLst>
-    <dgm:effectClrLst/>
-    <dgm:txLinClrLst/>
-    <dgm:txFillClrLst meth="repeat">
-      <a:schemeClr val="dk1"/>
-    </dgm:txFillClrLst>
-    <dgm:txEffectClrLst/>
-  </dgm:styleLbl>
-  <dgm:styleLbl name="bgShp">
-    <dgm:fillClrLst meth="repeat">
-      <a:schemeClr val="accent1">
-        <a:tint val="40000"/>
-      </a:schemeClr>
-    </dgm:fillClrLst>
-    <dgm:linClrLst meth="repeat">
-      <a:schemeClr val="accent1"/>
-    </dgm:linClrLst>
-    <dgm:effectClrLst/>
-    <dgm:txLinClrLst/>
-    <dgm:txFillClrLst meth="repeat">
-      <a:schemeClr val="dk1"/>
-    </dgm:txFillClrLst>
-    <dgm:txEffectClrLst/>
-  </dgm:styleLbl>
-  <dgm:styleLbl name="dkBgShp">
-    <dgm:fillClrLst meth="repeat">
-      <a:schemeClr val="accent1">
-        <a:shade val="80000"/>
-      </a:schemeClr>
-    </dgm:fillClrLst>
-    <dgm:linClrLst meth="repeat">
-      <a:schemeClr val="accent1"/>
-    </dgm:linClrLst>
-    <dgm:effectClrLst/>
-    <dgm:txLinClrLst/>
-    <dgm:txFillClrLst meth="repeat">
-      <a:schemeClr val="lt1"/>
-    </dgm:txFillClrLst>
-    <dgm:txEffectClrLst/>
-  </dgm:styleLbl>
-  <dgm:styleLbl name="trBgShp">
-    <dgm:fillClrLst meth="repeat">
-      <a:schemeClr val="accent1">
-        <a:tint val="50000"/>
-        <a:alpha val="40000"/>
-      </a:schemeClr>
-    </dgm:fillClrLst>
-    <dgm:linClrLst meth="repeat">
-      <a:schemeClr val="accent1"/>
-    </dgm:linClrLst>
-    <dgm:effectClrLst/>
-    <dgm:txLinClrLst/>
-    <dgm:txFillClrLst meth="repeat">
-      <a:schemeClr val="lt1"/>
-    </dgm:txFillClrLst>
-    <dgm:txEffectClrLst/>
-  </dgm:styleLbl>
-  <dgm:styleLbl name="fgShp">
-    <dgm:fillClrLst meth="repeat">
-      <a:schemeClr val="accent1">
-        <a:tint val="60000"/>
-      </a:schemeClr>
-    </dgm:fillClrLst>
-    <dgm:linClrLst meth="repeat">
-      <a:schemeClr val="lt1"/>
-    </dgm:linClrLst>
-    <dgm:effectClrLst/>
-    <dgm:txLinClrLst/>
-    <dgm:txFillClrLst meth="repeat">
-      <a:schemeClr val="dk1"/>
-    </dgm:txFillClrLst>
-    <dgm:txEffectClrLst/>
-  </dgm:styleLbl>
-  <dgm:styleLbl name="revTx">
-    <dgm:fillClrLst meth="repeat">
-      <a:schemeClr val="lt1">
-        <a:alpha val="0"/>
-      </a:schemeClr>
-    </dgm:fillClrLst>
-    <dgm:linClrLst meth="repeat">
-      <a:schemeClr val="dk1">
-        <a:alpha val="0"/>
-      </a:schemeClr>
-    </dgm:linClrLst>
-    <dgm:effectClrLst/>
-    <dgm:txLinClrLst/>
-    <dgm:txFillClrLst meth="repeat">
-      <a:schemeClr val="tx1"/>
-    </dgm:txFillClrLst>
-    <dgm:txEffectClrLst/>
-  </dgm:styleLbl>
-</dgm:colorsDef>
-</file>
-
-<file path=ppt/diagrams/data1.xml><?xml version="1.0" encoding="utf-8"?>
-<dgm:dataModel xmlns:dgm="http://schemas.openxmlformats.org/drawingml/2006/diagram" xmlns:a="http://schemas.openxmlformats.org/drawingml/2006/main">
-  <dgm:ptLst>
-    <dgm:pt modelId="{FBA29113-7A70-4E0E-B036-871C49B835F1}" type="doc">
-      <dgm:prSet loTypeId="urn:microsoft.com/office/officeart/2005/8/layout/hProcess6" loCatId="process" qsTypeId="urn:microsoft.com/office/officeart/2005/8/quickstyle/simple1" qsCatId="simple" csTypeId="urn:microsoft.com/office/officeart/2005/8/colors/accent1_2" csCatId="accent1" phldr="1"/>
-      <dgm:spPr/>
-      <dgm:t>
-        <a:bodyPr/>
-        <a:lstStyle/>
-        <a:p>
-          <a:endParaRPr lang="en-US"/>
-        </a:p>
-      </dgm:t>
-    </dgm:pt>
-    <dgm:pt modelId="{A6406C01-7E83-4650-8EF5-394419DCB348}">
-      <dgm:prSet phldrT="[Text]"/>
-      <dgm:spPr/>
-      <dgm:t>
-        <a:bodyPr/>
-        <a:lstStyle/>
-        <a:p>
-          <a:r>
-            <a:rPr lang="pt-BR" noProof="0" dirty="0" smtClean="0"/>
-            <a:t>Título da etapa 1</a:t>
-          </a:r>
-          <a:endParaRPr lang="pt-BR" noProof="0" dirty="0"/>
-        </a:p>
-      </dgm:t>
-    </dgm:pt>
-    <dgm:pt modelId="{2586B3BB-DA8B-42DF-AC9A-77CE21607FD0}" type="parTrans" cxnId="{4D956F8D-5727-488A-93AF-F33602655A44}">
-      <dgm:prSet/>
-      <dgm:spPr/>
-      <dgm:t>
-        <a:bodyPr/>
-        <a:lstStyle/>
-        <a:p>
-          <a:endParaRPr lang="en-US"/>
-        </a:p>
-      </dgm:t>
-    </dgm:pt>
-    <dgm:pt modelId="{7C5B61F0-A4F6-4FCA-B552-36151F31051E}" type="sibTrans" cxnId="{4D956F8D-5727-488A-93AF-F33602655A44}">
-      <dgm:prSet/>
-      <dgm:spPr/>
-      <dgm:t>
-        <a:bodyPr/>
-        <a:lstStyle/>
-        <a:p>
-          <a:endParaRPr lang="en-US"/>
-        </a:p>
-      </dgm:t>
-    </dgm:pt>
-    <dgm:pt modelId="{E4E9F0D0-FF23-4B59-9B97-973BCBE5DC65}">
-      <dgm:prSet phldrT="[Text]" custT="1"/>
-      <dgm:spPr/>
-      <dgm:t>
-        <a:bodyPr/>
-        <a:lstStyle/>
-        <a:p>
-          <a:r>
-            <a:rPr lang="pt-BR" sz="1800" noProof="0" dirty="0" smtClean="0"/>
-            <a:t>Descrição da tarefa</a:t>
-          </a:r>
-          <a:endParaRPr lang="pt-BR" sz="1800" noProof="0" dirty="0"/>
-        </a:p>
-      </dgm:t>
-    </dgm:pt>
-    <dgm:pt modelId="{E9237435-F938-45D4-8BF4-6D5D4DFF850F}" type="parTrans" cxnId="{37A3A996-9723-4BDB-8959-9D9B7799BD9A}">
-      <dgm:prSet/>
-      <dgm:spPr/>
-      <dgm:t>
-        <a:bodyPr/>
-        <a:lstStyle/>
-        <a:p>
-          <a:endParaRPr lang="en-US"/>
-        </a:p>
-      </dgm:t>
-    </dgm:pt>
-    <dgm:pt modelId="{D32B195A-7CAD-474B-B79C-BE4BB171E742}" type="sibTrans" cxnId="{37A3A996-9723-4BDB-8959-9D9B7799BD9A}">
-      <dgm:prSet/>
-      <dgm:spPr/>
-      <dgm:t>
-        <a:bodyPr/>
-        <a:lstStyle/>
-        <a:p>
-          <a:endParaRPr lang="en-US"/>
-        </a:p>
-      </dgm:t>
-    </dgm:pt>
-    <dgm:pt modelId="{5D952622-A79E-41E4-BBC2-6212DEFFA91C}">
-      <dgm:prSet phldrT="[Text]"/>
-      <dgm:spPr/>
-      <dgm:t>
-        <a:bodyPr/>
-        <a:lstStyle/>
-        <a:p>
-          <a:r>
-            <a:rPr lang="pt-BR" noProof="0" dirty="0" smtClean="0"/>
-            <a:t>Título da etapa 2</a:t>
-          </a:r>
-          <a:endParaRPr lang="pt-BR" noProof="0" dirty="0"/>
-        </a:p>
-      </dgm:t>
-    </dgm:pt>
-    <dgm:pt modelId="{10627A68-BE4B-4A4A-9EC9-4CFEF1E4DF39}" type="parTrans" cxnId="{A22BDB9A-90BB-4DA2-8850-00D4F1D3B898}">
-      <dgm:prSet/>
-      <dgm:spPr/>
-      <dgm:t>
-        <a:bodyPr/>
-        <a:lstStyle/>
-        <a:p>
-          <a:endParaRPr lang="en-US"/>
-        </a:p>
-      </dgm:t>
-    </dgm:pt>
-    <dgm:pt modelId="{092BAEF3-D9F2-476B-9A0B-6F14CC814529}" type="sibTrans" cxnId="{A22BDB9A-90BB-4DA2-8850-00D4F1D3B898}">
-      <dgm:prSet/>
-      <dgm:spPr/>
-      <dgm:t>
-        <a:bodyPr/>
-        <a:lstStyle/>
-        <a:p>
-          <a:endParaRPr lang="en-US"/>
-        </a:p>
-      </dgm:t>
-    </dgm:pt>
-    <dgm:pt modelId="{5248D9DA-6444-46F6-8D28-C8BB2253AAD1}">
-      <dgm:prSet phldrT="[Text]" custT="1"/>
-      <dgm:spPr/>
-      <dgm:t>
-        <a:bodyPr/>
-        <a:lstStyle/>
-        <a:p>
-          <a:r>
-            <a:rPr lang="pt-BR" sz="1800" noProof="0" dirty="0" smtClean="0"/>
-            <a:t>Descrição da tarefa</a:t>
-          </a:r>
-          <a:endParaRPr lang="pt-BR" sz="1800" noProof="0" dirty="0"/>
-        </a:p>
-      </dgm:t>
-    </dgm:pt>
-    <dgm:pt modelId="{A8533F77-F094-4EDB-BCC7-35E0D6A46B71}" type="parTrans" cxnId="{35AF286C-A401-4C08-B8A3-F38B03322BD8}">
-      <dgm:prSet/>
-      <dgm:spPr/>
-      <dgm:t>
-        <a:bodyPr/>
-        <a:lstStyle/>
-        <a:p>
-          <a:endParaRPr lang="en-US"/>
-        </a:p>
-      </dgm:t>
-    </dgm:pt>
-    <dgm:pt modelId="{011B552E-515A-4C41-B810-0D2552861422}" type="sibTrans" cxnId="{35AF286C-A401-4C08-B8A3-F38B03322BD8}">
-      <dgm:prSet/>
-      <dgm:spPr/>
-      <dgm:t>
-        <a:bodyPr/>
-        <a:lstStyle/>
-        <a:p>
-          <a:endParaRPr lang="en-US"/>
-        </a:p>
-      </dgm:t>
-    </dgm:pt>
-    <dgm:pt modelId="{50706FFE-8A00-485D-9FF7-8D310692C602}">
-      <dgm:prSet phldrT="[Text]"/>
-      <dgm:spPr/>
-      <dgm:t>
-        <a:bodyPr/>
-        <a:lstStyle/>
-        <a:p>
-          <a:r>
-            <a:rPr lang="pt-BR" noProof="0" dirty="0" smtClean="0"/>
-            <a:t>Título da etapa 3</a:t>
-          </a:r>
-          <a:endParaRPr lang="pt-BR" noProof="0" dirty="0"/>
-        </a:p>
-      </dgm:t>
-    </dgm:pt>
-    <dgm:pt modelId="{EF44BD91-19A4-424B-BA32-4A5492B6E40B}" type="parTrans" cxnId="{7599CECE-5293-4C57-A979-D096C99254C7}">
-      <dgm:prSet/>
-      <dgm:spPr/>
-      <dgm:t>
-        <a:bodyPr/>
-        <a:lstStyle/>
-        <a:p>
-          <a:endParaRPr lang="en-US"/>
-        </a:p>
-      </dgm:t>
-    </dgm:pt>
-    <dgm:pt modelId="{CD03DFF4-D962-46D6-AFFA-2A87FD08403E}" type="sibTrans" cxnId="{7599CECE-5293-4C57-A979-D096C99254C7}">
-      <dgm:prSet/>
-      <dgm:spPr/>
-      <dgm:t>
-        <a:bodyPr/>
-        <a:lstStyle/>
-        <a:p>
-          <a:endParaRPr lang="en-US"/>
-        </a:p>
-      </dgm:t>
-    </dgm:pt>
-    <dgm:pt modelId="{3A9B5D84-CB00-4BC9-ADB2-5CF832F36763}">
-      <dgm:prSet phldrT="[Text]" custT="1"/>
-      <dgm:spPr/>
-      <dgm:t>
-        <a:bodyPr/>
-        <a:lstStyle/>
-        <a:p>
-          <a:r>
-            <a:rPr lang="pt-BR" sz="1800" noProof="0" dirty="0" smtClean="0"/>
-            <a:t>Descrição da tarefa</a:t>
-          </a:r>
-          <a:endParaRPr lang="pt-BR" sz="1800" noProof="0" dirty="0"/>
-        </a:p>
-      </dgm:t>
-    </dgm:pt>
-    <dgm:pt modelId="{BD57EC4A-052D-4824-8820-064BAC997A9B}" type="parTrans" cxnId="{11A0AF47-4BCA-470E-92BF-7B388FFB0DE8}">
-      <dgm:prSet/>
-      <dgm:spPr/>
-      <dgm:t>
-        <a:bodyPr/>
-        <a:lstStyle/>
-        <a:p>
-          <a:endParaRPr lang="en-US"/>
-        </a:p>
-      </dgm:t>
-    </dgm:pt>
-    <dgm:pt modelId="{98E878CF-4A49-4E76-BD23-AE7C5290BAFD}" type="sibTrans" cxnId="{11A0AF47-4BCA-470E-92BF-7B388FFB0DE8}">
-      <dgm:prSet/>
-      <dgm:spPr/>
-      <dgm:t>
-        <a:bodyPr/>
-        <a:lstStyle/>
-        <a:p>
-          <a:endParaRPr lang="en-US"/>
-        </a:p>
-      </dgm:t>
-    </dgm:pt>
-    <dgm:pt modelId="{8734DFB3-ADD8-4FD2-87D8-1981AA0ADD0B}" type="pres">
-      <dgm:prSet presAssocID="{FBA29113-7A70-4E0E-B036-871C49B835F1}" presName="theList" presStyleCnt="0">
-        <dgm:presLayoutVars>
-          <dgm:dir/>
-          <dgm:animLvl val="lvl"/>
-          <dgm:resizeHandles val="exact"/>
-        </dgm:presLayoutVars>
-      </dgm:prSet>
-      <dgm:spPr/>
-      <dgm:t>
-        <a:bodyPr/>
-        <a:lstStyle/>
-        <a:p>
-          <a:endParaRPr lang="en-US"/>
-        </a:p>
-      </dgm:t>
-    </dgm:pt>
-    <dgm:pt modelId="{5C04AEFB-7132-4B28-A7D3-862245070A8D}" type="pres">
-      <dgm:prSet presAssocID="{A6406C01-7E83-4650-8EF5-394419DCB348}" presName="compNode" presStyleCnt="0"/>
-      <dgm:spPr/>
-    </dgm:pt>
-    <dgm:pt modelId="{358F74AC-FC7D-465B-BD12-B6CCC00F3D29}" type="pres">
-      <dgm:prSet presAssocID="{A6406C01-7E83-4650-8EF5-394419DCB348}" presName="noGeometry" presStyleCnt="0"/>
-      <dgm:spPr/>
-    </dgm:pt>
-    <dgm:pt modelId="{610B5FFC-C0C9-444C-9F7A-14D1B54F604D}" type="pres">
-      <dgm:prSet presAssocID="{A6406C01-7E83-4650-8EF5-394419DCB348}" presName="childTextVisible" presStyleLbl="bgAccFollowNode1" presStyleIdx="0" presStyleCnt="3">
-        <dgm:presLayoutVars>
-          <dgm:bulletEnabled val="1"/>
-        </dgm:presLayoutVars>
-      </dgm:prSet>
-      <dgm:spPr/>
-      <dgm:t>
-        <a:bodyPr/>
-        <a:lstStyle/>
-        <a:p>
-          <a:endParaRPr lang="en-US"/>
-        </a:p>
-      </dgm:t>
-    </dgm:pt>
-    <dgm:pt modelId="{FB705FC1-639E-4064-8E9A-A79870DE5273}" type="pres">
-      <dgm:prSet presAssocID="{A6406C01-7E83-4650-8EF5-394419DCB348}" presName="childTextHidden" presStyleLbl="bgAccFollowNode1" presStyleIdx="0" presStyleCnt="3"/>
-      <dgm:spPr/>
-      <dgm:t>
-        <a:bodyPr/>
-        <a:lstStyle/>
-        <a:p>
-          <a:endParaRPr lang="en-US"/>
-        </a:p>
-      </dgm:t>
-    </dgm:pt>
-    <dgm:pt modelId="{47DA5750-48DC-4E4F-815D-0B05DBC30DAB}" type="pres">
-      <dgm:prSet presAssocID="{A6406C01-7E83-4650-8EF5-394419DCB348}" presName="parentText" presStyleLbl="node1" presStyleIdx="0" presStyleCnt="3">
-        <dgm:presLayoutVars>
-          <dgm:chMax val="1"/>
-          <dgm:bulletEnabled val="1"/>
-        </dgm:presLayoutVars>
-      </dgm:prSet>
-      <dgm:spPr/>
-      <dgm:t>
-        <a:bodyPr/>
-        <a:lstStyle/>
-        <a:p>
-          <a:endParaRPr lang="en-US"/>
-        </a:p>
-      </dgm:t>
-    </dgm:pt>
-    <dgm:pt modelId="{6319C676-A7DE-4777-9BB4-3B6D30ED3F5C}" type="pres">
-      <dgm:prSet presAssocID="{A6406C01-7E83-4650-8EF5-394419DCB348}" presName="aSpace" presStyleCnt="0"/>
-      <dgm:spPr/>
-    </dgm:pt>
-    <dgm:pt modelId="{CA708D38-D093-4C16-A955-CF2CAC7F0A99}" type="pres">
-      <dgm:prSet presAssocID="{5D952622-A79E-41E4-BBC2-6212DEFFA91C}" presName="compNode" presStyleCnt="0"/>
-      <dgm:spPr/>
-    </dgm:pt>
-    <dgm:pt modelId="{6F3066E9-E96F-489D-8A4B-6D55FBE389F2}" type="pres">
-      <dgm:prSet presAssocID="{5D952622-A79E-41E4-BBC2-6212DEFFA91C}" presName="noGeometry" presStyleCnt="0"/>
-      <dgm:spPr/>
-    </dgm:pt>
-    <dgm:pt modelId="{00D2DC2C-7CA2-4A4B-B66D-3DDCAB7DC8E9}" type="pres">
-      <dgm:prSet presAssocID="{5D952622-A79E-41E4-BBC2-6212DEFFA91C}" presName="childTextVisible" presStyleLbl="bgAccFollowNode1" presStyleIdx="1" presStyleCnt="3">
-        <dgm:presLayoutVars>
-          <dgm:bulletEnabled val="1"/>
-        </dgm:presLayoutVars>
-      </dgm:prSet>
-      <dgm:spPr/>
-      <dgm:t>
-        <a:bodyPr/>
-        <a:lstStyle/>
-        <a:p>
-          <a:endParaRPr lang="en-US"/>
-        </a:p>
-      </dgm:t>
-    </dgm:pt>
-    <dgm:pt modelId="{072FB640-0A28-40E8-9C0C-86BAF45C6EF0}" type="pres">
-      <dgm:prSet presAssocID="{5D952622-A79E-41E4-BBC2-6212DEFFA91C}" presName="childTextHidden" presStyleLbl="bgAccFollowNode1" presStyleIdx="1" presStyleCnt="3"/>
-      <dgm:spPr/>
-      <dgm:t>
-        <a:bodyPr/>
-        <a:lstStyle/>
-        <a:p>
-          <a:endParaRPr lang="en-US"/>
-        </a:p>
-      </dgm:t>
-    </dgm:pt>
-    <dgm:pt modelId="{EE8733A1-7662-4D0A-B39E-2218596CC81C}" type="pres">
-      <dgm:prSet presAssocID="{5D952622-A79E-41E4-BBC2-6212DEFFA91C}" presName="parentText" presStyleLbl="node1" presStyleIdx="1" presStyleCnt="3">
-        <dgm:presLayoutVars>
-          <dgm:chMax val="1"/>
-          <dgm:bulletEnabled val="1"/>
-        </dgm:presLayoutVars>
-      </dgm:prSet>
-      <dgm:spPr/>
-      <dgm:t>
-        <a:bodyPr/>
-        <a:lstStyle/>
-        <a:p>
-          <a:endParaRPr lang="en-US"/>
-        </a:p>
-      </dgm:t>
-    </dgm:pt>
-    <dgm:pt modelId="{E0D7C734-E391-436F-996C-E60442F50A17}" type="pres">
-      <dgm:prSet presAssocID="{5D952622-A79E-41E4-BBC2-6212DEFFA91C}" presName="aSpace" presStyleCnt="0"/>
-      <dgm:spPr/>
-    </dgm:pt>
-    <dgm:pt modelId="{E8F3A685-8F9F-4BAC-8C8B-A1DE5AA41F3A}" type="pres">
-      <dgm:prSet presAssocID="{50706FFE-8A00-485D-9FF7-8D310692C602}" presName="compNode" presStyleCnt="0"/>
-      <dgm:spPr/>
-    </dgm:pt>
-    <dgm:pt modelId="{84BFA617-6CAF-4DA9-A086-82BCA61093BE}" type="pres">
-      <dgm:prSet presAssocID="{50706FFE-8A00-485D-9FF7-8D310692C602}" presName="noGeometry" presStyleCnt="0"/>
-      <dgm:spPr/>
-    </dgm:pt>
-    <dgm:pt modelId="{4BF699B1-BE15-42D1-9784-AA33CF29870E}" type="pres">
-      <dgm:prSet presAssocID="{50706FFE-8A00-485D-9FF7-8D310692C602}" presName="childTextVisible" presStyleLbl="bgAccFollowNode1" presStyleIdx="2" presStyleCnt="3">
-        <dgm:presLayoutVars>
-          <dgm:bulletEnabled val="1"/>
-        </dgm:presLayoutVars>
-      </dgm:prSet>
-      <dgm:spPr/>
-      <dgm:t>
-        <a:bodyPr/>
-        <a:lstStyle/>
-        <a:p>
-          <a:endParaRPr lang="en-US"/>
-        </a:p>
-      </dgm:t>
-    </dgm:pt>
-    <dgm:pt modelId="{F0925EF4-86E2-4748-BA70-94AAF55AB064}" type="pres">
-      <dgm:prSet presAssocID="{50706FFE-8A00-485D-9FF7-8D310692C602}" presName="childTextHidden" presStyleLbl="bgAccFollowNode1" presStyleIdx="2" presStyleCnt="3"/>
-      <dgm:spPr/>
-      <dgm:t>
-        <a:bodyPr/>
-        <a:lstStyle/>
-        <a:p>
-          <a:endParaRPr lang="en-US"/>
-        </a:p>
-      </dgm:t>
-    </dgm:pt>
-    <dgm:pt modelId="{78E9A4E4-18A9-4B73-8007-A63A71C71937}" type="pres">
-      <dgm:prSet presAssocID="{50706FFE-8A00-485D-9FF7-8D310692C602}" presName="parentText" presStyleLbl="node1" presStyleIdx="2" presStyleCnt="3">
-        <dgm:presLayoutVars>
-          <dgm:chMax val="1"/>
-          <dgm:bulletEnabled val="1"/>
-        </dgm:presLayoutVars>
-      </dgm:prSet>
-      <dgm:spPr/>
-      <dgm:t>
-        <a:bodyPr/>
-        <a:lstStyle/>
-        <a:p>
-          <a:endParaRPr lang="en-US"/>
-        </a:p>
-      </dgm:t>
-    </dgm:pt>
-  </dgm:ptLst>
-  <dgm:cxnLst>
-    <dgm:cxn modelId="{35AF286C-A401-4C08-B8A3-F38B03322BD8}" srcId="{5D952622-A79E-41E4-BBC2-6212DEFFA91C}" destId="{5248D9DA-6444-46F6-8D28-C8BB2253AAD1}" srcOrd="0" destOrd="0" parTransId="{A8533F77-F094-4EDB-BCC7-35E0D6A46B71}" sibTransId="{011B552E-515A-4C41-B810-0D2552861422}"/>
-    <dgm:cxn modelId="{11A0AF47-4BCA-470E-92BF-7B388FFB0DE8}" srcId="{50706FFE-8A00-485D-9FF7-8D310692C602}" destId="{3A9B5D84-CB00-4BC9-ADB2-5CF832F36763}" srcOrd="0" destOrd="0" parTransId="{BD57EC4A-052D-4824-8820-064BAC997A9B}" sibTransId="{98E878CF-4A49-4E76-BD23-AE7C5290BAFD}"/>
-    <dgm:cxn modelId="{A22BDB9A-90BB-4DA2-8850-00D4F1D3B898}" srcId="{FBA29113-7A70-4E0E-B036-871C49B835F1}" destId="{5D952622-A79E-41E4-BBC2-6212DEFFA91C}" srcOrd="1" destOrd="0" parTransId="{10627A68-BE4B-4A4A-9EC9-4CFEF1E4DF39}" sibTransId="{092BAEF3-D9F2-476B-9A0B-6F14CC814529}"/>
-    <dgm:cxn modelId="{BA539253-48E3-447C-8770-C31D10399C4A}" type="presOf" srcId="{50706FFE-8A00-485D-9FF7-8D310692C602}" destId="{78E9A4E4-18A9-4B73-8007-A63A71C71937}" srcOrd="0" destOrd="0" presId="urn:microsoft.com/office/officeart/2005/8/layout/hProcess6"/>
-    <dgm:cxn modelId="{31498E67-CEA0-4571-B7AB-26A2113144F6}" type="presOf" srcId="{FBA29113-7A70-4E0E-B036-871C49B835F1}" destId="{8734DFB3-ADD8-4FD2-87D8-1981AA0ADD0B}" srcOrd="0" destOrd="0" presId="urn:microsoft.com/office/officeart/2005/8/layout/hProcess6"/>
-    <dgm:cxn modelId="{37A3A996-9723-4BDB-8959-9D9B7799BD9A}" srcId="{A6406C01-7E83-4650-8EF5-394419DCB348}" destId="{E4E9F0D0-FF23-4B59-9B97-973BCBE5DC65}" srcOrd="0" destOrd="0" parTransId="{E9237435-F938-45D4-8BF4-6D5D4DFF850F}" sibTransId="{D32B195A-7CAD-474B-B79C-BE4BB171E742}"/>
-    <dgm:cxn modelId="{AE4FA1B2-1FFD-4999-BFB4-0E2A9E4BEBBB}" type="presOf" srcId="{5248D9DA-6444-46F6-8D28-C8BB2253AAD1}" destId="{00D2DC2C-7CA2-4A4B-B66D-3DDCAB7DC8E9}" srcOrd="0" destOrd="0" presId="urn:microsoft.com/office/officeart/2005/8/layout/hProcess6"/>
-    <dgm:cxn modelId="{99E34304-5770-4691-A3EE-6A7C8B9ACD53}" type="presOf" srcId="{E4E9F0D0-FF23-4B59-9B97-973BCBE5DC65}" destId="{610B5FFC-C0C9-444C-9F7A-14D1B54F604D}" srcOrd="0" destOrd="0" presId="urn:microsoft.com/office/officeart/2005/8/layout/hProcess6"/>
-    <dgm:cxn modelId="{81ACEA16-295B-4802-A889-1DC375F525AB}" type="presOf" srcId="{A6406C01-7E83-4650-8EF5-394419DCB348}" destId="{47DA5750-48DC-4E4F-815D-0B05DBC30DAB}" srcOrd="0" destOrd="0" presId="urn:microsoft.com/office/officeart/2005/8/layout/hProcess6"/>
-    <dgm:cxn modelId="{4D956F8D-5727-488A-93AF-F33602655A44}" srcId="{FBA29113-7A70-4E0E-B036-871C49B835F1}" destId="{A6406C01-7E83-4650-8EF5-394419DCB348}" srcOrd="0" destOrd="0" parTransId="{2586B3BB-DA8B-42DF-AC9A-77CE21607FD0}" sibTransId="{7C5B61F0-A4F6-4FCA-B552-36151F31051E}"/>
-    <dgm:cxn modelId="{7599CECE-5293-4C57-A979-D096C99254C7}" srcId="{FBA29113-7A70-4E0E-B036-871C49B835F1}" destId="{50706FFE-8A00-485D-9FF7-8D310692C602}" srcOrd="2" destOrd="0" parTransId="{EF44BD91-19A4-424B-BA32-4A5492B6E40B}" sibTransId="{CD03DFF4-D962-46D6-AFFA-2A87FD08403E}"/>
-    <dgm:cxn modelId="{019AA969-1A2B-48C0-B7C9-005E817BC2CB}" type="presOf" srcId="{E4E9F0D0-FF23-4B59-9B97-973BCBE5DC65}" destId="{FB705FC1-639E-4064-8E9A-A79870DE5273}" srcOrd="1" destOrd="0" presId="urn:microsoft.com/office/officeart/2005/8/layout/hProcess6"/>
-    <dgm:cxn modelId="{F36BB86E-E9BB-4DBF-9DFE-F8050046ED1F}" type="presOf" srcId="{3A9B5D84-CB00-4BC9-ADB2-5CF832F36763}" destId="{4BF699B1-BE15-42D1-9784-AA33CF29870E}" srcOrd="0" destOrd="0" presId="urn:microsoft.com/office/officeart/2005/8/layout/hProcess6"/>
-    <dgm:cxn modelId="{D2E26D7D-A939-4166-987B-3E9E5A080266}" type="presOf" srcId="{3A9B5D84-CB00-4BC9-ADB2-5CF832F36763}" destId="{F0925EF4-86E2-4748-BA70-94AAF55AB064}" srcOrd="1" destOrd="0" presId="urn:microsoft.com/office/officeart/2005/8/layout/hProcess6"/>
-    <dgm:cxn modelId="{130B0544-2388-4104-A721-8D29E7C77420}" type="presOf" srcId="{5D952622-A79E-41E4-BBC2-6212DEFFA91C}" destId="{EE8733A1-7662-4D0A-B39E-2218596CC81C}" srcOrd="0" destOrd="0" presId="urn:microsoft.com/office/officeart/2005/8/layout/hProcess6"/>
-    <dgm:cxn modelId="{E23D729A-C2FC-40CD-8A08-F5EBB66CF80B}" type="presOf" srcId="{5248D9DA-6444-46F6-8D28-C8BB2253AAD1}" destId="{072FB640-0A28-40E8-9C0C-86BAF45C6EF0}" srcOrd="1" destOrd="0" presId="urn:microsoft.com/office/officeart/2005/8/layout/hProcess6"/>
-    <dgm:cxn modelId="{FF0D50D3-9477-4407-8F44-B60B9728DED7}" type="presParOf" srcId="{8734DFB3-ADD8-4FD2-87D8-1981AA0ADD0B}" destId="{5C04AEFB-7132-4B28-A7D3-862245070A8D}" srcOrd="0" destOrd="0" presId="urn:microsoft.com/office/officeart/2005/8/layout/hProcess6"/>
-    <dgm:cxn modelId="{126CE751-65CF-4E60-902C-2D0B01478834}" type="presParOf" srcId="{5C04AEFB-7132-4B28-A7D3-862245070A8D}" destId="{358F74AC-FC7D-465B-BD12-B6CCC00F3D29}" srcOrd="0" destOrd="0" presId="urn:microsoft.com/office/officeart/2005/8/layout/hProcess6"/>
-    <dgm:cxn modelId="{C6915109-771C-43AE-A4C7-A411D8E5978F}" type="presParOf" srcId="{5C04AEFB-7132-4B28-A7D3-862245070A8D}" destId="{610B5FFC-C0C9-444C-9F7A-14D1B54F604D}" srcOrd="1" destOrd="0" presId="urn:microsoft.com/office/officeart/2005/8/layout/hProcess6"/>
-    <dgm:cxn modelId="{954FE73F-9595-47D0-9AB9-6EB7EDC39F8E}" type="presParOf" srcId="{5C04AEFB-7132-4B28-A7D3-862245070A8D}" destId="{FB705FC1-639E-4064-8E9A-A79870DE5273}" srcOrd="2" destOrd="0" presId="urn:microsoft.com/office/officeart/2005/8/layout/hProcess6"/>
-    <dgm:cxn modelId="{362B7B1C-776A-481A-B10E-B2136C044DB5}" type="presParOf" srcId="{5C04AEFB-7132-4B28-A7D3-862245070A8D}" destId="{47DA5750-48DC-4E4F-815D-0B05DBC30DAB}" srcOrd="3" destOrd="0" presId="urn:microsoft.com/office/officeart/2005/8/layout/hProcess6"/>
-    <dgm:cxn modelId="{AB361918-49A4-4458-A6B4-A38162139DB4}" type="presParOf" srcId="{8734DFB3-ADD8-4FD2-87D8-1981AA0ADD0B}" destId="{6319C676-A7DE-4777-9BB4-3B6D30ED3F5C}" srcOrd="1" destOrd="0" presId="urn:microsoft.com/office/officeart/2005/8/layout/hProcess6"/>
-    <dgm:cxn modelId="{3E32ED31-FAFA-41FB-A502-0C9269827B55}" type="presParOf" srcId="{8734DFB3-ADD8-4FD2-87D8-1981AA0ADD0B}" destId="{CA708D38-D093-4C16-A955-CF2CAC7F0A99}" srcOrd="2" destOrd="0" presId="urn:microsoft.com/office/officeart/2005/8/layout/hProcess6"/>
-    <dgm:cxn modelId="{38B5F8BF-C6A8-4D51-8681-B847070CD1C0}" type="presParOf" srcId="{CA708D38-D093-4C16-A955-CF2CAC7F0A99}" destId="{6F3066E9-E96F-489D-8A4B-6D55FBE389F2}" srcOrd="0" destOrd="0" presId="urn:microsoft.com/office/officeart/2005/8/layout/hProcess6"/>
-    <dgm:cxn modelId="{B873A9F4-217E-473A-8D65-14527890AC34}" type="presParOf" srcId="{CA708D38-D093-4C16-A955-CF2CAC7F0A99}" destId="{00D2DC2C-7CA2-4A4B-B66D-3DDCAB7DC8E9}" srcOrd="1" destOrd="0" presId="urn:microsoft.com/office/officeart/2005/8/layout/hProcess6"/>
-    <dgm:cxn modelId="{F573A08D-1388-4362-9D10-155655876363}" type="presParOf" srcId="{CA708D38-D093-4C16-A955-CF2CAC7F0A99}" destId="{072FB640-0A28-40E8-9C0C-86BAF45C6EF0}" srcOrd="2" destOrd="0" presId="urn:microsoft.com/office/officeart/2005/8/layout/hProcess6"/>
-    <dgm:cxn modelId="{7ADF5CCF-F26A-45B5-9692-98B07AFD46A1}" type="presParOf" srcId="{CA708D38-D093-4C16-A955-CF2CAC7F0A99}" destId="{EE8733A1-7662-4D0A-B39E-2218596CC81C}" srcOrd="3" destOrd="0" presId="urn:microsoft.com/office/officeart/2005/8/layout/hProcess6"/>
-    <dgm:cxn modelId="{985C18C8-95A3-4479-821C-610A2BAFFFF3}" type="presParOf" srcId="{8734DFB3-ADD8-4FD2-87D8-1981AA0ADD0B}" destId="{E0D7C734-E391-436F-996C-E60442F50A17}" srcOrd="3" destOrd="0" presId="urn:microsoft.com/office/officeart/2005/8/layout/hProcess6"/>
-    <dgm:cxn modelId="{951CD7FA-A9B4-463F-BD0D-452C521FF523}" type="presParOf" srcId="{8734DFB3-ADD8-4FD2-87D8-1981AA0ADD0B}" destId="{E8F3A685-8F9F-4BAC-8C8B-A1DE5AA41F3A}" srcOrd="4" destOrd="0" presId="urn:microsoft.com/office/officeart/2005/8/layout/hProcess6"/>
-    <dgm:cxn modelId="{E08D8862-B273-4AA6-9A90-754366CE4945}" type="presParOf" srcId="{E8F3A685-8F9F-4BAC-8C8B-A1DE5AA41F3A}" destId="{84BFA617-6CAF-4DA9-A086-82BCA61093BE}" srcOrd="0" destOrd="0" presId="urn:microsoft.com/office/officeart/2005/8/layout/hProcess6"/>
-    <dgm:cxn modelId="{69392B4C-2A7B-41A4-A48C-35E312A6434A}" type="presParOf" srcId="{E8F3A685-8F9F-4BAC-8C8B-A1DE5AA41F3A}" destId="{4BF699B1-BE15-42D1-9784-AA33CF29870E}" srcOrd="1" destOrd="0" presId="urn:microsoft.com/office/officeart/2005/8/layout/hProcess6"/>
-    <dgm:cxn modelId="{29F5DEAB-A9C8-47F8-A089-1585C323795A}" type="presParOf" srcId="{E8F3A685-8F9F-4BAC-8C8B-A1DE5AA41F3A}" destId="{F0925EF4-86E2-4748-BA70-94AAF55AB064}" srcOrd="2" destOrd="0" presId="urn:microsoft.com/office/officeart/2005/8/layout/hProcess6"/>
-    <dgm:cxn modelId="{E9A57A1B-DDAF-4905-B46C-246DB5E9FB2A}" type="presParOf" srcId="{E8F3A685-8F9F-4BAC-8C8B-A1DE5AA41F3A}" destId="{78E9A4E4-18A9-4B73-8007-A63A71C71937}" srcOrd="3" destOrd="0" presId="urn:microsoft.com/office/officeart/2005/8/layout/hProcess6"/>
-  </dgm:cxnLst>
-  <dgm:bg/>
-  <dgm:whole/>
-  <dgm:extLst>
-    <a:ext uri="http://schemas.microsoft.com/office/drawing/2008/diagram">
-      <dsp:dataModelExt xmlns:dsp="http://schemas.microsoft.com/office/drawing/2008/diagram" relId="rId6" minVer="http://schemas.openxmlformats.org/drawingml/2006/diagram"/>
-    </a:ext>
-  </dgm:extLst>
-</dgm:dataModel>
-</file>
-
-<file path=ppt/diagrams/drawing1.xml><?xml version="1.0" encoding="utf-8"?>
-<dsp:drawing xmlns:dgm="http://schemas.openxmlformats.org/drawingml/2006/diagram" xmlns:dsp="http://schemas.microsoft.com/office/drawing/2008/diagram" xmlns:a="http://schemas.openxmlformats.org/drawingml/2006/main">
-  <dsp:spTree>
-    <dsp:nvGrpSpPr>
-      <dsp:cNvPr id="0" name=""/>
-      <dsp:cNvGrpSpPr/>
-    </dsp:nvGrpSpPr>
-    <dsp:grpSpPr/>
-    <dsp:sp modelId="{610B5FFC-C0C9-444C-9F7A-14D1B54F604D}">
-      <dsp:nvSpPr>
-        <dsp:cNvPr id="0" name=""/>
-        <dsp:cNvSpPr/>
-      </dsp:nvSpPr>
-      <dsp:spPr>
-        <a:xfrm>
-          <a:off x="623515" y="823134"/>
-          <a:ext cx="2475309" cy="2163731"/>
-        </a:xfrm>
-        <a:prstGeom prst="rightArrow">
-          <a:avLst>
-            <a:gd name="adj1" fmla="val 70000"/>
-            <a:gd name="adj2" fmla="val 50000"/>
-          </a:avLst>
-        </a:prstGeom>
-        <a:solidFill>
-          <a:schemeClr val="accent1">
-            <a:alpha val="90000"/>
-            <a:tint val="40000"/>
-            <a:hueOff val="0"/>
-            <a:satOff val="0"/>
-            <a:lumOff val="0"/>
-            <a:alphaOff val="0"/>
-          </a:schemeClr>
-        </a:solidFill>
-        <a:ln w="12700" cap="flat" cmpd="sng" algn="ctr">
-          <a:solidFill>
-            <a:schemeClr val="accent1">
-              <a:alpha val="90000"/>
-              <a:tint val="40000"/>
-              <a:hueOff val="0"/>
-              <a:satOff val="0"/>
-              <a:lumOff val="0"/>
-              <a:alphaOff val="0"/>
-            </a:schemeClr>
-          </a:solidFill>
-          <a:prstDash val="solid"/>
-          <a:miter lim="800000"/>
-        </a:ln>
-        <a:effectLst/>
-      </dsp:spPr>
-      <dsp:style>
-        <a:lnRef idx="2">
-          <a:scrgbClr r="0" g="0" b="0"/>
-        </a:lnRef>
-        <a:fillRef idx="1">
-          <a:scrgbClr r="0" g="0" b="0"/>
-        </a:fillRef>
-        <a:effectRef idx="0">
-          <a:scrgbClr r="0" g="0" b="0"/>
-        </a:effectRef>
-        <a:fontRef idx="minor"/>
-      </dsp:style>
-      <dsp:txBody>
-        <a:bodyPr spcFirstLastPara="0" vert="horz" wrap="square" lIns="45720" tIns="11430" rIns="22860" bIns="11430" numCol="1" spcCol="1270" anchor="ctr" anchorCtr="0">
-          <a:noAutofit/>
-        </a:bodyPr>
-        <a:lstStyle/>
-        <a:p>
-          <a:pPr lvl="0" algn="ctr" defTabSz="800100">
-            <a:lnSpc>
-              <a:spcPct val="90000"/>
-            </a:lnSpc>
-            <a:spcBef>
-              <a:spcPct val="0"/>
-            </a:spcBef>
-            <a:spcAft>
-              <a:spcPct val="35000"/>
-            </a:spcAft>
-          </a:pPr>
-          <a:r>
-            <a:rPr lang="pt-BR" sz="1800" kern="1200" noProof="0" dirty="0" smtClean="0"/>
-            <a:t>Descrição da tarefa</a:t>
-          </a:r>
-          <a:endParaRPr lang="pt-BR" sz="1800" kern="1200" noProof="0" dirty="0"/>
-        </a:p>
-      </dsp:txBody>
-      <dsp:txXfrm>
-        <a:off x="1242342" y="1147694"/>
-        <a:ext cx="1206713" cy="1514611"/>
-      </dsp:txXfrm>
-    </dsp:sp>
-    <dsp:sp modelId="{47DA5750-48DC-4E4F-815D-0B05DBC30DAB}">
-      <dsp:nvSpPr>
-        <dsp:cNvPr id="0" name=""/>
-        <dsp:cNvSpPr/>
-      </dsp:nvSpPr>
-      <dsp:spPr>
-        <a:xfrm>
-          <a:off x="4688" y="1286172"/>
-          <a:ext cx="1237654" cy="1237654"/>
-        </a:xfrm>
-        <a:prstGeom prst="ellipse">
-          <a:avLst/>
-        </a:prstGeom>
-        <a:solidFill>
-          <a:schemeClr val="accent1">
-            <a:hueOff val="0"/>
-            <a:satOff val="0"/>
-            <a:lumOff val="0"/>
-            <a:alphaOff val="0"/>
-          </a:schemeClr>
-        </a:solidFill>
-        <a:ln w="12700" cap="flat" cmpd="sng" algn="ctr">
-          <a:solidFill>
-            <a:schemeClr val="lt1">
-              <a:hueOff val="0"/>
-              <a:satOff val="0"/>
-              <a:lumOff val="0"/>
-              <a:alphaOff val="0"/>
-            </a:schemeClr>
-          </a:solidFill>
-          <a:prstDash val="solid"/>
-          <a:miter lim="800000"/>
-        </a:ln>
-        <a:effectLst/>
-      </dsp:spPr>
-      <dsp:style>
-        <a:lnRef idx="2">
-          <a:scrgbClr r="0" g="0" b="0"/>
-        </a:lnRef>
-        <a:fillRef idx="1">
-          <a:scrgbClr r="0" g="0" b="0"/>
-        </a:fillRef>
-        <a:effectRef idx="0">
-          <a:scrgbClr r="0" g="0" b="0"/>
-        </a:effectRef>
-        <a:fontRef idx="minor">
-          <a:schemeClr val="lt1"/>
-        </a:fontRef>
-      </dsp:style>
-      <dsp:txBody>
-        <a:bodyPr spcFirstLastPara="0" vert="horz" wrap="square" lIns="12700" tIns="12700" rIns="12700" bIns="12700" numCol="1" spcCol="1270" anchor="ctr" anchorCtr="0">
-          <a:noAutofit/>
-        </a:bodyPr>
-        <a:lstStyle/>
-        <a:p>
-          <a:pPr lvl="0" algn="ctr" defTabSz="889000">
-            <a:lnSpc>
-              <a:spcPct val="90000"/>
-            </a:lnSpc>
-            <a:spcBef>
-              <a:spcPct val="0"/>
-            </a:spcBef>
-            <a:spcAft>
-              <a:spcPct val="35000"/>
-            </a:spcAft>
-          </a:pPr>
-          <a:r>
-            <a:rPr lang="pt-BR" sz="2000" kern="1200" noProof="0" dirty="0" smtClean="0"/>
-            <a:t>Título da etapa 1</a:t>
-          </a:r>
-          <a:endParaRPr lang="pt-BR" sz="2000" kern="1200" noProof="0" dirty="0"/>
-        </a:p>
-      </dsp:txBody>
-      <dsp:txXfrm>
-        <a:off x="185938" y="1467422"/>
-        <a:ext cx="875154" cy="875154"/>
-      </dsp:txXfrm>
-    </dsp:sp>
-    <dsp:sp modelId="{00D2DC2C-7CA2-4A4B-B66D-3DDCAB7DC8E9}">
-      <dsp:nvSpPr>
-        <dsp:cNvPr id="0" name=""/>
-        <dsp:cNvSpPr/>
-      </dsp:nvSpPr>
-      <dsp:spPr>
-        <a:xfrm>
-          <a:off x="3872358" y="823134"/>
-          <a:ext cx="2475309" cy="2163731"/>
-        </a:xfrm>
-        <a:prstGeom prst="rightArrow">
-          <a:avLst>
-            <a:gd name="adj1" fmla="val 70000"/>
-            <a:gd name="adj2" fmla="val 50000"/>
-          </a:avLst>
-        </a:prstGeom>
-        <a:solidFill>
-          <a:schemeClr val="accent1">
-            <a:alpha val="90000"/>
-            <a:tint val="40000"/>
-            <a:hueOff val="0"/>
-            <a:satOff val="0"/>
-            <a:lumOff val="0"/>
-            <a:alphaOff val="0"/>
-          </a:schemeClr>
-        </a:solidFill>
-        <a:ln w="12700" cap="flat" cmpd="sng" algn="ctr">
-          <a:solidFill>
-            <a:schemeClr val="accent1">
-              <a:alpha val="90000"/>
-              <a:tint val="40000"/>
-              <a:hueOff val="0"/>
-              <a:satOff val="0"/>
-              <a:lumOff val="0"/>
-              <a:alphaOff val="0"/>
-            </a:schemeClr>
-          </a:solidFill>
-          <a:prstDash val="solid"/>
-          <a:miter lim="800000"/>
-        </a:ln>
-        <a:effectLst/>
-      </dsp:spPr>
-      <dsp:style>
-        <a:lnRef idx="2">
-          <a:scrgbClr r="0" g="0" b="0"/>
-        </a:lnRef>
-        <a:fillRef idx="1">
-          <a:scrgbClr r="0" g="0" b="0"/>
-        </a:fillRef>
-        <a:effectRef idx="0">
-          <a:scrgbClr r="0" g="0" b="0"/>
-        </a:effectRef>
-        <a:fontRef idx="minor"/>
-      </dsp:style>
-      <dsp:txBody>
-        <a:bodyPr spcFirstLastPara="0" vert="horz" wrap="square" lIns="45720" tIns="11430" rIns="22860" bIns="11430" numCol="1" spcCol="1270" anchor="ctr" anchorCtr="0">
-          <a:noAutofit/>
-        </a:bodyPr>
-        <a:lstStyle/>
-        <a:p>
-          <a:pPr lvl="0" algn="ctr" defTabSz="800100">
-            <a:lnSpc>
-              <a:spcPct val="90000"/>
-            </a:lnSpc>
-            <a:spcBef>
-              <a:spcPct val="0"/>
-            </a:spcBef>
-            <a:spcAft>
-              <a:spcPct val="35000"/>
-            </a:spcAft>
-          </a:pPr>
-          <a:r>
-            <a:rPr lang="pt-BR" sz="1800" kern="1200" noProof="0" dirty="0" smtClean="0"/>
-            <a:t>Descrição da tarefa</a:t>
-          </a:r>
-          <a:endParaRPr lang="pt-BR" sz="1800" kern="1200" noProof="0" dirty="0"/>
-        </a:p>
-      </dsp:txBody>
-      <dsp:txXfrm>
-        <a:off x="4491186" y="1147694"/>
-        <a:ext cx="1206713" cy="1514611"/>
-      </dsp:txXfrm>
-    </dsp:sp>
-    <dsp:sp modelId="{EE8733A1-7662-4D0A-B39E-2218596CC81C}">
-      <dsp:nvSpPr>
-        <dsp:cNvPr id="0" name=""/>
-        <dsp:cNvSpPr/>
-      </dsp:nvSpPr>
-      <dsp:spPr>
-        <a:xfrm>
-          <a:off x="3253531" y="1286172"/>
-          <a:ext cx="1237654" cy="1237654"/>
-        </a:xfrm>
-        <a:prstGeom prst="ellipse">
-          <a:avLst/>
-        </a:prstGeom>
-        <a:solidFill>
-          <a:schemeClr val="accent1">
-            <a:hueOff val="0"/>
-            <a:satOff val="0"/>
-            <a:lumOff val="0"/>
-            <a:alphaOff val="0"/>
-          </a:schemeClr>
-        </a:solidFill>
-        <a:ln w="12700" cap="flat" cmpd="sng" algn="ctr">
-          <a:solidFill>
-            <a:schemeClr val="lt1">
-              <a:hueOff val="0"/>
-              <a:satOff val="0"/>
-              <a:lumOff val="0"/>
-              <a:alphaOff val="0"/>
-            </a:schemeClr>
-          </a:solidFill>
-          <a:prstDash val="solid"/>
-          <a:miter lim="800000"/>
-        </a:ln>
-        <a:effectLst/>
-      </dsp:spPr>
-      <dsp:style>
-        <a:lnRef idx="2">
-          <a:scrgbClr r="0" g="0" b="0"/>
-        </a:lnRef>
-        <a:fillRef idx="1">
-          <a:scrgbClr r="0" g="0" b="0"/>
-        </a:fillRef>
-        <a:effectRef idx="0">
-          <a:scrgbClr r="0" g="0" b="0"/>
-        </a:effectRef>
-        <a:fontRef idx="minor">
-          <a:schemeClr val="lt1"/>
-        </a:fontRef>
-      </dsp:style>
-      <dsp:txBody>
-        <a:bodyPr spcFirstLastPara="0" vert="horz" wrap="square" lIns="12700" tIns="12700" rIns="12700" bIns="12700" numCol="1" spcCol="1270" anchor="ctr" anchorCtr="0">
-          <a:noAutofit/>
-        </a:bodyPr>
-        <a:lstStyle/>
-        <a:p>
-          <a:pPr lvl="0" algn="ctr" defTabSz="889000">
-            <a:lnSpc>
-              <a:spcPct val="90000"/>
-            </a:lnSpc>
-            <a:spcBef>
-              <a:spcPct val="0"/>
-            </a:spcBef>
-            <a:spcAft>
-              <a:spcPct val="35000"/>
-            </a:spcAft>
-          </a:pPr>
-          <a:r>
-            <a:rPr lang="pt-BR" sz="2000" kern="1200" noProof="0" dirty="0" smtClean="0"/>
-            <a:t>Título da etapa 2</a:t>
-          </a:r>
-          <a:endParaRPr lang="pt-BR" sz="2000" kern="1200" noProof="0" dirty="0"/>
-        </a:p>
-      </dsp:txBody>
-      <dsp:txXfrm>
-        <a:off x="3434781" y="1467422"/>
-        <a:ext cx="875154" cy="875154"/>
-      </dsp:txXfrm>
-    </dsp:sp>
-    <dsp:sp modelId="{4BF699B1-BE15-42D1-9784-AA33CF29870E}">
-      <dsp:nvSpPr>
-        <dsp:cNvPr id="0" name=""/>
-        <dsp:cNvSpPr/>
-      </dsp:nvSpPr>
-      <dsp:spPr>
-        <a:xfrm>
-          <a:off x="7121202" y="823134"/>
-          <a:ext cx="2475309" cy="2163731"/>
-        </a:xfrm>
-        <a:prstGeom prst="rightArrow">
-          <a:avLst>
-            <a:gd name="adj1" fmla="val 70000"/>
-            <a:gd name="adj2" fmla="val 50000"/>
-          </a:avLst>
-        </a:prstGeom>
-        <a:solidFill>
-          <a:schemeClr val="accent1">
-            <a:alpha val="90000"/>
-            <a:tint val="40000"/>
-            <a:hueOff val="0"/>
-            <a:satOff val="0"/>
-            <a:lumOff val="0"/>
-            <a:alphaOff val="0"/>
-          </a:schemeClr>
-        </a:solidFill>
-        <a:ln w="12700" cap="flat" cmpd="sng" algn="ctr">
-          <a:solidFill>
-            <a:schemeClr val="accent1">
-              <a:alpha val="90000"/>
-              <a:tint val="40000"/>
-              <a:hueOff val="0"/>
-              <a:satOff val="0"/>
-              <a:lumOff val="0"/>
-              <a:alphaOff val="0"/>
-            </a:schemeClr>
-          </a:solidFill>
-          <a:prstDash val="solid"/>
-          <a:miter lim="800000"/>
-        </a:ln>
-        <a:effectLst/>
-      </dsp:spPr>
-      <dsp:style>
-        <a:lnRef idx="2">
-          <a:scrgbClr r="0" g="0" b="0"/>
-        </a:lnRef>
-        <a:fillRef idx="1">
-          <a:scrgbClr r="0" g="0" b="0"/>
-        </a:fillRef>
-        <a:effectRef idx="0">
-          <a:scrgbClr r="0" g="0" b="0"/>
-        </a:effectRef>
-        <a:fontRef idx="minor"/>
-      </dsp:style>
-      <dsp:txBody>
-        <a:bodyPr spcFirstLastPara="0" vert="horz" wrap="square" lIns="45720" tIns="11430" rIns="22860" bIns="11430" numCol="1" spcCol="1270" anchor="ctr" anchorCtr="0">
-          <a:noAutofit/>
-        </a:bodyPr>
-        <a:lstStyle/>
-        <a:p>
-          <a:pPr lvl="0" algn="ctr" defTabSz="800100">
-            <a:lnSpc>
-              <a:spcPct val="90000"/>
-            </a:lnSpc>
-            <a:spcBef>
-              <a:spcPct val="0"/>
-            </a:spcBef>
-            <a:spcAft>
-              <a:spcPct val="35000"/>
-            </a:spcAft>
-          </a:pPr>
-          <a:r>
-            <a:rPr lang="pt-BR" sz="1800" kern="1200" noProof="0" dirty="0" smtClean="0"/>
-            <a:t>Descrição da tarefa</a:t>
-          </a:r>
-          <a:endParaRPr lang="pt-BR" sz="1800" kern="1200" noProof="0" dirty="0"/>
-        </a:p>
-      </dsp:txBody>
-      <dsp:txXfrm>
-        <a:off x="7740029" y="1147694"/>
-        <a:ext cx="1206713" cy="1514611"/>
-      </dsp:txXfrm>
-    </dsp:sp>
-    <dsp:sp modelId="{78E9A4E4-18A9-4B73-8007-A63A71C71937}">
-      <dsp:nvSpPr>
-        <dsp:cNvPr id="0" name=""/>
-        <dsp:cNvSpPr/>
-      </dsp:nvSpPr>
-      <dsp:spPr>
-        <a:xfrm>
-          <a:off x="6502375" y="1286172"/>
-          <a:ext cx="1237654" cy="1237654"/>
-        </a:xfrm>
-        <a:prstGeom prst="ellipse">
-          <a:avLst/>
-        </a:prstGeom>
-        <a:solidFill>
-          <a:schemeClr val="accent1">
-            <a:hueOff val="0"/>
-            <a:satOff val="0"/>
-            <a:lumOff val="0"/>
-            <a:alphaOff val="0"/>
-          </a:schemeClr>
-        </a:solidFill>
-        <a:ln w="12700" cap="flat" cmpd="sng" algn="ctr">
-          <a:solidFill>
-            <a:schemeClr val="lt1">
-              <a:hueOff val="0"/>
-              <a:satOff val="0"/>
-              <a:lumOff val="0"/>
-              <a:alphaOff val="0"/>
-            </a:schemeClr>
-          </a:solidFill>
-          <a:prstDash val="solid"/>
-          <a:miter lim="800000"/>
-        </a:ln>
-        <a:effectLst/>
-      </dsp:spPr>
-      <dsp:style>
-        <a:lnRef idx="2">
-          <a:scrgbClr r="0" g="0" b="0"/>
-        </a:lnRef>
-        <a:fillRef idx="1">
-          <a:scrgbClr r="0" g="0" b="0"/>
-        </a:fillRef>
-        <a:effectRef idx="0">
-          <a:scrgbClr r="0" g="0" b="0"/>
-        </a:effectRef>
-        <a:fontRef idx="minor">
-          <a:schemeClr val="lt1"/>
-        </a:fontRef>
-      </dsp:style>
-      <dsp:txBody>
-        <a:bodyPr spcFirstLastPara="0" vert="horz" wrap="square" lIns="12700" tIns="12700" rIns="12700" bIns="12700" numCol="1" spcCol="1270" anchor="ctr" anchorCtr="0">
-          <a:noAutofit/>
-        </a:bodyPr>
-        <a:lstStyle/>
-        <a:p>
-          <a:pPr lvl="0" algn="ctr" defTabSz="889000">
-            <a:lnSpc>
-              <a:spcPct val="90000"/>
-            </a:lnSpc>
-            <a:spcBef>
-              <a:spcPct val="0"/>
-            </a:spcBef>
-            <a:spcAft>
-              <a:spcPct val="35000"/>
-            </a:spcAft>
-          </a:pPr>
-          <a:r>
-            <a:rPr lang="pt-BR" sz="2000" kern="1200" noProof="0" dirty="0" smtClean="0"/>
-            <a:t>Título da etapa 3</a:t>
-          </a:r>
-          <a:endParaRPr lang="pt-BR" sz="2000" kern="1200" noProof="0" dirty="0"/>
-        </a:p>
-      </dsp:txBody>
-      <dsp:txXfrm>
-        <a:off x="6683625" y="1467422"/>
-        <a:ext cx="875154" cy="875154"/>
-      </dsp:txXfrm>
-    </dsp:sp>
-  </dsp:spTree>
-</dsp:drawing>
-</file>
-
-<file path=ppt/diagrams/layout1.xml><?xml version="1.0" encoding="utf-8"?>
-<dgm:layoutDef xmlns:dgm="http://schemas.openxmlformats.org/drawingml/2006/diagram" xmlns:a="http://schemas.openxmlformats.org/drawingml/2006/main" uniqueId="urn:microsoft.com/office/officeart/2005/8/layout/hProcess6">
-  <dgm:title val=""/>
-  <dgm:desc val=""/>
-  <dgm:catLst>
-    <dgm:cat type="process" pri="7000"/>
-  </dgm:catLst>
-  <dgm:sampData>
-    <dgm:dataModel>
-      <dgm:ptLst>
-        <dgm:pt modelId="0" type="doc"/>
-        <dgm:pt modelId="1">
-          <dgm:prSet phldr="1"/>
-        </dgm:pt>
-        <dgm:pt modelId="11">
-          <dgm:prSet phldr="1"/>
-        </dgm:pt>
-        <dgm:pt modelId="12">
-          <dgm:prSet phldr="1"/>
-        </dgm:pt>
-        <dgm:pt modelId="2">
-          <dgm:prSet phldr="1"/>
-        </dgm:pt>
-        <dgm:pt modelId="21">
-          <dgm:prSet phldr="1"/>
-        </dgm:pt>
-        <dgm:pt modelId="22">
-          <dgm:prSet phldr="1"/>
-        </dgm:pt>
-        <dgm:pt modelId="3">
-          <dgm:prSet phldr="1"/>
-        </dgm:pt>
-        <dgm:pt modelId="31">
-          <dgm:prSet phldr="1"/>
-        </dgm:pt>
-        <dgm:pt modelId="32">
-          <dgm:prSet phldr="1"/>
-        </dgm:pt>
-      </dgm:ptLst>
-      <dgm:cxnLst>
-        <dgm:cxn modelId="4" srcId="0" destId="1" srcOrd="0" destOrd="0"/>
-        <dgm:cxn modelId="5" srcId="0" destId="2" srcOrd="1" destOrd="0"/>
-        <dgm:cxn modelId="13" srcId="1" destId="11" srcOrd="0" destOrd="0"/>
-        <dgm:cxn modelId="14" srcId="1" destId="12" srcOrd="0" destOrd="0"/>
-        <dgm:cxn modelId="23" srcId="2" destId="21" srcOrd="0" destOrd="0"/>
-        <dgm:cxn modelId="24" srcId="2" destId="22" srcOrd="0" destOrd="0"/>
-        <dgm:cxn modelId="33" srcId="3" destId="31" srcOrd="0" destOrd="0"/>
-        <dgm:cxn modelId="34" srcId="3" destId="32" srcOrd="0" destOrd="0"/>
-      </dgm:cxnLst>
-      <dgm:bg/>
-      <dgm:whole/>
-    </dgm:dataModel>
-  </dgm:sampData>
-  <dgm:styleData>
-    <dgm:dataModel>
-      <dgm:ptLst>
-        <dgm:pt modelId="0" type="doc"/>
-        <dgm:pt modelId="1"/>
-        <dgm:pt modelId="11"/>
-        <dgm:pt modelId="2"/>
-        <dgm:pt modelId="21"/>
-      </dgm:ptLst>
-      <dgm:cxnLst>
-        <dgm:cxn modelId="4" srcId="0" destId="1" srcOrd="0" destOrd="0"/>
-        <dgm:cxn modelId="5" srcId="0" destId="2" srcOrd="1" destOrd="0"/>
-        <dgm:cxn modelId="13" srcId="1" destId="11" srcOrd="0" destOrd="0"/>
-        <dgm:cxn modelId="23" srcId="2" destId="21" srcOrd="0" destOrd="0"/>
-      </dgm:cxnLst>
-      <dgm:bg/>
-      <dgm:whole/>
-    </dgm:dataModel>
-  </dgm:styleData>
-  <dgm:clrData>
-    <dgm:dataModel>
-      <dgm:ptLst>
-        <dgm:pt modelId="0" type="doc"/>
-        <dgm:pt modelId="1"/>
-        <dgm:pt modelId="11"/>
-        <dgm:pt modelId="2"/>
-        <dgm:pt modelId="21"/>
-        <dgm:pt modelId="3"/>
-        <dgm:pt modelId="31"/>
-        <dgm:pt modelId="4"/>
-        <dgm:pt modelId="41"/>
-      </dgm:ptLst>
-      <dgm:cxnLst>
-        <dgm:cxn modelId="5" srcId="0" destId="1" srcOrd="0" destOrd="0"/>
-        <dgm:cxn modelId="6" srcId="0" destId="2" srcOrd="1" destOrd="0"/>
-        <dgm:cxn modelId="7" srcId="0" destId="3" srcOrd="2" destOrd="0"/>
-        <dgm:cxn modelId="8" srcId="0" destId="4" srcOrd="3" destOrd="0"/>
-        <dgm:cxn modelId="13" srcId="1" destId="11" srcOrd="0" destOrd="0"/>
-        <dgm:cxn modelId="23" srcId="2" destId="21" srcOrd="0" destOrd="0"/>
-        <dgm:cxn modelId="33" srcId="3" destId="31" srcOrd="0" destOrd="0"/>
-        <dgm:cxn modelId="43" srcId="4" destId="41" srcOrd="0" destOrd="0"/>
-      </dgm:cxnLst>
-      <dgm:bg/>
-      <dgm:whole/>
-    </dgm:dataModel>
-  </dgm:clrData>
-  <dgm:layoutNode name="theList">
-    <dgm:varLst>
-      <dgm:dir/>
-      <dgm:animLvl val="lvl"/>
-      <dgm:resizeHandles val="exact"/>
-    </dgm:varLst>
-    <dgm:choose name="Name0">
-      <dgm:if name="Name1" func="var" arg="dir" op="equ" val="norm">
-        <dgm:alg type="lin">
-          <dgm:param type="linDir" val="fromL"/>
-          <dgm:param type="nodeHorzAlign" val="l"/>
-        </dgm:alg>
-      </dgm:if>
-      <dgm:else name="Name2">
-        <dgm:alg type="lin">
-          <dgm:param type="linDir" val="fromR"/>
-          <dgm:param type="nodeHorzAlign" val="r"/>
-        </dgm:alg>
-      </dgm:else>
-    </dgm:choose>
-    <dgm:shape xmlns:r="http://schemas.openxmlformats.org/officeDocument/2006/relationships" r:blip="">
-      <dgm:adjLst/>
-    </dgm:shape>
-    <dgm:presOf/>
-    <dgm:constrLst>
-      <dgm:constr type="w" for="ch" forName="compNode" refType="w"/>
-      <dgm:constr type="h" for="ch" forName="compNode" refType="w" refFor="ch" refForName="compNode" fact="0.7"/>
-      <dgm:constr type="ctrY" for="ch" forName="compNode" refType="h" fact="0.5"/>
-      <dgm:constr type="w" for="ch" forName="aSpace" refType="w" fact="0.05"/>
-      <dgm:constr type="primFontSz" for="des" forName="childTextHidden" op="equ" val="65"/>
-      <dgm:constr type="primFontSz" for="des" forName="parentText" op="equ"/>
-    </dgm:constrLst>
-    <dgm:ruleLst/>
-    <dgm:forEach name="aNodeForEach" axis="ch" ptType="node">
-      <dgm:layoutNode name="compNode">
-        <dgm:alg type="composite">
-          <dgm:param type="ar" val="1.43"/>
-        </dgm:alg>
-        <dgm:shape xmlns:r="http://schemas.openxmlformats.org/officeDocument/2006/relationships" r:blip="">
-          <dgm:adjLst/>
-        </dgm:shape>
-        <dgm:presOf/>
-        <dgm:choose name="Name3">
-          <dgm:if name="Name4" func="var" arg="dir" op="equ" val="norm">
-            <dgm:constrLst>
-              <dgm:constr type="w" for="ch" forName="childTextVisible" refType="w" fact="0.8"/>
-              <dgm:constr type="h" for="ch" forName="childTextVisible" refType="h"/>
-              <dgm:constr type="r" for="ch" forName="childTextVisible" refType="w"/>
-              <dgm:constr type="w" for="ch" forName="childTextHidden" refType="w" fact="0.6"/>
-              <dgm:constr type="h" for="ch" forName="childTextHidden" refType="h"/>
-              <dgm:constr type="r" for="ch" forName="childTextHidden" refType="w"/>
-              <dgm:constr type="l" for="ch" forName="parentText"/>
-              <dgm:constr type="w" for="ch" forName="parentText" refType="w" fact="0.4"/>
-              <dgm:constr type="h" for="ch" forName="parentText" refType="w" refFor="ch" refForName="parentText" op="equ"/>
-              <dgm:constr type="ctrY" for="ch" forName="parentText" refType="h" fact="0.5"/>
-            </dgm:constrLst>
-          </dgm:if>
-          <dgm:else name="Name5">
-            <dgm:constrLst>
-              <dgm:constr type="w" for="ch" forName="childTextVisible" refType="w" fact="0.8"/>
-              <dgm:constr type="h" for="ch" forName="childTextVisible" refType="h"/>
-              <dgm:constr type="l" for="ch" forName="childTextVisible"/>
-              <dgm:constr type="w" for="ch" forName="childTextHidden" refType="w" fact="0.6"/>
-              <dgm:constr type="h" for="ch" forName="childTextHidden" refType="h"/>
-              <dgm:constr type="l" for="ch" forName="childTextHidden"/>
-              <dgm:constr type="r" for="ch" forName="parentText" refType="w"/>
-              <dgm:constr type="w" for="ch" forName="parentText" refType="w" fact="0.4"/>
-              <dgm:constr type="h" for="ch" forName="parentText" refType="w" refFor="ch" refForName="parentText" op="equ"/>
-              <dgm:constr type="ctrY" for="ch" forName="parentText" refType="h" fact="0.5"/>
-            </dgm:constrLst>
-          </dgm:else>
-        </dgm:choose>
-        <dgm:ruleLst/>
-        <dgm:layoutNode name="noGeometry">
-          <dgm:alg type="sp"/>
-          <dgm:shape xmlns:r="http://schemas.openxmlformats.org/officeDocument/2006/relationships" r:blip="">
-            <dgm:adjLst/>
-          </dgm:shape>
-          <dgm:presOf/>
-          <dgm:constrLst/>
-          <dgm:ruleLst/>
-        </dgm:layoutNode>
-        <dgm:layoutNode name="childTextVisible" styleLbl="bgAccFollowNode1">
-          <dgm:varLst>
-            <dgm:bulletEnabled val="1"/>
-          </dgm:varLst>
-          <dgm:alg type="sp"/>
-          <dgm:choose name="Name6">
-            <dgm:if name="Name7" func="var" arg="dir" op="equ" val="norm">
-              <dgm:shape xmlns:r="http://schemas.openxmlformats.org/officeDocument/2006/relationships" type="rightArrow" r:blip="">
-                <dgm:adjLst>
-                  <dgm:adj idx="1" val="0.7"/>
-                  <dgm:adj idx="2" val="0.5"/>
-                </dgm:adjLst>
-              </dgm:shape>
-            </dgm:if>
-            <dgm:else name="Name8">
-              <dgm:shape xmlns:r="http://schemas.openxmlformats.org/officeDocument/2006/relationships" type="leftArrow" r:blip="">
-                <dgm:adjLst>
-                  <dgm:adj idx="1" val="0.7"/>
-                  <dgm:adj idx="2" val="0.5"/>
-                </dgm:adjLst>
-              </dgm:shape>
-            </dgm:else>
-          </dgm:choose>
-          <dgm:presOf axis="des" ptType="node"/>
-          <dgm:constrLst/>
-          <dgm:ruleLst/>
-        </dgm:layoutNode>
-        <dgm:layoutNode name="childTextHidden" styleLbl="bgAccFollowNode1">
-          <dgm:choose name="Name9">
-            <dgm:if name="Name10" axis="des followSib" ptType="node node" st="1 1" cnt="1 0" func="cnt" op="gte" val="1">
-              <dgm:alg type="tx">
-                <dgm:param type="stBulletLvl" val="1"/>
-                <dgm:param type="txAnchorVertCh" val="mid"/>
-              </dgm:alg>
-            </dgm:if>
-            <dgm:else name="Name11">
-              <dgm:alg type="tx">
-                <dgm:param type="stBulletLvl" val="2"/>
-                <dgm:param type="txAnchorVertCh" val="mid"/>
-              </dgm:alg>
-            </dgm:else>
-          </dgm:choose>
-          <dgm:choose name="Name12">
-            <dgm:if name="Name13" func="var" arg="dir" op="equ" val="norm">
-              <dgm:shape xmlns:r="http://schemas.openxmlformats.org/officeDocument/2006/relationships" type="rightArrow" r:blip="" hideGeom="1">
-                <dgm:adjLst>
-                  <dgm:adj idx="1" val="0.7"/>
-                  <dgm:adj idx="2" val="0.5"/>
-                </dgm:adjLst>
-              </dgm:shape>
-            </dgm:if>
-            <dgm:else name="Name14">
-              <dgm:shape xmlns:r="http://schemas.openxmlformats.org/officeDocument/2006/relationships" type="leftArrow" r:blip="" hideGeom="1">
-                <dgm:adjLst>
-                  <dgm:adj idx="1" val="0.7"/>
-                  <dgm:adj idx="2" val="0.5"/>
-                </dgm:adjLst>
-              </dgm:shape>
-            </dgm:else>
-          </dgm:choose>
-          <dgm:presOf axis="des" ptType="node"/>
-          <dgm:constrLst>
-            <dgm:constr type="secFontSz" refType="primFontSz"/>
-            <dgm:constr type="tMarg" refType="primFontSz" fact="0.05"/>
-            <dgm:constr type="bMarg" refType="primFontSz" fact="0.05"/>
-            <dgm:constr type="rMarg" refType="primFontSz" fact="0.1"/>
-            <dgm:constr type="lMarg" refType="primFontSz" fact="0.2"/>
-          </dgm:constrLst>
-          <dgm:ruleLst>
-            <dgm:rule type="primFontSz" val="5" fact="NaN" max="NaN"/>
-          </dgm:ruleLst>
-        </dgm:layoutNode>
-        <dgm:layoutNode name="parentText" styleLbl="node1">
-          <dgm:varLst>
-            <dgm:chMax val="1"/>
-            <dgm:bulletEnabled val="1"/>
-          </dgm:varLst>
-          <dgm:alg type="tx"/>
-          <dgm:shape xmlns:r="http://schemas.openxmlformats.org/officeDocument/2006/relationships" type="ellipse" r:blip="">
-            <dgm:adjLst/>
-          </dgm:shape>
-          <dgm:presOf axis="self"/>
-          <dgm:constrLst>
-            <dgm:constr type="primFontSz" val="65"/>
-            <dgm:constr type="tMarg" refType="primFontSz" fact="0.05"/>
-            <dgm:constr type="bMarg" refType="primFontSz" fact="0.05"/>
-            <dgm:constr type="lMarg" refType="primFontSz" fact="0.05"/>
-            <dgm:constr type="rMarg" refType="primFontSz" fact="0.05"/>
-          </dgm:constrLst>
-          <dgm:ruleLst>
-            <dgm:rule type="primFontSz" val="5" fact="NaN" max="NaN"/>
-          </dgm:ruleLst>
-        </dgm:layoutNode>
-      </dgm:layoutNode>
-      <dgm:choose name="Name15">
-        <dgm:if name="Name16" axis="self" ptType="node" func="revPos" op="gte" val="2">
-          <dgm:layoutNode name="aSpace">
-            <dgm:alg type="sp"/>
-            <dgm:shape xmlns:r="http://schemas.openxmlformats.org/officeDocument/2006/relationships" r:blip="">
-              <dgm:adjLst/>
-            </dgm:shape>
-            <dgm:presOf/>
-            <dgm:constrLst/>
-            <dgm:ruleLst/>
-          </dgm:layoutNode>
-        </dgm:if>
-        <dgm:else name="Name17"/>
-      </dgm:choose>
-    </dgm:forEach>
-  </dgm:layoutNode>
-</dgm:layoutDef>
-</file>
-
-<file path=ppt/diagrams/quickStyle1.xml><?xml version="1.0" encoding="utf-8"?>
-<dgm:styleDef xmlns:dgm="http://schemas.openxmlformats.org/drawingml/2006/diagram" xmlns:a="http://schemas.openxmlformats.org/drawingml/2006/main" uniqueId="urn:microsoft.com/office/officeart/2005/8/quickstyle/simple1">
-  <dgm:title val=""/>
-  <dgm:desc val=""/>
-  <dgm:catLst>
-    <dgm:cat type="simple" pri="10100"/>
-  </dgm:catLst>
-  <dgm:scene3d>
-    <a:camera prst="orthographicFront"/>
-    <a:lightRig rig="threePt" dir="t"/>
-  </dgm:scene3d>
-  <dgm:styleLbl name="node0">
-    <dgm:scene3d>
-      <a:camera prst="orthographicFront"/>
-      <a:lightRig rig="threePt" dir="t"/>
-    </dgm:scene3d>
-    <dgm:sp3d/>
-    <dgm:txPr/>
-    <dgm:style>
-      <a:lnRef idx="2">
-        <a:scrgbClr r="0" g="0" b="0"/>
-      </a:lnRef>
-      <a:fillRef idx="1">
-        <a:scrgbClr r="0" g="0" b="0"/>
-      </a:fillRef>
-      <a:effectRef idx="0">
-        <a:scrgbClr r="0" g="0" b="0"/>
-      </a:effectRef>
-      <a:fontRef idx="minor">
-        <a:schemeClr val="lt1"/>
-      </a:fontRef>
-    </dgm:style>
-  </dgm:styleLbl>
-  <dgm:styleLbl name="lnNode1">
-    <dgm:scene3d>
-      <a:camera prst="orthographicFront"/>
-      <a:lightRig rig="threePt" dir="t"/>
-    </dgm:scene3d>
-    <dgm:sp3d/>
-    <dgm:txPr/>
-    <dgm:style>
-      <a:lnRef idx="2">
-        <a:scrgbClr r="0" g="0" b="0"/>
-      </a:lnRef>
-      <a:fillRef idx="1">
-        <a:scrgbClr r="0" g="0" b="0"/>
-      </a:fillRef>
-      <a:effectRef idx="0">
-        <a:scrgbClr r="0" g="0" b="0"/>
-      </a:effectRef>
-      <a:fontRef idx="minor">
-        <a:schemeClr val="lt1"/>
-      </a:fontRef>
-    </dgm:style>
-  </dgm:styleLbl>
-  <dgm:styleLbl name="vennNode1">
-    <dgm:scene3d>
-      <a:camera prst="orthographicFront"/>
-      <a:lightRig rig="threePt" dir="t"/>
-    </dgm:scene3d>
-    <dgm:sp3d/>
-    <dgm:txPr/>
-    <dgm:style>
-      <a:lnRef idx="2">
-        <a:scrgbClr r="0" g="0" b="0"/>
-      </a:lnRef>
-      <a:fillRef idx="1">
-        <a:scrgbClr r="0" g="0" b="0"/>
-      </a:fillRef>
-      <a:effectRef idx="0">
-        <a:scrgbClr r="0" g="0" b="0"/>
-      </a:effectRef>
-      <a:fontRef idx="minor">
-        <a:schemeClr val="tx1"/>
-      </a:fontRef>
-    </dgm:style>
-  </dgm:styleLbl>
-  <dgm:styleLbl name="alignNode1">
-    <dgm:scene3d>
-      <a:camera prst="orthographicFront"/>
-      <a:lightRig rig="threePt" dir="t"/>
-    </dgm:scene3d>
-    <dgm:sp3d/>
-    <dgm:txPr/>
-    <dgm:style>
-      <a:lnRef idx="2">
-        <a:scrgbClr r="0" g="0" b="0"/>
-      </a:lnRef>
-      <a:fillRef idx="1">
-        <a:scrgbClr r="0" g="0" b="0"/>
-      </a:fillRef>
-      <a:effectRef idx="0">
-        <a:scrgbClr r="0" g="0" b="0"/>
-      </a:effectRef>
-      <a:fontRef idx="minor">
-        <a:schemeClr val="lt1"/>
-      </a:fontRef>
-    </dgm:style>
-  </dgm:styleLbl>
-  <dgm:styleLbl name="node1">
-    <dgm:scene3d>
-      <a:camera prst="orthographicFront"/>
-      <a:lightRig rig="threePt" dir="t"/>
-    </dgm:scene3d>
-    <dgm:sp3d/>
-    <dgm:txPr/>
-    <dgm:style>
-      <a:lnRef idx="2">
-        <a:scrgbClr r="0" g="0" b="0"/>
-      </a:lnRef>
-      <a:fillRef idx="1">
-        <a:scrgbClr r="0" g="0" b="0"/>
-      </a:fillRef>
-      <a:effectRef idx="0">
-        <a:scrgbClr r="0" g="0" b="0"/>
-      </a:effectRef>
-      <a:fontRef idx="minor">
-        <a:schemeClr val="lt1"/>
-      </a:fontRef>
-    </dgm:style>
-  </dgm:styleLbl>
-  <dgm:styleLbl name="node2">
-    <dgm:scene3d>
-      <a:camera prst="orthographicFront"/>
-      <a:lightRig rig="threePt" dir="t"/>
-    </dgm:scene3d>
-    <dgm:sp3d/>
-    <dgm:txPr/>
-    <dgm:style>
-      <a:lnRef idx="2">
-        <a:scrgbClr r="0" g="0" b="0"/>
-      </a:lnRef>
-      <a:fillRef idx="1">
-        <a:scrgbClr r="0" g="0" b="0"/>
-      </a:fillRef>
-      <a:effectRef idx="0">
-        <a:scrgbClr r="0" g="0" b="0"/>
-      </a:effectRef>
-      <a:fontRef idx="minor">
-        <a:schemeClr val="lt1"/>
-      </a:fontRef>
-    </dgm:style>
-  </dgm:styleLbl>
-  <dgm:styleLbl name="node3">
-    <dgm:scene3d>
-      <a:camera prst="orthographicFront"/>
-      <a:lightRig rig="threePt" dir="t"/>
-    </dgm:scene3d>
-    <dgm:sp3d/>
-    <dgm:txPr/>
-    <dgm:style>
-      <a:lnRef idx="2">
-        <a:scrgbClr r="0" g="0" b="0"/>
-      </a:lnRef>
-      <a:fillRef idx="1">
-        <a:scrgbClr r="0" g="0" b="0"/>
-      </a:fillRef>
-      <a:effectRef idx="0">
-        <a:scrgbClr r="0" g="0" b="0"/>
-      </a:effectRef>
-      <a:fontRef idx="minor">
-        <a:schemeClr val="lt1"/>
-      </a:fontRef>
-    </dgm:style>
-  </dgm:styleLbl>
-  <dgm:styleLbl name="node4">
-    <dgm:scene3d>
-      <a:camera prst="orthographicFront"/>
-      <a:lightRig rig="threePt" dir="t"/>
-    </dgm:scene3d>
-    <dgm:sp3d/>
-    <dgm:txPr/>
-    <dgm:style>
-      <a:lnRef idx="2">
-        <a:scrgbClr r="0" g="0" b="0"/>
-      </a:lnRef>
-      <a:fillRef idx="1">
-        <a:scrgbClr r="0" g="0" b="0"/>
-      </a:fillRef>
-      <a:effectRef idx="0">
-        <a:scrgbClr r="0" g="0" b="0"/>
-      </a:effectRef>
-      <a:fontRef idx="minor">
-        <a:schemeClr val="lt1"/>
-      </a:fontRef>
-    </dgm:style>
-  </dgm:styleLbl>
-  <dgm:styleLbl name="fgImgPlace1">
-    <dgm:scene3d>
-      <a:camera prst="orthographicFront"/>
-      <a:lightRig rig="threePt" dir="t"/>
-    </dgm:scene3d>
-    <dgm:sp3d/>
-    <dgm:txPr/>
-    <dgm:style>
-      <a:lnRef idx="2">
-        <a:scrgbClr r="0" g="0" b="0"/>
-      </a:lnRef>
-      <a:fillRef idx="1">
-        <a:scrgbClr r="0" g="0" b="0"/>
-      </a:fillRef>
-      <a:effectRef idx="0">
-        <a:scrgbClr r="0" g="0" b="0"/>
-      </a:effectRef>
-      <a:fontRef idx="minor"/>
-    </dgm:style>
-  </dgm:styleLbl>
-  <dgm:styleLbl name="alignImgPlace1">
-    <dgm:scene3d>
-      <a:camera prst="orthographicFront"/>
-      <a:lightRig rig="threePt" dir="t"/>
-    </dgm:scene3d>
-    <dgm:sp3d/>
-    <dgm:txPr/>
-    <dgm:style>
-      <a:lnRef idx="2">
-        <a:scrgbClr r="0" g="0" b="0"/>
-      </a:lnRef>
-      <a:fillRef idx="1">
-        <a:scrgbClr r="0" g="0" b="0"/>
-      </a:fillRef>
-      <a:effectRef idx="0">
-        <a:scrgbClr r="0" g="0" b="0"/>
-      </a:effectRef>
-      <a:fontRef idx="minor"/>
-    </dgm:style>
-  </dgm:styleLbl>
-  <dgm:styleLbl name="bgImgPlace1">
-    <dgm:scene3d>
-      <a:camera prst="orthographicFront"/>
-      <a:lightRig rig="threePt" dir="t"/>
-    </dgm:scene3d>
-    <dgm:sp3d/>
-    <dgm:txPr/>
-    <dgm:style>
-      <a:lnRef idx="2">
-        <a:scrgbClr r="0" g="0" b="0"/>
-      </a:lnRef>
-      <a:fillRef idx="1">
-        <a:scrgbClr r="0" g="0" b="0"/>
-      </a:fillRef>
-      <a:effectRef idx="0">
-        <a:scrgbClr r="0" g="0" b="0"/>
-      </a:effectRef>
-      <a:fontRef idx="minor"/>
-    </dgm:style>
-  </dgm:styleLbl>
-  <dgm:styleLbl name="sibTrans2D1">
-    <dgm:scene3d>
-      <a:camera prst="orthographicFront"/>
-      <a:lightRig rig="threePt" dir="t"/>
-    </dgm:scene3d>
-    <dgm:sp3d/>
-    <dgm:txPr/>
-    <dgm:style>
-      <a:lnRef idx="0">
-        <a:scrgbClr r="0" g="0" b="0"/>
-      </a:lnRef>
-      <a:fillRef idx="1">
-        <a:scrgbClr r="0" g="0" b="0"/>
-      </a:fillRef>
-      <a:effectRef idx="0">
-        <a:scrgbClr r="0" g="0" b="0"/>
-      </a:effectRef>
-      <a:fontRef idx="minor">
-        <a:schemeClr val="lt1"/>
-      </a:fontRef>
-    </dgm:style>
-  </dgm:styleLbl>
-  <dgm:styleLbl name="fgSibTrans2D1">
-    <dgm:scene3d>
-      <a:camera prst="orthographicFront"/>
-      <a:lightRig rig="threePt" dir="t"/>
-    </dgm:scene3d>
-    <dgm:sp3d/>
-    <dgm:txPr/>
-    <dgm:style>
-      <a:lnRef idx="0">
-        <a:scrgbClr r="0" g="0" b="0"/>
-      </a:lnRef>
-      <a:fillRef idx="1">
-        <a:scrgbClr r="0" g="0" b="0"/>
-      </a:fillRef>
-      <a:effectRef idx="0">
-        <a:scrgbClr r="0" g="0" b="0"/>
-      </a:effectRef>
-      <a:fontRef idx="minor">
-        <a:schemeClr val="lt1"/>
-      </a:fontRef>
-    </dgm:style>
-  </dgm:styleLbl>
-  <dgm:styleLbl name="bgSibTrans2D1">
-    <dgm:scene3d>
-      <a:camera prst="orthographicFront"/>
-      <a:lightRig rig="threePt" dir="t"/>
-    </dgm:scene3d>
-    <dgm:sp3d/>
-    <dgm:txPr/>
-    <dgm:style>
-      <a:lnRef idx="0">
-        <a:scrgbClr r="0" g="0" b="0"/>
-      </a:lnRef>
-      <a:fillRef idx="1">
-        <a:scrgbClr r="0" g="0" b="0"/>
-      </a:fillRef>
-      <a:effectRef idx="0">
-        <a:scrgbClr r="0" g="0" b="0"/>
-      </a:effectRef>
-      <a:fontRef idx="minor">
-        <a:schemeClr val="lt1"/>
-      </a:fontRef>
-    </dgm:style>
-  </dgm:styleLbl>
-  <dgm:styleLbl name="sibTrans1D1">
-    <dgm:scene3d>
-      <a:camera prst="orthographicFront"/>
-      <a:lightRig rig="threePt" dir="t"/>
-    </dgm:scene3d>
-    <dgm:sp3d/>
-    <dgm:txPr/>
-    <dgm:style>
-      <a:lnRef idx="1">
-        <a:scrgbClr r="0" g="0" b="0"/>
-      </a:lnRef>
-      <a:fillRef idx="0">
-        <a:scrgbClr r="0" g="0" b="0"/>
-      </a:fillRef>
-      <a:effectRef idx="0">
-        <a:scrgbClr r="0" g="0" b="0"/>
-      </a:effectRef>
-      <a:fontRef idx="minor"/>
-    </dgm:style>
-  </dgm:styleLbl>
-  <dgm:styleLbl name="callout">
-    <dgm:scene3d>
-      <a:camera prst="orthographicFront"/>
-      <a:lightRig rig="threePt" dir="t"/>
-    </dgm:scene3d>
-    <dgm:sp3d/>
-    <dgm:txPr/>
-    <dgm:style>
-      <a:lnRef idx="2">
-        <a:scrgbClr r="0" g="0" b="0"/>
-      </a:lnRef>
-      <a:fillRef idx="1">
-        <a:scrgbClr r="0" g="0" b="0"/>
-      </a:fillRef>
-      <a:effectRef idx="0">
-        <a:scrgbClr r="0" g="0" b="0"/>
-      </a:effectRef>
-      <a:fontRef idx="minor"/>
-    </dgm:style>
-  </dgm:styleLbl>
-  <dgm:styleLbl name="asst0">
-    <dgm:scene3d>
-      <a:camera prst="orthographicFront"/>
-      <a:lightRig rig="threePt" dir="t"/>
-    </dgm:scene3d>
-    <dgm:sp3d/>
-    <dgm:txPr/>
-    <dgm:style>
-      <a:lnRef idx="2">
-        <a:scrgbClr r="0" g="0" b="0"/>
-      </a:lnRef>
-      <a:fillRef idx="1">
-        <a:scrgbClr r="0" g="0" b="0"/>
-      </a:fillRef>
-      <a:effectRef idx="0">
-        <a:scrgbClr r="0" g="0" b="0"/>
-      </a:effectRef>
-      <a:fontRef idx="minor">
-        <a:schemeClr val="lt1"/>
-      </a:fontRef>
-    </dgm:style>
-  </dgm:styleLbl>
-  <dgm:styleLbl name="asst1">
-    <dgm:scene3d>
-      <a:camera prst="orthographicFront"/>
-      <a:lightRig rig="threePt" dir="t"/>
-    </dgm:scene3d>
-    <dgm:sp3d/>
-    <dgm:txPr/>
-    <dgm:style>
-      <a:lnRef idx="2">
-        <a:scrgbClr r="0" g="0" b="0"/>
-      </a:lnRef>
-      <a:fillRef idx="1">
-        <a:scrgbClr r="0" g="0" b="0"/>
-      </a:fillRef>
-      <a:effectRef idx="0">
-        <a:scrgbClr r="0" g="0" b="0"/>
-      </a:effectRef>
-      <a:fontRef idx="minor">
-        <a:schemeClr val="lt1"/>
-      </a:fontRef>
-    </dgm:style>
-  </dgm:styleLbl>
-  <dgm:styleLbl name="asst2">
-    <dgm:scene3d>
-      <a:camera prst="orthographicFront"/>
-      <a:lightRig rig="threePt" dir="t"/>
-    </dgm:scene3d>
-    <dgm:sp3d/>
-    <dgm:txPr/>
-    <dgm:style>
-      <a:lnRef idx="2">
-        <a:scrgbClr r="0" g="0" b="0"/>
-      </a:lnRef>
-      <a:fillRef idx="1">
-        <a:scrgbClr r="0" g="0" b="0"/>
-      </a:fillRef>
-      <a:effectRef idx="0">
-        <a:scrgbClr r="0" g="0" b="0"/>
-      </a:effectRef>
-      <a:fontRef idx="minor">
-        <a:schemeClr val="lt1"/>
-      </a:fontRef>
-    </dgm:style>
-  </dgm:styleLbl>
-  <dgm:styleLbl name="asst3">
-    <dgm:scene3d>
-      <a:camera prst="orthographicFront"/>
-      <a:lightRig rig="threePt" dir="t"/>
-    </dgm:scene3d>
-    <dgm:sp3d/>
-    <dgm:txPr/>
-    <dgm:style>
-      <a:lnRef idx="2">
-        <a:scrgbClr r="0" g="0" b="0"/>
-      </a:lnRef>
-      <a:fillRef idx="1">
-        <a:scrgbClr r="0" g="0" b="0"/>
-      </a:fillRef>
-      <a:effectRef idx="0">
-        <a:scrgbClr r="0" g="0" b="0"/>
-      </a:effectRef>
-      <a:fontRef idx="minor">
-        <a:schemeClr val="lt1"/>
-      </a:fontRef>
-    </dgm:style>
-  </dgm:styleLbl>
-  <dgm:styleLbl name="asst4">
-    <dgm:scene3d>
-      <a:camera prst="orthographicFront"/>
-      <a:lightRig rig="threePt" dir="t"/>
-    </dgm:scene3d>
-    <dgm:sp3d/>
-    <dgm:txPr/>
-    <dgm:style>
-      <a:lnRef idx="2">
-        <a:scrgbClr r="0" g="0" b="0"/>
-      </a:lnRef>
-      <a:fillRef idx="1">
-        <a:scrgbClr r="0" g="0" b="0"/>
-      </a:fillRef>
-      <a:effectRef idx="0">
-        <a:scrgbClr r="0" g="0" b="0"/>
-      </a:effectRef>
-      <a:fontRef idx="minor">
-        <a:schemeClr val="lt1"/>
-      </a:fontRef>
-    </dgm:style>
-  </dgm:styleLbl>
-  <dgm:styleLbl name="parChTrans2D1">
-    <dgm:scene3d>
-      <a:camera prst="orthographicFront"/>
-      <a:lightRig rig="threePt" dir="t"/>
-    </dgm:scene3d>
-    <dgm:sp3d/>
-    <dgm:txPr/>
-    <dgm:style>
-      <a:lnRef idx="2">
-        <a:scrgbClr r="0" g="0" b="0"/>
-      </a:lnRef>
-      <a:fillRef idx="1">
-        <a:scrgbClr r="0" g="0" b="0"/>
-      </a:fillRef>
-      <a:effectRef idx="0">
-        <a:scrgbClr r="0" g="0" b="0"/>
-      </a:effectRef>
-      <a:fontRef idx="minor">
-        <a:schemeClr val="lt1"/>
-      </a:fontRef>
-    </dgm:style>
-  </dgm:styleLbl>
-  <dgm:styleLbl name="parChTrans2D2">
-    <dgm:scene3d>
-      <a:camera prst="orthographicFront"/>
-      <a:lightRig rig="threePt" dir="t"/>
-    </dgm:scene3d>
-    <dgm:sp3d/>
-    <dgm:txPr/>
-    <dgm:style>
-      <a:lnRef idx="2">
-        <a:scrgbClr r="0" g="0" b="0"/>
-      </a:lnRef>
-      <a:fillRef idx="1">
-        <a:scrgbClr r="0" g="0" b="0"/>
-      </a:fillRef>
-      <a:effectRef idx="0">
-        <a:scrgbClr r="0" g="0" b="0"/>
-      </a:effectRef>
-      <a:fontRef idx="minor">
-        <a:schemeClr val="lt1"/>
-      </a:fontRef>
-    </dgm:style>
-  </dgm:styleLbl>
-  <dgm:styleLbl name="parChTrans2D3">
-    <dgm:scene3d>
-      <a:camera prst="orthographicFront"/>
-      <a:lightRig rig="threePt" dir="t"/>
-    </dgm:scene3d>
-    <dgm:sp3d/>
-    <dgm:txPr/>
-    <dgm:style>
-      <a:lnRef idx="2">
-        <a:scrgbClr r="0" g="0" b="0"/>
-      </a:lnRef>
-      <a:fillRef idx="1">
-        <a:scrgbClr r="0" g="0" b="0"/>
-      </a:fillRef>
-      <a:effectRef idx="0">
-        <a:scrgbClr r="0" g="0" b="0"/>
-      </a:effectRef>
-      <a:fontRef idx="minor">
-        <a:schemeClr val="lt1"/>
-      </a:fontRef>
-    </dgm:style>
-  </dgm:styleLbl>
-  <dgm:styleLbl name="parChTrans2D4">
-    <dgm:scene3d>
-      <a:camera prst="orthographicFront"/>
-      <a:lightRig rig="threePt" dir="t"/>
-    </dgm:scene3d>
-    <dgm:sp3d/>
-    <dgm:txPr/>
-    <dgm:style>
-      <a:lnRef idx="2">
-        <a:scrgbClr r="0" g="0" b="0"/>
-      </a:lnRef>
-      <a:fillRef idx="1">
-        <a:scrgbClr r="0" g="0" b="0"/>
-      </a:fillRef>
-      <a:effectRef idx="0">
-        <a:scrgbClr r="0" g="0" b="0"/>
-      </a:effectRef>
-      <a:fontRef idx="minor">
-        <a:schemeClr val="lt1"/>
-      </a:fontRef>
-    </dgm:style>
-  </dgm:styleLbl>
-  <dgm:styleLbl name="parChTrans1D1">
-    <dgm:scene3d>
-      <a:camera prst="orthographicFront"/>
-      <a:lightRig rig="threePt" dir="t"/>
-    </dgm:scene3d>
-    <dgm:sp3d/>
-    <dgm:txPr/>
-    <dgm:style>
-      <a:lnRef idx="2">
-        <a:scrgbClr r="0" g="0" b="0"/>
-      </a:lnRef>
-      <a:fillRef idx="0">
-        <a:scrgbClr r="0" g="0" b="0"/>
-      </a:fillRef>
-      <a:effectRef idx="0">
-        <a:scrgbClr r="0" g="0" b="0"/>
-      </a:effectRef>
-      <a:fontRef idx="minor"/>
-    </dgm:style>
-  </dgm:styleLbl>
-  <dgm:styleLbl name="parChTrans1D2">
-    <dgm:scene3d>
-      <a:camera prst="orthographicFront"/>
-      <a:lightRig rig="threePt" dir="t"/>
-    </dgm:scene3d>
-    <dgm:sp3d/>
-    <dgm:txPr/>
-    <dgm:style>
-      <a:lnRef idx="2">
-        <a:scrgbClr r="0" g="0" b="0"/>
-      </a:lnRef>
-      <a:fillRef idx="0">
-        <a:scrgbClr r="0" g="0" b="0"/>
-      </a:fillRef>
-      <a:effectRef idx="0">
-        <a:scrgbClr r="0" g="0" b="0"/>
-      </a:effectRef>
-      <a:fontRef idx="minor"/>
-    </dgm:style>
-  </dgm:styleLbl>
-  <dgm:styleLbl name="parChTrans1D3">
-    <dgm:scene3d>
-      <a:camera prst="orthographicFront"/>
-      <a:lightRig rig="threePt" dir="t"/>
-    </dgm:scene3d>
-    <dgm:sp3d/>
-    <dgm:txPr/>
-    <dgm:style>
-      <a:lnRef idx="2">
-        <a:scrgbClr r="0" g="0" b="0"/>
-      </a:lnRef>
-      <a:fillRef idx="0">
-        <a:scrgbClr r="0" g="0" b="0"/>
-      </a:fillRef>
-      <a:effectRef idx="0">
-        <a:scrgbClr r="0" g="0" b="0"/>
-      </a:effectRef>
-      <a:fontRef idx="minor"/>
-    </dgm:style>
-  </dgm:styleLbl>
-  <dgm:styleLbl name="parChTrans1D4">
-    <dgm:scene3d>
-      <a:camera prst="orthographicFront"/>
-      <a:lightRig rig="threePt" dir="t"/>
-    </dgm:scene3d>
-    <dgm:sp3d/>
-    <dgm:txPr/>
-    <dgm:style>
-      <a:lnRef idx="2">
-        <a:scrgbClr r="0" g="0" b="0"/>
-      </a:lnRef>
-      <a:fillRef idx="0">
-        <a:scrgbClr r="0" g="0" b="0"/>
-      </a:fillRef>
-      <a:effectRef idx="0">
-        <a:scrgbClr r="0" g="0" b="0"/>
-      </a:effectRef>
-      <a:fontRef idx="minor"/>
-    </dgm:style>
-  </dgm:styleLbl>
-  <dgm:styleLbl name="fgAcc1">
-    <dgm:scene3d>
-      <a:camera prst="orthographicFront"/>
-      <a:lightRig rig="threePt" dir="t"/>
-    </dgm:scene3d>
-    <dgm:sp3d/>
-    <dgm:txPr/>
-    <dgm:style>
-      <a:lnRef idx="2">
-        <a:scrgbClr r="0" g="0" b="0"/>
-      </a:lnRef>
-      <a:fillRef idx="1">
-        <a:scrgbClr r="0" g="0" b="0"/>
-      </a:fillRef>
-      <a:effectRef idx="0">
-        <a:scrgbClr r="0" g="0" b="0"/>
-      </a:effectRef>
-      <a:fontRef idx="minor"/>
-    </dgm:style>
-  </dgm:styleLbl>
-  <dgm:styleLbl name="conFgAcc1">
-    <dgm:scene3d>
-      <a:camera prst="orthographicFront"/>
-      <a:lightRig rig="threePt" dir="t"/>
-    </dgm:scene3d>
-    <dgm:sp3d/>
-    <dgm:txPr/>
-    <dgm:style>
-      <a:lnRef idx="2">
-        <a:scrgbClr r="0" g="0" b="0"/>
-      </a:lnRef>
-      <a:fillRef idx="1">
-        <a:scrgbClr r="0" g="0" b="0"/>
-      </a:fillRef>
-      <a:effectRef idx="0">
-        <a:scrgbClr r="0" g="0" b="0"/>
-      </a:effectRef>
-      <a:fontRef idx="minor"/>
-    </dgm:style>
-  </dgm:styleLbl>
-  <dgm:styleLbl name="alignAcc1">
-    <dgm:scene3d>
-      <a:camera prst="orthographicFront"/>
-      <a:lightRig rig="threePt" dir="t"/>
-    </dgm:scene3d>
-    <dgm:sp3d/>
-    <dgm:txPr/>
-    <dgm:style>
-      <a:lnRef idx="2">
-        <a:scrgbClr r="0" g="0" b="0"/>
-      </a:lnRef>
-      <a:fillRef idx="1">
-        <a:scrgbClr r="0" g="0" b="0"/>
-      </a:fillRef>
-      <a:effectRef idx="0">
-        <a:scrgbClr r="0" g="0" b="0"/>
-      </a:effectRef>
-      <a:fontRef idx="minor"/>
-    </dgm:style>
-  </dgm:styleLbl>
-  <dgm:styleLbl name="trAlignAcc1">
-    <dgm:scene3d>
-      <a:camera prst="orthographicFront"/>
-      <a:lightRig rig="threePt" dir="t"/>
-    </dgm:scene3d>
-    <dgm:sp3d/>
-    <dgm:txPr/>
-    <dgm:style>
-      <a:lnRef idx="1">
-        <a:scrgbClr r="0" g="0" b="0"/>
-      </a:lnRef>
-      <a:fillRef idx="1">
-        <a:scrgbClr r="0" g="0" b="0"/>
-      </a:fillRef>
-      <a:effectRef idx="0">
-        <a:scrgbClr r="0" g="0" b="0"/>
-      </a:effectRef>
-      <a:fontRef idx="minor"/>
-    </dgm:style>
-  </dgm:styleLbl>
-  <dgm:styleLbl name="bgAcc1">
-    <dgm:scene3d>
-      <a:camera prst="orthographicFront"/>
-      <a:lightRig rig="threePt" dir="t"/>
-    </dgm:scene3d>
-    <dgm:sp3d/>
-    <dgm:txPr/>
-    <dgm:style>
-      <a:lnRef idx="2">
-        <a:scrgbClr r="0" g="0" b="0"/>
-      </a:lnRef>
-      <a:fillRef idx="1">
-        <a:scrgbClr r="0" g="0" b="0"/>
-      </a:fillRef>
-      <a:effectRef idx="0">
-        <a:scrgbClr r="0" g="0" b="0"/>
-      </a:effectRef>
-      <a:fontRef idx="minor"/>
-    </dgm:style>
-  </dgm:styleLbl>
-  <dgm:styleLbl name="solidFgAcc1">
-    <dgm:scene3d>
-      <a:camera prst="orthographicFront"/>
-      <a:lightRig rig="threePt" dir="t"/>
-    </dgm:scene3d>
-    <dgm:sp3d/>
-    <dgm:txPr/>
-    <dgm:style>
-      <a:lnRef idx="2">
-        <a:scrgbClr r="0" g="0" b="0"/>
-      </a:lnRef>
-      <a:fillRef idx="1">
-        <a:scrgbClr r="0" g="0" b="0"/>
-      </a:fillRef>
-      <a:effectRef idx="0">
-        <a:scrgbClr r="0" g="0" b="0"/>
-      </a:effectRef>
-      <a:fontRef idx="minor"/>
-    </dgm:style>
-  </dgm:styleLbl>
-  <dgm:styleLbl name="solidAlignAcc1">
-    <dgm:scene3d>
-      <a:camera prst="orthographicFront"/>
-      <a:lightRig rig="threePt" dir="t"/>
-    </dgm:scene3d>
-    <dgm:sp3d/>
-    <dgm:txPr/>
-    <dgm:style>
-      <a:lnRef idx="2">
-        <a:scrgbClr r="0" g="0" b="0"/>
-      </a:lnRef>
-      <a:fillRef idx="1">
-        <a:scrgbClr r="0" g="0" b="0"/>
-      </a:fillRef>
-      <a:effectRef idx="0">
-        <a:scrgbClr r="0" g="0" b="0"/>
-      </a:effectRef>
-      <a:fontRef idx="minor"/>
-    </dgm:style>
-  </dgm:styleLbl>
-  <dgm:styleLbl name="solidBgAcc1">
-    <dgm:scene3d>
-      <a:camera prst="orthographicFront"/>
-      <a:lightRig rig="threePt" dir="t"/>
-    </dgm:scene3d>
-    <dgm:sp3d/>
-    <dgm:txPr/>
-    <dgm:style>
-      <a:lnRef idx="2">
-        <a:scrgbClr r="0" g="0" b="0"/>
-      </a:lnRef>
-      <a:fillRef idx="1">
-        <a:scrgbClr r="0" g="0" b="0"/>
-      </a:fillRef>
-      <a:effectRef idx="0">
-        <a:scrgbClr r="0" g="0" b="0"/>
-      </a:effectRef>
-      <a:fontRef idx="minor"/>
-    </dgm:style>
-  </dgm:styleLbl>
-  <dgm:styleLbl name="fgAccFollowNode1">
-    <dgm:scene3d>
-      <a:camera prst="orthographicFront"/>
-      <a:lightRig rig="threePt" dir="t"/>
-    </dgm:scene3d>
-    <dgm:sp3d/>
-    <dgm:txPr/>
-    <dgm:style>
-      <a:lnRef idx="2">
-        <a:scrgbClr r="0" g="0" b="0"/>
-      </a:lnRef>
-      <a:fillRef idx="1">
-        <a:scrgbClr r="0" g="0" b="0"/>
-      </a:fillRef>
-      <a:effectRef idx="0">
-        <a:scrgbClr r="0" g="0" b="0"/>
-      </a:effectRef>
-      <a:fontRef idx="minor"/>
-    </dgm:style>
-  </dgm:styleLbl>
-  <dgm:styleLbl name="alignAccFollowNode1">
-    <dgm:scene3d>
-      <a:camera prst="orthographicFront"/>
-      <a:lightRig rig="threePt" dir="t"/>
-    </dgm:scene3d>
-    <dgm:sp3d/>
-    <dgm:txPr/>
-    <dgm:style>
-      <a:lnRef idx="2">
-        <a:scrgbClr r="0" g="0" b="0"/>
-      </a:lnRef>
-      <a:fillRef idx="1">
-        <a:scrgbClr r="0" g="0" b="0"/>
-      </a:fillRef>
-      <a:effectRef idx="0">
-        <a:scrgbClr r="0" g="0" b="0"/>
-      </a:effectRef>
-      <a:fontRef idx="minor"/>
-    </dgm:style>
-  </dgm:styleLbl>
-  <dgm:styleLbl name="bgAccFollowNode1">
-    <dgm:scene3d>
-      <a:camera prst="orthographicFront"/>
-      <a:lightRig rig="threePt" dir="t"/>
-    </dgm:scene3d>
-    <dgm:sp3d/>
-    <dgm:txPr/>
-    <dgm:style>
-      <a:lnRef idx="2">
-        <a:scrgbClr r="0" g="0" b="0"/>
-      </a:lnRef>
-      <a:fillRef idx="1">
-        <a:scrgbClr r="0" g="0" b="0"/>
-      </a:fillRef>
-      <a:effectRef idx="0">
-        <a:scrgbClr r="0" g="0" b="0"/>
-      </a:effectRef>
-      <a:fontRef idx="minor"/>
-    </dgm:style>
-  </dgm:styleLbl>
-  <dgm:styleLbl name="fgAcc0">
-    <dgm:scene3d>
-      <a:camera prst="orthographicFront"/>
-      <a:lightRig rig="threePt" dir="t"/>
-    </dgm:scene3d>
-    <dgm:sp3d/>
-    <dgm:txPr/>
-    <dgm:style>
-      <a:lnRef idx="2">
-        <a:scrgbClr r="0" g="0" b="0"/>
-      </a:lnRef>
-      <a:fillRef idx="1">
-        <a:scrgbClr r="0" g="0" b="0"/>
-      </a:fillRef>
-      <a:effectRef idx="0">
-        <a:scrgbClr r="0" g="0" b="0"/>
-      </a:effectRef>
-      <a:fontRef idx="minor"/>
-    </dgm:style>
-  </dgm:styleLbl>
-  <dgm:styleLbl name="fgAcc2">
-    <dgm:scene3d>
-      <a:camera prst="orthographicFront"/>
-      <a:lightRig rig="threePt" dir="t"/>
-    </dgm:scene3d>
-    <dgm:sp3d/>
-    <dgm:txPr/>
-    <dgm:style>
-      <a:lnRef idx="2">
-        <a:scrgbClr r="0" g="0" b="0"/>
-      </a:lnRef>
-      <a:fillRef idx="1">
-        <a:scrgbClr r="0" g="0" b="0"/>
-      </a:fillRef>
-      <a:effectRef idx="0">
-        <a:scrgbClr r="0" g="0" b="0"/>
-      </a:effectRef>
-      <a:fontRef idx="minor"/>
-    </dgm:style>
-  </dgm:styleLbl>
-  <dgm:styleLbl name="fgAcc3">
-    <dgm:scene3d>
-      <a:camera prst="orthographicFront"/>
-      <a:lightRig rig="threePt" dir="t"/>
-    </dgm:scene3d>
-    <dgm:sp3d/>
-    <dgm:txPr/>
-    <dgm:style>
-      <a:lnRef idx="2">
-        <a:scrgbClr r="0" g="0" b="0"/>
-      </a:lnRef>
-      <a:fillRef idx="1">
-        <a:scrgbClr r="0" g="0" b="0"/>
-      </a:fillRef>
-      <a:effectRef idx="0">
-        <a:scrgbClr r="0" g="0" b="0"/>
-      </a:effectRef>
-      <a:fontRef idx="minor"/>
-    </dgm:style>
-  </dgm:styleLbl>
-  <dgm:styleLbl name="fgAcc4">
-    <dgm:scene3d>
-      <a:camera prst="orthographicFront"/>
-      <a:lightRig rig="threePt" dir="t"/>
-    </dgm:scene3d>
-    <dgm:sp3d/>
-    <dgm:txPr/>
-    <dgm:style>
-      <a:lnRef idx="2">
-        <a:scrgbClr r="0" g="0" b="0"/>
-      </a:lnRef>
-      <a:fillRef idx="1">
-        <a:scrgbClr r="0" g="0" b="0"/>
-      </a:fillRef>
-      <a:effectRef idx="0">
-        <a:scrgbClr r="0" g="0" b="0"/>
-      </a:effectRef>
-      <a:fontRef idx="minor"/>
-    </dgm:style>
-  </dgm:styleLbl>
-  <dgm:styleLbl name="bgShp">
-    <dgm:scene3d>
-      <a:camera prst="orthographicFront"/>
-      <a:lightRig rig="threePt" dir="t"/>
-    </dgm:scene3d>
-    <dgm:sp3d/>
-    <dgm:txPr/>
-    <dgm:style>
-      <a:lnRef idx="0">
-        <a:scrgbClr r="0" g="0" b="0"/>
-      </a:lnRef>
-      <a:fillRef idx="1">
-        <a:scrgbClr r="0" g="0" b="0"/>
-      </a:fillRef>
-      <a:effectRef idx="0">
-        <a:scrgbClr r="0" g="0" b="0"/>
-      </a:effectRef>
-      <a:fontRef idx="minor"/>
-    </dgm:style>
-  </dgm:styleLbl>
-  <dgm:styleLbl name="dkBgShp">
-    <dgm:scene3d>
-      <a:camera prst="orthographicFront"/>
-      <a:lightRig rig="threePt" dir="t"/>
-    </dgm:scene3d>
-    <dgm:sp3d/>
-    <dgm:txPr/>
-    <dgm:style>
-      <a:lnRef idx="0">
-        <a:scrgbClr r="0" g="0" b="0"/>
-      </a:lnRef>
-      <a:fillRef idx="1">
-        <a:scrgbClr r="0" g="0" b="0"/>
-      </a:fillRef>
-      <a:effectRef idx="0">
-        <a:scrgbClr r="0" g="0" b="0"/>
-      </a:effectRef>
-      <a:fontRef idx="minor"/>
-    </dgm:style>
-  </dgm:styleLbl>
-  <dgm:styleLbl name="trBgShp">
-    <dgm:scene3d>
-      <a:camera prst="orthographicFront"/>
-      <a:lightRig rig="threePt" dir="t"/>
-    </dgm:scene3d>
-    <dgm:sp3d/>
-    <dgm:txPr/>
-    <dgm:style>
-      <a:lnRef idx="0">
-        <a:scrgbClr r="0" g="0" b="0"/>
-      </a:lnRef>
-      <a:fillRef idx="1">
-        <a:scrgbClr r="0" g="0" b="0"/>
-      </a:fillRef>
-      <a:effectRef idx="0">
-        <a:scrgbClr r="0" g="0" b="0"/>
-      </a:effectRef>
-      <a:fontRef idx="minor"/>
-    </dgm:style>
-  </dgm:styleLbl>
-  <dgm:styleLbl name="fgShp">
-    <dgm:scene3d>
-      <a:camera prst="orthographicFront"/>
-      <a:lightRig rig="threePt" dir="t"/>
-    </dgm:scene3d>
-    <dgm:sp3d/>
-    <dgm:txPr/>
-    <dgm:style>
-      <a:lnRef idx="2">
-        <a:scrgbClr r="0" g="0" b="0"/>
-      </a:lnRef>
-      <a:fillRef idx="1">
-        <a:scrgbClr r="0" g="0" b="0"/>
-      </a:fillRef>
-      <a:effectRef idx="0">
-        <a:scrgbClr r="0" g="0" b="0"/>
-      </a:effectRef>
-      <a:fontRef idx="minor"/>
-    </dgm:style>
-  </dgm:styleLbl>
-  <dgm:styleLbl name="revTx">
-    <dgm:scene3d>
-      <a:camera prst="orthographicFront"/>
-      <a:lightRig rig="threePt" dir="t"/>
-    </dgm:scene3d>
-    <dgm:sp3d/>
-    <dgm:txPr/>
-    <dgm:style>
-      <a:lnRef idx="0">
-        <a:scrgbClr r="0" g="0" b="0"/>
-      </a:lnRef>
-      <a:fillRef idx="0">
-        <a:scrgbClr r="0" g="0" b="0"/>
-      </a:fillRef>
-      <a:effectRef idx="0">
-        <a:scrgbClr r="0" g="0" b="0"/>
-      </a:effectRef>
-      <a:fontRef idx="minor"/>
-    </dgm:style>
-  </dgm:styleLbl>
-</dgm:styleDef>
 </file>
 
 <file path=ppt/handoutMasters/handoutMaster1.xml><?xml version="1.0" encoding="utf-8"?>
@@ -19186,7 +15237,7 @@
   </p:txStyles>
   <p:extLst mod="1">
     <p:ext uri="{27BBF7A9-308A-43DC-89C8-2F10F3537804}">
-      <p15:sldGuideLst xmlns="" xmlns:p15="http://schemas.microsoft.com/office/powerpoint/2012/main">
+      <p15:sldGuideLst xmlns:p15="http://schemas.microsoft.com/office/powerpoint/2012/main" xmlns="">
         <p15:guide id="1" orient="horz" pos="2160" userDrawn="1">
           <p15:clr>
             <a:srgbClr val="F26B43"/>
@@ -19646,828 +15697,6 @@
 </p:sld>
 </file>
 
-<file path=ppt/slides/slide12.xml><?xml version="1.0" encoding="utf-8"?>
-<p:sld xmlns:a="http://schemas.openxmlformats.org/drawingml/2006/main" xmlns:r="http://schemas.openxmlformats.org/officeDocument/2006/relationships" xmlns:p="http://schemas.openxmlformats.org/presentationml/2006/main">
-  <p:cSld>
-    <p:spTree>
-      <p:nvGrpSpPr>
-        <p:cNvPr id="1" name=""/>
-        <p:cNvGrpSpPr/>
-        <p:nvPr/>
-      </p:nvGrpSpPr>
-      <p:grpSpPr>
-        <a:xfrm>
-          <a:off x="0" y="0"/>
-          <a:ext cx="0" cy="0"/>
-          <a:chOff x="0" y="0"/>
-          <a:chExt cx="0" cy="0"/>
-        </a:xfrm>
-      </p:grpSpPr>
-      <p:sp>
-        <p:nvSpPr>
-          <p:cNvPr id="2" name="Título 1"/>
-          <p:cNvSpPr>
-            <a:spLocks noGrp="1"/>
-          </p:cNvSpPr>
-          <p:nvPr>
-            <p:ph type="title"/>
-          </p:nvPr>
-        </p:nvSpPr>
-        <p:spPr/>
-        <p:txBody>
-          <a:bodyPr/>
-          <a:lstStyle/>
-          <a:p>
-            <a:r>
-              <a:rPr lang="pt-BR" dirty="0" smtClean="0"/>
-              <a:t>Layout do título e conteúdo com gráfico</a:t>
-            </a:r>
-            <a:endParaRPr lang="pt-BR" dirty="0"/>
-          </a:p>
-        </p:txBody>
-      </p:sp>
-      <p:graphicFrame>
-        <p:nvGraphicFramePr>
-          <p:cNvPr id="6" name="Espaço Reservado para Conteúdo 5" descr="Gráfico de colunas agrupadas"/>
-          <p:cNvGraphicFramePr>
-            <a:graphicFrameLocks noGrp="1"/>
-          </p:cNvGraphicFramePr>
-          <p:nvPr>
-            <p:ph idx="1"/>
-            <p:extLst>
-              <p:ext uri="{D42A27DB-BD31-4B8C-83A1-F6EECF244321}">
-                <p14:modId xmlns:p14="http://schemas.microsoft.com/office/powerpoint/2010/main" val="920940382"/>
-              </p:ext>
-            </p:extLst>
-          </p:nvPr>
-        </p:nvGraphicFramePr>
-        <p:xfrm>
-          <a:off x="1295402" y="1981201"/>
-          <a:ext cx="9601200" cy="3810000"/>
-        </p:xfrm>
-        <a:graphic>
-          <a:graphicData uri="http://schemas.openxmlformats.org/drawingml/2006/chart">
-            <c:chart xmlns:c="http://schemas.openxmlformats.org/drawingml/2006/chart" xmlns:r="http://schemas.openxmlformats.org/officeDocument/2006/relationships" r:id="rId2"/>
-          </a:graphicData>
-        </a:graphic>
-      </p:graphicFrame>
-    </p:spTree>
-    <p:extLst>
-      <p:ext uri="{BB962C8B-B14F-4D97-AF65-F5344CB8AC3E}">
-        <p14:creationId xmlns:p14="http://schemas.microsoft.com/office/powerpoint/2010/main" val="1476019738"/>
-      </p:ext>
-    </p:extLst>
-  </p:cSld>
-  <p:clrMapOvr>
-    <a:masterClrMapping/>
-  </p:clrMapOvr>
-  <mc:AlternateContent xmlns:mc="http://schemas.openxmlformats.org/markup-compatibility/2006" xmlns:p14="http://schemas.microsoft.com/office/powerpoint/2010/main">
-    <mc:Choice Requires="p14">
-      <p:transition spd="med" p14:dur="700">
-        <p:fade/>
-      </p:transition>
-    </mc:Choice>
-    <mc:Fallback xmlns="">
-      <p:transition spd="med">
-        <p:fade/>
-      </p:transition>
-    </mc:Fallback>
-  </mc:AlternateContent>
-</p:sld>
-</file>
-
-<file path=ppt/slides/slide13.xml><?xml version="1.0" encoding="utf-8"?>
-<p:sld xmlns:a="http://schemas.openxmlformats.org/drawingml/2006/main" xmlns:r="http://schemas.openxmlformats.org/officeDocument/2006/relationships" xmlns:p="http://schemas.openxmlformats.org/presentationml/2006/main">
-  <p:cSld>
-    <p:spTree>
-      <p:nvGrpSpPr>
-        <p:cNvPr id="1" name=""/>
-        <p:cNvGrpSpPr/>
-        <p:nvPr/>
-      </p:nvGrpSpPr>
-      <p:grpSpPr>
-        <a:xfrm>
-          <a:off x="0" y="0"/>
-          <a:ext cx="0" cy="0"/>
-          <a:chOff x="0" y="0"/>
-          <a:chExt cx="0" cy="0"/>
-        </a:xfrm>
-      </p:grpSpPr>
-      <p:sp>
-        <p:nvSpPr>
-          <p:cNvPr id="2" name="Título 1"/>
-          <p:cNvSpPr>
-            <a:spLocks noGrp="1"/>
-          </p:cNvSpPr>
-          <p:nvPr>
-            <p:ph type="title"/>
-          </p:nvPr>
-        </p:nvSpPr>
-        <p:spPr/>
-        <p:txBody>
-          <a:bodyPr/>
-          <a:lstStyle/>
-          <a:p>
-            <a:r>
-              <a:rPr lang="pt-BR" dirty="0" smtClean="0"/>
-              <a:t>Layout de conteúdo de duas partes com tabela</a:t>
-            </a:r>
-            <a:endParaRPr lang="pt-BR" dirty="0"/>
-          </a:p>
-        </p:txBody>
-      </p:sp>
-      <p:sp>
-        <p:nvSpPr>
-          <p:cNvPr id="3" name="Espaço Reservado para Conteúdo 2"/>
-          <p:cNvSpPr>
-            <a:spLocks noGrp="1"/>
-          </p:cNvSpPr>
-          <p:nvPr>
-            <p:ph sz="half" idx="1"/>
-          </p:nvPr>
-        </p:nvSpPr>
-        <p:spPr/>
-        <p:txBody>
-          <a:bodyPr/>
-          <a:lstStyle/>
-          <a:p>
-            <a:r>
-              <a:rPr lang="pt-BR" dirty="0" smtClean="0"/>
-              <a:t>Primeiro marcador aqui</a:t>
-            </a:r>
-          </a:p>
-          <a:p>
-            <a:r>
-              <a:rPr lang="pt-BR" dirty="0" smtClean="0"/>
-              <a:t>Segundo marcador aqui</a:t>
-            </a:r>
-          </a:p>
-          <a:p>
-            <a:r>
-              <a:rPr lang="pt-BR" dirty="0" smtClean="0"/>
-              <a:t>Terceiro marcador aqui</a:t>
-            </a:r>
-            <a:endParaRPr lang="pt-BR" dirty="0"/>
-          </a:p>
-        </p:txBody>
-      </p:sp>
-      <p:graphicFrame>
-        <p:nvGraphicFramePr>
-          <p:cNvPr id="5" name="Espaço Reservado para Conteúdo 4" descr="Tabela de amostra com 3 colunas, 4 linhas"/>
-          <p:cNvGraphicFramePr>
-            <a:graphicFrameLocks noGrp="1"/>
-          </p:cNvGraphicFramePr>
-          <p:nvPr>
-            <p:ph sz="half" idx="2"/>
-            <p:extLst>
-              <p:ext uri="{D42A27DB-BD31-4B8C-83A1-F6EECF244321}">
-                <p14:modId xmlns:p14="http://schemas.microsoft.com/office/powerpoint/2010/main" val="2671834102"/>
-              </p:ext>
-            </p:extLst>
-          </p:nvPr>
-        </p:nvGraphicFramePr>
-        <p:xfrm>
-          <a:off x="6324601" y="1981200"/>
-          <a:ext cx="4572000" cy="3657600"/>
-        </p:xfrm>
-        <a:graphic>
-          <a:graphicData uri="http://schemas.openxmlformats.org/drawingml/2006/table">
-            <a:tbl>
-              <a:tblPr firstRow="1" bandRow="1">
-                <a:tableStyleId>{69012ECD-51FC-41F1-AA8D-1B2483CD663E}</a:tableStyleId>
-              </a:tblPr>
-              <a:tblGrid>
-                <a:gridCol w="1524000"/>
-                <a:gridCol w="1524000"/>
-                <a:gridCol w="1524000"/>
-              </a:tblGrid>
-              <a:tr h="914400">
-                <a:tc>
-                  <a:txBody>
-                    <a:bodyPr/>
-                    <a:lstStyle/>
-                    <a:p>
-                      <a:endParaRPr lang="pt-BR" sz="1800" noProof="0" dirty="0"/>
-                    </a:p>
-                  </a:txBody>
-                  <a:tcPr anchor="ctr"/>
-                </a:tc>
-                <a:tc>
-                  <a:txBody>
-                    <a:bodyPr/>
-                    <a:lstStyle/>
-                    <a:p>
-                      <a:pPr algn="ctr"/>
-                      <a:r>
-                        <a:rPr lang="pt-BR" sz="1800" noProof="0" dirty="0" smtClean="0"/>
-                        <a:t>Grupo 1</a:t>
-                      </a:r>
-                      <a:endParaRPr lang="pt-BR" sz="1800" noProof="0" dirty="0"/>
-                    </a:p>
-                  </a:txBody>
-                  <a:tcPr anchor="ctr"/>
-                </a:tc>
-                <a:tc>
-                  <a:txBody>
-                    <a:bodyPr/>
-                    <a:lstStyle/>
-                    <a:p>
-                      <a:pPr algn="ctr"/>
-                      <a:r>
-                        <a:rPr lang="pt-BR" sz="1800" noProof="0" dirty="0" smtClean="0"/>
-                        <a:t>Grupo 2</a:t>
-                      </a:r>
-                      <a:endParaRPr lang="pt-BR" sz="1800" noProof="0" dirty="0"/>
-                    </a:p>
-                  </a:txBody>
-                  <a:tcPr anchor="ctr"/>
-                </a:tc>
-              </a:tr>
-              <a:tr h="914400">
-                <a:tc>
-                  <a:txBody>
-                    <a:bodyPr/>
-                    <a:lstStyle/>
-                    <a:p>
-                      <a:r>
-                        <a:rPr lang="pt-BR" sz="1800" noProof="0" dirty="0" smtClean="0"/>
-                        <a:t>Classe 1</a:t>
-                      </a:r>
-                      <a:endParaRPr lang="pt-BR" sz="1800" noProof="0" dirty="0"/>
-                    </a:p>
-                  </a:txBody>
-                  <a:tcPr anchor="ctr"/>
-                </a:tc>
-                <a:tc>
-                  <a:txBody>
-                    <a:bodyPr/>
-                    <a:lstStyle/>
-                    <a:p>
-                      <a:pPr algn="ctr"/>
-                      <a:r>
-                        <a:rPr lang="pt-BR" sz="1800" noProof="0" dirty="0" smtClean="0"/>
-                        <a:t>82</a:t>
-                      </a:r>
-                      <a:endParaRPr lang="pt-BR" sz="1800" noProof="0" dirty="0"/>
-                    </a:p>
-                  </a:txBody>
-                  <a:tcPr anchor="ctr"/>
-                </a:tc>
-                <a:tc>
-                  <a:txBody>
-                    <a:bodyPr/>
-                    <a:lstStyle/>
-                    <a:p>
-                      <a:pPr algn="ctr"/>
-                      <a:r>
-                        <a:rPr lang="pt-BR" sz="1800" noProof="0" dirty="0" smtClean="0"/>
-                        <a:t>95</a:t>
-                      </a:r>
-                      <a:endParaRPr lang="pt-BR" sz="1800" noProof="0" dirty="0"/>
-                    </a:p>
-                  </a:txBody>
-                  <a:tcPr anchor="ctr"/>
-                </a:tc>
-              </a:tr>
-              <a:tr h="914400">
-                <a:tc>
-                  <a:txBody>
-                    <a:bodyPr/>
-                    <a:lstStyle/>
-                    <a:p>
-                      <a:r>
-                        <a:rPr lang="pt-BR" sz="1800" noProof="0" dirty="0" smtClean="0"/>
-                        <a:t>Classe 2</a:t>
-                      </a:r>
-                      <a:endParaRPr lang="pt-BR" sz="1800" noProof="0" dirty="0"/>
-                    </a:p>
-                  </a:txBody>
-                  <a:tcPr anchor="ctr"/>
-                </a:tc>
-                <a:tc>
-                  <a:txBody>
-                    <a:bodyPr/>
-                    <a:lstStyle/>
-                    <a:p>
-                      <a:pPr algn="ctr"/>
-                      <a:r>
-                        <a:rPr lang="pt-BR" sz="1800" noProof="0" dirty="0" smtClean="0"/>
-                        <a:t>76</a:t>
-                      </a:r>
-                      <a:endParaRPr lang="pt-BR" sz="1800" noProof="0" dirty="0"/>
-                    </a:p>
-                  </a:txBody>
-                  <a:tcPr anchor="ctr"/>
-                </a:tc>
-                <a:tc>
-                  <a:txBody>
-                    <a:bodyPr/>
-                    <a:lstStyle/>
-                    <a:p>
-                      <a:pPr algn="ctr"/>
-                      <a:r>
-                        <a:rPr lang="pt-BR" sz="1800" noProof="0" dirty="0" smtClean="0"/>
-                        <a:t>88</a:t>
-                      </a:r>
-                      <a:endParaRPr lang="pt-BR" sz="1800" noProof="0" dirty="0"/>
-                    </a:p>
-                  </a:txBody>
-                  <a:tcPr anchor="ctr"/>
-                </a:tc>
-              </a:tr>
-              <a:tr h="914400">
-                <a:tc>
-                  <a:txBody>
-                    <a:bodyPr/>
-                    <a:lstStyle/>
-                    <a:p>
-                      <a:r>
-                        <a:rPr lang="pt-BR" sz="1800" noProof="0" dirty="0" smtClean="0"/>
-                        <a:t>Classe 3</a:t>
-                      </a:r>
-                      <a:endParaRPr lang="pt-BR" sz="1800" noProof="0" dirty="0"/>
-                    </a:p>
-                  </a:txBody>
-                  <a:tcPr anchor="ctr"/>
-                </a:tc>
-                <a:tc>
-                  <a:txBody>
-                    <a:bodyPr/>
-                    <a:lstStyle/>
-                    <a:p>
-                      <a:pPr algn="ctr"/>
-                      <a:r>
-                        <a:rPr lang="pt-BR" sz="1800" noProof="0" dirty="0" smtClean="0"/>
-                        <a:t>84</a:t>
-                      </a:r>
-                      <a:endParaRPr lang="pt-BR" sz="1800" noProof="0" dirty="0"/>
-                    </a:p>
-                  </a:txBody>
-                  <a:tcPr anchor="ctr"/>
-                </a:tc>
-                <a:tc>
-                  <a:txBody>
-                    <a:bodyPr/>
-                    <a:lstStyle/>
-                    <a:p>
-                      <a:pPr algn="ctr"/>
-                      <a:r>
-                        <a:rPr lang="pt-BR" sz="1800" noProof="0" dirty="0" smtClean="0"/>
-                        <a:t>90</a:t>
-                      </a:r>
-                      <a:endParaRPr lang="pt-BR" sz="1800" noProof="0" dirty="0"/>
-                    </a:p>
-                  </a:txBody>
-                  <a:tcPr anchor="ctr"/>
-                </a:tc>
-              </a:tr>
-            </a:tbl>
-          </a:graphicData>
-        </a:graphic>
-      </p:graphicFrame>
-    </p:spTree>
-    <p:extLst>
-      <p:ext uri="{BB962C8B-B14F-4D97-AF65-F5344CB8AC3E}">
-        <p14:creationId xmlns:p14="http://schemas.microsoft.com/office/powerpoint/2010/main" val="2318277931"/>
-      </p:ext>
-    </p:extLst>
-  </p:cSld>
-  <p:clrMapOvr>
-    <a:masterClrMapping/>
-  </p:clrMapOvr>
-  <mc:AlternateContent xmlns:mc="http://schemas.openxmlformats.org/markup-compatibility/2006" xmlns:p14="http://schemas.microsoft.com/office/powerpoint/2010/main">
-    <mc:Choice Requires="p14">
-      <p:transition spd="med" p14:dur="700">
-        <p:fade/>
-      </p:transition>
-    </mc:Choice>
-    <mc:Fallback xmlns="">
-      <p:transition spd="med">
-        <p:fade/>
-      </p:transition>
-    </mc:Fallback>
-  </mc:AlternateContent>
-</p:sld>
-</file>
-
-<file path=ppt/slides/slide14.xml><?xml version="1.0" encoding="utf-8"?>
-<p:sld xmlns:a="http://schemas.openxmlformats.org/drawingml/2006/main" xmlns:r="http://schemas.openxmlformats.org/officeDocument/2006/relationships" xmlns:p="http://schemas.openxmlformats.org/presentationml/2006/main">
-  <p:cSld>
-    <p:spTree>
-      <p:nvGrpSpPr>
-        <p:cNvPr id="1" name=""/>
-        <p:cNvGrpSpPr/>
-        <p:nvPr/>
-      </p:nvGrpSpPr>
-      <p:grpSpPr>
-        <a:xfrm>
-          <a:off x="0" y="0"/>
-          <a:ext cx="0" cy="0"/>
-          <a:chOff x="0" y="0"/>
-          <a:chExt cx="0" cy="0"/>
-        </a:xfrm>
-      </p:grpSpPr>
-      <p:sp>
-        <p:nvSpPr>
-          <p:cNvPr id="2" name="Título 1"/>
-          <p:cNvSpPr>
-            <a:spLocks noGrp="1"/>
-          </p:cNvSpPr>
-          <p:nvPr>
-            <p:ph type="title"/>
-          </p:nvPr>
-        </p:nvSpPr>
-        <p:spPr/>
-        <p:txBody>
-          <a:bodyPr/>
-          <a:lstStyle/>
-          <a:p>
-            <a:r>
-              <a:rPr lang="pt-BR" dirty="0" smtClean="0"/>
-              <a:t>Layout do título e conteúdo com SmartArt</a:t>
-            </a:r>
-            <a:endParaRPr lang="pt-BR" dirty="0"/>
-          </a:p>
-        </p:txBody>
-      </p:sp>
-      <p:graphicFrame>
-        <p:nvGraphicFramePr>
-          <p:cNvPr id="4" name="Espaço Reservado para Conteúdo 3" descr="Setas de Processo"/>
-          <p:cNvGraphicFramePr>
-            <a:graphicFrameLocks noGrp="1"/>
-          </p:cNvGraphicFramePr>
-          <p:nvPr>
-            <p:ph idx="1"/>
-            <p:extLst>
-              <p:ext uri="{D42A27DB-BD31-4B8C-83A1-F6EECF244321}">
-                <p14:modId xmlns:p14="http://schemas.microsoft.com/office/powerpoint/2010/main" val="1724712281"/>
-              </p:ext>
-            </p:extLst>
-          </p:nvPr>
-        </p:nvGraphicFramePr>
-        <p:xfrm>
-          <a:off x="1295402" y="1981201"/>
-          <a:ext cx="9601200" cy="3810000"/>
-        </p:xfrm>
-        <a:graphic>
-          <a:graphicData uri="http://schemas.openxmlformats.org/drawingml/2006/diagram">
-            <dgm:relIds xmlns:dgm="http://schemas.openxmlformats.org/drawingml/2006/diagram" xmlns:r="http://schemas.openxmlformats.org/officeDocument/2006/relationships" r:dm="rId2" r:lo="rId3" r:qs="rId4" r:cs="rId5"/>
-          </a:graphicData>
-        </a:graphic>
-      </p:graphicFrame>
-    </p:spTree>
-    <p:extLst>
-      <p:ext uri="{BB962C8B-B14F-4D97-AF65-F5344CB8AC3E}">
-        <p14:creationId xmlns:p14="http://schemas.microsoft.com/office/powerpoint/2010/main" val="2761515851"/>
-      </p:ext>
-    </p:extLst>
-  </p:cSld>
-  <p:clrMapOvr>
-    <a:masterClrMapping/>
-  </p:clrMapOvr>
-  <mc:AlternateContent xmlns:mc="http://schemas.openxmlformats.org/markup-compatibility/2006" xmlns:p14="http://schemas.microsoft.com/office/powerpoint/2010/main">
-    <mc:Choice Requires="p14">
-      <p:transition spd="med" p14:dur="700">
-        <p:fade/>
-      </p:transition>
-    </mc:Choice>
-    <mc:Fallback xmlns="">
-      <p:transition spd="med">
-        <p:fade/>
-      </p:transition>
-    </mc:Fallback>
-  </mc:AlternateContent>
-</p:sld>
-</file>
-
-<file path=ppt/slides/slide15.xml><?xml version="1.0" encoding="utf-8"?>
-<p:sld xmlns:a="http://schemas.openxmlformats.org/drawingml/2006/main" xmlns:r="http://schemas.openxmlformats.org/officeDocument/2006/relationships" xmlns:p="http://schemas.openxmlformats.org/presentationml/2006/main">
-  <p:cSld>
-    <p:spTree>
-      <p:nvGrpSpPr>
-        <p:cNvPr id="1" name=""/>
-        <p:cNvGrpSpPr/>
-        <p:nvPr/>
-      </p:nvGrpSpPr>
-      <p:grpSpPr>
-        <a:xfrm>
-          <a:off x="0" y="0"/>
-          <a:ext cx="0" cy="0"/>
-          <a:chOff x="0" y="0"/>
-          <a:chExt cx="0" cy="0"/>
-        </a:xfrm>
-      </p:grpSpPr>
-      <p:sp>
-        <p:nvSpPr>
-          <p:cNvPr id="2" name="Título 1"/>
-          <p:cNvSpPr>
-            <a:spLocks noGrp="1"/>
-          </p:cNvSpPr>
-          <p:nvPr>
-            <p:ph type="title"/>
-          </p:nvPr>
-        </p:nvSpPr>
-        <p:spPr/>
-        <p:txBody>
-          <a:bodyPr/>
-          <a:lstStyle/>
-          <a:p>
-            <a:endParaRPr lang="pt-BR" dirty="0"/>
-          </a:p>
-        </p:txBody>
-      </p:sp>
-      <p:sp>
-        <p:nvSpPr>
-          <p:cNvPr id="3" name="Espaço Reservado para Texto 2"/>
-          <p:cNvSpPr>
-            <a:spLocks noGrp="1"/>
-          </p:cNvSpPr>
-          <p:nvPr>
-            <p:ph type="body" idx="1"/>
-          </p:nvPr>
-        </p:nvSpPr>
-        <p:spPr/>
-        <p:txBody>
-          <a:bodyPr/>
-          <a:lstStyle/>
-          <a:p>
-            <a:endParaRPr lang="pt-BR" dirty="0"/>
-          </a:p>
-        </p:txBody>
-      </p:sp>
-      <p:sp>
-        <p:nvSpPr>
-          <p:cNvPr id="4" name="Espaço Reservado para Conteúdo 3"/>
-          <p:cNvSpPr>
-            <a:spLocks noGrp="1"/>
-          </p:cNvSpPr>
-          <p:nvPr>
-            <p:ph sz="half" idx="2"/>
-          </p:nvPr>
-        </p:nvSpPr>
-        <p:spPr/>
-        <p:txBody>
-          <a:bodyPr/>
-          <a:lstStyle/>
-          <a:p>
-            <a:endParaRPr lang="pt-BR" dirty="0"/>
-          </a:p>
-        </p:txBody>
-      </p:sp>
-      <p:sp>
-        <p:nvSpPr>
-          <p:cNvPr id="5" name="Espaço Reservado para Texto 4"/>
-          <p:cNvSpPr>
-            <a:spLocks noGrp="1"/>
-          </p:cNvSpPr>
-          <p:nvPr>
-            <p:ph type="body" sz="quarter" idx="3"/>
-          </p:nvPr>
-        </p:nvSpPr>
-        <p:spPr/>
-        <p:txBody>
-          <a:bodyPr/>
-          <a:lstStyle/>
-          <a:p>
-            <a:endParaRPr lang="pt-BR" dirty="0"/>
-          </a:p>
-        </p:txBody>
-      </p:sp>
-      <p:sp>
-        <p:nvSpPr>
-          <p:cNvPr id="6" name="Espaço Reservado para Conteúdo 5"/>
-          <p:cNvSpPr>
-            <a:spLocks noGrp="1"/>
-          </p:cNvSpPr>
-          <p:nvPr>
-            <p:ph sz="quarter" idx="4"/>
-          </p:nvPr>
-        </p:nvSpPr>
-        <p:spPr/>
-        <p:txBody>
-          <a:bodyPr/>
-          <a:lstStyle/>
-          <a:p>
-            <a:endParaRPr lang="pt-BR" dirty="0"/>
-          </a:p>
-        </p:txBody>
-      </p:sp>
-    </p:spTree>
-    <p:extLst>
-      <p:ext uri="{BB962C8B-B14F-4D97-AF65-F5344CB8AC3E}">
-        <p14:creationId xmlns:p14="http://schemas.microsoft.com/office/powerpoint/2010/main" val="2404365765"/>
-      </p:ext>
-    </p:extLst>
-  </p:cSld>
-  <p:clrMapOvr>
-    <a:masterClrMapping/>
-  </p:clrMapOvr>
-  <mc:AlternateContent xmlns:mc="http://schemas.openxmlformats.org/markup-compatibility/2006" xmlns:p14="http://schemas.microsoft.com/office/powerpoint/2010/main">
-    <mc:Choice Requires="p14">
-      <p:transition spd="med" p14:dur="700">
-        <p:fade/>
-      </p:transition>
-    </mc:Choice>
-    <mc:Fallback xmlns="">
-      <p:transition spd="med">
-        <p:fade/>
-      </p:transition>
-    </mc:Fallback>
-  </mc:AlternateContent>
-</p:sld>
-</file>
-
-<file path=ppt/slides/slide16.xml><?xml version="1.0" encoding="utf-8"?>
-<p:sld xmlns:a="http://schemas.openxmlformats.org/drawingml/2006/main" xmlns:r="http://schemas.openxmlformats.org/officeDocument/2006/relationships" xmlns:p="http://schemas.openxmlformats.org/presentationml/2006/main">
-  <p:cSld>
-    <p:spTree>
-      <p:nvGrpSpPr>
-        <p:cNvPr id="1" name=""/>
-        <p:cNvGrpSpPr/>
-        <p:nvPr/>
-      </p:nvGrpSpPr>
-      <p:grpSpPr>
-        <a:xfrm>
-          <a:off x="0" y="0"/>
-          <a:ext cx="0" cy="0"/>
-          <a:chOff x="0" y="0"/>
-          <a:chExt cx="0" cy="0"/>
-        </a:xfrm>
-      </p:grpSpPr>
-      <p:sp>
-        <p:nvSpPr>
-          <p:cNvPr id="2" name="Título 1"/>
-          <p:cNvSpPr>
-            <a:spLocks noGrp="1"/>
-          </p:cNvSpPr>
-          <p:nvPr>
-            <p:ph type="title"/>
-          </p:nvPr>
-        </p:nvSpPr>
-        <p:spPr/>
-        <p:txBody>
-          <a:bodyPr/>
-          <a:lstStyle/>
-          <a:p>
-            <a:endParaRPr lang="pt-BR" dirty="0"/>
-          </a:p>
-        </p:txBody>
-      </p:sp>
-      <p:sp>
-        <p:nvSpPr>
-          <p:cNvPr id="3" name="Espaço Reservado para Conteúdo 2"/>
-          <p:cNvSpPr>
-            <a:spLocks noGrp="1"/>
-          </p:cNvSpPr>
-          <p:nvPr>
-            <p:ph idx="1"/>
-          </p:nvPr>
-        </p:nvSpPr>
-        <p:spPr/>
-        <p:txBody>
-          <a:bodyPr/>
-          <a:lstStyle/>
-          <a:p>
-            <a:endParaRPr lang="pt-BR" dirty="0"/>
-          </a:p>
-        </p:txBody>
-      </p:sp>
-      <p:sp>
-        <p:nvSpPr>
-          <p:cNvPr id="4" name="Espaço Reservado para Texto 3"/>
-          <p:cNvSpPr>
-            <a:spLocks noGrp="1"/>
-          </p:cNvSpPr>
-          <p:nvPr>
-            <p:ph type="body" sz="half" idx="2"/>
-          </p:nvPr>
-        </p:nvSpPr>
-        <p:spPr/>
-        <p:txBody>
-          <a:bodyPr/>
-          <a:lstStyle/>
-          <a:p>
-            <a:endParaRPr lang="pt-BR" dirty="0"/>
-          </a:p>
-        </p:txBody>
-      </p:sp>
-    </p:spTree>
-    <p:extLst>
-      <p:ext uri="{BB962C8B-B14F-4D97-AF65-F5344CB8AC3E}">
-        <p14:creationId xmlns:p14="http://schemas.microsoft.com/office/powerpoint/2010/main" val="4101607575"/>
-      </p:ext>
-    </p:extLst>
-  </p:cSld>
-  <p:clrMapOvr>
-    <a:masterClrMapping/>
-  </p:clrMapOvr>
-  <mc:AlternateContent xmlns:mc="http://schemas.openxmlformats.org/markup-compatibility/2006" xmlns:p14="http://schemas.microsoft.com/office/powerpoint/2010/main">
-    <mc:Choice Requires="p14">
-      <p:transition spd="med" p14:dur="700">
-        <p:fade/>
-      </p:transition>
-    </mc:Choice>
-    <mc:Fallback xmlns="">
-      <p:transition spd="med">
-        <p:fade/>
-      </p:transition>
-    </mc:Fallback>
-  </mc:AlternateContent>
-</p:sld>
-</file>
-
-<file path=ppt/slides/slide17.xml><?xml version="1.0" encoding="utf-8"?>
-<p:sld xmlns:a="http://schemas.openxmlformats.org/drawingml/2006/main" xmlns:r="http://schemas.openxmlformats.org/officeDocument/2006/relationships" xmlns:p="http://schemas.openxmlformats.org/presentationml/2006/main">
-  <p:cSld>
-    <p:spTree>
-      <p:nvGrpSpPr>
-        <p:cNvPr id="1" name=""/>
-        <p:cNvGrpSpPr/>
-        <p:nvPr/>
-      </p:nvGrpSpPr>
-      <p:grpSpPr>
-        <a:xfrm>
-          <a:off x="0" y="0"/>
-          <a:ext cx="0" cy="0"/>
-          <a:chOff x="0" y="0"/>
-          <a:chExt cx="0" cy="0"/>
-        </a:xfrm>
-      </p:grpSpPr>
-      <p:sp>
-        <p:nvSpPr>
-          <p:cNvPr id="2" name="Espaço Reservado para Imagem 1"/>
-          <p:cNvSpPr>
-            <a:spLocks noGrp="1"/>
-          </p:cNvSpPr>
-          <p:nvPr>
-            <p:ph type="pic" idx="1"/>
-          </p:nvPr>
-        </p:nvSpPr>
-        <p:spPr/>
-      </p:sp>
-      <p:sp>
-        <p:nvSpPr>
-          <p:cNvPr id="3" name="Título 2"/>
-          <p:cNvSpPr>
-            <a:spLocks noGrp="1"/>
-          </p:cNvSpPr>
-          <p:nvPr>
-            <p:ph type="title"/>
-          </p:nvPr>
-        </p:nvSpPr>
-        <p:spPr/>
-        <p:txBody>
-          <a:bodyPr/>
-          <a:lstStyle/>
-          <a:p>
-            <a:endParaRPr lang="pt-BR" dirty="0"/>
-          </a:p>
-        </p:txBody>
-      </p:sp>
-      <p:sp>
-        <p:nvSpPr>
-          <p:cNvPr id="4" name="Espaço Reservado para Texto 3"/>
-          <p:cNvSpPr>
-            <a:spLocks noGrp="1"/>
-          </p:cNvSpPr>
-          <p:nvPr>
-            <p:ph type="body" sz="half" idx="2"/>
-          </p:nvPr>
-        </p:nvSpPr>
-        <p:spPr/>
-        <p:txBody>
-          <a:bodyPr/>
-          <a:lstStyle/>
-          <a:p>
-            <a:endParaRPr lang="pt-BR" dirty="0"/>
-          </a:p>
-        </p:txBody>
-      </p:sp>
-    </p:spTree>
-    <p:extLst>
-      <p:ext uri="{BB962C8B-B14F-4D97-AF65-F5344CB8AC3E}">
-        <p14:creationId xmlns:p14="http://schemas.microsoft.com/office/powerpoint/2010/main" val="2794409471"/>
-      </p:ext>
-    </p:extLst>
-  </p:cSld>
-  <p:clrMapOvr>
-    <a:masterClrMapping/>
-  </p:clrMapOvr>
-  <mc:AlternateContent xmlns:mc="http://schemas.openxmlformats.org/markup-compatibility/2006" xmlns:p14="http://schemas.microsoft.com/office/powerpoint/2010/main">
-    <mc:Choice Requires="p14">
-      <p:transition spd="med" p14:dur="700">
-        <p:fade/>
-      </p:transition>
-    </mc:Choice>
-    <mc:Fallback xmlns="">
-      <p:transition spd="med">
-        <p:fade/>
-      </p:transition>
-    </mc:Fallback>
-  </mc:AlternateContent>
-</p:sld>
-</file>
-
 <file path=ppt/slides/slide2.xml><?xml version="1.0" encoding="utf-8"?>
 <p:sld xmlns:a="http://schemas.openxmlformats.org/drawingml/2006/main" xmlns:r="http://schemas.openxmlformats.org/officeDocument/2006/relationships" xmlns:p="http://schemas.openxmlformats.org/presentationml/2006/main">
   <p:cSld>
@@ -20764,11 +15993,7 @@
           <a:p>
             <a:r>
               <a:rPr lang="pt-BR" dirty="0" smtClean="0"/>
-              <a:t>Cada ponto tem um “peso” de acordo com a tabela</a:t>
-            </a:r>
-            <a:r>
-              <a:rPr lang="pt-BR" dirty="0" smtClean="0"/>
-              <a:t>.</a:t>
+              <a:t>Cada ponto tem um “peso” de acordo com a tabela.</a:t>
             </a:r>
           </a:p>
           <a:p>
@@ -20909,7 +16134,6 @@
               <a:rPr lang="pt-BR" dirty="0"/>
               <a:t>e realizam algum processo de manipulação nos arquivos externos ou internos do software.</a:t>
             </a:r>
-            <a:endParaRPr lang="pt-BR" dirty="0"/>
           </a:p>
         </p:txBody>
       </p:sp>
@@ -21139,11 +16363,7 @@
           <a:p>
             <a:r>
               <a:rPr lang="pt-BR" dirty="0" smtClean="0"/>
-              <a:t>Recuperação de dados para o “consumo” do </a:t>
-            </a:r>
-            <a:r>
-              <a:rPr lang="pt-BR" dirty="0" smtClean="0"/>
-              <a:t>usuário, sem que haja processamento do mesmo.</a:t>
+              <a:t>Recuperação de dados para o “consumo” do usuário, sem que haja processamento do mesmo.</a:t>
             </a:r>
             <a:endParaRPr lang="pt-BR" dirty="0"/>
           </a:p>
@@ -21678,7 +16898,7 @@
           <a:graphicData uri="http://schemas.openxmlformats.org/presentationml/2006/ole">
             <mc:AlternateContent xmlns:mc="http://schemas.openxmlformats.org/markup-compatibility/2006">
               <mc:Choice xmlns:v="urn:schemas-microsoft-com:vml" Requires="v">
-                <p:oleObj spid="_x0000_s1032" name="Imagem de bitmap" r:id="rId3" imgW="5877745" imgH="4057143" progId="PBrush">
+                <p:oleObj spid="_x0000_s1033" name="Imagem de bitmap" r:id="rId3" imgW="5877745" imgH="4057143" progId="PBrush">
                   <p:embed/>
                 </p:oleObj>
               </mc:Choice>
@@ -22035,7 +17255,7 @@
   <a:extraClrSchemeLst/>
   <a:extLst>
     <a:ext uri="{05A4C25C-085E-4340-85A3-A5531E510DB2}">
-      <thm15:themeFamily xmlns="" xmlns:thm15="http://schemas.microsoft.com/office/thememl/2012/main" name="O15_4109default" id="{E728D685-11FC-4812-BA85-57AC6F9C9F40}" vid="{BC4E008B-95FF-4815-904E-143A8EDFC1D4}"/>
+      <thm15:themeFamily xmlns:thm15="http://schemas.microsoft.com/office/thememl/2012/main" xmlns="" name="O15_4109default" id="{E728D685-11FC-4812-BA85-57AC6F9C9F40}" vid="{BC4E008B-95FF-4815-904E-143A8EDFC1D4}"/>
     </a:ext>
   </a:extLst>
 </a:theme>
